--- a/Apresentação/inSensor.pptx
+++ b/Apresentação/inSensor.pptx
@@ -105,6 +105,11 @@
       </a:defRPr>
     </a:lvl9pPr>
   </p:defaultTextStyle>
+  <p:extLst>
+    <p:ext uri="{EFAFB233-063F-42B5-8137-9DF3F51BA10A}">
+      <p15:sldGuideLst xmlns:p15="http://schemas.microsoft.com/office/powerpoint/2012/main"/>
+    </p:ext>
+  </p:extLst>
 </p:presentation>
 </file>
 
@@ -150,10 +155,9 @@
           </a:lstStyle>
           <a:p>
             <a:r>
-              <a:rPr lang="pt-BR" smtClean="0"/>
+              <a:rPr lang="pt-BR"/>
               <a:t>Clique para editar o título mestre</a:t>
             </a:r>
-            <a:endParaRPr lang="pt-BR"/>
           </a:p>
         </p:txBody>
       </p:sp>
@@ -215,10 +219,9 @@
           </a:lstStyle>
           <a:p>
             <a:r>
-              <a:rPr lang="pt-BR" smtClean="0"/>
+              <a:rPr lang="pt-BR"/>
               <a:t>Clique para editar o estilo do subtítulo Mestre</a:t>
             </a:r>
-            <a:endParaRPr lang="pt-BR"/>
           </a:p>
         </p:txBody>
       </p:sp>
@@ -333,10 +336,9 @@
           <a:lstStyle/>
           <a:p>
             <a:r>
-              <a:rPr lang="pt-BR" smtClean="0"/>
+              <a:rPr lang="pt-BR"/>
               <a:t>Clique para editar o título mestre</a:t>
             </a:r>
-            <a:endParaRPr lang="pt-BR"/>
           </a:p>
         </p:txBody>
       </p:sp>
@@ -357,38 +359,37 @@
           <a:p>
             <a:pPr lvl="0"/>
             <a:r>
-              <a:rPr lang="pt-BR" smtClean="0"/>
+              <a:rPr lang="pt-BR"/>
               <a:t>Editar estilos de texto Mestre</a:t>
             </a:r>
           </a:p>
           <a:p>
             <a:pPr lvl="1"/>
             <a:r>
-              <a:rPr lang="pt-BR" smtClean="0"/>
+              <a:rPr lang="pt-BR"/>
               <a:t>Segundo nível</a:t>
             </a:r>
           </a:p>
           <a:p>
             <a:pPr lvl="2"/>
             <a:r>
-              <a:rPr lang="pt-BR" smtClean="0"/>
+              <a:rPr lang="pt-BR"/>
               <a:t>Terceiro nível</a:t>
             </a:r>
           </a:p>
           <a:p>
             <a:pPr lvl="3"/>
             <a:r>
-              <a:rPr lang="pt-BR" smtClean="0"/>
+              <a:rPr lang="pt-BR"/>
               <a:t>Quarto nível</a:t>
             </a:r>
           </a:p>
           <a:p>
             <a:pPr lvl="4"/>
             <a:r>
-              <a:rPr lang="pt-BR" smtClean="0"/>
+              <a:rPr lang="pt-BR"/>
               <a:t>Quinto nível</a:t>
             </a:r>
-            <a:endParaRPr lang="pt-BR"/>
           </a:p>
         </p:txBody>
       </p:sp>
@@ -508,10 +509,9 @@
           <a:lstStyle/>
           <a:p>
             <a:r>
-              <a:rPr lang="pt-BR" smtClean="0"/>
+              <a:rPr lang="pt-BR"/>
               <a:t>Clique para editar o título mestre</a:t>
             </a:r>
-            <a:endParaRPr lang="pt-BR"/>
           </a:p>
         </p:txBody>
       </p:sp>
@@ -537,38 +537,37 @@
           <a:p>
             <a:pPr lvl="0"/>
             <a:r>
-              <a:rPr lang="pt-BR" smtClean="0"/>
+              <a:rPr lang="pt-BR"/>
               <a:t>Editar estilos de texto Mestre</a:t>
             </a:r>
           </a:p>
           <a:p>
             <a:pPr lvl="1"/>
             <a:r>
-              <a:rPr lang="pt-BR" smtClean="0"/>
+              <a:rPr lang="pt-BR"/>
               <a:t>Segundo nível</a:t>
             </a:r>
           </a:p>
           <a:p>
             <a:pPr lvl="2"/>
             <a:r>
-              <a:rPr lang="pt-BR" smtClean="0"/>
+              <a:rPr lang="pt-BR"/>
               <a:t>Terceiro nível</a:t>
             </a:r>
           </a:p>
           <a:p>
             <a:pPr lvl="3"/>
             <a:r>
-              <a:rPr lang="pt-BR" smtClean="0"/>
+              <a:rPr lang="pt-BR"/>
               <a:t>Quarto nível</a:t>
             </a:r>
           </a:p>
           <a:p>
             <a:pPr lvl="4"/>
             <a:r>
-              <a:rPr lang="pt-BR" smtClean="0"/>
+              <a:rPr lang="pt-BR"/>
               <a:t>Quinto nível</a:t>
             </a:r>
-            <a:endParaRPr lang="pt-BR"/>
           </a:p>
         </p:txBody>
       </p:sp>
@@ -683,10 +682,9 @@
           <a:lstStyle/>
           <a:p>
             <a:r>
-              <a:rPr lang="pt-BR" smtClean="0"/>
+              <a:rPr lang="pt-BR"/>
               <a:t>Clique para editar o título mestre</a:t>
             </a:r>
-            <a:endParaRPr lang="pt-BR"/>
           </a:p>
         </p:txBody>
       </p:sp>
@@ -707,38 +705,37 @@
           <a:p>
             <a:pPr lvl="0"/>
             <a:r>
-              <a:rPr lang="pt-BR" smtClean="0"/>
+              <a:rPr lang="pt-BR"/>
               <a:t>Editar estilos de texto Mestre</a:t>
             </a:r>
           </a:p>
           <a:p>
             <a:pPr lvl="1"/>
             <a:r>
-              <a:rPr lang="pt-BR" smtClean="0"/>
+              <a:rPr lang="pt-BR"/>
               <a:t>Segundo nível</a:t>
             </a:r>
           </a:p>
           <a:p>
             <a:pPr lvl="2"/>
             <a:r>
-              <a:rPr lang="pt-BR" smtClean="0"/>
+              <a:rPr lang="pt-BR"/>
               <a:t>Terceiro nível</a:t>
             </a:r>
           </a:p>
           <a:p>
             <a:pPr lvl="3"/>
             <a:r>
-              <a:rPr lang="pt-BR" smtClean="0"/>
+              <a:rPr lang="pt-BR"/>
               <a:t>Quarto nível</a:t>
             </a:r>
           </a:p>
           <a:p>
             <a:pPr lvl="4"/>
             <a:r>
-              <a:rPr lang="pt-BR" smtClean="0"/>
+              <a:rPr lang="pt-BR"/>
               <a:t>Quinto nível</a:t>
             </a:r>
-            <a:endParaRPr lang="pt-BR"/>
           </a:p>
         </p:txBody>
       </p:sp>
@@ -862,10 +859,9 @@
           </a:lstStyle>
           <a:p>
             <a:r>
-              <a:rPr lang="pt-BR" smtClean="0"/>
+              <a:rPr lang="pt-BR"/>
               <a:t>Clique para editar o título mestre</a:t>
             </a:r>
-            <a:endParaRPr lang="pt-BR"/>
           </a:p>
         </p:txBody>
       </p:sp>
@@ -982,7 +978,7 @@
           <a:p>
             <a:pPr lvl="0"/>
             <a:r>
-              <a:rPr lang="pt-BR" smtClean="0"/>
+              <a:rPr lang="pt-BR"/>
               <a:t>Editar estilos de texto Mestre</a:t>
             </a:r>
           </a:p>
@@ -1099,10 +1095,9 @@
           <a:lstStyle/>
           <a:p>
             <a:r>
-              <a:rPr lang="pt-BR" smtClean="0"/>
+              <a:rPr lang="pt-BR"/>
               <a:t>Clique para editar o título mestre</a:t>
             </a:r>
-            <a:endParaRPr lang="pt-BR"/>
           </a:p>
         </p:txBody>
       </p:sp>
@@ -1128,38 +1123,37 @@
           <a:p>
             <a:pPr lvl="0"/>
             <a:r>
-              <a:rPr lang="pt-BR" smtClean="0"/>
+              <a:rPr lang="pt-BR"/>
               <a:t>Editar estilos de texto Mestre</a:t>
             </a:r>
           </a:p>
           <a:p>
             <a:pPr lvl="1"/>
             <a:r>
-              <a:rPr lang="pt-BR" smtClean="0"/>
+              <a:rPr lang="pt-BR"/>
               <a:t>Segundo nível</a:t>
             </a:r>
           </a:p>
           <a:p>
             <a:pPr lvl="2"/>
             <a:r>
-              <a:rPr lang="pt-BR" smtClean="0"/>
+              <a:rPr lang="pt-BR"/>
               <a:t>Terceiro nível</a:t>
             </a:r>
           </a:p>
           <a:p>
             <a:pPr lvl="3"/>
             <a:r>
-              <a:rPr lang="pt-BR" smtClean="0"/>
+              <a:rPr lang="pt-BR"/>
               <a:t>Quarto nível</a:t>
             </a:r>
           </a:p>
           <a:p>
             <a:pPr lvl="4"/>
             <a:r>
-              <a:rPr lang="pt-BR" smtClean="0"/>
+              <a:rPr lang="pt-BR"/>
               <a:t>Quinto nível</a:t>
             </a:r>
-            <a:endParaRPr lang="pt-BR"/>
           </a:p>
         </p:txBody>
       </p:sp>
@@ -1185,38 +1179,37 @@
           <a:p>
             <a:pPr lvl="0"/>
             <a:r>
-              <a:rPr lang="pt-BR" smtClean="0"/>
+              <a:rPr lang="pt-BR"/>
               <a:t>Editar estilos de texto Mestre</a:t>
             </a:r>
           </a:p>
           <a:p>
             <a:pPr lvl="1"/>
             <a:r>
-              <a:rPr lang="pt-BR" smtClean="0"/>
+              <a:rPr lang="pt-BR"/>
               <a:t>Segundo nível</a:t>
             </a:r>
           </a:p>
           <a:p>
             <a:pPr lvl="2"/>
             <a:r>
-              <a:rPr lang="pt-BR" smtClean="0"/>
+              <a:rPr lang="pt-BR"/>
               <a:t>Terceiro nível</a:t>
             </a:r>
           </a:p>
           <a:p>
             <a:pPr lvl="3"/>
             <a:r>
-              <a:rPr lang="pt-BR" smtClean="0"/>
+              <a:rPr lang="pt-BR"/>
               <a:t>Quarto nível</a:t>
             </a:r>
           </a:p>
           <a:p>
             <a:pPr lvl="4"/>
             <a:r>
-              <a:rPr lang="pt-BR" smtClean="0"/>
+              <a:rPr lang="pt-BR"/>
               <a:t>Quinto nível</a:t>
             </a:r>
-            <a:endParaRPr lang="pt-BR"/>
           </a:p>
         </p:txBody>
       </p:sp>
@@ -1336,10 +1329,9 @@
           <a:lstStyle/>
           <a:p>
             <a:r>
-              <a:rPr lang="pt-BR" smtClean="0"/>
+              <a:rPr lang="pt-BR"/>
               <a:t>Clique para editar o título mestre</a:t>
             </a:r>
-            <a:endParaRPr lang="pt-BR"/>
           </a:p>
         </p:txBody>
       </p:sp>
@@ -1402,7 +1394,7 @@
           <a:p>
             <a:pPr lvl="0"/>
             <a:r>
-              <a:rPr lang="pt-BR" smtClean="0"/>
+              <a:rPr lang="pt-BR"/>
               <a:t>Editar estilos de texto Mestre</a:t>
             </a:r>
           </a:p>
@@ -1430,38 +1422,37 @@
           <a:p>
             <a:pPr lvl="0"/>
             <a:r>
-              <a:rPr lang="pt-BR" smtClean="0"/>
+              <a:rPr lang="pt-BR"/>
               <a:t>Editar estilos de texto Mestre</a:t>
             </a:r>
           </a:p>
           <a:p>
             <a:pPr lvl="1"/>
             <a:r>
-              <a:rPr lang="pt-BR" smtClean="0"/>
+              <a:rPr lang="pt-BR"/>
               <a:t>Segundo nível</a:t>
             </a:r>
           </a:p>
           <a:p>
             <a:pPr lvl="2"/>
             <a:r>
-              <a:rPr lang="pt-BR" smtClean="0"/>
+              <a:rPr lang="pt-BR"/>
               <a:t>Terceiro nível</a:t>
             </a:r>
           </a:p>
           <a:p>
             <a:pPr lvl="3"/>
             <a:r>
-              <a:rPr lang="pt-BR" smtClean="0"/>
+              <a:rPr lang="pt-BR"/>
               <a:t>Quarto nível</a:t>
             </a:r>
           </a:p>
           <a:p>
             <a:pPr lvl="4"/>
             <a:r>
-              <a:rPr lang="pt-BR" smtClean="0"/>
+              <a:rPr lang="pt-BR"/>
               <a:t>Quinto nível</a:t>
             </a:r>
-            <a:endParaRPr lang="pt-BR"/>
           </a:p>
         </p:txBody>
       </p:sp>
@@ -1524,7 +1515,7 @@
           <a:p>
             <a:pPr lvl="0"/>
             <a:r>
-              <a:rPr lang="pt-BR" smtClean="0"/>
+              <a:rPr lang="pt-BR"/>
               <a:t>Editar estilos de texto Mestre</a:t>
             </a:r>
           </a:p>
@@ -1552,38 +1543,37 @@
           <a:p>
             <a:pPr lvl="0"/>
             <a:r>
-              <a:rPr lang="pt-BR" smtClean="0"/>
+              <a:rPr lang="pt-BR"/>
               <a:t>Editar estilos de texto Mestre</a:t>
             </a:r>
           </a:p>
           <a:p>
             <a:pPr lvl="1"/>
             <a:r>
-              <a:rPr lang="pt-BR" smtClean="0"/>
+              <a:rPr lang="pt-BR"/>
               <a:t>Segundo nível</a:t>
             </a:r>
           </a:p>
           <a:p>
             <a:pPr lvl="2"/>
             <a:r>
-              <a:rPr lang="pt-BR" smtClean="0"/>
+              <a:rPr lang="pt-BR"/>
               <a:t>Terceiro nível</a:t>
             </a:r>
           </a:p>
           <a:p>
             <a:pPr lvl="3"/>
             <a:r>
-              <a:rPr lang="pt-BR" smtClean="0"/>
+              <a:rPr lang="pt-BR"/>
               <a:t>Quarto nível</a:t>
             </a:r>
           </a:p>
           <a:p>
             <a:pPr lvl="4"/>
             <a:r>
-              <a:rPr lang="pt-BR" smtClean="0"/>
+              <a:rPr lang="pt-BR"/>
               <a:t>Quinto nível</a:t>
             </a:r>
-            <a:endParaRPr lang="pt-BR"/>
           </a:p>
         </p:txBody>
       </p:sp>
@@ -1698,10 +1688,9 @@
           <a:lstStyle/>
           <a:p>
             <a:r>
-              <a:rPr lang="pt-BR" smtClean="0"/>
+              <a:rPr lang="pt-BR"/>
               <a:t>Clique para editar o título mestre</a:t>
             </a:r>
-            <a:endParaRPr lang="pt-BR"/>
           </a:p>
         </p:txBody>
       </p:sp>
@@ -1920,10 +1909,9 @@
           </a:lstStyle>
           <a:p>
             <a:r>
-              <a:rPr lang="pt-BR" smtClean="0"/>
+              <a:rPr lang="pt-BR"/>
               <a:t>Clique para editar o título mestre</a:t>
             </a:r>
-            <a:endParaRPr lang="pt-BR"/>
           </a:p>
         </p:txBody>
       </p:sp>
@@ -1977,38 +1965,37 @@
           <a:p>
             <a:pPr lvl="0"/>
             <a:r>
-              <a:rPr lang="pt-BR" smtClean="0"/>
+              <a:rPr lang="pt-BR"/>
               <a:t>Editar estilos de texto Mestre</a:t>
             </a:r>
           </a:p>
           <a:p>
             <a:pPr lvl="1"/>
             <a:r>
-              <a:rPr lang="pt-BR" smtClean="0"/>
+              <a:rPr lang="pt-BR"/>
               <a:t>Segundo nível</a:t>
             </a:r>
           </a:p>
           <a:p>
             <a:pPr lvl="2"/>
             <a:r>
-              <a:rPr lang="pt-BR" smtClean="0"/>
+              <a:rPr lang="pt-BR"/>
               <a:t>Terceiro nível</a:t>
             </a:r>
           </a:p>
           <a:p>
             <a:pPr lvl="3"/>
             <a:r>
-              <a:rPr lang="pt-BR" smtClean="0"/>
+              <a:rPr lang="pt-BR"/>
               <a:t>Quarto nível</a:t>
             </a:r>
           </a:p>
           <a:p>
             <a:pPr lvl="4"/>
             <a:r>
-              <a:rPr lang="pt-BR" smtClean="0"/>
+              <a:rPr lang="pt-BR"/>
               <a:t>Quinto nível</a:t>
             </a:r>
-            <a:endParaRPr lang="pt-BR"/>
           </a:p>
         </p:txBody>
       </p:sp>
@@ -2071,7 +2058,7 @@
           <a:p>
             <a:pPr lvl="0"/>
             <a:r>
-              <a:rPr lang="pt-BR" smtClean="0"/>
+              <a:rPr lang="pt-BR"/>
               <a:t>Editar estilos de texto Mestre</a:t>
             </a:r>
           </a:p>
@@ -2197,10 +2184,9 @@
           </a:lstStyle>
           <a:p>
             <a:r>
-              <a:rPr lang="pt-BR" smtClean="0"/>
+              <a:rPr lang="pt-BR"/>
               <a:t>Clique para editar o título mestre</a:t>
             </a:r>
-            <a:endParaRPr lang="pt-BR"/>
           </a:p>
         </p:txBody>
       </p:sp>
@@ -2324,7 +2310,7 @@
           <a:p>
             <a:pPr lvl="0"/>
             <a:r>
-              <a:rPr lang="pt-BR" smtClean="0"/>
+              <a:rPr lang="pt-BR"/>
               <a:t>Editar estilos de texto Mestre</a:t>
             </a:r>
           </a:p>
@@ -2456,10 +2442,9 @@
           <a:lstStyle/>
           <a:p>
             <a:r>
-              <a:rPr lang="pt-BR" smtClean="0"/>
+              <a:rPr lang="pt-BR"/>
               <a:t>Clique para editar o título mestre</a:t>
             </a:r>
-            <a:endParaRPr lang="pt-BR"/>
           </a:p>
         </p:txBody>
       </p:sp>
@@ -2490,38 +2475,37 @@
           <a:p>
             <a:pPr lvl="0"/>
             <a:r>
-              <a:rPr lang="pt-BR" smtClean="0"/>
+              <a:rPr lang="pt-BR"/>
               <a:t>Editar estilos de texto Mestre</a:t>
             </a:r>
           </a:p>
           <a:p>
             <a:pPr lvl="1"/>
             <a:r>
-              <a:rPr lang="pt-BR" smtClean="0"/>
+              <a:rPr lang="pt-BR"/>
               <a:t>Segundo nível</a:t>
             </a:r>
           </a:p>
           <a:p>
             <a:pPr lvl="2"/>
             <a:r>
-              <a:rPr lang="pt-BR" smtClean="0"/>
+              <a:rPr lang="pt-BR"/>
               <a:t>Terceiro nível</a:t>
             </a:r>
           </a:p>
           <a:p>
             <a:pPr lvl="3"/>
             <a:r>
-              <a:rPr lang="pt-BR" smtClean="0"/>
+              <a:rPr lang="pt-BR"/>
               <a:t>Quarto nível</a:t>
             </a:r>
           </a:p>
           <a:p>
             <a:pPr lvl="4"/>
             <a:r>
-              <a:rPr lang="pt-BR" smtClean="0"/>
+              <a:rPr lang="pt-BR"/>
               <a:t>Quinto nível</a:t>
             </a:r>
-            <a:endParaRPr lang="pt-BR"/>
           </a:p>
         </p:txBody>
       </p:sp>
@@ -3064,36 +3048,6 @@
       </p:sp>
       <p:pic>
         <p:nvPicPr>
-          <p:cNvPr id="5" name="Imagem 4"/>
-          <p:cNvPicPr>
-            <a:picLocks noChangeAspect="1"/>
-          </p:cNvPicPr>
-          <p:nvPr/>
-        </p:nvPicPr>
-        <p:blipFill>
-          <a:blip r:embed="rId4" cstate="print">
-            <a:extLst>
-              <a:ext uri="{28A0092B-C50C-407E-A947-70E740481C1C}">
-                <a14:useLocalDpi xmlns:a14="http://schemas.microsoft.com/office/drawing/2010/main" val="0"/>
-              </a:ext>
-            </a:extLst>
-          </a:blip>
-          <a:stretch>
-            <a:fillRect/>
-          </a:stretch>
-        </p:blipFill>
-        <p:spPr>
-          <a:xfrm>
-            <a:off x="9423400" y="6119707"/>
-            <a:ext cx="2768600" cy="738293"/>
-          </a:xfrm>
-          <a:prstGeom prst="rect">
-            <a:avLst/>
-          </a:prstGeom>
-        </p:spPr>
-      </p:pic>
-      <p:pic>
-        <p:nvPicPr>
           <p:cNvPr id="10" name="Imagem 9"/>
           <p:cNvPicPr>
             <a:picLocks noChangeAspect="1"/>
@@ -3101,7 +3055,7 @@
           <p:nvPr/>
         </p:nvPicPr>
         <p:blipFill rotWithShape="1">
-          <a:blip r:embed="rId5">
+          <a:blip r:embed="rId4">
             <a:extLst>
               <a:ext uri="{28A0092B-C50C-407E-A947-70E740481C1C}">
                 <a14:useLocalDpi xmlns:a14="http://schemas.microsoft.com/office/drawing/2010/main" val="0"/>
@@ -3159,58 +3113,7 @@
                 </a:effectLst>
                 <a:latin typeface="Exo 2 Extra Light" panose="00000300000000000000" pitchFamily="50" charset="0"/>
               </a:rPr>
-              <a:t>Sistema de </a:t>
-            </a:r>
-            <a:r>
-              <a:rPr lang="pt-BR" sz="3200" b="1" dirty="0" smtClean="0">
-                <a:ln w="0"/>
-                <a:solidFill>
-                  <a:schemeClr val="bg1"/>
-                </a:solidFill>
-                <a:effectLst>
-                  <a:outerShdw blurRad="38100" dist="19050" dir="2700000" algn="tl" rotWithShape="0">
-                    <a:schemeClr val="dk1">
-                      <a:alpha val="40000"/>
-                    </a:schemeClr>
-                  </a:outerShdw>
-                </a:effectLst>
-                <a:latin typeface="Exo 2 Extra Light" panose="00000300000000000000" pitchFamily="50" charset="0"/>
-              </a:rPr>
-              <a:t>temperatura </a:t>
-            </a:r>
-            <a:r>
-              <a:rPr lang="pt-BR" sz="3200" b="1" dirty="0">
-                <a:ln w="0"/>
-                <a:solidFill>
-                  <a:schemeClr val="bg1"/>
-                </a:solidFill>
-                <a:effectLst>
-                  <a:outerShdw blurRad="38100" dist="19050" dir="2700000" algn="tl" rotWithShape="0">
-                    <a:schemeClr val="dk1">
-                      <a:alpha val="40000"/>
-                    </a:schemeClr>
-                  </a:outerShdw>
-                </a:effectLst>
-                <a:latin typeface="Exo 2 Extra Light" panose="00000300000000000000" pitchFamily="50" charset="0"/>
-              </a:rPr>
-              <a:t>e </a:t>
-            </a:r>
-            <a:r>
-              <a:rPr lang="pt-BR" sz="3200" b="1" dirty="0" smtClean="0">
-                <a:ln w="0"/>
-                <a:solidFill>
-                  <a:schemeClr val="bg1"/>
-                </a:solidFill>
-                <a:effectLst>
-                  <a:outerShdw blurRad="38100" dist="19050" dir="2700000" algn="tl" rotWithShape="0">
-                    <a:schemeClr val="dk1">
-                      <a:alpha val="40000"/>
-                    </a:schemeClr>
-                  </a:outerShdw>
-                </a:effectLst>
-                <a:latin typeface="Exo 2 Extra Light" panose="00000300000000000000" pitchFamily="50" charset="0"/>
-              </a:rPr>
-              <a:t>umidade para incubadoras neonatal</a:t>
+              <a:t>Sistema de temperatura e umidade para incubadoras neonatal</a:t>
             </a:r>
             <a:endParaRPr lang="pt-BR" sz="3200" b="1" cap="none" spc="0" dirty="0">
               <a:ln w="0"/>
@@ -3238,7 +3141,7 @@
           <p:nvPr/>
         </p:nvPicPr>
         <p:blipFill rotWithShape="1">
-          <a:blip r:embed="rId6">
+          <a:blip r:embed="rId5">
             <a:extLst>
               <a:ext uri="{28A0092B-C50C-407E-A947-70E740481C1C}">
                 <a14:useLocalDpi xmlns:a14="http://schemas.microsoft.com/office/drawing/2010/main" val="0"/>
@@ -3268,13 +3171,6 @@
   <p:clrMapOvr>
     <a:masterClrMapping/>
   </p:clrMapOvr>
-  <p:timing>
-    <p:tnLst>
-      <p:par>
-        <p:cTn id="1" dur="indefinite" restart="never" nodeType="tmRoot"/>
-      </p:par>
-    </p:tnLst>
-  </p:timing>
 </p:sld>
 </file>
 
@@ -3409,7 +3305,7 @@
           <a:lstStyle/>
           <a:p>
             <a:r>
-              <a:rPr lang="pt-BR" sz="2000" b="1" dirty="0" smtClean="0">
+              <a:rPr lang="pt-BR" sz="2000" b="1" dirty="0">
                 <a:ln w="0"/>
                 <a:solidFill>
                   <a:schemeClr val="bg1"/>
@@ -3450,7 +3346,7 @@
         </p:nvSpPr>
         <p:spPr>
           <a:xfrm>
-            <a:off x="4799822" y="1449803"/>
+            <a:off x="4799822" y="1311579"/>
             <a:ext cx="3302004" cy="523220"/>
           </a:xfrm>
           <a:prstGeom prst="rect">
@@ -3466,7 +3362,7 @@
           <a:p>
             <a:pPr algn="just"/>
             <a:r>
-              <a:rPr lang="pt-BR" sz="2800" b="1" dirty="0" smtClean="0">
+              <a:rPr lang="pt-BR" sz="2800" b="1" dirty="0">
                 <a:ln w="0"/>
                 <a:solidFill>
                   <a:schemeClr val="bg1"/>
@@ -3546,7 +3442,7 @@
         </p:nvSpPr>
         <p:spPr>
           <a:xfrm>
-            <a:off x="5905500" y="5232692"/>
+            <a:off x="5944591" y="5382303"/>
             <a:ext cx="4909283" cy="1323439"/>
           </a:xfrm>
           <a:prstGeom prst="rect">
@@ -3562,7 +3458,7 @@
           <a:p>
             <a:pPr algn="r"/>
             <a:r>
-              <a:rPr lang="pt-BR" sz="2000" b="1" dirty="0" smtClean="0">
+              <a:rPr lang="pt-BR" sz="2000" b="1" dirty="0">
                 <a:ln w="0"/>
                 <a:solidFill>
                   <a:schemeClr val="bg1"/>
@@ -3582,7 +3478,7 @@
           <a:p>
             <a:pPr algn="r"/>
             <a:r>
-              <a:rPr lang="pt-BR" sz="2000" b="1" cap="none" spc="0" dirty="0" smtClean="0">
+              <a:rPr lang="pt-BR" sz="2000" b="1" cap="none" spc="0" dirty="0">
                 <a:ln w="0"/>
                 <a:solidFill>
                   <a:schemeClr val="bg1"/>
@@ -3602,7 +3498,7 @@
           <a:p>
             <a:pPr algn="r"/>
             <a:r>
-              <a:rPr lang="pt-BR" sz="2000" b="1" dirty="0" smtClean="0">
+              <a:rPr lang="pt-BR" sz="2000" b="1" dirty="0">
                 <a:ln w="0"/>
                 <a:solidFill>
                   <a:schemeClr val="bg1"/>
@@ -3618,25 +3514,11 @@
               </a:rPr>
               <a:t>MATHEUS DE OLIVEIRA RODRIGUES</a:t>
             </a:r>
-            <a:endParaRPr lang="pt-BR" sz="2000" b="1" dirty="0" smtClean="0">
-              <a:ln w="0"/>
-              <a:solidFill>
-                <a:schemeClr val="bg1"/>
-              </a:solidFill>
-              <a:effectLst>
-                <a:outerShdw blurRad="38100" dist="19050" dir="2700000" algn="tl" rotWithShape="0">
-                  <a:schemeClr val="dk1">
-                    <a:alpha val="40000"/>
-                  </a:schemeClr>
-                </a:outerShdw>
-              </a:effectLst>
-              <a:latin typeface="Exo 2 Extra Light" panose="00000300000000000000" pitchFamily="50" charset="0"/>
-            </a:endParaRPr>
           </a:p>
           <a:p>
             <a:pPr algn="r"/>
             <a:r>
-              <a:rPr lang="pt-BR" sz="2000" b="1" cap="none" spc="0" dirty="0" smtClean="0">
+              <a:rPr lang="pt-BR" sz="2000" b="1" cap="none" spc="0" dirty="0">
                 <a:ln w="0"/>
                 <a:solidFill>
                   <a:schemeClr val="bg1"/>
@@ -3652,6 +3534,109 @@
               </a:rPr>
               <a:t>RODOLFO GREGÓRIO ALVES DE LIMA</a:t>
             </a:r>
+          </a:p>
+        </p:txBody>
+      </p:sp>
+      <p:sp>
+        <p:nvSpPr>
+          <p:cNvPr id="20" name="Retângulo 19"/>
+          <p:cNvSpPr/>
+          <p:nvPr/>
+        </p:nvSpPr>
+        <p:spPr>
+          <a:xfrm>
+            <a:off x="11031222" y="5382302"/>
+            <a:ext cx="1022521" cy="1323439"/>
+          </a:xfrm>
+          <a:prstGeom prst="rect">
+            <a:avLst/>
+          </a:prstGeom>
+          <a:noFill/>
+        </p:spPr>
+        <p:txBody>
+          <a:bodyPr wrap="square" lIns="91440" tIns="45720" rIns="91440" bIns="45720">
+            <a:spAutoFit/>
+          </a:bodyPr>
+          <a:lstStyle/>
+          <a:p>
+            <a:pPr algn="r"/>
+            <a:r>
+              <a:rPr lang="pt-BR" sz="2000" b="1" cap="none" spc="0" dirty="0">
+                <a:ln w="0"/>
+                <a:solidFill>
+                  <a:schemeClr val="bg1"/>
+                </a:solidFill>
+                <a:effectLst>
+                  <a:outerShdw blurRad="38100" dist="19050" dir="2700000" algn="tl" rotWithShape="0">
+                    <a:schemeClr val="dk1">
+                      <a:alpha val="40000"/>
+                    </a:schemeClr>
+                  </a:outerShdw>
+                </a:effectLst>
+                <a:latin typeface="Exo 2 Extra Light" panose="00000300000000000000" pitchFamily="50" charset="0"/>
+              </a:rPr>
+              <a:t>52029</a:t>
+            </a:r>
+          </a:p>
+          <a:p>
+            <a:pPr algn="r"/>
+            <a:r>
+              <a:rPr lang="pt-BR" sz="2000" b="1" dirty="0">
+                <a:ln w="0"/>
+                <a:solidFill>
+                  <a:schemeClr val="bg1"/>
+                </a:solidFill>
+                <a:effectLst>
+                  <a:outerShdw blurRad="38100" dist="19050" dir="2700000" algn="tl" rotWithShape="0">
+                    <a:schemeClr val="dk1">
+                      <a:alpha val="40000"/>
+                    </a:schemeClr>
+                  </a:outerShdw>
+                </a:effectLst>
+                <a:latin typeface="Exo 2 Extra Light" panose="00000300000000000000" pitchFamily="50" charset="0"/>
+              </a:rPr>
+              <a:t>52044</a:t>
+            </a:r>
+          </a:p>
+          <a:p>
+            <a:pPr algn="r"/>
+            <a:r>
+              <a:rPr lang="pt-BR" sz="2000" b="1" cap="none" spc="0" dirty="0">
+                <a:ln w="0"/>
+                <a:solidFill>
+                  <a:schemeClr val="bg1"/>
+                </a:solidFill>
+                <a:effectLst>
+                  <a:outerShdw blurRad="38100" dist="19050" dir="2700000" algn="tl" rotWithShape="0">
+                    <a:schemeClr val="dk1">
+                      <a:alpha val="40000"/>
+                    </a:schemeClr>
+                  </a:outerShdw>
+                </a:effectLst>
+                <a:latin typeface="Exo 2 Extra Light" panose="00000300000000000000" pitchFamily="50" charset="0"/>
+              </a:rPr>
+              <a:t>52046</a:t>
+            </a:r>
+          </a:p>
+          <a:p>
+            <a:pPr algn="r"/>
+            <a:r>
+              <a:rPr lang="pt-BR" sz="2000" b="1" dirty="0">
+                <a:ln w="0"/>
+                <a:solidFill>
+                  <a:schemeClr val="bg1"/>
+                </a:solidFill>
+                <a:effectLst>
+                  <a:outerShdw blurRad="38100" dist="19050" dir="2700000" algn="tl" rotWithShape="0">
+                    <a:schemeClr val="dk1">
+                      <a:alpha val="40000"/>
+                    </a:schemeClr>
+                  </a:outerShdw>
+                </a:effectLst>
+                <a:latin typeface="Exo 2 Extra Light" panose="00000300000000000000" pitchFamily="50" charset="0"/>
+              </a:rPr>
+              <a:t>52074</a:t>
+            </a:r>
             <a:endParaRPr lang="pt-BR" sz="2000" b="1" cap="none" spc="0" dirty="0">
               <a:ln w="0"/>
               <a:solidFill>
@@ -3669,16 +3654,142 @@
           </a:p>
         </p:txBody>
       </p:sp>
-      <p:sp>
-        <p:nvSpPr>
-          <p:cNvPr id="20" name="Retângulo 19"/>
+      <p:cxnSp>
+        <p:nvCxnSpPr>
+          <p:cNvPr id="9" name="Conector reto 8">
+            <a:extLst>
+              <a:ext uri="{FF2B5EF4-FFF2-40B4-BE49-F238E27FC236}">
+                <a16:creationId xmlns:a16="http://schemas.microsoft.com/office/drawing/2014/main" id="{6510727C-C843-4D84-A07F-20F37366891D}"/>
+              </a:ext>
+            </a:extLst>
+          </p:cNvPr>
+          <p:cNvCxnSpPr/>
+          <p:nvPr/>
+        </p:nvCxnSpPr>
+        <p:spPr>
+          <a:xfrm>
+            <a:off x="2716696" y="1918259"/>
+            <a:ext cx="6758608" cy="0"/>
+          </a:xfrm>
+          <a:prstGeom prst="line">
+            <a:avLst/>
+          </a:prstGeom>
+          <a:ln>
+            <a:solidFill>
+              <a:schemeClr val="bg1"/>
+            </a:solidFill>
+          </a:ln>
+        </p:spPr>
+        <p:style>
+          <a:lnRef idx="1">
+            <a:schemeClr val="accent1"/>
+          </a:lnRef>
+          <a:fillRef idx="0">
+            <a:schemeClr val="accent1"/>
+          </a:fillRef>
+          <a:effectRef idx="0">
+            <a:schemeClr val="accent1"/>
+          </a:effectRef>
+          <a:fontRef idx="minor">
+            <a:schemeClr val="tx1"/>
+          </a:fontRef>
+        </p:style>
+      </p:cxnSp>
+      <p:cxnSp>
+        <p:nvCxnSpPr>
+          <p:cNvPr id="12" name="Conector reto 11">
+            <a:extLst>
+              <a:ext uri="{FF2B5EF4-FFF2-40B4-BE49-F238E27FC236}">
+                <a16:creationId xmlns:a16="http://schemas.microsoft.com/office/drawing/2014/main" id="{AE5231F2-20F2-43E3-AE00-E9BD274B7EC7}"/>
+              </a:ext>
+            </a:extLst>
+          </p:cNvPr>
+          <p:cNvCxnSpPr>
+            <a:cxnSpLocks/>
+          </p:cNvCxnSpPr>
+          <p:nvPr/>
+        </p:nvCxnSpPr>
+        <p:spPr>
+          <a:xfrm>
+            <a:off x="10986639" y="4774019"/>
+            <a:ext cx="0" cy="1931722"/>
+          </a:xfrm>
+          <a:prstGeom prst="line">
+            <a:avLst/>
+          </a:prstGeom>
+          <a:ln>
+            <a:solidFill>
+              <a:schemeClr val="bg1"/>
+            </a:solidFill>
+          </a:ln>
+        </p:spPr>
+        <p:style>
+          <a:lnRef idx="1">
+            <a:schemeClr val="accent1"/>
+          </a:lnRef>
+          <a:fillRef idx="0">
+            <a:schemeClr val="accent1"/>
+          </a:fillRef>
+          <a:effectRef idx="0">
+            <a:schemeClr val="accent1"/>
+          </a:effectRef>
+          <a:fontRef idx="minor">
+            <a:schemeClr val="tx1"/>
+          </a:fontRef>
+        </p:style>
+      </p:cxnSp>
+      <p:pic>
+        <p:nvPicPr>
+          <p:cNvPr id="13" name="Imagem 12">
+            <a:extLst>
+              <a:ext uri="{FF2B5EF4-FFF2-40B4-BE49-F238E27FC236}">
+                <a16:creationId xmlns:a16="http://schemas.microsoft.com/office/drawing/2014/main" id="{FE19BE6A-7136-4270-BC7B-F58B33793FEC}"/>
+              </a:ext>
+            </a:extLst>
+          </p:cNvPr>
+          <p:cNvPicPr>
+            <a:picLocks noChangeAspect="1"/>
+          </p:cNvPicPr>
+          <p:nvPr/>
+        </p:nvPicPr>
+        <p:blipFill>
+          <a:blip r:embed="rId5" cstate="print">
+            <a:extLst>
+              <a:ext uri="{28A0092B-C50C-407E-A947-70E740481C1C}">
+                <a14:useLocalDpi xmlns:a14="http://schemas.microsoft.com/office/drawing/2010/main" val="0"/>
+              </a:ext>
+            </a:extLst>
+          </a:blip>
+          <a:stretch>
+            <a:fillRect/>
+          </a:stretch>
+        </p:blipFill>
+        <p:spPr>
+          <a:xfrm>
+            <a:off x="8078960" y="4653932"/>
+            <a:ext cx="2768600" cy="738293"/>
+          </a:xfrm>
+          <a:prstGeom prst="rect">
+            <a:avLst/>
+          </a:prstGeom>
+        </p:spPr>
+      </p:pic>
+      <p:sp>
+        <p:nvSpPr>
+          <p:cNvPr id="15" name="Retângulo 14">
+            <a:extLst>
+              <a:ext uri="{FF2B5EF4-FFF2-40B4-BE49-F238E27FC236}">
+                <a16:creationId xmlns:a16="http://schemas.microsoft.com/office/drawing/2014/main" id="{DAEBF0E9-611C-40AA-B044-6DD76EEDBD11}"/>
+              </a:ext>
+            </a:extLst>
+          </p:cNvPr>
           <p:cNvSpPr/>
           <p:nvPr/>
         </p:nvSpPr>
         <p:spPr>
           <a:xfrm>
-            <a:off x="10992131" y="5232691"/>
-            <a:ext cx="1022521" cy="1323439"/>
+            <a:off x="11204003" y="4774019"/>
+            <a:ext cx="676957" cy="523220"/>
           </a:xfrm>
           <a:prstGeom prst="rect">
             <a:avLst/>
@@ -3691,9 +3802,9 @@
           </a:bodyPr>
           <a:lstStyle/>
           <a:p>
-            <a:pPr algn="r"/>
-            <a:r>
-              <a:rPr lang="pt-BR" sz="2000" b="1" cap="none" spc="0" dirty="0" smtClean="0">
+            <a:pPr algn="ctr"/>
+            <a:r>
+              <a:rPr lang="pt-BR" sz="2800" b="1" cap="none" spc="0" dirty="0">
                 <a:ln w="0"/>
                 <a:solidFill>
                   <a:schemeClr val="bg1"/>
@@ -3705,84 +3816,10 @@
                     </a:schemeClr>
                   </a:outerShdw>
                 </a:effectLst>
-                <a:latin typeface="Exo 2 Extra Light" panose="00000300000000000000" pitchFamily="50" charset="0"/>
+                <a:latin typeface="Exo 2 Extra Light" panose="00000300000000000000" pitchFamily="2" charset="0"/>
               </a:rPr>
-              <a:t>52029</a:t>
-            </a:r>
-          </a:p>
-          <a:p>
-            <a:pPr algn="r"/>
-            <a:r>
-              <a:rPr lang="pt-BR" sz="2000" b="1" dirty="0" smtClean="0">
-                <a:ln w="0"/>
-                <a:solidFill>
-                  <a:schemeClr val="bg1"/>
-                </a:solidFill>
-                <a:effectLst>
-                  <a:outerShdw blurRad="38100" dist="19050" dir="2700000" algn="tl" rotWithShape="0">
-                    <a:schemeClr val="dk1">
-                      <a:alpha val="40000"/>
-                    </a:schemeClr>
-                  </a:outerShdw>
-                </a:effectLst>
-                <a:latin typeface="Exo 2 Extra Light" panose="00000300000000000000" pitchFamily="50" charset="0"/>
-              </a:rPr>
-              <a:t>52044</a:t>
-            </a:r>
-          </a:p>
-          <a:p>
-            <a:pPr algn="r"/>
-            <a:r>
-              <a:rPr lang="pt-BR" sz="2000" b="1" cap="none" spc="0" dirty="0" smtClean="0">
-                <a:ln w="0"/>
-                <a:solidFill>
-                  <a:schemeClr val="bg1"/>
-                </a:solidFill>
-                <a:effectLst>
-                  <a:outerShdw blurRad="38100" dist="19050" dir="2700000" algn="tl" rotWithShape="0">
-                    <a:schemeClr val="dk1">
-                      <a:alpha val="40000"/>
-                    </a:schemeClr>
-                  </a:outerShdw>
-                </a:effectLst>
-                <a:latin typeface="Exo 2 Extra Light" panose="00000300000000000000" pitchFamily="50" charset="0"/>
-              </a:rPr>
-              <a:t>52046</a:t>
-            </a:r>
-          </a:p>
-          <a:p>
-            <a:pPr algn="r"/>
-            <a:r>
-              <a:rPr lang="pt-BR" sz="2000" b="1" dirty="0" smtClean="0">
-                <a:ln w="0"/>
-                <a:solidFill>
-                  <a:schemeClr val="bg1"/>
-                </a:solidFill>
-                <a:effectLst>
-                  <a:outerShdw blurRad="38100" dist="19050" dir="2700000" algn="tl" rotWithShape="0">
-                    <a:schemeClr val="dk1">
-                      <a:alpha val="40000"/>
-                    </a:schemeClr>
-                  </a:outerShdw>
-                </a:effectLst>
-                <a:latin typeface="Exo 2 Extra Light" panose="00000300000000000000" pitchFamily="50" charset="0"/>
-              </a:rPr>
-              <a:t>52074</a:t>
-            </a:r>
-            <a:endParaRPr lang="pt-BR" sz="2000" b="1" cap="none" spc="0" dirty="0">
-              <a:ln w="0"/>
-              <a:solidFill>
-                <a:schemeClr val="bg1"/>
-              </a:solidFill>
-              <a:effectLst>
-                <a:outerShdw blurRad="38100" dist="19050" dir="2700000" algn="tl" rotWithShape="0">
-                  <a:schemeClr val="dk1">
-                    <a:alpha val="40000"/>
-                  </a:schemeClr>
-                </a:outerShdw>
-              </a:effectLst>
-              <a:latin typeface="Exo 2 Extra Light" panose="00000300000000000000" pitchFamily="50" charset="0"/>
-            </a:endParaRPr>
+              <a:t>RA</a:t>
+            </a:r>
           </a:p>
         </p:txBody>
       </p:sp>
@@ -3796,13 +3833,6 @@
   <p:clrMapOvr>
     <a:masterClrMapping/>
   </p:clrMapOvr>
-  <p:timing>
-    <p:tnLst>
-      <p:par>
-        <p:cTn id="1" dur="indefinite" restart="never" nodeType="tmRoot"/>
-      </p:par>
-    </p:tnLst>
-  </p:timing>
 </p:sld>
 </file>
 

--- a/Apresentação/inSensor.pptx
+++ b/Apresentação/inSensor.pptx
@@ -5,8 +5,9 @@
     <p:sldMasterId id="2147483648" r:id="rId1"/>
   </p:sldMasterIdLst>
   <p:sldIdLst>
-    <p:sldId id="256" r:id="rId2"/>
-    <p:sldId id="257" r:id="rId3"/>
+    <p:sldId id="257" r:id="rId2"/>
+    <p:sldId id="256" r:id="rId3"/>
+    <p:sldId id="258" r:id="rId4"/>
   </p:sldIdLst>
   <p:sldSz cx="12192000" cy="6858000"/>
   <p:notesSz cx="6858000" cy="9144000"/>
@@ -242,7 +243,7 @@
           <a:p>
             <a:fld id="{1A9BD4CD-1A6A-4953-94B0-D07B000D9A03}" type="datetimeFigureOut">
               <a:rPr lang="pt-BR" smtClean="0"/>
-              <a:t>27/11/2018</a:t>
+              <a:t>28/11/2018</a:t>
             </a:fld>
             <a:endParaRPr lang="pt-BR"/>
           </a:p>
@@ -410,7 +411,7 @@
           <a:p>
             <a:fld id="{1A9BD4CD-1A6A-4953-94B0-D07B000D9A03}" type="datetimeFigureOut">
               <a:rPr lang="pt-BR" smtClean="0"/>
-              <a:t>27/11/2018</a:t>
+              <a:t>28/11/2018</a:t>
             </a:fld>
             <a:endParaRPr lang="pt-BR"/>
           </a:p>
@@ -588,7 +589,7 @@
           <a:p>
             <a:fld id="{1A9BD4CD-1A6A-4953-94B0-D07B000D9A03}" type="datetimeFigureOut">
               <a:rPr lang="pt-BR" smtClean="0"/>
-              <a:t>27/11/2018</a:t>
+              <a:t>28/11/2018</a:t>
             </a:fld>
             <a:endParaRPr lang="pt-BR"/>
           </a:p>
@@ -756,7 +757,7 @@
           <a:p>
             <a:fld id="{1A9BD4CD-1A6A-4953-94B0-D07B000D9A03}" type="datetimeFigureOut">
               <a:rPr lang="pt-BR" smtClean="0"/>
-              <a:t>27/11/2018</a:t>
+              <a:t>28/11/2018</a:t>
             </a:fld>
             <a:endParaRPr lang="pt-BR"/>
           </a:p>
@@ -1001,7 +1002,7 @@
           <a:p>
             <a:fld id="{1A9BD4CD-1A6A-4953-94B0-D07B000D9A03}" type="datetimeFigureOut">
               <a:rPr lang="pt-BR" smtClean="0"/>
-              <a:t>27/11/2018</a:t>
+              <a:t>28/11/2018</a:t>
             </a:fld>
             <a:endParaRPr lang="pt-BR"/>
           </a:p>
@@ -1230,7 +1231,7 @@
           <a:p>
             <a:fld id="{1A9BD4CD-1A6A-4953-94B0-D07B000D9A03}" type="datetimeFigureOut">
               <a:rPr lang="pt-BR" smtClean="0"/>
-              <a:t>27/11/2018</a:t>
+              <a:t>28/11/2018</a:t>
             </a:fld>
             <a:endParaRPr lang="pt-BR"/>
           </a:p>
@@ -1594,7 +1595,7 @@
           <a:p>
             <a:fld id="{1A9BD4CD-1A6A-4953-94B0-D07B000D9A03}" type="datetimeFigureOut">
               <a:rPr lang="pt-BR" smtClean="0"/>
-              <a:t>27/11/2018</a:t>
+              <a:t>28/11/2018</a:t>
             </a:fld>
             <a:endParaRPr lang="pt-BR"/>
           </a:p>
@@ -1711,7 +1712,7 @@
           <a:p>
             <a:fld id="{1A9BD4CD-1A6A-4953-94B0-D07B000D9A03}" type="datetimeFigureOut">
               <a:rPr lang="pt-BR" smtClean="0"/>
-              <a:t>27/11/2018</a:t>
+              <a:t>28/11/2018</a:t>
             </a:fld>
             <a:endParaRPr lang="pt-BR"/>
           </a:p>
@@ -1806,7 +1807,7 @@
           <a:p>
             <a:fld id="{1A9BD4CD-1A6A-4953-94B0-D07B000D9A03}" type="datetimeFigureOut">
               <a:rPr lang="pt-BR" smtClean="0"/>
-              <a:t>27/11/2018</a:t>
+              <a:t>28/11/2018</a:t>
             </a:fld>
             <a:endParaRPr lang="pt-BR"/>
           </a:p>
@@ -2081,7 +2082,7 @@
           <a:p>
             <a:fld id="{1A9BD4CD-1A6A-4953-94B0-D07B000D9A03}" type="datetimeFigureOut">
               <a:rPr lang="pt-BR" smtClean="0"/>
-              <a:t>27/11/2018</a:t>
+              <a:t>28/11/2018</a:t>
             </a:fld>
             <a:endParaRPr lang="pt-BR"/>
           </a:p>
@@ -2333,7 +2334,7 @@
           <a:p>
             <a:fld id="{1A9BD4CD-1A6A-4953-94B0-D07B000D9A03}" type="datetimeFigureOut">
               <a:rPr lang="pt-BR" smtClean="0"/>
-              <a:t>27/11/2018</a:t>
+              <a:t>28/11/2018</a:t>
             </a:fld>
             <a:endParaRPr lang="pt-BR"/>
           </a:p>
@@ -2544,7 +2545,7 @@
           <a:p>
             <a:fld id="{1A9BD4CD-1A6A-4953-94B0-D07B000D9A03}" type="datetimeFigureOut">
               <a:rPr lang="pt-BR" smtClean="0"/>
-              <a:t>27/11/2018</a:t>
+              <a:t>28/11/2018</a:t>
             </a:fld>
             <a:endParaRPr lang="pt-BR"/>
           </a:p>
@@ -2951,38 +2952,41 @@
       </p:grpSpPr>
       <p:pic>
         <p:nvPicPr>
-          <p:cNvPr id="6" name="Picture 22" descr="http://www.correiodoestadoonline.com.br/arquivos/noticias/3.png"/>
+          <p:cNvPr id="2" name="Imagem 1"/>
           <p:cNvPicPr>
-            <a:picLocks noChangeAspect="1" noChangeArrowheads="1"/>
+            <a:picLocks noChangeAspect="1"/>
           </p:cNvPicPr>
           <p:nvPr/>
         </p:nvPicPr>
         <p:blipFill>
           <a:blip r:embed="rId2">
             <a:extLst>
-              <a:ext uri="{BEBA8EAE-BF5A-486C-A8C5-ECC9F3942E4B}">
-                <a14:imgProps xmlns:a14="http://schemas.microsoft.com/office/drawing/2010/main">
-                  <a14:imgLayer r:embed="rId3">
-                    <a14:imgEffect>
-                      <a14:sharpenSoften amount="-80000"/>
-                    </a14:imgEffect>
-                    <a14:imgEffect>
-                      <a14:brightnessContrast bright="-46000"/>
-                    </a14:imgEffect>
-                  </a14:imgLayer>
-                </a14:imgProps>
-              </a:ext>
               <a:ext uri="{28A0092B-C50C-407E-A947-70E740481C1C}">
                 <a14:useLocalDpi xmlns:a14="http://schemas.microsoft.com/office/drawing/2010/main" val="0"/>
               </a:ext>
             </a:extLst>
           </a:blip>
-          <a:srcRect/>
           <a:stretch>
             <a:fillRect/>
           </a:stretch>
         </p:blipFill>
-        <p:spPr bwMode="auto">
+        <p:spPr>
+          <a:xfrm>
+            <a:off x="0" y="0"/>
+            <a:ext cx="12192000" cy="6858000"/>
+          </a:xfrm>
+          <a:prstGeom prst="rect">
+            <a:avLst/>
+          </a:prstGeom>
+        </p:spPr>
+      </p:pic>
+      <p:sp>
+        <p:nvSpPr>
+          <p:cNvPr id="16" name="Retângulo 15"/>
+          <p:cNvSpPr/>
+          <p:nvPr/>
+        </p:nvSpPr>
+        <p:spPr>
           <a:xfrm>
             <a:off x="0" y="0"/>
             <a:ext cx="12192000" cy="6863907"/>
@@ -2990,36 +2994,14 @@
           <a:prstGeom prst="rect">
             <a:avLst/>
           </a:prstGeom>
-          <a:noFill/>
-        </p:spPr>
-      </p:pic>
-      <p:sp>
-        <p:nvSpPr>
-          <p:cNvPr id="21" name="Elipse 20"/>
-          <p:cNvSpPr/>
-          <p:nvPr/>
-        </p:nvSpPr>
-        <p:spPr>
-          <a:xfrm>
-            <a:off x="3919022" y="577039"/>
-            <a:ext cx="4353952" cy="4353952"/>
-          </a:xfrm>
-          <a:prstGeom prst="ellipse">
-            <a:avLst/>
-          </a:prstGeom>
           <a:solidFill>
-            <a:schemeClr val="bg1"/>
+            <a:schemeClr val="tx1">
+              <a:alpha val="37000"/>
+            </a:schemeClr>
           </a:solidFill>
           <a:ln>
             <a:noFill/>
           </a:ln>
-          <a:effectLst>
-            <a:outerShdw blurRad="50800" dist="38100" dir="2700000" algn="tl" rotWithShape="0">
-              <a:prstClr val="black">
-                <a:alpha val="40000"/>
-              </a:prstClr>
-            </a:outerShdw>
-          </a:effectLst>
         </p:spPr>
         <p:style>
           <a:lnRef idx="2">
@@ -3046,195 +3028,6 @@
           </a:p>
         </p:txBody>
       </p:sp>
-      <p:pic>
-        <p:nvPicPr>
-          <p:cNvPr id="10" name="Imagem 9"/>
-          <p:cNvPicPr>
-            <a:picLocks noChangeAspect="1"/>
-          </p:cNvPicPr>
-          <p:nvPr/>
-        </p:nvPicPr>
-        <p:blipFill rotWithShape="1">
-          <a:blip r:embed="rId4">
-            <a:extLst>
-              <a:ext uri="{28A0092B-C50C-407E-A947-70E740481C1C}">
-                <a14:useLocalDpi xmlns:a14="http://schemas.microsoft.com/office/drawing/2010/main" val="0"/>
-              </a:ext>
-            </a:extLst>
-          </a:blip>
-          <a:srcRect l="11820" t="62755" r="13058" b="8894"/>
-          <a:stretch/>
-        </p:blipFill>
-        <p:spPr>
-          <a:xfrm>
-            <a:off x="4603748" y="3066346"/>
-            <a:ext cx="2990852" cy="725624"/>
-          </a:xfrm>
-          <a:prstGeom prst="rect">
-            <a:avLst/>
-          </a:prstGeom>
-        </p:spPr>
-      </p:pic>
-      <p:sp>
-        <p:nvSpPr>
-          <p:cNvPr id="15" name="Retângulo 14"/>
-          <p:cNvSpPr/>
-          <p:nvPr/>
-        </p:nvSpPr>
-        <p:spPr>
-          <a:xfrm>
-            <a:off x="2570287" y="5036582"/>
-            <a:ext cx="7051422" cy="1077218"/>
-          </a:xfrm>
-          <a:prstGeom prst="rect">
-            <a:avLst/>
-          </a:prstGeom>
-          <a:noFill/>
-        </p:spPr>
-        <p:txBody>
-          <a:bodyPr wrap="square" lIns="91440" tIns="45720" rIns="91440" bIns="45720">
-            <a:spAutoFit/>
-          </a:bodyPr>
-          <a:lstStyle/>
-          <a:p>
-            <a:pPr algn="ctr"/>
-            <a:r>
-              <a:rPr lang="pt-BR" sz="3200" b="1" dirty="0">
-                <a:ln w="0"/>
-                <a:solidFill>
-                  <a:schemeClr val="bg1"/>
-                </a:solidFill>
-                <a:effectLst>
-                  <a:outerShdw blurRad="38100" dist="19050" dir="2700000" algn="tl" rotWithShape="0">
-                    <a:schemeClr val="dk1">
-                      <a:alpha val="40000"/>
-                    </a:schemeClr>
-                  </a:outerShdw>
-                </a:effectLst>
-                <a:latin typeface="Exo 2 Extra Light" panose="00000300000000000000" pitchFamily="50" charset="0"/>
-              </a:rPr>
-              <a:t>Sistema de temperatura e umidade para incubadoras neonatal</a:t>
-            </a:r>
-            <a:endParaRPr lang="pt-BR" sz="3200" b="1" cap="none" spc="0" dirty="0">
-              <a:ln w="0"/>
-              <a:solidFill>
-                <a:schemeClr val="bg1"/>
-              </a:solidFill>
-              <a:effectLst>
-                <a:outerShdw blurRad="38100" dist="19050" dir="2700000" algn="tl" rotWithShape="0">
-                  <a:schemeClr val="dk1">
-                    <a:alpha val="40000"/>
-                  </a:schemeClr>
-                </a:outerShdw>
-              </a:effectLst>
-              <a:latin typeface="Exo 2 Extra Light" panose="00000300000000000000" pitchFamily="50" charset="0"/>
-            </a:endParaRPr>
-          </a:p>
-        </p:txBody>
-      </p:sp>
-      <p:pic>
-        <p:nvPicPr>
-          <p:cNvPr id="22" name="Imagem 21"/>
-          <p:cNvPicPr>
-            <a:picLocks noChangeAspect="1"/>
-          </p:cNvPicPr>
-          <p:nvPr/>
-        </p:nvPicPr>
-        <p:blipFill rotWithShape="1">
-          <a:blip r:embed="rId5">
-            <a:extLst>
-              <a:ext uri="{28A0092B-C50C-407E-A947-70E740481C1C}">
-                <a14:useLocalDpi xmlns:a14="http://schemas.microsoft.com/office/drawing/2010/main" val="0"/>
-              </a:ext>
-            </a:extLst>
-          </a:blip>
-          <a:srcRect b="29506"/>
-          <a:stretch/>
-        </p:blipFill>
-        <p:spPr>
-          <a:xfrm>
-            <a:off x="4854092" y="1520107"/>
-            <a:ext cx="2483812" cy="1493444"/>
-          </a:xfrm>
-          <a:prstGeom prst="rect">
-            <a:avLst/>
-          </a:prstGeom>
-        </p:spPr>
-      </p:pic>
-    </p:spTree>
-    <p:extLst>
-      <p:ext uri="{BB962C8B-B14F-4D97-AF65-F5344CB8AC3E}">
-        <p14:creationId xmlns:p14="http://schemas.microsoft.com/office/powerpoint/2010/main" val="1033605928"/>
-      </p:ext>
-    </p:extLst>
-  </p:cSld>
-  <p:clrMapOvr>
-    <a:masterClrMapping/>
-  </p:clrMapOvr>
-</p:sld>
-</file>
-
-<file path=ppt/slides/slide2.xml><?xml version="1.0" encoding="utf-8"?>
-<p:sld xmlns:a="http://schemas.openxmlformats.org/drawingml/2006/main" xmlns:r="http://schemas.openxmlformats.org/officeDocument/2006/relationships" xmlns:p="http://schemas.openxmlformats.org/presentationml/2006/main">
-  <p:cSld>
-    <p:spTree>
-      <p:nvGrpSpPr>
-        <p:cNvPr id="1" name=""/>
-        <p:cNvGrpSpPr/>
-        <p:nvPr/>
-      </p:nvGrpSpPr>
-      <p:grpSpPr>
-        <a:xfrm>
-          <a:off x="0" y="0"/>
-          <a:ext cx="0" cy="0"/>
-          <a:chOff x="0" y="0"/>
-          <a:chExt cx="0" cy="0"/>
-        </a:xfrm>
-      </p:grpSpPr>
-      <p:pic>
-        <p:nvPicPr>
-          <p:cNvPr id="5" name="Picture 22" descr="http://www.correiodoestadoonline.com.br/arquivos/noticias/3.png"/>
-          <p:cNvPicPr>
-            <a:picLocks noChangeAspect="1" noChangeArrowheads="1"/>
-          </p:cNvPicPr>
-          <p:nvPr/>
-        </p:nvPicPr>
-        <p:blipFill>
-          <a:blip r:embed="rId2">
-            <a:extLst>
-              <a:ext uri="{BEBA8EAE-BF5A-486C-A8C5-ECC9F3942E4B}">
-                <a14:imgProps xmlns:a14="http://schemas.microsoft.com/office/drawing/2010/main">
-                  <a14:imgLayer r:embed="rId3">
-                    <a14:imgEffect>
-                      <a14:sharpenSoften amount="-80000"/>
-                    </a14:imgEffect>
-                    <a14:imgEffect>
-                      <a14:brightnessContrast bright="-46000"/>
-                    </a14:imgEffect>
-                  </a14:imgLayer>
-                </a14:imgProps>
-              </a:ext>
-              <a:ext uri="{28A0092B-C50C-407E-A947-70E740481C1C}">
-                <a14:useLocalDpi xmlns:a14="http://schemas.microsoft.com/office/drawing/2010/main" val="0"/>
-              </a:ext>
-            </a:extLst>
-          </a:blip>
-          <a:srcRect/>
-          <a:stretch>
-            <a:fillRect/>
-          </a:stretch>
-        </p:blipFill>
-        <p:spPr bwMode="auto">
-          <a:xfrm>
-            <a:off x="0" y="0"/>
-            <a:ext cx="12192000" cy="6863907"/>
-          </a:xfrm>
-          <a:prstGeom prst="rect">
-            <a:avLst/>
-          </a:prstGeom>
-          <a:noFill/>
-        </p:spPr>
-      </p:pic>
       <p:sp>
         <p:nvSpPr>
           <p:cNvPr id="14" name="Elipse 13"/>
@@ -3404,7 +3197,7 @@
           <p:nvPr/>
         </p:nvPicPr>
         <p:blipFill rotWithShape="1">
-          <a:blip r:embed="rId4">
+          <a:blip r:embed="rId3">
             <a:extLst>
               <a:ext uri="{28A0092B-C50C-407E-A947-70E740481C1C}">
                 <a14:useLocalDpi xmlns:a14="http://schemas.microsoft.com/office/drawing/2010/main" val="0"/>
@@ -3753,7 +3546,7 @@
           <p:nvPr/>
         </p:nvPicPr>
         <p:blipFill>
-          <a:blip r:embed="rId5" cstate="print">
+          <a:blip r:embed="rId4" cstate="print">
             <a:extLst>
               <a:ext uri="{28A0092B-C50C-407E-A947-70E740481C1C}">
                 <a14:useLocalDpi xmlns:a14="http://schemas.microsoft.com/office/drawing/2010/main" val="0"/>
@@ -3827,6 +3620,319 @@
     <p:extLst>
       <p:ext uri="{BB962C8B-B14F-4D97-AF65-F5344CB8AC3E}">
         <p14:creationId xmlns:p14="http://schemas.microsoft.com/office/powerpoint/2010/main" val="789055932"/>
+      </p:ext>
+    </p:extLst>
+  </p:cSld>
+  <p:clrMapOvr>
+    <a:masterClrMapping/>
+  </p:clrMapOvr>
+</p:sld>
+</file>
+
+<file path=ppt/slides/slide2.xml><?xml version="1.0" encoding="utf-8"?>
+<p:sld xmlns:a="http://schemas.openxmlformats.org/drawingml/2006/main" xmlns:r="http://schemas.openxmlformats.org/officeDocument/2006/relationships" xmlns:p="http://schemas.openxmlformats.org/presentationml/2006/main">
+  <p:cSld>
+    <p:spTree>
+      <p:nvGrpSpPr>
+        <p:cNvPr id="1" name=""/>
+        <p:cNvGrpSpPr/>
+        <p:nvPr/>
+      </p:nvGrpSpPr>
+      <p:grpSpPr>
+        <a:xfrm>
+          <a:off x="0" y="0"/>
+          <a:ext cx="0" cy="0"/>
+          <a:chOff x="0" y="0"/>
+          <a:chExt cx="0" cy="0"/>
+        </a:xfrm>
+      </p:grpSpPr>
+      <p:pic>
+        <p:nvPicPr>
+          <p:cNvPr id="6" name="Picture 22" descr="http://www.correiodoestadoonline.com.br/arquivos/noticias/3.png"/>
+          <p:cNvPicPr>
+            <a:picLocks noChangeAspect="1" noChangeArrowheads="1"/>
+          </p:cNvPicPr>
+          <p:nvPr/>
+        </p:nvPicPr>
+        <p:blipFill>
+          <a:blip r:embed="rId2">
+            <a:extLst>
+              <a:ext uri="{BEBA8EAE-BF5A-486C-A8C5-ECC9F3942E4B}">
+                <a14:imgProps xmlns:a14="http://schemas.microsoft.com/office/drawing/2010/main">
+                  <a14:imgLayer r:embed="rId3">
+                    <a14:imgEffect>
+                      <a14:sharpenSoften amount="-80000"/>
+                    </a14:imgEffect>
+                    <a14:imgEffect>
+                      <a14:brightnessContrast bright="-46000"/>
+                    </a14:imgEffect>
+                  </a14:imgLayer>
+                </a14:imgProps>
+              </a:ext>
+              <a:ext uri="{28A0092B-C50C-407E-A947-70E740481C1C}">
+                <a14:useLocalDpi xmlns:a14="http://schemas.microsoft.com/office/drawing/2010/main" val="0"/>
+              </a:ext>
+            </a:extLst>
+          </a:blip>
+          <a:srcRect/>
+          <a:stretch>
+            <a:fillRect/>
+          </a:stretch>
+        </p:blipFill>
+        <p:spPr bwMode="auto">
+          <a:xfrm>
+            <a:off x="0" y="0"/>
+            <a:ext cx="12192000" cy="6863907"/>
+          </a:xfrm>
+          <a:prstGeom prst="rect">
+            <a:avLst/>
+          </a:prstGeom>
+          <a:noFill/>
+        </p:spPr>
+      </p:pic>
+      <p:sp>
+        <p:nvSpPr>
+          <p:cNvPr id="21" name="Elipse 20"/>
+          <p:cNvSpPr/>
+          <p:nvPr/>
+        </p:nvSpPr>
+        <p:spPr>
+          <a:xfrm>
+            <a:off x="3919022" y="577039"/>
+            <a:ext cx="4353952" cy="4353952"/>
+          </a:xfrm>
+          <a:prstGeom prst="ellipse">
+            <a:avLst/>
+          </a:prstGeom>
+          <a:solidFill>
+            <a:schemeClr val="bg1"/>
+          </a:solidFill>
+          <a:ln>
+            <a:noFill/>
+          </a:ln>
+          <a:effectLst>
+            <a:outerShdw blurRad="50800" dist="38100" dir="2700000" algn="tl" rotWithShape="0">
+              <a:prstClr val="black">
+                <a:alpha val="40000"/>
+              </a:prstClr>
+            </a:outerShdw>
+          </a:effectLst>
+        </p:spPr>
+        <p:style>
+          <a:lnRef idx="2">
+            <a:schemeClr val="accent1">
+              <a:shade val="50000"/>
+            </a:schemeClr>
+          </a:lnRef>
+          <a:fillRef idx="1">
+            <a:schemeClr val="accent1"/>
+          </a:fillRef>
+          <a:effectRef idx="0">
+            <a:schemeClr val="accent1"/>
+          </a:effectRef>
+          <a:fontRef idx="minor">
+            <a:schemeClr val="lt1"/>
+          </a:fontRef>
+        </p:style>
+        <p:txBody>
+          <a:bodyPr rtlCol="0" anchor="ctr"/>
+          <a:lstStyle/>
+          <a:p>
+            <a:pPr algn="ctr"/>
+            <a:endParaRPr lang="pt-BR"/>
+          </a:p>
+        </p:txBody>
+      </p:sp>
+      <p:pic>
+        <p:nvPicPr>
+          <p:cNvPr id="10" name="Imagem 9"/>
+          <p:cNvPicPr>
+            <a:picLocks noChangeAspect="1"/>
+          </p:cNvPicPr>
+          <p:nvPr/>
+        </p:nvPicPr>
+        <p:blipFill rotWithShape="1">
+          <a:blip r:embed="rId4">
+            <a:extLst>
+              <a:ext uri="{28A0092B-C50C-407E-A947-70E740481C1C}">
+                <a14:useLocalDpi xmlns:a14="http://schemas.microsoft.com/office/drawing/2010/main" val="0"/>
+              </a:ext>
+            </a:extLst>
+          </a:blip>
+          <a:srcRect l="11820" t="62755" r="13058" b="8894"/>
+          <a:stretch/>
+        </p:blipFill>
+        <p:spPr>
+          <a:xfrm>
+            <a:off x="4603748" y="3066346"/>
+            <a:ext cx="2990852" cy="725624"/>
+          </a:xfrm>
+          <a:prstGeom prst="rect">
+            <a:avLst/>
+          </a:prstGeom>
+        </p:spPr>
+      </p:pic>
+      <p:sp>
+        <p:nvSpPr>
+          <p:cNvPr id="15" name="Retângulo 14"/>
+          <p:cNvSpPr/>
+          <p:nvPr/>
+        </p:nvSpPr>
+        <p:spPr>
+          <a:xfrm>
+            <a:off x="2921943" y="5261869"/>
+            <a:ext cx="6348109" cy="830997"/>
+          </a:xfrm>
+          <a:prstGeom prst="rect">
+            <a:avLst/>
+          </a:prstGeom>
+          <a:noFill/>
+        </p:spPr>
+        <p:txBody>
+          <a:bodyPr wrap="square" lIns="91440" tIns="45720" rIns="91440" bIns="45720">
+            <a:spAutoFit/>
+          </a:bodyPr>
+          <a:lstStyle/>
+          <a:p>
+            <a:pPr algn="ctr"/>
+            <a:r>
+              <a:rPr lang="pt-BR" sz="2400" b="1" dirty="0" smtClean="0">
+                <a:ln w="0"/>
+                <a:solidFill>
+                  <a:schemeClr val="bg1"/>
+                </a:solidFill>
+                <a:effectLst>
+                  <a:outerShdw blurRad="38100" dist="19050" dir="2700000" algn="tl" rotWithShape="0">
+                    <a:schemeClr val="dk1">
+                      <a:alpha val="40000"/>
+                    </a:schemeClr>
+                  </a:outerShdw>
+                </a:effectLst>
+                <a:latin typeface="Exo 2 Extra Light" panose="00000300000000000000" pitchFamily="50" charset="0"/>
+              </a:rPr>
+              <a:t>SISTEMA DE TEMPERATURA E UMIDADE PARA INCUBADORAS NEONATAL</a:t>
+            </a:r>
+            <a:endParaRPr lang="pt-BR" sz="2400" b="1" cap="none" spc="0" dirty="0">
+              <a:ln w="0"/>
+              <a:solidFill>
+                <a:schemeClr val="bg1"/>
+              </a:solidFill>
+              <a:effectLst>
+                <a:outerShdw blurRad="38100" dist="19050" dir="2700000" algn="tl" rotWithShape="0">
+                  <a:schemeClr val="dk1">
+                    <a:alpha val="40000"/>
+                  </a:schemeClr>
+                </a:outerShdw>
+              </a:effectLst>
+              <a:latin typeface="Exo 2 Extra Light" panose="00000300000000000000" pitchFamily="50" charset="0"/>
+            </a:endParaRPr>
+          </a:p>
+        </p:txBody>
+      </p:sp>
+      <p:pic>
+        <p:nvPicPr>
+          <p:cNvPr id="22" name="Imagem 21"/>
+          <p:cNvPicPr>
+            <a:picLocks noChangeAspect="1"/>
+          </p:cNvPicPr>
+          <p:nvPr/>
+        </p:nvPicPr>
+        <p:blipFill rotWithShape="1">
+          <a:blip r:embed="rId5">
+            <a:extLst>
+              <a:ext uri="{28A0092B-C50C-407E-A947-70E740481C1C}">
+                <a14:useLocalDpi xmlns:a14="http://schemas.microsoft.com/office/drawing/2010/main" val="0"/>
+              </a:ext>
+            </a:extLst>
+          </a:blip>
+          <a:srcRect b="29506"/>
+          <a:stretch/>
+        </p:blipFill>
+        <p:spPr>
+          <a:xfrm>
+            <a:off x="4854092" y="1520107"/>
+            <a:ext cx="2483812" cy="1493444"/>
+          </a:xfrm>
+          <a:prstGeom prst="rect">
+            <a:avLst/>
+          </a:prstGeom>
+        </p:spPr>
+      </p:pic>
+      <p:cxnSp>
+        <p:nvCxnSpPr>
+          <p:cNvPr id="7" name="Conector reto 6">
+            <a:extLst>
+              <a:ext uri="{FF2B5EF4-FFF2-40B4-BE49-F238E27FC236}">
+                <a16:creationId xmlns:a16="http://schemas.microsoft.com/office/drawing/2014/main" id="{6510727C-C843-4D84-A07F-20F37366891D}"/>
+              </a:ext>
+            </a:extLst>
+          </p:cNvPr>
+          <p:cNvCxnSpPr/>
+          <p:nvPr/>
+        </p:nvCxnSpPr>
+        <p:spPr>
+          <a:xfrm>
+            <a:off x="5433530" y="5170077"/>
+            <a:ext cx="1303820" cy="0"/>
+          </a:xfrm>
+          <a:prstGeom prst="line">
+            <a:avLst/>
+          </a:prstGeom>
+          <a:ln>
+            <a:solidFill>
+              <a:schemeClr val="bg1"/>
+            </a:solidFill>
+          </a:ln>
+        </p:spPr>
+        <p:style>
+          <a:lnRef idx="1">
+            <a:schemeClr val="accent1"/>
+          </a:lnRef>
+          <a:fillRef idx="0">
+            <a:schemeClr val="accent1"/>
+          </a:fillRef>
+          <a:effectRef idx="0">
+            <a:schemeClr val="accent1"/>
+          </a:effectRef>
+          <a:fontRef idx="minor">
+            <a:schemeClr val="tx1"/>
+          </a:fontRef>
+        </p:style>
+      </p:cxnSp>
+    </p:spTree>
+    <p:extLst>
+      <p:ext uri="{BB962C8B-B14F-4D97-AF65-F5344CB8AC3E}">
+        <p14:creationId xmlns:p14="http://schemas.microsoft.com/office/powerpoint/2010/main" val="1033605928"/>
+      </p:ext>
+    </p:extLst>
+  </p:cSld>
+  <p:clrMapOvr>
+    <a:masterClrMapping/>
+  </p:clrMapOvr>
+</p:sld>
+</file>
+
+<file path=ppt/slides/slide3.xml><?xml version="1.0" encoding="utf-8"?>
+<p:sld xmlns:a="http://schemas.openxmlformats.org/drawingml/2006/main" xmlns:r="http://schemas.openxmlformats.org/officeDocument/2006/relationships" xmlns:p="http://schemas.openxmlformats.org/presentationml/2006/main">
+  <p:cSld>
+    <p:spTree>
+      <p:nvGrpSpPr>
+        <p:cNvPr id="1" name=""/>
+        <p:cNvGrpSpPr/>
+        <p:nvPr/>
+      </p:nvGrpSpPr>
+      <p:grpSpPr>
+        <a:xfrm>
+          <a:off x="0" y="0"/>
+          <a:ext cx="0" cy="0"/>
+          <a:chOff x="0" y="0"/>
+          <a:chExt cx="0" cy="0"/>
+        </a:xfrm>
+      </p:grpSpPr>
+    </p:spTree>
+    <p:extLst>
+      <p:ext uri="{BB962C8B-B14F-4D97-AF65-F5344CB8AC3E}">
+        <p14:creationId xmlns:p14="http://schemas.microsoft.com/office/powerpoint/2010/main" val="1139684214"/>
       </p:ext>
     </p:extLst>
   </p:cSld>

--- a/Apresentação/inSensor.pptx
+++ b/Apresentação/inSensor.pptx
@@ -8,6 +8,7 @@
     <p:sldId id="257" r:id="rId2"/>
     <p:sldId id="256" r:id="rId3"/>
     <p:sldId id="258" r:id="rId4"/>
+    <p:sldId id="260" r:id="rId5"/>
   </p:sldIdLst>
   <p:sldSz cx="12192000" cy="6858000"/>
   <p:notesSz cx="6858000" cy="9144000"/>
@@ -3028,6 +3029,48 @@
           </a:p>
         </p:txBody>
       </p:sp>
+      <p:cxnSp>
+        <p:nvCxnSpPr>
+          <p:cNvPr id="9" name="Conector reto 8">
+            <a:extLst>
+              <a:ext uri="{FF2B5EF4-FFF2-40B4-BE49-F238E27FC236}">
+                <a16:creationId xmlns:a16="http://schemas.microsoft.com/office/drawing/2014/main" id="{6510727C-C843-4D84-A07F-20F37366891D}"/>
+              </a:ext>
+            </a:extLst>
+          </p:cNvPr>
+          <p:cNvCxnSpPr/>
+          <p:nvPr/>
+        </p:nvCxnSpPr>
+        <p:spPr>
+          <a:xfrm>
+            <a:off x="2716696" y="1918259"/>
+            <a:ext cx="6758608" cy="0"/>
+          </a:xfrm>
+          <a:prstGeom prst="line">
+            <a:avLst/>
+          </a:prstGeom>
+          <a:ln>
+            <a:solidFill>
+              <a:schemeClr val="bg1"/>
+            </a:solidFill>
+          </a:ln>
+          <a:effectLst/>
+        </p:spPr>
+        <p:style>
+          <a:lnRef idx="1">
+            <a:schemeClr val="accent1"/>
+          </a:lnRef>
+          <a:fillRef idx="0">
+            <a:schemeClr val="accent1"/>
+          </a:fillRef>
+          <a:effectRef idx="0">
+            <a:schemeClr val="accent1"/>
+          </a:effectRef>
+          <a:fontRef idx="minor">
+            <a:schemeClr val="tx1"/>
+          </a:fontRef>
+        </p:style>
+      </p:cxnSp>
       <p:sp>
         <p:nvSpPr>
           <p:cNvPr id="14" name="Elipse 13"/>
@@ -3090,6 +3133,7 @@
             <a:avLst/>
           </a:prstGeom>
           <a:noFill/>
+          <a:effectLst/>
         </p:spPr>
         <p:txBody>
           <a:bodyPr wrap="square" lIns="91440" tIns="45720" rIns="91440" bIns="45720">
@@ -3146,6 +3190,7 @@
             <a:avLst/>
           </a:prstGeom>
           <a:noFill/>
+          <a:effectLst/>
         </p:spPr>
         <p:txBody>
           <a:bodyPr wrap="square" lIns="91440" tIns="45720" rIns="91440" bIns="45720">
@@ -3242,6 +3287,7 @@
             <a:avLst/>
           </a:prstGeom>
           <a:noFill/>
+          <a:effectLst/>
         </p:spPr>
         <p:txBody>
           <a:bodyPr wrap="square" lIns="91440" tIns="45720" rIns="91440" bIns="45720">
@@ -3345,6 +3391,7 @@
             <a:avLst/>
           </a:prstGeom>
           <a:noFill/>
+          <a:effectLst/>
         </p:spPr>
         <p:txBody>
           <a:bodyPr wrap="square" lIns="91440" tIns="45720" rIns="91440" bIns="45720">
@@ -3449,47 +3496,6 @@
       </p:sp>
       <p:cxnSp>
         <p:nvCxnSpPr>
-          <p:cNvPr id="9" name="Conector reto 8">
-            <a:extLst>
-              <a:ext uri="{FF2B5EF4-FFF2-40B4-BE49-F238E27FC236}">
-                <a16:creationId xmlns:a16="http://schemas.microsoft.com/office/drawing/2014/main" id="{6510727C-C843-4D84-A07F-20F37366891D}"/>
-              </a:ext>
-            </a:extLst>
-          </p:cNvPr>
-          <p:cNvCxnSpPr/>
-          <p:nvPr/>
-        </p:nvCxnSpPr>
-        <p:spPr>
-          <a:xfrm>
-            <a:off x="2716696" y="1918259"/>
-            <a:ext cx="6758608" cy="0"/>
-          </a:xfrm>
-          <a:prstGeom prst="line">
-            <a:avLst/>
-          </a:prstGeom>
-          <a:ln>
-            <a:solidFill>
-              <a:schemeClr val="bg1"/>
-            </a:solidFill>
-          </a:ln>
-        </p:spPr>
-        <p:style>
-          <a:lnRef idx="1">
-            <a:schemeClr val="accent1"/>
-          </a:lnRef>
-          <a:fillRef idx="0">
-            <a:schemeClr val="accent1"/>
-          </a:fillRef>
-          <a:effectRef idx="0">
-            <a:schemeClr val="accent1"/>
-          </a:effectRef>
-          <a:fontRef idx="minor">
-            <a:schemeClr val="tx1"/>
-          </a:fontRef>
-        </p:style>
-      </p:cxnSp>
-      <p:cxnSp>
-        <p:nvCxnSpPr>
           <p:cNvPr id="12" name="Conector reto 11">
             <a:extLst>
               <a:ext uri="{FF2B5EF4-FFF2-40B4-BE49-F238E27FC236}">
@@ -3515,6 +3521,7 @@
               <a:schemeClr val="bg1"/>
             </a:solidFill>
           </a:ln>
+          <a:effectLst/>
         </p:spPr>
         <p:style>
           <a:lnRef idx="1">
@@ -3565,6 +3572,7 @@
           <a:prstGeom prst="rect">
             <a:avLst/>
           </a:prstGeom>
+          <a:effectLst/>
         </p:spPr>
       </p:pic>
       <p:sp>
@@ -3588,6 +3596,7 @@
             <a:avLst/>
           </a:prstGeom>
           <a:noFill/>
+          <a:effectLst/>
         </p:spPr>
         <p:txBody>
           <a:bodyPr wrap="square" lIns="91440" tIns="45720" rIns="91440" bIns="45720">
@@ -3626,6 +3635,13 @@
   <p:clrMapOvr>
     <a:masterClrMapping/>
   </p:clrMapOvr>
+  <p:timing>
+    <p:tnLst>
+      <p:par>
+        <p:cTn id="1" dur="indefinite" restart="never" nodeType="tmRoot"/>
+      </p:par>
+    </p:tnLst>
+  </p:timing>
 </p:sld>
 </file>
 
@@ -3692,6 +3708,54 @@
       </p:pic>
       <p:sp>
         <p:nvSpPr>
+          <p:cNvPr id="8" name="Retângulo 7"/>
+          <p:cNvSpPr/>
+          <p:nvPr/>
+        </p:nvSpPr>
+        <p:spPr>
+          <a:xfrm>
+            <a:off x="0" y="0"/>
+            <a:ext cx="12192000" cy="6863907"/>
+          </a:xfrm>
+          <a:prstGeom prst="rect">
+            <a:avLst/>
+          </a:prstGeom>
+          <a:solidFill>
+            <a:schemeClr val="tx1">
+              <a:alpha val="11000"/>
+            </a:schemeClr>
+          </a:solidFill>
+          <a:ln>
+            <a:noFill/>
+          </a:ln>
+        </p:spPr>
+        <p:style>
+          <a:lnRef idx="2">
+            <a:schemeClr val="accent1">
+              <a:shade val="50000"/>
+            </a:schemeClr>
+          </a:lnRef>
+          <a:fillRef idx="1">
+            <a:schemeClr val="accent1"/>
+          </a:fillRef>
+          <a:effectRef idx="0">
+            <a:schemeClr val="accent1"/>
+          </a:effectRef>
+          <a:fontRef idx="minor">
+            <a:schemeClr val="lt1"/>
+          </a:fontRef>
+        </p:style>
+        <p:txBody>
+          <a:bodyPr rtlCol="0" anchor="ctr"/>
+          <a:lstStyle/>
+          <a:p>
+            <a:pPr algn="ctr"/>
+            <a:endParaRPr lang="pt-BR"/>
+          </a:p>
+        </p:txBody>
+      </p:sp>
+      <p:sp>
+        <p:nvSpPr>
           <p:cNvPr id="21" name="Elipse 20"/>
           <p:cNvSpPr/>
           <p:nvPr/>
@@ -3909,6 +3973,13 @@
   <p:clrMapOvr>
     <a:masterClrMapping/>
   </p:clrMapOvr>
+  <p:timing>
+    <p:tnLst>
+      <p:par>
+        <p:cTn id="1" dur="indefinite" restart="never" nodeType="tmRoot"/>
+      </p:par>
+    </p:tnLst>
+  </p:timing>
 </p:sld>
 </file>
 
@@ -3929,6 +4000,328 @@
           <a:chExt cx="0" cy="0"/>
         </a:xfrm>
       </p:grpSpPr>
+      <p:pic>
+        <p:nvPicPr>
+          <p:cNvPr id="4" name="Picture 22" descr="http://www.correiodoestadoonline.com.br/arquivos/noticias/3.png"/>
+          <p:cNvPicPr>
+            <a:picLocks noChangeAspect="1" noChangeArrowheads="1"/>
+          </p:cNvPicPr>
+          <p:nvPr/>
+        </p:nvPicPr>
+        <p:blipFill>
+          <a:blip r:embed="rId2">
+            <a:extLst>
+              <a:ext uri="{BEBA8EAE-BF5A-486C-A8C5-ECC9F3942E4B}">
+                <a14:imgProps xmlns:a14="http://schemas.microsoft.com/office/drawing/2010/main">
+                  <a14:imgLayer r:embed="rId3">
+                    <a14:imgEffect>
+                      <a14:sharpenSoften amount="-80000"/>
+                    </a14:imgEffect>
+                    <a14:imgEffect>
+                      <a14:brightnessContrast bright="-46000"/>
+                    </a14:imgEffect>
+                  </a14:imgLayer>
+                </a14:imgProps>
+              </a:ext>
+              <a:ext uri="{28A0092B-C50C-407E-A947-70E740481C1C}">
+                <a14:useLocalDpi xmlns:a14="http://schemas.microsoft.com/office/drawing/2010/main" val="0"/>
+              </a:ext>
+            </a:extLst>
+          </a:blip>
+          <a:srcRect/>
+          <a:stretch>
+            <a:fillRect/>
+          </a:stretch>
+        </p:blipFill>
+        <p:spPr bwMode="auto">
+          <a:xfrm>
+            <a:off x="0" y="0"/>
+            <a:ext cx="12192000" cy="6863907"/>
+          </a:xfrm>
+          <a:prstGeom prst="rect">
+            <a:avLst/>
+          </a:prstGeom>
+          <a:noFill/>
+        </p:spPr>
+      </p:pic>
+      <p:sp>
+        <p:nvSpPr>
+          <p:cNvPr id="3" name="Retângulo 2"/>
+          <p:cNvSpPr/>
+          <p:nvPr/>
+        </p:nvSpPr>
+        <p:spPr>
+          <a:xfrm>
+            <a:off x="0" y="5907"/>
+            <a:ext cx="12192000" cy="6858000"/>
+          </a:xfrm>
+          <a:prstGeom prst="rect">
+            <a:avLst/>
+          </a:prstGeom>
+          <a:solidFill>
+            <a:schemeClr val="tx1">
+              <a:lumMod val="95000"/>
+              <a:lumOff val="5000"/>
+              <a:alpha val="87000"/>
+            </a:schemeClr>
+          </a:solidFill>
+          <a:ln>
+            <a:noFill/>
+          </a:ln>
+        </p:spPr>
+        <p:style>
+          <a:lnRef idx="2">
+            <a:schemeClr val="dk1"/>
+          </a:lnRef>
+          <a:fillRef idx="1">
+            <a:schemeClr val="lt1"/>
+          </a:fillRef>
+          <a:effectRef idx="0">
+            <a:schemeClr val="dk1"/>
+          </a:effectRef>
+          <a:fontRef idx="minor">
+            <a:schemeClr val="dk1"/>
+          </a:fontRef>
+        </p:style>
+        <p:txBody>
+          <a:bodyPr rtlCol="0" anchor="ctr"/>
+          <a:lstStyle/>
+          <a:p>
+            <a:pPr algn="ctr"/>
+            <a:endParaRPr lang="pt-BR"/>
+          </a:p>
+        </p:txBody>
+      </p:sp>
+      <p:sp>
+        <p:nvSpPr>
+          <p:cNvPr id="6" name="Retângulo 5"/>
+          <p:cNvSpPr/>
+          <p:nvPr/>
+        </p:nvSpPr>
+        <p:spPr>
+          <a:xfrm>
+            <a:off x="126222" y="198787"/>
+            <a:ext cx="3302004" cy="707886"/>
+          </a:xfrm>
+          <a:prstGeom prst="rect">
+            <a:avLst/>
+          </a:prstGeom>
+          <a:noFill/>
+          <a:effectLst/>
+        </p:spPr>
+        <p:txBody>
+          <a:bodyPr wrap="square" lIns="91440" tIns="45720" rIns="91440" bIns="45720">
+            <a:spAutoFit/>
+          </a:bodyPr>
+          <a:lstStyle/>
+          <a:p>
+            <a:pPr algn="just"/>
+            <a:r>
+              <a:rPr lang="pt-BR" sz="4000" b="1" cap="none" spc="0" dirty="0" smtClean="0">
+                <a:ln w="0"/>
+                <a:solidFill>
+                  <a:schemeClr val="bg1"/>
+                </a:solidFill>
+                <a:effectLst>
+                  <a:outerShdw blurRad="38100" dist="19050" dir="2700000" algn="tl" rotWithShape="0">
+                    <a:schemeClr val="dk1">
+                      <a:alpha val="40000"/>
+                    </a:schemeClr>
+                  </a:outerShdw>
+                </a:effectLst>
+                <a:latin typeface="Exo 2 Medium" panose="00000600000000000000" pitchFamily="50" charset="0"/>
+              </a:rPr>
+              <a:t>CONTEXTO</a:t>
+            </a:r>
+            <a:endParaRPr lang="pt-BR" sz="4000" b="1" cap="none" spc="0" dirty="0">
+              <a:ln w="0"/>
+              <a:solidFill>
+                <a:schemeClr val="bg1"/>
+              </a:solidFill>
+              <a:effectLst>
+                <a:outerShdw blurRad="38100" dist="19050" dir="2700000" algn="tl" rotWithShape="0">
+                  <a:schemeClr val="dk1">
+                    <a:alpha val="40000"/>
+                  </a:schemeClr>
+                </a:outerShdw>
+              </a:effectLst>
+              <a:latin typeface="Exo 2 Medium" panose="00000600000000000000" pitchFamily="50" charset="0"/>
+            </a:endParaRPr>
+          </a:p>
+        </p:txBody>
+      </p:sp>
+      <p:cxnSp>
+        <p:nvCxnSpPr>
+          <p:cNvPr id="7" name="Conector reto 6">
+            <a:extLst>
+              <a:ext uri="{FF2B5EF4-FFF2-40B4-BE49-F238E27FC236}">
+                <a16:creationId xmlns:a16="http://schemas.microsoft.com/office/drawing/2014/main" id="{6510727C-C843-4D84-A07F-20F37366891D}"/>
+              </a:ext>
+            </a:extLst>
+          </p:cNvPr>
+          <p:cNvCxnSpPr/>
+          <p:nvPr/>
+        </p:nvCxnSpPr>
+        <p:spPr>
+          <a:xfrm>
+            <a:off x="0" y="1105459"/>
+            <a:ext cx="6325704" cy="0"/>
+          </a:xfrm>
+          <a:prstGeom prst="line">
+            <a:avLst/>
+          </a:prstGeom>
+          <a:ln>
+            <a:solidFill>
+              <a:schemeClr val="bg1"/>
+            </a:solidFill>
+          </a:ln>
+          <a:effectLst/>
+        </p:spPr>
+        <p:style>
+          <a:lnRef idx="1">
+            <a:schemeClr val="accent1"/>
+          </a:lnRef>
+          <a:fillRef idx="0">
+            <a:schemeClr val="accent1"/>
+          </a:fillRef>
+          <a:effectRef idx="0">
+            <a:schemeClr val="accent1"/>
+          </a:effectRef>
+          <a:fontRef idx="minor">
+            <a:schemeClr val="tx1"/>
+          </a:fontRef>
+        </p:style>
+      </p:cxnSp>
+      <p:sp>
+        <p:nvSpPr>
+          <p:cNvPr id="10" name="Elipse 9"/>
+          <p:cNvSpPr/>
+          <p:nvPr/>
+        </p:nvSpPr>
+        <p:spPr>
+          <a:xfrm>
+            <a:off x="1251250" y="1804754"/>
+            <a:ext cx="4353952" cy="4353952"/>
+          </a:xfrm>
+          <a:prstGeom prst="ellipse">
+            <a:avLst/>
+          </a:prstGeom>
+          <a:solidFill>
+            <a:schemeClr val="bg1"/>
+          </a:solidFill>
+          <a:ln>
+            <a:noFill/>
+          </a:ln>
+          <a:effectLst>
+            <a:outerShdw blurRad="50800" dist="38100" dir="2700000" algn="tl" rotWithShape="0">
+              <a:prstClr val="black">
+                <a:alpha val="40000"/>
+              </a:prstClr>
+            </a:outerShdw>
+          </a:effectLst>
+        </p:spPr>
+        <p:style>
+          <a:lnRef idx="2">
+            <a:schemeClr val="accent1">
+              <a:shade val="50000"/>
+            </a:schemeClr>
+          </a:lnRef>
+          <a:fillRef idx="1">
+            <a:schemeClr val="accent1"/>
+          </a:fillRef>
+          <a:effectRef idx="0">
+            <a:schemeClr val="accent1"/>
+          </a:effectRef>
+          <a:fontRef idx="minor">
+            <a:schemeClr val="lt1"/>
+          </a:fontRef>
+        </p:style>
+        <p:txBody>
+          <a:bodyPr rtlCol="0" anchor="ctr"/>
+          <a:lstStyle/>
+          <a:p>
+            <a:pPr algn="ctr"/>
+            <a:endParaRPr lang="pt-BR"/>
+          </a:p>
+        </p:txBody>
+      </p:sp>
+      <p:pic>
+        <p:nvPicPr>
+          <p:cNvPr id="1026" name="Picture 2" descr="Imagem relacionada"/>
+          <p:cNvPicPr>
+            <a:picLocks noChangeAspect="1" noChangeArrowheads="1"/>
+          </p:cNvPicPr>
+          <p:nvPr/>
+        </p:nvPicPr>
+        <p:blipFill rotWithShape="1">
+          <a:blip r:embed="rId4" cstate="print">
+            <a:extLst>
+              <a:ext uri="{BEBA8EAE-BF5A-486C-A8C5-ECC9F3942E4B}">
+                <a14:imgProps xmlns:a14="http://schemas.microsoft.com/office/drawing/2010/main">
+                  <a14:imgLayer r:embed="rId5">
+                    <a14:imgEffect>
+                      <a14:backgroundRemoval t="916" b="89929" l="6894" r="95356"/>
+                    </a14:imgEffect>
+                  </a14:imgLayer>
+                </a14:imgProps>
+              </a:ext>
+              <a:ext uri="{28A0092B-C50C-407E-A947-70E740481C1C}">
+                <a14:useLocalDpi xmlns:a14="http://schemas.microsoft.com/office/drawing/2010/main" val="0"/>
+              </a:ext>
+            </a:extLst>
+          </a:blip>
+          <a:srcRect l="9235" t="2389" r="6849" b="18259"/>
+          <a:stretch/>
+        </p:blipFill>
+        <p:spPr bwMode="auto">
+          <a:xfrm>
+            <a:off x="1814639" y="2596784"/>
+            <a:ext cx="2363310" cy="1594215"/>
+          </a:xfrm>
+          <a:prstGeom prst="rect">
+            <a:avLst/>
+          </a:prstGeom>
+          <a:noFill/>
+          <a:extLst>
+            <a:ext uri="{909E8E84-426E-40DD-AFC4-6F175D3DCCD1}">
+              <a14:hiddenFill xmlns:a14="http://schemas.microsoft.com/office/drawing/2010/main">
+                <a:solidFill>
+                  <a:srgbClr val="FFFFFF"/>
+                </a:solidFill>
+              </a14:hiddenFill>
+            </a:ext>
+          </a:extLst>
+        </p:spPr>
+      </p:pic>
+      <p:pic>
+        <p:nvPicPr>
+          <p:cNvPr id="17" name="Imagem 16"/>
+          <p:cNvPicPr>
+            <a:picLocks noChangeAspect="1"/>
+          </p:cNvPicPr>
+          <p:nvPr/>
+        </p:nvPicPr>
+        <p:blipFill rotWithShape="1">
+          <a:blip r:embed="rId6" cstate="print">
+            <a:extLst>
+              <a:ext uri="{28A0092B-C50C-407E-A947-70E740481C1C}">
+                <a14:useLocalDpi xmlns:a14="http://schemas.microsoft.com/office/drawing/2010/main" val="0"/>
+              </a:ext>
+            </a:extLst>
+          </a:blip>
+          <a:srcRect l="6715" t="9335" r="10598" b="11235"/>
+          <a:stretch/>
+        </p:blipFill>
+        <p:spPr>
+          <a:xfrm>
+            <a:off x="2907004" y="3382599"/>
+            <a:ext cx="1921071" cy="1845399"/>
+          </a:xfrm>
+          <a:prstGeom prst="rect">
+            <a:avLst/>
+          </a:prstGeom>
+        </p:spPr>
+      </p:pic>
     </p:spTree>
     <p:extLst>
       <p:ext uri="{BB962C8B-B14F-4D97-AF65-F5344CB8AC3E}">
@@ -3939,6 +4332,717 @@
   <p:clrMapOvr>
     <a:masterClrMapping/>
   </p:clrMapOvr>
+  <mc:AlternateContent xmlns:mc="http://schemas.openxmlformats.org/markup-compatibility/2006">
+    <mc:Choice xmlns:p14="http://schemas.microsoft.com/office/powerpoint/2010/main" Requires="p14">
+      <p:transition spd="med" p14:dur="700">
+        <p:fade/>
+      </p:transition>
+    </mc:Choice>
+    <mc:Fallback>
+      <p:transition spd="med">
+        <p:fade/>
+      </p:transition>
+    </mc:Fallback>
+  </mc:AlternateContent>
+  <p:timing>
+    <p:tnLst>
+      <p:par>
+        <p:cTn id="1" dur="indefinite" restart="never" nodeType="tmRoot"/>
+      </p:par>
+    </p:tnLst>
+  </p:timing>
+</p:sld>
+</file>
+
+<file path=ppt/slides/slide4.xml><?xml version="1.0" encoding="utf-8"?>
+<p:sld xmlns:a="http://schemas.openxmlformats.org/drawingml/2006/main" xmlns:r="http://schemas.openxmlformats.org/officeDocument/2006/relationships" xmlns:p="http://schemas.openxmlformats.org/presentationml/2006/main">
+  <p:cSld>
+    <p:spTree>
+      <p:nvGrpSpPr>
+        <p:cNvPr id="1" name=""/>
+        <p:cNvGrpSpPr/>
+        <p:nvPr/>
+      </p:nvGrpSpPr>
+      <p:grpSpPr>
+        <a:xfrm>
+          <a:off x="0" y="0"/>
+          <a:ext cx="0" cy="0"/>
+          <a:chOff x="0" y="0"/>
+          <a:chExt cx="0" cy="0"/>
+        </a:xfrm>
+      </p:grpSpPr>
+      <p:grpSp>
+        <p:nvGrpSpPr>
+          <p:cNvPr id="6" name="Agrupar 5"/>
+          <p:cNvGrpSpPr/>
+          <p:nvPr/>
+        </p:nvGrpSpPr>
+        <p:grpSpPr>
+          <a:xfrm>
+            <a:off x="0" y="0"/>
+            <a:ext cx="12192000" cy="6863907"/>
+            <a:chOff x="0" y="0"/>
+            <a:chExt cx="12192000" cy="6863907"/>
+          </a:xfrm>
+        </p:grpSpPr>
+        <p:pic>
+          <p:nvPicPr>
+            <p:cNvPr id="4" name="Picture 22" descr="http://www.correiodoestadoonline.com.br/arquivos/noticias/3.png"/>
+            <p:cNvPicPr>
+              <a:picLocks noChangeAspect="1" noChangeArrowheads="1"/>
+            </p:cNvPicPr>
+            <p:nvPr/>
+          </p:nvPicPr>
+          <p:blipFill>
+            <a:blip r:embed="rId2">
+              <a:extLst>
+                <a:ext uri="{BEBA8EAE-BF5A-486C-A8C5-ECC9F3942E4B}">
+                  <a14:imgProps xmlns:a14="http://schemas.microsoft.com/office/drawing/2010/main">
+                    <a14:imgLayer r:embed="rId3">
+                      <a14:imgEffect>
+                        <a14:sharpenSoften amount="-80000"/>
+                      </a14:imgEffect>
+                      <a14:imgEffect>
+                        <a14:brightnessContrast bright="-46000"/>
+                      </a14:imgEffect>
+                    </a14:imgLayer>
+                  </a14:imgProps>
+                </a:ext>
+                <a:ext uri="{28A0092B-C50C-407E-A947-70E740481C1C}">
+                  <a14:useLocalDpi xmlns:a14="http://schemas.microsoft.com/office/drawing/2010/main" val="0"/>
+                </a:ext>
+              </a:extLst>
+            </a:blip>
+            <a:srcRect/>
+            <a:stretch>
+              <a:fillRect/>
+            </a:stretch>
+          </p:blipFill>
+          <p:spPr bwMode="auto">
+            <a:xfrm>
+              <a:off x="0" y="0"/>
+              <a:ext cx="12192000" cy="6863907"/>
+            </a:xfrm>
+            <a:prstGeom prst="rect">
+              <a:avLst/>
+            </a:prstGeom>
+            <a:noFill/>
+          </p:spPr>
+        </p:pic>
+        <p:sp>
+          <p:nvSpPr>
+            <p:cNvPr id="5" name="Retângulo 4"/>
+            <p:cNvSpPr/>
+            <p:nvPr/>
+          </p:nvSpPr>
+          <p:spPr>
+            <a:xfrm>
+              <a:off x="0" y="5907"/>
+              <a:ext cx="12192000" cy="6858000"/>
+            </a:xfrm>
+            <a:prstGeom prst="rect">
+              <a:avLst/>
+            </a:prstGeom>
+            <a:solidFill>
+              <a:schemeClr val="tx1">
+                <a:lumMod val="95000"/>
+                <a:lumOff val="5000"/>
+                <a:alpha val="87000"/>
+              </a:schemeClr>
+            </a:solidFill>
+            <a:ln>
+              <a:noFill/>
+            </a:ln>
+          </p:spPr>
+          <p:style>
+            <a:lnRef idx="2">
+              <a:schemeClr val="dk1"/>
+            </a:lnRef>
+            <a:fillRef idx="1">
+              <a:schemeClr val="lt1"/>
+            </a:fillRef>
+            <a:effectRef idx="0">
+              <a:schemeClr val="dk1"/>
+            </a:effectRef>
+            <a:fontRef idx="minor">
+              <a:schemeClr val="dk1"/>
+            </a:fontRef>
+          </p:style>
+          <p:txBody>
+            <a:bodyPr rtlCol="0" anchor="ctr"/>
+            <a:lstStyle/>
+            <a:p>
+              <a:pPr algn="ctr"/>
+              <a:endParaRPr lang="pt-BR"/>
+            </a:p>
+          </p:txBody>
+        </p:sp>
+      </p:grpSp>
+      <p:sp>
+        <p:nvSpPr>
+          <p:cNvPr id="7" name="Retângulo 6"/>
+          <p:cNvSpPr/>
+          <p:nvPr/>
+        </p:nvSpPr>
+        <p:spPr>
+          <a:xfrm>
+            <a:off x="126222" y="198787"/>
+            <a:ext cx="7608078" cy="707886"/>
+          </a:xfrm>
+          <a:prstGeom prst="rect">
+            <a:avLst/>
+          </a:prstGeom>
+          <a:noFill/>
+          <a:effectLst/>
+        </p:spPr>
+        <p:txBody>
+          <a:bodyPr wrap="square" lIns="91440" tIns="45720" rIns="91440" bIns="45720">
+            <a:spAutoFit/>
+          </a:bodyPr>
+          <a:lstStyle/>
+          <a:p>
+            <a:pPr algn="just"/>
+            <a:r>
+              <a:rPr lang="pt-BR" sz="4000" b="1" dirty="0" smtClean="0">
+                <a:ln w="0"/>
+                <a:solidFill>
+                  <a:schemeClr val="bg1"/>
+                </a:solidFill>
+                <a:effectLst>
+                  <a:outerShdw blurRad="38100" dist="19050" dir="2700000" algn="tl" rotWithShape="0">
+                    <a:schemeClr val="dk1">
+                      <a:alpha val="40000"/>
+                    </a:schemeClr>
+                  </a:outerShdw>
+                </a:effectLst>
+                <a:latin typeface="Exo 2 Medium" panose="00000600000000000000" pitchFamily="50" charset="0"/>
+              </a:rPr>
+              <a:t>METODOLOGIA ÁGIL</a:t>
+            </a:r>
+            <a:endParaRPr lang="pt-BR" sz="4000" b="1" cap="none" spc="0" dirty="0">
+              <a:ln w="0"/>
+              <a:solidFill>
+                <a:schemeClr val="bg1"/>
+              </a:solidFill>
+              <a:effectLst>
+                <a:outerShdw blurRad="38100" dist="19050" dir="2700000" algn="tl" rotWithShape="0">
+                  <a:schemeClr val="dk1">
+                    <a:alpha val="40000"/>
+                  </a:schemeClr>
+                </a:outerShdw>
+              </a:effectLst>
+              <a:latin typeface="Exo 2 Medium" panose="00000600000000000000" pitchFamily="50" charset="0"/>
+            </a:endParaRPr>
+          </a:p>
+        </p:txBody>
+      </p:sp>
+      <p:cxnSp>
+        <p:nvCxnSpPr>
+          <p:cNvPr id="8" name="Conector reto 7">
+            <a:extLst>
+              <a:ext uri="{FF2B5EF4-FFF2-40B4-BE49-F238E27FC236}">
+                <a16:creationId xmlns:a16="http://schemas.microsoft.com/office/drawing/2014/main" id="{6510727C-C843-4D84-A07F-20F37366891D}"/>
+              </a:ext>
+            </a:extLst>
+          </p:cNvPr>
+          <p:cNvCxnSpPr/>
+          <p:nvPr/>
+        </p:nvCxnSpPr>
+        <p:spPr>
+          <a:xfrm>
+            <a:off x="0" y="1105459"/>
+            <a:ext cx="6325704" cy="0"/>
+          </a:xfrm>
+          <a:prstGeom prst="line">
+            <a:avLst/>
+          </a:prstGeom>
+          <a:ln>
+            <a:solidFill>
+              <a:schemeClr val="bg1"/>
+            </a:solidFill>
+          </a:ln>
+          <a:effectLst/>
+        </p:spPr>
+        <p:style>
+          <a:lnRef idx="1">
+            <a:schemeClr val="accent1"/>
+          </a:lnRef>
+          <a:fillRef idx="0">
+            <a:schemeClr val="accent1"/>
+          </a:fillRef>
+          <a:effectRef idx="0">
+            <a:schemeClr val="accent1"/>
+          </a:effectRef>
+          <a:fontRef idx="minor">
+            <a:schemeClr val="tx1"/>
+          </a:fontRef>
+        </p:style>
+      </p:cxnSp>
+      <p:sp>
+        <p:nvSpPr>
+          <p:cNvPr id="10" name="Elipse 9"/>
+          <p:cNvSpPr/>
+          <p:nvPr/>
+        </p:nvSpPr>
+        <p:spPr>
+          <a:xfrm>
+            <a:off x="746874" y="2312259"/>
+            <a:ext cx="2178122" cy="2178122"/>
+          </a:xfrm>
+          <a:prstGeom prst="ellipse">
+            <a:avLst/>
+          </a:prstGeom>
+          <a:solidFill>
+            <a:schemeClr val="bg1"/>
+          </a:solidFill>
+          <a:ln>
+            <a:noFill/>
+          </a:ln>
+          <a:effectLst>
+            <a:outerShdw blurRad="50800" dist="38100" dir="2700000" algn="tl" rotWithShape="0">
+              <a:prstClr val="black">
+                <a:alpha val="40000"/>
+              </a:prstClr>
+            </a:outerShdw>
+          </a:effectLst>
+        </p:spPr>
+        <p:style>
+          <a:lnRef idx="2">
+            <a:schemeClr val="accent1">
+              <a:shade val="50000"/>
+            </a:schemeClr>
+          </a:lnRef>
+          <a:fillRef idx="1">
+            <a:schemeClr val="accent1"/>
+          </a:fillRef>
+          <a:effectRef idx="0">
+            <a:schemeClr val="accent1"/>
+          </a:effectRef>
+          <a:fontRef idx="minor">
+            <a:schemeClr val="lt1"/>
+          </a:fontRef>
+        </p:style>
+        <p:txBody>
+          <a:bodyPr rtlCol="0" anchor="ctr"/>
+          <a:lstStyle/>
+          <a:p>
+            <a:pPr algn="ctr"/>
+            <a:endParaRPr lang="pt-BR"/>
+          </a:p>
+        </p:txBody>
+      </p:sp>
+      <p:sp>
+        <p:nvSpPr>
+          <p:cNvPr id="15" name="Elipse 14"/>
+          <p:cNvSpPr/>
+          <p:nvPr/>
+        </p:nvSpPr>
+        <p:spPr>
+          <a:xfrm>
+            <a:off x="3576620" y="2312259"/>
+            <a:ext cx="2178122" cy="2178122"/>
+          </a:xfrm>
+          <a:prstGeom prst="ellipse">
+            <a:avLst/>
+          </a:prstGeom>
+          <a:solidFill>
+            <a:schemeClr val="bg1"/>
+          </a:solidFill>
+          <a:ln>
+            <a:noFill/>
+          </a:ln>
+          <a:effectLst>
+            <a:outerShdw blurRad="50800" dist="38100" dir="2700000" algn="tl" rotWithShape="0">
+              <a:prstClr val="black">
+                <a:alpha val="40000"/>
+              </a:prstClr>
+            </a:outerShdw>
+          </a:effectLst>
+        </p:spPr>
+        <p:style>
+          <a:lnRef idx="2">
+            <a:schemeClr val="accent1">
+              <a:shade val="50000"/>
+            </a:schemeClr>
+          </a:lnRef>
+          <a:fillRef idx="1">
+            <a:schemeClr val="accent1"/>
+          </a:fillRef>
+          <a:effectRef idx="0">
+            <a:schemeClr val="accent1"/>
+          </a:effectRef>
+          <a:fontRef idx="minor">
+            <a:schemeClr val="lt1"/>
+          </a:fontRef>
+        </p:style>
+        <p:txBody>
+          <a:bodyPr rtlCol="0" anchor="ctr"/>
+          <a:lstStyle/>
+          <a:p>
+            <a:pPr algn="ctr"/>
+            <a:endParaRPr lang="pt-BR"/>
+          </a:p>
+        </p:txBody>
+      </p:sp>
+      <p:sp>
+        <p:nvSpPr>
+          <p:cNvPr id="16" name="Elipse 15"/>
+          <p:cNvSpPr/>
+          <p:nvPr/>
+        </p:nvSpPr>
+        <p:spPr>
+          <a:xfrm>
+            <a:off x="9261512" y="2312259"/>
+            <a:ext cx="2178122" cy="2178122"/>
+          </a:xfrm>
+          <a:prstGeom prst="ellipse">
+            <a:avLst/>
+          </a:prstGeom>
+          <a:solidFill>
+            <a:schemeClr val="bg1"/>
+          </a:solidFill>
+          <a:ln>
+            <a:noFill/>
+          </a:ln>
+          <a:effectLst>
+            <a:outerShdw blurRad="50800" dist="38100" dir="2700000" algn="tl" rotWithShape="0">
+              <a:prstClr val="black">
+                <a:alpha val="40000"/>
+              </a:prstClr>
+            </a:outerShdw>
+          </a:effectLst>
+        </p:spPr>
+        <p:style>
+          <a:lnRef idx="2">
+            <a:schemeClr val="accent1">
+              <a:shade val="50000"/>
+            </a:schemeClr>
+          </a:lnRef>
+          <a:fillRef idx="1">
+            <a:schemeClr val="accent1"/>
+          </a:fillRef>
+          <a:effectRef idx="0">
+            <a:schemeClr val="accent1"/>
+          </a:effectRef>
+          <a:fontRef idx="minor">
+            <a:schemeClr val="lt1"/>
+          </a:fontRef>
+        </p:style>
+        <p:txBody>
+          <a:bodyPr rtlCol="0" anchor="ctr"/>
+          <a:lstStyle/>
+          <a:p>
+            <a:pPr algn="ctr"/>
+            <a:endParaRPr lang="pt-BR"/>
+          </a:p>
+        </p:txBody>
+      </p:sp>
+      <p:sp>
+        <p:nvSpPr>
+          <p:cNvPr id="17" name="Elipse 16"/>
+          <p:cNvSpPr/>
+          <p:nvPr/>
+        </p:nvSpPr>
+        <p:spPr>
+          <a:xfrm>
+            <a:off x="6431766" y="2312259"/>
+            <a:ext cx="2178122" cy="2178122"/>
+          </a:xfrm>
+          <a:prstGeom prst="ellipse">
+            <a:avLst/>
+          </a:prstGeom>
+          <a:solidFill>
+            <a:schemeClr val="bg1"/>
+          </a:solidFill>
+          <a:ln>
+            <a:noFill/>
+          </a:ln>
+          <a:effectLst>
+            <a:outerShdw blurRad="50800" dist="38100" dir="2700000" algn="tl" rotWithShape="0">
+              <a:prstClr val="black">
+                <a:alpha val="40000"/>
+              </a:prstClr>
+            </a:outerShdw>
+          </a:effectLst>
+        </p:spPr>
+        <p:style>
+          <a:lnRef idx="2">
+            <a:schemeClr val="accent1">
+              <a:shade val="50000"/>
+            </a:schemeClr>
+          </a:lnRef>
+          <a:fillRef idx="1">
+            <a:schemeClr val="accent1"/>
+          </a:fillRef>
+          <a:effectRef idx="0">
+            <a:schemeClr val="accent1"/>
+          </a:effectRef>
+          <a:fontRef idx="minor">
+            <a:schemeClr val="lt1"/>
+          </a:fontRef>
+        </p:style>
+        <p:txBody>
+          <a:bodyPr rtlCol="0" anchor="ctr"/>
+          <a:lstStyle/>
+          <a:p>
+            <a:pPr algn="ctr"/>
+            <a:endParaRPr lang="pt-BR"/>
+          </a:p>
+        </p:txBody>
+      </p:sp>
+      <p:pic>
+        <p:nvPicPr>
+          <p:cNvPr id="22" name="Imagem 21"/>
+          <p:cNvPicPr>
+            <a:picLocks noChangeAspect="1"/>
+          </p:cNvPicPr>
+          <p:nvPr/>
+        </p:nvPicPr>
+        <p:blipFill>
+          <a:blip r:embed="rId4" cstate="print">
+            <a:extLst>
+              <a:ext uri="{28A0092B-C50C-407E-A947-70E740481C1C}">
+                <a14:useLocalDpi xmlns:a14="http://schemas.microsoft.com/office/drawing/2010/main" val="0"/>
+              </a:ext>
+            </a:extLst>
+          </a:blip>
+          <a:stretch>
+            <a:fillRect/>
+          </a:stretch>
+        </p:blipFill>
+        <p:spPr>
+          <a:xfrm>
+            <a:off x="1029735" y="2444571"/>
+            <a:ext cx="1601884" cy="1601884"/>
+          </a:xfrm>
+          <a:prstGeom prst="rect">
+            <a:avLst/>
+          </a:prstGeom>
+        </p:spPr>
+      </p:pic>
+      <p:pic>
+        <p:nvPicPr>
+          <p:cNvPr id="23" name="Imagem 22"/>
+          <p:cNvPicPr>
+            <a:picLocks noChangeAspect="1"/>
+          </p:cNvPicPr>
+          <p:nvPr/>
+        </p:nvPicPr>
+        <p:blipFill>
+          <a:blip r:embed="rId5" cstate="print">
+            <a:extLst>
+              <a:ext uri="{28A0092B-C50C-407E-A947-70E740481C1C}">
+                <a14:useLocalDpi xmlns:a14="http://schemas.microsoft.com/office/drawing/2010/main" val="0"/>
+              </a:ext>
+            </a:extLst>
+          </a:blip>
+          <a:stretch>
+            <a:fillRect/>
+          </a:stretch>
+        </p:blipFill>
+        <p:spPr>
+          <a:xfrm>
+            <a:off x="6719885" y="2444571"/>
+            <a:ext cx="1601884" cy="1601884"/>
+          </a:xfrm>
+          <a:prstGeom prst="rect">
+            <a:avLst/>
+          </a:prstGeom>
+        </p:spPr>
+      </p:pic>
+      <p:pic>
+        <p:nvPicPr>
+          <p:cNvPr id="25" name="Imagem 24"/>
+          <p:cNvPicPr>
+            <a:picLocks noChangeAspect="1"/>
+          </p:cNvPicPr>
+          <p:nvPr/>
+        </p:nvPicPr>
+        <p:blipFill>
+          <a:blip r:embed="rId6" cstate="print">
+            <a:extLst>
+              <a:ext uri="{28A0092B-C50C-407E-A947-70E740481C1C}">
+                <a14:useLocalDpi xmlns:a14="http://schemas.microsoft.com/office/drawing/2010/main" val="0"/>
+              </a:ext>
+            </a:extLst>
+          </a:blip>
+          <a:stretch>
+            <a:fillRect/>
+          </a:stretch>
+        </p:blipFill>
+        <p:spPr>
+          <a:xfrm>
+            <a:off x="9549631" y="2444571"/>
+            <a:ext cx="1601884" cy="1601884"/>
+          </a:xfrm>
+          <a:prstGeom prst="rect">
+            <a:avLst/>
+          </a:prstGeom>
+        </p:spPr>
+      </p:pic>
+      <p:pic>
+        <p:nvPicPr>
+          <p:cNvPr id="2056" name="Picture 8" descr="https://3dsupply.de/en/composition/noob-cap-cap-cap-front~eJwdijkKgDAQRa8SppYwk_xsXkUsBC0CggHTiXc3Y_mWh1qn2QhySbGIE8uToToU7Uff6kkD-78ElwEW7_6lXbdKnbUughgSPEdYXrUPGQW6ag8Z6f0Ad2cYzg==.png"/>
+          <p:cNvPicPr>
+            <a:picLocks noChangeAspect="1" noChangeArrowheads="1"/>
+          </p:cNvPicPr>
+          <p:nvPr/>
+        </p:nvPicPr>
+        <p:blipFill>
+          <a:blip r:embed="rId7" cstate="print">
+            <a:extLst>
+              <a:ext uri="{BEBA8EAE-BF5A-486C-A8C5-ECC9F3942E4B}">
+                <a14:imgProps xmlns:a14="http://schemas.microsoft.com/office/drawing/2010/main">
+                  <a14:imgLayer r:embed="rId8">
+                    <a14:imgEffect>
+                      <a14:saturation sat="0"/>
+                    </a14:imgEffect>
+                    <a14:imgEffect>
+                      <a14:brightnessContrast bright="-20000" contrast="40000"/>
+                    </a14:imgEffect>
+                  </a14:imgLayer>
+                </a14:imgProps>
+              </a:ext>
+              <a:ext uri="{28A0092B-C50C-407E-A947-70E740481C1C}">
+                <a14:useLocalDpi xmlns:a14="http://schemas.microsoft.com/office/drawing/2010/main" val="0"/>
+              </a:ext>
+            </a:extLst>
+          </a:blip>
+          <a:srcRect/>
+          <a:stretch>
+            <a:fillRect/>
+          </a:stretch>
+        </p:blipFill>
+        <p:spPr bwMode="auto">
+          <a:xfrm>
+            <a:off x="9874817" y="2350360"/>
+            <a:ext cx="945583" cy="640312"/>
+          </a:xfrm>
+          <a:prstGeom prst="rect">
+            <a:avLst/>
+          </a:prstGeom>
+          <a:noFill/>
+          <a:extLst>
+            <a:ext uri="{909E8E84-426E-40DD-AFC4-6F175D3DCCD1}">
+              <a14:hiddenFill xmlns:a14="http://schemas.microsoft.com/office/drawing/2010/main">
+                <a:solidFill>
+                  <a:srgbClr val="FFFFFF"/>
+                </a:solidFill>
+              </a14:hiddenFill>
+            </a:ext>
+          </a:extLst>
+        </p:spPr>
+      </p:pic>
+      <p:pic>
+        <p:nvPicPr>
+          <p:cNvPr id="2060" name="Picture 12" descr="Resultado de imagem para toca de cabeÃ§a"/>
+          <p:cNvPicPr>
+            <a:picLocks noChangeAspect="1" noChangeArrowheads="1"/>
+          </p:cNvPicPr>
+          <p:nvPr/>
+        </p:nvPicPr>
+        <p:blipFill>
+          <a:blip r:embed="rId9" cstate="print">
+            <a:duotone>
+              <a:prstClr val="black"/>
+              <a:schemeClr val="accent1">
+                <a:tint val="45000"/>
+                <a:satMod val="400000"/>
+              </a:schemeClr>
+            </a:duotone>
+            <a:extLst>
+              <a:ext uri="{BEBA8EAE-BF5A-486C-A8C5-ECC9F3942E4B}">
+                <a14:imgProps xmlns:a14="http://schemas.microsoft.com/office/drawing/2010/main">
+                  <a14:imgLayer r:embed="rId10">
+                    <a14:imgEffect>
+                      <a14:sharpenSoften amount="-25000"/>
+                    </a14:imgEffect>
+                    <a14:imgEffect>
+                      <a14:colorTemperature colorTemp="4700"/>
+                    </a14:imgEffect>
+                    <a14:imgEffect>
+                      <a14:brightnessContrast bright="-20000" contrast="20000"/>
+                    </a14:imgEffect>
+                  </a14:imgLayer>
+                </a14:imgProps>
+              </a:ext>
+              <a:ext uri="{28A0092B-C50C-407E-A947-70E740481C1C}">
+                <a14:useLocalDpi xmlns:a14="http://schemas.microsoft.com/office/drawing/2010/main" val="0"/>
+              </a:ext>
+            </a:extLst>
+          </a:blip>
+          <a:srcRect/>
+          <a:stretch>
+            <a:fillRect/>
+          </a:stretch>
+        </p:blipFill>
+        <p:spPr bwMode="auto">
+          <a:xfrm rot="671248">
+            <a:off x="898712" y="2377341"/>
+            <a:ext cx="1850510" cy="756602"/>
+          </a:xfrm>
+          <a:prstGeom prst="rect">
+            <a:avLst/>
+          </a:prstGeom>
+          <a:noFill/>
+          <a:extLst>
+            <a:ext uri="{909E8E84-426E-40DD-AFC4-6F175D3DCCD1}">
+              <a14:hiddenFill xmlns:a14="http://schemas.microsoft.com/office/drawing/2010/main">
+                <a:solidFill>
+                  <a:srgbClr val="FFFFFF"/>
+                </a:solidFill>
+              </a14:hiddenFill>
+            </a:ext>
+          </a:extLst>
+        </p:spPr>
+      </p:pic>
+      <p:pic>
+        <p:nvPicPr>
+          <p:cNvPr id="26" name="Imagem 25"/>
+          <p:cNvPicPr>
+            <a:picLocks noChangeAspect="1"/>
+          </p:cNvPicPr>
+          <p:nvPr/>
+        </p:nvPicPr>
+        <p:blipFill>
+          <a:blip r:embed="rId11" cstate="print">
+            <a:extLst>
+              <a:ext uri="{28A0092B-C50C-407E-A947-70E740481C1C}">
+                <a14:useLocalDpi xmlns:a14="http://schemas.microsoft.com/office/drawing/2010/main" val="0"/>
+              </a:ext>
+            </a:extLst>
+          </a:blip>
+          <a:stretch>
+            <a:fillRect/>
+          </a:stretch>
+        </p:blipFill>
+        <p:spPr>
+          <a:xfrm>
+            <a:off x="3857458" y="2438645"/>
+            <a:ext cx="1607810" cy="1607810"/>
+          </a:xfrm>
+          <a:prstGeom prst="rect">
+            <a:avLst/>
+          </a:prstGeom>
+        </p:spPr>
+      </p:pic>
+    </p:spTree>
+    <p:extLst>
+      <p:ext uri="{BB962C8B-B14F-4D97-AF65-F5344CB8AC3E}">
+        <p14:creationId xmlns:p14="http://schemas.microsoft.com/office/powerpoint/2010/main" val="3730996855"/>
+      </p:ext>
+    </p:extLst>
+  </p:cSld>
+  <p:clrMapOvr>
+    <a:masterClrMapping/>
+  </p:clrMapOvr>
+  <p:timing>
+    <p:tnLst>
+      <p:par>
+        <p:cTn id="1" dur="indefinite" restart="never" nodeType="tmRoot"/>
+      </p:par>
+    </p:tnLst>
+  </p:timing>
 </p:sld>
 </file>
 

--- a/Apresentação/inSensor.pptx
+++ b/Apresentação/inSensor.pptx
@@ -9,6 +9,7 @@
     <p:sldId id="256" r:id="rId3"/>
     <p:sldId id="258" r:id="rId4"/>
     <p:sldId id="260" r:id="rId5"/>
+    <p:sldId id="261" r:id="rId6"/>
   </p:sldIdLst>
   <p:sldSz cx="12192000" cy="6858000"/>
   <p:notesSz cx="6858000" cy="9144000"/>
@@ -3973,6 +3974,18 @@
   <p:clrMapOvr>
     <a:masterClrMapping/>
   </p:clrMapOvr>
+  <mc:AlternateContent xmlns:mc="http://schemas.openxmlformats.org/markup-compatibility/2006">
+    <mc:Choice xmlns:p14="http://schemas.microsoft.com/office/powerpoint/2010/main" Requires="p14">
+      <p:transition spd="med" p14:dur="700">
+        <p:fade/>
+      </p:transition>
+    </mc:Choice>
+    <mc:Fallback>
+      <p:transition spd="med">
+        <p:fade/>
+      </p:transition>
+    </mc:Fallback>
+  </mc:AlternateContent>
   <p:timing>
     <p:tnLst>
       <p:par>
@@ -4332,13 +4345,13 @@
   <p:clrMapOvr>
     <a:masterClrMapping/>
   </p:clrMapOvr>
-  <mc:AlternateContent xmlns:mc="http://schemas.openxmlformats.org/markup-compatibility/2006">
-    <mc:Choice xmlns:p14="http://schemas.microsoft.com/office/powerpoint/2010/main" Requires="p14">
+  <mc:AlternateContent xmlns:mc="http://schemas.openxmlformats.org/markup-compatibility/2006" xmlns:p14="http://schemas.microsoft.com/office/powerpoint/2010/main">
+    <mc:Choice Requires="p14">
       <p:transition spd="med" p14:dur="700">
         <p:fade/>
       </p:transition>
     </mc:Choice>
-    <mc:Fallback>
+    <mc:Fallback xmlns="">
       <p:transition spd="med">
         <p:fade/>
       </p:transition>
@@ -4578,454 +4591,754 @@
           </a:fontRef>
         </p:style>
       </p:cxnSp>
-      <p:sp>
-        <p:nvSpPr>
-          <p:cNvPr id="10" name="Elipse 9"/>
-          <p:cNvSpPr/>
+      <p:grpSp>
+        <p:nvGrpSpPr>
+          <p:cNvPr id="2" name="Agrupar 1"/>
+          <p:cNvGrpSpPr/>
           <p:nvPr/>
-        </p:nvSpPr>
-        <p:spPr>
+        </p:nvGrpSpPr>
+        <p:grpSpPr>
           <a:xfrm>
-            <a:off x="746874" y="2312259"/>
+            <a:off x="734174" y="2338243"/>
             <a:ext cx="2178122" cy="2178122"/>
+            <a:chOff x="734174" y="2338243"/>
+            <a:chExt cx="2178122" cy="2178122"/>
           </a:xfrm>
-          <a:prstGeom prst="ellipse">
-            <a:avLst/>
-          </a:prstGeom>
-          <a:solidFill>
-            <a:schemeClr val="bg1"/>
-          </a:solidFill>
-          <a:ln>
-            <a:noFill/>
-          </a:ln>
-          <a:effectLst>
-            <a:outerShdw blurRad="50800" dist="38100" dir="2700000" algn="tl" rotWithShape="0">
-              <a:prstClr val="black">
-                <a:alpha val="40000"/>
-              </a:prstClr>
-            </a:outerShdw>
-          </a:effectLst>
-        </p:spPr>
-        <p:style>
-          <a:lnRef idx="2">
-            <a:schemeClr val="accent1">
-              <a:shade val="50000"/>
-            </a:schemeClr>
-          </a:lnRef>
-          <a:fillRef idx="1">
-            <a:schemeClr val="accent1"/>
-          </a:fillRef>
-          <a:effectRef idx="0">
-            <a:schemeClr val="accent1"/>
-          </a:effectRef>
-          <a:fontRef idx="minor">
-            <a:schemeClr val="lt1"/>
-          </a:fontRef>
-        </p:style>
-        <p:txBody>
-          <a:bodyPr rtlCol="0" anchor="ctr"/>
-          <a:lstStyle/>
-          <a:p>
-            <a:pPr algn="ctr"/>
-            <a:endParaRPr lang="pt-BR"/>
-          </a:p>
-        </p:txBody>
-      </p:sp>
-      <p:sp>
-        <p:nvSpPr>
-          <p:cNvPr id="15" name="Elipse 14"/>
-          <p:cNvSpPr/>
+        </p:grpSpPr>
+        <p:sp>
+          <p:nvSpPr>
+            <p:cNvPr id="17" name="Elipse 16"/>
+            <p:cNvSpPr/>
+            <p:nvPr/>
+          </p:nvSpPr>
+          <p:spPr>
+            <a:xfrm>
+              <a:off x="734174" y="2338243"/>
+              <a:ext cx="2178122" cy="2178122"/>
+            </a:xfrm>
+            <a:prstGeom prst="ellipse">
+              <a:avLst/>
+            </a:prstGeom>
+            <a:solidFill>
+              <a:schemeClr val="bg1"/>
+            </a:solidFill>
+            <a:ln>
+              <a:noFill/>
+            </a:ln>
+            <a:effectLst>
+              <a:outerShdw blurRad="50800" dist="38100" dir="2700000" algn="tl" rotWithShape="0">
+                <a:prstClr val="black">
+                  <a:alpha val="40000"/>
+                </a:prstClr>
+              </a:outerShdw>
+            </a:effectLst>
+          </p:spPr>
+          <p:style>
+            <a:lnRef idx="2">
+              <a:schemeClr val="accent1">
+                <a:shade val="50000"/>
+              </a:schemeClr>
+            </a:lnRef>
+            <a:fillRef idx="1">
+              <a:schemeClr val="accent1"/>
+            </a:fillRef>
+            <a:effectRef idx="0">
+              <a:schemeClr val="accent1"/>
+            </a:effectRef>
+            <a:fontRef idx="minor">
+              <a:schemeClr val="lt1"/>
+            </a:fontRef>
+          </p:style>
+          <p:txBody>
+            <a:bodyPr rtlCol="0" anchor="ctr"/>
+            <a:lstStyle/>
+            <a:p>
+              <a:pPr algn="ctr"/>
+              <a:endParaRPr lang="pt-BR"/>
+            </a:p>
+          </p:txBody>
+        </p:sp>
+        <p:pic>
+          <p:nvPicPr>
+            <p:cNvPr id="23" name="Imagem 22"/>
+            <p:cNvPicPr>
+              <a:picLocks noChangeAspect="1"/>
+            </p:cNvPicPr>
+            <p:nvPr/>
+          </p:nvPicPr>
+          <p:blipFill>
+            <a:blip r:embed="rId4" cstate="print">
+              <a:extLst>
+                <a:ext uri="{28A0092B-C50C-407E-A947-70E740481C1C}">
+                  <a14:useLocalDpi xmlns:a14="http://schemas.microsoft.com/office/drawing/2010/main" val="0"/>
+                </a:ext>
+              </a:extLst>
+            </a:blip>
+            <a:stretch>
+              <a:fillRect/>
+            </a:stretch>
+          </p:blipFill>
+          <p:spPr>
+            <a:xfrm>
+              <a:off x="1022293" y="2444571"/>
+              <a:ext cx="1601884" cy="1601884"/>
+            </a:xfrm>
+            <a:prstGeom prst="rect">
+              <a:avLst/>
+            </a:prstGeom>
+          </p:spPr>
+        </p:pic>
+      </p:grpSp>
+      <p:grpSp>
+        <p:nvGrpSpPr>
+          <p:cNvPr id="3" name="Agrupar 2"/>
+          <p:cNvGrpSpPr/>
           <p:nvPr/>
-        </p:nvSpPr>
-        <p:spPr>
+        </p:nvGrpSpPr>
+        <p:grpSpPr>
           <a:xfrm>
             <a:off x="3576620" y="2312259"/>
             <a:ext cx="2178122" cy="2178122"/>
+            <a:chOff x="3576620" y="2312259"/>
+            <a:chExt cx="2178122" cy="2178122"/>
           </a:xfrm>
-          <a:prstGeom prst="ellipse">
-            <a:avLst/>
-          </a:prstGeom>
-          <a:solidFill>
-            <a:schemeClr val="bg1"/>
-          </a:solidFill>
-          <a:ln>
-            <a:noFill/>
-          </a:ln>
-          <a:effectLst>
-            <a:outerShdw blurRad="50800" dist="38100" dir="2700000" algn="tl" rotWithShape="0">
-              <a:prstClr val="black">
-                <a:alpha val="40000"/>
-              </a:prstClr>
-            </a:outerShdw>
-          </a:effectLst>
-        </p:spPr>
-        <p:style>
-          <a:lnRef idx="2">
-            <a:schemeClr val="accent1">
-              <a:shade val="50000"/>
-            </a:schemeClr>
-          </a:lnRef>
-          <a:fillRef idx="1">
-            <a:schemeClr val="accent1"/>
-          </a:fillRef>
-          <a:effectRef idx="0">
-            <a:schemeClr val="accent1"/>
-          </a:effectRef>
-          <a:fontRef idx="minor">
-            <a:schemeClr val="lt1"/>
-          </a:fontRef>
-        </p:style>
-        <p:txBody>
-          <a:bodyPr rtlCol="0" anchor="ctr"/>
-          <a:lstStyle/>
-          <a:p>
-            <a:pPr algn="ctr"/>
-            <a:endParaRPr lang="pt-BR"/>
-          </a:p>
-        </p:txBody>
-      </p:sp>
-      <p:sp>
-        <p:nvSpPr>
-          <p:cNvPr id="16" name="Elipse 15"/>
+        </p:grpSpPr>
+        <p:sp>
+          <p:nvSpPr>
+            <p:cNvPr id="15" name="Elipse 14"/>
+            <p:cNvSpPr/>
+            <p:nvPr/>
+          </p:nvSpPr>
+          <p:spPr>
+            <a:xfrm>
+              <a:off x="3576620" y="2312259"/>
+              <a:ext cx="2178122" cy="2178122"/>
+            </a:xfrm>
+            <a:prstGeom prst="ellipse">
+              <a:avLst/>
+            </a:prstGeom>
+            <a:solidFill>
+              <a:schemeClr val="bg1"/>
+            </a:solidFill>
+            <a:ln>
+              <a:noFill/>
+            </a:ln>
+            <a:effectLst>
+              <a:outerShdw blurRad="50800" dist="38100" dir="2700000" algn="tl" rotWithShape="0">
+                <a:prstClr val="black">
+                  <a:alpha val="40000"/>
+                </a:prstClr>
+              </a:outerShdw>
+            </a:effectLst>
+          </p:spPr>
+          <p:style>
+            <a:lnRef idx="2">
+              <a:schemeClr val="accent1">
+                <a:shade val="50000"/>
+              </a:schemeClr>
+            </a:lnRef>
+            <a:fillRef idx="1">
+              <a:schemeClr val="accent1"/>
+            </a:fillRef>
+            <a:effectRef idx="0">
+              <a:schemeClr val="accent1"/>
+            </a:effectRef>
+            <a:fontRef idx="minor">
+              <a:schemeClr val="lt1"/>
+            </a:fontRef>
+          </p:style>
+          <p:txBody>
+            <a:bodyPr rtlCol="0" anchor="ctr"/>
+            <a:lstStyle/>
+            <a:p>
+              <a:pPr algn="ctr"/>
+              <a:endParaRPr lang="pt-BR"/>
+            </a:p>
+          </p:txBody>
+        </p:sp>
+        <p:pic>
+          <p:nvPicPr>
+            <p:cNvPr id="26" name="Imagem 25"/>
+            <p:cNvPicPr>
+              <a:picLocks noChangeAspect="1"/>
+            </p:cNvPicPr>
+            <p:nvPr/>
+          </p:nvPicPr>
+          <p:blipFill>
+            <a:blip r:embed="rId5" cstate="print">
+              <a:extLst>
+                <a:ext uri="{28A0092B-C50C-407E-A947-70E740481C1C}">
+                  <a14:useLocalDpi xmlns:a14="http://schemas.microsoft.com/office/drawing/2010/main" val="0"/>
+                </a:ext>
+              </a:extLst>
+            </a:blip>
+            <a:stretch>
+              <a:fillRect/>
+            </a:stretch>
+          </p:blipFill>
+          <p:spPr>
+            <a:xfrm>
+              <a:off x="3857458" y="2438645"/>
+              <a:ext cx="1607810" cy="1607810"/>
+            </a:xfrm>
+            <a:prstGeom prst="rect">
+              <a:avLst/>
+            </a:prstGeom>
+          </p:spPr>
+        </p:pic>
+      </p:grpSp>
+      <p:sp>
+        <p:nvSpPr>
+          <p:cNvPr id="19" name="Retângulo 18"/>
           <p:cNvSpPr/>
           <p:nvPr/>
         </p:nvSpPr>
         <p:spPr>
           <a:xfrm>
-            <a:off x="9261512" y="2312259"/>
-            <a:ext cx="2178122" cy="2178122"/>
-          </a:xfrm>
-          <a:prstGeom prst="ellipse">
-            <a:avLst/>
-          </a:prstGeom>
-          <a:solidFill>
-            <a:schemeClr val="bg1"/>
-          </a:solidFill>
-          <a:ln>
-            <a:noFill/>
-          </a:ln>
-          <a:effectLst>
-            <a:outerShdw blurRad="50800" dist="38100" dir="2700000" algn="tl" rotWithShape="0">
-              <a:prstClr val="black">
-                <a:alpha val="40000"/>
-              </a:prstClr>
-            </a:outerShdw>
-          </a:effectLst>
-        </p:spPr>
-        <p:style>
-          <a:lnRef idx="2">
-            <a:schemeClr val="accent1">
-              <a:shade val="50000"/>
-            </a:schemeClr>
-          </a:lnRef>
-          <a:fillRef idx="1">
-            <a:schemeClr val="accent1"/>
-          </a:fillRef>
-          <a:effectRef idx="0">
-            <a:schemeClr val="accent1"/>
-          </a:effectRef>
-          <a:fontRef idx="minor">
-            <a:schemeClr val="lt1"/>
-          </a:fontRef>
-        </p:style>
-        <p:txBody>
-          <a:bodyPr rtlCol="0" anchor="ctr"/>
-          <a:lstStyle/>
-          <a:p>
-            <a:pPr algn="ctr"/>
-            <a:endParaRPr lang="pt-BR"/>
-          </a:p>
-        </p:txBody>
-      </p:sp>
-      <p:sp>
-        <p:nvSpPr>
-          <p:cNvPr id="17" name="Elipse 16"/>
-          <p:cNvSpPr/>
-          <p:nvPr/>
-        </p:nvSpPr>
-        <p:spPr>
-          <a:xfrm>
-            <a:off x="6431766" y="2312259"/>
-            <a:ext cx="2178122" cy="2178122"/>
-          </a:xfrm>
-          <a:prstGeom prst="ellipse">
-            <a:avLst/>
-          </a:prstGeom>
-          <a:solidFill>
-            <a:schemeClr val="bg1"/>
-          </a:solidFill>
-          <a:ln>
-            <a:noFill/>
-          </a:ln>
-          <a:effectLst>
-            <a:outerShdw blurRad="50800" dist="38100" dir="2700000" algn="tl" rotWithShape="0">
-              <a:prstClr val="black">
-                <a:alpha val="40000"/>
-              </a:prstClr>
-            </a:outerShdw>
-          </a:effectLst>
-        </p:spPr>
-        <p:style>
-          <a:lnRef idx="2">
-            <a:schemeClr val="accent1">
-              <a:shade val="50000"/>
-            </a:schemeClr>
-          </a:lnRef>
-          <a:fillRef idx="1">
-            <a:schemeClr val="accent1"/>
-          </a:fillRef>
-          <a:effectRef idx="0">
-            <a:schemeClr val="accent1"/>
-          </a:effectRef>
-          <a:fontRef idx="minor">
-            <a:schemeClr val="lt1"/>
-          </a:fontRef>
-        </p:style>
-        <p:txBody>
-          <a:bodyPr rtlCol="0" anchor="ctr"/>
-          <a:lstStyle/>
-          <a:p>
-            <a:pPr algn="ctr"/>
-            <a:endParaRPr lang="pt-BR"/>
-          </a:p>
-        </p:txBody>
-      </p:sp>
-      <p:pic>
-        <p:nvPicPr>
-          <p:cNvPr id="22" name="Imagem 21"/>
-          <p:cNvPicPr>
-            <a:picLocks noChangeAspect="1"/>
-          </p:cNvPicPr>
-          <p:nvPr/>
-        </p:nvPicPr>
-        <p:blipFill>
-          <a:blip r:embed="rId4" cstate="print">
-            <a:extLst>
-              <a:ext uri="{28A0092B-C50C-407E-A947-70E740481C1C}">
-                <a14:useLocalDpi xmlns:a14="http://schemas.microsoft.com/office/drawing/2010/main" val="0"/>
-              </a:ext>
-            </a:extLst>
-          </a:blip>
-          <a:stretch>
-            <a:fillRect/>
-          </a:stretch>
-        </p:blipFill>
-        <p:spPr>
-          <a:xfrm>
-            <a:off x="1029735" y="2444571"/>
-            <a:ext cx="1601884" cy="1601884"/>
-          </a:xfrm>
-          <a:prstGeom prst="rect">
-            <a:avLst/>
-          </a:prstGeom>
-        </p:spPr>
-      </p:pic>
-      <p:pic>
-        <p:nvPicPr>
-          <p:cNvPr id="23" name="Imagem 22"/>
-          <p:cNvPicPr>
-            <a:picLocks noChangeAspect="1"/>
-          </p:cNvPicPr>
-          <p:nvPr/>
-        </p:nvPicPr>
-        <p:blipFill>
-          <a:blip r:embed="rId5" cstate="print">
-            <a:extLst>
-              <a:ext uri="{28A0092B-C50C-407E-A947-70E740481C1C}">
-                <a14:useLocalDpi xmlns:a14="http://schemas.microsoft.com/office/drawing/2010/main" val="0"/>
-              </a:ext>
-            </a:extLst>
-          </a:blip>
-          <a:stretch>
-            <a:fillRect/>
-          </a:stretch>
-        </p:blipFill>
-        <p:spPr>
-          <a:xfrm>
-            <a:off x="6719885" y="2444571"/>
-            <a:ext cx="1601884" cy="1601884"/>
-          </a:xfrm>
-          <a:prstGeom prst="rect">
-            <a:avLst/>
-          </a:prstGeom>
-        </p:spPr>
-      </p:pic>
-      <p:pic>
-        <p:nvPicPr>
-          <p:cNvPr id="25" name="Imagem 24"/>
-          <p:cNvPicPr>
-            <a:picLocks noChangeAspect="1"/>
-          </p:cNvPicPr>
-          <p:nvPr/>
-        </p:nvPicPr>
-        <p:blipFill>
-          <a:blip r:embed="rId6" cstate="print">
-            <a:extLst>
-              <a:ext uri="{28A0092B-C50C-407E-A947-70E740481C1C}">
-                <a14:useLocalDpi xmlns:a14="http://schemas.microsoft.com/office/drawing/2010/main" val="0"/>
-              </a:ext>
-            </a:extLst>
-          </a:blip>
-          <a:stretch>
-            <a:fillRect/>
-          </a:stretch>
-        </p:blipFill>
-        <p:spPr>
-          <a:xfrm>
-            <a:off x="9549631" y="2444571"/>
-            <a:ext cx="1601884" cy="1601884"/>
-          </a:xfrm>
-          <a:prstGeom prst="rect">
-            <a:avLst/>
-          </a:prstGeom>
-        </p:spPr>
-      </p:pic>
-      <p:pic>
-        <p:nvPicPr>
-          <p:cNvPr id="2056" name="Picture 8" descr="https://3dsupply.de/en/composition/noob-cap-cap-cap-front~eJwdijkKgDAQRa8SppYwk_xsXkUsBC0CggHTiXc3Y_mWh1qn2QhySbGIE8uToToU7Uff6kkD-78ElwEW7_6lXbdKnbUughgSPEdYXrUPGQW6ag8Z6f0Ad2cYzg==.png"/>
-          <p:cNvPicPr>
-            <a:picLocks noChangeAspect="1" noChangeArrowheads="1"/>
-          </p:cNvPicPr>
-          <p:nvPr/>
-        </p:nvPicPr>
-        <p:blipFill>
-          <a:blip r:embed="rId7" cstate="print">
-            <a:extLst>
-              <a:ext uri="{BEBA8EAE-BF5A-486C-A8C5-ECC9F3942E4B}">
-                <a14:imgProps xmlns:a14="http://schemas.microsoft.com/office/drawing/2010/main">
-                  <a14:imgLayer r:embed="rId8">
-                    <a14:imgEffect>
-                      <a14:saturation sat="0"/>
-                    </a14:imgEffect>
-                    <a14:imgEffect>
-                      <a14:brightnessContrast bright="-20000" contrast="40000"/>
-                    </a14:imgEffect>
-                  </a14:imgLayer>
-                </a14:imgProps>
-              </a:ext>
-              <a:ext uri="{28A0092B-C50C-407E-A947-70E740481C1C}">
-                <a14:useLocalDpi xmlns:a14="http://schemas.microsoft.com/office/drawing/2010/main" val="0"/>
-              </a:ext>
-            </a:extLst>
-          </a:blip>
-          <a:srcRect/>
-          <a:stretch>
-            <a:fillRect/>
-          </a:stretch>
-        </p:blipFill>
-        <p:spPr bwMode="auto">
-          <a:xfrm>
-            <a:off x="9874817" y="2350360"/>
-            <a:ext cx="945583" cy="640312"/>
+            <a:off x="6542635" y="4654574"/>
+            <a:ext cx="1927568" cy="461665"/>
           </a:xfrm>
           <a:prstGeom prst="rect">
             <a:avLst/>
           </a:prstGeom>
           <a:noFill/>
-          <a:extLst>
-            <a:ext uri="{909E8E84-426E-40DD-AFC4-6F175D3DCCD1}">
-              <a14:hiddenFill xmlns:a14="http://schemas.microsoft.com/office/drawing/2010/main">
+          <a:effectLst/>
+        </p:spPr>
+        <p:txBody>
+          <a:bodyPr wrap="square" lIns="91440" tIns="45720" rIns="91440" bIns="45720">
+            <a:spAutoFit/>
+          </a:bodyPr>
+          <a:lstStyle/>
+          <a:p>
+            <a:pPr algn="ctr"/>
+            <a:r>
+              <a:rPr lang="pt-BR" sz="2400" b="1" dirty="0" smtClean="0">
+                <a:ln w="0"/>
                 <a:solidFill>
-                  <a:srgbClr val="FFFFFF"/>
+                  <a:schemeClr val="bg1"/>
                 </a:solidFill>
-              </a14:hiddenFill>
-            </a:ext>
-          </a:extLst>
-        </p:spPr>
-      </p:pic>
-      <p:pic>
-        <p:nvPicPr>
-          <p:cNvPr id="2060" name="Picture 12" descr="Resultado de imagem para toca de cabeÃ§a"/>
-          <p:cNvPicPr>
-            <a:picLocks noChangeAspect="1" noChangeArrowheads="1"/>
-          </p:cNvPicPr>
+                <a:effectLst>
+                  <a:outerShdw blurRad="38100" dist="19050" dir="2700000" algn="tl" rotWithShape="0">
+                    <a:schemeClr val="dk1">
+                      <a:alpha val="40000"/>
+                    </a:schemeClr>
+                  </a:outerShdw>
+                </a:effectLst>
+                <a:latin typeface="Exo 2 Medium" panose="00000600000000000000" pitchFamily="50" charset="0"/>
+              </a:rPr>
+              <a:t>DEV TEAM</a:t>
+            </a:r>
+            <a:endParaRPr lang="pt-BR" sz="2400" b="1" cap="none" spc="0" dirty="0">
+              <a:ln w="0"/>
+              <a:solidFill>
+                <a:schemeClr val="bg1"/>
+              </a:solidFill>
+              <a:effectLst>
+                <a:outerShdw blurRad="38100" dist="19050" dir="2700000" algn="tl" rotWithShape="0">
+                  <a:schemeClr val="dk1">
+                    <a:alpha val="40000"/>
+                  </a:schemeClr>
+                </a:outerShdw>
+              </a:effectLst>
+              <a:latin typeface="Exo 2 Medium" panose="00000600000000000000" pitchFamily="50" charset="0"/>
+            </a:endParaRPr>
+          </a:p>
+        </p:txBody>
+      </p:sp>
+      <p:sp>
+        <p:nvSpPr>
+          <p:cNvPr id="20" name="Retângulo 19"/>
+          <p:cNvSpPr/>
           <p:nvPr/>
-        </p:nvPicPr>
-        <p:blipFill>
-          <a:blip r:embed="rId9" cstate="print">
-            <a:duotone>
-              <a:prstClr val="black"/>
-              <a:schemeClr val="accent1">
-                <a:tint val="45000"/>
-                <a:satMod val="400000"/>
-              </a:schemeClr>
-            </a:duotone>
-            <a:extLst>
-              <a:ext uri="{BEBA8EAE-BF5A-486C-A8C5-ECC9F3942E4B}">
-                <a14:imgProps xmlns:a14="http://schemas.microsoft.com/office/drawing/2010/main">
-                  <a14:imgLayer r:embed="rId10">
-                    <a14:imgEffect>
-                      <a14:sharpenSoften amount="-25000"/>
-                    </a14:imgEffect>
-                    <a14:imgEffect>
-                      <a14:colorTemperature colorTemp="4700"/>
-                    </a14:imgEffect>
-                    <a14:imgEffect>
-                      <a14:brightnessContrast bright="-20000" contrast="20000"/>
-                    </a14:imgEffect>
-                  </a14:imgLayer>
-                </a14:imgProps>
-              </a:ext>
-              <a:ext uri="{28A0092B-C50C-407E-A947-70E740481C1C}">
-                <a14:useLocalDpi xmlns:a14="http://schemas.microsoft.com/office/drawing/2010/main" val="0"/>
-              </a:ext>
-            </a:extLst>
-          </a:blip>
-          <a:srcRect/>
-          <a:stretch>
-            <a:fillRect/>
-          </a:stretch>
-        </p:blipFill>
-        <p:spPr bwMode="auto">
-          <a:xfrm rot="671248">
-            <a:off x="898712" y="2377341"/>
-            <a:ext cx="1850510" cy="756602"/>
+        </p:nvSpPr>
+        <p:spPr>
+          <a:xfrm>
+            <a:off x="9383824" y="4653044"/>
+            <a:ext cx="1927568" cy="461665"/>
           </a:xfrm>
           <a:prstGeom prst="rect">
             <a:avLst/>
           </a:prstGeom>
           <a:noFill/>
-          <a:extLst>
-            <a:ext uri="{909E8E84-426E-40DD-AFC4-6F175D3DCCD1}">
-              <a14:hiddenFill xmlns:a14="http://schemas.microsoft.com/office/drawing/2010/main">
+          <a:effectLst/>
+        </p:spPr>
+        <p:txBody>
+          <a:bodyPr wrap="square" lIns="91440" tIns="45720" rIns="91440" bIns="45720">
+            <a:spAutoFit/>
+          </a:bodyPr>
+          <a:lstStyle/>
+          <a:p>
+            <a:pPr algn="ctr"/>
+            <a:r>
+              <a:rPr lang="pt-BR" sz="2400" b="1" dirty="0" smtClean="0">
+                <a:ln w="0"/>
                 <a:solidFill>
-                  <a:srgbClr val="FFFFFF"/>
+                  <a:schemeClr val="bg1"/>
                 </a:solidFill>
-              </a14:hiddenFill>
-            </a:ext>
-          </a:extLst>
-        </p:spPr>
-      </p:pic>
-      <p:pic>
-        <p:nvPicPr>
-          <p:cNvPr id="26" name="Imagem 25"/>
-          <p:cNvPicPr>
-            <a:picLocks noChangeAspect="1"/>
-          </p:cNvPicPr>
+                <a:effectLst>
+                  <a:outerShdw blurRad="38100" dist="19050" dir="2700000" algn="tl" rotWithShape="0">
+                    <a:schemeClr val="dk1">
+                      <a:alpha val="40000"/>
+                    </a:schemeClr>
+                  </a:outerShdw>
+                </a:effectLst>
+                <a:latin typeface="Exo 2 Medium" panose="00000600000000000000" pitchFamily="50" charset="0"/>
+              </a:rPr>
+              <a:t>DEV TEAM</a:t>
+            </a:r>
+            <a:endParaRPr lang="pt-BR" sz="2400" b="1" cap="none" spc="0" dirty="0">
+              <a:ln w="0"/>
+              <a:solidFill>
+                <a:schemeClr val="bg1"/>
+              </a:solidFill>
+              <a:effectLst>
+                <a:outerShdw blurRad="38100" dist="19050" dir="2700000" algn="tl" rotWithShape="0">
+                  <a:schemeClr val="dk1">
+                    <a:alpha val="40000"/>
+                  </a:schemeClr>
+                </a:outerShdw>
+              </a:effectLst>
+              <a:latin typeface="Exo 2 Medium" panose="00000600000000000000" pitchFamily="50" charset="0"/>
+            </a:endParaRPr>
+          </a:p>
+        </p:txBody>
+      </p:sp>
+      <p:sp>
+        <p:nvSpPr>
+          <p:cNvPr id="29" name="Retângulo 28"/>
+          <p:cNvSpPr/>
           <p:nvPr/>
-        </p:nvPicPr>
-        <p:blipFill>
-          <a:blip r:embed="rId11" cstate="print">
-            <a:extLst>
-              <a:ext uri="{28A0092B-C50C-407E-A947-70E740481C1C}">
-                <a14:useLocalDpi xmlns:a14="http://schemas.microsoft.com/office/drawing/2010/main" val="0"/>
-              </a:ext>
-            </a:extLst>
-          </a:blip>
-          <a:stretch>
-            <a:fillRect/>
-          </a:stretch>
-        </p:blipFill>
+        </p:nvSpPr>
         <p:spPr>
           <a:xfrm>
-            <a:off x="3857458" y="2438645"/>
-            <a:ext cx="1607810" cy="1607810"/>
+            <a:off x="859451" y="4653043"/>
+            <a:ext cx="1927568" cy="830997"/>
           </a:xfrm>
           <a:prstGeom prst="rect">
             <a:avLst/>
           </a:prstGeom>
+          <a:noFill/>
+          <a:effectLst/>
         </p:spPr>
-      </p:pic>
+        <p:txBody>
+          <a:bodyPr wrap="square" lIns="91440" tIns="45720" rIns="91440" bIns="45720">
+            <a:spAutoFit/>
+          </a:bodyPr>
+          <a:lstStyle/>
+          <a:p>
+            <a:pPr algn="ctr"/>
+            <a:r>
+              <a:rPr lang="pt-BR" sz="2400" b="1" dirty="0" smtClean="0">
+                <a:ln w="0"/>
+                <a:solidFill>
+                  <a:schemeClr val="bg1"/>
+                </a:solidFill>
+                <a:effectLst>
+                  <a:outerShdw blurRad="38100" dist="19050" dir="2700000" algn="tl" rotWithShape="0">
+                    <a:schemeClr val="dk1">
+                      <a:alpha val="40000"/>
+                    </a:schemeClr>
+                  </a:outerShdw>
+                </a:effectLst>
+                <a:latin typeface="Exo 2 Medium" panose="00000600000000000000" pitchFamily="50" charset="0"/>
+              </a:rPr>
+              <a:t>PRODUCT OWNER</a:t>
+            </a:r>
+            <a:endParaRPr lang="pt-BR" sz="2400" b="1" cap="none" spc="0" dirty="0">
+              <a:ln w="0"/>
+              <a:solidFill>
+                <a:schemeClr val="bg1"/>
+              </a:solidFill>
+              <a:effectLst>
+                <a:outerShdw blurRad="38100" dist="19050" dir="2700000" algn="tl" rotWithShape="0">
+                  <a:schemeClr val="dk1">
+                    <a:alpha val="40000"/>
+                  </a:schemeClr>
+                </a:outerShdw>
+              </a:effectLst>
+              <a:latin typeface="Exo 2 Medium" panose="00000600000000000000" pitchFamily="50" charset="0"/>
+            </a:endParaRPr>
+          </a:p>
+        </p:txBody>
+      </p:sp>
+      <p:sp>
+        <p:nvSpPr>
+          <p:cNvPr id="30" name="Retângulo 29"/>
+          <p:cNvSpPr/>
+          <p:nvPr/>
+        </p:nvSpPr>
+        <p:spPr>
+          <a:xfrm>
+            <a:off x="3701446" y="4653043"/>
+            <a:ext cx="1927568" cy="830997"/>
+          </a:xfrm>
+          <a:prstGeom prst="rect">
+            <a:avLst/>
+          </a:prstGeom>
+          <a:noFill/>
+          <a:effectLst/>
+        </p:spPr>
+        <p:txBody>
+          <a:bodyPr wrap="square" lIns="91440" tIns="45720" rIns="91440" bIns="45720">
+            <a:spAutoFit/>
+          </a:bodyPr>
+          <a:lstStyle/>
+          <a:p>
+            <a:pPr algn="ctr"/>
+            <a:r>
+              <a:rPr lang="pt-BR" sz="2400" b="1" dirty="0" smtClean="0">
+                <a:ln w="0"/>
+                <a:solidFill>
+                  <a:schemeClr val="bg1"/>
+                </a:solidFill>
+                <a:effectLst>
+                  <a:outerShdw blurRad="38100" dist="19050" dir="2700000" algn="tl" rotWithShape="0">
+                    <a:schemeClr val="dk1">
+                      <a:alpha val="40000"/>
+                    </a:schemeClr>
+                  </a:outerShdw>
+                </a:effectLst>
+                <a:latin typeface="Exo 2 Medium" panose="00000600000000000000" pitchFamily="50" charset="0"/>
+              </a:rPr>
+              <a:t>SCRUM MASTER</a:t>
+            </a:r>
+            <a:endParaRPr lang="pt-BR" sz="2400" b="1" cap="none" spc="0" dirty="0">
+              <a:ln w="0"/>
+              <a:solidFill>
+                <a:schemeClr val="bg1"/>
+              </a:solidFill>
+              <a:effectLst>
+                <a:outerShdw blurRad="38100" dist="19050" dir="2700000" algn="tl" rotWithShape="0">
+                  <a:schemeClr val="dk1">
+                    <a:alpha val="40000"/>
+                  </a:schemeClr>
+                </a:outerShdw>
+              </a:effectLst>
+              <a:latin typeface="Exo 2 Medium" panose="00000600000000000000" pitchFamily="50" charset="0"/>
+            </a:endParaRPr>
+          </a:p>
+        </p:txBody>
+      </p:sp>
+      <p:grpSp>
+        <p:nvGrpSpPr>
+          <p:cNvPr id="36" name="Agrupar 35"/>
+          <p:cNvGrpSpPr/>
+          <p:nvPr/>
+        </p:nvGrpSpPr>
+        <p:grpSpPr>
+          <a:xfrm>
+            <a:off x="6419066" y="2211400"/>
+            <a:ext cx="2178122" cy="2275319"/>
+            <a:chOff x="6419066" y="2211400"/>
+            <a:chExt cx="2178122" cy="2275319"/>
+          </a:xfrm>
+        </p:grpSpPr>
+        <p:sp>
+          <p:nvSpPr>
+            <p:cNvPr id="10" name="Elipse 9"/>
+            <p:cNvSpPr/>
+            <p:nvPr/>
+          </p:nvSpPr>
+          <p:spPr>
+            <a:xfrm>
+              <a:off x="6419066" y="2308597"/>
+              <a:ext cx="2178122" cy="2178122"/>
+            </a:xfrm>
+            <a:prstGeom prst="ellipse">
+              <a:avLst/>
+            </a:prstGeom>
+            <a:solidFill>
+              <a:schemeClr val="bg1"/>
+            </a:solidFill>
+            <a:ln>
+              <a:noFill/>
+            </a:ln>
+            <a:effectLst>
+              <a:outerShdw blurRad="50800" dist="38100" dir="2700000" algn="tl" rotWithShape="0">
+                <a:prstClr val="black">
+                  <a:alpha val="40000"/>
+                </a:prstClr>
+              </a:outerShdw>
+            </a:effectLst>
+          </p:spPr>
+          <p:style>
+            <a:lnRef idx="2">
+              <a:schemeClr val="accent1">
+                <a:shade val="50000"/>
+              </a:schemeClr>
+            </a:lnRef>
+            <a:fillRef idx="1">
+              <a:schemeClr val="accent1"/>
+            </a:fillRef>
+            <a:effectRef idx="0">
+              <a:schemeClr val="accent1"/>
+            </a:effectRef>
+            <a:fontRef idx="minor">
+              <a:schemeClr val="lt1"/>
+            </a:fontRef>
+          </p:style>
+          <p:txBody>
+            <a:bodyPr rtlCol="0" anchor="ctr"/>
+            <a:lstStyle/>
+            <a:p>
+              <a:pPr algn="ctr"/>
+              <a:endParaRPr lang="pt-BR"/>
+            </a:p>
+          </p:txBody>
+        </p:sp>
+        <p:pic>
+          <p:nvPicPr>
+            <p:cNvPr id="14" name="Imagem 13"/>
+            <p:cNvPicPr>
+              <a:picLocks noChangeAspect="1"/>
+            </p:cNvPicPr>
+            <p:nvPr/>
+          </p:nvPicPr>
+          <p:blipFill>
+            <a:blip r:embed="rId6">
+              <a:extLst>
+                <a:ext uri="{28A0092B-C50C-407E-A947-70E740481C1C}">
+                  <a14:useLocalDpi xmlns:a14="http://schemas.microsoft.com/office/drawing/2010/main" val="0"/>
+                </a:ext>
+              </a:extLst>
+            </a:blip>
+            <a:stretch>
+              <a:fillRect/>
+            </a:stretch>
+          </p:blipFill>
+          <p:spPr>
+            <a:xfrm>
+              <a:off x="6706433" y="2211400"/>
+              <a:ext cx="1603387" cy="1835055"/>
+            </a:xfrm>
+            <a:prstGeom prst="rect">
+              <a:avLst/>
+            </a:prstGeom>
+          </p:spPr>
+        </p:pic>
+      </p:grpSp>
+      <p:grpSp>
+        <p:nvGrpSpPr>
+          <p:cNvPr id="35" name="Agrupar 34"/>
+          <p:cNvGrpSpPr/>
+          <p:nvPr/>
+        </p:nvGrpSpPr>
+        <p:grpSpPr>
+          <a:xfrm>
+            <a:off x="9261512" y="2312259"/>
+            <a:ext cx="2178122" cy="2178122"/>
+            <a:chOff x="9261512" y="2312259"/>
+            <a:chExt cx="2178122" cy="2178122"/>
+          </a:xfrm>
+        </p:grpSpPr>
+        <p:sp>
+          <p:nvSpPr>
+            <p:cNvPr id="16" name="Elipse 15"/>
+            <p:cNvSpPr/>
+            <p:nvPr/>
+          </p:nvSpPr>
+          <p:spPr>
+            <a:xfrm>
+              <a:off x="9261512" y="2312259"/>
+              <a:ext cx="2178122" cy="2178122"/>
+            </a:xfrm>
+            <a:prstGeom prst="ellipse">
+              <a:avLst/>
+            </a:prstGeom>
+            <a:solidFill>
+              <a:schemeClr val="bg1"/>
+            </a:solidFill>
+            <a:ln>
+              <a:noFill/>
+            </a:ln>
+            <a:effectLst>
+              <a:outerShdw blurRad="50800" dist="38100" dir="2700000" algn="tl" rotWithShape="0">
+                <a:prstClr val="black">
+                  <a:alpha val="40000"/>
+                </a:prstClr>
+              </a:outerShdw>
+            </a:effectLst>
+          </p:spPr>
+          <p:style>
+            <a:lnRef idx="2">
+              <a:schemeClr val="accent1">
+                <a:shade val="50000"/>
+              </a:schemeClr>
+            </a:lnRef>
+            <a:fillRef idx="1">
+              <a:schemeClr val="accent1"/>
+            </a:fillRef>
+            <a:effectRef idx="0">
+              <a:schemeClr val="accent1"/>
+            </a:effectRef>
+            <a:fontRef idx="minor">
+              <a:schemeClr val="lt1"/>
+            </a:fontRef>
+          </p:style>
+          <p:txBody>
+            <a:bodyPr rtlCol="0" anchor="ctr"/>
+            <a:lstStyle/>
+            <a:p>
+              <a:pPr algn="ctr"/>
+              <a:endParaRPr lang="pt-BR"/>
+            </a:p>
+          </p:txBody>
+        </p:sp>
+        <p:pic>
+          <p:nvPicPr>
+            <p:cNvPr id="18" name="Imagem 17"/>
+            <p:cNvPicPr>
+              <a:picLocks noChangeAspect="1"/>
+            </p:cNvPicPr>
+            <p:nvPr/>
+          </p:nvPicPr>
+          <p:blipFill>
+            <a:blip r:embed="rId7">
+              <a:extLst>
+                <a:ext uri="{28A0092B-C50C-407E-A947-70E740481C1C}">
+                  <a14:useLocalDpi xmlns:a14="http://schemas.microsoft.com/office/drawing/2010/main" val="0"/>
+                </a:ext>
+              </a:extLst>
+            </a:blip>
+            <a:stretch>
+              <a:fillRect/>
+            </a:stretch>
+          </p:blipFill>
+          <p:spPr>
+            <a:xfrm>
+              <a:off x="9548963" y="2351620"/>
+              <a:ext cx="1597290" cy="1694835"/>
+            </a:xfrm>
+            <a:prstGeom prst="rect">
+              <a:avLst/>
+            </a:prstGeom>
+          </p:spPr>
+        </p:pic>
+      </p:grpSp>
+      <p:grpSp>
+        <p:nvGrpSpPr>
+          <p:cNvPr id="38" name="Agrupar 37"/>
+          <p:cNvGrpSpPr/>
+          <p:nvPr/>
+        </p:nvGrpSpPr>
+        <p:grpSpPr>
+          <a:xfrm>
+            <a:off x="210693" y="1321858"/>
+            <a:ext cx="11750315" cy="5142442"/>
+            <a:chOff x="210693" y="1321858"/>
+            <a:chExt cx="11750315" cy="5142442"/>
+          </a:xfrm>
+        </p:grpSpPr>
+        <p:pic>
+          <p:nvPicPr>
+            <p:cNvPr id="37" name="Imagem 36"/>
+            <p:cNvPicPr>
+              <a:picLocks noChangeAspect="1"/>
+            </p:cNvPicPr>
+            <p:nvPr/>
+          </p:nvPicPr>
+          <p:blipFill rotWithShape="1">
+            <a:blip r:embed="rId8"/>
+            <a:srcRect t="1" r="574" b="246"/>
+            <a:stretch/>
+          </p:blipFill>
+          <p:spPr>
+            <a:xfrm>
+              <a:off x="210693" y="1321858"/>
+              <a:ext cx="6723508" cy="5142442"/>
+            </a:xfrm>
+            <a:prstGeom prst="rect">
+              <a:avLst/>
+            </a:prstGeom>
+            <a:solidFill>
+              <a:srgbClr val="FFFFFF">
+                <a:shade val="85000"/>
+              </a:srgbClr>
+            </a:solidFill>
+            <a:ln w="88900" cap="sq">
+              <a:noFill/>
+              <a:miter lim="800000"/>
+            </a:ln>
+            <a:effectLst>
+              <a:outerShdw blurRad="55000" dist="18000" dir="5400000" algn="tl" rotWithShape="0">
+                <a:srgbClr val="000000">
+                  <a:alpha val="40000"/>
+                </a:srgbClr>
+              </a:outerShdw>
+            </a:effectLst>
+            <a:scene3d>
+              <a:camera prst="orthographicFront"/>
+              <a:lightRig rig="twoPt" dir="t">
+                <a:rot lat="0" lon="0" rev="7200000"/>
+              </a:lightRig>
+            </a:scene3d>
+            <a:sp3d>
+              <a:contourClr>
+                <a:srgbClr val="FFFFFF"/>
+              </a:contourClr>
+            </a:sp3d>
+          </p:spPr>
+        </p:pic>
+        <p:pic>
+          <p:nvPicPr>
+            <p:cNvPr id="42" name="Imagem 41"/>
+            <p:cNvPicPr/>
+            <p:nvPr/>
+          </p:nvPicPr>
+          <p:blipFill rotWithShape="1">
+            <a:blip r:embed="rId9">
+              <a:extLst>
+                <a:ext uri="{28A0092B-C50C-407E-A947-70E740481C1C}">
+                  <a14:useLocalDpi xmlns:a14="http://schemas.microsoft.com/office/drawing/2010/main" val="0"/>
+                </a:ext>
+              </a:extLst>
+            </a:blip>
+            <a:srcRect l="256" t="1153" r="54053" b="1598"/>
+            <a:stretch/>
+          </p:blipFill>
+          <p:spPr bwMode="auto">
+            <a:xfrm>
+              <a:off x="7013597" y="1321858"/>
+              <a:ext cx="4947411" cy="5142442"/>
+            </a:xfrm>
+            <a:prstGeom prst="rect">
+              <a:avLst/>
+            </a:prstGeom>
+            <a:solidFill>
+              <a:srgbClr val="FFFFFF">
+                <a:shade val="85000"/>
+              </a:srgbClr>
+            </a:solidFill>
+            <a:ln w="88900" cap="sq">
+              <a:noFill/>
+              <a:miter lim="800000"/>
+            </a:ln>
+            <a:effectLst>
+              <a:outerShdw blurRad="55000" dist="18000" dir="5400000" algn="tl" rotWithShape="0">
+                <a:srgbClr val="000000">
+                  <a:alpha val="40000"/>
+                </a:srgbClr>
+              </a:outerShdw>
+            </a:effectLst>
+            <a:scene3d>
+              <a:camera prst="orthographicFront"/>
+              <a:lightRig rig="twoPt" dir="t">
+                <a:rot lat="0" lon="0" rev="7200000"/>
+              </a:lightRig>
+            </a:scene3d>
+            <a:sp3d>
+              <a:contourClr>
+                <a:srgbClr val="FFFFFF"/>
+              </a:contourClr>
+            </a:sp3d>
+            <a:extLst>
+              <a:ext uri="{53640926-AAD7-44D8-BBD7-CCE9431645EC}">
+                <a14:shadowObscured xmlns:a14="http://schemas.microsoft.com/office/drawing/2010/main"/>
+              </a:ext>
+            </a:extLst>
+          </p:spPr>
+        </p:pic>
+      </p:grpSp>
     </p:spTree>
     <p:extLst>
       <p:ext uri="{BB962C8B-B14F-4D97-AF65-F5344CB8AC3E}">
@@ -5036,6 +5349,2205 @@
   <p:clrMapOvr>
     <a:masterClrMapping/>
   </p:clrMapOvr>
+  <p:timing>
+    <p:tnLst>
+      <p:par>
+        <p:cTn id="1" dur="indefinite" restart="never" nodeType="tmRoot">
+          <p:childTnLst>
+            <p:seq concurrent="1" nextAc="seek">
+              <p:cTn id="2" dur="indefinite" nodeType="mainSeq">
+                <p:childTnLst>
+                  <p:par>
+                    <p:cTn id="3" fill="hold">
+                      <p:stCondLst>
+                        <p:cond delay="indefinite"/>
+                      </p:stCondLst>
+                      <p:childTnLst>
+                        <p:par>
+                          <p:cTn id="4" fill="hold">
+                            <p:stCondLst>
+                              <p:cond delay="0"/>
+                            </p:stCondLst>
+                            <p:childTnLst>
+                              <p:par>
+                                <p:cTn id="5" presetID="10" presetClass="exit" presetSubtype="0" fill="hold" nodeType="clickEffect">
+                                  <p:stCondLst>
+                                    <p:cond delay="0"/>
+                                  </p:stCondLst>
+                                  <p:childTnLst>
+                                    <p:animEffect transition="out" filter="fade">
+                                      <p:cBhvr>
+                                        <p:cTn id="6" dur="400"/>
+                                        <p:tgtEl>
+                                          <p:spTgt spid="38"/>
+                                        </p:tgtEl>
+                                      </p:cBhvr>
+                                    </p:animEffect>
+                                    <p:set>
+                                      <p:cBhvr>
+                                        <p:cTn id="7" dur="1" fill="hold">
+                                          <p:stCondLst>
+                                            <p:cond delay="399"/>
+                                          </p:stCondLst>
+                                        </p:cTn>
+                                        <p:tgtEl>
+                                          <p:spTgt spid="38"/>
+                                        </p:tgtEl>
+                                        <p:attrNameLst>
+                                          <p:attrName>style.visibility</p:attrName>
+                                        </p:attrNameLst>
+                                      </p:cBhvr>
+                                      <p:to>
+                                        <p:strVal val="hidden"/>
+                                      </p:to>
+                                    </p:set>
+                                  </p:childTnLst>
+                                </p:cTn>
+                              </p:par>
+                            </p:childTnLst>
+                          </p:cTn>
+                        </p:par>
+                        <p:par>
+                          <p:cTn id="8" fill="hold">
+                            <p:stCondLst>
+                              <p:cond delay="400"/>
+                            </p:stCondLst>
+                            <p:childTnLst>
+                              <p:par>
+                                <p:cTn id="9" presetID="42" presetClass="entr" presetSubtype="0" fill="hold" nodeType="afterEffect">
+                                  <p:stCondLst>
+                                    <p:cond delay="0"/>
+                                  </p:stCondLst>
+                                  <p:childTnLst>
+                                    <p:set>
+                                      <p:cBhvr>
+                                        <p:cTn id="10" dur="1" fill="hold">
+                                          <p:stCondLst>
+                                            <p:cond delay="0"/>
+                                          </p:stCondLst>
+                                        </p:cTn>
+                                        <p:tgtEl>
+                                          <p:spTgt spid="3"/>
+                                        </p:tgtEl>
+                                        <p:attrNameLst>
+                                          <p:attrName>style.visibility</p:attrName>
+                                        </p:attrNameLst>
+                                      </p:cBhvr>
+                                      <p:to>
+                                        <p:strVal val="visible"/>
+                                      </p:to>
+                                    </p:set>
+                                    <p:animEffect transition="in" filter="fade">
+                                      <p:cBhvr>
+                                        <p:cTn id="11" dur="400"/>
+                                        <p:tgtEl>
+                                          <p:spTgt spid="3"/>
+                                        </p:tgtEl>
+                                      </p:cBhvr>
+                                    </p:animEffect>
+                                    <p:anim calcmode="lin" valueType="num">
+                                      <p:cBhvr>
+                                        <p:cTn id="12" dur="400" fill="hold"/>
+                                        <p:tgtEl>
+                                          <p:spTgt spid="3"/>
+                                        </p:tgtEl>
+                                        <p:attrNameLst>
+                                          <p:attrName>ppt_x</p:attrName>
+                                        </p:attrNameLst>
+                                      </p:cBhvr>
+                                      <p:tavLst>
+                                        <p:tav tm="0">
+                                          <p:val>
+                                            <p:strVal val="#ppt_x"/>
+                                          </p:val>
+                                        </p:tav>
+                                        <p:tav tm="100000">
+                                          <p:val>
+                                            <p:strVal val="#ppt_x"/>
+                                          </p:val>
+                                        </p:tav>
+                                      </p:tavLst>
+                                    </p:anim>
+                                    <p:anim calcmode="lin" valueType="num">
+                                      <p:cBhvr>
+                                        <p:cTn id="13" dur="400" fill="hold"/>
+                                        <p:tgtEl>
+                                          <p:spTgt spid="3"/>
+                                        </p:tgtEl>
+                                        <p:attrNameLst>
+                                          <p:attrName>ppt_y</p:attrName>
+                                        </p:attrNameLst>
+                                      </p:cBhvr>
+                                      <p:tavLst>
+                                        <p:tav tm="0">
+                                          <p:val>
+                                            <p:strVal val="#ppt_y+.1"/>
+                                          </p:val>
+                                        </p:tav>
+                                        <p:tav tm="100000">
+                                          <p:val>
+                                            <p:strVal val="#ppt_y"/>
+                                          </p:val>
+                                        </p:tav>
+                                      </p:tavLst>
+                                    </p:anim>
+                                  </p:childTnLst>
+                                </p:cTn>
+                              </p:par>
+                              <p:par>
+                                <p:cTn id="14" presetID="42" presetClass="entr" presetSubtype="0" fill="hold" nodeType="withEffect">
+                                  <p:stCondLst>
+                                    <p:cond delay="0"/>
+                                  </p:stCondLst>
+                                  <p:childTnLst>
+                                    <p:set>
+                                      <p:cBhvr>
+                                        <p:cTn id="15" dur="1" fill="hold">
+                                          <p:stCondLst>
+                                            <p:cond delay="0"/>
+                                          </p:stCondLst>
+                                        </p:cTn>
+                                        <p:tgtEl>
+                                          <p:spTgt spid="2"/>
+                                        </p:tgtEl>
+                                        <p:attrNameLst>
+                                          <p:attrName>style.visibility</p:attrName>
+                                        </p:attrNameLst>
+                                      </p:cBhvr>
+                                      <p:to>
+                                        <p:strVal val="visible"/>
+                                      </p:to>
+                                    </p:set>
+                                    <p:animEffect transition="in" filter="fade">
+                                      <p:cBhvr>
+                                        <p:cTn id="16" dur="400"/>
+                                        <p:tgtEl>
+                                          <p:spTgt spid="2"/>
+                                        </p:tgtEl>
+                                      </p:cBhvr>
+                                    </p:animEffect>
+                                    <p:anim calcmode="lin" valueType="num">
+                                      <p:cBhvr>
+                                        <p:cTn id="17" dur="400" fill="hold"/>
+                                        <p:tgtEl>
+                                          <p:spTgt spid="2"/>
+                                        </p:tgtEl>
+                                        <p:attrNameLst>
+                                          <p:attrName>ppt_x</p:attrName>
+                                        </p:attrNameLst>
+                                      </p:cBhvr>
+                                      <p:tavLst>
+                                        <p:tav tm="0">
+                                          <p:val>
+                                            <p:strVal val="#ppt_x"/>
+                                          </p:val>
+                                        </p:tav>
+                                        <p:tav tm="100000">
+                                          <p:val>
+                                            <p:strVal val="#ppt_x"/>
+                                          </p:val>
+                                        </p:tav>
+                                      </p:tavLst>
+                                    </p:anim>
+                                    <p:anim calcmode="lin" valueType="num">
+                                      <p:cBhvr>
+                                        <p:cTn id="18" dur="400" fill="hold"/>
+                                        <p:tgtEl>
+                                          <p:spTgt spid="2"/>
+                                        </p:tgtEl>
+                                        <p:attrNameLst>
+                                          <p:attrName>ppt_y</p:attrName>
+                                        </p:attrNameLst>
+                                      </p:cBhvr>
+                                      <p:tavLst>
+                                        <p:tav tm="0">
+                                          <p:val>
+                                            <p:strVal val="#ppt_y+.1"/>
+                                          </p:val>
+                                        </p:tav>
+                                        <p:tav tm="100000">
+                                          <p:val>
+                                            <p:strVal val="#ppt_y"/>
+                                          </p:val>
+                                        </p:tav>
+                                      </p:tavLst>
+                                    </p:anim>
+                                  </p:childTnLst>
+                                </p:cTn>
+                              </p:par>
+                              <p:par>
+                                <p:cTn id="19" presetID="42" presetClass="entr" presetSubtype="0" fill="hold" nodeType="withEffect">
+                                  <p:stCondLst>
+                                    <p:cond delay="0"/>
+                                  </p:stCondLst>
+                                  <p:childTnLst>
+                                    <p:set>
+                                      <p:cBhvr>
+                                        <p:cTn id="20" dur="1" fill="hold">
+                                          <p:stCondLst>
+                                            <p:cond delay="0"/>
+                                          </p:stCondLst>
+                                        </p:cTn>
+                                        <p:tgtEl>
+                                          <p:spTgt spid="36"/>
+                                        </p:tgtEl>
+                                        <p:attrNameLst>
+                                          <p:attrName>style.visibility</p:attrName>
+                                        </p:attrNameLst>
+                                      </p:cBhvr>
+                                      <p:to>
+                                        <p:strVal val="visible"/>
+                                      </p:to>
+                                    </p:set>
+                                    <p:animEffect transition="in" filter="fade">
+                                      <p:cBhvr>
+                                        <p:cTn id="21" dur="400"/>
+                                        <p:tgtEl>
+                                          <p:spTgt spid="36"/>
+                                        </p:tgtEl>
+                                      </p:cBhvr>
+                                    </p:animEffect>
+                                    <p:anim calcmode="lin" valueType="num">
+                                      <p:cBhvr>
+                                        <p:cTn id="22" dur="400" fill="hold"/>
+                                        <p:tgtEl>
+                                          <p:spTgt spid="36"/>
+                                        </p:tgtEl>
+                                        <p:attrNameLst>
+                                          <p:attrName>ppt_x</p:attrName>
+                                        </p:attrNameLst>
+                                      </p:cBhvr>
+                                      <p:tavLst>
+                                        <p:tav tm="0">
+                                          <p:val>
+                                            <p:strVal val="#ppt_x"/>
+                                          </p:val>
+                                        </p:tav>
+                                        <p:tav tm="100000">
+                                          <p:val>
+                                            <p:strVal val="#ppt_x"/>
+                                          </p:val>
+                                        </p:tav>
+                                      </p:tavLst>
+                                    </p:anim>
+                                    <p:anim calcmode="lin" valueType="num">
+                                      <p:cBhvr>
+                                        <p:cTn id="23" dur="400" fill="hold"/>
+                                        <p:tgtEl>
+                                          <p:spTgt spid="36"/>
+                                        </p:tgtEl>
+                                        <p:attrNameLst>
+                                          <p:attrName>ppt_y</p:attrName>
+                                        </p:attrNameLst>
+                                      </p:cBhvr>
+                                      <p:tavLst>
+                                        <p:tav tm="0">
+                                          <p:val>
+                                            <p:strVal val="#ppt_y+.1"/>
+                                          </p:val>
+                                        </p:tav>
+                                        <p:tav tm="100000">
+                                          <p:val>
+                                            <p:strVal val="#ppt_y"/>
+                                          </p:val>
+                                        </p:tav>
+                                      </p:tavLst>
+                                    </p:anim>
+                                  </p:childTnLst>
+                                </p:cTn>
+                              </p:par>
+                              <p:par>
+                                <p:cTn id="24" presetID="42" presetClass="entr" presetSubtype="0" fill="hold" nodeType="withEffect">
+                                  <p:stCondLst>
+                                    <p:cond delay="0"/>
+                                  </p:stCondLst>
+                                  <p:childTnLst>
+                                    <p:set>
+                                      <p:cBhvr>
+                                        <p:cTn id="25" dur="1" fill="hold">
+                                          <p:stCondLst>
+                                            <p:cond delay="0"/>
+                                          </p:stCondLst>
+                                        </p:cTn>
+                                        <p:tgtEl>
+                                          <p:spTgt spid="35"/>
+                                        </p:tgtEl>
+                                        <p:attrNameLst>
+                                          <p:attrName>style.visibility</p:attrName>
+                                        </p:attrNameLst>
+                                      </p:cBhvr>
+                                      <p:to>
+                                        <p:strVal val="visible"/>
+                                      </p:to>
+                                    </p:set>
+                                    <p:animEffect transition="in" filter="fade">
+                                      <p:cBhvr>
+                                        <p:cTn id="26" dur="400"/>
+                                        <p:tgtEl>
+                                          <p:spTgt spid="35"/>
+                                        </p:tgtEl>
+                                      </p:cBhvr>
+                                    </p:animEffect>
+                                    <p:anim calcmode="lin" valueType="num">
+                                      <p:cBhvr>
+                                        <p:cTn id="27" dur="400" fill="hold"/>
+                                        <p:tgtEl>
+                                          <p:spTgt spid="35"/>
+                                        </p:tgtEl>
+                                        <p:attrNameLst>
+                                          <p:attrName>ppt_x</p:attrName>
+                                        </p:attrNameLst>
+                                      </p:cBhvr>
+                                      <p:tavLst>
+                                        <p:tav tm="0">
+                                          <p:val>
+                                            <p:strVal val="#ppt_x"/>
+                                          </p:val>
+                                        </p:tav>
+                                        <p:tav tm="100000">
+                                          <p:val>
+                                            <p:strVal val="#ppt_x"/>
+                                          </p:val>
+                                        </p:tav>
+                                      </p:tavLst>
+                                    </p:anim>
+                                    <p:anim calcmode="lin" valueType="num">
+                                      <p:cBhvr>
+                                        <p:cTn id="28" dur="400" fill="hold"/>
+                                        <p:tgtEl>
+                                          <p:spTgt spid="35"/>
+                                        </p:tgtEl>
+                                        <p:attrNameLst>
+                                          <p:attrName>ppt_y</p:attrName>
+                                        </p:attrNameLst>
+                                      </p:cBhvr>
+                                      <p:tavLst>
+                                        <p:tav tm="0">
+                                          <p:val>
+                                            <p:strVal val="#ppt_y+.1"/>
+                                          </p:val>
+                                        </p:tav>
+                                        <p:tav tm="100000">
+                                          <p:val>
+                                            <p:strVal val="#ppt_y"/>
+                                          </p:val>
+                                        </p:tav>
+                                      </p:tavLst>
+                                    </p:anim>
+                                  </p:childTnLst>
+                                </p:cTn>
+                              </p:par>
+                              <p:par>
+                                <p:cTn id="29" presetID="10" presetClass="entr" presetSubtype="0" fill="hold" grpId="0" nodeType="withEffect">
+                                  <p:stCondLst>
+                                    <p:cond delay="0"/>
+                                  </p:stCondLst>
+                                  <p:childTnLst>
+                                    <p:set>
+                                      <p:cBhvr>
+                                        <p:cTn id="30" dur="1" fill="hold">
+                                          <p:stCondLst>
+                                            <p:cond delay="0"/>
+                                          </p:stCondLst>
+                                        </p:cTn>
+                                        <p:tgtEl>
+                                          <p:spTgt spid="19"/>
+                                        </p:tgtEl>
+                                        <p:attrNameLst>
+                                          <p:attrName>style.visibility</p:attrName>
+                                        </p:attrNameLst>
+                                      </p:cBhvr>
+                                      <p:to>
+                                        <p:strVal val="visible"/>
+                                      </p:to>
+                                    </p:set>
+                                    <p:animEffect transition="in" filter="fade">
+                                      <p:cBhvr>
+                                        <p:cTn id="31" dur="500"/>
+                                        <p:tgtEl>
+                                          <p:spTgt spid="19"/>
+                                        </p:tgtEl>
+                                      </p:cBhvr>
+                                    </p:animEffect>
+                                  </p:childTnLst>
+                                </p:cTn>
+                              </p:par>
+                              <p:par>
+                                <p:cTn id="32" presetID="10" presetClass="entr" presetSubtype="0" fill="hold" grpId="0" nodeType="withEffect">
+                                  <p:stCondLst>
+                                    <p:cond delay="0"/>
+                                  </p:stCondLst>
+                                  <p:childTnLst>
+                                    <p:set>
+                                      <p:cBhvr>
+                                        <p:cTn id="33" dur="1" fill="hold">
+                                          <p:stCondLst>
+                                            <p:cond delay="0"/>
+                                          </p:stCondLst>
+                                        </p:cTn>
+                                        <p:tgtEl>
+                                          <p:spTgt spid="20"/>
+                                        </p:tgtEl>
+                                        <p:attrNameLst>
+                                          <p:attrName>style.visibility</p:attrName>
+                                        </p:attrNameLst>
+                                      </p:cBhvr>
+                                      <p:to>
+                                        <p:strVal val="visible"/>
+                                      </p:to>
+                                    </p:set>
+                                    <p:animEffect transition="in" filter="fade">
+                                      <p:cBhvr>
+                                        <p:cTn id="34" dur="500"/>
+                                        <p:tgtEl>
+                                          <p:spTgt spid="20"/>
+                                        </p:tgtEl>
+                                      </p:cBhvr>
+                                    </p:animEffect>
+                                  </p:childTnLst>
+                                </p:cTn>
+                              </p:par>
+                              <p:par>
+                                <p:cTn id="35" presetID="10" presetClass="entr" presetSubtype="0" fill="hold" grpId="0" nodeType="withEffect">
+                                  <p:stCondLst>
+                                    <p:cond delay="0"/>
+                                  </p:stCondLst>
+                                  <p:childTnLst>
+                                    <p:set>
+                                      <p:cBhvr>
+                                        <p:cTn id="36" dur="1" fill="hold">
+                                          <p:stCondLst>
+                                            <p:cond delay="0"/>
+                                          </p:stCondLst>
+                                        </p:cTn>
+                                        <p:tgtEl>
+                                          <p:spTgt spid="29"/>
+                                        </p:tgtEl>
+                                        <p:attrNameLst>
+                                          <p:attrName>style.visibility</p:attrName>
+                                        </p:attrNameLst>
+                                      </p:cBhvr>
+                                      <p:to>
+                                        <p:strVal val="visible"/>
+                                      </p:to>
+                                    </p:set>
+                                    <p:animEffect transition="in" filter="fade">
+                                      <p:cBhvr>
+                                        <p:cTn id="37" dur="500"/>
+                                        <p:tgtEl>
+                                          <p:spTgt spid="29"/>
+                                        </p:tgtEl>
+                                      </p:cBhvr>
+                                    </p:animEffect>
+                                  </p:childTnLst>
+                                </p:cTn>
+                              </p:par>
+                              <p:par>
+                                <p:cTn id="38" presetID="10" presetClass="entr" presetSubtype="0" fill="hold" grpId="0" nodeType="withEffect">
+                                  <p:stCondLst>
+                                    <p:cond delay="0"/>
+                                  </p:stCondLst>
+                                  <p:childTnLst>
+                                    <p:set>
+                                      <p:cBhvr>
+                                        <p:cTn id="39" dur="1" fill="hold">
+                                          <p:stCondLst>
+                                            <p:cond delay="0"/>
+                                          </p:stCondLst>
+                                        </p:cTn>
+                                        <p:tgtEl>
+                                          <p:spTgt spid="30"/>
+                                        </p:tgtEl>
+                                        <p:attrNameLst>
+                                          <p:attrName>style.visibility</p:attrName>
+                                        </p:attrNameLst>
+                                      </p:cBhvr>
+                                      <p:to>
+                                        <p:strVal val="visible"/>
+                                      </p:to>
+                                    </p:set>
+                                    <p:animEffect transition="in" filter="fade">
+                                      <p:cBhvr>
+                                        <p:cTn id="40" dur="500"/>
+                                        <p:tgtEl>
+                                          <p:spTgt spid="30"/>
+                                        </p:tgtEl>
+                                      </p:cBhvr>
+                                    </p:animEffect>
+                                  </p:childTnLst>
+                                </p:cTn>
+                              </p:par>
+                            </p:childTnLst>
+                          </p:cTn>
+                        </p:par>
+                      </p:childTnLst>
+                    </p:cTn>
+                  </p:par>
+                </p:childTnLst>
+              </p:cTn>
+              <p:prevCondLst>
+                <p:cond evt="onPrev" delay="0">
+                  <p:tgtEl>
+                    <p:sldTgt/>
+                  </p:tgtEl>
+                </p:cond>
+              </p:prevCondLst>
+              <p:nextCondLst>
+                <p:cond evt="onNext" delay="0">
+                  <p:tgtEl>
+                    <p:sldTgt/>
+                  </p:tgtEl>
+                </p:cond>
+              </p:nextCondLst>
+            </p:seq>
+          </p:childTnLst>
+        </p:cTn>
+      </p:par>
+    </p:tnLst>
+    <p:bldLst>
+      <p:bldP spid="19" grpId="0"/>
+      <p:bldP spid="20" grpId="0"/>
+      <p:bldP spid="29" grpId="0"/>
+      <p:bldP spid="30" grpId="0"/>
+    </p:bldLst>
+  </p:timing>
+</p:sld>
+</file>
+
+<file path=ppt/slides/slide5.xml><?xml version="1.0" encoding="utf-8"?>
+<p:sld xmlns:a="http://schemas.openxmlformats.org/drawingml/2006/main" xmlns:r="http://schemas.openxmlformats.org/officeDocument/2006/relationships" xmlns:p="http://schemas.openxmlformats.org/presentationml/2006/main">
+  <p:cSld>
+    <p:spTree>
+      <p:nvGrpSpPr>
+        <p:cNvPr id="1" name=""/>
+        <p:cNvGrpSpPr/>
+        <p:nvPr/>
+      </p:nvGrpSpPr>
+      <p:grpSpPr>
+        <a:xfrm>
+          <a:off x="0" y="0"/>
+          <a:ext cx="0" cy="0"/>
+          <a:chOff x="0" y="0"/>
+          <a:chExt cx="0" cy="0"/>
+        </a:xfrm>
+      </p:grpSpPr>
+      <p:grpSp>
+        <p:nvGrpSpPr>
+          <p:cNvPr id="6" name="Agrupar 5"/>
+          <p:cNvGrpSpPr/>
+          <p:nvPr/>
+        </p:nvGrpSpPr>
+        <p:grpSpPr>
+          <a:xfrm>
+            <a:off x="0" y="-5907"/>
+            <a:ext cx="12192000" cy="6863907"/>
+            <a:chOff x="0" y="0"/>
+            <a:chExt cx="12192000" cy="6863907"/>
+          </a:xfrm>
+        </p:grpSpPr>
+        <p:pic>
+          <p:nvPicPr>
+            <p:cNvPr id="4" name="Picture 22" descr="http://www.correiodoestadoonline.com.br/arquivos/noticias/3.png"/>
+            <p:cNvPicPr>
+              <a:picLocks noChangeAspect="1" noChangeArrowheads="1"/>
+            </p:cNvPicPr>
+            <p:nvPr/>
+          </p:nvPicPr>
+          <p:blipFill>
+            <a:blip r:embed="rId2">
+              <a:extLst>
+                <a:ext uri="{BEBA8EAE-BF5A-486C-A8C5-ECC9F3942E4B}">
+                  <a14:imgProps xmlns:a14="http://schemas.microsoft.com/office/drawing/2010/main">
+                    <a14:imgLayer r:embed="rId3">
+                      <a14:imgEffect>
+                        <a14:sharpenSoften amount="-80000"/>
+                      </a14:imgEffect>
+                      <a14:imgEffect>
+                        <a14:brightnessContrast bright="-46000"/>
+                      </a14:imgEffect>
+                    </a14:imgLayer>
+                  </a14:imgProps>
+                </a:ext>
+                <a:ext uri="{28A0092B-C50C-407E-A947-70E740481C1C}">
+                  <a14:useLocalDpi xmlns:a14="http://schemas.microsoft.com/office/drawing/2010/main" val="0"/>
+                </a:ext>
+              </a:extLst>
+            </a:blip>
+            <a:srcRect/>
+            <a:stretch>
+              <a:fillRect/>
+            </a:stretch>
+          </p:blipFill>
+          <p:spPr bwMode="auto">
+            <a:xfrm>
+              <a:off x="0" y="0"/>
+              <a:ext cx="12192000" cy="6863907"/>
+            </a:xfrm>
+            <a:prstGeom prst="rect">
+              <a:avLst/>
+            </a:prstGeom>
+            <a:noFill/>
+          </p:spPr>
+        </p:pic>
+        <p:sp>
+          <p:nvSpPr>
+            <p:cNvPr id="5" name="Retângulo 4"/>
+            <p:cNvSpPr/>
+            <p:nvPr/>
+          </p:nvSpPr>
+          <p:spPr>
+            <a:xfrm>
+              <a:off x="0" y="5907"/>
+              <a:ext cx="12192000" cy="6858000"/>
+            </a:xfrm>
+            <a:prstGeom prst="rect">
+              <a:avLst/>
+            </a:prstGeom>
+            <a:solidFill>
+              <a:schemeClr val="tx1">
+                <a:lumMod val="95000"/>
+                <a:lumOff val="5000"/>
+                <a:alpha val="87000"/>
+              </a:schemeClr>
+            </a:solidFill>
+            <a:ln>
+              <a:noFill/>
+            </a:ln>
+          </p:spPr>
+          <p:style>
+            <a:lnRef idx="2">
+              <a:schemeClr val="dk1"/>
+            </a:lnRef>
+            <a:fillRef idx="1">
+              <a:schemeClr val="lt1"/>
+            </a:fillRef>
+            <a:effectRef idx="0">
+              <a:schemeClr val="dk1"/>
+            </a:effectRef>
+            <a:fontRef idx="minor">
+              <a:schemeClr val="dk1"/>
+            </a:fontRef>
+          </p:style>
+          <p:txBody>
+            <a:bodyPr rtlCol="0" anchor="ctr"/>
+            <a:lstStyle/>
+            <a:p>
+              <a:pPr algn="ctr"/>
+              <a:endParaRPr lang="pt-BR" dirty="0"/>
+            </a:p>
+          </p:txBody>
+        </p:sp>
+      </p:grpSp>
+      <p:cxnSp>
+        <p:nvCxnSpPr>
+          <p:cNvPr id="8" name="Conector reto 7">
+            <a:extLst>
+              <a:ext uri="{FF2B5EF4-FFF2-40B4-BE49-F238E27FC236}">
+                <a16:creationId xmlns:a16="http://schemas.microsoft.com/office/drawing/2014/main" id="{6510727C-C843-4D84-A07F-20F37366891D}"/>
+              </a:ext>
+            </a:extLst>
+          </p:cNvPr>
+          <p:cNvCxnSpPr/>
+          <p:nvPr/>
+        </p:nvCxnSpPr>
+        <p:spPr>
+          <a:xfrm>
+            <a:off x="1732853" y="919897"/>
+            <a:ext cx="6325704" cy="0"/>
+          </a:xfrm>
+          <a:prstGeom prst="line">
+            <a:avLst/>
+          </a:prstGeom>
+          <a:ln>
+            <a:solidFill>
+              <a:schemeClr val="bg1"/>
+            </a:solidFill>
+          </a:ln>
+          <a:effectLst/>
+        </p:spPr>
+        <p:style>
+          <a:lnRef idx="1">
+            <a:schemeClr val="accent1"/>
+          </a:lnRef>
+          <a:fillRef idx="0">
+            <a:schemeClr val="accent1"/>
+          </a:fillRef>
+          <a:effectRef idx="0">
+            <a:schemeClr val="accent1"/>
+          </a:effectRef>
+          <a:fontRef idx="minor">
+            <a:schemeClr val="tx1"/>
+          </a:fontRef>
+        </p:style>
+      </p:cxnSp>
+      <p:grpSp>
+        <p:nvGrpSpPr>
+          <p:cNvPr id="2" name="Agrupar 1"/>
+          <p:cNvGrpSpPr/>
+          <p:nvPr/>
+        </p:nvGrpSpPr>
+        <p:grpSpPr>
+          <a:xfrm>
+            <a:off x="349861" y="281269"/>
+            <a:ext cx="2178122" cy="2178122"/>
+            <a:chOff x="734174" y="2338243"/>
+            <a:chExt cx="2178122" cy="2178122"/>
+          </a:xfrm>
+        </p:grpSpPr>
+        <p:sp>
+          <p:nvSpPr>
+            <p:cNvPr id="17" name="Elipse 16"/>
+            <p:cNvSpPr/>
+            <p:nvPr/>
+          </p:nvSpPr>
+          <p:spPr>
+            <a:xfrm>
+              <a:off x="734174" y="2338243"/>
+              <a:ext cx="2178122" cy="2178122"/>
+            </a:xfrm>
+            <a:prstGeom prst="ellipse">
+              <a:avLst/>
+            </a:prstGeom>
+            <a:solidFill>
+              <a:schemeClr val="bg1"/>
+            </a:solidFill>
+            <a:ln>
+              <a:noFill/>
+            </a:ln>
+            <a:effectLst>
+              <a:outerShdw blurRad="50800" dist="38100" dir="2700000" algn="tl" rotWithShape="0">
+                <a:prstClr val="black">
+                  <a:alpha val="40000"/>
+                </a:prstClr>
+              </a:outerShdw>
+            </a:effectLst>
+          </p:spPr>
+          <p:style>
+            <a:lnRef idx="2">
+              <a:schemeClr val="accent1">
+                <a:shade val="50000"/>
+              </a:schemeClr>
+            </a:lnRef>
+            <a:fillRef idx="1">
+              <a:schemeClr val="accent1"/>
+            </a:fillRef>
+            <a:effectRef idx="0">
+              <a:schemeClr val="accent1"/>
+            </a:effectRef>
+            <a:fontRef idx="minor">
+              <a:schemeClr val="lt1"/>
+            </a:fontRef>
+          </p:style>
+          <p:txBody>
+            <a:bodyPr rtlCol="0" anchor="ctr"/>
+            <a:lstStyle/>
+            <a:p>
+              <a:pPr algn="ctr"/>
+              <a:endParaRPr lang="pt-BR"/>
+            </a:p>
+          </p:txBody>
+        </p:sp>
+        <p:pic>
+          <p:nvPicPr>
+            <p:cNvPr id="23" name="Imagem 22"/>
+            <p:cNvPicPr>
+              <a:picLocks noChangeAspect="1"/>
+            </p:cNvPicPr>
+            <p:nvPr/>
+          </p:nvPicPr>
+          <p:blipFill>
+            <a:blip r:embed="rId4" cstate="print">
+              <a:extLst>
+                <a:ext uri="{28A0092B-C50C-407E-A947-70E740481C1C}">
+                  <a14:useLocalDpi xmlns:a14="http://schemas.microsoft.com/office/drawing/2010/main" val="0"/>
+                </a:ext>
+              </a:extLst>
+            </a:blip>
+            <a:stretch>
+              <a:fillRect/>
+            </a:stretch>
+          </p:blipFill>
+          <p:spPr>
+            <a:xfrm>
+              <a:off x="1022293" y="2444571"/>
+              <a:ext cx="1601884" cy="1601884"/>
+            </a:xfrm>
+            <a:prstGeom prst="rect">
+              <a:avLst/>
+            </a:prstGeom>
+          </p:spPr>
+        </p:pic>
+      </p:grpSp>
+      <p:cxnSp>
+        <p:nvCxnSpPr>
+          <p:cNvPr id="31" name="Conector reto 30">
+            <a:extLst>
+              <a:ext uri="{FF2B5EF4-FFF2-40B4-BE49-F238E27FC236}">
+                <a16:creationId xmlns:a16="http://schemas.microsoft.com/office/drawing/2014/main" id="{6510727C-C843-4D84-A07F-20F37366891D}"/>
+              </a:ext>
+            </a:extLst>
+          </p:cNvPr>
+          <p:cNvCxnSpPr/>
+          <p:nvPr/>
+        </p:nvCxnSpPr>
+        <p:spPr>
+          <a:xfrm>
+            <a:off x="3985723" y="2322177"/>
+            <a:ext cx="6325704" cy="0"/>
+          </a:xfrm>
+          <a:prstGeom prst="line">
+            <a:avLst/>
+          </a:prstGeom>
+          <a:ln>
+            <a:solidFill>
+              <a:schemeClr val="bg1"/>
+            </a:solidFill>
+          </a:ln>
+          <a:effectLst/>
+        </p:spPr>
+        <p:style>
+          <a:lnRef idx="1">
+            <a:schemeClr val="accent1"/>
+          </a:lnRef>
+          <a:fillRef idx="0">
+            <a:schemeClr val="accent1"/>
+          </a:fillRef>
+          <a:effectRef idx="0">
+            <a:schemeClr val="accent1"/>
+          </a:effectRef>
+          <a:fontRef idx="minor">
+            <a:schemeClr val="tx1"/>
+          </a:fontRef>
+        </p:style>
+      </p:cxnSp>
+      <p:sp>
+        <p:nvSpPr>
+          <p:cNvPr id="29" name="Retângulo 28"/>
+          <p:cNvSpPr/>
+          <p:nvPr/>
+        </p:nvSpPr>
+        <p:spPr>
+          <a:xfrm>
+            <a:off x="2585311" y="443535"/>
+            <a:ext cx="3026685" cy="461665"/>
+          </a:xfrm>
+          <a:prstGeom prst="rect">
+            <a:avLst/>
+          </a:prstGeom>
+          <a:noFill/>
+          <a:effectLst/>
+        </p:spPr>
+        <p:txBody>
+          <a:bodyPr wrap="square" lIns="91440" tIns="45720" rIns="91440" bIns="45720">
+            <a:spAutoFit/>
+          </a:bodyPr>
+          <a:lstStyle/>
+          <a:p>
+            <a:r>
+              <a:rPr lang="pt-BR" sz="2400" b="1" dirty="0" smtClean="0">
+                <a:ln w="0"/>
+                <a:solidFill>
+                  <a:schemeClr val="bg1"/>
+                </a:solidFill>
+                <a:effectLst>
+                  <a:outerShdw blurRad="38100" dist="19050" dir="2700000" algn="tl" rotWithShape="0">
+                    <a:schemeClr val="dk1">
+                      <a:alpha val="40000"/>
+                    </a:schemeClr>
+                  </a:outerShdw>
+                </a:effectLst>
+                <a:latin typeface="Exo 2 Medium" panose="00000600000000000000" pitchFamily="50" charset="0"/>
+              </a:rPr>
+              <a:t>Lucas </a:t>
+            </a:r>
+            <a:r>
+              <a:rPr lang="pt-BR" sz="2400" b="1" dirty="0" err="1" smtClean="0">
+                <a:ln w="0"/>
+                <a:solidFill>
+                  <a:schemeClr val="bg1"/>
+                </a:solidFill>
+                <a:effectLst>
+                  <a:outerShdw blurRad="38100" dist="19050" dir="2700000" algn="tl" rotWithShape="0">
+                    <a:schemeClr val="dk1">
+                      <a:alpha val="40000"/>
+                    </a:schemeClr>
+                  </a:outerShdw>
+                </a:effectLst>
+                <a:latin typeface="Exo 2 Medium" panose="00000600000000000000" pitchFamily="50" charset="0"/>
+              </a:rPr>
+              <a:t>Yudi</a:t>
+            </a:r>
+            <a:r>
+              <a:rPr lang="pt-BR" sz="2400" b="1" dirty="0" smtClean="0">
+                <a:ln w="0"/>
+                <a:solidFill>
+                  <a:schemeClr val="bg1"/>
+                </a:solidFill>
+                <a:effectLst>
+                  <a:outerShdw blurRad="38100" dist="19050" dir="2700000" algn="tl" rotWithShape="0">
+                    <a:schemeClr val="dk1">
+                      <a:alpha val="40000"/>
+                    </a:schemeClr>
+                  </a:outerShdw>
+                </a:effectLst>
+                <a:latin typeface="Exo 2 Medium" panose="00000600000000000000" pitchFamily="50" charset="0"/>
+              </a:rPr>
+              <a:t> </a:t>
+            </a:r>
+            <a:r>
+              <a:rPr lang="pt-BR" sz="2400" b="1" dirty="0" err="1" smtClean="0">
+                <a:ln w="0"/>
+                <a:solidFill>
+                  <a:schemeClr val="bg1"/>
+                </a:solidFill>
+                <a:effectLst>
+                  <a:outerShdw blurRad="38100" dist="19050" dir="2700000" algn="tl" rotWithShape="0">
+                    <a:schemeClr val="dk1">
+                      <a:alpha val="40000"/>
+                    </a:schemeClr>
+                  </a:outerShdw>
+                </a:effectLst>
+                <a:latin typeface="Exo 2 Medium" panose="00000600000000000000" pitchFamily="50" charset="0"/>
+              </a:rPr>
+              <a:t>Ganeko</a:t>
+            </a:r>
+            <a:endParaRPr lang="pt-BR" sz="2400" b="1" cap="none" spc="0" dirty="0">
+              <a:ln w="0"/>
+              <a:solidFill>
+                <a:schemeClr val="bg1"/>
+              </a:solidFill>
+              <a:effectLst>
+                <a:outerShdw blurRad="38100" dist="19050" dir="2700000" algn="tl" rotWithShape="0">
+                  <a:schemeClr val="dk1">
+                    <a:alpha val="40000"/>
+                  </a:schemeClr>
+                </a:outerShdw>
+              </a:effectLst>
+              <a:latin typeface="Exo 2 Medium" panose="00000600000000000000" pitchFamily="50" charset="0"/>
+            </a:endParaRPr>
+          </a:p>
+        </p:txBody>
+      </p:sp>
+      <p:cxnSp>
+        <p:nvCxnSpPr>
+          <p:cNvPr id="39" name="Conector reto 38">
+            <a:extLst>
+              <a:ext uri="{FF2B5EF4-FFF2-40B4-BE49-F238E27FC236}">
+                <a16:creationId xmlns:a16="http://schemas.microsoft.com/office/drawing/2014/main" id="{6510727C-C843-4D84-A07F-20F37366891D}"/>
+              </a:ext>
+            </a:extLst>
+          </p:cNvPr>
+          <p:cNvCxnSpPr/>
+          <p:nvPr/>
+        </p:nvCxnSpPr>
+        <p:spPr>
+          <a:xfrm>
+            <a:off x="4211010" y="5136284"/>
+            <a:ext cx="6325704" cy="0"/>
+          </a:xfrm>
+          <a:prstGeom prst="line">
+            <a:avLst/>
+          </a:prstGeom>
+          <a:ln>
+            <a:solidFill>
+              <a:schemeClr val="bg1"/>
+            </a:solidFill>
+          </a:ln>
+          <a:effectLst/>
+        </p:spPr>
+        <p:style>
+          <a:lnRef idx="1">
+            <a:schemeClr val="accent1"/>
+          </a:lnRef>
+          <a:fillRef idx="0">
+            <a:schemeClr val="accent1"/>
+          </a:fillRef>
+          <a:effectRef idx="0">
+            <a:schemeClr val="accent1"/>
+          </a:effectRef>
+          <a:fontRef idx="minor">
+            <a:schemeClr val="tx1"/>
+          </a:fontRef>
+        </p:style>
+      </p:cxnSp>
+      <p:grpSp>
+        <p:nvGrpSpPr>
+          <p:cNvPr id="3" name="Agrupar 2"/>
+          <p:cNvGrpSpPr/>
+          <p:nvPr/>
+        </p:nvGrpSpPr>
+        <p:grpSpPr>
+          <a:xfrm>
+            <a:off x="9685873" y="1607817"/>
+            <a:ext cx="2178122" cy="2178122"/>
+            <a:chOff x="3576620" y="2312259"/>
+            <a:chExt cx="2178122" cy="2178122"/>
+          </a:xfrm>
+        </p:grpSpPr>
+        <p:sp>
+          <p:nvSpPr>
+            <p:cNvPr id="24" name="Elipse 23"/>
+            <p:cNvSpPr/>
+            <p:nvPr/>
+          </p:nvSpPr>
+          <p:spPr>
+            <a:xfrm>
+              <a:off x="3576620" y="2312259"/>
+              <a:ext cx="2178122" cy="2178122"/>
+            </a:xfrm>
+            <a:prstGeom prst="ellipse">
+              <a:avLst/>
+            </a:prstGeom>
+            <a:solidFill>
+              <a:schemeClr val="bg1"/>
+            </a:solidFill>
+            <a:ln>
+              <a:noFill/>
+            </a:ln>
+            <a:effectLst>
+              <a:outerShdw blurRad="50800" dist="38100" dir="2700000" algn="tl" rotWithShape="0">
+                <a:prstClr val="black">
+                  <a:alpha val="40000"/>
+                </a:prstClr>
+              </a:outerShdw>
+            </a:effectLst>
+          </p:spPr>
+          <p:style>
+            <a:lnRef idx="2">
+              <a:schemeClr val="accent1">
+                <a:shade val="50000"/>
+              </a:schemeClr>
+            </a:lnRef>
+            <a:fillRef idx="1">
+              <a:schemeClr val="accent1"/>
+            </a:fillRef>
+            <a:effectRef idx="0">
+              <a:schemeClr val="accent1"/>
+            </a:effectRef>
+            <a:fontRef idx="minor">
+              <a:schemeClr val="lt1"/>
+            </a:fontRef>
+          </p:style>
+          <p:txBody>
+            <a:bodyPr rtlCol="0" anchor="ctr"/>
+            <a:lstStyle/>
+            <a:p>
+              <a:pPr algn="ctr"/>
+              <a:endParaRPr lang="pt-BR"/>
+            </a:p>
+          </p:txBody>
+        </p:sp>
+        <p:pic>
+          <p:nvPicPr>
+            <p:cNvPr id="27" name="Imagem 26"/>
+            <p:cNvPicPr>
+              <a:picLocks noChangeAspect="1"/>
+            </p:cNvPicPr>
+            <p:nvPr/>
+          </p:nvPicPr>
+          <p:blipFill>
+            <a:blip r:embed="rId5" cstate="print">
+              <a:extLst>
+                <a:ext uri="{28A0092B-C50C-407E-A947-70E740481C1C}">
+                  <a14:useLocalDpi xmlns:a14="http://schemas.microsoft.com/office/drawing/2010/main" val="0"/>
+                </a:ext>
+              </a:extLst>
+            </a:blip>
+            <a:stretch>
+              <a:fillRect/>
+            </a:stretch>
+          </p:blipFill>
+          <p:spPr>
+            <a:xfrm>
+              <a:off x="3857458" y="2438645"/>
+              <a:ext cx="1607810" cy="1607810"/>
+            </a:xfrm>
+            <a:prstGeom prst="rect">
+              <a:avLst/>
+            </a:prstGeom>
+          </p:spPr>
+        </p:pic>
+      </p:grpSp>
+      <p:cxnSp>
+        <p:nvCxnSpPr>
+          <p:cNvPr id="38" name="Conector reto 37">
+            <a:extLst>
+              <a:ext uri="{FF2B5EF4-FFF2-40B4-BE49-F238E27FC236}">
+                <a16:creationId xmlns:a16="http://schemas.microsoft.com/office/drawing/2014/main" id="{6510727C-C843-4D84-A07F-20F37366891D}"/>
+              </a:ext>
+            </a:extLst>
+          </p:cNvPr>
+          <p:cNvCxnSpPr/>
+          <p:nvPr/>
+        </p:nvCxnSpPr>
+        <p:spPr>
+          <a:xfrm>
+            <a:off x="1564554" y="3699968"/>
+            <a:ext cx="6325704" cy="0"/>
+          </a:xfrm>
+          <a:prstGeom prst="line">
+            <a:avLst/>
+          </a:prstGeom>
+          <a:ln>
+            <a:solidFill>
+              <a:schemeClr val="bg1"/>
+            </a:solidFill>
+          </a:ln>
+          <a:effectLst/>
+        </p:spPr>
+        <p:style>
+          <a:lnRef idx="1">
+            <a:schemeClr val="accent1"/>
+          </a:lnRef>
+          <a:fillRef idx="0">
+            <a:schemeClr val="accent1"/>
+          </a:fillRef>
+          <a:effectRef idx="0">
+            <a:schemeClr val="accent1"/>
+          </a:effectRef>
+          <a:fontRef idx="minor">
+            <a:schemeClr val="tx1"/>
+          </a:fontRef>
+        </p:style>
+      </p:cxnSp>
+      <p:grpSp>
+        <p:nvGrpSpPr>
+          <p:cNvPr id="11" name="Agrupar 10"/>
+          <p:cNvGrpSpPr/>
+          <p:nvPr/>
+        </p:nvGrpSpPr>
+        <p:grpSpPr>
+          <a:xfrm>
+            <a:off x="9694221" y="4478859"/>
+            <a:ext cx="2178122" cy="2178122"/>
+            <a:chOff x="9261512" y="2312259"/>
+            <a:chExt cx="2178122" cy="2178122"/>
+          </a:xfrm>
+        </p:grpSpPr>
+        <p:sp>
+          <p:nvSpPr>
+            <p:cNvPr id="33" name="Elipse 32"/>
+            <p:cNvSpPr/>
+            <p:nvPr/>
+          </p:nvSpPr>
+          <p:spPr>
+            <a:xfrm>
+              <a:off x="9261512" y="2312259"/>
+              <a:ext cx="2178122" cy="2178122"/>
+            </a:xfrm>
+            <a:prstGeom prst="ellipse">
+              <a:avLst/>
+            </a:prstGeom>
+            <a:solidFill>
+              <a:schemeClr val="bg1"/>
+            </a:solidFill>
+            <a:ln>
+              <a:noFill/>
+            </a:ln>
+            <a:effectLst>
+              <a:outerShdw blurRad="50800" dist="38100" dir="2700000" algn="tl" rotWithShape="0">
+                <a:prstClr val="black">
+                  <a:alpha val="40000"/>
+                </a:prstClr>
+              </a:outerShdw>
+            </a:effectLst>
+          </p:spPr>
+          <p:style>
+            <a:lnRef idx="2">
+              <a:schemeClr val="accent1">
+                <a:shade val="50000"/>
+              </a:schemeClr>
+            </a:lnRef>
+            <a:fillRef idx="1">
+              <a:schemeClr val="accent1"/>
+            </a:fillRef>
+            <a:effectRef idx="0">
+              <a:schemeClr val="accent1"/>
+            </a:effectRef>
+            <a:fontRef idx="minor">
+              <a:schemeClr val="lt1"/>
+            </a:fontRef>
+          </p:style>
+          <p:txBody>
+            <a:bodyPr rtlCol="0" anchor="ctr"/>
+            <a:lstStyle/>
+            <a:p>
+              <a:pPr algn="ctr"/>
+              <a:endParaRPr lang="pt-BR"/>
+            </a:p>
+          </p:txBody>
+        </p:sp>
+        <p:pic>
+          <p:nvPicPr>
+            <p:cNvPr id="35" name="Imagem 34"/>
+            <p:cNvPicPr>
+              <a:picLocks noChangeAspect="1"/>
+            </p:cNvPicPr>
+            <p:nvPr/>
+          </p:nvPicPr>
+          <p:blipFill>
+            <a:blip r:embed="rId6" cstate="print">
+              <a:extLst>
+                <a:ext uri="{28A0092B-C50C-407E-A947-70E740481C1C}">
+                  <a14:useLocalDpi xmlns:a14="http://schemas.microsoft.com/office/drawing/2010/main" val="0"/>
+                </a:ext>
+              </a:extLst>
+            </a:blip>
+            <a:stretch>
+              <a:fillRect/>
+            </a:stretch>
+          </p:blipFill>
+          <p:spPr>
+            <a:xfrm>
+              <a:off x="9549631" y="2444571"/>
+              <a:ext cx="1601884" cy="1601884"/>
+            </a:xfrm>
+            <a:prstGeom prst="rect">
+              <a:avLst/>
+            </a:prstGeom>
+          </p:spPr>
+        </p:pic>
+        <p:pic>
+          <p:nvPicPr>
+            <p:cNvPr id="36" name="Picture 8" descr="https://3dsupply.de/en/composition/noob-cap-cap-cap-front~eJwdijkKgDAQRa8SppYwk_xsXkUsBC0CggHTiXc3Y_mWh1qn2QhySbGIE8uToToU7Uff6kkD-78ElwEW7_6lXbdKnbUughgSPEdYXrUPGQW6ag8Z6f0Ad2cYzg==.png"/>
+            <p:cNvPicPr>
+              <a:picLocks noChangeAspect="1" noChangeArrowheads="1"/>
+            </p:cNvPicPr>
+            <p:nvPr/>
+          </p:nvPicPr>
+          <p:blipFill>
+            <a:blip r:embed="rId7" cstate="print">
+              <a:extLst>
+                <a:ext uri="{BEBA8EAE-BF5A-486C-A8C5-ECC9F3942E4B}">
+                  <a14:imgProps xmlns:a14="http://schemas.microsoft.com/office/drawing/2010/main">
+                    <a14:imgLayer r:embed="rId8">
+                      <a14:imgEffect>
+                        <a14:saturation sat="0"/>
+                      </a14:imgEffect>
+                      <a14:imgEffect>
+                        <a14:brightnessContrast bright="-20000" contrast="40000"/>
+                      </a14:imgEffect>
+                    </a14:imgLayer>
+                  </a14:imgProps>
+                </a:ext>
+                <a:ext uri="{28A0092B-C50C-407E-A947-70E740481C1C}">
+                  <a14:useLocalDpi xmlns:a14="http://schemas.microsoft.com/office/drawing/2010/main" val="0"/>
+                </a:ext>
+              </a:extLst>
+            </a:blip>
+            <a:srcRect/>
+            <a:stretch>
+              <a:fillRect/>
+            </a:stretch>
+          </p:blipFill>
+          <p:spPr bwMode="auto">
+            <a:xfrm>
+              <a:off x="9874817" y="2350360"/>
+              <a:ext cx="945583" cy="640312"/>
+            </a:xfrm>
+            <a:prstGeom prst="rect">
+              <a:avLst/>
+            </a:prstGeom>
+            <a:noFill/>
+            <a:extLst>
+              <a:ext uri="{909E8E84-426E-40DD-AFC4-6F175D3DCCD1}">
+                <a14:hiddenFill xmlns:a14="http://schemas.microsoft.com/office/drawing/2010/main">
+                  <a:solidFill>
+                    <a:srgbClr val="FFFFFF"/>
+                  </a:solidFill>
+                </a14:hiddenFill>
+              </a:ext>
+            </a:extLst>
+          </p:spPr>
+        </p:pic>
+      </p:grpSp>
+      <p:grpSp>
+        <p:nvGrpSpPr>
+          <p:cNvPr id="9" name="Agrupar 8"/>
+          <p:cNvGrpSpPr/>
+          <p:nvPr/>
+        </p:nvGrpSpPr>
+        <p:grpSpPr>
+          <a:xfrm>
+            <a:off x="349861" y="3137775"/>
+            <a:ext cx="2178122" cy="2276565"/>
+            <a:chOff x="6419066" y="2210154"/>
+            <a:chExt cx="2178122" cy="2276565"/>
+          </a:xfrm>
+        </p:grpSpPr>
+        <p:sp>
+          <p:nvSpPr>
+            <p:cNvPr id="32" name="Elipse 31"/>
+            <p:cNvSpPr/>
+            <p:nvPr/>
+          </p:nvSpPr>
+          <p:spPr>
+            <a:xfrm>
+              <a:off x="6419066" y="2308597"/>
+              <a:ext cx="2178122" cy="2178122"/>
+            </a:xfrm>
+            <a:prstGeom prst="ellipse">
+              <a:avLst/>
+            </a:prstGeom>
+            <a:solidFill>
+              <a:schemeClr val="bg1"/>
+            </a:solidFill>
+            <a:ln>
+              <a:noFill/>
+            </a:ln>
+            <a:effectLst>
+              <a:outerShdw blurRad="50800" dist="38100" dir="2700000" algn="tl" rotWithShape="0">
+                <a:prstClr val="black">
+                  <a:alpha val="40000"/>
+                </a:prstClr>
+              </a:outerShdw>
+            </a:effectLst>
+          </p:spPr>
+          <p:style>
+            <a:lnRef idx="2">
+              <a:schemeClr val="accent1">
+                <a:shade val="50000"/>
+              </a:schemeClr>
+            </a:lnRef>
+            <a:fillRef idx="1">
+              <a:schemeClr val="accent1"/>
+            </a:fillRef>
+            <a:effectRef idx="0">
+              <a:schemeClr val="accent1"/>
+            </a:effectRef>
+            <a:fontRef idx="minor">
+              <a:schemeClr val="lt1"/>
+            </a:fontRef>
+          </p:style>
+          <p:txBody>
+            <a:bodyPr rtlCol="0" anchor="ctr"/>
+            <a:lstStyle/>
+            <a:p>
+              <a:pPr algn="ctr"/>
+              <a:endParaRPr lang="pt-BR"/>
+            </a:p>
+          </p:txBody>
+        </p:sp>
+        <p:pic>
+          <p:nvPicPr>
+            <p:cNvPr id="34" name="Imagem 33"/>
+            <p:cNvPicPr>
+              <a:picLocks noChangeAspect="1"/>
+            </p:cNvPicPr>
+            <p:nvPr/>
+          </p:nvPicPr>
+          <p:blipFill>
+            <a:blip r:embed="rId9" cstate="print">
+              <a:extLst>
+                <a:ext uri="{28A0092B-C50C-407E-A947-70E740481C1C}">
+                  <a14:useLocalDpi xmlns:a14="http://schemas.microsoft.com/office/drawing/2010/main" val="0"/>
+                </a:ext>
+              </a:extLst>
+            </a:blip>
+            <a:stretch>
+              <a:fillRect/>
+            </a:stretch>
+          </p:blipFill>
+          <p:spPr>
+            <a:xfrm>
+              <a:off x="6696093" y="2444571"/>
+              <a:ext cx="1601884" cy="1601884"/>
+            </a:xfrm>
+            <a:prstGeom prst="rect">
+              <a:avLst/>
+            </a:prstGeom>
+          </p:spPr>
+        </p:pic>
+        <p:pic>
+          <p:nvPicPr>
+            <p:cNvPr id="37" name="Picture 2" descr="Imagem relacionada"/>
+            <p:cNvPicPr>
+              <a:picLocks noChangeAspect="1" noChangeArrowheads="1"/>
+            </p:cNvPicPr>
+            <p:nvPr/>
+          </p:nvPicPr>
+          <p:blipFill>
+            <a:blip r:embed="rId10">
+              <a:duotone>
+                <a:prstClr val="black"/>
+                <a:schemeClr val="accent1">
+                  <a:tint val="45000"/>
+                  <a:satMod val="400000"/>
+                </a:schemeClr>
+              </a:duotone>
+              <a:extLst>
+                <a:ext uri="{BEBA8EAE-BF5A-486C-A8C5-ECC9F3942E4B}">
+                  <a14:imgProps xmlns:a14="http://schemas.microsoft.com/office/drawing/2010/main">
+                    <a14:imgLayer r:embed="rId11">
+                      <a14:imgEffect>
+                        <a14:backgroundRemoval t="19588" b="85052" l="1799" r="96403"/>
+                      </a14:imgEffect>
+                      <a14:imgEffect>
+                        <a14:brightnessContrast bright="-40000" contrast="-40000"/>
+                      </a14:imgEffect>
+                    </a14:imgLayer>
+                  </a14:imgProps>
+                </a:ext>
+                <a:ext uri="{28A0092B-C50C-407E-A947-70E740481C1C}">
+                  <a14:useLocalDpi xmlns:a14="http://schemas.microsoft.com/office/drawing/2010/main" val="0"/>
+                </a:ext>
+              </a:extLst>
+            </a:blip>
+            <a:srcRect/>
+            <a:stretch>
+              <a:fillRect/>
+            </a:stretch>
+          </p:blipFill>
+          <p:spPr bwMode="auto">
+            <a:xfrm flipH="1">
+              <a:off x="6911523" y="2210154"/>
+              <a:ext cx="1091511" cy="925514"/>
+            </a:xfrm>
+            <a:prstGeom prst="rect">
+              <a:avLst/>
+            </a:prstGeom>
+            <a:noFill/>
+            <a:extLst>
+              <a:ext uri="{909E8E84-426E-40DD-AFC4-6F175D3DCCD1}">
+                <a14:hiddenFill xmlns:a14="http://schemas.microsoft.com/office/drawing/2010/main">
+                  <a:solidFill>
+                    <a:srgbClr val="FFFFFF"/>
+                  </a:solidFill>
+                </a14:hiddenFill>
+              </a:ext>
+            </a:extLst>
+          </p:spPr>
+        </p:pic>
+      </p:grpSp>
+      <p:sp>
+        <p:nvSpPr>
+          <p:cNvPr id="40" name="Retângulo 39"/>
+          <p:cNvSpPr/>
+          <p:nvPr/>
+        </p:nvSpPr>
+        <p:spPr>
+          <a:xfrm>
+            <a:off x="6893547" y="1848190"/>
+            <a:ext cx="2892989" cy="461665"/>
+          </a:xfrm>
+          <a:prstGeom prst="rect">
+            <a:avLst/>
+          </a:prstGeom>
+          <a:noFill/>
+          <a:effectLst/>
+        </p:spPr>
+        <p:txBody>
+          <a:bodyPr wrap="square" lIns="91440" tIns="45720" rIns="91440" bIns="45720">
+            <a:spAutoFit/>
+          </a:bodyPr>
+          <a:lstStyle/>
+          <a:p>
+            <a:pPr algn="ctr"/>
+            <a:r>
+              <a:rPr lang="pt-BR" sz="2400" b="1" dirty="0" smtClean="0">
+                <a:ln w="0"/>
+                <a:solidFill>
+                  <a:schemeClr val="bg1"/>
+                </a:solidFill>
+                <a:effectLst>
+                  <a:outerShdw blurRad="38100" dist="19050" dir="2700000" algn="tl" rotWithShape="0">
+                    <a:schemeClr val="dk1">
+                      <a:alpha val="40000"/>
+                    </a:schemeClr>
+                  </a:outerShdw>
+                </a:effectLst>
+                <a:latin typeface="Exo 2 Medium" panose="00000600000000000000" pitchFamily="50" charset="0"/>
+              </a:rPr>
+              <a:t>Rodolfo Gregório</a:t>
+            </a:r>
+            <a:endParaRPr lang="pt-BR" sz="2400" b="1" cap="none" spc="0" dirty="0">
+              <a:ln w="0"/>
+              <a:solidFill>
+                <a:schemeClr val="bg1"/>
+              </a:solidFill>
+              <a:effectLst>
+                <a:outerShdw blurRad="38100" dist="19050" dir="2700000" algn="tl" rotWithShape="0">
+                  <a:schemeClr val="dk1">
+                    <a:alpha val="40000"/>
+                  </a:schemeClr>
+                </a:outerShdw>
+              </a:effectLst>
+              <a:latin typeface="Exo 2 Medium" panose="00000600000000000000" pitchFamily="50" charset="0"/>
+            </a:endParaRPr>
+          </a:p>
+        </p:txBody>
+      </p:sp>
+      <p:sp>
+        <p:nvSpPr>
+          <p:cNvPr id="41" name="Retângulo 40"/>
+          <p:cNvSpPr/>
+          <p:nvPr/>
+        </p:nvSpPr>
+        <p:spPr>
+          <a:xfrm>
+            <a:off x="6511095" y="4667275"/>
+            <a:ext cx="3185689" cy="461665"/>
+          </a:xfrm>
+          <a:prstGeom prst="rect">
+            <a:avLst/>
+          </a:prstGeom>
+          <a:noFill/>
+          <a:effectLst/>
+        </p:spPr>
+        <p:txBody>
+          <a:bodyPr wrap="square" lIns="91440" tIns="45720" rIns="91440" bIns="45720">
+            <a:spAutoFit/>
+          </a:bodyPr>
+          <a:lstStyle/>
+          <a:p>
+            <a:pPr algn="ctr"/>
+            <a:r>
+              <a:rPr lang="pt-BR" sz="2400" b="1" dirty="0" smtClean="0">
+                <a:ln w="0"/>
+                <a:solidFill>
+                  <a:schemeClr val="bg1"/>
+                </a:solidFill>
+                <a:effectLst>
+                  <a:outerShdw blurRad="38100" dist="19050" dir="2700000" algn="tl" rotWithShape="0">
+                    <a:schemeClr val="dk1">
+                      <a:alpha val="40000"/>
+                    </a:schemeClr>
+                  </a:outerShdw>
+                </a:effectLst>
+                <a:latin typeface="Exo 2 Medium" panose="00000600000000000000" pitchFamily="50" charset="0"/>
+              </a:rPr>
+              <a:t>Matheus de Oliveira</a:t>
+            </a:r>
+            <a:endParaRPr lang="pt-BR" sz="2400" b="1" cap="none" spc="0" dirty="0">
+              <a:ln w="0"/>
+              <a:solidFill>
+                <a:schemeClr val="bg1"/>
+              </a:solidFill>
+              <a:effectLst>
+                <a:outerShdw blurRad="38100" dist="19050" dir="2700000" algn="tl" rotWithShape="0">
+                  <a:schemeClr val="dk1">
+                    <a:alpha val="40000"/>
+                  </a:schemeClr>
+                </a:outerShdw>
+              </a:effectLst>
+              <a:latin typeface="Exo 2 Medium" panose="00000600000000000000" pitchFamily="50" charset="0"/>
+            </a:endParaRPr>
+          </a:p>
+        </p:txBody>
+      </p:sp>
+      <p:sp>
+        <p:nvSpPr>
+          <p:cNvPr id="42" name="Retângulo 41"/>
+          <p:cNvSpPr/>
+          <p:nvPr/>
+        </p:nvSpPr>
+        <p:spPr>
+          <a:xfrm>
+            <a:off x="2100752" y="3226768"/>
+            <a:ext cx="3185689" cy="461665"/>
+          </a:xfrm>
+          <a:prstGeom prst="rect">
+            <a:avLst/>
+          </a:prstGeom>
+          <a:noFill/>
+          <a:effectLst/>
+        </p:spPr>
+        <p:txBody>
+          <a:bodyPr wrap="square" lIns="91440" tIns="45720" rIns="91440" bIns="45720">
+            <a:spAutoFit/>
+          </a:bodyPr>
+          <a:lstStyle/>
+          <a:p>
+            <a:pPr algn="ctr"/>
+            <a:r>
+              <a:rPr lang="pt-BR" sz="2400" b="1" dirty="0" smtClean="0">
+                <a:ln w="0"/>
+                <a:solidFill>
+                  <a:schemeClr val="bg1"/>
+                </a:solidFill>
+                <a:effectLst>
+                  <a:outerShdw blurRad="38100" dist="19050" dir="2700000" algn="tl" rotWithShape="0">
+                    <a:schemeClr val="dk1">
+                      <a:alpha val="40000"/>
+                    </a:schemeClr>
+                  </a:outerShdw>
+                </a:effectLst>
+                <a:latin typeface="Exo 2 Medium" panose="00000600000000000000" pitchFamily="50" charset="0"/>
+              </a:rPr>
+              <a:t>Lucas Bezerra</a:t>
+            </a:r>
+            <a:endParaRPr lang="pt-BR" sz="2400" b="1" cap="none" spc="0" dirty="0">
+              <a:ln w="0"/>
+              <a:solidFill>
+                <a:schemeClr val="bg1"/>
+              </a:solidFill>
+              <a:effectLst>
+                <a:outerShdw blurRad="38100" dist="19050" dir="2700000" algn="tl" rotWithShape="0">
+                  <a:schemeClr val="dk1">
+                    <a:alpha val="40000"/>
+                  </a:schemeClr>
+                </a:outerShdw>
+              </a:effectLst>
+              <a:latin typeface="Exo 2 Medium" panose="00000600000000000000" pitchFamily="50" charset="0"/>
+            </a:endParaRPr>
+          </a:p>
+        </p:txBody>
+      </p:sp>
+      <p:sp>
+        <p:nvSpPr>
+          <p:cNvPr id="50" name="Retângulo 49"/>
+          <p:cNvSpPr/>
+          <p:nvPr/>
+        </p:nvSpPr>
+        <p:spPr>
+          <a:xfrm>
+            <a:off x="2588983" y="945156"/>
+            <a:ext cx="6342982" cy="923330"/>
+          </a:xfrm>
+          <a:prstGeom prst="rect">
+            <a:avLst/>
+          </a:prstGeom>
+          <a:noFill/>
+          <a:effectLst/>
+        </p:spPr>
+        <p:txBody>
+          <a:bodyPr wrap="square" lIns="91440" tIns="45720" rIns="91440" bIns="45720">
+            <a:spAutoFit/>
+          </a:bodyPr>
+          <a:lstStyle/>
+          <a:p>
+            <a:r>
+              <a:rPr lang="pt-BR" b="1" cap="none" spc="0" dirty="0" smtClean="0">
+                <a:ln w="0"/>
+                <a:solidFill>
+                  <a:schemeClr val="bg1"/>
+                </a:solidFill>
+                <a:effectLst>
+                  <a:outerShdw blurRad="38100" dist="19050" dir="2700000" algn="tl" rotWithShape="0">
+                    <a:schemeClr val="dk1">
+                      <a:alpha val="40000"/>
+                    </a:schemeClr>
+                  </a:outerShdw>
+                </a:effectLst>
+                <a:latin typeface="Exo 2 Extra Light" panose="00000300000000000000" pitchFamily="50" charset="0"/>
+              </a:rPr>
+              <a:t>Desenvolvimento front-</a:t>
+            </a:r>
+            <a:r>
+              <a:rPr lang="pt-BR" b="1" cap="none" spc="0" dirty="0" err="1" smtClean="0">
+                <a:ln w="0"/>
+                <a:solidFill>
+                  <a:schemeClr val="bg1"/>
+                </a:solidFill>
+                <a:effectLst>
+                  <a:outerShdw blurRad="38100" dist="19050" dir="2700000" algn="tl" rotWithShape="0">
+                    <a:schemeClr val="dk1">
+                      <a:alpha val="40000"/>
+                    </a:schemeClr>
+                  </a:outerShdw>
+                </a:effectLst>
+                <a:latin typeface="Exo 2 Extra Light" panose="00000300000000000000" pitchFamily="50" charset="0"/>
+              </a:rPr>
+              <a:t>end</a:t>
+            </a:r>
+            <a:endParaRPr lang="pt-BR" b="1" cap="none" spc="0" dirty="0" smtClean="0">
+              <a:ln w="0"/>
+              <a:solidFill>
+                <a:schemeClr val="bg1"/>
+              </a:solidFill>
+              <a:effectLst>
+                <a:outerShdw blurRad="38100" dist="19050" dir="2700000" algn="tl" rotWithShape="0">
+                  <a:schemeClr val="dk1">
+                    <a:alpha val="40000"/>
+                  </a:schemeClr>
+                </a:outerShdw>
+              </a:effectLst>
+              <a:latin typeface="Exo 2 Extra Light" panose="00000300000000000000" pitchFamily="50" charset="0"/>
+            </a:endParaRPr>
+          </a:p>
+          <a:p>
+            <a:r>
+              <a:rPr lang="pt-BR" b="1" dirty="0" smtClean="0">
+                <a:ln w="0"/>
+                <a:solidFill>
+                  <a:schemeClr val="bg1"/>
+                </a:solidFill>
+                <a:effectLst>
+                  <a:outerShdw blurRad="38100" dist="19050" dir="2700000" algn="tl" rotWithShape="0">
+                    <a:schemeClr val="dk1">
+                      <a:alpha val="40000"/>
+                    </a:schemeClr>
+                  </a:outerShdw>
+                </a:effectLst>
+                <a:latin typeface="Exo 2 Extra Light" panose="00000300000000000000" pitchFamily="50" charset="0"/>
+              </a:rPr>
+              <a:t>Planejamento </a:t>
+            </a:r>
+            <a:r>
+              <a:rPr lang="pt-BR" b="1" dirty="0">
+                <a:ln w="0"/>
+                <a:solidFill>
+                  <a:schemeClr val="bg1"/>
+                </a:solidFill>
+                <a:effectLst>
+                  <a:outerShdw blurRad="38100" dist="19050" dir="2700000" algn="tl" rotWithShape="0">
+                    <a:schemeClr val="dk1">
+                      <a:alpha val="40000"/>
+                    </a:schemeClr>
+                  </a:outerShdw>
+                </a:effectLst>
+                <a:latin typeface="Exo 2 Extra Light" panose="00000300000000000000" pitchFamily="50" charset="0"/>
+              </a:rPr>
+              <a:t>do </a:t>
+            </a:r>
+            <a:r>
+              <a:rPr lang="pt-BR" b="1" dirty="0" smtClean="0">
+                <a:ln w="0"/>
+                <a:solidFill>
+                  <a:schemeClr val="bg1"/>
+                </a:solidFill>
+                <a:effectLst>
+                  <a:outerShdw blurRad="38100" dist="19050" dir="2700000" algn="tl" rotWithShape="0">
+                    <a:schemeClr val="dk1">
+                      <a:alpha val="40000"/>
+                    </a:schemeClr>
+                  </a:outerShdw>
+                </a:effectLst>
+                <a:latin typeface="Exo 2 Extra Light" panose="00000300000000000000" pitchFamily="50" charset="0"/>
+              </a:rPr>
+              <a:t>projeto </a:t>
+            </a:r>
+            <a:endParaRPr lang="pt-BR" b="1" cap="none" spc="0" dirty="0" smtClean="0">
+              <a:ln w="0"/>
+              <a:solidFill>
+                <a:schemeClr val="bg1"/>
+              </a:solidFill>
+              <a:effectLst>
+                <a:outerShdw blurRad="38100" dist="19050" dir="2700000" algn="tl" rotWithShape="0">
+                  <a:schemeClr val="dk1">
+                    <a:alpha val="40000"/>
+                  </a:schemeClr>
+                </a:outerShdw>
+              </a:effectLst>
+              <a:latin typeface="Exo 2 Extra Light" panose="00000300000000000000" pitchFamily="50" charset="0"/>
+            </a:endParaRPr>
+          </a:p>
+          <a:p>
+            <a:r>
+              <a:rPr lang="pt-BR" b="1" dirty="0">
+                <a:ln w="0"/>
+                <a:solidFill>
+                  <a:schemeClr val="bg1"/>
+                </a:solidFill>
+                <a:effectLst>
+                  <a:outerShdw blurRad="38100" dist="19050" dir="2700000" algn="tl" rotWithShape="0">
+                    <a:schemeClr val="dk1">
+                      <a:alpha val="40000"/>
+                    </a:schemeClr>
+                  </a:outerShdw>
+                </a:effectLst>
+                <a:latin typeface="Exo 2 Extra Light" panose="00000300000000000000" pitchFamily="50" charset="0"/>
+              </a:rPr>
+              <a:t>D</a:t>
+            </a:r>
+            <a:r>
+              <a:rPr lang="pt-BR" b="1" dirty="0" smtClean="0">
+                <a:ln w="0"/>
+                <a:solidFill>
+                  <a:schemeClr val="bg1"/>
+                </a:solidFill>
+                <a:effectLst>
+                  <a:outerShdw blurRad="38100" dist="19050" dir="2700000" algn="tl" rotWithShape="0">
+                    <a:schemeClr val="dk1">
+                      <a:alpha val="40000"/>
+                    </a:schemeClr>
+                  </a:outerShdw>
+                </a:effectLst>
+                <a:latin typeface="Exo 2 Extra Light" panose="00000300000000000000" pitchFamily="50" charset="0"/>
+              </a:rPr>
+              <a:t>ocumentação do projeto    </a:t>
+            </a:r>
+            <a:endParaRPr lang="pt-BR" b="1" cap="none" spc="0" dirty="0" smtClean="0">
+              <a:ln w="0"/>
+              <a:solidFill>
+                <a:schemeClr val="bg1"/>
+              </a:solidFill>
+              <a:effectLst>
+                <a:outerShdw blurRad="38100" dist="19050" dir="2700000" algn="tl" rotWithShape="0">
+                  <a:schemeClr val="dk1">
+                    <a:alpha val="40000"/>
+                  </a:schemeClr>
+                </a:outerShdw>
+              </a:effectLst>
+              <a:latin typeface="Exo 2 Extra Light" panose="00000300000000000000" pitchFamily="50" charset="0"/>
+            </a:endParaRPr>
+          </a:p>
+        </p:txBody>
+      </p:sp>
+      <p:sp>
+        <p:nvSpPr>
+          <p:cNvPr id="51" name="Retângulo 50"/>
+          <p:cNvSpPr/>
+          <p:nvPr/>
+        </p:nvSpPr>
+        <p:spPr>
+          <a:xfrm>
+            <a:off x="3260035" y="2339232"/>
+            <a:ext cx="6361182" cy="923330"/>
+          </a:xfrm>
+          <a:prstGeom prst="rect">
+            <a:avLst/>
+          </a:prstGeom>
+          <a:noFill/>
+          <a:effectLst/>
+        </p:spPr>
+        <p:txBody>
+          <a:bodyPr wrap="square" lIns="91440" tIns="45720" rIns="91440" bIns="45720">
+            <a:spAutoFit/>
+          </a:bodyPr>
+          <a:lstStyle/>
+          <a:p>
+            <a:pPr algn="r"/>
+            <a:r>
+              <a:rPr lang="pt-BR" b="1" cap="none" spc="0" dirty="0" smtClean="0">
+                <a:ln w="0"/>
+                <a:solidFill>
+                  <a:schemeClr val="bg1"/>
+                </a:solidFill>
+                <a:effectLst>
+                  <a:outerShdw blurRad="38100" dist="19050" dir="2700000" algn="tl" rotWithShape="0">
+                    <a:schemeClr val="dk1">
+                      <a:alpha val="40000"/>
+                    </a:schemeClr>
+                  </a:outerShdw>
+                </a:effectLst>
+                <a:latin typeface="Exo 2 Extra Light" panose="00000300000000000000" pitchFamily="50" charset="0"/>
+              </a:rPr>
+              <a:t>Desenvolvimento </a:t>
+            </a:r>
+            <a:r>
+              <a:rPr lang="pt-BR" b="1" cap="none" spc="0" dirty="0" err="1" smtClean="0">
+                <a:ln w="0"/>
+                <a:solidFill>
+                  <a:schemeClr val="bg1"/>
+                </a:solidFill>
+                <a:effectLst>
+                  <a:outerShdw blurRad="38100" dist="19050" dir="2700000" algn="tl" rotWithShape="0">
+                    <a:schemeClr val="dk1">
+                      <a:alpha val="40000"/>
+                    </a:schemeClr>
+                  </a:outerShdw>
+                </a:effectLst>
+                <a:latin typeface="Exo 2 Extra Light" panose="00000300000000000000" pitchFamily="50" charset="0"/>
+              </a:rPr>
+              <a:t>back-end</a:t>
+            </a:r>
+            <a:endParaRPr lang="pt-BR" b="1" cap="none" spc="0" dirty="0" smtClean="0">
+              <a:ln w="0"/>
+              <a:solidFill>
+                <a:schemeClr val="bg1"/>
+              </a:solidFill>
+              <a:effectLst>
+                <a:outerShdw blurRad="38100" dist="19050" dir="2700000" algn="tl" rotWithShape="0">
+                  <a:schemeClr val="dk1">
+                    <a:alpha val="40000"/>
+                  </a:schemeClr>
+                </a:outerShdw>
+              </a:effectLst>
+              <a:latin typeface="Exo 2 Extra Light" panose="00000300000000000000" pitchFamily="50" charset="0"/>
+            </a:endParaRPr>
+          </a:p>
+          <a:p>
+            <a:pPr algn="r"/>
+            <a:r>
+              <a:rPr lang="pt-BR" b="1" dirty="0" smtClean="0">
+                <a:ln w="0"/>
+                <a:solidFill>
+                  <a:schemeClr val="bg1"/>
+                </a:solidFill>
+                <a:effectLst>
+                  <a:outerShdw blurRad="38100" dist="19050" dir="2700000" algn="tl" rotWithShape="0">
+                    <a:schemeClr val="dk1">
+                      <a:alpha val="40000"/>
+                    </a:schemeClr>
+                  </a:outerShdw>
+                </a:effectLst>
+                <a:latin typeface="Exo 2 Extra Light" panose="00000300000000000000" pitchFamily="50" charset="0"/>
+              </a:rPr>
+              <a:t>Auxílio no planejamento do projeto</a:t>
+            </a:r>
+            <a:endParaRPr lang="pt-BR" b="1" cap="none" spc="0" dirty="0" smtClean="0">
+              <a:ln w="0"/>
+              <a:solidFill>
+                <a:schemeClr val="bg1"/>
+              </a:solidFill>
+              <a:effectLst>
+                <a:outerShdw blurRad="38100" dist="19050" dir="2700000" algn="tl" rotWithShape="0">
+                  <a:schemeClr val="dk1">
+                    <a:alpha val="40000"/>
+                  </a:schemeClr>
+                </a:outerShdw>
+              </a:effectLst>
+              <a:latin typeface="Exo 2 Extra Light" panose="00000300000000000000" pitchFamily="50" charset="0"/>
+            </a:endParaRPr>
+          </a:p>
+          <a:p>
+            <a:pPr algn="r"/>
+            <a:r>
+              <a:rPr lang="pt-BR" b="1" dirty="0" smtClean="0">
+                <a:ln w="0"/>
+                <a:solidFill>
+                  <a:schemeClr val="bg1"/>
+                </a:solidFill>
+                <a:effectLst>
+                  <a:outerShdw blurRad="38100" dist="19050" dir="2700000" algn="tl" rotWithShape="0">
+                    <a:schemeClr val="dk1">
+                      <a:alpha val="40000"/>
+                    </a:schemeClr>
+                  </a:outerShdw>
+                </a:effectLst>
+                <a:latin typeface="Exo 2 Extra Light" panose="00000300000000000000" pitchFamily="50" charset="0"/>
+              </a:rPr>
+              <a:t>Auxílio na d</a:t>
+            </a:r>
+            <a:r>
+              <a:rPr lang="pt-BR" b="1" cap="none" spc="0" dirty="0" smtClean="0">
+                <a:ln w="0"/>
+                <a:solidFill>
+                  <a:schemeClr val="bg1"/>
+                </a:solidFill>
+                <a:effectLst>
+                  <a:outerShdw blurRad="38100" dist="19050" dir="2700000" algn="tl" rotWithShape="0">
+                    <a:schemeClr val="dk1">
+                      <a:alpha val="40000"/>
+                    </a:schemeClr>
+                  </a:outerShdw>
+                </a:effectLst>
+                <a:latin typeface="Exo 2 Extra Light" panose="00000300000000000000" pitchFamily="50" charset="0"/>
+              </a:rPr>
+              <a:t>ocumentação do projeto</a:t>
+            </a:r>
+          </a:p>
+        </p:txBody>
+      </p:sp>
+      <p:sp>
+        <p:nvSpPr>
+          <p:cNvPr id="52" name="Retângulo 51"/>
+          <p:cNvSpPr/>
+          <p:nvPr/>
+        </p:nvSpPr>
+        <p:spPr>
+          <a:xfrm>
+            <a:off x="2585311" y="3726868"/>
+            <a:ext cx="5469573" cy="923330"/>
+          </a:xfrm>
+          <a:prstGeom prst="rect">
+            <a:avLst/>
+          </a:prstGeom>
+          <a:noFill/>
+          <a:effectLst/>
+        </p:spPr>
+        <p:txBody>
+          <a:bodyPr wrap="square" lIns="91440" tIns="45720" rIns="91440" bIns="45720">
+            <a:spAutoFit/>
+          </a:bodyPr>
+          <a:lstStyle/>
+          <a:p>
+            <a:r>
+              <a:rPr lang="pt-BR" b="1" dirty="0" smtClean="0">
+                <a:ln w="0"/>
+                <a:solidFill>
+                  <a:schemeClr val="bg1"/>
+                </a:solidFill>
+                <a:effectLst>
+                  <a:outerShdw blurRad="38100" dist="19050" dir="2700000" algn="tl" rotWithShape="0">
+                    <a:schemeClr val="dk1">
+                      <a:alpha val="40000"/>
+                    </a:schemeClr>
+                  </a:outerShdw>
+                </a:effectLst>
+                <a:latin typeface="Exo 2 Extra Light" panose="00000300000000000000" pitchFamily="50" charset="0"/>
+              </a:rPr>
+              <a:t>Auxílio no desenvolvimento do sistema</a:t>
+            </a:r>
+          </a:p>
+          <a:p>
+            <a:r>
+              <a:rPr lang="pt-BR" b="1" dirty="0" smtClean="0">
+                <a:ln w="0"/>
+                <a:solidFill>
+                  <a:schemeClr val="bg1"/>
+                </a:solidFill>
+                <a:effectLst>
+                  <a:outerShdw blurRad="38100" dist="19050" dir="2700000" algn="tl" rotWithShape="0">
+                    <a:schemeClr val="dk1">
+                      <a:alpha val="40000"/>
+                    </a:schemeClr>
+                  </a:outerShdw>
+                </a:effectLst>
+                <a:latin typeface="Exo 2 Extra Light" panose="00000300000000000000" pitchFamily="50" charset="0"/>
+              </a:rPr>
+              <a:t>Desenvolvimento do banco de dados</a:t>
+            </a:r>
+          </a:p>
+          <a:p>
+            <a:r>
+              <a:rPr lang="pt-BR" b="1" dirty="0" smtClean="0">
+                <a:ln w="0"/>
+                <a:solidFill>
+                  <a:schemeClr val="bg1"/>
+                </a:solidFill>
+                <a:effectLst>
+                  <a:outerShdw blurRad="38100" dist="19050" dir="2700000" algn="tl" rotWithShape="0">
+                    <a:schemeClr val="dk1">
+                      <a:alpha val="40000"/>
+                    </a:schemeClr>
+                  </a:outerShdw>
+                </a:effectLst>
+                <a:latin typeface="Exo 2 Extra Light" panose="00000300000000000000" pitchFamily="50" charset="0"/>
+              </a:rPr>
+              <a:t>Auxílio na documentação do projeto</a:t>
+            </a:r>
+          </a:p>
+        </p:txBody>
+      </p:sp>
+      <p:sp>
+        <p:nvSpPr>
+          <p:cNvPr id="53" name="Retângulo 52"/>
+          <p:cNvSpPr/>
+          <p:nvPr/>
+        </p:nvSpPr>
+        <p:spPr>
+          <a:xfrm>
+            <a:off x="4167320" y="5168356"/>
+            <a:ext cx="5469573" cy="923330"/>
+          </a:xfrm>
+          <a:prstGeom prst="rect">
+            <a:avLst/>
+          </a:prstGeom>
+          <a:noFill/>
+          <a:effectLst/>
+        </p:spPr>
+        <p:txBody>
+          <a:bodyPr wrap="square" lIns="91440" tIns="45720" rIns="91440" bIns="45720">
+            <a:spAutoFit/>
+          </a:bodyPr>
+          <a:lstStyle/>
+          <a:p>
+            <a:pPr algn="r"/>
+            <a:r>
+              <a:rPr lang="pt-BR" b="1" dirty="0" smtClean="0">
+                <a:ln w="0"/>
+                <a:solidFill>
+                  <a:schemeClr val="bg1"/>
+                </a:solidFill>
+                <a:effectLst>
+                  <a:outerShdw blurRad="38100" dist="19050" dir="2700000" algn="tl" rotWithShape="0">
+                    <a:schemeClr val="dk1">
+                      <a:alpha val="40000"/>
+                    </a:schemeClr>
+                  </a:outerShdw>
+                </a:effectLst>
+                <a:latin typeface="Exo 2 Extra Light" panose="00000300000000000000" pitchFamily="50" charset="0"/>
+              </a:rPr>
+              <a:t>Auxílio no desenvolvimento do sistema</a:t>
+            </a:r>
+          </a:p>
+          <a:p>
+            <a:pPr algn="r"/>
+            <a:r>
+              <a:rPr lang="pt-BR" b="1" dirty="0" smtClean="0">
+                <a:ln w="0"/>
+                <a:solidFill>
+                  <a:schemeClr val="bg1"/>
+                </a:solidFill>
+                <a:effectLst>
+                  <a:outerShdw blurRad="38100" dist="19050" dir="2700000" algn="tl" rotWithShape="0">
+                    <a:schemeClr val="dk1">
+                      <a:alpha val="40000"/>
+                    </a:schemeClr>
+                  </a:outerShdw>
+                </a:effectLst>
+                <a:latin typeface="Exo 2 Extra Light" panose="00000300000000000000" pitchFamily="50" charset="0"/>
+              </a:rPr>
+              <a:t>Desenvolvimento dos processos de help </a:t>
+            </a:r>
+            <a:r>
+              <a:rPr lang="pt-BR" b="1" dirty="0" err="1" smtClean="0">
+                <a:ln w="0"/>
+                <a:solidFill>
+                  <a:schemeClr val="bg1"/>
+                </a:solidFill>
+                <a:effectLst>
+                  <a:outerShdw blurRad="38100" dist="19050" dir="2700000" algn="tl" rotWithShape="0">
+                    <a:schemeClr val="dk1">
+                      <a:alpha val="40000"/>
+                    </a:schemeClr>
+                  </a:outerShdw>
+                </a:effectLst>
+                <a:latin typeface="Exo 2 Extra Light" panose="00000300000000000000" pitchFamily="50" charset="0"/>
+              </a:rPr>
+              <a:t>desk</a:t>
+            </a:r>
+            <a:endParaRPr lang="pt-BR" b="1" dirty="0" smtClean="0">
+              <a:ln w="0"/>
+              <a:solidFill>
+                <a:schemeClr val="bg1"/>
+              </a:solidFill>
+              <a:effectLst>
+                <a:outerShdw blurRad="38100" dist="19050" dir="2700000" algn="tl" rotWithShape="0">
+                  <a:schemeClr val="dk1">
+                    <a:alpha val="40000"/>
+                  </a:schemeClr>
+                </a:outerShdw>
+              </a:effectLst>
+              <a:latin typeface="Exo 2 Extra Light" panose="00000300000000000000" pitchFamily="50" charset="0"/>
+            </a:endParaRPr>
+          </a:p>
+          <a:p>
+            <a:pPr algn="r"/>
+            <a:r>
+              <a:rPr lang="pt-BR" b="1" dirty="0" smtClean="0">
+                <a:ln w="0"/>
+                <a:solidFill>
+                  <a:schemeClr val="bg1"/>
+                </a:solidFill>
+                <a:effectLst>
+                  <a:outerShdw blurRad="38100" dist="19050" dir="2700000" algn="tl" rotWithShape="0">
+                    <a:schemeClr val="dk1">
+                      <a:alpha val="40000"/>
+                    </a:schemeClr>
+                  </a:outerShdw>
+                </a:effectLst>
+                <a:latin typeface="Exo 2 Extra Light" panose="00000300000000000000" pitchFamily="50" charset="0"/>
+              </a:rPr>
+              <a:t>Auxílio na documentação do projeto</a:t>
+            </a:r>
+          </a:p>
+        </p:txBody>
+      </p:sp>
+    </p:spTree>
+    <p:extLst>
+      <p:ext uri="{BB962C8B-B14F-4D97-AF65-F5344CB8AC3E}">
+        <p14:creationId xmlns:p14="http://schemas.microsoft.com/office/powerpoint/2010/main" val="3330219946"/>
+      </p:ext>
+    </p:extLst>
+  </p:cSld>
+  <p:clrMapOvr>
+    <a:masterClrMapping/>
+  </p:clrMapOvr>
+  <mc:AlternateContent xmlns:mc="http://schemas.openxmlformats.org/markup-compatibility/2006">
+    <mc:Choice xmlns:p14="http://schemas.microsoft.com/office/powerpoint/2010/main" Requires="p14">
+      <p:transition spd="med" p14:dur="700">
+        <p:fade/>
+      </p:transition>
+    </mc:Choice>
+    <mc:Fallback>
+      <p:transition spd="med">
+        <p:fade/>
+      </p:transition>
+    </mc:Fallback>
+  </mc:AlternateContent>
   <p:timing>
     <p:tnLst>
       <p:par>

--- a/Apresentação/inSensor.pptx
+++ b/Apresentação/inSensor.pptx
@@ -10,6 +10,7 @@
     <p:sldId id="258" r:id="rId4"/>
     <p:sldId id="260" r:id="rId5"/>
     <p:sldId id="261" r:id="rId6"/>
+    <p:sldId id="262" r:id="rId7"/>
   </p:sldIdLst>
   <p:sldSz cx="12192000" cy="6858000"/>
   <p:notesSz cx="6858000" cy="9144000"/>
@@ -3974,13 +3975,13 @@
   <p:clrMapOvr>
     <a:masterClrMapping/>
   </p:clrMapOvr>
-  <mc:AlternateContent xmlns:mc="http://schemas.openxmlformats.org/markup-compatibility/2006">
-    <mc:Choice xmlns:p14="http://schemas.microsoft.com/office/powerpoint/2010/main" Requires="p14">
+  <mc:AlternateContent xmlns:mc="http://schemas.openxmlformats.org/markup-compatibility/2006" xmlns:p14="http://schemas.microsoft.com/office/powerpoint/2010/main">
+    <mc:Choice Requires="p14">
       <p:transition spd="med" p14:dur="700">
         <p:fade/>
       </p:transition>
     </mc:Choice>
-    <mc:Fallback>
+    <mc:Fallback xmlns="">
       <p:transition spd="med">
         <p:fade/>
       </p:transition>
@@ -5215,130 +5216,231 @@
           </p:spPr>
         </p:pic>
       </p:grpSp>
-      <p:grpSp>
-        <p:nvGrpSpPr>
-          <p:cNvPr id="38" name="Agrupar 37"/>
-          <p:cNvGrpSpPr/>
+      <p:pic>
+        <p:nvPicPr>
+          <p:cNvPr id="37" name="Imagem 36"/>
+          <p:cNvPicPr>
+            <a:picLocks noChangeAspect="1"/>
+          </p:cNvPicPr>
           <p:nvPr/>
-        </p:nvGrpSpPr>
-        <p:grpSpPr>
-          <a:xfrm>
-            <a:off x="210693" y="1321858"/>
-            <a:ext cx="11750315" cy="5142442"/>
-            <a:chOff x="210693" y="1321858"/>
-            <a:chExt cx="11750315" cy="5142442"/>
-          </a:xfrm>
-        </p:grpSpPr>
-        <p:pic>
-          <p:nvPicPr>
-            <p:cNvPr id="37" name="Imagem 36"/>
-            <p:cNvPicPr>
-              <a:picLocks noChangeAspect="1"/>
-            </p:cNvPicPr>
-            <p:nvPr/>
-          </p:nvPicPr>
-          <p:blipFill rotWithShape="1">
-            <a:blip r:embed="rId8"/>
-            <a:srcRect t="1" r="574" b="246"/>
-            <a:stretch/>
-          </p:blipFill>
-          <p:spPr>
-            <a:xfrm>
-              <a:off x="210693" y="1321858"/>
-              <a:ext cx="6723508" cy="5142442"/>
-            </a:xfrm>
-            <a:prstGeom prst="rect">
-              <a:avLst/>
-            </a:prstGeom>
-            <a:solidFill>
-              <a:srgbClr val="FFFFFF">
-                <a:shade val="85000"/>
+        </p:nvPicPr>
+        <p:blipFill rotWithShape="1">
+          <a:blip r:embed="rId8"/>
+          <a:srcRect t="3922" r="574" b="246"/>
+          <a:stretch/>
+        </p:blipFill>
+        <p:spPr>
+          <a:xfrm>
+            <a:off x="197993" y="1752600"/>
+            <a:ext cx="6723508" cy="4940300"/>
+          </a:xfrm>
+          <a:prstGeom prst="rect">
+            <a:avLst/>
+          </a:prstGeom>
+          <a:solidFill>
+            <a:srgbClr val="FFFFFF">
+              <a:shade val="85000"/>
+            </a:srgbClr>
+          </a:solidFill>
+          <a:ln w="88900" cap="sq">
+            <a:noFill/>
+            <a:miter lim="800000"/>
+          </a:ln>
+          <a:effectLst>
+            <a:outerShdw blurRad="55000" dist="18000" dir="5400000" algn="tl" rotWithShape="0">
+              <a:srgbClr val="000000">
+                <a:alpha val="40000"/>
               </a:srgbClr>
-            </a:solidFill>
-            <a:ln w="88900" cap="sq">
-              <a:noFill/>
-              <a:miter lim="800000"/>
-            </a:ln>
-            <a:effectLst>
-              <a:outerShdw blurRad="55000" dist="18000" dir="5400000" algn="tl" rotWithShape="0">
-                <a:srgbClr val="000000">
-                  <a:alpha val="40000"/>
-                </a:srgbClr>
-              </a:outerShdw>
-            </a:effectLst>
-            <a:scene3d>
-              <a:camera prst="orthographicFront"/>
-              <a:lightRig rig="twoPt" dir="t">
-                <a:rot lat="0" lon="0" rev="7200000"/>
-              </a:lightRig>
-            </a:scene3d>
-            <a:sp3d>
-              <a:contourClr>
-                <a:srgbClr val="FFFFFF"/>
-              </a:contourClr>
-            </a:sp3d>
-          </p:spPr>
-        </p:pic>
-        <p:pic>
-          <p:nvPicPr>
-            <p:cNvPr id="42" name="Imagem 41"/>
-            <p:cNvPicPr/>
-            <p:nvPr/>
-          </p:nvPicPr>
-          <p:blipFill rotWithShape="1">
-            <a:blip r:embed="rId9">
-              <a:extLst>
-                <a:ext uri="{28A0092B-C50C-407E-A947-70E740481C1C}">
-                  <a14:useLocalDpi xmlns:a14="http://schemas.microsoft.com/office/drawing/2010/main" val="0"/>
-                </a:ext>
-              </a:extLst>
-            </a:blip>
-            <a:srcRect l="256" t="1153" r="54053" b="1598"/>
-            <a:stretch/>
-          </p:blipFill>
-          <p:spPr bwMode="auto">
-            <a:xfrm>
-              <a:off x="7013597" y="1321858"/>
-              <a:ext cx="4947411" cy="5142442"/>
-            </a:xfrm>
-            <a:prstGeom prst="rect">
-              <a:avLst/>
-            </a:prstGeom>
-            <a:solidFill>
-              <a:srgbClr val="FFFFFF">
-                <a:shade val="85000"/>
-              </a:srgbClr>
-            </a:solidFill>
-            <a:ln w="88900" cap="sq">
-              <a:noFill/>
-              <a:miter lim="800000"/>
-            </a:ln>
-            <a:effectLst>
-              <a:outerShdw blurRad="55000" dist="18000" dir="5400000" algn="tl" rotWithShape="0">
-                <a:srgbClr val="000000">
-                  <a:alpha val="40000"/>
-                </a:srgbClr>
-              </a:outerShdw>
-            </a:effectLst>
-            <a:scene3d>
-              <a:camera prst="orthographicFront"/>
-              <a:lightRig rig="twoPt" dir="t">
-                <a:rot lat="0" lon="0" rev="7200000"/>
-              </a:lightRig>
-            </a:scene3d>
-            <a:sp3d>
-              <a:contourClr>
-                <a:srgbClr val="FFFFFF"/>
-              </a:contourClr>
-            </a:sp3d>
+            </a:outerShdw>
+          </a:effectLst>
+          <a:scene3d>
+            <a:camera prst="orthographicFront"/>
+            <a:lightRig rig="twoPt" dir="t">
+              <a:rot lat="0" lon="0" rev="7200000"/>
+            </a:lightRig>
+          </a:scene3d>
+          <a:sp3d>
+            <a:contourClr>
+              <a:srgbClr val="FFFFFF"/>
+            </a:contourClr>
+          </a:sp3d>
+        </p:spPr>
+      </p:pic>
+      <p:pic>
+        <p:nvPicPr>
+          <p:cNvPr id="42" name="Imagem 41"/>
+          <p:cNvPicPr/>
+          <p:nvPr/>
+        </p:nvPicPr>
+        <p:blipFill rotWithShape="1">
+          <a:blip r:embed="rId9">
             <a:extLst>
-              <a:ext uri="{53640926-AAD7-44D8-BBD7-CCE9431645EC}">
-                <a14:shadowObscured xmlns:a14="http://schemas.microsoft.com/office/drawing/2010/main"/>
+              <a:ext uri="{28A0092B-C50C-407E-A947-70E740481C1C}">
+                <a14:useLocalDpi xmlns:a14="http://schemas.microsoft.com/office/drawing/2010/main" val="0"/>
               </a:ext>
             </a:extLst>
-          </p:spPr>
-        </p:pic>
-      </p:grpSp>
+          </a:blip>
+          <a:srcRect l="256" t="1153" r="54053" b="1598"/>
+          <a:stretch/>
+        </p:blipFill>
+        <p:spPr bwMode="auto">
+          <a:xfrm>
+            <a:off x="7000897" y="1752600"/>
+            <a:ext cx="4947411" cy="4940300"/>
+          </a:xfrm>
+          <a:prstGeom prst="rect">
+            <a:avLst/>
+          </a:prstGeom>
+          <a:solidFill>
+            <a:srgbClr val="FFFFFF">
+              <a:shade val="85000"/>
+            </a:srgbClr>
+          </a:solidFill>
+          <a:ln w="88900" cap="sq">
+            <a:noFill/>
+            <a:miter lim="800000"/>
+          </a:ln>
+          <a:effectLst>
+            <a:outerShdw blurRad="55000" dist="18000" dir="5400000" algn="tl" rotWithShape="0">
+              <a:srgbClr val="000000">
+                <a:alpha val="40000"/>
+              </a:srgbClr>
+            </a:outerShdw>
+          </a:effectLst>
+          <a:scene3d>
+            <a:camera prst="orthographicFront"/>
+            <a:lightRig rig="twoPt" dir="t">
+              <a:rot lat="0" lon="0" rev="7200000"/>
+            </a:lightRig>
+          </a:scene3d>
+          <a:sp3d>
+            <a:contourClr>
+              <a:srgbClr val="FFFFFF"/>
+            </a:contourClr>
+          </a:sp3d>
+          <a:extLst>
+            <a:ext uri="{53640926-AAD7-44D8-BBD7-CCE9431645EC}">
+              <a14:shadowObscured xmlns:a14="http://schemas.microsoft.com/office/drawing/2010/main"/>
+            </a:ext>
+          </a:extLst>
+        </p:spPr>
+      </p:pic>
+      <p:sp>
+        <p:nvSpPr>
+          <p:cNvPr id="27" name="Retângulo 26"/>
+          <p:cNvSpPr/>
+          <p:nvPr/>
+        </p:nvSpPr>
+        <p:spPr>
+          <a:xfrm>
+            <a:off x="126222" y="1248224"/>
+            <a:ext cx="3328178" cy="461665"/>
+          </a:xfrm>
+          <a:prstGeom prst="rect">
+            <a:avLst/>
+          </a:prstGeom>
+          <a:noFill/>
+          <a:effectLst/>
+        </p:spPr>
+        <p:txBody>
+          <a:bodyPr wrap="square" lIns="91440" tIns="45720" rIns="91440" bIns="45720">
+            <a:spAutoFit/>
+          </a:bodyPr>
+          <a:lstStyle/>
+          <a:p>
+            <a:pPr algn="just"/>
+            <a:r>
+              <a:rPr lang="pt-BR" sz="2400" b="1" dirty="0" smtClean="0">
+                <a:ln w="0"/>
+                <a:solidFill>
+                  <a:schemeClr val="bg1"/>
+                </a:solidFill>
+                <a:effectLst>
+                  <a:outerShdw blurRad="38100" dist="19050" dir="2700000" algn="tl" rotWithShape="0">
+                    <a:schemeClr val="dk1">
+                      <a:alpha val="40000"/>
+                    </a:schemeClr>
+                  </a:outerShdw>
+                </a:effectLst>
+                <a:latin typeface="Exo 2 Medium" panose="00000600000000000000" pitchFamily="50" charset="0"/>
+              </a:rPr>
+              <a:t>PRODUCT BACKLOG</a:t>
+            </a:r>
+            <a:endParaRPr lang="pt-BR" sz="2400" b="1" cap="none" spc="0" dirty="0">
+              <a:ln w="0"/>
+              <a:solidFill>
+                <a:schemeClr val="bg1"/>
+              </a:solidFill>
+              <a:effectLst>
+                <a:outerShdw blurRad="38100" dist="19050" dir="2700000" algn="tl" rotWithShape="0">
+                  <a:schemeClr val="dk1">
+                    <a:alpha val="40000"/>
+                  </a:schemeClr>
+                </a:outerShdw>
+              </a:effectLst>
+              <a:latin typeface="Exo 2 Medium" panose="00000600000000000000" pitchFamily="50" charset="0"/>
+            </a:endParaRPr>
+          </a:p>
+        </p:txBody>
+      </p:sp>
+      <p:sp>
+        <p:nvSpPr>
+          <p:cNvPr id="28" name="Retângulo 27"/>
+          <p:cNvSpPr/>
+          <p:nvPr/>
+        </p:nvSpPr>
+        <p:spPr>
+          <a:xfrm>
+            <a:off x="6965320" y="1271254"/>
+            <a:ext cx="3328178" cy="461665"/>
+          </a:xfrm>
+          <a:prstGeom prst="rect">
+            <a:avLst/>
+          </a:prstGeom>
+          <a:noFill/>
+          <a:effectLst/>
+        </p:spPr>
+        <p:txBody>
+          <a:bodyPr wrap="square" lIns="91440" tIns="45720" rIns="91440" bIns="45720">
+            <a:spAutoFit/>
+          </a:bodyPr>
+          <a:lstStyle/>
+          <a:p>
+            <a:pPr algn="just"/>
+            <a:r>
+              <a:rPr lang="pt-BR" sz="2400" b="1" dirty="0" smtClean="0">
+                <a:ln w="0"/>
+                <a:solidFill>
+                  <a:schemeClr val="bg1"/>
+                </a:solidFill>
+                <a:effectLst>
+                  <a:outerShdw blurRad="38100" dist="19050" dir="2700000" algn="tl" rotWithShape="0">
+                    <a:schemeClr val="dk1">
+                      <a:alpha val="40000"/>
+                    </a:schemeClr>
+                  </a:outerShdw>
+                </a:effectLst>
+                <a:latin typeface="Exo 2 Medium" panose="00000600000000000000" pitchFamily="50" charset="0"/>
+              </a:rPr>
+              <a:t>SPRINTS BACKLOG</a:t>
+            </a:r>
+            <a:endParaRPr lang="pt-BR" sz="2400" b="1" cap="none" spc="0" dirty="0">
+              <a:ln w="0"/>
+              <a:solidFill>
+                <a:schemeClr val="bg1"/>
+              </a:solidFill>
+              <a:effectLst>
+                <a:outerShdw blurRad="38100" dist="19050" dir="2700000" algn="tl" rotWithShape="0">
+                  <a:schemeClr val="dk1">
+                    <a:alpha val="40000"/>
+                  </a:schemeClr>
+                </a:outerShdw>
+              </a:effectLst>
+              <a:latin typeface="Exo 2 Medium" panose="00000600000000000000" pitchFamily="50" charset="0"/>
+            </a:endParaRPr>
+          </a:p>
+        </p:txBody>
+      </p:sp>
     </p:spTree>
     <p:extLst>
       <p:ext uri="{BB962C8B-B14F-4D97-AF65-F5344CB8AC3E}">
@@ -5377,9 +5479,9 @@
                                   <p:childTnLst>
                                     <p:animEffect transition="out" filter="fade">
                                       <p:cBhvr>
-                                        <p:cTn id="6" dur="400"/>
+                                        <p:cTn id="6" dur="350"/>
                                         <p:tgtEl>
-                                          <p:spTgt spid="38"/>
+                                          <p:spTgt spid="42"/>
                                         </p:tgtEl>
                                       </p:cBhvr>
                                     </p:animEffect>
@@ -5387,11 +5489,116 @@
                                       <p:cBhvr>
                                         <p:cTn id="7" dur="1" fill="hold">
                                           <p:stCondLst>
-                                            <p:cond delay="399"/>
+                                            <p:cond delay="349"/>
                                           </p:stCondLst>
                                         </p:cTn>
                                         <p:tgtEl>
-                                          <p:spTgt spid="38"/>
+                                          <p:spTgt spid="42"/>
+                                        </p:tgtEl>
+                                        <p:attrNameLst>
+                                          <p:attrName>style.visibility</p:attrName>
+                                        </p:attrNameLst>
+                                      </p:cBhvr>
+                                      <p:to>
+                                        <p:strVal val="hidden"/>
+                                      </p:to>
+                                    </p:set>
+                                  </p:childTnLst>
+                                </p:cTn>
+                              </p:par>
+                              <p:par>
+                                <p:cTn id="8" presetID="10" presetClass="exit" presetSubtype="0" fill="hold" grpId="0" nodeType="withEffect">
+                                  <p:stCondLst>
+                                    <p:cond delay="0"/>
+                                  </p:stCondLst>
+                                  <p:childTnLst>
+                                    <p:animEffect transition="out" filter="fade">
+                                      <p:cBhvr>
+                                        <p:cTn id="9" dur="350"/>
+                                        <p:tgtEl>
+                                          <p:spTgt spid="28"/>
+                                        </p:tgtEl>
+                                      </p:cBhvr>
+                                    </p:animEffect>
+                                    <p:set>
+                                      <p:cBhvr>
+                                        <p:cTn id="10" dur="1" fill="hold">
+                                          <p:stCondLst>
+                                            <p:cond delay="349"/>
+                                          </p:stCondLst>
+                                        </p:cTn>
+                                        <p:tgtEl>
+                                          <p:spTgt spid="28"/>
+                                        </p:tgtEl>
+                                        <p:attrNameLst>
+                                          <p:attrName>style.visibility</p:attrName>
+                                        </p:attrNameLst>
+                                      </p:cBhvr>
+                                      <p:to>
+                                        <p:strVal val="hidden"/>
+                                      </p:to>
+                                    </p:set>
+                                  </p:childTnLst>
+                                </p:cTn>
+                              </p:par>
+                              <p:par>
+                                <p:cTn id="11" presetID="10" presetClass="exit" presetSubtype="0" fill="hold" nodeType="withEffect">
+                                  <p:stCondLst>
+                                    <p:cond delay="0"/>
+                                  </p:stCondLst>
+                                  <p:childTnLst>
+                                    <p:animEffect transition="out" filter="fade">
+                                      <p:cBhvr>
+                                        <p:cTn id="12" dur="350"/>
+                                        <p:tgtEl>
+                                          <p:spTgt spid="37"/>
+                                        </p:tgtEl>
+                                      </p:cBhvr>
+                                    </p:animEffect>
+                                    <p:set>
+                                      <p:cBhvr>
+                                        <p:cTn id="13" dur="1" fill="hold">
+                                          <p:stCondLst>
+                                            <p:cond delay="349"/>
+                                          </p:stCondLst>
+                                        </p:cTn>
+                                        <p:tgtEl>
+                                          <p:spTgt spid="37"/>
+                                        </p:tgtEl>
+                                        <p:attrNameLst>
+                                          <p:attrName>style.visibility</p:attrName>
+                                        </p:attrNameLst>
+                                      </p:cBhvr>
+                                      <p:to>
+                                        <p:strVal val="hidden"/>
+                                      </p:to>
+                                    </p:set>
+                                  </p:childTnLst>
+                                </p:cTn>
+                              </p:par>
+                              <p:par>
+                                <p:cTn id="14" presetID="10" presetClass="exit" presetSubtype="0" fill="hold" grpId="0" nodeType="withEffect">
+                                  <p:stCondLst>
+                                    <p:cond delay="0"/>
+                                  </p:stCondLst>
+                                  <p:childTnLst>
+                                    <p:animEffect transition="out" filter="fade">
+                                      <p:cBhvr>
+                                        <p:cTn id="15" dur="350"/>
+                                        <p:tgtEl>
+                                          <p:spTgt spid="27"/>
+                                        </p:tgtEl>
+                                      </p:cBhvr>
+                                    </p:animEffect>
+                                    <p:set>
+                                      <p:cBhvr>
+                                        <p:cTn id="16" dur="1" fill="hold">
+                                          <p:stCondLst>
+                                            <p:cond delay="349"/>
+                                          </p:stCondLst>
+                                        </p:cTn>
+                                        <p:tgtEl>
+                                          <p:spTgt spid="27"/>
                                         </p:tgtEl>
                                         <p:attrNameLst>
                                           <p:attrName>style.visibility</p:attrName>
@@ -5408,20 +5615,20 @@
                           </p:cTn>
                         </p:par>
                         <p:par>
-                          <p:cTn id="8" fill="hold">
+                          <p:cTn id="17" fill="hold">
                             <p:stCondLst>
-                              <p:cond delay="400"/>
+                              <p:cond delay="350"/>
                             </p:stCondLst>
                             <p:childTnLst>
                               <p:par>
-                                <p:cTn id="9" presetID="42" presetClass="entr" presetSubtype="0" fill="hold" nodeType="afterEffect">
+                                <p:cTn id="18" presetID="42" presetClass="entr" presetSubtype="0" fill="hold" nodeType="afterEffect">
                                   <p:stCondLst>
                                     <p:cond delay="0"/>
                                   </p:stCondLst>
                                   <p:childTnLst>
                                     <p:set>
                                       <p:cBhvr>
-                                        <p:cTn id="10" dur="1" fill="hold">
+                                        <p:cTn id="19" dur="1" fill="hold">
                                           <p:stCondLst>
                                             <p:cond delay="0"/>
                                           </p:stCondLst>
@@ -5439,7 +5646,7 @@
                                     </p:set>
                                     <p:animEffect transition="in" filter="fade">
                                       <p:cBhvr>
-                                        <p:cTn id="11" dur="400"/>
+                                        <p:cTn id="20" dur="400"/>
                                         <p:tgtEl>
                                           <p:spTgt spid="3"/>
                                         </p:tgtEl>
@@ -5447,7 +5654,7 @@
                                     </p:animEffect>
                                     <p:anim calcmode="lin" valueType="num">
                                       <p:cBhvr>
-                                        <p:cTn id="12" dur="400" fill="hold"/>
+                                        <p:cTn id="21" dur="400" fill="hold"/>
                                         <p:tgtEl>
                                           <p:spTgt spid="3"/>
                                         </p:tgtEl>
@@ -5470,7 +5677,7 @@
                                     </p:anim>
                                     <p:anim calcmode="lin" valueType="num">
                                       <p:cBhvr>
-                                        <p:cTn id="13" dur="400" fill="hold"/>
+                                        <p:cTn id="22" dur="400" fill="hold"/>
                                         <p:tgtEl>
                                           <p:spTgt spid="3"/>
                                         </p:tgtEl>
@@ -5495,14 +5702,14 @@
                                 </p:cTn>
                               </p:par>
                               <p:par>
-                                <p:cTn id="14" presetID="42" presetClass="entr" presetSubtype="0" fill="hold" nodeType="withEffect">
+                                <p:cTn id="23" presetID="42" presetClass="entr" presetSubtype="0" fill="hold" nodeType="withEffect">
                                   <p:stCondLst>
                                     <p:cond delay="0"/>
                                   </p:stCondLst>
                                   <p:childTnLst>
                                     <p:set>
                                       <p:cBhvr>
-                                        <p:cTn id="15" dur="1" fill="hold">
+                                        <p:cTn id="24" dur="1" fill="hold">
                                           <p:stCondLst>
                                             <p:cond delay="0"/>
                                           </p:stCondLst>
@@ -5520,7 +5727,7 @@
                                     </p:set>
                                     <p:animEffect transition="in" filter="fade">
                                       <p:cBhvr>
-                                        <p:cTn id="16" dur="400"/>
+                                        <p:cTn id="25" dur="400"/>
                                         <p:tgtEl>
                                           <p:spTgt spid="2"/>
                                         </p:tgtEl>
@@ -5528,7 +5735,7 @@
                                     </p:animEffect>
                                     <p:anim calcmode="lin" valueType="num">
                                       <p:cBhvr>
-                                        <p:cTn id="17" dur="400" fill="hold"/>
+                                        <p:cTn id="26" dur="400" fill="hold"/>
                                         <p:tgtEl>
                                           <p:spTgt spid="2"/>
                                         </p:tgtEl>
@@ -5551,7 +5758,7 @@
                                     </p:anim>
                                     <p:anim calcmode="lin" valueType="num">
                                       <p:cBhvr>
-                                        <p:cTn id="18" dur="400" fill="hold"/>
+                                        <p:cTn id="27" dur="400" fill="hold"/>
                                         <p:tgtEl>
                                           <p:spTgt spid="2"/>
                                         </p:tgtEl>
@@ -5576,14 +5783,14 @@
                                 </p:cTn>
                               </p:par>
                               <p:par>
-                                <p:cTn id="19" presetID="42" presetClass="entr" presetSubtype="0" fill="hold" nodeType="withEffect">
+                                <p:cTn id="28" presetID="42" presetClass="entr" presetSubtype="0" fill="hold" nodeType="withEffect">
                                   <p:stCondLst>
                                     <p:cond delay="0"/>
                                   </p:stCondLst>
                                   <p:childTnLst>
                                     <p:set>
                                       <p:cBhvr>
-                                        <p:cTn id="20" dur="1" fill="hold">
+                                        <p:cTn id="29" dur="1" fill="hold">
                                           <p:stCondLst>
                                             <p:cond delay="0"/>
                                           </p:stCondLst>
@@ -5601,7 +5808,7 @@
                                     </p:set>
                                     <p:animEffect transition="in" filter="fade">
                                       <p:cBhvr>
-                                        <p:cTn id="21" dur="400"/>
+                                        <p:cTn id="30" dur="400"/>
                                         <p:tgtEl>
                                           <p:spTgt spid="36"/>
                                         </p:tgtEl>
@@ -5609,7 +5816,7 @@
                                     </p:animEffect>
                                     <p:anim calcmode="lin" valueType="num">
                                       <p:cBhvr>
-                                        <p:cTn id="22" dur="400" fill="hold"/>
+                                        <p:cTn id="31" dur="400" fill="hold"/>
                                         <p:tgtEl>
                                           <p:spTgt spid="36"/>
                                         </p:tgtEl>
@@ -5632,7 +5839,7 @@
                                     </p:anim>
                                     <p:anim calcmode="lin" valueType="num">
                                       <p:cBhvr>
-                                        <p:cTn id="23" dur="400" fill="hold"/>
+                                        <p:cTn id="32" dur="400" fill="hold"/>
                                         <p:tgtEl>
                                           <p:spTgt spid="36"/>
                                         </p:tgtEl>
@@ -5657,14 +5864,14 @@
                                 </p:cTn>
                               </p:par>
                               <p:par>
-                                <p:cTn id="24" presetID="42" presetClass="entr" presetSubtype="0" fill="hold" nodeType="withEffect">
+                                <p:cTn id="33" presetID="42" presetClass="entr" presetSubtype="0" fill="hold" nodeType="withEffect">
                                   <p:stCondLst>
                                     <p:cond delay="0"/>
                                   </p:stCondLst>
                                   <p:childTnLst>
                                     <p:set>
                                       <p:cBhvr>
-                                        <p:cTn id="25" dur="1" fill="hold">
+                                        <p:cTn id="34" dur="1" fill="hold">
                                           <p:stCondLst>
                                             <p:cond delay="0"/>
                                           </p:stCondLst>
@@ -5682,7 +5889,7 @@
                                     </p:set>
                                     <p:animEffect transition="in" filter="fade">
                                       <p:cBhvr>
-                                        <p:cTn id="26" dur="400"/>
+                                        <p:cTn id="35" dur="400"/>
                                         <p:tgtEl>
                                           <p:spTgt spid="35"/>
                                         </p:tgtEl>
@@ -5690,7 +5897,7 @@
                                     </p:animEffect>
                                     <p:anim calcmode="lin" valueType="num">
                                       <p:cBhvr>
-                                        <p:cTn id="27" dur="400" fill="hold"/>
+                                        <p:cTn id="36" dur="400" fill="hold"/>
                                         <p:tgtEl>
                                           <p:spTgt spid="35"/>
                                         </p:tgtEl>
@@ -5713,7 +5920,7 @@
                                     </p:anim>
                                     <p:anim calcmode="lin" valueType="num">
                                       <p:cBhvr>
-                                        <p:cTn id="28" dur="400" fill="hold"/>
+                                        <p:cTn id="37" dur="400" fill="hold"/>
                                         <p:tgtEl>
                                           <p:spTgt spid="35"/>
                                         </p:tgtEl>
@@ -5738,14 +5945,14 @@
                                 </p:cTn>
                               </p:par>
                               <p:par>
-                                <p:cTn id="29" presetID="10" presetClass="entr" presetSubtype="0" fill="hold" grpId="0" nodeType="withEffect">
+                                <p:cTn id="38" presetID="10" presetClass="entr" presetSubtype="0" fill="hold" grpId="0" nodeType="withEffect">
                                   <p:stCondLst>
                                     <p:cond delay="0"/>
                                   </p:stCondLst>
                                   <p:childTnLst>
                                     <p:set>
                                       <p:cBhvr>
-                                        <p:cTn id="30" dur="1" fill="hold">
+                                        <p:cTn id="39" dur="1" fill="hold">
                                           <p:stCondLst>
                                             <p:cond delay="0"/>
                                           </p:stCondLst>
@@ -5763,7 +5970,7 @@
                                     </p:set>
                                     <p:animEffect transition="in" filter="fade">
                                       <p:cBhvr>
-                                        <p:cTn id="31" dur="500"/>
+                                        <p:cTn id="40" dur="500"/>
                                         <p:tgtEl>
                                           <p:spTgt spid="19"/>
                                         </p:tgtEl>
@@ -5773,14 +5980,14 @@
                                 </p:cTn>
                               </p:par>
                               <p:par>
-                                <p:cTn id="32" presetID="10" presetClass="entr" presetSubtype="0" fill="hold" grpId="0" nodeType="withEffect">
+                                <p:cTn id="41" presetID="10" presetClass="entr" presetSubtype="0" fill="hold" grpId="0" nodeType="withEffect">
                                   <p:stCondLst>
                                     <p:cond delay="0"/>
                                   </p:stCondLst>
                                   <p:childTnLst>
                                     <p:set>
                                       <p:cBhvr>
-                                        <p:cTn id="33" dur="1" fill="hold">
+                                        <p:cTn id="42" dur="1" fill="hold">
                                           <p:stCondLst>
                                             <p:cond delay="0"/>
                                           </p:stCondLst>
@@ -5798,7 +6005,7 @@
                                     </p:set>
                                     <p:animEffect transition="in" filter="fade">
                                       <p:cBhvr>
-                                        <p:cTn id="34" dur="500"/>
+                                        <p:cTn id="43" dur="500"/>
                                         <p:tgtEl>
                                           <p:spTgt spid="20"/>
                                         </p:tgtEl>
@@ -5808,14 +6015,14 @@
                                 </p:cTn>
                               </p:par>
                               <p:par>
-                                <p:cTn id="35" presetID="10" presetClass="entr" presetSubtype="0" fill="hold" grpId="0" nodeType="withEffect">
+                                <p:cTn id="44" presetID="10" presetClass="entr" presetSubtype="0" fill="hold" grpId="0" nodeType="withEffect">
                                   <p:stCondLst>
                                     <p:cond delay="0"/>
                                   </p:stCondLst>
                                   <p:childTnLst>
                                     <p:set>
                                       <p:cBhvr>
-                                        <p:cTn id="36" dur="1" fill="hold">
+                                        <p:cTn id="45" dur="1" fill="hold">
                                           <p:stCondLst>
                                             <p:cond delay="0"/>
                                           </p:stCondLst>
@@ -5833,7 +6040,7 @@
                                     </p:set>
                                     <p:animEffect transition="in" filter="fade">
                                       <p:cBhvr>
-                                        <p:cTn id="37" dur="500"/>
+                                        <p:cTn id="46" dur="500"/>
                                         <p:tgtEl>
                                           <p:spTgt spid="29"/>
                                         </p:tgtEl>
@@ -5843,14 +6050,14 @@
                                 </p:cTn>
                               </p:par>
                               <p:par>
-                                <p:cTn id="38" presetID="10" presetClass="entr" presetSubtype="0" fill="hold" grpId="0" nodeType="withEffect">
+                                <p:cTn id="47" presetID="10" presetClass="entr" presetSubtype="0" fill="hold" grpId="0" nodeType="withEffect">
                                   <p:stCondLst>
                                     <p:cond delay="0"/>
                                   </p:stCondLst>
                                   <p:childTnLst>
                                     <p:set>
                                       <p:cBhvr>
-                                        <p:cTn id="39" dur="1" fill="hold">
+                                        <p:cTn id="48" dur="1" fill="hold">
                                           <p:stCondLst>
                                             <p:cond delay="0"/>
                                           </p:stCondLst>
@@ -5868,7 +6075,7 @@
                                     </p:set>
                                     <p:animEffect transition="in" filter="fade">
                                       <p:cBhvr>
-                                        <p:cTn id="40" dur="500"/>
+                                        <p:cTn id="49" dur="500"/>
                                         <p:tgtEl>
                                           <p:spTgt spid="30"/>
                                         </p:tgtEl>
@@ -5909,6 +6116,8 @@
       <p:bldP spid="20" grpId="0"/>
       <p:bldP spid="29" grpId="0"/>
       <p:bldP spid="30" grpId="0"/>
+      <p:bldP spid="27" grpId="0"/>
+      <p:bldP spid="28" grpId="0"/>
     </p:bldLst>
   </p:timing>
 </p:sld>
@@ -7536,18 +7745,374 @@
   <p:clrMapOvr>
     <a:masterClrMapping/>
   </p:clrMapOvr>
-  <mc:AlternateContent xmlns:mc="http://schemas.openxmlformats.org/markup-compatibility/2006">
-    <mc:Choice xmlns:p14="http://schemas.microsoft.com/office/powerpoint/2010/main" Requires="p14">
+  <mc:AlternateContent xmlns:mc="http://schemas.openxmlformats.org/markup-compatibility/2006" xmlns:p14="http://schemas.microsoft.com/office/powerpoint/2010/main">
+    <mc:Choice Requires="p14">
       <p:transition spd="med" p14:dur="700">
         <p:fade/>
       </p:transition>
     </mc:Choice>
-    <mc:Fallback>
+    <mc:Fallback xmlns="">
       <p:transition spd="med">
         <p:fade/>
       </p:transition>
     </mc:Fallback>
   </mc:AlternateContent>
+  <p:timing>
+    <p:tnLst>
+      <p:par>
+        <p:cTn id="1" dur="indefinite" restart="never" nodeType="tmRoot"/>
+      </p:par>
+    </p:tnLst>
+  </p:timing>
+</p:sld>
+</file>
+
+<file path=ppt/slides/slide6.xml><?xml version="1.0" encoding="utf-8"?>
+<p:sld xmlns:a="http://schemas.openxmlformats.org/drawingml/2006/main" xmlns:r="http://schemas.openxmlformats.org/officeDocument/2006/relationships" xmlns:p="http://schemas.openxmlformats.org/presentationml/2006/main">
+  <p:cSld>
+    <p:spTree>
+      <p:nvGrpSpPr>
+        <p:cNvPr id="1" name=""/>
+        <p:cNvGrpSpPr/>
+        <p:nvPr/>
+      </p:nvGrpSpPr>
+      <p:grpSpPr>
+        <a:xfrm>
+          <a:off x="0" y="0"/>
+          <a:ext cx="0" cy="0"/>
+          <a:chOff x="0" y="0"/>
+          <a:chExt cx="0" cy="0"/>
+        </a:xfrm>
+      </p:grpSpPr>
+      <p:grpSp>
+        <p:nvGrpSpPr>
+          <p:cNvPr id="4" name="Agrupar 3"/>
+          <p:cNvGrpSpPr/>
+          <p:nvPr/>
+        </p:nvGrpSpPr>
+        <p:grpSpPr>
+          <a:xfrm>
+            <a:off x="0" y="-5907"/>
+            <a:ext cx="12192000" cy="6863907"/>
+            <a:chOff x="0" y="0"/>
+            <a:chExt cx="12192000" cy="6863907"/>
+          </a:xfrm>
+        </p:grpSpPr>
+        <p:pic>
+          <p:nvPicPr>
+            <p:cNvPr id="5" name="Picture 22" descr="http://www.correiodoestadoonline.com.br/arquivos/noticias/3.png"/>
+            <p:cNvPicPr>
+              <a:picLocks noChangeAspect="1" noChangeArrowheads="1"/>
+            </p:cNvPicPr>
+            <p:nvPr/>
+          </p:nvPicPr>
+          <p:blipFill>
+            <a:blip r:embed="rId2">
+              <a:extLst>
+                <a:ext uri="{BEBA8EAE-BF5A-486C-A8C5-ECC9F3942E4B}">
+                  <a14:imgProps xmlns:a14="http://schemas.microsoft.com/office/drawing/2010/main">
+                    <a14:imgLayer r:embed="rId3">
+                      <a14:imgEffect>
+                        <a14:sharpenSoften amount="-80000"/>
+                      </a14:imgEffect>
+                      <a14:imgEffect>
+                        <a14:brightnessContrast bright="-46000"/>
+                      </a14:imgEffect>
+                    </a14:imgLayer>
+                  </a14:imgProps>
+                </a:ext>
+                <a:ext uri="{28A0092B-C50C-407E-A947-70E740481C1C}">
+                  <a14:useLocalDpi xmlns:a14="http://schemas.microsoft.com/office/drawing/2010/main" val="0"/>
+                </a:ext>
+              </a:extLst>
+            </a:blip>
+            <a:srcRect/>
+            <a:stretch>
+              <a:fillRect/>
+            </a:stretch>
+          </p:blipFill>
+          <p:spPr bwMode="auto">
+            <a:xfrm>
+              <a:off x="0" y="0"/>
+              <a:ext cx="12192000" cy="6863907"/>
+            </a:xfrm>
+            <a:prstGeom prst="rect">
+              <a:avLst/>
+            </a:prstGeom>
+            <a:noFill/>
+          </p:spPr>
+        </p:pic>
+        <p:sp>
+          <p:nvSpPr>
+            <p:cNvPr id="6" name="Retângulo 5"/>
+            <p:cNvSpPr/>
+            <p:nvPr/>
+          </p:nvSpPr>
+          <p:spPr>
+            <a:xfrm>
+              <a:off x="0" y="5907"/>
+              <a:ext cx="12192000" cy="6858000"/>
+            </a:xfrm>
+            <a:prstGeom prst="rect">
+              <a:avLst/>
+            </a:prstGeom>
+            <a:solidFill>
+              <a:schemeClr val="tx1">
+                <a:lumMod val="95000"/>
+                <a:lumOff val="5000"/>
+                <a:alpha val="87000"/>
+              </a:schemeClr>
+            </a:solidFill>
+            <a:ln>
+              <a:noFill/>
+            </a:ln>
+          </p:spPr>
+          <p:style>
+            <a:lnRef idx="2">
+              <a:schemeClr val="dk1"/>
+            </a:lnRef>
+            <a:fillRef idx="1">
+              <a:schemeClr val="lt1"/>
+            </a:fillRef>
+            <a:effectRef idx="0">
+              <a:schemeClr val="dk1"/>
+            </a:effectRef>
+            <a:fontRef idx="minor">
+              <a:schemeClr val="dk1"/>
+            </a:fontRef>
+          </p:style>
+          <p:txBody>
+            <a:bodyPr rtlCol="0" anchor="ctr"/>
+            <a:lstStyle/>
+            <a:p>
+              <a:pPr algn="ctr"/>
+              <a:endParaRPr lang="pt-BR" dirty="0"/>
+            </a:p>
+          </p:txBody>
+        </p:sp>
+      </p:grpSp>
+      <p:sp>
+        <p:nvSpPr>
+          <p:cNvPr id="7" name="Retângulo 6"/>
+          <p:cNvSpPr/>
+          <p:nvPr/>
+        </p:nvSpPr>
+        <p:spPr>
+          <a:xfrm>
+            <a:off x="126222" y="198787"/>
+            <a:ext cx="7608078" cy="707886"/>
+          </a:xfrm>
+          <a:prstGeom prst="rect">
+            <a:avLst/>
+          </a:prstGeom>
+          <a:noFill/>
+          <a:effectLst/>
+        </p:spPr>
+        <p:txBody>
+          <a:bodyPr wrap="square" lIns="91440" tIns="45720" rIns="91440" bIns="45720">
+            <a:spAutoFit/>
+          </a:bodyPr>
+          <a:lstStyle/>
+          <a:p>
+            <a:pPr algn="just"/>
+            <a:r>
+              <a:rPr lang="pt-BR" sz="4000" b="1" dirty="0" smtClean="0">
+                <a:ln w="0"/>
+                <a:solidFill>
+                  <a:schemeClr val="bg1"/>
+                </a:solidFill>
+                <a:effectLst>
+                  <a:outerShdw blurRad="38100" dist="19050" dir="2700000" algn="tl" rotWithShape="0">
+                    <a:schemeClr val="dk1">
+                      <a:alpha val="40000"/>
+                    </a:schemeClr>
+                  </a:outerShdw>
+                </a:effectLst>
+                <a:latin typeface="Exo 2 Medium" panose="00000600000000000000" pitchFamily="50" charset="0"/>
+              </a:rPr>
+              <a:t>FERRAMENTA DE GESTÃO</a:t>
+            </a:r>
+            <a:endParaRPr lang="pt-BR" sz="4000" b="1" cap="none" spc="0" dirty="0">
+              <a:ln w="0"/>
+              <a:solidFill>
+                <a:schemeClr val="bg1"/>
+              </a:solidFill>
+              <a:effectLst>
+                <a:outerShdw blurRad="38100" dist="19050" dir="2700000" algn="tl" rotWithShape="0">
+                  <a:schemeClr val="dk1">
+                    <a:alpha val="40000"/>
+                  </a:schemeClr>
+                </a:outerShdw>
+              </a:effectLst>
+              <a:latin typeface="Exo 2 Medium" panose="00000600000000000000" pitchFamily="50" charset="0"/>
+            </a:endParaRPr>
+          </a:p>
+        </p:txBody>
+      </p:sp>
+      <p:cxnSp>
+        <p:nvCxnSpPr>
+          <p:cNvPr id="8" name="Conector reto 7">
+            <a:extLst>
+              <a:ext uri="{FF2B5EF4-FFF2-40B4-BE49-F238E27FC236}">
+                <a16:creationId xmlns:a16="http://schemas.microsoft.com/office/drawing/2014/main" id="{6510727C-C843-4D84-A07F-20F37366891D}"/>
+              </a:ext>
+            </a:extLst>
+          </p:cNvPr>
+          <p:cNvCxnSpPr/>
+          <p:nvPr/>
+        </p:nvCxnSpPr>
+        <p:spPr>
+          <a:xfrm>
+            <a:off x="0" y="1105459"/>
+            <a:ext cx="6325704" cy="0"/>
+          </a:xfrm>
+          <a:prstGeom prst="line">
+            <a:avLst/>
+          </a:prstGeom>
+          <a:ln>
+            <a:solidFill>
+              <a:schemeClr val="bg1"/>
+            </a:solidFill>
+          </a:ln>
+          <a:effectLst/>
+        </p:spPr>
+        <p:style>
+          <a:lnRef idx="1">
+            <a:schemeClr val="accent1"/>
+          </a:lnRef>
+          <a:fillRef idx="0">
+            <a:schemeClr val="accent1"/>
+          </a:fillRef>
+          <a:effectRef idx="0">
+            <a:schemeClr val="accent1"/>
+          </a:effectRef>
+          <a:fontRef idx="minor">
+            <a:schemeClr val="tx1"/>
+          </a:fontRef>
+        </p:style>
+      </p:cxnSp>
+      <p:pic>
+        <p:nvPicPr>
+          <p:cNvPr id="9" name="Imagem 8"/>
+          <p:cNvPicPr/>
+          <p:nvPr/>
+        </p:nvPicPr>
+        <p:blipFill>
+          <a:blip r:embed="rId4"/>
+          <a:stretch>
+            <a:fillRect/>
+          </a:stretch>
+        </p:blipFill>
+        <p:spPr>
+          <a:xfrm>
+            <a:off x="2162092" y="2078086"/>
+            <a:ext cx="7867816" cy="3807288"/>
+          </a:xfrm>
+          <a:prstGeom prst="rect">
+            <a:avLst/>
+          </a:prstGeom>
+        </p:spPr>
+      </p:pic>
+      <p:pic>
+        <p:nvPicPr>
+          <p:cNvPr id="1028" name="Picture 4" descr="Resultado de imagem para trello"/>
+          <p:cNvPicPr>
+            <a:picLocks noChangeAspect="1" noChangeArrowheads="1"/>
+          </p:cNvPicPr>
+          <p:nvPr/>
+        </p:nvPicPr>
+        <p:blipFill>
+          <a:blip r:embed="rId5" cstate="print">
+            <a:extLst>
+              <a:ext uri="{28A0092B-C50C-407E-A947-70E740481C1C}">
+                <a14:useLocalDpi xmlns:a14="http://schemas.microsoft.com/office/drawing/2010/main" val="0"/>
+              </a:ext>
+            </a:extLst>
+          </a:blip>
+          <a:srcRect/>
+          <a:stretch>
+            <a:fillRect/>
+          </a:stretch>
+        </p:blipFill>
+        <p:spPr bwMode="auto">
+          <a:xfrm>
+            <a:off x="7518400" y="5098789"/>
+            <a:ext cx="3244232" cy="997097"/>
+          </a:xfrm>
+          <a:prstGeom prst="rect">
+            <a:avLst/>
+          </a:prstGeom>
+          <a:noFill/>
+          <a:effectLst>
+            <a:outerShdw blurRad="50800" dist="50800" dir="2700000" algn="tl" rotWithShape="0">
+              <a:prstClr val="black">
+                <a:alpha val="53000"/>
+              </a:prstClr>
+            </a:outerShdw>
+          </a:effectLst>
+          <a:extLst>
+            <a:ext uri="{909E8E84-426E-40DD-AFC4-6F175D3DCCD1}">
+              <a14:hiddenFill xmlns:a14="http://schemas.microsoft.com/office/drawing/2010/main">
+                <a:solidFill>
+                  <a:srgbClr val="FFFFFF"/>
+                </a:solidFill>
+              </a14:hiddenFill>
+            </a:ext>
+          </a:extLst>
+        </p:spPr>
+      </p:pic>
+      <p:cxnSp>
+        <p:nvCxnSpPr>
+          <p:cNvPr id="16" name="Conector reto 15">
+            <a:extLst>
+              <a:ext uri="{FF2B5EF4-FFF2-40B4-BE49-F238E27FC236}">
+                <a16:creationId xmlns:a16="http://schemas.microsoft.com/office/drawing/2014/main" id="{6510727C-C843-4D84-A07F-20F37366891D}"/>
+              </a:ext>
+            </a:extLst>
+          </p:cNvPr>
+          <p:cNvCxnSpPr/>
+          <p:nvPr/>
+        </p:nvCxnSpPr>
+        <p:spPr>
+          <a:xfrm>
+            <a:off x="8509000" y="6019686"/>
+            <a:ext cx="1991912" cy="0"/>
+          </a:xfrm>
+          <a:prstGeom prst="line">
+            <a:avLst/>
+          </a:prstGeom>
+          <a:ln>
+            <a:solidFill>
+              <a:schemeClr val="bg1"/>
+            </a:solidFill>
+          </a:ln>
+          <a:effectLst/>
+        </p:spPr>
+        <p:style>
+          <a:lnRef idx="1">
+            <a:schemeClr val="accent1"/>
+          </a:lnRef>
+          <a:fillRef idx="0">
+            <a:schemeClr val="accent1"/>
+          </a:fillRef>
+          <a:effectRef idx="0">
+            <a:schemeClr val="accent1"/>
+          </a:effectRef>
+          <a:fontRef idx="minor">
+            <a:schemeClr val="tx1"/>
+          </a:fontRef>
+        </p:style>
+      </p:cxnSp>
+    </p:spTree>
+    <p:extLst>
+      <p:ext uri="{BB962C8B-B14F-4D97-AF65-F5344CB8AC3E}">
+        <p14:creationId xmlns:p14="http://schemas.microsoft.com/office/powerpoint/2010/main" val="229802545"/>
+      </p:ext>
+    </p:extLst>
+  </p:cSld>
+  <p:clrMapOvr>
+    <a:masterClrMapping/>
+  </p:clrMapOvr>
   <p:timing>
     <p:tnLst>
       <p:par>

--- a/Apresentação/inSensor.pptx
+++ b/Apresentação/inSensor.pptx
@@ -6,11 +6,13 @@
   </p:sldMasterIdLst>
   <p:sldIdLst>
     <p:sldId id="257" r:id="rId2"/>
-    <p:sldId id="256" r:id="rId3"/>
+    <p:sldId id="264" r:id="rId3"/>
     <p:sldId id="258" r:id="rId4"/>
-    <p:sldId id="260" r:id="rId5"/>
-    <p:sldId id="261" r:id="rId6"/>
-    <p:sldId id="262" r:id="rId7"/>
+    <p:sldId id="263" r:id="rId5"/>
+    <p:sldId id="256" r:id="rId6"/>
+    <p:sldId id="260" r:id="rId7"/>
+    <p:sldId id="261" r:id="rId8"/>
+    <p:sldId id="262" r:id="rId9"/>
   </p:sldIdLst>
   <p:sldSz cx="12192000" cy="6858000"/>
   <p:notesSz cx="6858000" cy="9144000"/>
@@ -246,7 +248,7 @@
           <a:p>
             <a:fld id="{1A9BD4CD-1A6A-4953-94B0-D07B000D9A03}" type="datetimeFigureOut">
               <a:rPr lang="pt-BR" smtClean="0"/>
-              <a:t>28/11/2018</a:t>
+              <a:t>29/11/2018</a:t>
             </a:fld>
             <a:endParaRPr lang="pt-BR"/>
           </a:p>
@@ -414,7 +416,7 @@
           <a:p>
             <a:fld id="{1A9BD4CD-1A6A-4953-94B0-D07B000D9A03}" type="datetimeFigureOut">
               <a:rPr lang="pt-BR" smtClean="0"/>
-              <a:t>28/11/2018</a:t>
+              <a:t>29/11/2018</a:t>
             </a:fld>
             <a:endParaRPr lang="pt-BR"/>
           </a:p>
@@ -592,7 +594,7 @@
           <a:p>
             <a:fld id="{1A9BD4CD-1A6A-4953-94B0-D07B000D9A03}" type="datetimeFigureOut">
               <a:rPr lang="pt-BR" smtClean="0"/>
-              <a:t>28/11/2018</a:t>
+              <a:t>29/11/2018</a:t>
             </a:fld>
             <a:endParaRPr lang="pt-BR"/>
           </a:p>
@@ -760,7 +762,7 @@
           <a:p>
             <a:fld id="{1A9BD4CD-1A6A-4953-94B0-D07B000D9A03}" type="datetimeFigureOut">
               <a:rPr lang="pt-BR" smtClean="0"/>
-              <a:t>28/11/2018</a:t>
+              <a:t>29/11/2018</a:t>
             </a:fld>
             <a:endParaRPr lang="pt-BR"/>
           </a:p>
@@ -1005,7 +1007,7 @@
           <a:p>
             <a:fld id="{1A9BD4CD-1A6A-4953-94B0-D07B000D9A03}" type="datetimeFigureOut">
               <a:rPr lang="pt-BR" smtClean="0"/>
-              <a:t>28/11/2018</a:t>
+              <a:t>29/11/2018</a:t>
             </a:fld>
             <a:endParaRPr lang="pt-BR"/>
           </a:p>
@@ -1234,7 +1236,7 @@
           <a:p>
             <a:fld id="{1A9BD4CD-1A6A-4953-94B0-D07B000D9A03}" type="datetimeFigureOut">
               <a:rPr lang="pt-BR" smtClean="0"/>
-              <a:t>28/11/2018</a:t>
+              <a:t>29/11/2018</a:t>
             </a:fld>
             <a:endParaRPr lang="pt-BR"/>
           </a:p>
@@ -1598,7 +1600,7 @@
           <a:p>
             <a:fld id="{1A9BD4CD-1A6A-4953-94B0-D07B000D9A03}" type="datetimeFigureOut">
               <a:rPr lang="pt-BR" smtClean="0"/>
-              <a:t>28/11/2018</a:t>
+              <a:t>29/11/2018</a:t>
             </a:fld>
             <a:endParaRPr lang="pt-BR"/>
           </a:p>
@@ -1715,7 +1717,7 @@
           <a:p>
             <a:fld id="{1A9BD4CD-1A6A-4953-94B0-D07B000D9A03}" type="datetimeFigureOut">
               <a:rPr lang="pt-BR" smtClean="0"/>
-              <a:t>28/11/2018</a:t>
+              <a:t>29/11/2018</a:t>
             </a:fld>
             <a:endParaRPr lang="pt-BR"/>
           </a:p>
@@ -1810,7 +1812,7 @@
           <a:p>
             <a:fld id="{1A9BD4CD-1A6A-4953-94B0-D07B000D9A03}" type="datetimeFigureOut">
               <a:rPr lang="pt-BR" smtClean="0"/>
-              <a:t>28/11/2018</a:t>
+              <a:t>29/11/2018</a:t>
             </a:fld>
             <a:endParaRPr lang="pt-BR"/>
           </a:p>
@@ -2085,7 +2087,7 @@
           <a:p>
             <a:fld id="{1A9BD4CD-1A6A-4953-94B0-D07B000D9A03}" type="datetimeFigureOut">
               <a:rPr lang="pt-BR" smtClean="0"/>
-              <a:t>28/11/2018</a:t>
+              <a:t>29/11/2018</a:t>
             </a:fld>
             <a:endParaRPr lang="pt-BR"/>
           </a:p>
@@ -2337,7 +2339,7 @@
           <a:p>
             <a:fld id="{1A9BD4CD-1A6A-4953-94B0-D07B000D9A03}" type="datetimeFigureOut">
               <a:rPr lang="pt-BR" smtClean="0"/>
-              <a:t>28/11/2018</a:t>
+              <a:t>29/11/2018</a:t>
             </a:fld>
             <a:endParaRPr lang="pt-BR"/>
           </a:p>
@@ -2548,7 +2550,7 @@
           <a:p>
             <a:fld id="{1A9BD4CD-1A6A-4953-94B0-D07B000D9A03}" type="datetimeFigureOut">
               <a:rPr lang="pt-BR" smtClean="0"/>
-              <a:t>28/11/2018</a:t>
+              <a:t>29/11/2018</a:t>
             </a:fld>
             <a:endParaRPr lang="pt-BR"/>
           </a:p>
@@ -3075,13 +3077,128 @@
       </p:cxnSp>
       <p:sp>
         <p:nvSpPr>
+          <p:cNvPr id="10" name="Retângulo 9"/>
+          <p:cNvSpPr/>
+          <p:nvPr/>
+        </p:nvSpPr>
+        <p:spPr>
+          <a:xfrm>
+            <a:off x="4799822" y="1973023"/>
+            <a:ext cx="4909283" cy="707886"/>
+          </a:xfrm>
+          <a:prstGeom prst="rect">
+            <a:avLst/>
+          </a:prstGeom>
+          <a:noFill/>
+          <a:effectLst/>
+        </p:spPr>
+        <p:txBody>
+          <a:bodyPr wrap="square" lIns="91440" tIns="45720" rIns="91440" bIns="45720">
+            <a:spAutoFit/>
+          </a:bodyPr>
+          <a:lstStyle/>
+          <a:p>
+            <a:r>
+              <a:rPr lang="pt-BR" sz="2000" b="1" dirty="0">
+                <a:ln w="0"/>
+                <a:solidFill>
+                  <a:schemeClr val="bg1"/>
+                </a:solidFill>
+                <a:effectLst>
+                  <a:outerShdw blurRad="38100" dist="19050" dir="2700000" algn="tl" rotWithShape="0">
+                    <a:schemeClr val="dk1">
+                      <a:alpha val="40000"/>
+                    </a:schemeClr>
+                  </a:outerShdw>
+                </a:effectLst>
+                <a:latin typeface="Exo 2 Extra Light" panose="00000300000000000000" pitchFamily="50" charset="0"/>
+              </a:rPr>
+              <a:t>CURSO DE TECNOLOGIA EM ANÁLISE E DESENVOLVIMENTO DE SISTEMAS</a:t>
+            </a:r>
+            <a:endParaRPr lang="pt-BR" sz="2000" b="1" cap="none" spc="0" dirty="0">
+              <a:ln w="0"/>
+              <a:solidFill>
+                <a:schemeClr val="bg1"/>
+              </a:solidFill>
+              <a:effectLst>
+                <a:outerShdw blurRad="38100" dist="19050" dir="2700000" algn="tl" rotWithShape="0">
+                  <a:schemeClr val="dk1">
+                    <a:alpha val="40000"/>
+                  </a:schemeClr>
+                </a:outerShdw>
+              </a:effectLst>
+              <a:latin typeface="Exo 2 Extra Light" panose="00000300000000000000" pitchFamily="50" charset="0"/>
+            </a:endParaRPr>
+          </a:p>
+        </p:txBody>
+      </p:sp>
+      <p:sp>
+        <p:nvSpPr>
+          <p:cNvPr id="11" name="Retângulo 10"/>
+          <p:cNvSpPr/>
+          <p:nvPr/>
+        </p:nvSpPr>
+        <p:spPr>
+          <a:xfrm>
+            <a:off x="4799822" y="1311579"/>
+            <a:ext cx="3302004" cy="523220"/>
+          </a:xfrm>
+          <a:prstGeom prst="rect">
+            <a:avLst/>
+          </a:prstGeom>
+          <a:noFill/>
+          <a:effectLst/>
+        </p:spPr>
+        <p:txBody>
+          <a:bodyPr wrap="square" lIns="91440" tIns="45720" rIns="91440" bIns="45720">
+            <a:spAutoFit/>
+          </a:bodyPr>
+          <a:lstStyle/>
+          <a:p>
+            <a:pPr algn="just"/>
+            <a:r>
+              <a:rPr lang="pt-BR" sz="2800" b="1" dirty="0">
+                <a:ln w="0"/>
+                <a:solidFill>
+                  <a:schemeClr val="bg1"/>
+                </a:solidFill>
+                <a:effectLst>
+                  <a:outerShdw blurRad="38100" dist="19050" dir="2700000" algn="tl" rotWithShape="0">
+                    <a:schemeClr val="dk1">
+                      <a:alpha val="40000"/>
+                    </a:schemeClr>
+                  </a:outerShdw>
+                </a:effectLst>
+                <a:latin typeface="Exo 2 Medium" panose="00000600000000000000" pitchFamily="50" charset="0"/>
+              </a:rPr>
+              <a:t>GERAÇÃO FUTURA</a:t>
+            </a:r>
+            <a:endParaRPr lang="pt-BR" sz="2800" b="1" cap="none" spc="0" dirty="0">
+              <a:ln w="0"/>
+              <a:solidFill>
+                <a:schemeClr val="bg1"/>
+              </a:solidFill>
+              <a:effectLst>
+                <a:outerShdw blurRad="38100" dist="19050" dir="2700000" algn="tl" rotWithShape="0">
+                  <a:schemeClr val="dk1">
+                    <a:alpha val="40000"/>
+                  </a:schemeClr>
+                </a:outerShdw>
+              </a:effectLst>
+              <a:latin typeface="Exo 2 Medium" panose="00000600000000000000" pitchFamily="50" charset="0"/>
+            </a:endParaRPr>
+          </a:p>
+        </p:txBody>
+      </p:sp>
+      <p:sp>
+        <p:nvSpPr>
           <p:cNvPr id="14" name="Elipse 13"/>
           <p:cNvSpPr/>
           <p:nvPr/>
         </p:nvSpPr>
         <p:spPr>
           <a:xfrm>
-            <a:off x="437853" y="502737"/>
+            <a:off x="437852" y="502737"/>
             <a:ext cx="3924116" cy="3924116"/>
           </a:xfrm>
           <a:prstGeom prst="ellipse">
@@ -3117,121 +3234,6 @@
           <a:p>
             <a:pPr algn="ctr"/>
             <a:endParaRPr lang="pt-BR"/>
-          </a:p>
-        </p:txBody>
-      </p:sp>
-      <p:sp>
-        <p:nvSpPr>
-          <p:cNvPr id="10" name="Retângulo 9"/>
-          <p:cNvSpPr/>
-          <p:nvPr/>
-        </p:nvSpPr>
-        <p:spPr>
-          <a:xfrm>
-            <a:off x="4799822" y="1973023"/>
-            <a:ext cx="4909283" cy="707886"/>
-          </a:xfrm>
-          <a:prstGeom prst="rect">
-            <a:avLst/>
-          </a:prstGeom>
-          <a:noFill/>
-          <a:effectLst/>
-        </p:spPr>
-        <p:txBody>
-          <a:bodyPr wrap="square" lIns="91440" tIns="45720" rIns="91440" bIns="45720">
-            <a:spAutoFit/>
-          </a:bodyPr>
-          <a:lstStyle/>
-          <a:p>
-            <a:r>
-              <a:rPr lang="pt-BR" sz="2000" b="1" dirty="0">
-                <a:ln w="0"/>
-                <a:solidFill>
-                  <a:schemeClr val="bg1"/>
-                </a:solidFill>
-                <a:effectLst>
-                  <a:outerShdw blurRad="38100" dist="19050" dir="2700000" algn="tl" rotWithShape="0">
-                    <a:schemeClr val="dk1">
-                      <a:alpha val="40000"/>
-                    </a:schemeClr>
-                  </a:outerShdw>
-                </a:effectLst>
-                <a:latin typeface="Exo 2 Extra Light" panose="00000300000000000000" pitchFamily="50" charset="0"/>
-              </a:rPr>
-              <a:t>CURSO DE TECNOLOGIA EM ANÁLISE E DESENVOLVIMENTO DE SISTEMAS</a:t>
-            </a:r>
-            <a:endParaRPr lang="pt-BR" sz="2000" b="1" cap="none" spc="0" dirty="0">
-              <a:ln w="0"/>
-              <a:solidFill>
-                <a:schemeClr val="bg1"/>
-              </a:solidFill>
-              <a:effectLst>
-                <a:outerShdw blurRad="38100" dist="19050" dir="2700000" algn="tl" rotWithShape="0">
-                  <a:schemeClr val="dk1">
-                    <a:alpha val="40000"/>
-                  </a:schemeClr>
-                </a:outerShdw>
-              </a:effectLst>
-              <a:latin typeface="Exo 2 Extra Light" panose="00000300000000000000" pitchFamily="50" charset="0"/>
-            </a:endParaRPr>
-          </a:p>
-        </p:txBody>
-      </p:sp>
-      <p:sp>
-        <p:nvSpPr>
-          <p:cNvPr id="11" name="Retângulo 10"/>
-          <p:cNvSpPr/>
-          <p:nvPr/>
-        </p:nvSpPr>
-        <p:spPr>
-          <a:xfrm>
-            <a:off x="4799822" y="1311579"/>
-            <a:ext cx="3302004" cy="523220"/>
-          </a:xfrm>
-          <a:prstGeom prst="rect">
-            <a:avLst/>
-          </a:prstGeom>
-          <a:noFill/>
-          <a:effectLst/>
-        </p:spPr>
-        <p:txBody>
-          <a:bodyPr wrap="square" lIns="91440" tIns="45720" rIns="91440" bIns="45720">
-            <a:spAutoFit/>
-          </a:bodyPr>
-          <a:lstStyle/>
-          <a:p>
-            <a:pPr algn="just"/>
-            <a:r>
-              <a:rPr lang="pt-BR" sz="2800" b="1" dirty="0">
-                <a:ln w="0"/>
-                <a:solidFill>
-                  <a:schemeClr val="bg1"/>
-                </a:solidFill>
-                <a:effectLst>
-                  <a:outerShdw blurRad="38100" dist="19050" dir="2700000" algn="tl" rotWithShape="0">
-                    <a:schemeClr val="dk1">
-                      <a:alpha val="40000"/>
-                    </a:schemeClr>
-                  </a:outerShdw>
-                </a:effectLst>
-                <a:latin typeface="Exo 2 Medium" panose="00000600000000000000" pitchFamily="50" charset="0"/>
-              </a:rPr>
-              <a:t>GERAÇÃO FUTURA</a:t>
-            </a:r>
-            <a:endParaRPr lang="pt-BR" sz="2800" b="1" cap="none" spc="0" dirty="0">
-              <a:ln w="0"/>
-              <a:solidFill>
-                <a:schemeClr val="bg1"/>
-              </a:solidFill>
-              <a:effectLst>
-                <a:outerShdw blurRad="38100" dist="19050" dir="2700000" algn="tl" rotWithShape="0">
-                  <a:schemeClr val="dk1">
-                    <a:alpha val="40000"/>
-                  </a:schemeClr>
-                </a:outerShdw>
-              </a:effectLst>
-              <a:latin typeface="Exo 2 Medium" panose="00000600000000000000" pitchFamily="50" charset="0"/>
-            </a:endParaRPr>
           </a:p>
         </p:txBody>
       </p:sp>
@@ -3637,6 +3639,18 @@
   <p:clrMapOvr>
     <a:masterClrMapping/>
   </p:clrMapOvr>
+  <mc:AlternateContent xmlns:mc="http://schemas.openxmlformats.org/markup-compatibility/2006">
+    <mc:Choice xmlns:p14="http://schemas.microsoft.com/office/powerpoint/2010/main" Requires="p14">
+      <p:transition spd="med" p14:dur="700">
+        <p:fade/>
+      </p:transition>
+    </mc:Choice>
+    <mc:Fallback>
+      <p:transition spd="med">
+        <p:fade/>
+      </p:transition>
+    </mc:Fallback>
+  </mc:AlternateContent>
   <p:timing>
     <p:tnLst>
       <p:par>
@@ -3666,48 +3680,82 @@
       </p:grpSpPr>
       <p:pic>
         <p:nvPicPr>
-          <p:cNvPr id="6" name="Picture 22" descr="http://www.correiodoestadoonline.com.br/arquivos/noticias/3.png"/>
+          <p:cNvPr id="11" name="Imagem 10"/>
           <p:cNvPicPr>
-            <a:picLocks noChangeAspect="1" noChangeArrowheads="1"/>
+            <a:picLocks noChangeAspect="1"/>
           </p:cNvPicPr>
           <p:nvPr/>
         </p:nvPicPr>
         <p:blipFill>
           <a:blip r:embed="rId2">
             <a:extLst>
-              <a:ext uri="{BEBA8EAE-BF5A-486C-A8C5-ECC9F3942E4B}">
-                <a14:imgProps xmlns:a14="http://schemas.microsoft.com/office/drawing/2010/main">
-                  <a14:imgLayer r:embed="rId3">
-                    <a14:imgEffect>
-                      <a14:sharpenSoften amount="-80000"/>
-                    </a14:imgEffect>
-                    <a14:imgEffect>
-                      <a14:brightnessContrast bright="-46000"/>
-                    </a14:imgEffect>
-                  </a14:imgLayer>
-                </a14:imgProps>
-              </a:ext>
               <a:ext uri="{28A0092B-C50C-407E-A947-70E740481C1C}">
                 <a14:useLocalDpi xmlns:a14="http://schemas.microsoft.com/office/drawing/2010/main" val="0"/>
               </a:ext>
             </a:extLst>
           </a:blip>
-          <a:srcRect/>
           <a:stretch>
             <a:fillRect/>
           </a:stretch>
         </p:blipFill>
-        <p:spPr bwMode="auto">
+        <p:spPr>
           <a:xfrm>
             <a:off x="0" y="0"/>
-            <a:ext cx="12192000" cy="6863907"/>
+            <a:ext cx="12192000" cy="6858000"/>
           </a:xfrm>
           <a:prstGeom prst="rect">
             <a:avLst/>
           </a:prstGeom>
-          <a:noFill/>
         </p:spPr>
       </p:pic>
+      <p:sp>
+        <p:nvSpPr>
+          <p:cNvPr id="9" name="Retângulo 8"/>
+          <p:cNvSpPr/>
+          <p:nvPr/>
+        </p:nvSpPr>
+        <p:spPr>
+          <a:xfrm>
+            <a:off x="0" y="0"/>
+            <a:ext cx="12192000" cy="6863907"/>
+          </a:xfrm>
+          <a:prstGeom prst="rect">
+            <a:avLst/>
+          </a:prstGeom>
+          <a:solidFill>
+            <a:schemeClr val="tx1">
+              <a:alpha val="37000"/>
+            </a:schemeClr>
+          </a:solidFill>
+          <a:ln>
+            <a:noFill/>
+          </a:ln>
+        </p:spPr>
+        <p:style>
+          <a:lnRef idx="2">
+            <a:schemeClr val="accent1">
+              <a:shade val="50000"/>
+            </a:schemeClr>
+          </a:lnRef>
+          <a:fillRef idx="1">
+            <a:schemeClr val="accent1"/>
+          </a:fillRef>
+          <a:effectRef idx="0">
+            <a:schemeClr val="accent1"/>
+          </a:effectRef>
+          <a:fontRef idx="minor">
+            <a:schemeClr val="lt1"/>
+          </a:fontRef>
+        </p:style>
+        <p:txBody>
+          <a:bodyPr rtlCol="0" anchor="ctr"/>
+          <a:lstStyle/>
+          <a:p>
+            <a:pPr algn="ctr"/>
+            <a:endParaRPr lang="pt-BR"/>
+          </a:p>
+        </p:txBody>
+      </p:sp>
       <p:sp>
         <p:nvSpPr>
           <p:cNvPr id="8" name="Retângulo 7"/>
@@ -3716,7 +3764,7 @@
         </p:nvSpPr>
         <p:spPr>
           <a:xfrm>
-            <a:off x="0" y="0"/>
+            <a:off x="0" y="-5907"/>
             <a:ext cx="12192000" cy="6863907"/>
           </a:xfrm>
           <a:prstGeom prst="rect">
@@ -3758,88 +3806,6 @@
       </p:sp>
       <p:sp>
         <p:nvSpPr>
-          <p:cNvPr id="21" name="Elipse 20"/>
-          <p:cNvSpPr/>
-          <p:nvPr/>
-        </p:nvSpPr>
-        <p:spPr>
-          <a:xfrm>
-            <a:off x="3919022" y="577039"/>
-            <a:ext cx="4353952" cy="4353952"/>
-          </a:xfrm>
-          <a:prstGeom prst="ellipse">
-            <a:avLst/>
-          </a:prstGeom>
-          <a:solidFill>
-            <a:schemeClr val="bg1"/>
-          </a:solidFill>
-          <a:ln>
-            <a:noFill/>
-          </a:ln>
-          <a:effectLst>
-            <a:outerShdw blurRad="50800" dist="38100" dir="2700000" algn="tl" rotWithShape="0">
-              <a:prstClr val="black">
-                <a:alpha val="40000"/>
-              </a:prstClr>
-            </a:outerShdw>
-          </a:effectLst>
-        </p:spPr>
-        <p:style>
-          <a:lnRef idx="2">
-            <a:schemeClr val="accent1">
-              <a:shade val="50000"/>
-            </a:schemeClr>
-          </a:lnRef>
-          <a:fillRef idx="1">
-            <a:schemeClr val="accent1"/>
-          </a:fillRef>
-          <a:effectRef idx="0">
-            <a:schemeClr val="accent1"/>
-          </a:effectRef>
-          <a:fontRef idx="minor">
-            <a:schemeClr val="lt1"/>
-          </a:fontRef>
-        </p:style>
-        <p:txBody>
-          <a:bodyPr rtlCol="0" anchor="ctr"/>
-          <a:lstStyle/>
-          <a:p>
-            <a:pPr algn="ctr"/>
-            <a:endParaRPr lang="pt-BR"/>
-          </a:p>
-        </p:txBody>
-      </p:sp>
-      <p:pic>
-        <p:nvPicPr>
-          <p:cNvPr id="10" name="Imagem 9"/>
-          <p:cNvPicPr>
-            <a:picLocks noChangeAspect="1"/>
-          </p:cNvPicPr>
-          <p:nvPr/>
-        </p:nvPicPr>
-        <p:blipFill rotWithShape="1">
-          <a:blip r:embed="rId4">
-            <a:extLst>
-              <a:ext uri="{28A0092B-C50C-407E-A947-70E740481C1C}">
-                <a14:useLocalDpi xmlns:a14="http://schemas.microsoft.com/office/drawing/2010/main" val="0"/>
-              </a:ext>
-            </a:extLst>
-          </a:blip>
-          <a:srcRect l="11820" t="62755" r="13058" b="8894"/>
-          <a:stretch/>
-        </p:blipFill>
-        <p:spPr>
-          <a:xfrm>
-            <a:off x="4603748" y="3066346"/>
-            <a:ext cx="2990852" cy="725624"/>
-          </a:xfrm>
-          <a:prstGeom prst="rect">
-            <a:avLst/>
-          </a:prstGeom>
-        </p:spPr>
-      </p:pic>
-      <p:sp>
-        <p:nvSpPr>
           <p:cNvPr id="15" name="Retângulo 14"/>
           <p:cNvSpPr/>
           <p:nvPr/>
@@ -3876,7 +3842,61 @@
                 </a:effectLst>
                 <a:latin typeface="Exo 2 Extra Light" panose="00000300000000000000" pitchFamily="50" charset="0"/>
               </a:rPr>
-              <a:t>SISTEMA DE TEMPERATURA E UMIDADE PARA INCUBADORAS NEONATAL</a:t>
+              <a:t>SISTEMA </a:t>
+            </a:r>
+            <a:r>
+              <a:rPr lang="pt-BR" sz="2400" b="1" dirty="0" smtClean="0">
+                <a:ln w="0"/>
+                <a:solidFill>
+                  <a:schemeClr val="bg1"/>
+                </a:solidFill>
+                <a:effectLst>
+                  <a:outerShdw blurRad="38100" dist="19050" dir="2700000" algn="tl" rotWithShape="0">
+                    <a:schemeClr val="dk1">
+                      <a:alpha val="40000"/>
+                    </a:schemeClr>
+                  </a:outerShdw>
+                </a:effectLst>
+                <a:latin typeface="Exo 2 Extra Light" panose="00000300000000000000" pitchFamily="50" charset="0"/>
+              </a:rPr>
+              <a:t>MEDIDOR </a:t>
+            </a:r>
+            <a:r>
+              <a:rPr lang="pt-BR" sz="2400" b="1" dirty="0" smtClean="0">
+                <a:ln w="0"/>
+                <a:solidFill>
+                  <a:schemeClr val="bg1"/>
+                </a:solidFill>
+                <a:effectLst>
+                  <a:outerShdw blurRad="38100" dist="19050" dir="2700000" algn="tl" rotWithShape="0">
+                    <a:schemeClr val="dk1">
+                      <a:alpha val="40000"/>
+                    </a:schemeClr>
+                  </a:outerShdw>
+                </a:effectLst>
+                <a:latin typeface="Exo 2 Extra Light" panose="00000300000000000000" pitchFamily="50" charset="0"/>
+              </a:rPr>
+              <a:t>DE TEMPERATURA E</a:t>
+            </a:r>
+          </a:p>
+          <a:p>
+            <a:pPr algn="ctr"/>
+            <a:r>
+              <a:rPr lang="pt-BR" sz="2400" b="1" dirty="0" smtClean="0">
+                <a:ln w="0"/>
+                <a:solidFill>
+                  <a:schemeClr val="bg1"/>
+                </a:solidFill>
+                <a:effectLst>
+                  <a:outerShdw blurRad="38100" dist="19050" dir="2700000" algn="tl" rotWithShape="0">
+                    <a:schemeClr val="dk1">
+                      <a:alpha val="40000"/>
+                    </a:schemeClr>
+                  </a:outerShdw>
+                </a:effectLst>
+                <a:latin typeface="Exo 2 Extra Light" panose="00000300000000000000" pitchFamily="50" charset="0"/>
+              </a:rPr>
+              <a:t>UMIDADE COM ARDUÍNO</a:t>
             </a:r>
             <a:endParaRPr lang="pt-BR" sz="2400" b="1" cap="none" spc="0" dirty="0">
               <a:ln w="0"/>
@@ -3895,35 +3915,6 @@
           </a:p>
         </p:txBody>
       </p:sp>
-      <p:pic>
-        <p:nvPicPr>
-          <p:cNvPr id="22" name="Imagem 21"/>
-          <p:cNvPicPr>
-            <a:picLocks noChangeAspect="1"/>
-          </p:cNvPicPr>
-          <p:nvPr/>
-        </p:nvPicPr>
-        <p:blipFill rotWithShape="1">
-          <a:blip r:embed="rId5">
-            <a:extLst>
-              <a:ext uri="{28A0092B-C50C-407E-A947-70E740481C1C}">
-                <a14:useLocalDpi xmlns:a14="http://schemas.microsoft.com/office/drawing/2010/main" val="0"/>
-              </a:ext>
-            </a:extLst>
-          </a:blip>
-          <a:srcRect b="29506"/>
-          <a:stretch/>
-        </p:blipFill>
-        <p:spPr>
-          <a:xfrm>
-            <a:off x="4854092" y="1520107"/>
-            <a:ext cx="2483812" cy="1493444"/>
-          </a:xfrm>
-          <a:prstGeom prst="rect">
-            <a:avLst/>
-          </a:prstGeom>
-        </p:spPr>
-      </p:pic>
       <p:cxnSp>
         <p:nvCxnSpPr>
           <p:cNvPr id="7" name="Conector reto 6">
@@ -3965,26 +3956,202 @@
           </a:fontRef>
         </p:style>
       </p:cxnSp>
+      <p:grpSp>
+        <p:nvGrpSpPr>
+          <p:cNvPr id="12" name="Agrupar 11"/>
+          <p:cNvGrpSpPr/>
+          <p:nvPr/>
+        </p:nvGrpSpPr>
+        <p:grpSpPr>
+          <a:xfrm>
+            <a:off x="3919022" y="577039"/>
+            <a:ext cx="4353952" cy="4353952"/>
+            <a:chOff x="3919022" y="577039"/>
+            <a:chExt cx="4353952" cy="4353952"/>
+          </a:xfrm>
+        </p:grpSpPr>
+        <p:sp>
+          <p:nvSpPr>
+            <p:cNvPr id="21" name="Elipse 20"/>
+            <p:cNvSpPr/>
+            <p:nvPr/>
+          </p:nvSpPr>
+          <p:spPr>
+            <a:xfrm>
+              <a:off x="3919022" y="577039"/>
+              <a:ext cx="4353952" cy="4353952"/>
+            </a:xfrm>
+            <a:prstGeom prst="ellipse">
+              <a:avLst/>
+            </a:prstGeom>
+            <a:solidFill>
+              <a:schemeClr val="bg1"/>
+            </a:solidFill>
+            <a:ln>
+              <a:noFill/>
+            </a:ln>
+            <a:effectLst>
+              <a:outerShdw blurRad="50800" dist="38100" dir="2700000" algn="tl" rotWithShape="0">
+                <a:prstClr val="black">
+                  <a:alpha val="40000"/>
+                </a:prstClr>
+              </a:outerShdw>
+            </a:effectLst>
+          </p:spPr>
+          <p:style>
+            <a:lnRef idx="2">
+              <a:schemeClr val="accent1">
+                <a:shade val="50000"/>
+              </a:schemeClr>
+            </a:lnRef>
+            <a:fillRef idx="1">
+              <a:schemeClr val="accent1"/>
+            </a:fillRef>
+            <a:effectRef idx="0">
+              <a:schemeClr val="accent1"/>
+            </a:effectRef>
+            <a:fontRef idx="minor">
+              <a:schemeClr val="lt1"/>
+            </a:fontRef>
+          </p:style>
+          <p:txBody>
+            <a:bodyPr rtlCol="0" anchor="ctr"/>
+            <a:lstStyle/>
+            <a:p>
+              <a:pPr algn="ctr"/>
+              <a:endParaRPr lang="pt-BR"/>
+            </a:p>
+          </p:txBody>
+        </p:sp>
+        <p:pic>
+          <p:nvPicPr>
+            <p:cNvPr id="1026" name="Picture 2" descr="Resultado de imagem para ARDUINO UNO"/>
+            <p:cNvPicPr>
+              <a:picLocks noChangeAspect="1" noChangeArrowheads="1"/>
+            </p:cNvPicPr>
+            <p:nvPr/>
+          </p:nvPicPr>
+          <p:blipFill>
+            <a:blip r:embed="rId3" cstate="print">
+              <a:extLst>
+                <a:ext uri="{28A0092B-C50C-407E-A947-70E740481C1C}">
+                  <a14:useLocalDpi xmlns:a14="http://schemas.microsoft.com/office/drawing/2010/main" val="0"/>
+                </a:ext>
+              </a:extLst>
+            </a:blip>
+            <a:srcRect/>
+            <a:stretch>
+              <a:fillRect/>
+            </a:stretch>
+          </p:blipFill>
+          <p:spPr bwMode="auto">
+            <a:xfrm>
+              <a:off x="5023342" y="1739014"/>
+              <a:ext cx="2145309" cy="1519594"/>
+            </a:xfrm>
+            <a:prstGeom prst="rect">
+              <a:avLst/>
+            </a:prstGeom>
+            <a:noFill/>
+            <a:extLst>
+              <a:ext uri="{909E8E84-426E-40DD-AFC4-6F175D3DCCD1}">
+                <a14:hiddenFill xmlns:a14="http://schemas.microsoft.com/office/drawing/2010/main">
+                  <a:solidFill>
+                    <a:srgbClr val="FFFFFF"/>
+                  </a:solidFill>
+                </a14:hiddenFill>
+              </a:ext>
+            </a:extLst>
+          </p:spPr>
+        </p:pic>
+        <p:pic>
+          <p:nvPicPr>
+            <p:cNvPr id="1028" name="Picture 4" descr="Resultado de imagem para thermometer icon"/>
+            <p:cNvPicPr>
+              <a:picLocks noChangeAspect="1" noChangeArrowheads="1"/>
+            </p:cNvPicPr>
+            <p:nvPr/>
+          </p:nvPicPr>
+          <p:blipFill>
+            <a:blip r:embed="rId4">
+              <a:extLst>
+                <a:ext uri="{28A0092B-C50C-407E-A947-70E740481C1C}">
+                  <a14:useLocalDpi xmlns:a14="http://schemas.microsoft.com/office/drawing/2010/main" val="0"/>
+                </a:ext>
+              </a:extLst>
+            </a:blip>
+            <a:srcRect/>
+            <a:stretch>
+              <a:fillRect/>
+            </a:stretch>
+          </p:blipFill>
+          <p:spPr bwMode="auto">
+            <a:xfrm>
+              <a:off x="4241294" y="2143980"/>
+              <a:ext cx="1987223" cy="1987223"/>
+            </a:xfrm>
+            <a:prstGeom prst="rect">
+              <a:avLst/>
+            </a:prstGeom>
+            <a:noFill/>
+            <a:extLst>
+              <a:ext uri="{909E8E84-426E-40DD-AFC4-6F175D3DCCD1}">
+                <a14:hiddenFill xmlns:a14="http://schemas.microsoft.com/office/drawing/2010/main">
+                  <a:solidFill>
+                    <a:srgbClr val="FFFFFF"/>
+                  </a:solidFill>
+                </a14:hiddenFill>
+              </a:ext>
+            </a:extLst>
+          </p:spPr>
+        </p:pic>
+        <p:pic>
+          <p:nvPicPr>
+            <p:cNvPr id="4" name="Imagem 3"/>
+            <p:cNvPicPr>
+              <a:picLocks noChangeAspect="1"/>
+            </p:cNvPicPr>
+            <p:nvPr/>
+          </p:nvPicPr>
+          <p:blipFill>
+            <a:blip r:embed="rId5" cstate="print">
+              <a:extLst>
+                <a:ext uri="{28A0092B-C50C-407E-A947-70E740481C1C}">
+                  <a14:useLocalDpi xmlns:a14="http://schemas.microsoft.com/office/drawing/2010/main" val="0"/>
+                </a:ext>
+              </a:extLst>
+            </a:blip>
+            <a:stretch>
+              <a:fillRect/>
+            </a:stretch>
+          </p:blipFill>
+          <p:spPr>
+            <a:xfrm>
+              <a:off x="5884597" y="2173797"/>
+              <a:ext cx="1960359" cy="1960359"/>
+            </a:xfrm>
+            <a:prstGeom prst="rect">
+              <a:avLst/>
+            </a:prstGeom>
+          </p:spPr>
+        </p:pic>
+      </p:grpSp>
     </p:spTree>
     <p:extLst>
       <p:ext uri="{BB962C8B-B14F-4D97-AF65-F5344CB8AC3E}">
-        <p14:creationId xmlns:p14="http://schemas.microsoft.com/office/powerpoint/2010/main" val="1033605928"/>
+        <p14:creationId xmlns:p14="http://schemas.microsoft.com/office/powerpoint/2010/main" val="536290840"/>
       </p:ext>
     </p:extLst>
   </p:cSld>
   <p:clrMapOvr>
     <a:masterClrMapping/>
   </p:clrMapOvr>
-  <mc:AlternateContent xmlns:mc="http://schemas.openxmlformats.org/markup-compatibility/2006" xmlns:p14="http://schemas.microsoft.com/office/powerpoint/2010/main">
-    <mc:Choice Requires="p14">
-      <p:transition spd="med" p14:dur="700">
-        <p:fade/>
-      </p:transition>
+  <mc:AlternateContent xmlns:mc="http://schemas.openxmlformats.org/markup-compatibility/2006">
+    <mc:Choice xmlns:p14="http://schemas.microsoft.com/office/powerpoint/2010/main" Requires="p14">
+      <p:transition p14:dur="0"/>
     </mc:Choice>
-    <mc:Fallback xmlns="">
-      <p:transition spd="med">
-        <p:fade/>
-      </p:transition>
+    <mc:Fallback>
+      <p:transition/>
     </mc:Fallback>
   </mc:AlternateContent>
   <p:timing>
@@ -4346,16 +4513,12 @@
   <p:clrMapOvr>
     <a:masterClrMapping/>
   </p:clrMapOvr>
-  <mc:AlternateContent xmlns:mc="http://schemas.openxmlformats.org/markup-compatibility/2006" xmlns:p14="http://schemas.microsoft.com/office/powerpoint/2010/main">
-    <mc:Choice Requires="p14">
-      <p:transition spd="med" p14:dur="700">
-        <p:fade/>
-      </p:transition>
+  <mc:AlternateContent xmlns:mc="http://schemas.openxmlformats.org/markup-compatibility/2006">
+    <mc:Choice xmlns:p14="http://schemas.microsoft.com/office/powerpoint/2010/main" Requires="p14">
+      <p:transition p14:dur="0"/>
     </mc:Choice>
-    <mc:Fallback xmlns="">
-      <p:transition spd="med">
-        <p:fade/>
-      </p:transition>
+    <mc:Fallback>
+      <p:transition/>
     </mc:Fallback>
   </mc:AlternateContent>
   <p:timing>
@@ -4369,6 +4532,683 @@
 </file>
 
 <file path=ppt/slides/slide4.xml><?xml version="1.0" encoding="utf-8"?>
+<p:sld xmlns:a="http://schemas.openxmlformats.org/drawingml/2006/main" xmlns:r="http://schemas.openxmlformats.org/officeDocument/2006/relationships" xmlns:p="http://schemas.openxmlformats.org/presentationml/2006/main">
+  <p:cSld>
+    <p:spTree>
+      <p:nvGrpSpPr>
+        <p:cNvPr id="1" name=""/>
+        <p:cNvGrpSpPr/>
+        <p:nvPr/>
+      </p:nvGrpSpPr>
+      <p:grpSpPr>
+        <a:xfrm>
+          <a:off x="0" y="0"/>
+          <a:ext cx="0" cy="0"/>
+          <a:chOff x="0" y="0"/>
+          <a:chExt cx="0" cy="0"/>
+        </a:xfrm>
+      </p:grpSpPr>
+      <p:pic>
+        <p:nvPicPr>
+          <p:cNvPr id="4" name="Picture 22" descr="http://www.correiodoestadoonline.com.br/arquivos/noticias/3.png"/>
+          <p:cNvPicPr>
+            <a:picLocks noChangeAspect="1" noChangeArrowheads="1"/>
+          </p:cNvPicPr>
+          <p:nvPr/>
+        </p:nvPicPr>
+        <p:blipFill>
+          <a:blip r:embed="rId2">
+            <a:extLst>
+              <a:ext uri="{BEBA8EAE-BF5A-486C-A8C5-ECC9F3942E4B}">
+                <a14:imgProps xmlns:a14="http://schemas.microsoft.com/office/drawing/2010/main">
+                  <a14:imgLayer r:embed="rId3">
+                    <a14:imgEffect>
+                      <a14:sharpenSoften amount="-80000"/>
+                    </a14:imgEffect>
+                    <a14:imgEffect>
+                      <a14:brightnessContrast bright="-46000"/>
+                    </a14:imgEffect>
+                  </a14:imgLayer>
+                </a14:imgProps>
+              </a:ext>
+              <a:ext uri="{28A0092B-C50C-407E-A947-70E740481C1C}">
+                <a14:useLocalDpi xmlns:a14="http://schemas.microsoft.com/office/drawing/2010/main" val="0"/>
+              </a:ext>
+            </a:extLst>
+          </a:blip>
+          <a:srcRect/>
+          <a:stretch>
+            <a:fillRect/>
+          </a:stretch>
+        </p:blipFill>
+        <p:spPr bwMode="auto">
+          <a:xfrm>
+            <a:off x="0" y="0"/>
+            <a:ext cx="12192000" cy="6863907"/>
+          </a:xfrm>
+          <a:prstGeom prst="rect">
+            <a:avLst/>
+          </a:prstGeom>
+          <a:noFill/>
+        </p:spPr>
+      </p:pic>
+      <p:sp>
+        <p:nvSpPr>
+          <p:cNvPr id="3" name="Retângulo 2"/>
+          <p:cNvSpPr/>
+          <p:nvPr/>
+        </p:nvSpPr>
+        <p:spPr>
+          <a:xfrm>
+            <a:off x="0" y="5907"/>
+            <a:ext cx="12192000" cy="6858000"/>
+          </a:xfrm>
+          <a:prstGeom prst="rect">
+            <a:avLst/>
+          </a:prstGeom>
+          <a:solidFill>
+            <a:schemeClr val="tx1">
+              <a:lumMod val="95000"/>
+              <a:lumOff val="5000"/>
+              <a:alpha val="87000"/>
+            </a:schemeClr>
+          </a:solidFill>
+          <a:ln>
+            <a:noFill/>
+          </a:ln>
+        </p:spPr>
+        <p:style>
+          <a:lnRef idx="2">
+            <a:schemeClr val="dk1"/>
+          </a:lnRef>
+          <a:fillRef idx="1">
+            <a:schemeClr val="lt1"/>
+          </a:fillRef>
+          <a:effectRef idx="0">
+            <a:schemeClr val="dk1"/>
+          </a:effectRef>
+          <a:fontRef idx="minor">
+            <a:schemeClr val="dk1"/>
+          </a:fontRef>
+        </p:style>
+        <p:txBody>
+          <a:bodyPr rtlCol="0" anchor="ctr"/>
+          <a:lstStyle/>
+          <a:p>
+            <a:pPr algn="ctr"/>
+            <a:endParaRPr lang="pt-BR"/>
+          </a:p>
+        </p:txBody>
+      </p:sp>
+      <p:sp>
+        <p:nvSpPr>
+          <p:cNvPr id="6" name="Retângulo 5"/>
+          <p:cNvSpPr/>
+          <p:nvPr/>
+        </p:nvSpPr>
+        <p:spPr>
+          <a:xfrm>
+            <a:off x="126222" y="198787"/>
+            <a:ext cx="6985778" cy="707886"/>
+          </a:xfrm>
+          <a:prstGeom prst="rect">
+            <a:avLst/>
+          </a:prstGeom>
+          <a:noFill/>
+          <a:effectLst/>
+        </p:spPr>
+        <p:txBody>
+          <a:bodyPr wrap="square" lIns="91440" tIns="45720" rIns="91440" bIns="45720">
+            <a:spAutoFit/>
+          </a:bodyPr>
+          <a:lstStyle/>
+          <a:p>
+            <a:pPr algn="just"/>
+            <a:r>
+              <a:rPr lang="pt-BR" sz="4000" b="1" cap="none" spc="0" dirty="0" smtClean="0">
+                <a:ln w="0"/>
+                <a:solidFill>
+                  <a:schemeClr val="bg1"/>
+                </a:solidFill>
+                <a:effectLst>
+                  <a:outerShdw blurRad="38100" dist="19050" dir="2700000" algn="tl" rotWithShape="0">
+                    <a:schemeClr val="dk1">
+                      <a:alpha val="40000"/>
+                    </a:schemeClr>
+                  </a:outerShdw>
+                </a:effectLst>
+                <a:latin typeface="Exo 2 Medium" panose="00000600000000000000" pitchFamily="50" charset="0"/>
+              </a:rPr>
+              <a:t>JUSTIFICATIVA</a:t>
+            </a:r>
+            <a:endParaRPr lang="pt-BR" sz="4000" b="1" cap="none" spc="0" dirty="0">
+              <a:ln w="0"/>
+              <a:solidFill>
+                <a:schemeClr val="bg1"/>
+              </a:solidFill>
+              <a:effectLst>
+                <a:outerShdw blurRad="38100" dist="19050" dir="2700000" algn="tl" rotWithShape="0">
+                  <a:schemeClr val="dk1">
+                    <a:alpha val="40000"/>
+                  </a:schemeClr>
+                </a:outerShdw>
+              </a:effectLst>
+              <a:latin typeface="Exo 2 Medium" panose="00000600000000000000" pitchFamily="50" charset="0"/>
+            </a:endParaRPr>
+          </a:p>
+        </p:txBody>
+      </p:sp>
+      <p:cxnSp>
+        <p:nvCxnSpPr>
+          <p:cNvPr id="7" name="Conector reto 6">
+            <a:extLst>
+              <a:ext uri="{FF2B5EF4-FFF2-40B4-BE49-F238E27FC236}">
+                <a16:creationId xmlns:a16="http://schemas.microsoft.com/office/drawing/2014/main" id="{6510727C-C843-4D84-A07F-20F37366891D}"/>
+              </a:ext>
+            </a:extLst>
+          </p:cNvPr>
+          <p:cNvCxnSpPr/>
+          <p:nvPr/>
+        </p:nvCxnSpPr>
+        <p:spPr>
+          <a:xfrm>
+            <a:off x="0" y="1105459"/>
+            <a:ext cx="6325704" cy="0"/>
+          </a:xfrm>
+          <a:prstGeom prst="line">
+            <a:avLst/>
+          </a:prstGeom>
+          <a:ln>
+            <a:solidFill>
+              <a:schemeClr val="bg1"/>
+            </a:solidFill>
+          </a:ln>
+          <a:effectLst/>
+        </p:spPr>
+        <p:style>
+          <a:lnRef idx="1">
+            <a:schemeClr val="accent1"/>
+          </a:lnRef>
+          <a:fillRef idx="0">
+            <a:schemeClr val="accent1"/>
+          </a:fillRef>
+          <a:effectRef idx="0">
+            <a:schemeClr val="accent1"/>
+          </a:effectRef>
+          <a:fontRef idx="minor">
+            <a:schemeClr val="tx1"/>
+          </a:fontRef>
+        </p:style>
+      </p:cxnSp>
+      <p:sp>
+        <p:nvSpPr>
+          <p:cNvPr id="10" name="Elipse 9"/>
+          <p:cNvSpPr/>
+          <p:nvPr/>
+        </p:nvSpPr>
+        <p:spPr>
+          <a:xfrm>
+            <a:off x="1251250" y="1804754"/>
+            <a:ext cx="4353952" cy="4353952"/>
+          </a:xfrm>
+          <a:prstGeom prst="ellipse">
+            <a:avLst/>
+          </a:prstGeom>
+          <a:solidFill>
+            <a:schemeClr val="bg1"/>
+          </a:solidFill>
+          <a:ln>
+            <a:noFill/>
+          </a:ln>
+          <a:effectLst>
+            <a:outerShdw blurRad="50800" dist="38100" dir="2700000" algn="tl" rotWithShape="0">
+              <a:prstClr val="black">
+                <a:alpha val="40000"/>
+              </a:prstClr>
+            </a:outerShdw>
+          </a:effectLst>
+        </p:spPr>
+        <p:style>
+          <a:lnRef idx="2">
+            <a:schemeClr val="accent1">
+              <a:shade val="50000"/>
+            </a:schemeClr>
+          </a:lnRef>
+          <a:fillRef idx="1">
+            <a:schemeClr val="accent1"/>
+          </a:fillRef>
+          <a:effectRef idx="0">
+            <a:schemeClr val="accent1"/>
+          </a:effectRef>
+          <a:fontRef idx="minor">
+            <a:schemeClr val="lt1"/>
+          </a:fontRef>
+        </p:style>
+        <p:txBody>
+          <a:bodyPr rtlCol="0" anchor="ctr"/>
+          <a:lstStyle/>
+          <a:p>
+            <a:pPr algn="ctr"/>
+            <a:endParaRPr lang="pt-BR"/>
+          </a:p>
+        </p:txBody>
+      </p:sp>
+      <p:pic>
+        <p:nvPicPr>
+          <p:cNvPr id="2050" name="Picture 2" descr="Resultado de imagem para MONEY vector"/>
+          <p:cNvPicPr>
+            <a:picLocks noChangeAspect="1" noChangeArrowheads="1"/>
+          </p:cNvPicPr>
+          <p:nvPr/>
+        </p:nvPicPr>
+        <p:blipFill>
+          <a:blip r:embed="rId4">
+            <a:extLst>
+              <a:ext uri="{28A0092B-C50C-407E-A947-70E740481C1C}">
+                <a14:useLocalDpi xmlns:a14="http://schemas.microsoft.com/office/drawing/2010/main" val="0"/>
+              </a:ext>
+            </a:extLst>
+          </a:blip>
+          <a:srcRect/>
+          <a:stretch>
+            <a:fillRect/>
+          </a:stretch>
+        </p:blipFill>
+        <p:spPr bwMode="auto">
+          <a:xfrm>
+            <a:off x="1864650" y="2421107"/>
+            <a:ext cx="3127152" cy="3127153"/>
+          </a:xfrm>
+          <a:prstGeom prst="rect">
+            <a:avLst/>
+          </a:prstGeom>
+          <a:noFill/>
+          <a:extLst>
+            <a:ext uri="{909E8E84-426E-40DD-AFC4-6F175D3DCCD1}">
+              <a14:hiddenFill xmlns:a14="http://schemas.microsoft.com/office/drawing/2010/main">
+                <a:solidFill>
+                  <a:srgbClr val="FFFFFF"/>
+                </a:solidFill>
+              </a14:hiddenFill>
+            </a:ext>
+          </a:extLst>
+        </p:spPr>
+      </p:pic>
+    </p:spTree>
+    <p:extLst>
+      <p:ext uri="{BB962C8B-B14F-4D97-AF65-F5344CB8AC3E}">
+        <p14:creationId xmlns:p14="http://schemas.microsoft.com/office/powerpoint/2010/main" val="3876468129"/>
+      </p:ext>
+    </p:extLst>
+  </p:cSld>
+  <p:clrMapOvr>
+    <a:masterClrMapping/>
+  </p:clrMapOvr>
+  <mc:AlternateContent xmlns:mc="http://schemas.openxmlformats.org/markup-compatibility/2006">
+    <mc:Choice xmlns:p14="http://schemas.microsoft.com/office/powerpoint/2010/main" Requires="p14">
+      <p:transition p14:dur="0"/>
+    </mc:Choice>
+    <mc:Fallback>
+      <p:transition/>
+    </mc:Fallback>
+  </mc:AlternateContent>
+  <p:timing>
+    <p:tnLst>
+      <p:par>
+        <p:cTn id="1" dur="indefinite" restart="never" nodeType="tmRoot"/>
+      </p:par>
+    </p:tnLst>
+  </p:timing>
+</p:sld>
+</file>
+
+<file path=ppt/slides/slide5.xml><?xml version="1.0" encoding="utf-8"?>
+<p:sld xmlns:a="http://schemas.openxmlformats.org/drawingml/2006/main" xmlns:r="http://schemas.openxmlformats.org/officeDocument/2006/relationships" xmlns:p="http://schemas.openxmlformats.org/presentationml/2006/main">
+  <p:cSld>
+    <p:spTree>
+      <p:nvGrpSpPr>
+        <p:cNvPr id="1" name=""/>
+        <p:cNvGrpSpPr/>
+        <p:nvPr/>
+      </p:nvGrpSpPr>
+      <p:grpSpPr>
+        <a:xfrm>
+          <a:off x="0" y="0"/>
+          <a:ext cx="0" cy="0"/>
+          <a:chOff x="0" y="0"/>
+          <a:chExt cx="0" cy="0"/>
+        </a:xfrm>
+      </p:grpSpPr>
+      <p:pic>
+        <p:nvPicPr>
+          <p:cNvPr id="6" name="Picture 22" descr="http://www.correiodoestadoonline.com.br/arquivos/noticias/3.png"/>
+          <p:cNvPicPr>
+            <a:picLocks noChangeAspect="1" noChangeArrowheads="1"/>
+          </p:cNvPicPr>
+          <p:nvPr/>
+        </p:nvPicPr>
+        <p:blipFill>
+          <a:blip r:embed="rId2">
+            <a:extLst>
+              <a:ext uri="{BEBA8EAE-BF5A-486C-A8C5-ECC9F3942E4B}">
+                <a14:imgProps xmlns:a14="http://schemas.microsoft.com/office/drawing/2010/main">
+                  <a14:imgLayer r:embed="rId3">
+                    <a14:imgEffect>
+                      <a14:sharpenSoften amount="-80000"/>
+                    </a14:imgEffect>
+                    <a14:imgEffect>
+                      <a14:brightnessContrast bright="-46000"/>
+                    </a14:imgEffect>
+                  </a14:imgLayer>
+                </a14:imgProps>
+              </a:ext>
+              <a:ext uri="{28A0092B-C50C-407E-A947-70E740481C1C}">
+                <a14:useLocalDpi xmlns:a14="http://schemas.microsoft.com/office/drawing/2010/main" val="0"/>
+              </a:ext>
+            </a:extLst>
+          </a:blip>
+          <a:srcRect/>
+          <a:stretch>
+            <a:fillRect/>
+          </a:stretch>
+        </p:blipFill>
+        <p:spPr bwMode="auto">
+          <a:xfrm>
+            <a:off x="0" y="0"/>
+            <a:ext cx="12192000" cy="6863907"/>
+          </a:xfrm>
+          <a:prstGeom prst="rect">
+            <a:avLst/>
+          </a:prstGeom>
+          <a:noFill/>
+        </p:spPr>
+      </p:pic>
+      <p:sp>
+        <p:nvSpPr>
+          <p:cNvPr id="8" name="Retângulo 7"/>
+          <p:cNvSpPr/>
+          <p:nvPr/>
+        </p:nvSpPr>
+        <p:spPr>
+          <a:xfrm>
+            <a:off x="0" y="0"/>
+            <a:ext cx="12192000" cy="6863907"/>
+          </a:xfrm>
+          <a:prstGeom prst="rect">
+            <a:avLst/>
+          </a:prstGeom>
+          <a:solidFill>
+            <a:schemeClr val="tx1">
+              <a:alpha val="11000"/>
+            </a:schemeClr>
+          </a:solidFill>
+          <a:ln>
+            <a:noFill/>
+          </a:ln>
+        </p:spPr>
+        <p:style>
+          <a:lnRef idx="2">
+            <a:schemeClr val="accent1">
+              <a:shade val="50000"/>
+            </a:schemeClr>
+          </a:lnRef>
+          <a:fillRef idx="1">
+            <a:schemeClr val="accent1"/>
+          </a:fillRef>
+          <a:effectRef idx="0">
+            <a:schemeClr val="accent1"/>
+          </a:effectRef>
+          <a:fontRef idx="minor">
+            <a:schemeClr val="lt1"/>
+          </a:fontRef>
+        </p:style>
+        <p:txBody>
+          <a:bodyPr rtlCol="0" anchor="ctr"/>
+          <a:lstStyle/>
+          <a:p>
+            <a:pPr algn="ctr"/>
+            <a:endParaRPr lang="pt-BR"/>
+          </a:p>
+        </p:txBody>
+      </p:sp>
+      <p:sp>
+        <p:nvSpPr>
+          <p:cNvPr id="21" name="Elipse 20"/>
+          <p:cNvSpPr/>
+          <p:nvPr/>
+        </p:nvSpPr>
+        <p:spPr>
+          <a:xfrm>
+            <a:off x="3919022" y="577039"/>
+            <a:ext cx="4353952" cy="4353952"/>
+          </a:xfrm>
+          <a:prstGeom prst="ellipse">
+            <a:avLst/>
+          </a:prstGeom>
+          <a:solidFill>
+            <a:schemeClr val="bg1"/>
+          </a:solidFill>
+          <a:ln>
+            <a:noFill/>
+          </a:ln>
+          <a:effectLst>
+            <a:outerShdw blurRad="50800" dist="38100" dir="2700000" algn="tl" rotWithShape="0">
+              <a:prstClr val="black">
+                <a:alpha val="40000"/>
+              </a:prstClr>
+            </a:outerShdw>
+          </a:effectLst>
+        </p:spPr>
+        <p:style>
+          <a:lnRef idx="2">
+            <a:schemeClr val="accent1">
+              <a:shade val="50000"/>
+            </a:schemeClr>
+          </a:lnRef>
+          <a:fillRef idx="1">
+            <a:schemeClr val="accent1"/>
+          </a:fillRef>
+          <a:effectRef idx="0">
+            <a:schemeClr val="accent1"/>
+          </a:effectRef>
+          <a:fontRef idx="minor">
+            <a:schemeClr val="lt1"/>
+          </a:fontRef>
+        </p:style>
+        <p:txBody>
+          <a:bodyPr rtlCol="0" anchor="ctr"/>
+          <a:lstStyle/>
+          <a:p>
+            <a:pPr algn="ctr"/>
+            <a:endParaRPr lang="pt-BR"/>
+          </a:p>
+        </p:txBody>
+      </p:sp>
+      <p:pic>
+        <p:nvPicPr>
+          <p:cNvPr id="10" name="Imagem 9"/>
+          <p:cNvPicPr>
+            <a:picLocks noChangeAspect="1"/>
+          </p:cNvPicPr>
+          <p:nvPr/>
+        </p:nvPicPr>
+        <p:blipFill rotWithShape="1">
+          <a:blip r:embed="rId4">
+            <a:extLst>
+              <a:ext uri="{28A0092B-C50C-407E-A947-70E740481C1C}">
+                <a14:useLocalDpi xmlns:a14="http://schemas.microsoft.com/office/drawing/2010/main" val="0"/>
+              </a:ext>
+            </a:extLst>
+          </a:blip>
+          <a:srcRect l="11820" t="62755" r="13058" b="8894"/>
+          <a:stretch/>
+        </p:blipFill>
+        <p:spPr>
+          <a:xfrm>
+            <a:off x="4603748" y="3066346"/>
+            <a:ext cx="2990852" cy="725624"/>
+          </a:xfrm>
+          <a:prstGeom prst="rect">
+            <a:avLst/>
+          </a:prstGeom>
+        </p:spPr>
+      </p:pic>
+      <p:sp>
+        <p:nvSpPr>
+          <p:cNvPr id="15" name="Retângulo 14"/>
+          <p:cNvSpPr/>
+          <p:nvPr/>
+        </p:nvSpPr>
+        <p:spPr>
+          <a:xfrm>
+            <a:off x="2921943" y="5261869"/>
+            <a:ext cx="6348109" cy="830997"/>
+          </a:xfrm>
+          <a:prstGeom prst="rect">
+            <a:avLst/>
+          </a:prstGeom>
+          <a:noFill/>
+        </p:spPr>
+        <p:txBody>
+          <a:bodyPr wrap="square" lIns="91440" tIns="45720" rIns="91440" bIns="45720">
+            <a:spAutoFit/>
+          </a:bodyPr>
+          <a:lstStyle/>
+          <a:p>
+            <a:pPr algn="ctr"/>
+            <a:r>
+              <a:rPr lang="pt-BR" sz="2400" b="1" dirty="0" smtClean="0">
+                <a:ln w="0"/>
+                <a:solidFill>
+                  <a:schemeClr val="bg1"/>
+                </a:solidFill>
+                <a:effectLst>
+                  <a:outerShdw blurRad="38100" dist="19050" dir="2700000" algn="tl" rotWithShape="0">
+                    <a:schemeClr val="dk1">
+                      <a:alpha val="40000"/>
+                    </a:schemeClr>
+                  </a:outerShdw>
+                </a:effectLst>
+                <a:latin typeface="Exo 2 Extra Light" panose="00000300000000000000" pitchFamily="50" charset="0"/>
+              </a:rPr>
+              <a:t>SISTEMA DE TEMPERATURA E UMIDADE PARA INCUBADORAS NEONATAL</a:t>
+            </a:r>
+            <a:endParaRPr lang="pt-BR" sz="2400" b="1" cap="none" spc="0" dirty="0">
+              <a:ln w="0"/>
+              <a:solidFill>
+                <a:schemeClr val="bg1"/>
+              </a:solidFill>
+              <a:effectLst>
+                <a:outerShdw blurRad="38100" dist="19050" dir="2700000" algn="tl" rotWithShape="0">
+                  <a:schemeClr val="dk1">
+                    <a:alpha val="40000"/>
+                  </a:schemeClr>
+                </a:outerShdw>
+              </a:effectLst>
+              <a:latin typeface="Exo 2 Extra Light" panose="00000300000000000000" pitchFamily="50" charset="0"/>
+            </a:endParaRPr>
+          </a:p>
+        </p:txBody>
+      </p:sp>
+      <p:pic>
+        <p:nvPicPr>
+          <p:cNvPr id="22" name="Imagem 21"/>
+          <p:cNvPicPr>
+            <a:picLocks noChangeAspect="1"/>
+          </p:cNvPicPr>
+          <p:nvPr/>
+        </p:nvPicPr>
+        <p:blipFill rotWithShape="1">
+          <a:blip r:embed="rId5">
+            <a:extLst>
+              <a:ext uri="{28A0092B-C50C-407E-A947-70E740481C1C}">
+                <a14:useLocalDpi xmlns:a14="http://schemas.microsoft.com/office/drawing/2010/main" val="0"/>
+              </a:ext>
+            </a:extLst>
+          </a:blip>
+          <a:srcRect b="29506"/>
+          <a:stretch/>
+        </p:blipFill>
+        <p:spPr>
+          <a:xfrm>
+            <a:off x="4854092" y="1520107"/>
+            <a:ext cx="2483812" cy="1493444"/>
+          </a:xfrm>
+          <a:prstGeom prst="rect">
+            <a:avLst/>
+          </a:prstGeom>
+        </p:spPr>
+      </p:pic>
+      <p:cxnSp>
+        <p:nvCxnSpPr>
+          <p:cNvPr id="7" name="Conector reto 6">
+            <a:extLst>
+              <a:ext uri="{FF2B5EF4-FFF2-40B4-BE49-F238E27FC236}">
+                <a16:creationId xmlns:a16="http://schemas.microsoft.com/office/drawing/2014/main" id="{6510727C-C843-4D84-A07F-20F37366891D}"/>
+              </a:ext>
+            </a:extLst>
+          </p:cNvPr>
+          <p:cNvCxnSpPr/>
+          <p:nvPr/>
+        </p:nvCxnSpPr>
+        <p:spPr>
+          <a:xfrm>
+            <a:off x="5433530" y="5170077"/>
+            <a:ext cx="1303820" cy="0"/>
+          </a:xfrm>
+          <a:prstGeom prst="line">
+            <a:avLst/>
+          </a:prstGeom>
+          <a:ln>
+            <a:solidFill>
+              <a:schemeClr val="bg1"/>
+            </a:solidFill>
+          </a:ln>
+        </p:spPr>
+        <p:style>
+          <a:lnRef idx="1">
+            <a:schemeClr val="accent1"/>
+          </a:lnRef>
+          <a:fillRef idx="0">
+            <a:schemeClr val="accent1"/>
+          </a:fillRef>
+          <a:effectRef idx="0">
+            <a:schemeClr val="accent1"/>
+          </a:effectRef>
+          <a:fontRef idx="minor">
+            <a:schemeClr val="tx1"/>
+          </a:fontRef>
+        </p:style>
+      </p:cxnSp>
+    </p:spTree>
+    <p:extLst>
+      <p:ext uri="{BB962C8B-B14F-4D97-AF65-F5344CB8AC3E}">
+        <p14:creationId xmlns:p14="http://schemas.microsoft.com/office/powerpoint/2010/main" val="1033605928"/>
+      </p:ext>
+    </p:extLst>
+  </p:cSld>
+  <p:clrMapOvr>
+    <a:masterClrMapping/>
+  </p:clrMapOvr>
+  <mc:AlternateContent xmlns:mc="http://schemas.openxmlformats.org/markup-compatibility/2006">
+    <mc:Choice xmlns:p14="http://schemas.microsoft.com/office/powerpoint/2010/main" Requires="p14">
+      <p:transition p14:dur="0"/>
+    </mc:Choice>
+    <mc:Fallback>
+      <p:transition/>
+    </mc:Fallback>
+  </mc:AlternateContent>
+  <p:timing>
+    <p:tnLst>
+      <p:par>
+        <p:cTn id="1" dur="indefinite" restart="never" nodeType="tmRoot"/>
+      </p:par>
+    </p:tnLst>
+  </p:timing>
+</p:sld>
+</file>
+
+<file path=ppt/slides/slide6.xml><?xml version="1.0" encoding="utf-8"?>
 <p:sld xmlns:a="http://schemas.openxmlformats.org/drawingml/2006/main" xmlns:r="http://schemas.openxmlformats.org/officeDocument/2006/relationships" xmlns:p="http://schemas.openxmlformats.org/presentationml/2006/main">
   <p:cSld>
     <p:spTree>
@@ -6123,7 +6963,7 @@
 </p:sld>
 </file>
 
-<file path=ppt/slides/slide5.xml><?xml version="1.0" encoding="utf-8"?>
+<file path=ppt/slides/slide7.xml><?xml version="1.0" encoding="utf-8"?>
 <p:sld xmlns:a="http://schemas.openxmlformats.org/drawingml/2006/main" xmlns:r="http://schemas.openxmlformats.org/officeDocument/2006/relationships" xmlns:p="http://schemas.openxmlformats.org/presentationml/2006/main">
   <p:cSld>
     <p:spTree>
@@ -7767,7 +8607,7 @@
 </p:sld>
 </file>
 
-<file path=ppt/slides/slide6.xml><?xml version="1.0" encoding="utf-8"?>
+<file path=ppt/slides/slide8.xml><?xml version="1.0" encoding="utf-8"?>
 <p:sld xmlns:a="http://schemas.openxmlformats.org/drawingml/2006/main" xmlns:r="http://schemas.openxmlformats.org/officeDocument/2006/relationships" xmlns:p="http://schemas.openxmlformats.org/presentationml/2006/main">
   <p:cSld>
     <p:spTree>

--- a/Apresentação/inSensor.pptx
+++ b/Apresentação/inSensor.pptx
@@ -10,9 +10,11 @@
     <p:sldId id="258" r:id="rId4"/>
     <p:sldId id="263" r:id="rId5"/>
     <p:sldId id="256" r:id="rId6"/>
-    <p:sldId id="260" r:id="rId7"/>
-    <p:sldId id="261" r:id="rId8"/>
-    <p:sldId id="262" r:id="rId9"/>
+    <p:sldId id="265" r:id="rId7"/>
+    <p:sldId id="260" r:id="rId8"/>
+    <p:sldId id="261" r:id="rId9"/>
+    <p:sldId id="262" r:id="rId10"/>
+    <p:sldId id="266" r:id="rId11"/>
   </p:sldIdLst>
   <p:sldSz cx="12192000" cy="6858000"/>
   <p:notesSz cx="6858000" cy="9144000"/>
@@ -3629,6 +3631,80 @@
           </a:p>
         </p:txBody>
       </p:sp>
+      <p:pic>
+        <p:nvPicPr>
+          <p:cNvPr id="17" name="Imagem 16">
+            <a:extLst>
+              <a:ext uri="{FF2B5EF4-FFF2-40B4-BE49-F238E27FC236}">
+                <a16:creationId xmlns:a16="http://schemas.microsoft.com/office/drawing/2014/main" id="{FE19BE6A-7136-4270-BC7B-F58B33793FEC}"/>
+              </a:ext>
+            </a:extLst>
+          </p:cNvPr>
+          <p:cNvPicPr>
+            <a:picLocks noChangeAspect="1"/>
+          </p:cNvPicPr>
+          <p:nvPr/>
+        </p:nvPicPr>
+        <p:blipFill>
+          <a:blip r:embed="rId4" cstate="print">
+            <a:extLst>
+              <a:ext uri="{28A0092B-C50C-407E-A947-70E740481C1C}">
+                <a14:useLocalDpi xmlns:a14="http://schemas.microsoft.com/office/drawing/2010/main" val="0"/>
+              </a:ext>
+            </a:extLst>
+          </a:blip>
+          <a:stretch>
+            <a:fillRect/>
+          </a:stretch>
+        </p:blipFill>
+        <p:spPr>
+          <a:xfrm>
+            <a:off x="8000676" y="4619654"/>
+            <a:ext cx="2768600" cy="738293"/>
+          </a:xfrm>
+          <a:prstGeom prst="rect">
+            <a:avLst/>
+          </a:prstGeom>
+          <a:effectLst/>
+        </p:spPr>
+      </p:pic>
+      <p:pic>
+        <p:nvPicPr>
+          <p:cNvPr id="18" name="Imagem 17">
+            <a:extLst>
+              <a:ext uri="{FF2B5EF4-FFF2-40B4-BE49-F238E27FC236}">
+                <a16:creationId xmlns:a16="http://schemas.microsoft.com/office/drawing/2014/main" id="{FE19BE6A-7136-4270-BC7B-F58B33793FEC}"/>
+              </a:ext>
+            </a:extLst>
+          </p:cNvPr>
+          <p:cNvPicPr>
+            <a:picLocks noChangeAspect="1"/>
+          </p:cNvPicPr>
+          <p:nvPr/>
+        </p:nvPicPr>
+        <p:blipFill>
+          <a:blip r:embed="rId4" cstate="print">
+            <a:extLst>
+              <a:ext uri="{28A0092B-C50C-407E-A947-70E740481C1C}">
+                <a14:useLocalDpi xmlns:a14="http://schemas.microsoft.com/office/drawing/2010/main" val="0"/>
+              </a:ext>
+            </a:extLst>
+          </a:blip>
+          <a:stretch>
+            <a:fillRect/>
+          </a:stretch>
+        </p:blipFill>
+        <p:spPr>
+          <a:xfrm>
+            <a:off x="97521" y="1797885"/>
+            <a:ext cx="12094479" cy="3225193"/>
+          </a:xfrm>
+          <a:prstGeom prst="rect">
+            <a:avLst/>
+          </a:prstGeom>
+          <a:effectLst/>
+        </p:spPr>
+      </p:pic>
     </p:spTree>
     <p:extLst>
       <p:ext uri="{BB962C8B-B14F-4D97-AF65-F5344CB8AC3E}">
@@ -3639,18 +3715,1897 @@
   <p:clrMapOvr>
     <a:masterClrMapping/>
   </p:clrMapOvr>
-  <mc:AlternateContent xmlns:mc="http://schemas.openxmlformats.org/markup-compatibility/2006">
-    <mc:Choice xmlns:p14="http://schemas.microsoft.com/office/powerpoint/2010/main" Requires="p14">
+  <mc:AlternateContent xmlns:mc="http://schemas.openxmlformats.org/markup-compatibility/2006" xmlns:p14="http://schemas.microsoft.com/office/powerpoint/2010/main">
+    <mc:Choice Requires="p14">
       <p:transition spd="med" p14:dur="700">
         <p:fade/>
       </p:transition>
     </mc:Choice>
-    <mc:Fallback>
+    <mc:Fallback xmlns="">
       <p:transition spd="med">
         <p:fade/>
       </p:transition>
     </mc:Fallback>
   </mc:AlternateContent>
+  <p:timing>
+    <p:tnLst>
+      <p:par>
+        <p:cTn id="1" dur="indefinite" restart="never" nodeType="tmRoot"/>
+      </p:par>
+    </p:tnLst>
+  </p:timing>
+</p:sld>
+</file>
+
+<file path=ppt/slides/slide10.xml><?xml version="1.0" encoding="utf-8"?>
+<p:sld xmlns:a="http://schemas.openxmlformats.org/drawingml/2006/main" xmlns:r="http://schemas.openxmlformats.org/officeDocument/2006/relationships" xmlns:p="http://schemas.openxmlformats.org/presentationml/2006/main">
+  <p:cSld>
+    <p:spTree>
+      <p:nvGrpSpPr>
+        <p:cNvPr id="1" name=""/>
+        <p:cNvGrpSpPr/>
+        <p:nvPr/>
+      </p:nvGrpSpPr>
+      <p:grpSpPr>
+        <a:xfrm>
+          <a:off x="0" y="0"/>
+          <a:ext cx="0" cy="0"/>
+          <a:chOff x="0" y="0"/>
+          <a:chExt cx="0" cy="0"/>
+        </a:xfrm>
+      </p:grpSpPr>
+      <p:grpSp>
+        <p:nvGrpSpPr>
+          <p:cNvPr id="6" name="Agrupar 5"/>
+          <p:cNvGrpSpPr/>
+          <p:nvPr/>
+        </p:nvGrpSpPr>
+        <p:grpSpPr>
+          <a:xfrm>
+            <a:off x="0" y="-5907"/>
+            <a:ext cx="12192000" cy="6863907"/>
+            <a:chOff x="0" y="0"/>
+            <a:chExt cx="12192000" cy="6863907"/>
+          </a:xfrm>
+        </p:grpSpPr>
+        <p:pic>
+          <p:nvPicPr>
+            <p:cNvPr id="7" name="Picture 22" descr="http://www.correiodoestadoonline.com.br/arquivos/noticias/3.png"/>
+            <p:cNvPicPr>
+              <a:picLocks noChangeAspect="1" noChangeArrowheads="1"/>
+            </p:cNvPicPr>
+            <p:nvPr/>
+          </p:nvPicPr>
+          <p:blipFill>
+            <a:blip r:embed="rId2">
+              <a:extLst>
+                <a:ext uri="{BEBA8EAE-BF5A-486C-A8C5-ECC9F3942E4B}">
+                  <a14:imgProps xmlns:a14="http://schemas.microsoft.com/office/drawing/2010/main">
+                    <a14:imgLayer r:embed="rId3">
+                      <a14:imgEffect>
+                        <a14:sharpenSoften amount="-80000"/>
+                      </a14:imgEffect>
+                      <a14:imgEffect>
+                        <a14:brightnessContrast bright="-46000"/>
+                      </a14:imgEffect>
+                    </a14:imgLayer>
+                  </a14:imgProps>
+                </a:ext>
+                <a:ext uri="{28A0092B-C50C-407E-A947-70E740481C1C}">
+                  <a14:useLocalDpi xmlns:a14="http://schemas.microsoft.com/office/drawing/2010/main" val="0"/>
+                </a:ext>
+              </a:extLst>
+            </a:blip>
+            <a:srcRect/>
+            <a:stretch>
+              <a:fillRect/>
+            </a:stretch>
+          </p:blipFill>
+          <p:spPr bwMode="auto">
+            <a:xfrm>
+              <a:off x="0" y="0"/>
+              <a:ext cx="12192000" cy="6863907"/>
+            </a:xfrm>
+            <a:prstGeom prst="rect">
+              <a:avLst/>
+            </a:prstGeom>
+            <a:noFill/>
+          </p:spPr>
+        </p:pic>
+        <p:sp>
+          <p:nvSpPr>
+            <p:cNvPr id="8" name="Retângulo 7"/>
+            <p:cNvSpPr/>
+            <p:nvPr/>
+          </p:nvSpPr>
+          <p:spPr>
+            <a:xfrm>
+              <a:off x="0" y="5907"/>
+              <a:ext cx="12192000" cy="6858000"/>
+            </a:xfrm>
+            <a:prstGeom prst="rect">
+              <a:avLst/>
+            </a:prstGeom>
+            <a:solidFill>
+              <a:schemeClr val="tx1">
+                <a:lumMod val="95000"/>
+                <a:lumOff val="5000"/>
+                <a:alpha val="87000"/>
+              </a:schemeClr>
+            </a:solidFill>
+            <a:ln>
+              <a:noFill/>
+            </a:ln>
+          </p:spPr>
+          <p:style>
+            <a:lnRef idx="2">
+              <a:schemeClr val="dk1"/>
+            </a:lnRef>
+            <a:fillRef idx="1">
+              <a:schemeClr val="lt1"/>
+            </a:fillRef>
+            <a:effectRef idx="0">
+              <a:schemeClr val="dk1"/>
+            </a:effectRef>
+            <a:fontRef idx="minor">
+              <a:schemeClr val="dk1"/>
+            </a:fontRef>
+          </p:style>
+          <p:txBody>
+            <a:bodyPr rtlCol="0" anchor="ctr"/>
+            <a:lstStyle/>
+            <a:p>
+              <a:pPr algn="ctr"/>
+              <a:endParaRPr lang="pt-BR" dirty="0"/>
+            </a:p>
+          </p:txBody>
+        </p:sp>
+      </p:grpSp>
+      <p:sp>
+        <p:nvSpPr>
+          <p:cNvPr id="9" name="Retângulo 8"/>
+          <p:cNvSpPr/>
+          <p:nvPr/>
+        </p:nvSpPr>
+        <p:spPr>
+          <a:xfrm>
+            <a:off x="126222" y="198787"/>
+            <a:ext cx="9627378" cy="707886"/>
+          </a:xfrm>
+          <a:prstGeom prst="rect">
+            <a:avLst/>
+          </a:prstGeom>
+          <a:noFill/>
+          <a:effectLst/>
+        </p:spPr>
+        <p:txBody>
+          <a:bodyPr wrap="square" lIns="91440" tIns="45720" rIns="91440" bIns="45720">
+            <a:spAutoFit/>
+          </a:bodyPr>
+          <a:lstStyle/>
+          <a:p>
+            <a:pPr algn="just"/>
+            <a:r>
+              <a:rPr lang="pt-BR" sz="4000" b="1" dirty="0" smtClean="0">
+                <a:ln w="0"/>
+                <a:solidFill>
+                  <a:schemeClr val="bg1"/>
+                </a:solidFill>
+                <a:effectLst>
+                  <a:outerShdw blurRad="38100" dist="19050" dir="2700000" algn="tl" rotWithShape="0">
+                    <a:schemeClr val="dk1">
+                      <a:alpha val="40000"/>
+                    </a:schemeClr>
+                  </a:outerShdw>
+                </a:effectLst>
+                <a:latin typeface="Exo 2 Medium" panose="00000600000000000000" pitchFamily="50" charset="0"/>
+              </a:rPr>
+              <a:t>AQUISIÇÃO DE DADOS COM ARDUÍNO</a:t>
+            </a:r>
+            <a:endParaRPr lang="pt-BR" sz="4000" b="1" cap="none" spc="0" dirty="0">
+              <a:ln w="0"/>
+              <a:solidFill>
+                <a:schemeClr val="bg1"/>
+              </a:solidFill>
+              <a:effectLst>
+                <a:outerShdw blurRad="38100" dist="19050" dir="2700000" algn="tl" rotWithShape="0">
+                  <a:schemeClr val="dk1">
+                    <a:alpha val="40000"/>
+                  </a:schemeClr>
+                </a:outerShdw>
+              </a:effectLst>
+              <a:latin typeface="Exo 2 Medium" panose="00000600000000000000" pitchFamily="50" charset="0"/>
+            </a:endParaRPr>
+          </a:p>
+        </p:txBody>
+      </p:sp>
+      <p:cxnSp>
+        <p:nvCxnSpPr>
+          <p:cNvPr id="10" name="Conector reto 9">
+            <a:extLst>
+              <a:ext uri="{FF2B5EF4-FFF2-40B4-BE49-F238E27FC236}">
+                <a16:creationId xmlns:a16="http://schemas.microsoft.com/office/drawing/2014/main" id="{6510727C-C843-4D84-A07F-20F37366891D}"/>
+              </a:ext>
+            </a:extLst>
+          </p:cNvPr>
+          <p:cNvCxnSpPr/>
+          <p:nvPr/>
+        </p:nvCxnSpPr>
+        <p:spPr>
+          <a:xfrm>
+            <a:off x="0" y="1105459"/>
+            <a:ext cx="6325704" cy="0"/>
+          </a:xfrm>
+          <a:prstGeom prst="line">
+            <a:avLst/>
+          </a:prstGeom>
+          <a:ln>
+            <a:solidFill>
+              <a:schemeClr val="bg1"/>
+            </a:solidFill>
+          </a:ln>
+          <a:effectLst/>
+        </p:spPr>
+        <p:style>
+          <a:lnRef idx="1">
+            <a:schemeClr val="accent1"/>
+          </a:lnRef>
+          <a:fillRef idx="0">
+            <a:schemeClr val="accent1"/>
+          </a:fillRef>
+          <a:effectRef idx="0">
+            <a:schemeClr val="accent1"/>
+          </a:effectRef>
+          <a:fontRef idx="minor">
+            <a:schemeClr val="tx1"/>
+          </a:fontRef>
+        </p:style>
+      </p:cxnSp>
+      <p:pic>
+        <p:nvPicPr>
+          <p:cNvPr id="2049" name="Imagem 2048"/>
+          <p:cNvPicPr>
+            <a:picLocks noChangeAspect="1"/>
+          </p:cNvPicPr>
+          <p:nvPr/>
+        </p:nvPicPr>
+        <p:blipFill rotWithShape="1">
+          <a:blip r:embed="rId4"/>
+          <a:srcRect t="52359" r="58868" b="957"/>
+          <a:stretch/>
+        </p:blipFill>
+        <p:spPr>
+          <a:xfrm>
+            <a:off x="5514850" y="4692649"/>
+            <a:ext cx="2271073" cy="1676401"/>
+          </a:xfrm>
+          <a:prstGeom prst="rect">
+            <a:avLst/>
+          </a:prstGeom>
+        </p:spPr>
+      </p:pic>
+      <p:pic>
+        <p:nvPicPr>
+          <p:cNvPr id="4" name="Picture 2" descr="Resultado de imagem para ARDUINO UNO"/>
+          <p:cNvPicPr>
+            <a:picLocks noChangeAspect="1" noChangeArrowheads="1"/>
+          </p:cNvPicPr>
+          <p:nvPr/>
+        </p:nvPicPr>
+        <p:blipFill>
+          <a:blip r:embed="rId5" cstate="print">
+            <a:extLst>
+              <a:ext uri="{28A0092B-C50C-407E-A947-70E740481C1C}">
+                <a14:useLocalDpi xmlns:a14="http://schemas.microsoft.com/office/drawing/2010/main" val="0"/>
+              </a:ext>
+            </a:extLst>
+          </a:blip>
+          <a:srcRect/>
+          <a:stretch>
+            <a:fillRect/>
+          </a:stretch>
+        </p:blipFill>
+        <p:spPr bwMode="auto">
+          <a:xfrm rot="16200000" flipH="1">
+            <a:off x="1060835" y="3716615"/>
+            <a:ext cx="3246474" cy="2299586"/>
+          </a:xfrm>
+          <a:prstGeom prst="rect">
+            <a:avLst/>
+          </a:prstGeom>
+          <a:noFill/>
+          <a:extLst>
+            <a:ext uri="{909E8E84-426E-40DD-AFC4-6F175D3DCCD1}">
+              <a14:hiddenFill xmlns:a14="http://schemas.microsoft.com/office/drawing/2010/main">
+                <a:solidFill>
+                  <a:srgbClr val="FFFFFF"/>
+                </a:solidFill>
+              </a14:hiddenFill>
+            </a:ext>
+          </a:extLst>
+        </p:spPr>
+      </p:pic>
+      <p:pic>
+        <p:nvPicPr>
+          <p:cNvPr id="2050" name="Picture 2" descr="Resultado de imagem para dht11"/>
+          <p:cNvPicPr>
+            <a:picLocks noChangeAspect="1" noChangeArrowheads="1"/>
+          </p:cNvPicPr>
+          <p:nvPr/>
+        </p:nvPicPr>
+        <p:blipFill rotWithShape="1">
+          <a:blip r:embed="rId6">
+            <a:extLst>
+              <a:ext uri="{BEBA8EAE-BF5A-486C-A8C5-ECC9F3942E4B}">
+                <a14:imgProps xmlns:a14="http://schemas.microsoft.com/office/drawing/2010/main">
+                  <a14:imgLayer r:embed="rId7">
+                    <a14:imgEffect>
+                      <a14:backgroundRemoval t="0" b="87667" l="0" r="48000">
+                        <a14:backgroundMark x1="13333" y1="17333" x2="13333" y2="17333"/>
+                        <a14:backgroundMark x1="22667" y1="17000" x2="22667" y2="17000"/>
+                        <a14:backgroundMark x1="33667" y1="18333" x2="33667" y2="18333"/>
+                        <a14:backgroundMark x1="34000" y1="26667" x2="34000" y2="26667"/>
+                        <a14:backgroundMark x1="34000" y1="37333" x2="34000" y2="37333"/>
+                        <a14:backgroundMark x1="22667" y1="36333" x2="22667" y2="36333"/>
+                        <a14:backgroundMark x1="22667" y1="29667" x2="22667" y2="29667"/>
+                        <a14:backgroundMark x1="14333" y1="27333" x2="14333" y2="27333"/>
+                        <a14:backgroundMark x1="14000" y1="39333" x2="14000" y2="39333"/>
+                        <a14:backgroundMark x1="13333" y1="50000" x2="13333" y2="50000"/>
+                        <a14:backgroundMark x1="24333" y1="49000" x2="24333" y2="49000"/>
+                        <a14:backgroundMark x1="33000" y1="49000" x2="33000" y2="49000"/>
+                      </a14:backgroundRemoval>
+                    </a14:imgEffect>
+                  </a14:imgLayer>
+                </a14:imgProps>
+              </a:ext>
+              <a:ext uri="{28A0092B-C50C-407E-A947-70E740481C1C}">
+                <a14:useLocalDpi xmlns:a14="http://schemas.microsoft.com/office/drawing/2010/main" val="0"/>
+              </a:ext>
+            </a:extLst>
+          </a:blip>
+          <a:srcRect t="4964" r="53068" b="14169"/>
+          <a:stretch/>
+        </p:blipFill>
+        <p:spPr bwMode="auto">
+          <a:xfrm>
+            <a:off x="5716153" y="3616249"/>
+            <a:ext cx="842478" cy="1289200"/>
+          </a:xfrm>
+          <a:prstGeom prst="rect">
+            <a:avLst/>
+          </a:prstGeom>
+          <a:noFill/>
+          <a:extLst>
+            <a:ext uri="{909E8E84-426E-40DD-AFC4-6F175D3DCCD1}">
+              <a14:hiddenFill xmlns:a14="http://schemas.microsoft.com/office/drawing/2010/main">
+                <a:solidFill>
+                  <a:srgbClr val="FFFFFF"/>
+                </a:solidFill>
+              </a14:hiddenFill>
+            </a:ext>
+          </a:extLst>
+        </p:spPr>
+      </p:pic>
+      <p:sp>
+        <p:nvSpPr>
+          <p:cNvPr id="2072" name="Elipse 2071"/>
+          <p:cNvSpPr/>
+          <p:nvPr/>
+        </p:nvSpPr>
+        <p:spPr>
+          <a:xfrm>
+            <a:off x="5836054" y="5133978"/>
+            <a:ext cx="76200" cy="76200"/>
+          </a:xfrm>
+          <a:prstGeom prst="ellipse">
+            <a:avLst/>
+          </a:prstGeom>
+          <a:ln>
+            <a:solidFill>
+              <a:schemeClr val="tx1"/>
+            </a:solidFill>
+          </a:ln>
+        </p:spPr>
+        <p:style>
+          <a:lnRef idx="2">
+            <a:schemeClr val="dk1">
+              <a:shade val="50000"/>
+            </a:schemeClr>
+          </a:lnRef>
+          <a:fillRef idx="1">
+            <a:schemeClr val="dk1"/>
+          </a:fillRef>
+          <a:effectRef idx="0">
+            <a:schemeClr val="dk1"/>
+          </a:effectRef>
+          <a:fontRef idx="minor">
+            <a:schemeClr val="lt1"/>
+          </a:fontRef>
+        </p:style>
+        <p:txBody>
+          <a:bodyPr rtlCol="0" anchor="ctr"/>
+          <a:lstStyle/>
+          <a:p>
+            <a:pPr algn="ctr"/>
+            <a:endParaRPr lang="pt-BR"/>
+          </a:p>
+        </p:txBody>
+      </p:sp>
+      <p:grpSp>
+        <p:nvGrpSpPr>
+          <p:cNvPr id="38" name="Agrupar 37"/>
+          <p:cNvGrpSpPr/>
+          <p:nvPr/>
+        </p:nvGrpSpPr>
+        <p:grpSpPr>
+          <a:xfrm>
+            <a:off x="3757665" y="1963096"/>
+            <a:ext cx="1055528" cy="1055528"/>
+            <a:chOff x="3086652" y="1482407"/>
+            <a:chExt cx="1055528" cy="1055528"/>
+          </a:xfrm>
+        </p:grpSpPr>
+        <p:sp>
+          <p:nvSpPr>
+            <p:cNvPr id="16" name="Elipse 15"/>
+            <p:cNvSpPr/>
+            <p:nvPr/>
+          </p:nvSpPr>
+          <p:spPr>
+            <a:xfrm>
+              <a:off x="3086652" y="1482407"/>
+              <a:ext cx="1055528" cy="1055528"/>
+            </a:xfrm>
+            <a:prstGeom prst="ellipse">
+              <a:avLst/>
+            </a:prstGeom>
+            <a:solidFill>
+              <a:schemeClr val="bg1"/>
+            </a:solidFill>
+            <a:ln>
+              <a:noFill/>
+            </a:ln>
+            <a:effectLst/>
+          </p:spPr>
+          <p:style>
+            <a:lnRef idx="2">
+              <a:schemeClr val="accent1">
+                <a:shade val="50000"/>
+              </a:schemeClr>
+            </a:lnRef>
+            <a:fillRef idx="1">
+              <a:schemeClr val="accent1"/>
+            </a:fillRef>
+            <a:effectRef idx="0">
+              <a:schemeClr val="accent1"/>
+            </a:effectRef>
+            <a:fontRef idx="minor">
+              <a:schemeClr val="lt1"/>
+            </a:fontRef>
+          </p:style>
+          <p:txBody>
+            <a:bodyPr rtlCol="0" anchor="ctr"/>
+            <a:lstStyle/>
+            <a:p>
+              <a:pPr algn="ctr"/>
+              <a:endParaRPr lang="pt-BR"/>
+            </a:p>
+          </p:txBody>
+        </p:sp>
+        <p:pic>
+          <p:nvPicPr>
+            <p:cNvPr id="2056" name="Picture 8" descr="Resultado de imagem para ARDUINO LOGO"/>
+            <p:cNvPicPr>
+              <a:picLocks noChangeAspect="1" noChangeArrowheads="1"/>
+            </p:cNvPicPr>
+            <p:nvPr/>
+          </p:nvPicPr>
+          <p:blipFill rotWithShape="1">
+            <a:blip r:embed="rId8" cstate="print">
+              <a:extLst>
+                <a:ext uri="{28A0092B-C50C-407E-A947-70E740481C1C}">
+                  <a14:useLocalDpi xmlns:a14="http://schemas.microsoft.com/office/drawing/2010/main" val="0"/>
+                </a:ext>
+              </a:extLst>
+            </a:blip>
+            <a:srcRect l="17986" t="9633" r="18680" b="8700"/>
+            <a:stretch/>
+          </p:blipFill>
+          <p:spPr bwMode="auto">
+            <a:xfrm>
+              <a:off x="3199734" y="1742810"/>
+              <a:ext cx="829364" cy="534722"/>
+            </a:xfrm>
+            <a:prstGeom prst="rect">
+              <a:avLst/>
+            </a:prstGeom>
+            <a:noFill/>
+            <a:extLst>
+              <a:ext uri="{909E8E84-426E-40DD-AFC4-6F175D3DCCD1}">
+                <a14:hiddenFill xmlns:a14="http://schemas.microsoft.com/office/drawing/2010/main">
+                  <a:solidFill>
+                    <a:srgbClr val="FFFFFF"/>
+                  </a:solidFill>
+                </a14:hiddenFill>
+              </a:ext>
+            </a:extLst>
+          </p:spPr>
+        </p:pic>
+      </p:grpSp>
+      <p:sp>
+        <p:nvSpPr>
+          <p:cNvPr id="42" name="Elipse 41"/>
+          <p:cNvSpPr/>
+          <p:nvPr/>
+        </p:nvSpPr>
+        <p:spPr>
+          <a:xfrm>
+            <a:off x="8134654" y="1965441"/>
+            <a:ext cx="1055528" cy="1055528"/>
+          </a:xfrm>
+          <a:prstGeom prst="ellipse">
+            <a:avLst/>
+          </a:prstGeom>
+          <a:solidFill>
+            <a:schemeClr val="bg1"/>
+          </a:solidFill>
+          <a:ln>
+            <a:noFill/>
+          </a:ln>
+          <a:effectLst/>
+        </p:spPr>
+        <p:style>
+          <a:lnRef idx="2">
+            <a:schemeClr val="accent1">
+              <a:shade val="50000"/>
+            </a:schemeClr>
+          </a:lnRef>
+          <a:fillRef idx="1">
+            <a:schemeClr val="accent1"/>
+          </a:fillRef>
+          <a:effectRef idx="0">
+            <a:schemeClr val="accent1"/>
+          </a:effectRef>
+          <a:fontRef idx="minor">
+            <a:schemeClr val="lt1"/>
+          </a:fontRef>
+        </p:style>
+        <p:txBody>
+          <a:bodyPr rtlCol="0" anchor="ctr"/>
+          <a:lstStyle/>
+          <a:p>
+            <a:pPr algn="ctr"/>
+            <a:endParaRPr lang="pt-BR"/>
+          </a:p>
+        </p:txBody>
+      </p:sp>
+      <p:cxnSp>
+        <p:nvCxnSpPr>
+          <p:cNvPr id="19" name="Conector de Seta Reta 18"/>
+          <p:cNvCxnSpPr/>
+          <p:nvPr/>
+        </p:nvCxnSpPr>
+        <p:spPr>
+          <a:xfrm>
+            <a:off x="7158734" y="2486807"/>
+            <a:ext cx="813189" cy="0"/>
+          </a:xfrm>
+          <a:prstGeom prst="straightConnector1">
+            <a:avLst/>
+          </a:prstGeom>
+          <a:ln w="76200">
+            <a:solidFill>
+              <a:schemeClr val="bg1"/>
+            </a:solidFill>
+            <a:headEnd type="triangle"/>
+            <a:tailEnd type="triangle"/>
+          </a:ln>
+        </p:spPr>
+        <p:style>
+          <a:lnRef idx="1">
+            <a:schemeClr val="accent1"/>
+          </a:lnRef>
+          <a:fillRef idx="0">
+            <a:schemeClr val="accent1"/>
+          </a:fillRef>
+          <a:effectRef idx="0">
+            <a:schemeClr val="accent1"/>
+          </a:effectRef>
+          <a:fontRef idx="minor">
+            <a:schemeClr val="tx1"/>
+          </a:fontRef>
+        </p:style>
+      </p:cxnSp>
+      <p:cxnSp>
+        <p:nvCxnSpPr>
+          <p:cNvPr id="18" name="Conector Angulado 17"/>
+          <p:cNvCxnSpPr/>
+          <p:nvPr/>
+        </p:nvCxnSpPr>
+        <p:spPr>
+          <a:xfrm flipV="1">
+            <a:off x="2312223" y="2486809"/>
+            <a:ext cx="1305190" cy="509658"/>
+          </a:xfrm>
+          <a:prstGeom prst="bentConnector3">
+            <a:avLst>
+              <a:gd name="adj1" fmla="val 375"/>
+            </a:avLst>
+          </a:prstGeom>
+          <a:ln w="76200">
+            <a:solidFill>
+              <a:schemeClr val="bg1"/>
+            </a:solidFill>
+            <a:headEnd type="triangle"/>
+            <a:tailEnd type="triangle"/>
+          </a:ln>
+        </p:spPr>
+        <p:style>
+          <a:lnRef idx="1">
+            <a:schemeClr val="accent1"/>
+          </a:lnRef>
+          <a:fillRef idx="0">
+            <a:schemeClr val="accent1"/>
+          </a:fillRef>
+          <a:effectRef idx="0">
+            <a:schemeClr val="accent1"/>
+          </a:effectRef>
+          <a:fontRef idx="minor">
+            <a:schemeClr val="tx1"/>
+          </a:fontRef>
+        </p:style>
+      </p:cxnSp>
+      <p:pic>
+        <p:nvPicPr>
+          <p:cNvPr id="2062" name="Picture 14" descr="Imagem relacionada"/>
+          <p:cNvPicPr>
+            <a:picLocks noChangeAspect="1" noChangeArrowheads="1"/>
+          </p:cNvPicPr>
+          <p:nvPr/>
+        </p:nvPicPr>
+        <p:blipFill rotWithShape="1">
+          <a:blip r:embed="rId9">
+            <a:extLst>
+              <a:ext uri="{28A0092B-C50C-407E-A947-70E740481C1C}">
+                <a14:useLocalDpi xmlns:a14="http://schemas.microsoft.com/office/drawing/2010/main" val="0"/>
+              </a:ext>
+            </a:extLst>
+          </a:blip>
+          <a:srcRect l="20563" t="13429" r="20104" b="14571"/>
+          <a:stretch/>
+        </p:blipFill>
+        <p:spPr bwMode="auto">
+          <a:xfrm>
+            <a:off x="8403669" y="2172819"/>
+            <a:ext cx="517498" cy="627976"/>
+          </a:xfrm>
+          <a:prstGeom prst="rect">
+            <a:avLst/>
+          </a:prstGeom>
+          <a:noFill/>
+          <a:extLst>
+            <a:ext uri="{909E8E84-426E-40DD-AFC4-6F175D3DCCD1}">
+              <a14:hiddenFill xmlns:a14="http://schemas.microsoft.com/office/drawing/2010/main">
+                <a:solidFill>
+                  <a:srgbClr val="FFFFFF"/>
+                </a:solidFill>
+              </a14:hiddenFill>
+            </a:ext>
+          </a:extLst>
+        </p:spPr>
+      </p:pic>
+      <p:sp>
+        <p:nvSpPr>
+          <p:cNvPr id="45" name="Retângulo 44"/>
+          <p:cNvSpPr/>
+          <p:nvPr/>
+        </p:nvSpPr>
+        <p:spPr>
+          <a:xfrm>
+            <a:off x="7710112" y="3009849"/>
+            <a:ext cx="1904611" cy="400110"/>
+          </a:xfrm>
+          <a:prstGeom prst="rect">
+            <a:avLst/>
+          </a:prstGeom>
+          <a:noFill/>
+          <a:effectLst/>
+        </p:spPr>
+        <p:txBody>
+          <a:bodyPr wrap="square" lIns="91440" tIns="45720" rIns="91440" bIns="45720">
+            <a:spAutoFit/>
+          </a:bodyPr>
+          <a:lstStyle/>
+          <a:p>
+            <a:pPr algn="ctr"/>
+            <a:r>
+              <a:rPr lang="pt-BR" sz="2000" b="1" dirty="0" smtClean="0">
+                <a:ln w="0"/>
+                <a:solidFill>
+                  <a:schemeClr val="bg1"/>
+                </a:solidFill>
+                <a:effectLst>
+                  <a:outerShdw blurRad="38100" dist="19050" dir="2700000" algn="tl" rotWithShape="0">
+                    <a:schemeClr val="dk1">
+                      <a:alpha val="40000"/>
+                    </a:schemeClr>
+                  </a:outerShdw>
+                </a:effectLst>
+                <a:latin typeface="Exo 2 Medium" panose="00000600000000000000" pitchFamily="50" charset="0"/>
+              </a:rPr>
+              <a:t>CLOUD AZURE</a:t>
+            </a:r>
+            <a:endParaRPr lang="pt-BR" sz="2000" b="1" cap="none" spc="0" dirty="0">
+              <a:ln w="0"/>
+              <a:solidFill>
+                <a:schemeClr val="bg1"/>
+              </a:solidFill>
+              <a:effectLst>
+                <a:outerShdw blurRad="38100" dist="19050" dir="2700000" algn="tl" rotWithShape="0">
+                  <a:schemeClr val="dk1">
+                    <a:alpha val="40000"/>
+                  </a:schemeClr>
+                </a:outerShdw>
+              </a:effectLst>
+              <a:latin typeface="Exo 2 Medium" panose="00000600000000000000" pitchFamily="50" charset="0"/>
+            </a:endParaRPr>
+          </a:p>
+        </p:txBody>
+      </p:sp>
+      <p:sp>
+        <p:nvSpPr>
+          <p:cNvPr id="46" name="Retângulo 45"/>
+          <p:cNvSpPr/>
+          <p:nvPr/>
+        </p:nvSpPr>
+        <p:spPr>
+          <a:xfrm>
+            <a:off x="3431716" y="3009849"/>
+            <a:ext cx="1707425" cy="400110"/>
+          </a:xfrm>
+          <a:prstGeom prst="rect">
+            <a:avLst/>
+          </a:prstGeom>
+          <a:noFill/>
+          <a:effectLst/>
+        </p:spPr>
+        <p:txBody>
+          <a:bodyPr wrap="square" lIns="91440" tIns="45720" rIns="91440" bIns="45720">
+            <a:spAutoFit/>
+          </a:bodyPr>
+          <a:lstStyle/>
+          <a:p>
+            <a:pPr algn="ctr"/>
+            <a:r>
+              <a:rPr lang="pt-BR" sz="2000" b="1" dirty="0" smtClean="0">
+                <a:ln w="0"/>
+                <a:solidFill>
+                  <a:schemeClr val="bg1"/>
+                </a:solidFill>
+                <a:effectLst>
+                  <a:outerShdw blurRad="38100" dist="19050" dir="2700000" algn="tl" rotWithShape="0">
+                    <a:schemeClr val="dk1">
+                      <a:alpha val="40000"/>
+                    </a:schemeClr>
+                  </a:outerShdw>
+                </a:effectLst>
+                <a:latin typeface="Exo 2 Medium" panose="00000600000000000000" pitchFamily="50" charset="0"/>
+              </a:rPr>
+              <a:t>SOFTWARE</a:t>
+            </a:r>
+            <a:endParaRPr lang="pt-BR" sz="2000" b="1" cap="none" spc="0" dirty="0">
+              <a:ln w="0"/>
+              <a:solidFill>
+                <a:schemeClr val="bg1"/>
+              </a:solidFill>
+              <a:effectLst>
+                <a:outerShdw blurRad="38100" dist="19050" dir="2700000" algn="tl" rotWithShape="0">
+                  <a:schemeClr val="dk1">
+                    <a:alpha val="40000"/>
+                  </a:schemeClr>
+                </a:outerShdw>
+              </a:effectLst>
+              <a:latin typeface="Exo 2 Medium" panose="00000600000000000000" pitchFamily="50" charset="0"/>
+            </a:endParaRPr>
+          </a:p>
+        </p:txBody>
+      </p:sp>
+      <p:sp>
+        <p:nvSpPr>
+          <p:cNvPr id="48" name="Retângulo 47"/>
+          <p:cNvSpPr/>
+          <p:nvPr/>
+        </p:nvSpPr>
+        <p:spPr>
+          <a:xfrm>
+            <a:off x="1919140" y="2883982"/>
+            <a:ext cx="742891" cy="400110"/>
+          </a:xfrm>
+          <a:prstGeom prst="rect">
+            <a:avLst/>
+          </a:prstGeom>
+          <a:noFill/>
+          <a:effectLst/>
+        </p:spPr>
+        <p:txBody>
+          <a:bodyPr wrap="square" lIns="91440" tIns="45720" rIns="91440" bIns="45720">
+            <a:spAutoFit/>
+          </a:bodyPr>
+          <a:lstStyle/>
+          <a:p>
+            <a:pPr algn="ctr"/>
+            <a:r>
+              <a:rPr lang="pt-BR" sz="2000" b="1" dirty="0" smtClean="0">
+                <a:ln w="0"/>
+                <a:solidFill>
+                  <a:schemeClr val="bg1"/>
+                </a:solidFill>
+                <a:effectLst>
+                  <a:outerShdw blurRad="38100" dist="19050" dir="2700000" algn="tl" rotWithShape="0">
+                    <a:schemeClr val="dk1">
+                      <a:alpha val="40000"/>
+                    </a:schemeClr>
+                  </a:outerShdw>
+                </a:effectLst>
+                <a:latin typeface="Exo 2 Medium" panose="00000600000000000000" pitchFamily="50" charset="0"/>
+              </a:rPr>
+              <a:t>USB</a:t>
+            </a:r>
+            <a:endParaRPr lang="pt-BR" sz="2000" b="1" cap="none" spc="0" dirty="0">
+              <a:ln w="0"/>
+              <a:solidFill>
+                <a:schemeClr val="bg1"/>
+              </a:solidFill>
+              <a:effectLst>
+                <a:outerShdw blurRad="38100" dist="19050" dir="2700000" algn="tl" rotWithShape="0">
+                  <a:schemeClr val="dk1">
+                    <a:alpha val="40000"/>
+                  </a:schemeClr>
+                </a:outerShdw>
+              </a:effectLst>
+              <a:latin typeface="Exo 2 Medium" panose="00000600000000000000" pitchFamily="50" charset="0"/>
+            </a:endParaRPr>
+          </a:p>
+        </p:txBody>
+      </p:sp>
+      <p:cxnSp>
+        <p:nvCxnSpPr>
+          <p:cNvPr id="49" name="Conector de Seta Reta 48"/>
+          <p:cNvCxnSpPr/>
+          <p:nvPr/>
+        </p:nvCxnSpPr>
+        <p:spPr>
+          <a:xfrm>
+            <a:off x="4948934" y="2486807"/>
+            <a:ext cx="813189" cy="0"/>
+          </a:xfrm>
+          <a:prstGeom prst="straightConnector1">
+            <a:avLst/>
+          </a:prstGeom>
+          <a:ln w="76200">
+            <a:solidFill>
+              <a:schemeClr val="bg1"/>
+            </a:solidFill>
+            <a:headEnd type="triangle"/>
+            <a:tailEnd type="triangle"/>
+          </a:ln>
+        </p:spPr>
+        <p:style>
+          <a:lnRef idx="1">
+            <a:schemeClr val="accent1"/>
+          </a:lnRef>
+          <a:fillRef idx="0">
+            <a:schemeClr val="accent1"/>
+          </a:fillRef>
+          <a:effectRef idx="0">
+            <a:schemeClr val="accent1"/>
+          </a:effectRef>
+          <a:fontRef idx="minor">
+            <a:schemeClr val="tx1"/>
+          </a:fontRef>
+        </p:style>
+      </p:cxnSp>
+      <p:sp>
+        <p:nvSpPr>
+          <p:cNvPr id="50" name="Elipse 49"/>
+          <p:cNvSpPr/>
+          <p:nvPr/>
+        </p:nvSpPr>
+        <p:spPr>
+          <a:xfrm>
+            <a:off x="5931978" y="2016121"/>
+            <a:ext cx="1055528" cy="1055528"/>
+          </a:xfrm>
+          <a:prstGeom prst="ellipse">
+            <a:avLst/>
+          </a:prstGeom>
+          <a:solidFill>
+            <a:schemeClr val="bg1"/>
+          </a:solidFill>
+          <a:ln>
+            <a:noFill/>
+          </a:ln>
+          <a:effectLst/>
+        </p:spPr>
+        <p:style>
+          <a:lnRef idx="2">
+            <a:schemeClr val="accent1">
+              <a:shade val="50000"/>
+            </a:schemeClr>
+          </a:lnRef>
+          <a:fillRef idx="1">
+            <a:schemeClr val="accent1"/>
+          </a:fillRef>
+          <a:effectRef idx="0">
+            <a:schemeClr val="accent1"/>
+          </a:effectRef>
+          <a:fontRef idx="minor">
+            <a:schemeClr val="lt1"/>
+          </a:fontRef>
+        </p:style>
+        <p:txBody>
+          <a:bodyPr rtlCol="0" anchor="ctr"/>
+          <a:lstStyle/>
+          <a:p>
+            <a:pPr algn="ctr"/>
+            <a:endParaRPr lang="pt-BR"/>
+          </a:p>
+        </p:txBody>
+      </p:sp>
+      <p:pic>
+        <p:nvPicPr>
+          <p:cNvPr id="52" name="Picture 24" descr="Resultado de imagem para nodejs"/>
+          <p:cNvPicPr>
+            <a:picLocks noChangeAspect="1" noChangeArrowheads="1"/>
+          </p:cNvPicPr>
+          <p:nvPr/>
+        </p:nvPicPr>
+        <p:blipFill>
+          <a:blip r:embed="rId10" cstate="print">
+            <a:extLst>
+              <a:ext uri="{28A0092B-C50C-407E-A947-70E740481C1C}">
+                <a14:useLocalDpi xmlns:a14="http://schemas.microsoft.com/office/drawing/2010/main" val="0"/>
+              </a:ext>
+            </a:extLst>
+          </a:blip>
+          <a:srcRect/>
+          <a:stretch>
+            <a:fillRect/>
+          </a:stretch>
+        </p:blipFill>
+        <p:spPr bwMode="auto">
+          <a:xfrm>
+            <a:off x="6111992" y="2185519"/>
+            <a:ext cx="698463" cy="698463"/>
+          </a:xfrm>
+          <a:prstGeom prst="rect">
+            <a:avLst/>
+          </a:prstGeom>
+          <a:noFill/>
+          <a:extLst>
+            <a:ext uri="{909E8E84-426E-40DD-AFC4-6F175D3DCCD1}">
+              <a14:hiddenFill xmlns:a14="http://schemas.microsoft.com/office/drawing/2010/main">
+                <a:solidFill>
+                  <a:srgbClr val="FFFFFF"/>
+                </a:solidFill>
+              </a14:hiddenFill>
+            </a:ext>
+          </a:extLst>
+        </p:spPr>
+      </p:pic>
+      <p:sp>
+        <p:nvSpPr>
+          <p:cNvPr id="53" name="Retângulo 52"/>
+          <p:cNvSpPr/>
+          <p:nvPr/>
+        </p:nvSpPr>
+        <p:spPr>
+          <a:xfrm>
+            <a:off x="5507436" y="3009849"/>
+            <a:ext cx="1904611" cy="400110"/>
+          </a:xfrm>
+          <a:prstGeom prst="rect">
+            <a:avLst/>
+          </a:prstGeom>
+          <a:noFill/>
+          <a:effectLst/>
+        </p:spPr>
+        <p:txBody>
+          <a:bodyPr wrap="square" lIns="91440" tIns="45720" rIns="91440" bIns="45720">
+            <a:spAutoFit/>
+          </a:bodyPr>
+          <a:lstStyle/>
+          <a:p>
+            <a:pPr algn="ctr"/>
+            <a:r>
+              <a:rPr lang="pt-BR" sz="2000" b="1" dirty="0" smtClean="0">
+                <a:ln w="0"/>
+                <a:solidFill>
+                  <a:schemeClr val="bg1"/>
+                </a:solidFill>
+                <a:effectLst>
+                  <a:outerShdw blurRad="38100" dist="19050" dir="2700000" algn="tl" rotWithShape="0">
+                    <a:schemeClr val="dk1">
+                      <a:alpha val="40000"/>
+                    </a:schemeClr>
+                  </a:outerShdw>
+                </a:effectLst>
+                <a:latin typeface="Exo 2 Medium" panose="00000600000000000000" pitchFamily="50" charset="0"/>
+              </a:rPr>
+              <a:t>NODEJS</a:t>
+            </a:r>
+            <a:endParaRPr lang="pt-BR" sz="2000" b="1" cap="none" spc="0" dirty="0">
+              <a:ln w="0"/>
+              <a:solidFill>
+                <a:schemeClr val="bg1"/>
+              </a:solidFill>
+              <a:effectLst>
+                <a:outerShdw blurRad="38100" dist="19050" dir="2700000" algn="tl" rotWithShape="0">
+                  <a:schemeClr val="dk1">
+                    <a:alpha val="40000"/>
+                  </a:schemeClr>
+                </a:outerShdw>
+              </a:effectLst>
+              <a:latin typeface="Exo 2 Medium" panose="00000600000000000000" pitchFamily="50" charset="0"/>
+            </a:endParaRPr>
+          </a:p>
+        </p:txBody>
+      </p:sp>
+      <p:sp>
+        <p:nvSpPr>
+          <p:cNvPr id="54" name="Retângulo 53"/>
+          <p:cNvSpPr/>
+          <p:nvPr/>
+        </p:nvSpPr>
+        <p:spPr>
+          <a:xfrm>
+            <a:off x="5164541" y="1328501"/>
+            <a:ext cx="2469371" cy="400110"/>
+          </a:xfrm>
+          <a:prstGeom prst="rect">
+            <a:avLst/>
+          </a:prstGeom>
+          <a:noFill/>
+          <a:effectLst/>
+        </p:spPr>
+        <p:txBody>
+          <a:bodyPr wrap="square" lIns="91440" tIns="45720" rIns="91440" bIns="45720">
+            <a:spAutoFit/>
+          </a:bodyPr>
+          <a:lstStyle/>
+          <a:p>
+            <a:pPr algn="ctr"/>
+            <a:r>
+              <a:rPr lang="pt-BR" sz="2000" b="1" dirty="0" smtClean="0">
+                <a:ln w="0"/>
+                <a:solidFill>
+                  <a:schemeClr val="bg1"/>
+                </a:solidFill>
+                <a:effectLst>
+                  <a:outerShdw blurRad="38100" dist="19050" dir="2700000" algn="tl" rotWithShape="0">
+                    <a:schemeClr val="dk1">
+                      <a:alpha val="40000"/>
+                    </a:schemeClr>
+                  </a:outerShdw>
+                </a:effectLst>
+                <a:latin typeface="Exo 2 Medium" panose="00000600000000000000" pitchFamily="50" charset="0"/>
+              </a:rPr>
+              <a:t>FLUXO DOS DADOS</a:t>
+            </a:r>
+            <a:endParaRPr lang="pt-BR" sz="2000" b="1" cap="none" spc="0" dirty="0">
+              <a:ln w="0"/>
+              <a:solidFill>
+                <a:schemeClr val="bg1"/>
+              </a:solidFill>
+              <a:effectLst>
+                <a:outerShdw blurRad="38100" dist="19050" dir="2700000" algn="tl" rotWithShape="0">
+                  <a:schemeClr val="dk1">
+                    <a:alpha val="40000"/>
+                  </a:schemeClr>
+                </a:outerShdw>
+              </a:effectLst>
+              <a:latin typeface="Exo 2 Medium" panose="00000600000000000000" pitchFamily="50" charset="0"/>
+            </a:endParaRPr>
+          </a:p>
+        </p:txBody>
+      </p:sp>
+      <p:sp>
+        <p:nvSpPr>
+          <p:cNvPr id="41" name="Colchete Esquerdo 40"/>
+          <p:cNvSpPr/>
+          <p:nvPr/>
+        </p:nvSpPr>
+        <p:spPr>
+          <a:xfrm rot="5400000">
+            <a:off x="6390785" y="-839929"/>
+            <a:ext cx="166275" cy="5432517"/>
+          </a:xfrm>
+          <a:prstGeom prst="leftBracket">
+            <a:avLst/>
+          </a:prstGeom>
+          <a:ln w="57150">
+            <a:solidFill>
+              <a:schemeClr val="bg1"/>
+            </a:solidFill>
+            <a:prstDash val="sysDash"/>
+          </a:ln>
+        </p:spPr>
+        <p:style>
+          <a:lnRef idx="1">
+            <a:schemeClr val="accent1"/>
+          </a:lnRef>
+          <a:fillRef idx="0">
+            <a:schemeClr val="accent1"/>
+          </a:fillRef>
+          <a:effectRef idx="0">
+            <a:schemeClr val="accent1"/>
+          </a:effectRef>
+          <a:fontRef idx="minor">
+            <a:schemeClr val="tx1"/>
+          </a:fontRef>
+        </p:style>
+        <p:txBody>
+          <a:bodyPr rtlCol="0" anchor="ctr"/>
+          <a:lstStyle/>
+          <a:p>
+            <a:pPr algn="ctr"/>
+            <a:endParaRPr lang="pt-BR"/>
+          </a:p>
+        </p:txBody>
+      </p:sp>
+      <p:pic>
+        <p:nvPicPr>
+          <p:cNvPr id="2064" name="Picture 16" descr="Resultado de imagem para resistor"/>
+          <p:cNvPicPr>
+            <a:picLocks noChangeAspect="1" noChangeArrowheads="1"/>
+          </p:cNvPicPr>
+          <p:nvPr/>
+        </p:nvPicPr>
+        <p:blipFill rotWithShape="1">
+          <a:blip r:embed="rId11">
+            <a:extLst>
+              <a:ext uri="{28A0092B-C50C-407E-A947-70E740481C1C}">
+                <a14:useLocalDpi xmlns:a14="http://schemas.microsoft.com/office/drawing/2010/main" val="0"/>
+              </a:ext>
+            </a:extLst>
+          </a:blip>
+          <a:srcRect l="40335" t="43802" r="40637" b="42865"/>
+          <a:stretch/>
+        </p:blipFill>
+        <p:spPr bwMode="auto">
+          <a:xfrm>
+            <a:off x="5797579" y="4927058"/>
+            <a:ext cx="302419" cy="187871"/>
+          </a:xfrm>
+          <a:prstGeom prst="rect">
+            <a:avLst/>
+          </a:prstGeom>
+          <a:noFill/>
+          <a:extLst>
+            <a:ext uri="{909E8E84-426E-40DD-AFC4-6F175D3DCCD1}">
+              <a14:hiddenFill xmlns:a14="http://schemas.microsoft.com/office/drawing/2010/main">
+                <a:solidFill>
+                  <a:srgbClr val="FFFFFF"/>
+                </a:solidFill>
+              </a14:hiddenFill>
+            </a:ext>
+          </a:extLst>
+        </p:spPr>
+      </p:pic>
+      <p:sp>
+        <p:nvSpPr>
+          <p:cNvPr id="96" name="Elipse 95"/>
+          <p:cNvSpPr/>
+          <p:nvPr/>
+        </p:nvSpPr>
+        <p:spPr>
+          <a:xfrm>
+            <a:off x="6037617" y="5307440"/>
+            <a:ext cx="76200" cy="76200"/>
+          </a:xfrm>
+          <a:prstGeom prst="ellipse">
+            <a:avLst/>
+          </a:prstGeom>
+          <a:ln>
+            <a:solidFill>
+              <a:schemeClr val="tx1"/>
+            </a:solidFill>
+          </a:ln>
+        </p:spPr>
+        <p:style>
+          <a:lnRef idx="2">
+            <a:schemeClr val="dk1">
+              <a:shade val="50000"/>
+            </a:schemeClr>
+          </a:lnRef>
+          <a:fillRef idx="1">
+            <a:schemeClr val="dk1"/>
+          </a:fillRef>
+          <a:effectRef idx="0">
+            <a:schemeClr val="dk1"/>
+          </a:effectRef>
+          <a:fontRef idx="minor">
+            <a:schemeClr val="lt1"/>
+          </a:fontRef>
+        </p:style>
+        <p:txBody>
+          <a:bodyPr rtlCol="0" anchor="ctr"/>
+          <a:lstStyle/>
+          <a:p>
+            <a:pPr algn="ctr"/>
+            <a:endParaRPr lang="pt-BR"/>
+          </a:p>
+        </p:txBody>
+      </p:sp>
+      <p:cxnSp>
+        <p:nvCxnSpPr>
+          <p:cNvPr id="2055" name="Conector reto 2054"/>
+          <p:cNvCxnSpPr/>
+          <p:nvPr/>
+        </p:nvCxnSpPr>
+        <p:spPr>
+          <a:xfrm>
+            <a:off x="3689052" y="5172078"/>
+            <a:ext cx="2206159" cy="0"/>
+          </a:xfrm>
+          <a:prstGeom prst="line">
+            <a:avLst/>
+          </a:prstGeom>
+          <a:ln w="57150">
+            <a:solidFill>
+              <a:srgbClr val="FF2121"/>
+            </a:solidFill>
+          </a:ln>
+        </p:spPr>
+        <p:style>
+          <a:lnRef idx="1">
+            <a:schemeClr val="accent1"/>
+          </a:lnRef>
+          <a:fillRef idx="0">
+            <a:schemeClr val="accent1"/>
+          </a:fillRef>
+          <a:effectRef idx="0">
+            <a:schemeClr val="accent1"/>
+          </a:effectRef>
+          <a:fontRef idx="minor">
+            <a:schemeClr val="tx1"/>
+          </a:fontRef>
+        </p:style>
+      </p:cxnSp>
+      <p:cxnSp>
+        <p:nvCxnSpPr>
+          <p:cNvPr id="109" name="Conector Angulado 108"/>
+          <p:cNvCxnSpPr/>
+          <p:nvPr/>
+        </p:nvCxnSpPr>
+        <p:spPr>
+          <a:xfrm>
+            <a:off x="3687465" y="5387562"/>
+            <a:ext cx="2693675" cy="115310"/>
+          </a:xfrm>
+          <a:prstGeom prst="bentConnector3">
+            <a:avLst>
+              <a:gd name="adj1" fmla="val 9689"/>
+            </a:avLst>
+          </a:prstGeom>
+          <a:ln w="76200">
+            <a:solidFill>
+              <a:schemeClr val="tx1">
+                <a:lumMod val="75000"/>
+                <a:lumOff val="25000"/>
+              </a:schemeClr>
+            </a:solidFill>
+          </a:ln>
+        </p:spPr>
+        <p:style>
+          <a:lnRef idx="1">
+            <a:schemeClr val="accent1"/>
+          </a:lnRef>
+          <a:fillRef idx="0">
+            <a:schemeClr val="accent1"/>
+          </a:fillRef>
+          <a:effectRef idx="0">
+            <a:schemeClr val="accent1"/>
+          </a:effectRef>
+          <a:fontRef idx="minor">
+            <a:schemeClr val="tx1"/>
+          </a:fontRef>
+        </p:style>
+      </p:cxnSp>
+      <p:cxnSp>
+        <p:nvCxnSpPr>
+          <p:cNvPr id="2063" name="Conector Angulado 2062"/>
+          <p:cNvCxnSpPr/>
+          <p:nvPr/>
+        </p:nvCxnSpPr>
+        <p:spPr>
+          <a:xfrm flipV="1">
+            <a:off x="3699696" y="5348251"/>
+            <a:ext cx="2400302" cy="366750"/>
+          </a:xfrm>
+          <a:prstGeom prst="bentConnector3">
+            <a:avLst/>
+          </a:prstGeom>
+          <a:ln w="57150">
+            <a:solidFill>
+              <a:srgbClr val="FFFF00"/>
+            </a:solidFill>
+          </a:ln>
+        </p:spPr>
+        <p:style>
+          <a:lnRef idx="1">
+            <a:schemeClr val="accent1"/>
+          </a:lnRef>
+          <a:fillRef idx="0">
+            <a:schemeClr val="accent1"/>
+          </a:fillRef>
+          <a:effectRef idx="0">
+            <a:schemeClr val="accent1"/>
+          </a:effectRef>
+          <a:fontRef idx="minor">
+            <a:schemeClr val="tx1"/>
+          </a:fontRef>
+        </p:style>
+      </p:cxnSp>
+      <p:cxnSp>
+        <p:nvCxnSpPr>
+          <p:cNvPr id="92" name="Conector Angulado 91"/>
+          <p:cNvCxnSpPr/>
+          <p:nvPr/>
+        </p:nvCxnSpPr>
+        <p:spPr>
+          <a:xfrm>
+            <a:off x="3689052" y="5387743"/>
+            <a:ext cx="2693675" cy="115310"/>
+          </a:xfrm>
+          <a:prstGeom prst="bentConnector3">
+            <a:avLst>
+              <a:gd name="adj1" fmla="val 9689"/>
+            </a:avLst>
+          </a:prstGeom>
+          <a:ln w="57150">
+            <a:solidFill>
+              <a:schemeClr val="tx1"/>
+            </a:solidFill>
+          </a:ln>
+        </p:spPr>
+        <p:style>
+          <a:lnRef idx="1">
+            <a:schemeClr val="accent1"/>
+          </a:lnRef>
+          <a:fillRef idx="0">
+            <a:schemeClr val="accent1"/>
+          </a:fillRef>
+          <a:effectRef idx="0">
+            <a:schemeClr val="accent1"/>
+          </a:effectRef>
+          <a:fontRef idx="minor">
+            <a:schemeClr val="tx1"/>
+          </a:fontRef>
+        </p:style>
+      </p:cxnSp>
+      <p:sp>
+        <p:nvSpPr>
+          <p:cNvPr id="97" name="Elipse 96"/>
+          <p:cNvSpPr/>
+          <p:nvPr/>
+        </p:nvSpPr>
+        <p:spPr>
+          <a:xfrm>
+            <a:off x="6338277" y="5464953"/>
+            <a:ext cx="76200" cy="76200"/>
+          </a:xfrm>
+          <a:prstGeom prst="ellipse">
+            <a:avLst/>
+          </a:prstGeom>
+          <a:ln>
+            <a:solidFill>
+              <a:schemeClr val="tx1"/>
+            </a:solidFill>
+          </a:ln>
+        </p:spPr>
+        <p:style>
+          <a:lnRef idx="2">
+            <a:schemeClr val="dk1">
+              <a:shade val="50000"/>
+            </a:schemeClr>
+          </a:lnRef>
+          <a:fillRef idx="1">
+            <a:schemeClr val="dk1"/>
+          </a:fillRef>
+          <a:effectRef idx="0">
+            <a:schemeClr val="dk1"/>
+          </a:effectRef>
+          <a:fontRef idx="minor">
+            <a:schemeClr val="lt1"/>
+          </a:fontRef>
+        </p:style>
+        <p:txBody>
+          <a:bodyPr rtlCol="0" anchor="ctr"/>
+          <a:lstStyle/>
+          <a:p>
+            <a:pPr algn="ctr"/>
+            <a:endParaRPr lang="pt-BR"/>
+          </a:p>
+        </p:txBody>
+      </p:sp>
+      <p:sp>
+        <p:nvSpPr>
+          <p:cNvPr id="102" name="Retângulo 101"/>
+          <p:cNvSpPr/>
+          <p:nvPr/>
+        </p:nvSpPr>
+        <p:spPr>
+          <a:xfrm>
+            <a:off x="3641181" y="4824538"/>
+            <a:ext cx="742891" cy="400110"/>
+          </a:xfrm>
+          <a:prstGeom prst="rect">
+            <a:avLst/>
+          </a:prstGeom>
+          <a:noFill/>
+          <a:effectLst/>
+        </p:spPr>
+        <p:txBody>
+          <a:bodyPr wrap="square" lIns="91440" tIns="45720" rIns="91440" bIns="45720">
+            <a:spAutoFit/>
+          </a:bodyPr>
+          <a:lstStyle/>
+          <a:p>
+            <a:pPr algn="ctr"/>
+            <a:r>
+              <a:rPr lang="pt-BR" sz="2000" b="1" dirty="0" smtClean="0">
+                <a:ln w="0"/>
+                <a:solidFill>
+                  <a:schemeClr val="bg1"/>
+                </a:solidFill>
+                <a:effectLst>
+                  <a:outerShdw blurRad="38100" dist="19050" dir="2700000" algn="tl" rotWithShape="0">
+                    <a:schemeClr val="dk1">
+                      <a:alpha val="40000"/>
+                    </a:schemeClr>
+                  </a:outerShdw>
+                </a:effectLst>
+                <a:latin typeface="Exo 2 Medium" panose="00000600000000000000" pitchFamily="50" charset="0"/>
+              </a:rPr>
+              <a:t>5V</a:t>
+            </a:r>
+            <a:endParaRPr lang="pt-BR" sz="2000" b="1" cap="none" spc="0" dirty="0">
+              <a:ln w="0"/>
+              <a:solidFill>
+                <a:schemeClr val="bg1"/>
+              </a:solidFill>
+              <a:effectLst>
+                <a:outerShdw blurRad="38100" dist="19050" dir="2700000" algn="tl" rotWithShape="0">
+                  <a:schemeClr val="dk1">
+                    <a:alpha val="40000"/>
+                  </a:schemeClr>
+                </a:outerShdw>
+              </a:effectLst>
+              <a:latin typeface="Exo 2 Medium" panose="00000600000000000000" pitchFamily="50" charset="0"/>
+            </a:endParaRPr>
+          </a:p>
+        </p:txBody>
+      </p:sp>
+      <p:sp>
+        <p:nvSpPr>
+          <p:cNvPr id="107" name="Retângulo 106"/>
+          <p:cNvSpPr/>
+          <p:nvPr/>
+        </p:nvSpPr>
+        <p:spPr>
+          <a:xfrm>
+            <a:off x="3891530" y="5143369"/>
+            <a:ext cx="742891" cy="400110"/>
+          </a:xfrm>
+          <a:prstGeom prst="rect">
+            <a:avLst/>
+          </a:prstGeom>
+          <a:noFill/>
+          <a:effectLst/>
+        </p:spPr>
+        <p:txBody>
+          <a:bodyPr wrap="square" lIns="91440" tIns="45720" rIns="91440" bIns="45720">
+            <a:spAutoFit/>
+          </a:bodyPr>
+          <a:lstStyle/>
+          <a:p>
+            <a:pPr algn="ctr"/>
+            <a:r>
+              <a:rPr lang="pt-BR" sz="2000" b="1" dirty="0" smtClean="0">
+                <a:ln w="0"/>
+                <a:solidFill>
+                  <a:schemeClr val="bg1"/>
+                </a:solidFill>
+                <a:effectLst>
+                  <a:outerShdw blurRad="38100" dist="19050" dir="2700000" algn="tl" rotWithShape="0">
+                    <a:schemeClr val="dk1">
+                      <a:alpha val="40000"/>
+                    </a:schemeClr>
+                  </a:outerShdw>
+                </a:effectLst>
+                <a:latin typeface="Exo 2 Medium" panose="00000600000000000000" pitchFamily="50" charset="0"/>
+              </a:rPr>
+              <a:t>GND</a:t>
+            </a:r>
+            <a:endParaRPr lang="pt-BR" sz="2000" b="1" cap="none" spc="0" dirty="0">
+              <a:ln w="0"/>
+              <a:solidFill>
+                <a:schemeClr val="bg1"/>
+              </a:solidFill>
+              <a:effectLst>
+                <a:outerShdw blurRad="38100" dist="19050" dir="2700000" algn="tl" rotWithShape="0">
+                  <a:schemeClr val="dk1">
+                    <a:alpha val="40000"/>
+                  </a:schemeClr>
+                </a:outerShdw>
+              </a:effectLst>
+              <a:latin typeface="Exo 2 Medium" panose="00000600000000000000" pitchFamily="50" charset="0"/>
+            </a:endParaRPr>
+          </a:p>
+        </p:txBody>
+      </p:sp>
+      <p:sp>
+        <p:nvSpPr>
+          <p:cNvPr id="110" name="Retângulo 109"/>
+          <p:cNvSpPr/>
+          <p:nvPr/>
+        </p:nvSpPr>
+        <p:spPr>
+          <a:xfrm>
+            <a:off x="3757664" y="5689601"/>
+            <a:ext cx="1078187" cy="400110"/>
+          </a:xfrm>
+          <a:prstGeom prst="rect">
+            <a:avLst/>
+          </a:prstGeom>
+          <a:noFill/>
+          <a:effectLst/>
+        </p:spPr>
+        <p:txBody>
+          <a:bodyPr wrap="square" lIns="91440" tIns="45720" rIns="91440" bIns="45720">
+            <a:spAutoFit/>
+          </a:bodyPr>
+          <a:lstStyle/>
+          <a:p>
+            <a:pPr algn="ctr"/>
+            <a:r>
+              <a:rPr lang="pt-BR" sz="2000" b="1" dirty="0" smtClean="0">
+                <a:ln w="0"/>
+                <a:solidFill>
+                  <a:schemeClr val="bg1"/>
+                </a:solidFill>
+                <a:effectLst>
+                  <a:outerShdw blurRad="38100" dist="19050" dir="2700000" algn="tl" rotWithShape="0">
+                    <a:schemeClr val="dk1">
+                      <a:alpha val="40000"/>
+                    </a:schemeClr>
+                  </a:outerShdw>
+                </a:effectLst>
+                <a:latin typeface="Exo 2 Medium" panose="00000600000000000000" pitchFamily="50" charset="0"/>
+              </a:rPr>
+              <a:t>DADOS</a:t>
+            </a:r>
+            <a:endParaRPr lang="pt-BR" sz="2000" b="1" cap="none" spc="0" dirty="0">
+              <a:ln w="0"/>
+              <a:solidFill>
+                <a:schemeClr val="bg1"/>
+              </a:solidFill>
+              <a:effectLst>
+                <a:outerShdw blurRad="38100" dist="19050" dir="2700000" algn="tl" rotWithShape="0">
+                  <a:schemeClr val="dk1">
+                    <a:alpha val="40000"/>
+                  </a:schemeClr>
+                </a:outerShdw>
+              </a:effectLst>
+              <a:latin typeface="Exo 2 Medium" panose="00000600000000000000" pitchFamily="50" charset="0"/>
+            </a:endParaRPr>
+          </a:p>
+        </p:txBody>
+      </p:sp>
+      <p:cxnSp>
+        <p:nvCxnSpPr>
+          <p:cNvPr id="2075" name="Conector de Seta Reta 2074"/>
+          <p:cNvCxnSpPr/>
+          <p:nvPr/>
+        </p:nvCxnSpPr>
+        <p:spPr>
+          <a:xfrm flipH="1">
+            <a:off x="6650387" y="4032249"/>
+            <a:ext cx="1972137" cy="0"/>
+          </a:xfrm>
+          <a:prstGeom prst="straightConnector1">
+            <a:avLst/>
+          </a:prstGeom>
+          <a:ln w="76200">
+            <a:solidFill>
+              <a:schemeClr val="bg1"/>
+            </a:solidFill>
+            <a:tailEnd type="triangle"/>
+          </a:ln>
+        </p:spPr>
+        <p:style>
+          <a:lnRef idx="1">
+            <a:schemeClr val="accent1"/>
+          </a:lnRef>
+          <a:fillRef idx="0">
+            <a:schemeClr val="accent1"/>
+          </a:fillRef>
+          <a:effectRef idx="0">
+            <a:schemeClr val="accent1"/>
+          </a:effectRef>
+          <a:fontRef idx="minor">
+            <a:schemeClr val="tx1"/>
+          </a:fontRef>
+        </p:style>
+      </p:cxnSp>
+      <p:sp>
+        <p:nvSpPr>
+          <p:cNvPr id="2077" name="Retângulo Arredondado 2076"/>
+          <p:cNvSpPr/>
+          <p:nvPr/>
+        </p:nvSpPr>
+        <p:spPr>
+          <a:xfrm>
+            <a:off x="8622524" y="3580489"/>
+            <a:ext cx="2035197" cy="2250468"/>
+          </a:xfrm>
+          <a:prstGeom prst="roundRect">
+            <a:avLst/>
+          </a:prstGeom>
+          <a:noFill/>
+          <a:ln w="57150">
+            <a:solidFill>
+              <a:schemeClr val="bg1"/>
+            </a:solidFill>
+          </a:ln>
+        </p:spPr>
+        <p:style>
+          <a:lnRef idx="2">
+            <a:schemeClr val="accent6"/>
+          </a:lnRef>
+          <a:fillRef idx="1">
+            <a:schemeClr val="lt1"/>
+          </a:fillRef>
+          <a:effectRef idx="0">
+            <a:schemeClr val="accent6"/>
+          </a:effectRef>
+          <a:fontRef idx="minor">
+            <a:schemeClr val="dk1"/>
+          </a:fontRef>
+        </p:style>
+        <p:txBody>
+          <a:bodyPr rtlCol="0" anchor="ctr"/>
+          <a:lstStyle/>
+          <a:p>
+            <a:pPr algn="ctr"/>
+            <a:endParaRPr lang="pt-BR"/>
+          </a:p>
+        </p:txBody>
+      </p:sp>
+      <p:sp>
+        <p:nvSpPr>
+          <p:cNvPr id="124" name="Retângulo 123"/>
+          <p:cNvSpPr/>
+          <p:nvPr/>
+        </p:nvSpPr>
+        <p:spPr>
+          <a:xfrm>
+            <a:off x="8686277" y="3580489"/>
+            <a:ext cx="1904611" cy="523220"/>
+          </a:xfrm>
+          <a:prstGeom prst="rect">
+            <a:avLst/>
+          </a:prstGeom>
+          <a:noFill/>
+          <a:effectLst/>
+        </p:spPr>
+        <p:txBody>
+          <a:bodyPr wrap="square" lIns="91440" tIns="45720" rIns="91440" bIns="45720">
+            <a:spAutoFit/>
+          </a:bodyPr>
+          <a:lstStyle/>
+          <a:p>
+            <a:pPr algn="ctr"/>
+            <a:r>
+              <a:rPr lang="pt-BR" sz="2800" b="1" dirty="0" smtClean="0">
+                <a:ln w="0"/>
+                <a:solidFill>
+                  <a:schemeClr val="bg1"/>
+                </a:solidFill>
+                <a:effectLst>
+                  <a:outerShdw blurRad="38100" dist="19050" dir="2700000" algn="tl" rotWithShape="0">
+                    <a:schemeClr val="dk1">
+                      <a:alpha val="40000"/>
+                    </a:schemeClr>
+                  </a:outerShdw>
+                </a:effectLst>
+                <a:latin typeface="Exo 2 Medium" panose="00000600000000000000" pitchFamily="50" charset="0"/>
+              </a:rPr>
+              <a:t>DHT11</a:t>
+            </a:r>
+            <a:endParaRPr lang="pt-BR" sz="2800" b="1" cap="none" spc="0" dirty="0">
+              <a:ln w="0"/>
+              <a:solidFill>
+                <a:schemeClr val="bg1"/>
+              </a:solidFill>
+              <a:effectLst>
+                <a:outerShdw blurRad="38100" dist="19050" dir="2700000" algn="tl" rotWithShape="0">
+                  <a:schemeClr val="dk1">
+                    <a:alpha val="40000"/>
+                  </a:schemeClr>
+                </a:outerShdw>
+              </a:effectLst>
+              <a:latin typeface="Exo 2 Medium" panose="00000600000000000000" pitchFamily="50" charset="0"/>
+            </a:endParaRPr>
+          </a:p>
+        </p:txBody>
+      </p:sp>
+      <p:sp>
+        <p:nvSpPr>
+          <p:cNvPr id="125" name="Retângulo 124"/>
+          <p:cNvSpPr/>
+          <p:nvPr/>
+        </p:nvSpPr>
+        <p:spPr>
+          <a:xfrm>
+            <a:off x="8622524" y="4068053"/>
+            <a:ext cx="2035197" cy="1631216"/>
+          </a:xfrm>
+          <a:prstGeom prst="rect">
+            <a:avLst/>
+          </a:prstGeom>
+          <a:noFill/>
+          <a:effectLst/>
+        </p:spPr>
+        <p:txBody>
+          <a:bodyPr wrap="square" lIns="91440" tIns="45720" rIns="91440" bIns="45720">
+            <a:spAutoFit/>
+          </a:bodyPr>
+          <a:lstStyle/>
+          <a:p>
+            <a:pPr algn="ctr"/>
+            <a:r>
+              <a:rPr lang="pt-BR" sz="2000" b="1" dirty="0" smtClean="0">
+                <a:ln w="0"/>
+                <a:solidFill>
+                  <a:schemeClr val="bg1"/>
+                </a:solidFill>
+                <a:effectLst>
+                  <a:outerShdw blurRad="38100" dist="19050" dir="2700000" algn="tl" rotWithShape="0">
+                    <a:schemeClr val="dk1">
+                      <a:alpha val="40000"/>
+                    </a:schemeClr>
+                  </a:outerShdw>
+                </a:effectLst>
+                <a:latin typeface="Exo 2 Extra Light" panose="00000300000000000000" pitchFamily="50" charset="0"/>
+              </a:rPr>
+              <a:t>SENSOR DE TEMPERATURA E UMIDADE</a:t>
+            </a:r>
+          </a:p>
+          <a:p>
+            <a:pPr algn="ctr"/>
+            <a:r>
+              <a:rPr lang="pt-BR" sz="2000" b="1" cap="none" spc="0" dirty="0" smtClean="0">
+                <a:ln w="0"/>
+                <a:solidFill>
+                  <a:schemeClr val="bg1"/>
+                </a:solidFill>
+                <a:effectLst>
+                  <a:outerShdw blurRad="38100" dist="19050" dir="2700000" algn="tl" rotWithShape="0">
+                    <a:schemeClr val="dk1">
+                      <a:alpha val="40000"/>
+                    </a:schemeClr>
+                  </a:outerShdw>
+                </a:effectLst>
+                <a:latin typeface="Exo 2 Extra Light" panose="00000300000000000000" pitchFamily="50" charset="0"/>
+              </a:rPr>
+              <a:t>0°C ~ 50 °C</a:t>
+            </a:r>
+          </a:p>
+          <a:p>
+            <a:pPr algn="ctr"/>
+            <a:r>
+              <a:rPr lang="pt-BR" sz="2000" b="1" cap="none" spc="0" dirty="0" smtClean="0">
+                <a:ln w="0"/>
+                <a:solidFill>
+                  <a:schemeClr val="bg1"/>
+                </a:solidFill>
+                <a:effectLst>
+                  <a:outerShdw blurRad="38100" dist="19050" dir="2700000" algn="tl" rotWithShape="0">
+                    <a:schemeClr val="dk1">
+                      <a:alpha val="40000"/>
+                    </a:schemeClr>
+                  </a:outerShdw>
+                </a:effectLst>
+                <a:latin typeface="Exo 2 Extra Light" panose="00000300000000000000" pitchFamily="50" charset="0"/>
+              </a:rPr>
+              <a:t>20% a 90%</a:t>
+            </a:r>
+            <a:endParaRPr lang="pt-BR" sz="2000" b="1" cap="none" spc="0" dirty="0">
+              <a:ln w="0"/>
+              <a:solidFill>
+                <a:schemeClr val="bg1"/>
+              </a:solidFill>
+              <a:effectLst>
+                <a:outerShdw blurRad="38100" dist="19050" dir="2700000" algn="tl" rotWithShape="0">
+                  <a:schemeClr val="dk1">
+                    <a:alpha val="40000"/>
+                  </a:schemeClr>
+                </a:outerShdw>
+              </a:effectLst>
+              <a:latin typeface="Exo 2 Extra Light" panose="00000300000000000000" pitchFamily="50" charset="0"/>
+            </a:endParaRPr>
+          </a:p>
+        </p:txBody>
+      </p:sp>
+      <p:sp>
+        <p:nvSpPr>
+          <p:cNvPr id="129" name="Retângulo 128"/>
+          <p:cNvSpPr/>
+          <p:nvPr/>
+        </p:nvSpPr>
+        <p:spPr>
+          <a:xfrm>
+            <a:off x="9190181" y="2018800"/>
+            <a:ext cx="1941645" cy="923330"/>
+          </a:xfrm>
+          <a:prstGeom prst="rect">
+            <a:avLst/>
+          </a:prstGeom>
+          <a:noFill/>
+          <a:effectLst/>
+        </p:spPr>
+        <p:txBody>
+          <a:bodyPr wrap="square" lIns="91440" tIns="45720" rIns="91440" bIns="45720">
+            <a:spAutoFit/>
+          </a:bodyPr>
+          <a:lstStyle/>
+          <a:p>
+            <a:r>
+              <a:rPr lang="pt-BR" b="1" dirty="0" smtClean="0">
+                <a:ln w="0"/>
+                <a:solidFill>
+                  <a:schemeClr val="bg1"/>
+                </a:solidFill>
+                <a:effectLst>
+                  <a:outerShdw blurRad="38100" dist="19050" dir="2700000" algn="tl" rotWithShape="0">
+                    <a:schemeClr val="dk1">
+                      <a:alpha val="40000"/>
+                    </a:schemeClr>
+                  </a:outerShdw>
+                </a:effectLst>
+                <a:latin typeface="Exo 2 Extra Light" panose="00000300000000000000" pitchFamily="50" charset="0"/>
+              </a:rPr>
+              <a:t>DADOS ARMAZENADOS NA NUVEM</a:t>
+            </a:r>
+            <a:endParaRPr lang="pt-BR" b="1" cap="none" spc="0" dirty="0">
+              <a:ln w="0"/>
+              <a:solidFill>
+                <a:schemeClr val="bg1"/>
+              </a:solidFill>
+              <a:effectLst>
+                <a:outerShdw blurRad="38100" dist="19050" dir="2700000" algn="tl" rotWithShape="0">
+                  <a:schemeClr val="dk1">
+                    <a:alpha val="40000"/>
+                  </a:schemeClr>
+                </a:outerShdw>
+              </a:effectLst>
+              <a:latin typeface="Exo 2 Extra Light" panose="00000300000000000000" pitchFamily="50" charset="0"/>
+            </a:endParaRPr>
+          </a:p>
+        </p:txBody>
+      </p:sp>
+    </p:spTree>
+    <p:extLst>
+      <p:ext uri="{BB962C8B-B14F-4D97-AF65-F5344CB8AC3E}">
+        <p14:creationId xmlns:p14="http://schemas.microsoft.com/office/powerpoint/2010/main" val="82894490"/>
+      </p:ext>
+    </p:extLst>
+  </p:cSld>
+  <p:clrMapOvr>
+    <a:masterClrMapping/>
+  </p:clrMapOvr>
   <p:timing>
     <p:tnLst>
       <p:par>
@@ -3842,41 +5797,7 @@
                 </a:effectLst>
                 <a:latin typeface="Exo 2 Extra Light" panose="00000300000000000000" pitchFamily="50" charset="0"/>
               </a:rPr>
-              <a:t>SISTEMA </a:t>
-            </a:r>
-            <a:r>
-              <a:rPr lang="pt-BR" sz="2400" b="1" dirty="0" smtClean="0">
-                <a:ln w="0"/>
-                <a:solidFill>
-                  <a:schemeClr val="bg1"/>
-                </a:solidFill>
-                <a:effectLst>
-                  <a:outerShdw blurRad="38100" dist="19050" dir="2700000" algn="tl" rotWithShape="0">
-                    <a:schemeClr val="dk1">
-                      <a:alpha val="40000"/>
-                    </a:schemeClr>
-                  </a:outerShdw>
-                </a:effectLst>
-                <a:latin typeface="Exo 2 Extra Light" panose="00000300000000000000" pitchFamily="50" charset="0"/>
-              </a:rPr>
-              <a:t>MEDIDOR </a:t>
-            </a:r>
-            <a:r>
-              <a:rPr lang="pt-BR" sz="2400" b="1" dirty="0" smtClean="0">
-                <a:ln w="0"/>
-                <a:solidFill>
-                  <a:schemeClr val="bg1"/>
-                </a:solidFill>
-                <a:effectLst>
-                  <a:outerShdw blurRad="38100" dist="19050" dir="2700000" algn="tl" rotWithShape="0">
-                    <a:schemeClr val="dk1">
-                      <a:alpha val="40000"/>
-                    </a:schemeClr>
-                  </a:outerShdw>
-                </a:effectLst>
-                <a:latin typeface="Exo 2 Extra Light" panose="00000300000000000000" pitchFamily="50" charset="0"/>
-              </a:rPr>
-              <a:t>DE TEMPERATURA E</a:t>
+              <a:t>SISTEMA MEDIDOR DE TEMPERATURA E</a:t>
             </a:r>
           </a:p>
           <a:p>
@@ -4146,11 +6067,11 @@
   <p:clrMapOvr>
     <a:masterClrMapping/>
   </p:clrMapOvr>
-  <mc:AlternateContent xmlns:mc="http://schemas.openxmlformats.org/markup-compatibility/2006">
-    <mc:Choice xmlns:p14="http://schemas.microsoft.com/office/powerpoint/2010/main" Requires="p14">
+  <mc:AlternateContent xmlns:mc="http://schemas.openxmlformats.org/markup-compatibility/2006" xmlns:p14="http://schemas.microsoft.com/office/powerpoint/2010/main">
+    <mc:Choice Requires="p14">
       <p:transition p14:dur="0"/>
     </mc:Choice>
-    <mc:Fallback>
+    <mc:Fallback xmlns="">
       <p:transition/>
     </mc:Fallback>
   </mc:AlternateContent>
@@ -4513,11 +6434,11 @@
   <p:clrMapOvr>
     <a:masterClrMapping/>
   </p:clrMapOvr>
-  <mc:AlternateContent xmlns:mc="http://schemas.openxmlformats.org/markup-compatibility/2006">
-    <mc:Choice xmlns:p14="http://schemas.microsoft.com/office/powerpoint/2010/main" Requires="p14">
+  <mc:AlternateContent xmlns:mc="http://schemas.openxmlformats.org/markup-compatibility/2006" xmlns:p14="http://schemas.microsoft.com/office/powerpoint/2010/main">
+    <mc:Choice Requires="p14">
       <p:transition p14:dur="0"/>
     </mc:Choice>
-    <mc:Fallback>
+    <mc:Fallback xmlns="">
       <p:transition/>
     </mc:Fallback>
   </mc:AlternateContent>
@@ -4844,11 +6765,11 @@
   <p:clrMapOvr>
     <a:masterClrMapping/>
   </p:clrMapOvr>
-  <mc:AlternateContent xmlns:mc="http://schemas.openxmlformats.org/markup-compatibility/2006">
-    <mc:Choice xmlns:p14="http://schemas.microsoft.com/office/powerpoint/2010/main" Requires="p14">
+  <mc:AlternateContent xmlns:mc="http://schemas.openxmlformats.org/markup-compatibility/2006" xmlns:p14="http://schemas.microsoft.com/office/powerpoint/2010/main">
+    <mc:Choice Requires="p14">
       <p:transition p14:dur="0"/>
     </mc:Choice>
-    <mc:Fallback>
+    <mc:Fallback xmlns="">
       <p:transition/>
     </mc:Fallback>
   </mc:AlternateContent>
@@ -5190,6 +7111,3154 @@
   <p:clrMapOvr>
     <a:masterClrMapping/>
   </p:clrMapOvr>
+  <mc:AlternateContent xmlns:mc="http://schemas.openxmlformats.org/markup-compatibility/2006" xmlns:p14="http://schemas.microsoft.com/office/powerpoint/2010/main">
+    <mc:Choice Requires="p14">
+      <p:transition p14:dur="0"/>
+    </mc:Choice>
+    <mc:Fallback xmlns="">
+      <p:transition/>
+    </mc:Fallback>
+  </mc:AlternateContent>
+  <p:timing>
+    <p:tnLst>
+      <p:par>
+        <p:cTn id="1" dur="indefinite" restart="never" nodeType="tmRoot"/>
+      </p:par>
+    </p:tnLst>
+  </p:timing>
+</p:sld>
+</file>
+
+<file path=ppt/slides/slide6.xml><?xml version="1.0" encoding="utf-8"?>
+<p:sld xmlns:a="http://schemas.openxmlformats.org/drawingml/2006/main" xmlns:r="http://schemas.openxmlformats.org/officeDocument/2006/relationships" xmlns:p="http://schemas.openxmlformats.org/presentationml/2006/main">
+  <p:cSld>
+    <p:spTree>
+      <p:nvGrpSpPr>
+        <p:cNvPr id="1" name=""/>
+        <p:cNvGrpSpPr/>
+        <p:nvPr/>
+      </p:nvGrpSpPr>
+      <p:grpSpPr>
+        <a:xfrm>
+          <a:off x="0" y="0"/>
+          <a:ext cx="0" cy="0"/>
+          <a:chOff x="0" y="0"/>
+          <a:chExt cx="0" cy="0"/>
+        </a:xfrm>
+      </p:grpSpPr>
+      <p:grpSp>
+        <p:nvGrpSpPr>
+          <p:cNvPr id="6" name="Agrupar 5"/>
+          <p:cNvGrpSpPr/>
+          <p:nvPr/>
+        </p:nvGrpSpPr>
+        <p:grpSpPr>
+          <a:xfrm>
+            <a:off x="0" y="-5907"/>
+            <a:ext cx="12192000" cy="6863907"/>
+            <a:chOff x="0" y="0"/>
+            <a:chExt cx="12192000" cy="6863907"/>
+          </a:xfrm>
+        </p:grpSpPr>
+        <p:pic>
+          <p:nvPicPr>
+            <p:cNvPr id="4" name="Picture 22" descr="http://www.correiodoestadoonline.com.br/arquivos/noticias/3.png"/>
+            <p:cNvPicPr>
+              <a:picLocks noChangeAspect="1" noChangeArrowheads="1"/>
+            </p:cNvPicPr>
+            <p:nvPr/>
+          </p:nvPicPr>
+          <p:blipFill>
+            <a:blip r:embed="rId2">
+              <a:extLst>
+                <a:ext uri="{BEBA8EAE-BF5A-486C-A8C5-ECC9F3942E4B}">
+                  <a14:imgProps xmlns:a14="http://schemas.microsoft.com/office/drawing/2010/main">
+                    <a14:imgLayer r:embed="rId3">
+                      <a14:imgEffect>
+                        <a14:sharpenSoften amount="-80000"/>
+                      </a14:imgEffect>
+                      <a14:imgEffect>
+                        <a14:brightnessContrast bright="-46000"/>
+                      </a14:imgEffect>
+                    </a14:imgLayer>
+                  </a14:imgProps>
+                </a:ext>
+                <a:ext uri="{28A0092B-C50C-407E-A947-70E740481C1C}">
+                  <a14:useLocalDpi xmlns:a14="http://schemas.microsoft.com/office/drawing/2010/main" val="0"/>
+                </a:ext>
+              </a:extLst>
+            </a:blip>
+            <a:srcRect/>
+            <a:stretch>
+              <a:fillRect/>
+            </a:stretch>
+          </p:blipFill>
+          <p:spPr bwMode="auto">
+            <a:xfrm>
+              <a:off x="0" y="0"/>
+              <a:ext cx="12192000" cy="6863907"/>
+            </a:xfrm>
+            <a:prstGeom prst="rect">
+              <a:avLst/>
+            </a:prstGeom>
+            <a:noFill/>
+          </p:spPr>
+        </p:pic>
+        <p:sp>
+          <p:nvSpPr>
+            <p:cNvPr id="5" name="Retângulo 4"/>
+            <p:cNvSpPr/>
+            <p:nvPr/>
+          </p:nvSpPr>
+          <p:spPr>
+            <a:xfrm>
+              <a:off x="0" y="5907"/>
+              <a:ext cx="12192000" cy="6858000"/>
+            </a:xfrm>
+            <a:prstGeom prst="rect">
+              <a:avLst/>
+            </a:prstGeom>
+            <a:solidFill>
+              <a:schemeClr val="tx1">
+                <a:lumMod val="95000"/>
+                <a:lumOff val="5000"/>
+                <a:alpha val="87000"/>
+              </a:schemeClr>
+            </a:solidFill>
+            <a:ln>
+              <a:noFill/>
+            </a:ln>
+          </p:spPr>
+          <p:style>
+            <a:lnRef idx="2">
+              <a:schemeClr val="dk1"/>
+            </a:lnRef>
+            <a:fillRef idx="1">
+              <a:schemeClr val="lt1"/>
+            </a:fillRef>
+            <a:effectRef idx="0">
+              <a:schemeClr val="dk1"/>
+            </a:effectRef>
+            <a:fontRef idx="minor">
+              <a:schemeClr val="dk1"/>
+            </a:fontRef>
+          </p:style>
+          <p:txBody>
+            <a:bodyPr rtlCol="0" anchor="ctr"/>
+            <a:lstStyle/>
+            <a:p>
+              <a:pPr algn="ctr"/>
+              <a:endParaRPr lang="pt-BR" dirty="0"/>
+            </a:p>
+          </p:txBody>
+        </p:sp>
+      </p:grpSp>
+      <p:graphicFrame>
+        <p:nvGraphicFramePr>
+          <p:cNvPr id="7" name="Tabela 6"/>
+          <p:cNvGraphicFramePr>
+            <a:graphicFrameLocks noGrp="1"/>
+          </p:cNvGraphicFramePr>
+          <p:nvPr>
+            <p:extLst>
+              <p:ext uri="{D42A27DB-BD31-4B8C-83A1-F6EECF244321}">
+                <p14:modId xmlns:p14="http://schemas.microsoft.com/office/powerpoint/2010/main" val="1917296620"/>
+              </p:ext>
+            </p:extLst>
+          </p:nvPr>
+        </p:nvGraphicFramePr>
+        <p:xfrm>
+          <a:off x="266700" y="1294689"/>
+          <a:ext cx="6578600" cy="5349239"/>
+        </p:xfrm>
+        <a:graphic>
+          <a:graphicData uri="http://schemas.openxmlformats.org/drawingml/2006/table">
+            <a:tbl>
+              <a:tblPr firstRow="1" firstCol="1" bandRow="1">
+                <a:tableStyleId>{5C22544A-7EE6-4342-B048-85BDC9FD1C3A}</a:tableStyleId>
+              </a:tblPr>
+              <a:tblGrid>
+                <a:gridCol w="308791">
+                  <a:extLst>
+                    <a:ext uri="{9D8B030D-6E8A-4147-A177-3AD203B41FA5}">
+                      <a16:colId xmlns:a16="http://schemas.microsoft.com/office/drawing/2014/main" val="1568329710"/>
+                    </a:ext>
+                  </a:extLst>
+                </a:gridCol>
+                <a:gridCol w="4290817">
+                  <a:extLst>
+                    <a:ext uri="{9D8B030D-6E8A-4147-A177-3AD203B41FA5}">
+                      <a16:colId xmlns:a16="http://schemas.microsoft.com/office/drawing/2014/main" val="1871891061"/>
+                    </a:ext>
+                  </a:extLst>
+                </a:gridCol>
+                <a:gridCol w="1978992">
+                  <a:extLst>
+                    <a:ext uri="{9D8B030D-6E8A-4147-A177-3AD203B41FA5}">
+                      <a16:colId xmlns:a16="http://schemas.microsoft.com/office/drawing/2014/main" val="579065303"/>
+                    </a:ext>
+                  </a:extLst>
+                </a:gridCol>
+              </a:tblGrid>
+              <a:tr h="291366">
+                <a:tc>
+                  <a:txBody>
+                    <a:bodyPr/>
+                    <a:lstStyle/>
+                    <a:p>
+                      <a:pPr algn="ctr">
+                        <a:lnSpc>
+                          <a:spcPct val="150000"/>
+                        </a:lnSpc>
+                        <a:spcAft>
+                          <a:spcPts val="0"/>
+                        </a:spcAft>
+                        <a:tabLst>
+                          <a:tab pos="540385" algn="l"/>
+                          <a:tab pos="449580" algn="l"/>
+                        </a:tabLst>
+                      </a:pPr>
+                      <a:r>
+                        <a:rPr lang="pt-BR" sz="1300" dirty="0">
+                          <a:effectLst/>
+                        </a:rPr>
+                        <a:t>ID</a:t>
+                      </a:r>
+                      <a:endParaRPr lang="pt-BR" sz="1300" dirty="0">
+                        <a:effectLst/>
+                        <a:latin typeface="Arial" panose="020B0604020202020204" pitchFamily="34" charset="0"/>
+                        <a:ea typeface="Times New Roman" panose="02020603050405020304" pitchFamily="18" charset="0"/>
+                        <a:cs typeface="Times New Roman" panose="02020603050405020304" pitchFamily="18" charset="0"/>
+                      </a:endParaRPr>
+                    </a:p>
+                  </a:txBody>
+                  <a:tcPr marL="44450" marR="44450" marT="0" marB="0" anchor="ctr">
+                    <a:lnL w="12700" cmpd="sng">
+                      <a:noFill/>
+                    </a:lnL>
+                    <a:lnR w="12700" cmpd="sng">
+                      <a:noFill/>
+                    </a:lnR>
+                    <a:lnT w="12700" cmpd="sng">
+                      <a:noFill/>
+                    </a:lnT>
+                    <a:lnB w="3175" cap="flat" cmpd="sng" algn="ctr">
+                      <a:solidFill>
+                        <a:schemeClr val="bg1"/>
+                      </a:solidFill>
+                      <a:prstDash val="solid"/>
+                      <a:round/>
+                      <a:headEnd type="none" w="med" len="med"/>
+                      <a:tailEnd type="none" w="med" len="med"/>
+                    </a:lnB>
+                    <a:lnTlToBr w="12700" cmpd="sng">
+                      <a:noFill/>
+                      <a:prstDash val="solid"/>
+                    </a:lnTlToBr>
+                    <a:lnBlToTr w="12700" cmpd="sng">
+                      <a:noFill/>
+                      <a:prstDash val="solid"/>
+                    </a:lnBlToTr>
+                  </a:tcPr>
+                </a:tc>
+                <a:tc>
+                  <a:txBody>
+                    <a:bodyPr/>
+                    <a:lstStyle/>
+                    <a:p>
+                      <a:pPr algn="ctr">
+                        <a:lnSpc>
+                          <a:spcPct val="150000"/>
+                        </a:lnSpc>
+                        <a:spcAft>
+                          <a:spcPts val="0"/>
+                        </a:spcAft>
+                        <a:tabLst>
+                          <a:tab pos="540385" algn="l"/>
+                          <a:tab pos="449580" algn="l"/>
+                        </a:tabLst>
+                      </a:pPr>
+                      <a:r>
+                        <a:rPr lang="pt-BR" sz="1300" dirty="0">
+                          <a:effectLst/>
+                        </a:rPr>
+                        <a:t>REQUISITOS FUNCIONAIS</a:t>
+                      </a:r>
+                      <a:endParaRPr lang="pt-BR" sz="1300" dirty="0">
+                        <a:effectLst/>
+                        <a:latin typeface="Arial" panose="020B0604020202020204" pitchFamily="34" charset="0"/>
+                        <a:ea typeface="Times New Roman" panose="02020603050405020304" pitchFamily="18" charset="0"/>
+                        <a:cs typeface="Times New Roman" panose="02020603050405020304" pitchFamily="18" charset="0"/>
+                      </a:endParaRPr>
+                    </a:p>
+                  </a:txBody>
+                  <a:tcPr marL="44450" marR="44450" marT="0" marB="0" anchor="ctr">
+                    <a:lnL w="12700" cmpd="sng">
+                      <a:noFill/>
+                    </a:lnL>
+                    <a:lnR w="12700" cmpd="sng">
+                      <a:noFill/>
+                    </a:lnR>
+                    <a:lnT w="12700" cmpd="sng">
+                      <a:noFill/>
+                    </a:lnT>
+                    <a:lnB w="3175" cap="flat" cmpd="sng" algn="ctr">
+                      <a:solidFill>
+                        <a:schemeClr val="bg1"/>
+                      </a:solidFill>
+                      <a:prstDash val="solid"/>
+                      <a:round/>
+                      <a:headEnd type="none" w="med" len="med"/>
+                      <a:tailEnd type="none" w="med" len="med"/>
+                    </a:lnB>
+                    <a:lnTlToBr w="12700" cmpd="sng">
+                      <a:noFill/>
+                      <a:prstDash val="solid"/>
+                    </a:lnTlToBr>
+                    <a:lnBlToTr w="12700" cmpd="sng">
+                      <a:noFill/>
+                      <a:prstDash val="solid"/>
+                    </a:lnBlToTr>
+                  </a:tcPr>
+                </a:tc>
+                <a:tc>
+                  <a:txBody>
+                    <a:bodyPr/>
+                    <a:lstStyle/>
+                    <a:p>
+                      <a:pPr algn="ctr">
+                        <a:lnSpc>
+                          <a:spcPct val="150000"/>
+                        </a:lnSpc>
+                        <a:spcAft>
+                          <a:spcPts val="0"/>
+                        </a:spcAft>
+                        <a:tabLst>
+                          <a:tab pos="540385" algn="l"/>
+                          <a:tab pos="449580" algn="l"/>
+                        </a:tabLst>
+                      </a:pPr>
+                      <a:r>
+                        <a:rPr lang="pt-BR" sz="1300" dirty="0">
+                          <a:effectLst/>
+                        </a:rPr>
+                        <a:t>PRIORIDADE</a:t>
+                      </a:r>
+                      <a:endParaRPr lang="pt-BR" sz="1300" dirty="0">
+                        <a:effectLst/>
+                        <a:latin typeface="Arial" panose="020B0604020202020204" pitchFamily="34" charset="0"/>
+                        <a:ea typeface="Times New Roman" panose="02020603050405020304" pitchFamily="18" charset="0"/>
+                        <a:cs typeface="Times New Roman" panose="02020603050405020304" pitchFamily="18" charset="0"/>
+                      </a:endParaRPr>
+                    </a:p>
+                  </a:txBody>
+                  <a:tcPr marL="44450" marR="44450" marT="0" marB="0" anchor="ctr">
+                    <a:lnL w="12700" cmpd="sng">
+                      <a:noFill/>
+                    </a:lnL>
+                    <a:lnR w="12700" cmpd="sng">
+                      <a:noFill/>
+                    </a:lnR>
+                    <a:lnT w="12700" cmpd="sng">
+                      <a:noFill/>
+                    </a:lnT>
+                    <a:lnB w="3175" cap="flat" cmpd="sng" algn="ctr">
+                      <a:solidFill>
+                        <a:schemeClr val="bg1"/>
+                      </a:solidFill>
+                      <a:prstDash val="solid"/>
+                      <a:round/>
+                      <a:headEnd type="none" w="med" len="med"/>
+                      <a:tailEnd type="none" w="med" len="med"/>
+                    </a:lnB>
+                    <a:lnTlToBr w="12700" cmpd="sng">
+                      <a:noFill/>
+                      <a:prstDash val="solid"/>
+                    </a:lnTlToBr>
+                    <a:lnBlToTr w="12700" cmpd="sng">
+                      <a:noFill/>
+                      <a:prstDash val="solid"/>
+                    </a:lnBlToTr>
+                  </a:tcPr>
+                </a:tc>
+                <a:extLst>
+                  <a:ext uri="{0D108BD9-81ED-4DB2-BD59-A6C34878D82A}">
+                    <a16:rowId xmlns:a16="http://schemas.microsoft.com/office/drawing/2014/main" val="1638585819"/>
+                  </a:ext>
+                </a:extLst>
+              </a:tr>
+              <a:tr h="366300">
+                <a:tc>
+                  <a:txBody>
+                    <a:bodyPr/>
+                    <a:lstStyle/>
+                    <a:p>
+                      <a:pPr algn="ctr">
+                        <a:lnSpc>
+                          <a:spcPct val="150000"/>
+                        </a:lnSpc>
+                        <a:spcAft>
+                          <a:spcPts val="0"/>
+                        </a:spcAft>
+                        <a:tabLst>
+                          <a:tab pos="540385" algn="l"/>
+                          <a:tab pos="449580" algn="l"/>
+                        </a:tabLst>
+                      </a:pPr>
+                      <a:r>
+                        <a:rPr lang="pt-BR" sz="1300" dirty="0">
+                          <a:effectLst/>
+                        </a:rPr>
+                        <a:t>1</a:t>
+                      </a:r>
+                      <a:endParaRPr lang="pt-BR" sz="1300" dirty="0">
+                        <a:effectLst/>
+                        <a:latin typeface="Arial" panose="020B0604020202020204" pitchFamily="34" charset="0"/>
+                        <a:ea typeface="Times New Roman" panose="02020603050405020304" pitchFamily="18" charset="0"/>
+                        <a:cs typeface="Times New Roman" panose="02020603050405020304" pitchFamily="18" charset="0"/>
+                      </a:endParaRPr>
+                    </a:p>
+                  </a:txBody>
+                  <a:tcPr marL="44450" marR="44450" marT="0" marB="0" anchor="ctr">
+                    <a:lnL w="12700" cmpd="sng">
+                      <a:noFill/>
+                    </a:lnL>
+                    <a:lnR w="12700" cmpd="sng">
+                      <a:noFill/>
+                    </a:lnR>
+                    <a:lnT w="3175" cap="flat" cmpd="sng" algn="ctr">
+                      <a:solidFill>
+                        <a:schemeClr val="bg1"/>
+                      </a:solidFill>
+                      <a:prstDash val="solid"/>
+                      <a:round/>
+                      <a:headEnd type="none" w="med" len="med"/>
+                      <a:tailEnd type="none" w="med" len="med"/>
+                    </a:lnT>
+                    <a:lnB w="12700" cmpd="sng">
+                      <a:noFill/>
+                    </a:lnB>
+                    <a:lnTlToBr w="12700" cmpd="sng">
+                      <a:noFill/>
+                      <a:prstDash val="solid"/>
+                    </a:lnTlToBr>
+                    <a:lnBlToTr w="12700" cmpd="sng">
+                      <a:noFill/>
+                      <a:prstDash val="solid"/>
+                    </a:lnBlToTr>
+                  </a:tcPr>
+                </a:tc>
+                <a:tc>
+                  <a:txBody>
+                    <a:bodyPr/>
+                    <a:lstStyle/>
+                    <a:p>
+                      <a:pPr algn="l">
+                        <a:lnSpc>
+                          <a:spcPct val="150000"/>
+                        </a:lnSpc>
+                        <a:spcAft>
+                          <a:spcPts val="0"/>
+                        </a:spcAft>
+                        <a:tabLst>
+                          <a:tab pos="540385" algn="l"/>
+                          <a:tab pos="449580" algn="l"/>
+                        </a:tabLst>
+                      </a:pPr>
+                      <a:r>
+                        <a:rPr lang="pt-BR" sz="1300" dirty="0">
+                          <a:effectLst/>
+                        </a:rPr>
+                        <a:t>A aplicação web terá sistema de </a:t>
+                      </a:r>
+                      <a:r>
+                        <a:rPr lang="pt-BR" sz="1300" dirty="0" err="1">
+                          <a:effectLst/>
+                        </a:rPr>
+                        <a:t>login</a:t>
+                      </a:r>
+                      <a:endParaRPr lang="pt-BR" sz="1300" dirty="0">
+                        <a:effectLst/>
+                        <a:latin typeface="Arial" panose="020B0604020202020204" pitchFamily="34" charset="0"/>
+                        <a:ea typeface="Times New Roman" panose="02020603050405020304" pitchFamily="18" charset="0"/>
+                        <a:cs typeface="Times New Roman" panose="02020603050405020304" pitchFamily="18" charset="0"/>
+                      </a:endParaRPr>
+                    </a:p>
+                  </a:txBody>
+                  <a:tcPr marL="44450" marR="44450" marT="0" marB="0" anchor="ctr">
+                    <a:lnL w="12700" cmpd="sng">
+                      <a:noFill/>
+                    </a:lnL>
+                    <a:lnR w="12700" cmpd="sng">
+                      <a:noFill/>
+                    </a:lnR>
+                    <a:lnT w="3175" cap="flat" cmpd="sng" algn="ctr">
+                      <a:solidFill>
+                        <a:schemeClr val="bg1"/>
+                      </a:solidFill>
+                      <a:prstDash val="solid"/>
+                      <a:round/>
+                      <a:headEnd type="none" w="med" len="med"/>
+                      <a:tailEnd type="none" w="med" len="med"/>
+                    </a:lnT>
+                    <a:lnB w="12700" cmpd="sng">
+                      <a:noFill/>
+                    </a:lnB>
+                    <a:lnTlToBr w="12700" cmpd="sng">
+                      <a:noFill/>
+                      <a:prstDash val="solid"/>
+                    </a:lnTlToBr>
+                    <a:lnBlToTr w="12700" cmpd="sng">
+                      <a:noFill/>
+                      <a:prstDash val="solid"/>
+                    </a:lnBlToTr>
+                  </a:tcPr>
+                </a:tc>
+                <a:tc>
+                  <a:txBody>
+                    <a:bodyPr/>
+                    <a:lstStyle/>
+                    <a:p>
+                      <a:pPr algn="ctr">
+                        <a:lnSpc>
+                          <a:spcPct val="150000"/>
+                        </a:lnSpc>
+                        <a:spcAft>
+                          <a:spcPts val="0"/>
+                        </a:spcAft>
+                        <a:tabLst>
+                          <a:tab pos="540385" algn="l"/>
+                          <a:tab pos="449580" algn="l"/>
+                        </a:tabLst>
+                      </a:pPr>
+                      <a:r>
+                        <a:rPr lang="pt-BR" sz="1300" dirty="0">
+                          <a:effectLst/>
+                        </a:rPr>
+                        <a:t>Essencial</a:t>
+                      </a:r>
+                      <a:endParaRPr lang="pt-BR" sz="1300" dirty="0">
+                        <a:effectLst/>
+                        <a:latin typeface="Arial" panose="020B0604020202020204" pitchFamily="34" charset="0"/>
+                        <a:ea typeface="Times New Roman" panose="02020603050405020304" pitchFamily="18" charset="0"/>
+                        <a:cs typeface="Times New Roman" panose="02020603050405020304" pitchFamily="18" charset="0"/>
+                      </a:endParaRPr>
+                    </a:p>
+                  </a:txBody>
+                  <a:tcPr marL="44450" marR="44450" marT="0" marB="0" anchor="ctr">
+                    <a:lnL w="12700" cmpd="sng">
+                      <a:noFill/>
+                    </a:lnL>
+                    <a:lnR w="12700" cmpd="sng">
+                      <a:noFill/>
+                    </a:lnR>
+                    <a:lnT w="3175" cap="flat" cmpd="sng" algn="ctr">
+                      <a:solidFill>
+                        <a:schemeClr val="bg1"/>
+                      </a:solidFill>
+                      <a:prstDash val="solid"/>
+                      <a:round/>
+                      <a:headEnd type="none" w="med" len="med"/>
+                      <a:tailEnd type="none" w="med" len="med"/>
+                    </a:lnT>
+                    <a:lnB w="12700" cmpd="sng">
+                      <a:noFill/>
+                    </a:lnB>
+                    <a:lnTlToBr w="12700" cmpd="sng">
+                      <a:noFill/>
+                      <a:prstDash val="solid"/>
+                    </a:lnTlToBr>
+                    <a:lnBlToTr w="12700" cmpd="sng">
+                      <a:noFill/>
+                      <a:prstDash val="solid"/>
+                    </a:lnBlToTr>
+                  </a:tcPr>
+                </a:tc>
+                <a:extLst>
+                  <a:ext uri="{0D108BD9-81ED-4DB2-BD59-A6C34878D82A}">
+                    <a16:rowId xmlns:a16="http://schemas.microsoft.com/office/drawing/2014/main" val="1729273268"/>
+                  </a:ext>
+                </a:extLst>
+              </a:tr>
+              <a:tr h="617896">
+                <a:tc>
+                  <a:txBody>
+                    <a:bodyPr/>
+                    <a:lstStyle/>
+                    <a:p>
+                      <a:pPr algn="ctr">
+                        <a:lnSpc>
+                          <a:spcPct val="150000"/>
+                        </a:lnSpc>
+                        <a:spcAft>
+                          <a:spcPts val="0"/>
+                        </a:spcAft>
+                        <a:tabLst>
+                          <a:tab pos="540385" algn="l"/>
+                          <a:tab pos="449580" algn="l"/>
+                        </a:tabLst>
+                      </a:pPr>
+                      <a:r>
+                        <a:rPr lang="pt-BR" sz="1300" dirty="0">
+                          <a:effectLst/>
+                        </a:rPr>
+                        <a:t>2</a:t>
+                      </a:r>
+                      <a:endParaRPr lang="pt-BR" sz="1300" dirty="0">
+                        <a:effectLst/>
+                        <a:latin typeface="Arial" panose="020B0604020202020204" pitchFamily="34" charset="0"/>
+                        <a:ea typeface="Times New Roman" panose="02020603050405020304" pitchFamily="18" charset="0"/>
+                        <a:cs typeface="Times New Roman" panose="02020603050405020304" pitchFamily="18" charset="0"/>
+                      </a:endParaRPr>
+                    </a:p>
+                  </a:txBody>
+                  <a:tcPr marL="44450" marR="44450" marT="0" marB="0" anchor="ctr">
+                    <a:lnL w="12700" cmpd="sng">
+                      <a:noFill/>
+                    </a:lnL>
+                    <a:lnR w="12700" cmpd="sng">
+                      <a:noFill/>
+                    </a:lnR>
+                    <a:lnT w="12700" cmpd="sng">
+                      <a:noFill/>
+                    </a:lnT>
+                    <a:lnB w="12700" cmpd="sng">
+                      <a:noFill/>
+                    </a:lnB>
+                    <a:lnTlToBr w="12700" cmpd="sng">
+                      <a:noFill/>
+                      <a:prstDash val="solid"/>
+                    </a:lnTlToBr>
+                    <a:lnBlToTr w="12700" cmpd="sng">
+                      <a:noFill/>
+                      <a:prstDash val="solid"/>
+                    </a:lnBlToTr>
+                  </a:tcPr>
+                </a:tc>
+                <a:tc>
+                  <a:txBody>
+                    <a:bodyPr/>
+                    <a:lstStyle/>
+                    <a:p>
+                      <a:pPr algn="l">
+                        <a:lnSpc>
+                          <a:spcPct val="150000"/>
+                        </a:lnSpc>
+                        <a:spcAft>
+                          <a:spcPts val="0"/>
+                        </a:spcAft>
+                        <a:tabLst>
+                          <a:tab pos="540385" algn="l"/>
+                          <a:tab pos="449580" algn="l"/>
+                        </a:tabLst>
+                      </a:pPr>
+                      <a:r>
+                        <a:rPr lang="pt-BR" sz="1300" dirty="0">
+                          <a:effectLst/>
+                        </a:rPr>
+                        <a:t>Para acessar o sistema o usuário deverá ter um cadastro prévio;</a:t>
+                      </a:r>
+                      <a:endParaRPr lang="pt-BR" sz="1300" dirty="0">
+                        <a:effectLst/>
+                        <a:latin typeface="Arial" panose="020B0604020202020204" pitchFamily="34" charset="0"/>
+                        <a:ea typeface="Times New Roman" panose="02020603050405020304" pitchFamily="18" charset="0"/>
+                        <a:cs typeface="Times New Roman" panose="02020603050405020304" pitchFamily="18" charset="0"/>
+                      </a:endParaRPr>
+                    </a:p>
+                  </a:txBody>
+                  <a:tcPr marL="44450" marR="44450" marT="0" marB="0" anchor="ctr">
+                    <a:lnL w="12700" cmpd="sng">
+                      <a:noFill/>
+                    </a:lnL>
+                    <a:lnR w="12700" cmpd="sng">
+                      <a:noFill/>
+                    </a:lnR>
+                    <a:lnT w="12700" cmpd="sng">
+                      <a:noFill/>
+                    </a:lnT>
+                    <a:lnB w="12700" cmpd="sng">
+                      <a:noFill/>
+                    </a:lnB>
+                    <a:lnTlToBr w="12700" cmpd="sng">
+                      <a:noFill/>
+                      <a:prstDash val="solid"/>
+                    </a:lnTlToBr>
+                    <a:lnBlToTr w="12700" cmpd="sng">
+                      <a:noFill/>
+                      <a:prstDash val="solid"/>
+                    </a:lnBlToTr>
+                  </a:tcPr>
+                </a:tc>
+                <a:tc>
+                  <a:txBody>
+                    <a:bodyPr/>
+                    <a:lstStyle/>
+                    <a:p>
+                      <a:pPr algn="ctr">
+                        <a:lnSpc>
+                          <a:spcPct val="150000"/>
+                        </a:lnSpc>
+                        <a:spcAft>
+                          <a:spcPts val="0"/>
+                        </a:spcAft>
+                        <a:tabLst>
+                          <a:tab pos="540385" algn="l"/>
+                          <a:tab pos="449580" algn="l"/>
+                        </a:tabLst>
+                      </a:pPr>
+                      <a:r>
+                        <a:rPr lang="pt-BR" sz="1300" dirty="0">
+                          <a:effectLst/>
+                        </a:rPr>
+                        <a:t>Essencial</a:t>
+                      </a:r>
+                      <a:endParaRPr lang="pt-BR" sz="1300" dirty="0">
+                        <a:effectLst/>
+                        <a:latin typeface="Arial" panose="020B0604020202020204" pitchFamily="34" charset="0"/>
+                        <a:ea typeface="Times New Roman" panose="02020603050405020304" pitchFamily="18" charset="0"/>
+                        <a:cs typeface="Times New Roman" panose="02020603050405020304" pitchFamily="18" charset="0"/>
+                      </a:endParaRPr>
+                    </a:p>
+                  </a:txBody>
+                  <a:tcPr marL="44450" marR="44450" marT="0" marB="0" anchor="ctr">
+                    <a:lnL w="12700" cmpd="sng">
+                      <a:noFill/>
+                    </a:lnL>
+                    <a:lnR w="12700" cmpd="sng">
+                      <a:noFill/>
+                    </a:lnR>
+                    <a:lnT w="12700" cmpd="sng">
+                      <a:noFill/>
+                    </a:lnT>
+                    <a:lnB w="12700" cmpd="sng">
+                      <a:noFill/>
+                    </a:lnB>
+                    <a:lnTlToBr w="12700" cmpd="sng">
+                      <a:noFill/>
+                      <a:prstDash val="solid"/>
+                    </a:lnTlToBr>
+                    <a:lnBlToTr w="12700" cmpd="sng">
+                      <a:noFill/>
+                      <a:prstDash val="solid"/>
+                    </a:lnBlToTr>
+                  </a:tcPr>
+                </a:tc>
+                <a:extLst>
+                  <a:ext uri="{0D108BD9-81ED-4DB2-BD59-A6C34878D82A}">
+                    <a16:rowId xmlns:a16="http://schemas.microsoft.com/office/drawing/2014/main" val="3139794314"/>
+                  </a:ext>
+                </a:extLst>
+              </a:tr>
+              <a:tr h="617896">
+                <a:tc>
+                  <a:txBody>
+                    <a:bodyPr/>
+                    <a:lstStyle/>
+                    <a:p>
+                      <a:pPr algn="ctr">
+                        <a:lnSpc>
+                          <a:spcPct val="150000"/>
+                        </a:lnSpc>
+                        <a:spcAft>
+                          <a:spcPts val="0"/>
+                        </a:spcAft>
+                        <a:tabLst>
+                          <a:tab pos="540385" algn="l"/>
+                          <a:tab pos="449580" algn="l"/>
+                        </a:tabLst>
+                      </a:pPr>
+                      <a:r>
+                        <a:rPr lang="pt-BR" sz="1300" dirty="0">
+                          <a:effectLst/>
+                        </a:rPr>
+                        <a:t>3</a:t>
+                      </a:r>
+                      <a:endParaRPr lang="pt-BR" sz="1300" dirty="0">
+                        <a:effectLst/>
+                        <a:latin typeface="Arial" panose="020B0604020202020204" pitchFamily="34" charset="0"/>
+                        <a:ea typeface="Times New Roman" panose="02020603050405020304" pitchFamily="18" charset="0"/>
+                        <a:cs typeface="Times New Roman" panose="02020603050405020304" pitchFamily="18" charset="0"/>
+                      </a:endParaRPr>
+                    </a:p>
+                  </a:txBody>
+                  <a:tcPr marL="44450" marR="44450" marT="0" marB="0" anchor="ctr">
+                    <a:lnL w="12700" cmpd="sng">
+                      <a:noFill/>
+                    </a:lnL>
+                    <a:lnR w="12700" cmpd="sng">
+                      <a:noFill/>
+                    </a:lnR>
+                    <a:lnT w="12700" cmpd="sng">
+                      <a:noFill/>
+                    </a:lnT>
+                    <a:lnB w="12700" cmpd="sng">
+                      <a:noFill/>
+                    </a:lnB>
+                    <a:lnTlToBr w="12700" cmpd="sng">
+                      <a:noFill/>
+                      <a:prstDash val="solid"/>
+                    </a:lnTlToBr>
+                    <a:lnBlToTr w="12700" cmpd="sng">
+                      <a:noFill/>
+                      <a:prstDash val="solid"/>
+                    </a:lnBlToTr>
+                  </a:tcPr>
+                </a:tc>
+                <a:tc>
+                  <a:txBody>
+                    <a:bodyPr/>
+                    <a:lstStyle/>
+                    <a:p>
+                      <a:pPr algn="l">
+                        <a:lnSpc>
+                          <a:spcPct val="150000"/>
+                        </a:lnSpc>
+                        <a:spcAft>
+                          <a:spcPts val="0"/>
+                        </a:spcAft>
+                        <a:tabLst>
+                          <a:tab pos="540385" algn="l"/>
+                          <a:tab pos="449580" algn="l"/>
+                        </a:tabLst>
+                      </a:pPr>
+                      <a:r>
+                        <a:rPr lang="pt-BR" sz="1300" dirty="0">
+                          <a:effectLst/>
+                        </a:rPr>
+                        <a:t>Cada usuário terá um nível de acesso (Administradores, Médicos e Enfermeiros);</a:t>
+                      </a:r>
+                      <a:endParaRPr lang="pt-BR" sz="1300" dirty="0">
+                        <a:effectLst/>
+                        <a:latin typeface="Arial" panose="020B0604020202020204" pitchFamily="34" charset="0"/>
+                        <a:ea typeface="Times New Roman" panose="02020603050405020304" pitchFamily="18" charset="0"/>
+                        <a:cs typeface="Times New Roman" panose="02020603050405020304" pitchFamily="18" charset="0"/>
+                      </a:endParaRPr>
+                    </a:p>
+                  </a:txBody>
+                  <a:tcPr marL="44450" marR="44450" marT="0" marB="0" anchor="ctr">
+                    <a:lnL w="12700" cmpd="sng">
+                      <a:noFill/>
+                    </a:lnL>
+                    <a:lnR w="12700" cmpd="sng">
+                      <a:noFill/>
+                    </a:lnR>
+                    <a:lnT w="12700" cmpd="sng">
+                      <a:noFill/>
+                    </a:lnT>
+                    <a:lnB w="12700" cmpd="sng">
+                      <a:noFill/>
+                    </a:lnB>
+                    <a:lnTlToBr w="12700" cmpd="sng">
+                      <a:noFill/>
+                      <a:prstDash val="solid"/>
+                    </a:lnTlToBr>
+                    <a:lnBlToTr w="12700" cmpd="sng">
+                      <a:noFill/>
+                      <a:prstDash val="solid"/>
+                    </a:lnBlToTr>
+                  </a:tcPr>
+                </a:tc>
+                <a:tc>
+                  <a:txBody>
+                    <a:bodyPr/>
+                    <a:lstStyle/>
+                    <a:p>
+                      <a:pPr algn="ctr">
+                        <a:lnSpc>
+                          <a:spcPct val="150000"/>
+                        </a:lnSpc>
+                        <a:spcAft>
+                          <a:spcPts val="0"/>
+                        </a:spcAft>
+                        <a:tabLst>
+                          <a:tab pos="540385" algn="l"/>
+                          <a:tab pos="449580" algn="l"/>
+                        </a:tabLst>
+                      </a:pPr>
+                      <a:r>
+                        <a:rPr lang="pt-BR" sz="1300" dirty="0">
+                          <a:effectLst/>
+                        </a:rPr>
+                        <a:t>Essencial</a:t>
+                      </a:r>
+                      <a:endParaRPr lang="pt-BR" sz="1300" dirty="0">
+                        <a:effectLst/>
+                        <a:latin typeface="Arial" panose="020B0604020202020204" pitchFamily="34" charset="0"/>
+                        <a:ea typeface="Times New Roman" panose="02020603050405020304" pitchFamily="18" charset="0"/>
+                        <a:cs typeface="Times New Roman" panose="02020603050405020304" pitchFamily="18" charset="0"/>
+                      </a:endParaRPr>
+                    </a:p>
+                  </a:txBody>
+                  <a:tcPr marL="44450" marR="44450" marT="0" marB="0" anchor="ctr">
+                    <a:lnL w="12700" cmpd="sng">
+                      <a:noFill/>
+                    </a:lnL>
+                    <a:lnR w="12700" cmpd="sng">
+                      <a:noFill/>
+                    </a:lnR>
+                    <a:lnT w="12700" cmpd="sng">
+                      <a:noFill/>
+                    </a:lnT>
+                    <a:lnB w="12700" cmpd="sng">
+                      <a:noFill/>
+                    </a:lnB>
+                    <a:lnTlToBr w="12700" cmpd="sng">
+                      <a:noFill/>
+                      <a:prstDash val="solid"/>
+                    </a:lnTlToBr>
+                    <a:lnBlToTr w="12700" cmpd="sng">
+                      <a:noFill/>
+                      <a:prstDash val="solid"/>
+                    </a:lnBlToTr>
+                  </a:tcPr>
+                </a:tc>
+                <a:extLst>
+                  <a:ext uri="{0D108BD9-81ED-4DB2-BD59-A6C34878D82A}">
+                    <a16:rowId xmlns:a16="http://schemas.microsoft.com/office/drawing/2014/main" val="2491518698"/>
+                  </a:ext>
+                </a:extLst>
+              </a:tr>
+              <a:tr h="291366">
+                <a:tc>
+                  <a:txBody>
+                    <a:bodyPr/>
+                    <a:lstStyle/>
+                    <a:p>
+                      <a:pPr algn="ctr">
+                        <a:lnSpc>
+                          <a:spcPct val="150000"/>
+                        </a:lnSpc>
+                        <a:spcAft>
+                          <a:spcPts val="0"/>
+                        </a:spcAft>
+                        <a:tabLst>
+                          <a:tab pos="540385" algn="l"/>
+                          <a:tab pos="449580" algn="l"/>
+                        </a:tabLst>
+                      </a:pPr>
+                      <a:r>
+                        <a:rPr lang="pt-BR" sz="1300" dirty="0">
+                          <a:effectLst/>
+                        </a:rPr>
+                        <a:t>4</a:t>
+                      </a:r>
+                      <a:endParaRPr lang="pt-BR" sz="1300" dirty="0">
+                        <a:effectLst/>
+                        <a:latin typeface="Arial" panose="020B0604020202020204" pitchFamily="34" charset="0"/>
+                        <a:ea typeface="Times New Roman" panose="02020603050405020304" pitchFamily="18" charset="0"/>
+                        <a:cs typeface="Times New Roman" panose="02020603050405020304" pitchFamily="18" charset="0"/>
+                      </a:endParaRPr>
+                    </a:p>
+                  </a:txBody>
+                  <a:tcPr marL="44450" marR="44450" marT="0" marB="0" anchor="ctr">
+                    <a:lnL w="12700" cmpd="sng">
+                      <a:noFill/>
+                    </a:lnL>
+                    <a:lnR w="12700" cmpd="sng">
+                      <a:noFill/>
+                    </a:lnR>
+                    <a:lnT w="12700" cmpd="sng">
+                      <a:noFill/>
+                    </a:lnT>
+                    <a:lnB w="12700" cmpd="sng">
+                      <a:noFill/>
+                    </a:lnB>
+                    <a:lnTlToBr w="12700" cmpd="sng">
+                      <a:noFill/>
+                      <a:prstDash val="solid"/>
+                    </a:lnTlToBr>
+                    <a:lnBlToTr w="12700" cmpd="sng">
+                      <a:noFill/>
+                      <a:prstDash val="solid"/>
+                    </a:lnBlToTr>
+                  </a:tcPr>
+                </a:tc>
+                <a:tc>
+                  <a:txBody>
+                    <a:bodyPr/>
+                    <a:lstStyle/>
+                    <a:p>
+                      <a:pPr algn="l">
+                        <a:lnSpc>
+                          <a:spcPct val="150000"/>
+                        </a:lnSpc>
+                        <a:spcAft>
+                          <a:spcPts val="0"/>
+                        </a:spcAft>
+                        <a:tabLst>
+                          <a:tab pos="540385" algn="l"/>
+                          <a:tab pos="449580" algn="l"/>
+                        </a:tabLst>
+                      </a:pPr>
+                      <a:r>
+                        <a:rPr lang="pt-BR" sz="1300">
+                          <a:effectLst/>
+                        </a:rPr>
+                        <a:t>O sistema deverá fazer o CRUD de incubadoras;</a:t>
+                      </a:r>
+                      <a:endParaRPr lang="pt-BR" sz="1300">
+                        <a:effectLst/>
+                        <a:latin typeface="Arial" panose="020B0604020202020204" pitchFamily="34" charset="0"/>
+                        <a:ea typeface="Times New Roman" panose="02020603050405020304" pitchFamily="18" charset="0"/>
+                        <a:cs typeface="Times New Roman" panose="02020603050405020304" pitchFamily="18" charset="0"/>
+                      </a:endParaRPr>
+                    </a:p>
+                  </a:txBody>
+                  <a:tcPr marL="44450" marR="44450" marT="0" marB="0" anchor="ctr">
+                    <a:lnL w="12700" cmpd="sng">
+                      <a:noFill/>
+                    </a:lnL>
+                    <a:lnR w="12700" cmpd="sng">
+                      <a:noFill/>
+                    </a:lnR>
+                    <a:lnT w="12700" cmpd="sng">
+                      <a:noFill/>
+                    </a:lnT>
+                    <a:lnB w="12700" cmpd="sng">
+                      <a:noFill/>
+                    </a:lnB>
+                    <a:lnTlToBr w="12700" cmpd="sng">
+                      <a:noFill/>
+                      <a:prstDash val="solid"/>
+                    </a:lnTlToBr>
+                    <a:lnBlToTr w="12700" cmpd="sng">
+                      <a:noFill/>
+                      <a:prstDash val="solid"/>
+                    </a:lnBlToTr>
+                  </a:tcPr>
+                </a:tc>
+                <a:tc>
+                  <a:txBody>
+                    <a:bodyPr/>
+                    <a:lstStyle/>
+                    <a:p>
+                      <a:pPr algn="ctr">
+                        <a:lnSpc>
+                          <a:spcPct val="150000"/>
+                        </a:lnSpc>
+                        <a:spcAft>
+                          <a:spcPts val="0"/>
+                        </a:spcAft>
+                        <a:tabLst>
+                          <a:tab pos="540385" algn="l"/>
+                          <a:tab pos="449580" algn="l"/>
+                        </a:tabLst>
+                      </a:pPr>
+                      <a:r>
+                        <a:rPr lang="pt-BR" sz="1300" dirty="0">
+                          <a:effectLst/>
+                        </a:rPr>
+                        <a:t>Essencial</a:t>
+                      </a:r>
+                      <a:endParaRPr lang="pt-BR" sz="1300" dirty="0">
+                        <a:effectLst/>
+                        <a:latin typeface="Arial" panose="020B0604020202020204" pitchFamily="34" charset="0"/>
+                        <a:ea typeface="Times New Roman" panose="02020603050405020304" pitchFamily="18" charset="0"/>
+                        <a:cs typeface="Times New Roman" panose="02020603050405020304" pitchFamily="18" charset="0"/>
+                      </a:endParaRPr>
+                    </a:p>
+                  </a:txBody>
+                  <a:tcPr marL="44450" marR="44450" marT="0" marB="0" anchor="ctr">
+                    <a:lnL w="12700" cmpd="sng">
+                      <a:noFill/>
+                    </a:lnL>
+                    <a:lnR w="12700" cmpd="sng">
+                      <a:noFill/>
+                    </a:lnR>
+                    <a:lnT w="12700" cmpd="sng">
+                      <a:noFill/>
+                    </a:lnT>
+                    <a:lnB w="12700" cmpd="sng">
+                      <a:noFill/>
+                    </a:lnB>
+                    <a:lnTlToBr w="12700" cmpd="sng">
+                      <a:noFill/>
+                      <a:prstDash val="solid"/>
+                    </a:lnTlToBr>
+                    <a:lnBlToTr w="12700" cmpd="sng">
+                      <a:noFill/>
+                      <a:prstDash val="solid"/>
+                    </a:lnBlToTr>
+                  </a:tcPr>
+                </a:tc>
+                <a:extLst>
+                  <a:ext uri="{0D108BD9-81ED-4DB2-BD59-A6C34878D82A}">
+                    <a16:rowId xmlns:a16="http://schemas.microsoft.com/office/drawing/2014/main" val="1225861265"/>
+                  </a:ext>
+                </a:extLst>
+              </a:tr>
+              <a:tr h="617896">
+                <a:tc>
+                  <a:txBody>
+                    <a:bodyPr/>
+                    <a:lstStyle/>
+                    <a:p>
+                      <a:pPr algn="ctr">
+                        <a:lnSpc>
+                          <a:spcPct val="150000"/>
+                        </a:lnSpc>
+                        <a:spcAft>
+                          <a:spcPts val="0"/>
+                        </a:spcAft>
+                        <a:tabLst>
+                          <a:tab pos="540385" algn="l"/>
+                          <a:tab pos="449580" algn="l"/>
+                        </a:tabLst>
+                      </a:pPr>
+                      <a:r>
+                        <a:rPr lang="pt-BR" sz="1300" dirty="0">
+                          <a:effectLst/>
+                        </a:rPr>
+                        <a:t>5</a:t>
+                      </a:r>
+                      <a:endParaRPr lang="pt-BR" sz="1300" dirty="0">
+                        <a:effectLst/>
+                        <a:latin typeface="Arial" panose="020B0604020202020204" pitchFamily="34" charset="0"/>
+                        <a:ea typeface="Times New Roman" panose="02020603050405020304" pitchFamily="18" charset="0"/>
+                        <a:cs typeface="Times New Roman" panose="02020603050405020304" pitchFamily="18" charset="0"/>
+                      </a:endParaRPr>
+                    </a:p>
+                  </a:txBody>
+                  <a:tcPr marL="44450" marR="44450" marT="0" marB="0" anchor="ctr">
+                    <a:lnL w="12700" cmpd="sng">
+                      <a:noFill/>
+                    </a:lnL>
+                    <a:lnR w="12700" cmpd="sng">
+                      <a:noFill/>
+                    </a:lnR>
+                    <a:lnT w="12700" cmpd="sng">
+                      <a:noFill/>
+                    </a:lnT>
+                    <a:lnB w="12700" cmpd="sng">
+                      <a:noFill/>
+                    </a:lnB>
+                    <a:lnTlToBr w="12700" cmpd="sng">
+                      <a:noFill/>
+                      <a:prstDash val="solid"/>
+                    </a:lnTlToBr>
+                    <a:lnBlToTr w="12700" cmpd="sng">
+                      <a:noFill/>
+                      <a:prstDash val="solid"/>
+                    </a:lnBlToTr>
+                  </a:tcPr>
+                </a:tc>
+                <a:tc>
+                  <a:txBody>
+                    <a:bodyPr/>
+                    <a:lstStyle/>
+                    <a:p>
+                      <a:pPr algn="l">
+                        <a:lnSpc>
+                          <a:spcPct val="150000"/>
+                        </a:lnSpc>
+                        <a:spcAft>
+                          <a:spcPts val="0"/>
+                        </a:spcAft>
+                        <a:tabLst>
+                          <a:tab pos="540385" algn="l"/>
+                          <a:tab pos="449580" algn="l"/>
+                        </a:tabLst>
+                      </a:pPr>
+                      <a:r>
+                        <a:rPr lang="pt-BR" sz="1300" dirty="0">
+                          <a:effectLst/>
+                        </a:rPr>
+                        <a:t>O sistema deverá permitir o CRUD de recém-nascidos nas incubadoras;</a:t>
+                      </a:r>
+                      <a:endParaRPr lang="pt-BR" sz="1300" dirty="0">
+                        <a:effectLst/>
+                        <a:latin typeface="Arial" panose="020B0604020202020204" pitchFamily="34" charset="0"/>
+                        <a:ea typeface="Times New Roman" panose="02020603050405020304" pitchFamily="18" charset="0"/>
+                        <a:cs typeface="Times New Roman" panose="02020603050405020304" pitchFamily="18" charset="0"/>
+                      </a:endParaRPr>
+                    </a:p>
+                  </a:txBody>
+                  <a:tcPr marL="44450" marR="44450" marT="0" marB="0" anchor="ctr">
+                    <a:lnL w="12700" cmpd="sng">
+                      <a:noFill/>
+                    </a:lnL>
+                    <a:lnR w="12700" cmpd="sng">
+                      <a:noFill/>
+                    </a:lnR>
+                    <a:lnT w="12700" cmpd="sng">
+                      <a:noFill/>
+                    </a:lnT>
+                    <a:lnB w="12700" cmpd="sng">
+                      <a:noFill/>
+                    </a:lnB>
+                    <a:lnTlToBr w="12700" cmpd="sng">
+                      <a:noFill/>
+                      <a:prstDash val="solid"/>
+                    </a:lnTlToBr>
+                    <a:lnBlToTr w="12700" cmpd="sng">
+                      <a:noFill/>
+                      <a:prstDash val="solid"/>
+                    </a:lnBlToTr>
+                  </a:tcPr>
+                </a:tc>
+                <a:tc>
+                  <a:txBody>
+                    <a:bodyPr/>
+                    <a:lstStyle/>
+                    <a:p>
+                      <a:pPr algn="ctr">
+                        <a:lnSpc>
+                          <a:spcPct val="150000"/>
+                        </a:lnSpc>
+                        <a:spcAft>
+                          <a:spcPts val="0"/>
+                        </a:spcAft>
+                        <a:tabLst>
+                          <a:tab pos="540385" algn="l"/>
+                          <a:tab pos="449580" algn="l"/>
+                        </a:tabLst>
+                      </a:pPr>
+                      <a:r>
+                        <a:rPr lang="pt-BR" sz="1300" dirty="0">
+                          <a:effectLst/>
+                        </a:rPr>
+                        <a:t>Essencial</a:t>
+                      </a:r>
+                      <a:endParaRPr lang="pt-BR" sz="1300" dirty="0">
+                        <a:effectLst/>
+                        <a:latin typeface="Arial" panose="020B0604020202020204" pitchFamily="34" charset="0"/>
+                        <a:ea typeface="Times New Roman" panose="02020603050405020304" pitchFamily="18" charset="0"/>
+                        <a:cs typeface="Times New Roman" panose="02020603050405020304" pitchFamily="18" charset="0"/>
+                      </a:endParaRPr>
+                    </a:p>
+                  </a:txBody>
+                  <a:tcPr marL="44450" marR="44450" marT="0" marB="0" anchor="ctr">
+                    <a:lnL w="12700" cmpd="sng">
+                      <a:noFill/>
+                    </a:lnL>
+                    <a:lnR w="12700" cmpd="sng">
+                      <a:noFill/>
+                    </a:lnR>
+                    <a:lnT w="12700" cmpd="sng">
+                      <a:noFill/>
+                    </a:lnT>
+                    <a:lnB w="12700" cmpd="sng">
+                      <a:noFill/>
+                    </a:lnB>
+                    <a:lnTlToBr w="12700" cmpd="sng">
+                      <a:noFill/>
+                      <a:prstDash val="solid"/>
+                    </a:lnTlToBr>
+                    <a:lnBlToTr w="12700" cmpd="sng">
+                      <a:noFill/>
+                      <a:prstDash val="solid"/>
+                    </a:lnBlToTr>
+                  </a:tcPr>
+                </a:tc>
+                <a:extLst>
+                  <a:ext uri="{0D108BD9-81ED-4DB2-BD59-A6C34878D82A}">
+                    <a16:rowId xmlns:a16="http://schemas.microsoft.com/office/drawing/2014/main" val="1852575384"/>
+                  </a:ext>
+                </a:extLst>
+              </a:tr>
+              <a:tr h="944427">
+                <a:tc>
+                  <a:txBody>
+                    <a:bodyPr/>
+                    <a:lstStyle/>
+                    <a:p>
+                      <a:pPr algn="ctr">
+                        <a:lnSpc>
+                          <a:spcPct val="150000"/>
+                        </a:lnSpc>
+                        <a:spcAft>
+                          <a:spcPts val="0"/>
+                        </a:spcAft>
+                        <a:tabLst>
+                          <a:tab pos="540385" algn="l"/>
+                          <a:tab pos="449580" algn="l"/>
+                        </a:tabLst>
+                      </a:pPr>
+                      <a:r>
+                        <a:rPr lang="pt-BR" sz="1300" dirty="0">
+                          <a:effectLst/>
+                        </a:rPr>
+                        <a:t>6</a:t>
+                      </a:r>
+                      <a:endParaRPr lang="pt-BR" sz="1300" dirty="0">
+                        <a:effectLst/>
+                        <a:latin typeface="Arial" panose="020B0604020202020204" pitchFamily="34" charset="0"/>
+                        <a:ea typeface="Times New Roman" panose="02020603050405020304" pitchFamily="18" charset="0"/>
+                        <a:cs typeface="Times New Roman" panose="02020603050405020304" pitchFamily="18" charset="0"/>
+                      </a:endParaRPr>
+                    </a:p>
+                  </a:txBody>
+                  <a:tcPr marL="44450" marR="44450" marT="0" marB="0" anchor="ctr">
+                    <a:lnL w="12700" cmpd="sng">
+                      <a:noFill/>
+                    </a:lnL>
+                    <a:lnR w="12700" cmpd="sng">
+                      <a:noFill/>
+                    </a:lnR>
+                    <a:lnT w="12700" cmpd="sng">
+                      <a:noFill/>
+                    </a:lnT>
+                    <a:lnB w="12700" cmpd="sng">
+                      <a:noFill/>
+                    </a:lnB>
+                    <a:lnTlToBr w="12700" cmpd="sng">
+                      <a:noFill/>
+                      <a:prstDash val="solid"/>
+                    </a:lnTlToBr>
+                    <a:lnBlToTr w="12700" cmpd="sng">
+                      <a:noFill/>
+                      <a:prstDash val="solid"/>
+                    </a:lnBlToTr>
+                  </a:tcPr>
+                </a:tc>
+                <a:tc>
+                  <a:txBody>
+                    <a:bodyPr/>
+                    <a:lstStyle/>
+                    <a:p>
+                      <a:pPr algn="l">
+                        <a:lnSpc>
+                          <a:spcPct val="150000"/>
+                        </a:lnSpc>
+                        <a:spcAft>
+                          <a:spcPts val="0"/>
+                        </a:spcAft>
+                        <a:tabLst>
+                          <a:tab pos="540385" algn="l"/>
+                          <a:tab pos="449580" algn="l"/>
+                        </a:tabLst>
+                      </a:pPr>
+                      <a:r>
+                        <a:rPr lang="pt-BR" sz="1300">
+                          <a:effectLst/>
+                        </a:rPr>
+                        <a:t>O sistema deverá obter temperatura e umidade das incubadoras físicas relacionadas  a cada incubadora cadastrada;</a:t>
+                      </a:r>
+                      <a:endParaRPr lang="pt-BR" sz="1300">
+                        <a:effectLst/>
+                        <a:latin typeface="Arial" panose="020B0604020202020204" pitchFamily="34" charset="0"/>
+                        <a:ea typeface="Times New Roman" panose="02020603050405020304" pitchFamily="18" charset="0"/>
+                        <a:cs typeface="Times New Roman" panose="02020603050405020304" pitchFamily="18" charset="0"/>
+                      </a:endParaRPr>
+                    </a:p>
+                  </a:txBody>
+                  <a:tcPr marL="44450" marR="44450" marT="0" marB="0" anchor="ctr">
+                    <a:lnL w="12700" cmpd="sng">
+                      <a:noFill/>
+                    </a:lnL>
+                    <a:lnR w="12700" cmpd="sng">
+                      <a:noFill/>
+                    </a:lnR>
+                    <a:lnT w="12700" cmpd="sng">
+                      <a:noFill/>
+                    </a:lnT>
+                    <a:lnB w="12700" cmpd="sng">
+                      <a:noFill/>
+                    </a:lnB>
+                    <a:lnTlToBr w="12700" cmpd="sng">
+                      <a:noFill/>
+                      <a:prstDash val="solid"/>
+                    </a:lnTlToBr>
+                    <a:lnBlToTr w="12700" cmpd="sng">
+                      <a:noFill/>
+                      <a:prstDash val="solid"/>
+                    </a:lnBlToTr>
+                  </a:tcPr>
+                </a:tc>
+                <a:tc>
+                  <a:txBody>
+                    <a:bodyPr/>
+                    <a:lstStyle/>
+                    <a:p>
+                      <a:pPr algn="ctr">
+                        <a:lnSpc>
+                          <a:spcPct val="150000"/>
+                        </a:lnSpc>
+                        <a:spcAft>
+                          <a:spcPts val="0"/>
+                        </a:spcAft>
+                        <a:tabLst>
+                          <a:tab pos="540385" algn="l"/>
+                          <a:tab pos="449580" algn="l"/>
+                        </a:tabLst>
+                      </a:pPr>
+                      <a:r>
+                        <a:rPr lang="pt-BR" sz="1300" dirty="0">
+                          <a:effectLst/>
+                        </a:rPr>
+                        <a:t>Essencial</a:t>
+                      </a:r>
+                      <a:endParaRPr lang="pt-BR" sz="1300" dirty="0">
+                        <a:effectLst/>
+                        <a:latin typeface="Arial" panose="020B0604020202020204" pitchFamily="34" charset="0"/>
+                        <a:ea typeface="Times New Roman" panose="02020603050405020304" pitchFamily="18" charset="0"/>
+                        <a:cs typeface="Times New Roman" panose="02020603050405020304" pitchFamily="18" charset="0"/>
+                      </a:endParaRPr>
+                    </a:p>
+                  </a:txBody>
+                  <a:tcPr marL="44450" marR="44450" marT="0" marB="0" anchor="ctr">
+                    <a:lnL w="12700" cmpd="sng">
+                      <a:noFill/>
+                    </a:lnL>
+                    <a:lnR w="12700" cmpd="sng">
+                      <a:noFill/>
+                    </a:lnR>
+                    <a:lnT w="12700" cmpd="sng">
+                      <a:noFill/>
+                    </a:lnT>
+                    <a:lnB w="12700" cmpd="sng">
+                      <a:noFill/>
+                    </a:lnB>
+                    <a:lnTlToBr w="12700" cmpd="sng">
+                      <a:noFill/>
+                      <a:prstDash val="solid"/>
+                    </a:lnTlToBr>
+                    <a:lnBlToTr w="12700" cmpd="sng">
+                      <a:noFill/>
+                      <a:prstDash val="solid"/>
+                    </a:lnBlToTr>
+                  </a:tcPr>
+                </a:tc>
+                <a:extLst>
+                  <a:ext uri="{0D108BD9-81ED-4DB2-BD59-A6C34878D82A}">
+                    <a16:rowId xmlns:a16="http://schemas.microsoft.com/office/drawing/2014/main" val="4275989410"/>
+                  </a:ext>
+                </a:extLst>
+              </a:tr>
+              <a:tr h="617896">
+                <a:tc>
+                  <a:txBody>
+                    <a:bodyPr/>
+                    <a:lstStyle/>
+                    <a:p>
+                      <a:pPr algn="ctr">
+                        <a:lnSpc>
+                          <a:spcPct val="150000"/>
+                        </a:lnSpc>
+                        <a:spcAft>
+                          <a:spcPts val="0"/>
+                        </a:spcAft>
+                        <a:tabLst>
+                          <a:tab pos="540385" algn="l"/>
+                          <a:tab pos="449580" algn="l"/>
+                        </a:tabLst>
+                      </a:pPr>
+                      <a:r>
+                        <a:rPr lang="pt-BR" sz="1300" dirty="0">
+                          <a:effectLst/>
+                        </a:rPr>
+                        <a:t>7</a:t>
+                      </a:r>
+                      <a:endParaRPr lang="pt-BR" sz="1300" dirty="0">
+                        <a:effectLst/>
+                        <a:latin typeface="Arial" panose="020B0604020202020204" pitchFamily="34" charset="0"/>
+                        <a:ea typeface="Times New Roman" panose="02020603050405020304" pitchFamily="18" charset="0"/>
+                        <a:cs typeface="Times New Roman" panose="02020603050405020304" pitchFamily="18" charset="0"/>
+                      </a:endParaRPr>
+                    </a:p>
+                  </a:txBody>
+                  <a:tcPr marL="44450" marR="44450" marT="0" marB="0" anchor="ctr">
+                    <a:lnL w="12700" cmpd="sng">
+                      <a:noFill/>
+                    </a:lnL>
+                    <a:lnR w="12700" cmpd="sng">
+                      <a:noFill/>
+                    </a:lnR>
+                    <a:lnT w="12700" cmpd="sng">
+                      <a:noFill/>
+                    </a:lnT>
+                    <a:lnB w="12700" cmpd="sng">
+                      <a:noFill/>
+                    </a:lnB>
+                    <a:lnTlToBr w="12700" cmpd="sng">
+                      <a:noFill/>
+                      <a:prstDash val="solid"/>
+                    </a:lnTlToBr>
+                    <a:lnBlToTr w="12700" cmpd="sng">
+                      <a:noFill/>
+                      <a:prstDash val="solid"/>
+                    </a:lnBlToTr>
+                  </a:tcPr>
+                </a:tc>
+                <a:tc>
+                  <a:txBody>
+                    <a:bodyPr/>
+                    <a:lstStyle/>
+                    <a:p>
+                      <a:pPr algn="l">
+                        <a:lnSpc>
+                          <a:spcPct val="150000"/>
+                        </a:lnSpc>
+                        <a:spcAft>
+                          <a:spcPts val="0"/>
+                        </a:spcAft>
+                        <a:tabLst>
+                          <a:tab pos="540385" algn="l"/>
+                          <a:tab pos="449580" algn="l"/>
+                        </a:tabLst>
+                      </a:pPr>
+                      <a:r>
+                        <a:rPr lang="pt-BR" sz="1300">
+                          <a:effectLst/>
+                        </a:rPr>
+                        <a:t>O sistema deverá exibir dados de temperatura e umidade em forma de gráfico;</a:t>
+                      </a:r>
+                      <a:endParaRPr lang="pt-BR" sz="1300">
+                        <a:effectLst/>
+                        <a:latin typeface="Arial" panose="020B0604020202020204" pitchFamily="34" charset="0"/>
+                        <a:ea typeface="Times New Roman" panose="02020603050405020304" pitchFamily="18" charset="0"/>
+                        <a:cs typeface="Times New Roman" panose="02020603050405020304" pitchFamily="18" charset="0"/>
+                      </a:endParaRPr>
+                    </a:p>
+                  </a:txBody>
+                  <a:tcPr marL="44450" marR="44450" marT="0" marB="0" anchor="ctr">
+                    <a:lnL w="12700" cmpd="sng">
+                      <a:noFill/>
+                    </a:lnL>
+                    <a:lnR w="12700" cmpd="sng">
+                      <a:noFill/>
+                    </a:lnR>
+                    <a:lnT w="12700" cmpd="sng">
+                      <a:noFill/>
+                    </a:lnT>
+                    <a:lnB w="12700" cmpd="sng">
+                      <a:noFill/>
+                    </a:lnB>
+                    <a:lnTlToBr w="12700" cmpd="sng">
+                      <a:noFill/>
+                      <a:prstDash val="solid"/>
+                    </a:lnTlToBr>
+                    <a:lnBlToTr w="12700" cmpd="sng">
+                      <a:noFill/>
+                      <a:prstDash val="solid"/>
+                    </a:lnBlToTr>
+                  </a:tcPr>
+                </a:tc>
+                <a:tc>
+                  <a:txBody>
+                    <a:bodyPr/>
+                    <a:lstStyle/>
+                    <a:p>
+                      <a:pPr algn="ctr">
+                        <a:lnSpc>
+                          <a:spcPct val="150000"/>
+                        </a:lnSpc>
+                        <a:spcAft>
+                          <a:spcPts val="0"/>
+                        </a:spcAft>
+                        <a:tabLst>
+                          <a:tab pos="540385" algn="l"/>
+                          <a:tab pos="449580" algn="l"/>
+                        </a:tabLst>
+                      </a:pPr>
+                      <a:r>
+                        <a:rPr lang="pt-BR" sz="1300" dirty="0">
+                          <a:effectLst/>
+                        </a:rPr>
+                        <a:t>Essencial</a:t>
+                      </a:r>
+                      <a:endParaRPr lang="pt-BR" sz="1300" dirty="0">
+                        <a:effectLst/>
+                        <a:latin typeface="Arial" panose="020B0604020202020204" pitchFamily="34" charset="0"/>
+                        <a:ea typeface="Times New Roman" panose="02020603050405020304" pitchFamily="18" charset="0"/>
+                        <a:cs typeface="Times New Roman" panose="02020603050405020304" pitchFamily="18" charset="0"/>
+                      </a:endParaRPr>
+                    </a:p>
+                  </a:txBody>
+                  <a:tcPr marL="44450" marR="44450" marT="0" marB="0" anchor="ctr">
+                    <a:lnL w="12700" cmpd="sng">
+                      <a:noFill/>
+                    </a:lnL>
+                    <a:lnR w="12700" cmpd="sng">
+                      <a:noFill/>
+                    </a:lnR>
+                    <a:lnT w="12700" cmpd="sng">
+                      <a:noFill/>
+                    </a:lnT>
+                    <a:lnB w="12700" cmpd="sng">
+                      <a:noFill/>
+                    </a:lnB>
+                    <a:lnTlToBr w="12700" cmpd="sng">
+                      <a:noFill/>
+                      <a:prstDash val="solid"/>
+                    </a:lnTlToBr>
+                    <a:lnBlToTr w="12700" cmpd="sng">
+                      <a:noFill/>
+                      <a:prstDash val="solid"/>
+                    </a:lnBlToTr>
+                  </a:tcPr>
+                </a:tc>
+                <a:extLst>
+                  <a:ext uri="{0D108BD9-81ED-4DB2-BD59-A6C34878D82A}">
+                    <a16:rowId xmlns:a16="http://schemas.microsoft.com/office/drawing/2014/main" val="1577018614"/>
+                  </a:ext>
+                </a:extLst>
+              </a:tr>
+              <a:tr h="617896">
+                <a:tc>
+                  <a:txBody>
+                    <a:bodyPr/>
+                    <a:lstStyle/>
+                    <a:p>
+                      <a:pPr algn="ctr">
+                        <a:lnSpc>
+                          <a:spcPct val="150000"/>
+                        </a:lnSpc>
+                        <a:spcAft>
+                          <a:spcPts val="0"/>
+                        </a:spcAft>
+                        <a:tabLst>
+                          <a:tab pos="540385" algn="l"/>
+                          <a:tab pos="449580" algn="l"/>
+                        </a:tabLst>
+                      </a:pPr>
+                      <a:r>
+                        <a:rPr lang="pt-BR" sz="1300" dirty="0">
+                          <a:effectLst/>
+                        </a:rPr>
+                        <a:t>8</a:t>
+                      </a:r>
+                      <a:endParaRPr lang="pt-BR" sz="1300" dirty="0">
+                        <a:effectLst/>
+                        <a:latin typeface="Arial" panose="020B0604020202020204" pitchFamily="34" charset="0"/>
+                        <a:ea typeface="Times New Roman" panose="02020603050405020304" pitchFamily="18" charset="0"/>
+                        <a:cs typeface="Times New Roman" panose="02020603050405020304" pitchFamily="18" charset="0"/>
+                      </a:endParaRPr>
+                    </a:p>
+                  </a:txBody>
+                  <a:tcPr marL="44450" marR="44450" marT="0" marB="0" anchor="ctr">
+                    <a:lnL w="12700" cmpd="sng">
+                      <a:noFill/>
+                    </a:lnL>
+                    <a:lnR w="12700" cmpd="sng">
+                      <a:noFill/>
+                    </a:lnR>
+                    <a:lnT w="12700" cmpd="sng">
+                      <a:noFill/>
+                    </a:lnT>
+                    <a:lnB w="12700" cmpd="sng">
+                      <a:noFill/>
+                    </a:lnB>
+                    <a:lnTlToBr w="12700" cmpd="sng">
+                      <a:noFill/>
+                      <a:prstDash val="solid"/>
+                    </a:lnTlToBr>
+                    <a:lnBlToTr w="12700" cmpd="sng">
+                      <a:noFill/>
+                      <a:prstDash val="solid"/>
+                    </a:lnBlToTr>
+                  </a:tcPr>
+                </a:tc>
+                <a:tc>
+                  <a:txBody>
+                    <a:bodyPr/>
+                    <a:lstStyle/>
+                    <a:p>
+                      <a:pPr algn="l">
+                        <a:lnSpc>
+                          <a:spcPct val="150000"/>
+                        </a:lnSpc>
+                        <a:spcAft>
+                          <a:spcPts val="0"/>
+                        </a:spcAft>
+                        <a:tabLst>
+                          <a:tab pos="540385" algn="l"/>
+                          <a:tab pos="449580" algn="l"/>
+                        </a:tabLst>
+                      </a:pPr>
+                      <a:r>
+                        <a:rPr lang="pt-BR" sz="1300">
+                          <a:effectLst/>
+                        </a:rPr>
+                        <a:t>O sistema deverá permitir dar alta a um recém-nascido seguido de um relatório;</a:t>
+                      </a:r>
+                      <a:endParaRPr lang="pt-BR" sz="1300">
+                        <a:effectLst/>
+                        <a:latin typeface="Arial" panose="020B0604020202020204" pitchFamily="34" charset="0"/>
+                        <a:ea typeface="Times New Roman" panose="02020603050405020304" pitchFamily="18" charset="0"/>
+                        <a:cs typeface="Times New Roman" panose="02020603050405020304" pitchFamily="18" charset="0"/>
+                      </a:endParaRPr>
+                    </a:p>
+                  </a:txBody>
+                  <a:tcPr marL="44450" marR="44450" marT="0" marB="0" anchor="ctr">
+                    <a:lnL w="12700" cmpd="sng">
+                      <a:noFill/>
+                    </a:lnL>
+                    <a:lnR w="12700" cmpd="sng">
+                      <a:noFill/>
+                    </a:lnR>
+                    <a:lnT w="12700" cmpd="sng">
+                      <a:noFill/>
+                    </a:lnT>
+                    <a:lnB w="12700" cmpd="sng">
+                      <a:noFill/>
+                    </a:lnB>
+                    <a:lnTlToBr w="12700" cmpd="sng">
+                      <a:noFill/>
+                      <a:prstDash val="solid"/>
+                    </a:lnTlToBr>
+                    <a:lnBlToTr w="12700" cmpd="sng">
+                      <a:noFill/>
+                      <a:prstDash val="solid"/>
+                    </a:lnBlToTr>
+                  </a:tcPr>
+                </a:tc>
+                <a:tc>
+                  <a:txBody>
+                    <a:bodyPr/>
+                    <a:lstStyle/>
+                    <a:p>
+                      <a:pPr algn="ctr">
+                        <a:lnSpc>
+                          <a:spcPct val="150000"/>
+                        </a:lnSpc>
+                        <a:spcAft>
+                          <a:spcPts val="0"/>
+                        </a:spcAft>
+                        <a:tabLst>
+                          <a:tab pos="540385" algn="l"/>
+                          <a:tab pos="449580" algn="l"/>
+                        </a:tabLst>
+                      </a:pPr>
+                      <a:r>
+                        <a:rPr lang="pt-BR" sz="1300" dirty="0">
+                          <a:effectLst/>
+                        </a:rPr>
+                        <a:t>Essencial</a:t>
+                      </a:r>
+                      <a:endParaRPr lang="pt-BR" sz="1300" dirty="0">
+                        <a:effectLst/>
+                        <a:latin typeface="Arial" panose="020B0604020202020204" pitchFamily="34" charset="0"/>
+                        <a:ea typeface="Times New Roman" panose="02020603050405020304" pitchFamily="18" charset="0"/>
+                        <a:cs typeface="Times New Roman" panose="02020603050405020304" pitchFamily="18" charset="0"/>
+                      </a:endParaRPr>
+                    </a:p>
+                  </a:txBody>
+                  <a:tcPr marL="44450" marR="44450" marT="0" marB="0" anchor="ctr">
+                    <a:lnL w="12700" cmpd="sng">
+                      <a:noFill/>
+                    </a:lnL>
+                    <a:lnR w="12700" cmpd="sng">
+                      <a:noFill/>
+                    </a:lnR>
+                    <a:lnT w="12700" cmpd="sng">
+                      <a:noFill/>
+                    </a:lnT>
+                    <a:lnB w="12700" cmpd="sng">
+                      <a:noFill/>
+                    </a:lnB>
+                    <a:lnTlToBr w="12700" cmpd="sng">
+                      <a:noFill/>
+                      <a:prstDash val="solid"/>
+                    </a:lnTlToBr>
+                    <a:lnBlToTr w="12700" cmpd="sng">
+                      <a:noFill/>
+                      <a:prstDash val="solid"/>
+                    </a:lnBlToTr>
+                  </a:tcPr>
+                </a:tc>
+                <a:extLst>
+                  <a:ext uri="{0D108BD9-81ED-4DB2-BD59-A6C34878D82A}">
+                    <a16:rowId xmlns:a16="http://schemas.microsoft.com/office/drawing/2014/main" val="2694745648"/>
+                  </a:ext>
+                </a:extLst>
+              </a:tr>
+              <a:tr h="366300">
+                <a:tc>
+                  <a:txBody>
+                    <a:bodyPr/>
+                    <a:lstStyle/>
+                    <a:p>
+                      <a:pPr algn="ctr">
+                        <a:lnSpc>
+                          <a:spcPct val="150000"/>
+                        </a:lnSpc>
+                        <a:spcAft>
+                          <a:spcPts val="0"/>
+                        </a:spcAft>
+                        <a:tabLst>
+                          <a:tab pos="540385" algn="l"/>
+                          <a:tab pos="449580" algn="l"/>
+                        </a:tabLst>
+                      </a:pPr>
+                      <a:r>
+                        <a:rPr lang="pt-BR" sz="1300" dirty="0">
+                          <a:effectLst/>
+                        </a:rPr>
+                        <a:t>9</a:t>
+                      </a:r>
+                      <a:endParaRPr lang="pt-BR" sz="1300" dirty="0">
+                        <a:effectLst/>
+                        <a:latin typeface="Arial" panose="020B0604020202020204" pitchFamily="34" charset="0"/>
+                        <a:ea typeface="Times New Roman" panose="02020603050405020304" pitchFamily="18" charset="0"/>
+                        <a:cs typeface="Times New Roman" panose="02020603050405020304" pitchFamily="18" charset="0"/>
+                      </a:endParaRPr>
+                    </a:p>
+                  </a:txBody>
+                  <a:tcPr marL="44450" marR="44450" marT="0" marB="0" anchor="ctr">
+                    <a:lnL w="12700" cmpd="sng">
+                      <a:noFill/>
+                    </a:lnL>
+                    <a:lnR w="12700" cmpd="sng">
+                      <a:noFill/>
+                    </a:lnR>
+                    <a:lnT w="12700" cmpd="sng">
+                      <a:noFill/>
+                    </a:lnT>
+                    <a:lnB w="12700" cmpd="sng">
+                      <a:noFill/>
+                    </a:lnB>
+                    <a:lnTlToBr w="12700" cmpd="sng">
+                      <a:noFill/>
+                      <a:prstDash val="solid"/>
+                    </a:lnTlToBr>
+                    <a:lnBlToTr w="12700" cmpd="sng">
+                      <a:noFill/>
+                      <a:prstDash val="solid"/>
+                    </a:lnBlToTr>
+                  </a:tcPr>
+                </a:tc>
+                <a:tc>
+                  <a:txBody>
+                    <a:bodyPr/>
+                    <a:lstStyle/>
+                    <a:p>
+                      <a:pPr algn="l">
+                        <a:lnSpc>
+                          <a:spcPct val="150000"/>
+                        </a:lnSpc>
+                        <a:spcAft>
+                          <a:spcPts val="0"/>
+                        </a:spcAft>
+                        <a:tabLst>
+                          <a:tab pos="540385" algn="l"/>
+                          <a:tab pos="449580" algn="l"/>
+                        </a:tabLst>
+                      </a:pPr>
+                      <a:r>
+                        <a:rPr lang="pt-BR" sz="1300">
+                          <a:effectLst/>
+                        </a:rPr>
+                        <a:t>O ambiente web será totalmente responsivo;</a:t>
+                      </a:r>
+                      <a:endParaRPr lang="pt-BR" sz="1300">
+                        <a:effectLst/>
+                        <a:latin typeface="Arial" panose="020B0604020202020204" pitchFamily="34" charset="0"/>
+                        <a:ea typeface="Times New Roman" panose="02020603050405020304" pitchFamily="18" charset="0"/>
+                        <a:cs typeface="Times New Roman" panose="02020603050405020304" pitchFamily="18" charset="0"/>
+                      </a:endParaRPr>
+                    </a:p>
+                  </a:txBody>
+                  <a:tcPr marL="44450" marR="44450" marT="0" marB="0" anchor="ctr">
+                    <a:lnL w="12700" cmpd="sng">
+                      <a:noFill/>
+                    </a:lnL>
+                    <a:lnR w="12700" cmpd="sng">
+                      <a:noFill/>
+                    </a:lnR>
+                    <a:lnT w="12700" cmpd="sng">
+                      <a:noFill/>
+                    </a:lnT>
+                    <a:lnB w="12700" cmpd="sng">
+                      <a:noFill/>
+                    </a:lnB>
+                    <a:lnTlToBr w="12700" cmpd="sng">
+                      <a:noFill/>
+                      <a:prstDash val="solid"/>
+                    </a:lnTlToBr>
+                    <a:lnBlToTr w="12700" cmpd="sng">
+                      <a:noFill/>
+                      <a:prstDash val="solid"/>
+                    </a:lnBlToTr>
+                  </a:tcPr>
+                </a:tc>
+                <a:tc>
+                  <a:txBody>
+                    <a:bodyPr/>
+                    <a:lstStyle/>
+                    <a:p>
+                      <a:pPr algn="ctr">
+                        <a:lnSpc>
+                          <a:spcPct val="150000"/>
+                        </a:lnSpc>
+                        <a:spcAft>
+                          <a:spcPts val="0"/>
+                        </a:spcAft>
+                        <a:tabLst>
+                          <a:tab pos="540385" algn="l"/>
+                          <a:tab pos="449580" algn="l"/>
+                        </a:tabLst>
+                      </a:pPr>
+                      <a:r>
+                        <a:rPr lang="pt-BR" sz="1300" dirty="0">
+                          <a:effectLst/>
+                        </a:rPr>
+                        <a:t>Importante</a:t>
+                      </a:r>
+                      <a:endParaRPr lang="pt-BR" sz="1300" dirty="0">
+                        <a:effectLst/>
+                        <a:latin typeface="Arial" panose="020B0604020202020204" pitchFamily="34" charset="0"/>
+                        <a:ea typeface="Times New Roman" panose="02020603050405020304" pitchFamily="18" charset="0"/>
+                        <a:cs typeface="Times New Roman" panose="02020603050405020304" pitchFamily="18" charset="0"/>
+                      </a:endParaRPr>
+                    </a:p>
+                  </a:txBody>
+                  <a:tcPr marL="44450" marR="44450" marT="0" marB="0" anchor="ctr">
+                    <a:lnL w="12700" cmpd="sng">
+                      <a:noFill/>
+                    </a:lnL>
+                    <a:lnR w="12700" cmpd="sng">
+                      <a:noFill/>
+                    </a:lnR>
+                    <a:lnT w="12700" cmpd="sng">
+                      <a:noFill/>
+                    </a:lnT>
+                    <a:lnB w="12700" cmpd="sng">
+                      <a:noFill/>
+                    </a:lnB>
+                    <a:lnTlToBr w="12700" cmpd="sng">
+                      <a:noFill/>
+                      <a:prstDash val="solid"/>
+                    </a:lnTlToBr>
+                    <a:lnBlToTr w="12700" cmpd="sng">
+                      <a:noFill/>
+                      <a:prstDash val="solid"/>
+                    </a:lnBlToTr>
+                  </a:tcPr>
+                </a:tc>
+                <a:extLst>
+                  <a:ext uri="{0D108BD9-81ED-4DB2-BD59-A6C34878D82A}">
+                    <a16:rowId xmlns:a16="http://schemas.microsoft.com/office/drawing/2014/main" val="3845670915"/>
+                  </a:ext>
+                </a:extLst>
+              </a:tr>
+            </a:tbl>
+          </a:graphicData>
+        </a:graphic>
+      </p:graphicFrame>
+      <p:graphicFrame>
+        <p:nvGraphicFramePr>
+          <p:cNvPr id="10" name="Tabela 9"/>
+          <p:cNvGraphicFramePr>
+            <a:graphicFrameLocks noGrp="1"/>
+          </p:cNvGraphicFramePr>
+          <p:nvPr>
+            <p:extLst>
+              <p:ext uri="{D42A27DB-BD31-4B8C-83A1-F6EECF244321}">
+                <p14:modId xmlns:p14="http://schemas.microsoft.com/office/powerpoint/2010/main" val="3534116738"/>
+              </p:ext>
+            </p:extLst>
+          </p:nvPr>
+        </p:nvGraphicFramePr>
+        <p:xfrm>
+          <a:off x="7137676" y="1294689"/>
+          <a:ext cx="4761948" cy="5349240"/>
+        </p:xfrm>
+        <a:graphic>
+          <a:graphicData uri="http://schemas.openxmlformats.org/drawingml/2006/table">
+            <a:tbl>
+              <a:tblPr firstRow="1" firstCol="1" bandRow="1">
+                <a:tableStyleId>{5C22544A-7EE6-4342-B048-85BDC9FD1C3A}</a:tableStyleId>
+              </a:tblPr>
+              <a:tblGrid>
+                <a:gridCol w="283541">
+                  <a:extLst>
+                    <a:ext uri="{9D8B030D-6E8A-4147-A177-3AD203B41FA5}">
+                      <a16:colId xmlns:a16="http://schemas.microsoft.com/office/drawing/2014/main" val="946642547"/>
+                    </a:ext>
+                  </a:extLst>
+                </a:gridCol>
+                <a:gridCol w="2508558">
+                  <a:extLst>
+                    <a:ext uri="{9D8B030D-6E8A-4147-A177-3AD203B41FA5}">
+                      <a16:colId xmlns:a16="http://schemas.microsoft.com/office/drawing/2014/main" val="2882887969"/>
+                    </a:ext>
+                  </a:extLst>
+                </a:gridCol>
+                <a:gridCol w="1969849">
+                  <a:extLst>
+                    <a:ext uri="{9D8B030D-6E8A-4147-A177-3AD203B41FA5}">
+                      <a16:colId xmlns:a16="http://schemas.microsoft.com/office/drawing/2014/main" val="1670058364"/>
+                    </a:ext>
+                  </a:extLst>
+                </a:gridCol>
+              </a:tblGrid>
+              <a:tr h="242563">
+                <a:tc>
+                  <a:txBody>
+                    <a:bodyPr/>
+                    <a:lstStyle/>
+                    <a:p>
+                      <a:pPr algn="ctr">
+                        <a:lnSpc>
+                          <a:spcPct val="150000"/>
+                        </a:lnSpc>
+                        <a:spcAft>
+                          <a:spcPts val="0"/>
+                        </a:spcAft>
+                        <a:tabLst>
+                          <a:tab pos="540385" algn="l"/>
+                          <a:tab pos="449580" algn="l"/>
+                        </a:tabLst>
+                      </a:pPr>
+                      <a:r>
+                        <a:rPr lang="pt-BR" sz="1300" dirty="0">
+                          <a:effectLst/>
+                        </a:rPr>
+                        <a:t>ID</a:t>
+                      </a:r>
+                      <a:endParaRPr lang="pt-BR" sz="1300" dirty="0">
+                        <a:effectLst/>
+                        <a:latin typeface="Arial" panose="020B0604020202020204" pitchFamily="34" charset="0"/>
+                        <a:ea typeface="Times New Roman" panose="02020603050405020304" pitchFamily="18" charset="0"/>
+                        <a:cs typeface="Times New Roman" panose="02020603050405020304" pitchFamily="18" charset="0"/>
+                      </a:endParaRPr>
+                    </a:p>
+                  </a:txBody>
+                  <a:tcPr marL="44450" marR="44450" marT="0" marB="0" anchor="ctr">
+                    <a:lnL w="12700" cmpd="sng">
+                      <a:noFill/>
+                    </a:lnL>
+                    <a:lnR w="12700" cmpd="sng">
+                      <a:noFill/>
+                    </a:lnR>
+                    <a:lnT w="12700" cmpd="sng">
+                      <a:noFill/>
+                    </a:lnT>
+                    <a:lnB w="3175" cap="flat" cmpd="sng" algn="ctr">
+                      <a:solidFill>
+                        <a:schemeClr val="bg1"/>
+                      </a:solidFill>
+                      <a:prstDash val="solid"/>
+                      <a:round/>
+                      <a:headEnd type="none" w="med" len="med"/>
+                      <a:tailEnd type="none" w="med" len="med"/>
+                    </a:lnB>
+                    <a:lnTlToBr w="12700" cmpd="sng">
+                      <a:noFill/>
+                      <a:prstDash val="solid"/>
+                    </a:lnTlToBr>
+                    <a:lnBlToTr w="12700" cmpd="sng">
+                      <a:noFill/>
+                      <a:prstDash val="solid"/>
+                    </a:lnBlToTr>
+                  </a:tcPr>
+                </a:tc>
+                <a:tc>
+                  <a:txBody>
+                    <a:bodyPr/>
+                    <a:lstStyle/>
+                    <a:p>
+                      <a:pPr algn="ctr">
+                        <a:lnSpc>
+                          <a:spcPct val="150000"/>
+                        </a:lnSpc>
+                        <a:spcAft>
+                          <a:spcPts val="0"/>
+                        </a:spcAft>
+                        <a:tabLst>
+                          <a:tab pos="540385" algn="l"/>
+                          <a:tab pos="449580" algn="l"/>
+                        </a:tabLst>
+                      </a:pPr>
+                      <a:r>
+                        <a:rPr lang="pt-BR" sz="1300" dirty="0">
+                          <a:effectLst/>
+                        </a:rPr>
+                        <a:t>REQUISITOS NÂO FUNCIONAIS</a:t>
+                      </a:r>
+                      <a:endParaRPr lang="pt-BR" sz="1300" dirty="0">
+                        <a:effectLst/>
+                        <a:latin typeface="Arial" panose="020B0604020202020204" pitchFamily="34" charset="0"/>
+                        <a:ea typeface="Times New Roman" panose="02020603050405020304" pitchFamily="18" charset="0"/>
+                        <a:cs typeface="Times New Roman" panose="02020603050405020304" pitchFamily="18" charset="0"/>
+                      </a:endParaRPr>
+                    </a:p>
+                  </a:txBody>
+                  <a:tcPr marL="44450" marR="44450" marT="0" marB="0" anchor="ctr">
+                    <a:lnL w="12700" cmpd="sng">
+                      <a:noFill/>
+                    </a:lnL>
+                    <a:lnR w="12700" cmpd="sng">
+                      <a:noFill/>
+                    </a:lnR>
+                    <a:lnT w="12700" cmpd="sng">
+                      <a:noFill/>
+                    </a:lnT>
+                    <a:lnB w="3175" cap="flat" cmpd="sng" algn="ctr">
+                      <a:solidFill>
+                        <a:schemeClr val="bg1"/>
+                      </a:solidFill>
+                      <a:prstDash val="solid"/>
+                      <a:round/>
+                      <a:headEnd type="none" w="med" len="med"/>
+                      <a:tailEnd type="none" w="med" len="med"/>
+                    </a:lnB>
+                    <a:lnTlToBr w="12700" cmpd="sng">
+                      <a:noFill/>
+                      <a:prstDash val="solid"/>
+                    </a:lnTlToBr>
+                    <a:lnBlToTr w="12700" cmpd="sng">
+                      <a:noFill/>
+                      <a:prstDash val="solid"/>
+                    </a:lnBlToTr>
+                  </a:tcPr>
+                </a:tc>
+                <a:tc>
+                  <a:txBody>
+                    <a:bodyPr/>
+                    <a:lstStyle/>
+                    <a:p>
+                      <a:pPr algn="ctr">
+                        <a:lnSpc>
+                          <a:spcPct val="150000"/>
+                        </a:lnSpc>
+                        <a:spcAft>
+                          <a:spcPts val="0"/>
+                        </a:spcAft>
+                        <a:tabLst>
+                          <a:tab pos="540385" algn="l"/>
+                          <a:tab pos="449580" algn="l"/>
+                        </a:tabLst>
+                      </a:pPr>
+                      <a:r>
+                        <a:rPr lang="pt-BR" sz="1300" dirty="0">
+                          <a:effectLst/>
+                        </a:rPr>
+                        <a:t>PRIORIDADE</a:t>
+                      </a:r>
+                      <a:endParaRPr lang="pt-BR" sz="1300" dirty="0">
+                        <a:effectLst/>
+                        <a:latin typeface="Arial" panose="020B0604020202020204" pitchFamily="34" charset="0"/>
+                        <a:ea typeface="Times New Roman" panose="02020603050405020304" pitchFamily="18" charset="0"/>
+                        <a:cs typeface="Times New Roman" panose="02020603050405020304" pitchFamily="18" charset="0"/>
+                      </a:endParaRPr>
+                    </a:p>
+                  </a:txBody>
+                  <a:tcPr marL="44450" marR="44450" marT="0" marB="0" anchor="ctr">
+                    <a:lnL w="12700" cmpd="sng">
+                      <a:noFill/>
+                    </a:lnL>
+                    <a:lnR w="12700" cmpd="sng">
+                      <a:noFill/>
+                    </a:lnR>
+                    <a:lnT w="12700" cmpd="sng">
+                      <a:noFill/>
+                    </a:lnT>
+                    <a:lnB w="3175" cap="flat" cmpd="sng" algn="ctr">
+                      <a:solidFill>
+                        <a:schemeClr val="bg1"/>
+                      </a:solidFill>
+                      <a:prstDash val="solid"/>
+                      <a:round/>
+                      <a:headEnd type="none" w="med" len="med"/>
+                      <a:tailEnd type="none" w="med" len="med"/>
+                    </a:lnB>
+                    <a:lnTlToBr w="12700" cmpd="sng">
+                      <a:noFill/>
+                      <a:prstDash val="solid"/>
+                    </a:lnTlToBr>
+                    <a:lnBlToTr w="12700" cmpd="sng">
+                      <a:noFill/>
+                      <a:prstDash val="solid"/>
+                    </a:lnBlToTr>
+                  </a:tcPr>
+                </a:tc>
+                <a:extLst>
+                  <a:ext uri="{0D108BD9-81ED-4DB2-BD59-A6C34878D82A}">
+                    <a16:rowId xmlns:a16="http://schemas.microsoft.com/office/drawing/2014/main" val="1413653519"/>
+                  </a:ext>
+                </a:extLst>
+              </a:tr>
+              <a:tr h="864607">
+                <a:tc>
+                  <a:txBody>
+                    <a:bodyPr/>
+                    <a:lstStyle/>
+                    <a:p>
+                      <a:pPr algn="ctr">
+                        <a:lnSpc>
+                          <a:spcPct val="150000"/>
+                        </a:lnSpc>
+                        <a:spcAft>
+                          <a:spcPts val="0"/>
+                        </a:spcAft>
+                        <a:tabLst>
+                          <a:tab pos="540385" algn="l"/>
+                          <a:tab pos="449580" algn="l"/>
+                        </a:tabLst>
+                      </a:pPr>
+                      <a:r>
+                        <a:rPr lang="pt-BR" sz="1300" dirty="0">
+                          <a:effectLst/>
+                        </a:rPr>
+                        <a:t>1</a:t>
+                      </a:r>
+                      <a:endParaRPr lang="pt-BR" sz="1300" dirty="0">
+                        <a:effectLst/>
+                        <a:latin typeface="Arial" panose="020B0604020202020204" pitchFamily="34" charset="0"/>
+                        <a:ea typeface="Times New Roman" panose="02020603050405020304" pitchFamily="18" charset="0"/>
+                        <a:cs typeface="Times New Roman" panose="02020603050405020304" pitchFamily="18" charset="0"/>
+                      </a:endParaRPr>
+                    </a:p>
+                  </a:txBody>
+                  <a:tcPr marL="44450" marR="44450" marT="0" marB="0" anchor="ctr">
+                    <a:lnL w="12700" cmpd="sng">
+                      <a:noFill/>
+                    </a:lnL>
+                    <a:lnR w="12700" cmpd="sng">
+                      <a:noFill/>
+                    </a:lnR>
+                    <a:lnT w="3175" cap="flat" cmpd="sng" algn="ctr">
+                      <a:solidFill>
+                        <a:schemeClr val="bg1"/>
+                      </a:solidFill>
+                      <a:prstDash val="solid"/>
+                      <a:round/>
+                      <a:headEnd type="none" w="med" len="med"/>
+                      <a:tailEnd type="none" w="med" len="med"/>
+                    </a:lnT>
+                    <a:lnB w="12700" cmpd="sng">
+                      <a:noFill/>
+                    </a:lnB>
+                    <a:lnTlToBr w="12700" cmpd="sng">
+                      <a:noFill/>
+                      <a:prstDash val="solid"/>
+                    </a:lnTlToBr>
+                    <a:lnBlToTr w="12700" cmpd="sng">
+                      <a:noFill/>
+                      <a:prstDash val="solid"/>
+                    </a:lnBlToTr>
+                  </a:tcPr>
+                </a:tc>
+                <a:tc>
+                  <a:txBody>
+                    <a:bodyPr/>
+                    <a:lstStyle/>
+                    <a:p>
+                      <a:pPr algn="l">
+                        <a:lnSpc>
+                          <a:spcPct val="150000"/>
+                        </a:lnSpc>
+                        <a:spcAft>
+                          <a:spcPts val="0"/>
+                        </a:spcAft>
+                        <a:tabLst>
+                          <a:tab pos="540385" algn="l"/>
+                          <a:tab pos="449580" algn="l"/>
+                        </a:tabLst>
+                      </a:pPr>
+                      <a:r>
+                        <a:rPr lang="pt-BR" sz="1300">
+                          <a:effectLst/>
+                        </a:rPr>
+                        <a:t>O sistema ficará em produção em plataforma Cloud Azure com Windows Server;</a:t>
+                      </a:r>
+                      <a:endParaRPr lang="pt-BR" sz="1300">
+                        <a:effectLst/>
+                        <a:latin typeface="Arial" panose="020B0604020202020204" pitchFamily="34" charset="0"/>
+                        <a:ea typeface="Times New Roman" panose="02020603050405020304" pitchFamily="18" charset="0"/>
+                        <a:cs typeface="Times New Roman" panose="02020603050405020304" pitchFamily="18" charset="0"/>
+                      </a:endParaRPr>
+                    </a:p>
+                  </a:txBody>
+                  <a:tcPr marL="44450" marR="44450" marT="0" marB="0" anchor="ctr">
+                    <a:lnL w="12700" cmpd="sng">
+                      <a:noFill/>
+                    </a:lnL>
+                    <a:lnR w="12700" cmpd="sng">
+                      <a:noFill/>
+                    </a:lnR>
+                    <a:lnT w="3175" cap="flat" cmpd="sng" algn="ctr">
+                      <a:solidFill>
+                        <a:schemeClr val="bg1"/>
+                      </a:solidFill>
+                      <a:prstDash val="solid"/>
+                      <a:round/>
+                      <a:headEnd type="none" w="med" len="med"/>
+                      <a:tailEnd type="none" w="med" len="med"/>
+                    </a:lnT>
+                    <a:lnB w="12700" cmpd="sng">
+                      <a:noFill/>
+                    </a:lnB>
+                    <a:lnTlToBr w="12700" cmpd="sng">
+                      <a:noFill/>
+                      <a:prstDash val="solid"/>
+                    </a:lnTlToBr>
+                    <a:lnBlToTr w="12700" cmpd="sng">
+                      <a:noFill/>
+                      <a:prstDash val="solid"/>
+                    </a:lnBlToTr>
+                  </a:tcPr>
+                </a:tc>
+                <a:tc>
+                  <a:txBody>
+                    <a:bodyPr/>
+                    <a:lstStyle/>
+                    <a:p>
+                      <a:pPr algn="ctr">
+                        <a:lnSpc>
+                          <a:spcPct val="150000"/>
+                        </a:lnSpc>
+                        <a:spcAft>
+                          <a:spcPts val="0"/>
+                        </a:spcAft>
+                        <a:tabLst>
+                          <a:tab pos="540385" algn="l"/>
+                          <a:tab pos="449580" algn="l"/>
+                        </a:tabLst>
+                      </a:pPr>
+                      <a:r>
+                        <a:rPr lang="pt-BR" sz="1300" dirty="0">
+                          <a:effectLst/>
+                        </a:rPr>
+                        <a:t>Essencial </a:t>
+                      </a:r>
+                      <a:endParaRPr lang="pt-BR" sz="1300" dirty="0">
+                        <a:effectLst/>
+                        <a:latin typeface="Arial" panose="020B0604020202020204" pitchFamily="34" charset="0"/>
+                        <a:ea typeface="Times New Roman" panose="02020603050405020304" pitchFamily="18" charset="0"/>
+                        <a:cs typeface="Times New Roman" panose="02020603050405020304" pitchFamily="18" charset="0"/>
+                      </a:endParaRPr>
+                    </a:p>
+                  </a:txBody>
+                  <a:tcPr marL="44450" marR="44450" marT="0" marB="0" anchor="ctr">
+                    <a:lnL w="12700" cmpd="sng">
+                      <a:noFill/>
+                    </a:lnL>
+                    <a:lnR w="12700" cmpd="sng">
+                      <a:noFill/>
+                    </a:lnR>
+                    <a:lnT w="3175" cap="flat" cmpd="sng" algn="ctr">
+                      <a:solidFill>
+                        <a:schemeClr val="bg1"/>
+                      </a:solidFill>
+                      <a:prstDash val="solid"/>
+                      <a:round/>
+                      <a:headEnd type="none" w="med" len="med"/>
+                      <a:tailEnd type="none" w="med" len="med"/>
+                    </a:lnT>
+                    <a:lnB w="12700" cmpd="sng">
+                      <a:noFill/>
+                    </a:lnB>
+                    <a:lnTlToBr w="12700" cmpd="sng">
+                      <a:noFill/>
+                      <a:prstDash val="solid"/>
+                    </a:lnTlToBr>
+                    <a:lnBlToTr w="12700" cmpd="sng">
+                      <a:noFill/>
+                      <a:prstDash val="solid"/>
+                    </a:lnBlToTr>
+                  </a:tcPr>
+                </a:tc>
+                <a:extLst>
+                  <a:ext uri="{0D108BD9-81ED-4DB2-BD59-A6C34878D82A}">
+                    <a16:rowId xmlns:a16="http://schemas.microsoft.com/office/drawing/2014/main" val="2042003131"/>
+                  </a:ext>
+                </a:extLst>
+              </a:tr>
+              <a:tr h="576405">
+                <a:tc>
+                  <a:txBody>
+                    <a:bodyPr/>
+                    <a:lstStyle/>
+                    <a:p>
+                      <a:pPr algn="ctr">
+                        <a:lnSpc>
+                          <a:spcPct val="150000"/>
+                        </a:lnSpc>
+                        <a:spcAft>
+                          <a:spcPts val="0"/>
+                        </a:spcAft>
+                        <a:tabLst>
+                          <a:tab pos="540385" algn="l"/>
+                          <a:tab pos="449580" algn="l"/>
+                        </a:tabLst>
+                      </a:pPr>
+                      <a:r>
+                        <a:rPr lang="pt-BR" sz="1300" dirty="0">
+                          <a:effectLst/>
+                        </a:rPr>
+                        <a:t>2</a:t>
+                      </a:r>
+                      <a:endParaRPr lang="pt-BR" sz="1300" dirty="0">
+                        <a:effectLst/>
+                        <a:latin typeface="Arial" panose="020B0604020202020204" pitchFamily="34" charset="0"/>
+                        <a:ea typeface="Times New Roman" panose="02020603050405020304" pitchFamily="18" charset="0"/>
+                        <a:cs typeface="Times New Roman" panose="02020603050405020304" pitchFamily="18" charset="0"/>
+                      </a:endParaRPr>
+                    </a:p>
+                  </a:txBody>
+                  <a:tcPr marL="44450" marR="44450" marT="0" marB="0" anchor="ctr">
+                    <a:lnL w="12700" cmpd="sng">
+                      <a:noFill/>
+                    </a:lnL>
+                    <a:lnR w="12700" cmpd="sng">
+                      <a:noFill/>
+                    </a:lnR>
+                    <a:lnT w="12700" cmpd="sng">
+                      <a:noFill/>
+                    </a:lnT>
+                    <a:lnB w="12700" cmpd="sng">
+                      <a:noFill/>
+                    </a:lnB>
+                    <a:lnTlToBr w="12700" cmpd="sng">
+                      <a:noFill/>
+                      <a:prstDash val="solid"/>
+                    </a:lnTlToBr>
+                    <a:lnBlToTr w="12700" cmpd="sng">
+                      <a:noFill/>
+                      <a:prstDash val="solid"/>
+                    </a:lnBlToTr>
+                  </a:tcPr>
+                </a:tc>
+                <a:tc>
+                  <a:txBody>
+                    <a:bodyPr/>
+                    <a:lstStyle/>
+                    <a:p>
+                      <a:pPr algn="l">
+                        <a:lnSpc>
+                          <a:spcPct val="150000"/>
+                        </a:lnSpc>
+                        <a:spcAft>
+                          <a:spcPts val="0"/>
+                        </a:spcAft>
+                        <a:tabLst>
+                          <a:tab pos="540385" algn="l"/>
+                          <a:tab pos="449580" algn="l"/>
+                        </a:tabLst>
+                      </a:pPr>
+                      <a:r>
+                        <a:rPr lang="pt-BR" sz="1300" dirty="0">
+                          <a:effectLst/>
+                        </a:rPr>
+                        <a:t>O sistema contará com um </a:t>
+                      </a:r>
+                      <a:r>
+                        <a:rPr lang="pt-BR" sz="1300" dirty="0" err="1">
+                          <a:effectLst/>
+                        </a:rPr>
+                        <a:t>Arduino</a:t>
+                      </a:r>
+                      <a:r>
+                        <a:rPr lang="pt-BR" sz="1300" dirty="0">
+                          <a:effectLst/>
+                        </a:rPr>
+                        <a:t> UNO e um sensor DHT11;</a:t>
+                      </a:r>
+                      <a:endParaRPr lang="pt-BR" sz="1300" dirty="0">
+                        <a:effectLst/>
+                        <a:latin typeface="Arial" panose="020B0604020202020204" pitchFamily="34" charset="0"/>
+                        <a:ea typeface="Times New Roman" panose="02020603050405020304" pitchFamily="18" charset="0"/>
+                        <a:cs typeface="Times New Roman" panose="02020603050405020304" pitchFamily="18" charset="0"/>
+                      </a:endParaRPr>
+                    </a:p>
+                  </a:txBody>
+                  <a:tcPr marL="44450" marR="44450" marT="0" marB="0" anchor="ctr">
+                    <a:lnL w="12700" cmpd="sng">
+                      <a:noFill/>
+                    </a:lnL>
+                    <a:lnR w="12700" cmpd="sng">
+                      <a:noFill/>
+                    </a:lnR>
+                    <a:lnT w="12700" cmpd="sng">
+                      <a:noFill/>
+                    </a:lnT>
+                    <a:lnB w="12700" cmpd="sng">
+                      <a:noFill/>
+                    </a:lnB>
+                    <a:lnTlToBr w="12700" cmpd="sng">
+                      <a:noFill/>
+                      <a:prstDash val="solid"/>
+                    </a:lnTlToBr>
+                    <a:lnBlToTr w="12700" cmpd="sng">
+                      <a:noFill/>
+                      <a:prstDash val="solid"/>
+                    </a:lnBlToTr>
+                  </a:tcPr>
+                </a:tc>
+                <a:tc>
+                  <a:txBody>
+                    <a:bodyPr/>
+                    <a:lstStyle/>
+                    <a:p>
+                      <a:pPr algn="ctr">
+                        <a:lnSpc>
+                          <a:spcPct val="150000"/>
+                        </a:lnSpc>
+                        <a:spcAft>
+                          <a:spcPts val="0"/>
+                        </a:spcAft>
+                        <a:tabLst>
+                          <a:tab pos="540385" algn="l"/>
+                          <a:tab pos="449580" algn="l"/>
+                        </a:tabLst>
+                      </a:pPr>
+                      <a:r>
+                        <a:rPr lang="pt-BR" sz="1300" dirty="0">
+                          <a:effectLst/>
+                        </a:rPr>
+                        <a:t>Essencial</a:t>
+                      </a:r>
+                      <a:endParaRPr lang="pt-BR" sz="1300" dirty="0">
+                        <a:effectLst/>
+                        <a:latin typeface="Arial" panose="020B0604020202020204" pitchFamily="34" charset="0"/>
+                        <a:ea typeface="Times New Roman" panose="02020603050405020304" pitchFamily="18" charset="0"/>
+                        <a:cs typeface="Times New Roman" panose="02020603050405020304" pitchFamily="18" charset="0"/>
+                      </a:endParaRPr>
+                    </a:p>
+                  </a:txBody>
+                  <a:tcPr marL="44450" marR="44450" marT="0" marB="0" anchor="ctr">
+                    <a:lnL w="12700" cmpd="sng">
+                      <a:noFill/>
+                    </a:lnL>
+                    <a:lnR w="12700" cmpd="sng">
+                      <a:noFill/>
+                    </a:lnR>
+                    <a:lnT w="12700" cmpd="sng">
+                      <a:noFill/>
+                    </a:lnT>
+                    <a:lnB w="12700" cmpd="sng">
+                      <a:noFill/>
+                    </a:lnB>
+                    <a:lnTlToBr w="12700" cmpd="sng">
+                      <a:noFill/>
+                      <a:prstDash val="solid"/>
+                    </a:lnTlToBr>
+                    <a:lnBlToTr w="12700" cmpd="sng">
+                      <a:noFill/>
+                      <a:prstDash val="solid"/>
+                    </a:lnBlToTr>
+                  </a:tcPr>
+                </a:tc>
+                <a:extLst>
+                  <a:ext uri="{0D108BD9-81ED-4DB2-BD59-A6C34878D82A}">
+                    <a16:rowId xmlns:a16="http://schemas.microsoft.com/office/drawing/2014/main" val="2331365082"/>
+                  </a:ext>
+                </a:extLst>
+              </a:tr>
+              <a:tr h="864607">
+                <a:tc>
+                  <a:txBody>
+                    <a:bodyPr/>
+                    <a:lstStyle/>
+                    <a:p>
+                      <a:pPr algn="ctr">
+                        <a:lnSpc>
+                          <a:spcPct val="150000"/>
+                        </a:lnSpc>
+                        <a:spcAft>
+                          <a:spcPts val="0"/>
+                        </a:spcAft>
+                        <a:tabLst>
+                          <a:tab pos="540385" algn="l"/>
+                          <a:tab pos="449580" algn="l"/>
+                        </a:tabLst>
+                      </a:pPr>
+                      <a:r>
+                        <a:rPr lang="pt-BR" sz="1300" dirty="0">
+                          <a:effectLst/>
+                        </a:rPr>
+                        <a:t>3</a:t>
+                      </a:r>
+                      <a:endParaRPr lang="pt-BR" sz="1300" dirty="0">
+                        <a:effectLst/>
+                        <a:latin typeface="Arial" panose="020B0604020202020204" pitchFamily="34" charset="0"/>
+                        <a:ea typeface="Times New Roman" panose="02020603050405020304" pitchFamily="18" charset="0"/>
+                        <a:cs typeface="Times New Roman" panose="02020603050405020304" pitchFamily="18" charset="0"/>
+                      </a:endParaRPr>
+                    </a:p>
+                  </a:txBody>
+                  <a:tcPr marL="44450" marR="44450" marT="0" marB="0" anchor="ctr">
+                    <a:lnL w="12700" cmpd="sng">
+                      <a:noFill/>
+                    </a:lnL>
+                    <a:lnR w="12700" cmpd="sng">
+                      <a:noFill/>
+                    </a:lnR>
+                    <a:lnT w="12700" cmpd="sng">
+                      <a:noFill/>
+                    </a:lnT>
+                    <a:lnB w="12700" cmpd="sng">
+                      <a:noFill/>
+                    </a:lnB>
+                    <a:lnTlToBr w="12700" cmpd="sng">
+                      <a:noFill/>
+                      <a:prstDash val="solid"/>
+                    </a:lnTlToBr>
+                    <a:lnBlToTr w="12700" cmpd="sng">
+                      <a:noFill/>
+                      <a:prstDash val="solid"/>
+                    </a:lnBlToTr>
+                  </a:tcPr>
+                </a:tc>
+                <a:tc>
+                  <a:txBody>
+                    <a:bodyPr/>
+                    <a:lstStyle/>
+                    <a:p>
+                      <a:pPr algn="l">
+                        <a:lnSpc>
+                          <a:spcPct val="150000"/>
+                        </a:lnSpc>
+                        <a:spcAft>
+                          <a:spcPts val="0"/>
+                        </a:spcAft>
+                        <a:tabLst>
+                          <a:tab pos="540385" algn="l"/>
+                          <a:tab pos="449580" algn="l"/>
+                        </a:tabLst>
+                      </a:pPr>
+                      <a:r>
+                        <a:rPr lang="pt-BR" sz="1300">
+                          <a:effectLst/>
+                        </a:rPr>
+                        <a:t>Para o sistema ser executado com performance  deverá estar conectado a uma rede 4MB (Mínimo) via Wifi;</a:t>
+                      </a:r>
+                      <a:endParaRPr lang="pt-BR" sz="1300">
+                        <a:effectLst/>
+                        <a:latin typeface="Arial" panose="020B0604020202020204" pitchFamily="34" charset="0"/>
+                        <a:ea typeface="Times New Roman" panose="02020603050405020304" pitchFamily="18" charset="0"/>
+                        <a:cs typeface="Times New Roman" panose="02020603050405020304" pitchFamily="18" charset="0"/>
+                      </a:endParaRPr>
+                    </a:p>
+                  </a:txBody>
+                  <a:tcPr marL="44450" marR="44450" marT="0" marB="0" anchor="ctr">
+                    <a:lnL w="12700" cmpd="sng">
+                      <a:noFill/>
+                    </a:lnL>
+                    <a:lnR w="12700" cmpd="sng">
+                      <a:noFill/>
+                    </a:lnR>
+                    <a:lnT w="12700" cmpd="sng">
+                      <a:noFill/>
+                    </a:lnT>
+                    <a:lnB w="12700" cmpd="sng">
+                      <a:noFill/>
+                    </a:lnB>
+                    <a:lnTlToBr w="12700" cmpd="sng">
+                      <a:noFill/>
+                      <a:prstDash val="solid"/>
+                    </a:lnTlToBr>
+                    <a:lnBlToTr w="12700" cmpd="sng">
+                      <a:noFill/>
+                      <a:prstDash val="solid"/>
+                    </a:lnBlToTr>
+                  </a:tcPr>
+                </a:tc>
+                <a:tc>
+                  <a:txBody>
+                    <a:bodyPr/>
+                    <a:lstStyle/>
+                    <a:p>
+                      <a:pPr algn="ctr">
+                        <a:lnSpc>
+                          <a:spcPct val="150000"/>
+                        </a:lnSpc>
+                        <a:spcAft>
+                          <a:spcPts val="0"/>
+                        </a:spcAft>
+                        <a:tabLst>
+                          <a:tab pos="540385" algn="l"/>
+                          <a:tab pos="449580" algn="l"/>
+                        </a:tabLst>
+                      </a:pPr>
+                      <a:r>
+                        <a:rPr lang="pt-BR" sz="1300" dirty="0">
+                          <a:effectLst/>
+                        </a:rPr>
+                        <a:t>Essencial</a:t>
+                      </a:r>
+                      <a:endParaRPr lang="pt-BR" sz="1300" dirty="0">
+                        <a:effectLst/>
+                        <a:latin typeface="Arial" panose="020B0604020202020204" pitchFamily="34" charset="0"/>
+                        <a:ea typeface="Times New Roman" panose="02020603050405020304" pitchFamily="18" charset="0"/>
+                        <a:cs typeface="Times New Roman" panose="02020603050405020304" pitchFamily="18" charset="0"/>
+                      </a:endParaRPr>
+                    </a:p>
+                  </a:txBody>
+                  <a:tcPr marL="44450" marR="44450" marT="0" marB="0" anchor="ctr">
+                    <a:lnL w="12700" cmpd="sng">
+                      <a:noFill/>
+                    </a:lnL>
+                    <a:lnR w="12700" cmpd="sng">
+                      <a:noFill/>
+                    </a:lnR>
+                    <a:lnT w="12700" cmpd="sng">
+                      <a:noFill/>
+                    </a:lnT>
+                    <a:lnB w="12700" cmpd="sng">
+                      <a:noFill/>
+                    </a:lnB>
+                    <a:lnTlToBr w="12700" cmpd="sng">
+                      <a:noFill/>
+                      <a:prstDash val="solid"/>
+                    </a:lnTlToBr>
+                    <a:lnBlToTr w="12700" cmpd="sng">
+                      <a:noFill/>
+                      <a:prstDash val="solid"/>
+                    </a:lnBlToTr>
+                  </a:tcPr>
+                </a:tc>
+                <a:extLst>
+                  <a:ext uri="{0D108BD9-81ED-4DB2-BD59-A6C34878D82A}">
+                    <a16:rowId xmlns:a16="http://schemas.microsoft.com/office/drawing/2014/main" val="3867535889"/>
+                  </a:ext>
+                </a:extLst>
+              </a:tr>
+              <a:tr h="864607">
+                <a:tc>
+                  <a:txBody>
+                    <a:bodyPr/>
+                    <a:lstStyle/>
+                    <a:p>
+                      <a:pPr algn="ctr">
+                        <a:lnSpc>
+                          <a:spcPct val="150000"/>
+                        </a:lnSpc>
+                        <a:spcAft>
+                          <a:spcPts val="0"/>
+                        </a:spcAft>
+                        <a:tabLst>
+                          <a:tab pos="540385" algn="l"/>
+                          <a:tab pos="449580" algn="l"/>
+                        </a:tabLst>
+                      </a:pPr>
+                      <a:r>
+                        <a:rPr lang="pt-BR" sz="1300" dirty="0">
+                          <a:effectLst/>
+                        </a:rPr>
+                        <a:t>4</a:t>
+                      </a:r>
+                      <a:endParaRPr lang="pt-BR" sz="1300" dirty="0">
+                        <a:effectLst/>
+                        <a:latin typeface="Arial" panose="020B0604020202020204" pitchFamily="34" charset="0"/>
+                        <a:ea typeface="Times New Roman" panose="02020603050405020304" pitchFamily="18" charset="0"/>
+                        <a:cs typeface="Times New Roman" panose="02020603050405020304" pitchFamily="18" charset="0"/>
+                      </a:endParaRPr>
+                    </a:p>
+                  </a:txBody>
+                  <a:tcPr marL="44450" marR="44450" marT="0" marB="0" anchor="ctr">
+                    <a:lnL w="12700" cmpd="sng">
+                      <a:noFill/>
+                    </a:lnL>
+                    <a:lnR w="12700" cmpd="sng">
+                      <a:noFill/>
+                    </a:lnR>
+                    <a:lnT w="12700" cmpd="sng">
+                      <a:noFill/>
+                    </a:lnT>
+                    <a:lnB w="12700" cmpd="sng">
+                      <a:noFill/>
+                    </a:lnB>
+                    <a:lnTlToBr w="12700" cmpd="sng">
+                      <a:noFill/>
+                      <a:prstDash val="solid"/>
+                    </a:lnTlToBr>
+                    <a:lnBlToTr w="12700" cmpd="sng">
+                      <a:noFill/>
+                      <a:prstDash val="solid"/>
+                    </a:lnBlToTr>
+                  </a:tcPr>
+                </a:tc>
+                <a:tc>
+                  <a:txBody>
+                    <a:bodyPr/>
+                    <a:lstStyle/>
+                    <a:p>
+                      <a:pPr algn="l">
+                        <a:lnSpc>
+                          <a:spcPct val="150000"/>
+                        </a:lnSpc>
+                        <a:spcAft>
+                          <a:spcPts val="0"/>
+                        </a:spcAft>
+                        <a:tabLst>
+                          <a:tab pos="540385" algn="l"/>
+                          <a:tab pos="449580" algn="l"/>
+                        </a:tabLst>
+                      </a:pPr>
+                      <a:r>
+                        <a:rPr lang="pt-BR" sz="1300">
+                          <a:effectLst/>
+                        </a:rPr>
+                        <a:t>Requisitos de desempenho: Processador Clock 2.0, RAM 4 GB, Armazenamento 1 GB escalável (Mínimo) em Cloud;</a:t>
+                      </a:r>
+                      <a:endParaRPr lang="pt-BR" sz="1300">
+                        <a:effectLst/>
+                        <a:latin typeface="Arial" panose="020B0604020202020204" pitchFamily="34" charset="0"/>
+                        <a:ea typeface="Times New Roman" panose="02020603050405020304" pitchFamily="18" charset="0"/>
+                        <a:cs typeface="Times New Roman" panose="02020603050405020304" pitchFamily="18" charset="0"/>
+                      </a:endParaRPr>
+                    </a:p>
+                  </a:txBody>
+                  <a:tcPr marL="44450" marR="44450" marT="0" marB="0" anchor="ctr">
+                    <a:lnL w="12700" cmpd="sng">
+                      <a:noFill/>
+                    </a:lnL>
+                    <a:lnR w="12700" cmpd="sng">
+                      <a:noFill/>
+                    </a:lnR>
+                    <a:lnT w="12700" cmpd="sng">
+                      <a:noFill/>
+                    </a:lnT>
+                    <a:lnB w="12700" cmpd="sng">
+                      <a:noFill/>
+                    </a:lnB>
+                    <a:lnTlToBr w="12700" cmpd="sng">
+                      <a:noFill/>
+                      <a:prstDash val="solid"/>
+                    </a:lnTlToBr>
+                    <a:lnBlToTr w="12700" cmpd="sng">
+                      <a:noFill/>
+                      <a:prstDash val="solid"/>
+                    </a:lnBlToTr>
+                  </a:tcPr>
+                </a:tc>
+                <a:tc>
+                  <a:txBody>
+                    <a:bodyPr/>
+                    <a:lstStyle/>
+                    <a:p>
+                      <a:pPr algn="ctr">
+                        <a:lnSpc>
+                          <a:spcPct val="150000"/>
+                        </a:lnSpc>
+                        <a:spcAft>
+                          <a:spcPts val="0"/>
+                        </a:spcAft>
+                        <a:tabLst>
+                          <a:tab pos="540385" algn="l"/>
+                          <a:tab pos="449580" algn="l"/>
+                        </a:tabLst>
+                      </a:pPr>
+                      <a:r>
+                        <a:rPr lang="pt-BR" sz="1300" dirty="0">
+                          <a:effectLst/>
+                        </a:rPr>
+                        <a:t>Importante</a:t>
+                      </a:r>
+                      <a:endParaRPr lang="pt-BR" sz="1300" dirty="0">
+                        <a:effectLst/>
+                        <a:latin typeface="Arial" panose="020B0604020202020204" pitchFamily="34" charset="0"/>
+                        <a:ea typeface="Times New Roman" panose="02020603050405020304" pitchFamily="18" charset="0"/>
+                        <a:cs typeface="Times New Roman" panose="02020603050405020304" pitchFamily="18" charset="0"/>
+                      </a:endParaRPr>
+                    </a:p>
+                  </a:txBody>
+                  <a:tcPr marL="44450" marR="44450" marT="0" marB="0" anchor="ctr">
+                    <a:lnL w="12700" cmpd="sng">
+                      <a:noFill/>
+                    </a:lnL>
+                    <a:lnR w="12700" cmpd="sng">
+                      <a:noFill/>
+                    </a:lnR>
+                    <a:lnT w="12700" cmpd="sng">
+                      <a:noFill/>
+                    </a:lnT>
+                    <a:lnB w="12700" cmpd="sng">
+                      <a:noFill/>
+                    </a:lnB>
+                    <a:lnTlToBr w="12700" cmpd="sng">
+                      <a:noFill/>
+                      <a:prstDash val="solid"/>
+                    </a:lnTlToBr>
+                    <a:lnBlToTr w="12700" cmpd="sng">
+                      <a:noFill/>
+                      <a:prstDash val="solid"/>
+                    </a:lnBlToTr>
+                  </a:tcPr>
+                </a:tc>
+                <a:extLst>
+                  <a:ext uri="{0D108BD9-81ED-4DB2-BD59-A6C34878D82A}">
+                    <a16:rowId xmlns:a16="http://schemas.microsoft.com/office/drawing/2014/main" val="1495631882"/>
+                  </a:ext>
+                </a:extLst>
+              </a:tr>
+              <a:tr h="1152809">
+                <a:tc>
+                  <a:txBody>
+                    <a:bodyPr/>
+                    <a:lstStyle/>
+                    <a:p>
+                      <a:pPr algn="ctr">
+                        <a:lnSpc>
+                          <a:spcPct val="150000"/>
+                        </a:lnSpc>
+                        <a:spcAft>
+                          <a:spcPts val="0"/>
+                        </a:spcAft>
+                        <a:tabLst>
+                          <a:tab pos="540385" algn="l"/>
+                          <a:tab pos="449580" algn="l"/>
+                        </a:tabLst>
+                      </a:pPr>
+                      <a:r>
+                        <a:rPr lang="pt-BR" sz="1300" dirty="0">
+                          <a:effectLst/>
+                        </a:rPr>
+                        <a:t>5</a:t>
+                      </a:r>
+                      <a:endParaRPr lang="pt-BR" sz="1300" dirty="0">
+                        <a:effectLst/>
+                        <a:latin typeface="Arial" panose="020B0604020202020204" pitchFamily="34" charset="0"/>
+                        <a:ea typeface="Times New Roman" panose="02020603050405020304" pitchFamily="18" charset="0"/>
+                        <a:cs typeface="Times New Roman" panose="02020603050405020304" pitchFamily="18" charset="0"/>
+                      </a:endParaRPr>
+                    </a:p>
+                  </a:txBody>
+                  <a:tcPr marL="44450" marR="44450" marT="0" marB="0" anchor="ctr">
+                    <a:lnL w="12700" cmpd="sng">
+                      <a:noFill/>
+                    </a:lnL>
+                    <a:lnR w="12700" cmpd="sng">
+                      <a:noFill/>
+                    </a:lnR>
+                    <a:lnT w="12700" cmpd="sng">
+                      <a:noFill/>
+                    </a:lnT>
+                    <a:lnB w="12700" cmpd="sng">
+                      <a:noFill/>
+                    </a:lnB>
+                    <a:lnTlToBr w="12700" cmpd="sng">
+                      <a:noFill/>
+                      <a:prstDash val="solid"/>
+                    </a:lnTlToBr>
+                    <a:lnBlToTr w="12700" cmpd="sng">
+                      <a:noFill/>
+                      <a:prstDash val="solid"/>
+                    </a:lnBlToTr>
+                  </a:tcPr>
+                </a:tc>
+                <a:tc>
+                  <a:txBody>
+                    <a:bodyPr/>
+                    <a:lstStyle/>
+                    <a:p>
+                      <a:pPr algn="l">
+                        <a:lnSpc>
+                          <a:spcPct val="150000"/>
+                        </a:lnSpc>
+                        <a:spcAft>
+                          <a:spcPts val="0"/>
+                        </a:spcAft>
+                        <a:tabLst>
+                          <a:tab pos="540385" algn="l"/>
+                          <a:tab pos="449580" algn="l"/>
+                        </a:tabLst>
+                      </a:pPr>
+                      <a:r>
+                        <a:rPr lang="pt-BR" sz="1300">
+                          <a:effectLst/>
+                        </a:rPr>
+                        <a:t>O Sistema poderá ser executado em navegadores: Opera, Chrome, Edge, Firefox. O sistema não dará suporte ao navegador Internet Explorer;</a:t>
+                      </a:r>
+                      <a:endParaRPr lang="pt-BR" sz="1300">
+                        <a:effectLst/>
+                        <a:latin typeface="Arial" panose="020B0604020202020204" pitchFamily="34" charset="0"/>
+                        <a:ea typeface="Times New Roman" panose="02020603050405020304" pitchFamily="18" charset="0"/>
+                        <a:cs typeface="Times New Roman" panose="02020603050405020304" pitchFamily="18" charset="0"/>
+                      </a:endParaRPr>
+                    </a:p>
+                  </a:txBody>
+                  <a:tcPr marL="44450" marR="44450" marT="0" marB="0" anchor="ctr">
+                    <a:lnL w="12700" cmpd="sng">
+                      <a:noFill/>
+                    </a:lnL>
+                    <a:lnR w="12700" cmpd="sng">
+                      <a:noFill/>
+                    </a:lnR>
+                    <a:lnT w="12700" cmpd="sng">
+                      <a:noFill/>
+                    </a:lnT>
+                    <a:lnB w="12700" cmpd="sng">
+                      <a:noFill/>
+                    </a:lnB>
+                    <a:lnTlToBr w="12700" cmpd="sng">
+                      <a:noFill/>
+                      <a:prstDash val="solid"/>
+                    </a:lnTlToBr>
+                    <a:lnBlToTr w="12700" cmpd="sng">
+                      <a:noFill/>
+                      <a:prstDash val="solid"/>
+                    </a:lnBlToTr>
+                  </a:tcPr>
+                </a:tc>
+                <a:tc>
+                  <a:txBody>
+                    <a:bodyPr/>
+                    <a:lstStyle/>
+                    <a:p>
+                      <a:pPr algn="ctr">
+                        <a:lnSpc>
+                          <a:spcPct val="150000"/>
+                        </a:lnSpc>
+                        <a:spcAft>
+                          <a:spcPts val="0"/>
+                        </a:spcAft>
+                        <a:tabLst>
+                          <a:tab pos="540385" algn="l"/>
+                          <a:tab pos="449580" algn="l"/>
+                        </a:tabLst>
+                      </a:pPr>
+                      <a:r>
+                        <a:rPr lang="pt-BR" sz="1300" dirty="0">
+                          <a:effectLst/>
+                        </a:rPr>
+                        <a:t>Importante</a:t>
+                      </a:r>
+                      <a:endParaRPr lang="pt-BR" sz="1300" dirty="0">
+                        <a:effectLst/>
+                        <a:latin typeface="Arial" panose="020B0604020202020204" pitchFamily="34" charset="0"/>
+                        <a:ea typeface="Times New Roman" panose="02020603050405020304" pitchFamily="18" charset="0"/>
+                        <a:cs typeface="Times New Roman" panose="02020603050405020304" pitchFamily="18" charset="0"/>
+                      </a:endParaRPr>
+                    </a:p>
+                  </a:txBody>
+                  <a:tcPr marL="44450" marR="44450" marT="0" marB="0" anchor="ctr">
+                    <a:lnL w="12700" cmpd="sng">
+                      <a:noFill/>
+                    </a:lnL>
+                    <a:lnR w="12700" cmpd="sng">
+                      <a:noFill/>
+                    </a:lnR>
+                    <a:lnT w="12700" cmpd="sng">
+                      <a:noFill/>
+                    </a:lnT>
+                    <a:lnB w="12700" cmpd="sng">
+                      <a:noFill/>
+                    </a:lnB>
+                    <a:lnTlToBr w="12700" cmpd="sng">
+                      <a:noFill/>
+                      <a:prstDash val="solid"/>
+                    </a:lnTlToBr>
+                    <a:lnBlToTr w="12700" cmpd="sng">
+                      <a:noFill/>
+                      <a:prstDash val="solid"/>
+                    </a:lnBlToTr>
+                  </a:tcPr>
+                </a:tc>
+                <a:extLst>
+                  <a:ext uri="{0D108BD9-81ED-4DB2-BD59-A6C34878D82A}">
+                    <a16:rowId xmlns:a16="http://schemas.microsoft.com/office/drawing/2014/main" val="1936794137"/>
+                  </a:ext>
+                </a:extLst>
+              </a:tr>
+            </a:tbl>
+          </a:graphicData>
+        </a:graphic>
+      </p:graphicFrame>
+      <p:sp>
+        <p:nvSpPr>
+          <p:cNvPr id="43" name="Retângulo 42"/>
+          <p:cNvSpPr/>
+          <p:nvPr/>
+        </p:nvSpPr>
+        <p:spPr>
+          <a:xfrm>
+            <a:off x="126222" y="198787"/>
+            <a:ext cx="6985778" cy="707886"/>
+          </a:xfrm>
+          <a:prstGeom prst="rect">
+            <a:avLst/>
+          </a:prstGeom>
+          <a:noFill/>
+          <a:effectLst/>
+        </p:spPr>
+        <p:txBody>
+          <a:bodyPr wrap="square" lIns="91440" tIns="45720" rIns="91440" bIns="45720">
+            <a:spAutoFit/>
+          </a:bodyPr>
+          <a:lstStyle/>
+          <a:p>
+            <a:pPr algn="just"/>
+            <a:r>
+              <a:rPr lang="pt-BR" sz="4000" b="1" dirty="0" smtClean="0">
+                <a:ln w="0"/>
+                <a:solidFill>
+                  <a:schemeClr val="bg1"/>
+                </a:solidFill>
+                <a:effectLst>
+                  <a:outerShdw blurRad="38100" dist="19050" dir="2700000" algn="tl" rotWithShape="0">
+                    <a:schemeClr val="dk1">
+                      <a:alpha val="40000"/>
+                    </a:schemeClr>
+                  </a:outerShdw>
+                </a:effectLst>
+                <a:latin typeface="Exo 2 Medium" panose="00000600000000000000" pitchFamily="50" charset="0"/>
+              </a:rPr>
+              <a:t>REQUISITOS</a:t>
+            </a:r>
+            <a:endParaRPr lang="pt-BR" sz="4000" b="1" cap="none" spc="0" dirty="0">
+              <a:ln w="0"/>
+              <a:solidFill>
+                <a:schemeClr val="bg1"/>
+              </a:solidFill>
+              <a:effectLst>
+                <a:outerShdw blurRad="38100" dist="19050" dir="2700000" algn="tl" rotWithShape="0">
+                  <a:schemeClr val="dk1">
+                    <a:alpha val="40000"/>
+                  </a:schemeClr>
+                </a:outerShdw>
+              </a:effectLst>
+              <a:latin typeface="Exo 2 Medium" panose="00000600000000000000" pitchFamily="50" charset="0"/>
+            </a:endParaRPr>
+          </a:p>
+        </p:txBody>
+      </p:sp>
+      <p:cxnSp>
+        <p:nvCxnSpPr>
+          <p:cNvPr id="44" name="Conector reto 43">
+            <a:extLst>
+              <a:ext uri="{FF2B5EF4-FFF2-40B4-BE49-F238E27FC236}">
+                <a16:creationId xmlns:a16="http://schemas.microsoft.com/office/drawing/2014/main" id="{6510727C-C843-4D84-A07F-20F37366891D}"/>
+              </a:ext>
+            </a:extLst>
+          </p:cNvPr>
+          <p:cNvCxnSpPr/>
+          <p:nvPr/>
+        </p:nvCxnSpPr>
+        <p:spPr>
+          <a:xfrm>
+            <a:off x="0" y="1105459"/>
+            <a:ext cx="6325704" cy="0"/>
+          </a:xfrm>
+          <a:prstGeom prst="line">
+            <a:avLst/>
+          </a:prstGeom>
+          <a:ln>
+            <a:solidFill>
+              <a:schemeClr val="bg1"/>
+            </a:solidFill>
+          </a:ln>
+          <a:effectLst/>
+        </p:spPr>
+        <p:style>
+          <a:lnRef idx="1">
+            <a:schemeClr val="accent1"/>
+          </a:lnRef>
+          <a:fillRef idx="0">
+            <a:schemeClr val="accent1"/>
+          </a:fillRef>
+          <a:effectRef idx="0">
+            <a:schemeClr val="accent1"/>
+          </a:effectRef>
+          <a:fontRef idx="minor">
+            <a:schemeClr val="tx1"/>
+          </a:fontRef>
+        </p:style>
+      </p:cxnSp>
+    </p:spTree>
+    <p:extLst>
+      <p:ext uri="{BB962C8B-B14F-4D97-AF65-F5344CB8AC3E}">
+        <p14:creationId xmlns:p14="http://schemas.microsoft.com/office/powerpoint/2010/main" val="765637868"/>
+      </p:ext>
+    </p:extLst>
+  </p:cSld>
+  <p:clrMapOvr>
+    <a:masterClrMapping/>
+  </p:clrMapOvr>
   <mc:AlternateContent xmlns:mc="http://schemas.openxmlformats.org/markup-compatibility/2006">
     <mc:Choice xmlns:p14="http://schemas.microsoft.com/office/powerpoint/2010/main" Requires="p14">
       <p:transition p14:dur="0"/>
@@ -5208,7 +10277,7 @@
 </p:sld>
 </file>
 
-<file path=ppt/slides/slide6.xml><?xml version="1.0" encoding="utf-8"?>
+<file path=ppt/slides/slide7.xml><?xml version="1.0" encoding="utf-8"?>
 <p:sld xmlns:a="http://schemas.openxmlformats.org/drawingml/2006/main" xmlns:r="http://schemas.openxmlformats.org/officeDocument/2006/relationships" xmlns:p="http://schemas.openxmlformats.org/presentationml/2006/main">
   <p:cSld>
     <p:spTree>
@@ -6963,7 +12032,7 @@
 </p:sld>
 </file>
 
-<file path=ppt/slides/slide7.xml><?xml version="1.0" encoding="utf-8"?>
+<file path=ppt/slides/slide8.xml><?xml version="1.0" encoding="utf-8"?>
 <p:sld xmlns:a="http://schemas.openxmlformats.org/drawingml/2006/main" xmlns:r="http://schemas.openxmlformats.org/officeDocument/2006/relationships" xmlns:p="http://schemas.openxmlformats.org/presentationml/2006/main">
   <p:cSld>
     <p:spTree>
@@ -7142,6 +12211,7 @@
             <a:chOff x="734174" y="2338243"/>
             <a:chExt cx="2178122" cy="2178122"/>
           </a:xfrm>
+          <a:effectLst/>
         </p:grpSpPr>
         <p:sp>
           <p:nvSpPr>
@@ -7432,6 +12502,7 @@
             <a:chOff x="3576620" y="2312259"/>
             <a:chExt cx="2178122" cy="2178122"/>
           </a:xfrm>
+          <a:effectLst/>
         </p:grpSpPr>
         <p:sp>
           <p:nvSpPr>
@@ -7572,6 +12643,7 @@
             <a:chOff x="9261512" y="2312259"/>
             <a:chExt cx="2178122" cy="2178122"/>
           </a:xfrm>
+          <a:effectLst/>
         </p:grpSpPr>
         <p:sp>
           <p:nvSpPr>
@@ -7723,6 +12795,7 @@
             <a:chOff x="6419066" y="2210154"/>
             <a:chExt cx="2178122" cy="2276565"/>
           </a:xfrm>
+          <a:effectLst/>
         </p:grpSpPr>
         <p:sp>
           <p:nvSpPr>
@@ -7849,7 +12922,7 @@
           </p:blipFill>
           <p:spPr bwMode="auto">
             <a:xfrm flipH="1">
-              <a:off x="6911523" y="2210154"/>
+              <a:off x="6924223" y="2210154"/>
               <a:ext cx="1091511" cy="925514"/>
             </a:xfrm>
             <a:prstGeom prst="rect">
@@ -8607,7 +13680,7 @@
 </p:sld>
 </file>
 
-<file path=ppt/slides/slide8.xml><?xml version="1.0" encoding="utf-8"?>
+<file path=ppt/slides/slide9.xml><?xml version="1.0" encoding="utf-8"?>
 <p:sld xmlns:a="http://schemas.openxmlformats.org/drawingml/2006/main" xmlns:r="http://schemas.openxmlformats.org/officeDocument/2006/relationships" xmlns:p="http://schemas.openxmlformats.org/presentationml/2006/main">
   <p:cSld>
     <p:spTree>

--- a/Apresentação/inSensor.pptx
+++ b/Apresentação/inSensor.pptx
@@ -252,7 +252,7 @@
               <a:rPr lang="pt-BR" smtClean="0"/>
               <a:t>29/11/2018</a:t>
             </a:fld>
-            <a:endParaRPr lang="pt-BR"/>
+            <a:endParaRPr lang="pt-BR" dirty="0"/>
           </a:p>
         </p:txBody>
       </p:sp>
@@ -271,7 +271,7 @@
           <a:bodyPr/>
           <a:lstStyle/>
           <a:p>
-            <a:endParaRPr lang="pt-BR"/>
+            <a:endParaRPr lang="pt-BR" dirty="0"/>
           </a:p>
         </p:txBody>
       </p:sp>
@@ -294,7 +294,7 @@
               <a:rPr lang="pt-BR" smtClean="0"/>
               <a:t>‹nº›</a:t>
             </a:fld>
-            <a:endParaRPr lang="pt-BR"/>
+            <a:endParaRPr lang="pt-BR" dirty="0"/>
           </a:p>
         </p:txBody>
       </p:sp>
@@ -420,7 +420,7 @@
               <a:rPr lang="pt-BR" smtClean="0"/>
               <a:t>29/11/2018</a:t>
             </a:fld>
-            <a:endParaRPr lang="pt-BR"/>
+            <a:endParaRPr lang="pt-BR" dirty="0"/>
           </a:p>
         </p:txBody>
       </p:sp>
@@ -439,7 +439,7 @@
           <a:bodyPr/>
           <a:lstStyle/>
           <a:p>
-            <a:endParaRPr lang="pt-BR"/>
+            <a:endParaRPr lang="pt-BR" dirty="0"/>
           </a:p>
         </p:txBody>
       </p:sp>
@@ -462,7 +462,7 @@
               <a:rPr lang="pt-BR" smtClean="0"/>
               <a:t>‹nº›</a:t>
             </a:fld>
-            <a:endParaRPr lang="pt-BR"/>
+            <a:endParaRPr lang="pt-BR" dirty="0"/>
           </a:p>
         </p:txBody>
       </p:sp>
@@ -598,7 +598,7 @@
               <a:rPr lang="pt-BR" smtClean="0"/>
               <a:t>29/11/2018</a:t>
             </a:fld>
-            <a:endParaRPr lang="pt-BR"/>
+            <a:endParaRPr lang="pt-BR" dirty="0"/>
           </a:p>
         </p:txBody>
       </p:sp>
@@ -617,7 +617,7 @@
           <a:bodyPr/>
           <a:lstStyle/>
           <a:p>
-            <a:endParaRPr lang="pt-BR"/>
+            <a:endParaRPr lang="pt-BR" dirty="0"/>
           </a:p>
         </p:txBody>
       </p:sp>
@@ -640,7 +640,7 @@
               <a:rPr lang="pt-BR" smtClean="0"/>
               <a:t>‹nº›</a:t>
             </a:fld>
-            <a:endParaRPr lang="pt-BR"/>
+            <a:endParaRPr lang="pt-BR" dirty="0"/>
           </a:p>
         </p:txBody>
       </p:sp>
@@ -766,7 +766,7 @@
               <a:rPr lang="pt-BR" smtClean="0"/>
               <a:t>29/11/2018</a:t>
             </a:fld>
-            <a:endParaRPr lang="pt-BR"/>
+            <a:endParaRPr lang="pt-BR" dirty="0"/>
           </a:p>
         </p:txBody>
       </p:sp>
@@ -785,7 +785,7 @@
           <a:bodyPr/>
           <a:lstStyle/>
           <a:p>
-            <a:endParaRPr lang="pt-BR"/>
+            <a:endParaRPr lang="pt-BR" dirty="0"/>
           </a:p>
         </p:txBody>
       </p:sp>
@@ -808,7 +808,7 @@
               <a:rPr lang="pt-BR" smtClean="0"/>
               <a:t>‹nº›</a:t>
             </a:fld>
-            <a:endParaRPr lang="pt-BR"/>
+            <a:endParaRPr lang="pt-BR" dirty="0"/>
           </a:p>
         </p:txBody>
       </p:sp>
@@ -1011,7 +1011,7 @@
               <a:rPr lang="pt-BR" smtClean="0"/>
               <a:t>29/11/2018</a:t>
             </a:fld>
-            <a:endParaRPr lang="pt-BR"/>
+            <a:endParaRPr lang="pt-BR" dirty="0"/>
           </a:p>
         </p:txBody>
       </p:sp>
@@ -1030,7 +1030,7 @@
           <a:bodyPr/>
           <a:lstStyle/>
           <a:p>
-            <a:endParaRPr lang="pt-BR"/>
+            <a:endParaRPr lang="pt-BR" dirty="0"/>
           </a:p>
         </p:txBody>
       </p:sp>
@@ -1053,7 +1053,7 @@
               <a:rPr lang="pt-BR" smtClean="0"/>
               <a:t>‹nº›</a:t>
             </a:fld>
-            <a:endParaRPr lang="pt-BR"/>
+            <a:endParaRPr lang="pt-BR" dirty="0"/>
           </a:p>
         </p:txBody>
       </p:sp>
@@ -1240,7 +1240,7 @@
               <a:rPr lang="pt-BR" smtClean="0"/>
               <a:t>29/11/2018</a:t>
             </a:fld>
-            <a:endParaRPr lang="pt-BR"/>
+            <a:endParaRPr lang="pt-BR" dirty="0"/>
           </a:p>
         </p:txBody>
       </p:sp>
@@ -1259,7 +1259,7 @@
           <a:bodyPr/>
           <a:lstStyle/>
           <a:p>
-            <a:endParaRPr lang="pt-BR"/>
+            <a:endParaRPr lang="pt-BR" dirty="0"/>
           </a:p>
         </p:txBody>
       </p:sp>
@@ -1282,7 +1282,7 @@
               <a:rPr lang="pt-BR" smtClean="0"/>
               <a:t>‹nº›</a:t>
             </a:fld>
-            <a:endParaRPr lang="pt-BR"/>
+            <a:endParaRPr lang="pt-BR" dirty="0"/>
           </a:p>
         </p:txBody>
       </p:sp>
@@ -1604,7 +1604,7 @@
               <a:rPr lang="pt-BR" smtClean="0"/>
               <a:t>29/11/2018</a:t>
             </a:fld>
-            <a:endParaRPr lang="pt-BR"/>
+            <a:endParaRPr lang="pt-BR" dirty="0"/>
           </a:p>
         </p:txBody>
       </p:sp>
@@ -1623,7 +1623,7 @@
           <a:bodyPr/>
           <a:lstStyle/>
           <a:p>
-            <a:endParaRPr lang="pt-BR"/>
+            <a:endParaRPr lang="pt-BR" dirty="0"/>
           </a:p>
         </p:txBody>
       </p:sp>
@@ -1646,7 +1646,7 @@
               <a:rPr lang="pt-BR" smtClean="0"/>
               <a:t>‹nº›</a:t>
             </a:fld>
-            <a:endParaRPr lang="pt-BR"/>
+            <a:endParaRPr lang="pt-BR" dirty="0"/>
           </a:p>
         </p:txBody>
       </p:sp>
@@ -1721,7 +1721,7 @@
               <a:rPr lang="pt-BR" smtClean="0"/>
               <a:t>29/11/2018</a:t>
             </a:fld>
-            <a:endParaRPr lang="pt-BR"/>
+            <a:endParaRPr lang="pt-BR" dirty="0"/>
           </a:p>
         </p:txBody>
       </p:sp>
@@ -1740,7 +1740,7 @@
           <a:bodyPr/>
           <a:lstStyle/>
           <a:p>
-            <a:endParaRPr lang="pt-BR"/>
+            <a:endParaRPr lang="pt-BR" dirty="0"/>
           </a:p>
         </p:txBody>
       </p:sp>
@@ -1763,7 +1763,7 @@
               <a:rPr lang="pt-BR" smtClean="0"/>
               <a:t>‹nº›</a:t>
             </a:fld>
-            <a:endParaRPr lang="pt-BR"/>
+            <a:endParaRPr lang="pt-BR" dirty="0"/>
           </a:p>
         </p:txBody>
       </p:sp>
@@ -1816,7 +1816,7 @@
               <a:rPr lang="pt-BR" smtClean="0"/>
               <a:t>29/11/2018</a:t>
             </a:fld>
-            <a:endParaRPr lang="pt-BR"/>
+            <a:endParaRPr lang="pt-BR" dirty="0"/>
           </a:p>
         </p:txBody>
       </p:sp>
@@ -1835,7 +1835,7 @@
           <a:bodyPr/>
           <a:lstStyle/>
           <a:p>
-            <a:endParaRPr lang="pt-BR"/>
+            <a:endParaRPr lang="pt-BR" dirty="0"/>
           </a:p>
         </p:txBody>
       </p:sp>
@@ -1858,7 +1858,7 @@
               <a:rPr lang="pt-BR" smtClean="0"/>
               <a:t>‹nº›</a:t>
             </a:fld>
-            <a:endParaRPr lang="pt-BR"/>
+            <a:endParaRPr lang="pt-BR" dirty="0"/>
           </a:p>
         </p:txBody>
       </p:sp>
@@ -2091,7 +2091,7 @@
               <a:rPr lang="pt-BR" smtClean="0"/>
               <a:t>29/11/2018</a:t>
             </a:fld>
-            <a:endParaRPr lang="pt-BR"/>
+            <a:endParaRPr lang="pt-BR" dirty="0"/>
           </a:p>
         </p:txBody>
       </p:sp>
@@ -2110,7 +2110,7 @@
           <a:bodyPr/>
           <a:lstStyle/>
           <a:p>
-            <a:endParaRPr lang="pt-BR"/>
+            <a:endParaRPr lang="pt-BR" dirty="0"/>
           </a:p>
         </p:txBody>
       </p:sp>
@@ -2133,7 +2133,7 @@
               <a:rPr lang="pt-BR" smtClean="0"/>
               <a:t>‹nº›</a:t>
             </a:fld>
-            <a:endParaRPr lang="pt-BR"/>
+            <a:endParaRPr lang="pt-BR" dirty="0"/>
           </a:p>
         </p:txBody>
       </p:sp>
@@ -2255,7 +2255,7 @@
             </a:lvl9pPr>
           </a:lstStyle>
           <a:p>
-            <a:endParaRPr lang="pt-BR"/>
+            <a:endParaRPr lang="pt-BR" dirty="0"/>
           </a:p>
         </p:txBody>
       </p:sp>
@@ -2343,7 +2343,7 @@
               <a:rPr lang="pt-BR" smtClean="0"/>
               <a:t>29/11/2018</a:t>
             </a:fld>
-            <a:endParaRPr lang="pt-BR"/>
+            <a:endParaRPr lang="pt-BR" dirty="0"/>
           </a:p>
         </p:txBody>
       </p:sp>
@@ -2362,7 +2362,7 @@
           <a:bodyPr/>
           <a:lstStyle/>
           <a:p>
-            <a:endParaRPr lang="pt-BR"/>
+            <a:endParaRPr lang="pt-BR" dirty="0"/>
           </a:p>
         </p:txBody>
       </p:sp>
@@ -2385,7 +2385,7 @@
               <a:rPr lang="pt-BR" smtClean="0"/>
               <a:t>‹nº›</a:t>
             </a:fld>
-            <a:endParaRPr lang="pt-BR"/>
+            <a:endParaRPr lang="pt-BR" dirty="0"/>
           </a:p>
         </p:txBody>
       </p:sp>
@@ -2554,7 +2554,7 @@
               <a:rPr lang="pt-BR" smtClean="0"/>
               <a:t>29/11/2018</a:t>
             </a:fld>
-            <a:endParaRPr lang="pt-BR"/>
+            <a:endParaRPr lang="pt-BR" dirty="0"/>
           </a:p>
         </p:txBody>
       </p:sp>
@@ -2591,7 +2591,7 @@
             </a:lvl1pPr>
           </a:lstStyle>
           <a:p>
-            <a:endParaRPr lang="pt-BR"/>
+            <a:endParaRPr lang="pt-BR" dirty="0"/>
           </a:p>
         </p:txBody>
       </p:sp>
@@ -2632,7 +2632,7 @@
               <a:rPr lang="pt-BR" smtClean="0"/>
               <a:t>‹nº›</a:t>
             </a:fld>
-            <a:endParaRPr lang="pt-BR"/>
+            <a:endParaRPr lang="pt-BR" dirty="0"/>
           </a:p>
         </p:txBody>
       </p:sp>
@@ -3031,7 +3031,7 @@
           <a:lstStyle/>
           <a:p>
             <a:pPr algn="ctr"/>
-            <a:endParaRPr lang="pt-BR"/>
+            <a:endParaRPr lang="pt-BR" dirty="0"/>
           </a:p>
         </p:txBody>
       </p:sp>
@@ -3235,7 +3235,7 @@
           <a:lstStyle/>
           <a:p>
             <a:pPr algn="ctr"/>
-            <a:endParaRPr lang="pt-BR"/>
+            <a:endParaRPr lang="pt-BR" dirty="0"/>
           </a:p>
         </p:txBody>
       </p:sp>
@@ -3631,43 +3631,6 @@
           </a:p>
         </p:txBody>
       </p:sp>
-      <p:pic>
-        <p:nvPicPr>
-          <p:cNvPr id="17" name="Imagem 16">
-            <a:extLst>
-              <a:ext uri="{FF2B5EF4-FFF2-40B4-BE49-F238E27FC236}">
-                <a16:creationId xmlns:a16="http://schemas.microsoft.com/office/drawing/2014/main" id="{FE19BE6A-7136-4270-BC7B-F58B33793FEC}"/>
-              </a:ext>
-            </a:extLst>
-          </p:cNvPr>
-          <p:cNvPicPr>
-            <a:picLocks noChangeAspect="1"/>
-          </p:cNvPicPr>
-          <p:nvPr/>
-        </p:nvPicPr>
-        <p:blipFill>
-          <a:blip r:embed="rId4" cstate="print">
-            <a:extLst>
-              <a:ext uri="{28A0092B-C50C-407E-A947-70E740481C1C}">
-                <a14:useLocalDpi xmlns:a14="http://schemas.microsoft.com/office/drawing/2010/main" val="0"/>
-              </a:ext>
-            </a:extLst>
-          </a:blip>
-          <a:stretch>
-            <a:fillRect/>
-          </a:stretch>
-        </p:blipFill>
-        <p:spPr>
-          <a:xfrm>
-            <a:off x="8000676" y="4619654"/>
-            <a:ext cx="2768600" cy="738293"/>
-          </a:xfrm>
-          <a:prstGeom prst="rect">
-            <a:avLst/>
-          </a:prstGeom>
-          <a:effectLst/>
-        </p:spPr>
-      </p:pic>
       <p:pic>
         <p:nvPicPr>
           <p:cNvPr id="18" name="Imagem 17">
@@ -4127,7 +4090,7 @@
           <a:lstStyle/>
           <a:p>
             <a:pPr algn="ctr"/>
-            <a:endParaRPr lang="pt-BR"/>
+            <a:endParaRPr lang="pt-BR" dirty="0"/>
           </a:p>
         </p:txBody>
       </p:sp>
@@ -4188,7 +4151,7 @@
             <a:lstStyle/>
             <a:p>
               <a:pPr algn="ctr"/>
-              <a:endParaRPr lang="pt-BR"/>
+              <a:endParaRPr lang="pt-BR" dirty="0"/>
             </a:p>
           </p:txBody>
         </p:sp>
@@ -4275,7 +4238,7 @@
           <a:lstStyle/>
           <a:p>
             <a:pPr algn="ctr"/>
-            <a:endParaRPr lang="pt-BR"/>
+            <a:endParaRPr lang="pt-BR" dirty="0"/>
           </a:p>
         </p:txBody>
       </p:sp>
@@ -4648,7 +4611,7 @@
           <a:lstStyle/>
           <a:p>
             <a:pPr algn="ctr"/>
-            <a:endParaRPr lang="pt-BR"/>
+            <a:endParaRPr lang="pt-BR" dirty="0"/>
           </a:p>
         </p:txBody>
       </p:sp>
@@ -4849,7 +4812,7 @@
           <a:lstStyle/>
           <a:p>
             <a:pPr algn="ctr"/>
-            <a:endParaRPr lang="pt-BR"/>
+            <a:endParaRPr lang="pt-BR" dirty="0"/>
           </a:p>
         </p:txBody>
       </p:sp>
@@ -4933,7 +4896,7 @@
           <a:lstStyle/>
           <a:p>
             <a:pPr algn="ctr"/>
-            <a:endParaRPr lang="pt-BR"/>
+            <a:endParaRPr lang="pt-BR" dirty="0"/>
           </a:p>
         </p:txBody>
       </p:sp>
@@ -5125,7 +5088,7 @@
           <a:lstStyle/>
           <a:p>
             <a:pPr algn="ctr"/>
-            <a:endParaRPr lang="pt-BR"/>
+            <a:endParaRPr lang="pt-BR" dirty="0"/>
           </a:p>
         </p:txBody>
       </p:sp>
@@ -5379,7 +5342,7 @@
           <a:lstStyle/>
           <a:p>
             <a:pPr algn="ctr"/>
-            <a:endParaRPr lang="pt-BR"/>
+            <a:endParaRPr lang="pt-BR" dirty="0"/>
           </a:p>
         </p:txBody>
       </p:sp>
@@ -5707,7 +5670,7 @@
           <a:lstStyle/>
           <a:p>
             <a:pPr algn="ctr"/>
-            <a:endParaRPr lang="pt-BR"/>
+            <a:endParaRPr lang="pt-BR" dirty="0"/>
           </a:p>
         </p:txBody>
       </p:sp>
@@ -5755,7 +5718,7 @@
           <a:lstStyle/>
           <a:p>
             <a:pPr algn="ctr"/>
-            <a:endParaRPr lang="pt-BR"/>
+            <a:endParaRPr lang="pt-BR" dirty="0"/>
           </a:p>
         </p:txBody>
       </p:sp>
@@ -5940,7 +5903,7 @@
             <a:lstStyle/>
             <a:p>
               <a:pPr algn="ctr"/>
-              <a:endParaRPr lang="pt-BR"/>
+              <a:endParaRPr lang="pt-BR" dirty="0"/>
             </a:p>
           </p:txBody>
         </p:sp>
@@ -6190,7 +6153,7 @@
           <a:lstStyle/>
           <a:p>
             <a:pPr algn="ctr"/>
-            <a:endParaRPr lang="pt-BR"/>
+            <a:endParaRPr lang="pt-BR" dirty="0"/>
           </a:p>
         </p:txBody>
       </p:sp>
@@ -6343,7 +6306,7 @@
           <a:lstStyle/>
           <a:p>
             <a:pPr algn="ctr"/>
-            <a:endParaRPr lang="pt-BR"/>
+            <a:endParaRPr lang="pt-BR" dirty="0"/>
           </a:p>
         </p:txBody>
       </p:sp>
@@ -6557,7 +6520,7 @@
           <a:lstStyle/>
           <a:p>
             <a:pPr algn="ctr"/>
-            <a:endParaRPr lang="pt-BR"/>
+            <a:endParaRPr lang="pt-BR" dirty="0"/>
           </a:p>
         </p:txBody>
       </p:sp>
@@ -6710,7 +6673,7 @@
           <a:lstStyle/>
           <a:p>
             <a:pPr algn="ctr"/>
-            <a:endParaRPr lang="pt-BR"/>
+            <a:endParaRPr lang="pt-BR" dirty="0"/>
           </a:p>
         </p:txBody>
       </p:sp>
@@ -6888,7 +6851,7 @@
           <a:lstStyle/>
           <a:p>
             <a:pPr algn="ctr"/>
-            <a:endParaRPr lang="pt-BR"/>
+            <a:endParaRPr lang="pt-BR" dirty="0"/>
           </a:p>
         </p:txBody>
       </p:sp>
@@ -6941,7 +6904,7 @@
           <a:lstStyle/>
           <a:p>
             <a:pPr algn="ctr"/>
-            <a:endParaRPr lang="pt-BR"/>
+            <a:endParaRPr lang="pt-BR" dirty="0"/>
           </a:p>
         </p:txBody>
       </p:sp>
@@ -7569,13 +7532,7 @@
                         <a:rPr lang="pt-BR" sz="1300" dirty="0">
                           <a:effectLst/>
                         </a:rPr>
-                        <a:t>A aplicação web terá sistema de </a:t>
-                      </a:r>
-                      <a:r>
-                        <a:rPr lang="pt-BR" sz="1300" dirty="0" err="1">
-                          <a:effectLst/>
-                        </a:rPr>
-                        <a:t>login</a:t>
+                        <a:t>A aplicação web terá sistema de login</a:t>
                       </a:r>
                       <a:endParaRPr lang="pt-BR" sz="1300" dirty="0">
                         <a:effectLst/>
@@ -8091,12 +8048,12 @@
                         </a:tabLst>
                       </a:pPr>
                       <a:r>
-                        <a:rPr lang="pt-BR" sz="1300">
+                        <a:rPr lang="pt-BR" sz="1300" dirty="0">
                           <a:effectLst/>
                         </a:rPr>
                         <a:t>O sistema deverá fazer o CRUD de incubadoras;</a:t>
                       </a:r>
-                      <a:endParaRPr lang="pt-BR" sz="1300">
+                      <a:endParaRPr lang="pt-BR" sz="1300" dirty="0">
                         <a:effectLst/>
                         <a:latin typeface="Arial" panose="020B0604020202020204" pitchFamily="34" charset="0"/>
                         <a:ea typeface="Times New Roman" panose="02020603050405020304" pitchFamily="18" charset="0"/>
@@ -8429,12 +8386,12 @@
                         </a:tabLst>
                       </a:pPr>
                       <a:r>
-                        <a:rPr lang="pt-BR" sz="1300">
+                        <a:rPr lang="pt-BR" sz="1300" dirty="0">
                           <a:effectLst/>
                         </a:rPr>
                         <a:t>O sistema deverá obter temperatura e umidade das incubadoras físicas relacionadas  a cada incubadora cadastrada;</a:t>
                       </a:r>
-                      <a:endParaRPr lang="pt-BR" sz="1300">
+                      <a:endParaRPr lang="pt-BR" sz="1300" dirty="0">
                         <a:effectLst/>
                         <a:latin typeface="Arial" panose="020B0604020202020204" pitchFamily="34" charset="0"/>
                         <a:ea typeface="Times New Roman" panose="02020603050405020304" pitchFamily="18" charset="0"/>
@@ -8598,12 +8555,12 @@
                         </a:tabLst>
                       </a:pPr>
                       <a:r>
-                        <a:rPr lang="pt-BR" sz="1300">
+                        <a:rPr lang="pt-BR" sz="1300" dirty="0">
                           <a:effectLst/>
                         </a:rPr>
                         <a:t>O sistema deverá exibir dados de temperatura e umidade em forma de gráfico;</a:t>
                       </a:r>
-                      <a:endParaRPr lang="pt-BR" sz="1300">
+                      <a:endParaRPr lang="pt-BR" sz="1300" dirty="0">
                         <a:effectLst/>
                         <a:latin typeface="Arial" panose="020B0604020202020204" pitchFamily="34" charset="0"/>
                         <a:ea typeface="Times New Roman" panose="02020603050405020304" pitchFamily="18" charset="0"/>
@@ -8767,12 +8724,12 @@
                         </a:tabLst>
                       </a:pPr>
                       <a:r>
-                        <a:rPr lang="pt-BR" sz="1300">
+                        <a:rPr lang="pt-BR" sz="1300" dirty="0">
                           <a:effectLst/>
                         </a:rPr>
                         <a:t>O sistema deverá permitir dar alta a um recém-nascido seguido de um relatório;</a:t>
                       </a:r>
-                      <a:endParaRPr lang="pt-BR" sz="1300">
+                      <a:endParaRPr lang="pt-BR" sz="1300" dirty="0">
                         <a:effectLst/>
                         <a:latin typeface="Arial" panose="020B0604020202020204" pitchFamily="34" charset="0"/>
                         <a:ea typeface="Times New Roman" panose="02020603050405020304" pitchFamily="18" charset="0"/>
@@ -8936,12 +8893,12 @@
                         </a:tabLst>
                       </a:pPr>
                       <a:r>
-                        <a:rPr lang="pt-BR" sz="1300">
+                        <a:rPr lang="pt-BR" sz="1300" dirty="0">
                           <a:effectLst/>
                         </a:rPr>
                         <a:t>O ambiente web será totalmente responsivo;</a:t>
                       </a:r>
-                      <a:endParaRPr lang="pt-BR" sz="1300">
+                      <a:endParaRPr lang="pt-BR" sz="1300" dirty="0">
                         <a:effectLst/>
                         <a:latin typeface="Arial" panose="020B0604020202020204" pitchFamily="34" charset="0"/>
                         <a:ea typeface="Times New Roman" panose="02020603050405020304" pitchFamily="18" charset="0"/>
@@ -9045,14 +9002,14 @@
           <p:nvPr>
             <p:extLst>
               <p:ext uri="{D42A27DB-BD31-4B8C-83A1-F6EECF244321}">
-                <p14:modId xmlns:p14="http://schemas.microsoft.com/office/powerpoint/2010/main" val="3534116738"/>
+                <p14:modId xmlns:p14="http://schemas.microsoft.com/office/powerpoint/2010/main" val="2227710751"/>
               </p:ext>
             </p:extLst>
           </p:nvPr>
         </p:nvGraphicFramePr>
         <p:xfrm>
           <a:off x="7137676" y="1294689"/>
-          <a:ext cx="4761948" cy="5349240"/>
+          <a:ext cx="4761948" cy="5349238"/>
         </p:xfrm>
         <a:graphic>
           <a:graphicData uri="http://schemas.openxmlformats.org/drawingml/2006/table">
@@ -9083,7 +9040,7 @@
                   </a:extLst>
                 </a:gridCol>
               </a:tblGrid>
-              <a:tr h="242563">
+              <a:tr h="274034">
                 <a:tc>
                   <a:txBody>
                     <a:bodyPr/>
@@ -9270,7 +9227,7 @@
                   </a:ext>
                 </a:extLst>
               </a:tr>
-              <a:tr h="864607">
+              <a:tr h="893487">
                 <a:tc>
                   <a:txBody>
                     <a:bodyPr/>
@@ -9349,12 +9306,12 @@
                         </a:tabLst>
                       </a:pPr>
                       <a:r>
-                        <a:rPr lang="pt-BR" sz="1300">
+                        <a:rPr lang="pt-BR" sz="1300" dirty="0">
                           <a:effectLst/>
                         </a:rPr>
                         <a:t>O sistema ficará em produção em plataforma Cloud Azure com Windows Server;</a:t>
                       </a:r>
-                      <a:endParaRPr lang="pt-BR" sz="1300">
+                      <a:endParaRPr lang="pt-BR" sz="1300" dirty="0">
                         <a:effectLst/>
                         <a:latin typeface="Arial" panose="020B0604020202020204" pitchFamily="34" charset="0"/>
                         <a:ea typeface="Times New Roman" panose="02020603050405020304" pitchFamily="18" charset="0"/>
@@ -9457,7 +9414,7 @@
                   </a:ext>
                 </a:extLst>
               </a:tr>
-              <a:tr h="576405">
+              <a:tr h="595658">
                 <a:tc>
                   <a:txBody>
                     <a:bodyPr/>
@@ -9533,19 +9490,7 @@
                         <a:rPr lang="pt-BR" sz="1300" dirty="0">
                           <a:effectLst/>
                         </a:rPr>
-                        <a:t>O sistema contará com um </a:t>
-                      </a:r>
-                      <a:r>
-                        <a:rPr lang="pt-BR" sz="1300" dirty="0" err="1">
-                          <a:effectLst/>
-                        </a:rPr>
-                        <a:t>Arduino</a:t>
-                      </a:r>
-                      <a:r>
-                        <a:rPr lang="pt-BR" sz="1300" dirty="0">
-                          <a:effectLst/>
-                        </a:rPr>
-                        <a:t> UNO e um sensor DHT11;</a:t>
+                        <a:t>O sistema contará com um Arduino UNO e um sensor DHT11;</a:t>
                       </a:r>
                       <a:endParaRPr lang="pt-BR" sz="1300" dirty="0">
                         <a:effectLst/>
@@ -9638,7 +9583,7 @@
                   </a:ext>
                 </a:extLst>
               </a:tr>
-              <a:tr h="864607">
+              <a:tr h="1195353">
                 <a:tc>
                   <a:txBody>
                     <a:bodyPr/>
@@ -9711,12 +9656,12 @@
                         </a:tabLst>
                       </a:pPr>
                       <a:r>
-                        <a:rPr lang="pt-BR" sz="1300">
+                        <a:rPr lang="pt-BR" sz="1300" dirty="0">
                           <a:effectLst/>
                         </a:rPr>
                         <a:t>Para o sistema ser executado com performance  deverá estar conectado a uma rede 4MB (Mínimo) via Wifi;</a:t>
                       </a:r>
-                      <a:endParaRPr lang="pt-BR" sz="1300">
+                      <a:endParaRPr lang="pt-BR" sz="1300" dirty="0">
                         <a:effectLst/>
                         <a:latin typeface="Arial" panose="020B0604020202020204" pitchFamily="34" charset="0"/>
                         <a:ea typeface="Times New Roman" panose="02020603050405020304" pitchFamily="18" charset="0"/>
@@ -9807,7 +9752,7 @@
                   </a:ext>
                 </a:extLst>
               </a:tr>
-              <a:tr h="864607">
+              <a:tr h="1195353">
                 <a:tc>
                   <a:txBody>
                     <a:bodyPr/>
@@ -9880,12 +9825,12 @@
                         </a:tabLst>
                       </a:pPr>
                       <a:r>
-                        <a:rPr lang="pt-BR" sz="1300">
+                        <a:rPr lang="pt-BR" sz="1300" dirty="0">
                           <a:effectLst/>
                         </a:rPr>
                         <a:t>Requisitos de desempenho: Processador Clock 2.0, RAM 4 GB, Armazenamento 1 GB escalável (Mínimo) em Cloud;</a:t>
                       </a:r>
-                      <a:endParaRPr lang="pt-BR" sz="1300">
+                      <a:endParaRPr lang="pt-BR" sz="1300" dirty="0">
                         <a:effectLst/>
                         <a:latin typeface="Arial" panose="020B0604020202020204" pitchFamily="34" charset="0"/>
                         <a:ea typeface="Times New Roman" panose="02020603050405020304" pitchFamily="18" charset="0"/>
@@ -9976,7 +9921,7 @@
                   </a:ext>
                 </a:extLst>
               </a:tr>
-              <a:tr h="1152809">
+              <a:tr h="1195353">
                 <a:tc>
                   <a:txBody>
                     <a:bodyPr/>
@@ -10049,12 +9994,12 @@
                         </a:tabLst>
                       </a:pPr>
                       <a:r>
-                        <a:rPr lang="pt-BR" sz="1300">
+                        <a:rPr lang="pt-BR" sz="1300" dirty="0">
                           <a:effectLst/>
                         </a:rPr>
                         <a:t>O Sistema poderá ser executado em navegadores: Opera, Chrome, Edge, Firefox. O sistema não dará suporte ao navegador Internet Explorer;</a:t>
                       </a:r>
-                      <a:endParaRPr lang="pt-BR" sz="1300">
+                      <a:endParaRPr lang="pt-BR" sz="1300" dirty="0">
                         <a:effectLst/>
                         <a:latin typeface="Arial" panose="020B0604020202020204" pitchFamily="34" charset="0"/>
                         <a:ea typeface="Times New Roman" panose="02020603050405020304" pitchFamily="18" charset="0"/>
@@ -10259,11 +10204,11 @@
   <p:clrMapOvr>
     <a:masterClrMapping/>
   </p:clrMapOvr>
-  <mc:AlternateContent xmlns:mc="http://schemas.openxmlformats.org/markup-compatibility/2006">
-    <mc:Choice xmlns:p14="http://schemas.microsoft.com/office/powerpoint/2010/main" Requires="p14">
+  <mc:AlternateContent xmlns:mc="http://schemas.openxmlformats.org/markup-compatibility/2006" xmlns:p14="http://schemas.microsoft.com/office/powerpoint/2010/main">
+    <mc:Choice Requires="p14">
       <p:transition p14:dur="0"/>
     </mc:Choice>
-    <mc:Fallback>
+    <mc:Fallback xmlns="">
       <p:transition/>
     </mc:Fallback>
   </mc:AlternateContent>
@@ -10396,7 +10341,7 @@
             <a:lstStyle/>
             <a:p>
               <a:pPr algn="ctr"/>
-              <a:endParaRPr lang="pt-BR"/>
+              <a:endParaRPr lang="pt-BR" dirty="0"/>
             </a:p>
           </p:txBody>
         </p:sp>
@@ -10564,7 +10509,7 @@
             <a:lstStyle/>
             <a:p>
               <a:pPr algn="ctr"/>
-              <a:endParaRPr lang="pt-BR"/>
+              <a:endParaRPr lang="pt-BR" dirty="0"/>
             </a:p>
           </p:txBody>
         </p:sp>
@@ -10662,7 +10607,7 @@
             <a:lstStyle/>
             <a:p>
               <a:pPr algn="ctr"/>
-              <a:endParaRPr lang="pt-BR"/>
+              <a:endParaRPr lang="pt-BR" dirty="0"/>
             </a:p>
           </p:txBody>
         </p:sp>
@@ -10992,7 +10937,7 @@
             <a:lstStyle/>
             <a:p>
               <a:pPr algn="ctr"/>
-              <a:endParaRPr lang="pt-BR"/>
+              <a:endParaRPr lang="pt-BR" dirty="0"/>
             </a:p>
           </p:txBody>
         </p:sp>
@@ -11090,7 +11035,7 @@
             <a:lstStyle/>
             <a:p>
               <a:pPr algn="ctr"/>
-              <a:endParaRPr lang="pt-BR"/>
+              <a:endParaRPr lang="pt-BR" dirty="0"/>
             </a:p>
           </p:txBody>
         </p:sp>
@@ -12262,7 +12207,7 @@
             <a:lstStyle/>
             <a:p>
               <a:pPr algn="ctr"/>
-              <a:endParaRPr lang="pt-BR"/>
+              <a:endParaRPr lang="pt-BR" dirty="0"/>
             </a:p>
           </p:txBody>
         </p:sp>
@@ -12377,58 +12322,7 @@
                 </a:effectLst>
                 <a:latin typeface="Exo 2 Medium" panose="00000600000000000000" pitchFamily="50" charset="0"/>
               </a:rPr>
-              <a:t>Lucas </a:t>
-            </a:r>
-            <a:r>
-              <a:rPr lang="pt-BR" sz="2400" b="1" dirty="0" err="1" smtClean="0">
-                <a:ln w="0"/>
-                <a:solidFill>
-                  <a:schemeClr val="bg1"/>
-                </a:solidFill>
-                <a:effectLst>
-                  <a:outerShdw blurRad="38100" dist="19050" dir="2700000" algn="tl" rotWithShape="0">
-                    <a:schemeClr val="dk1">
-                      <a:alpha val="40000"/>
-                    </a:schemeClr>
-                  </a:outerShdw>
-                </a:effectLst>
-                <a:latin typeface="Exo 2 Medium" panose="00000600000000000000" pitchFamily="50" charset="0"/>
-              </a:rPr>
-              <a:t>Yudi</a:t>
-            </a:r>
-            <a:r>
-              <a:rPr lang="pt-BR" sz="2400" b="1" dirty="0" smtClean="0">
-                <a:ln w="0"/>
-                <a:solidFill>
-                  <a:schemeClr val="bg1"/>
-                </a:solidFill>
-                <a:effectLst>
-                  <a:outerShdw blurRad="38100" dist="19050" dir="2700000" algn="tl" rotWithShape="0">
-                    <a:schemeClr val="dk1">
-                      <a:alpha val="40000"/>
-                    </a:schemeClr>
-                  </a:outerShdw>
-                </a:effectLst>
-                <a:latin typeface="Exo 2 Medium" panose="00000600000000000000" pitchFamily="50" charset="0"/>
-              </a:rPr>
-              <a:t> </a:t>
-            </a:r>
-            <a:r>
-              <a:rPr lang="pt-BR" sz="2400" b="1" dirty="0" err="1" smtClean="0">
-                <a:ln w="0"/>
-                <a:solidFill>
-                  <a:schemeClr val="bg1"/>
-                </a:solidFill>
-                <a:effectLst>
-                  <a:outerShdw blurRad="38100" dist="19050" dir="2700000" algn="tl" rotWithShape="0">
-                    <a:schemeClr val="dk1">
-                      <a:alpha val="40000"/>
-                    </a:schemeClr>
-                  </a:outerShdw>
-                </a:effectLst>
-                <a:latin typeface="Exo 2 Medium" panose="00000600000000000000" pitchFamily="50" charset="0"/>
-              </a:rPr>
-              <a:t>Ganeko</a:t>
+              <a:t>Lucas Yudi Ganeko</a:t>
             </a:r>
             <a:endParaRPr lang="pt-BR" sz="2400" b="1" cap="none" spc="0" dirty="0">
               <a:ln w="0"/>
@@ -12553,7 +12447,7 @@
             <a:lstStyle/>
             <a:p>
               <a:pPr algn="ctr"/>
-              <a:endParaRPr lang="pt-BR"/>
+              <a:endParaRPr lang="pt-BR" dirty="0"/>
             </a:p>
           </p:txBody>
         </p:sp>
@@ -12694,7 +12588,7 @@
             <a:lstStyle/>
             <a:p>
               <a:pPr algn="ctr"/>
-              <a:endParaRPr lang="pt-BR"/>
+              <a:endParaRPr lang="pt-BR" dirty="0"/>
             </a:p>
           </p:txBody>
         </p:sp>
@@ -12846,7 +12740,7 @@
             <a:lstStyle/>
             <a:p>
               <a:pPr algn="ctr"/>
-              <a:endParaRPr lang="pt-BR"/>
+              <a:endParaRPr lang="pt-BR" dirty="0"/>
             </a:p>
           </p:txBody>
         </p:sp>
@@ -13153,39 +13047,8 @@
                 </a:effectLst>
                 <a:latin typeface="Exo 2 Extra Light" panose="00000300000000000000" pitchFamily="50" charset="0"/>
               </a:rPr>
-              <a:t>Desenvolvimento front-</a:t>
+              <a:t>Desenvolvimento front-end</a:t>
             </a:r>
-            <a:r>
-              <a:rPr lang="pt-BR" b="1" cap="none" spc="0" dirty="0" err="1" smtClean="0">
-                <a:ln w="0"/>
-                <a:solidFill>
-                  <a:schemeClr val="bg1"/>
-                </a:solidFill>
-                <a:effectLst>
-                  <a:outerShdw blurRad="38100" dist="19050" dir="2700000" algn="tl" rotWithShape="0">
-                    <a:schemeClr val="dk1">
-                      <a:alpha val="40000"/>
-                    </a:schemeClr>
-                  </a:outerShdw>
-                </a:effectLst>
-                <a:latin typeface="Exo 2 Extra Light" panose="00000300000000000000" pitchFamily="50" charset="0"/>
-              </a:rPr>
-              <a:t>end</a:t>
-            </a:r>
-            <a:endParaRPr lang="pt-BR" b="1" cap="none" spc="0" dirty="0" smtClean="0">
-              <a:ln w="0"/>
-              <a:solidFill>
-                <a:schemeClr val="bg1"/>
-              </a:solidFill>
-              <a:effectLst>
-                <a:outerShdw blurRad="38100" dist="19050" dir="2700000" algn="tl" rotWithShape="0">
-                  <a:schemeClr val="dk1">
-                    <a:alpha val="40000"/>
-                  </a:schemeClr>
-                </a:outerShdw>
-              </a:effectLst>
-              <a:latin typeface="Exo 2 Extra Light" panose="00000300000000000000" pitchFamily="50" charset="0"/>
-            </a:endParaRPr>
           </a:p>
           <a:p>
             <a:r>
@@ -13345,39 +13208,8 @@
                 </a:effectLst>
                 <a:latin typeface="Exo 2 Extra Light" panose="00000300000000000000" pitchFamily="50" charset="0"/>
               </a:rPr>
-              <a:t>Desenvolvimento </a:t>
+              <a:t>Desenvolvimento back-end</a:t>
             </a:r>
-            <a:r>
-              <a:rPr lang="pt-BR" b="1" cap="none" spc="0" dirty="0" err="1" smtClean="0">
-                <a:ln w="0"/>
-                <a:solidFill>
-                  <a:schemeClr val="bg1"/>
-                </a:solidFill>
-                <a:effectLst>
-                  <a:outerShdw blurRad="38100" dist="19050" dir="2700000" algn="tl" rotWithShape="0">
-                    <a:schemeClr val="dk1">
-                      <a:alpha val="40000"/>
-                    </a:schemeClr>
-                  </a:outerShdw>
-                </a:effectLst>
-                <a:latin typeface="Exo 2 Extra Light" panose="00000300000000000000" pitchFamily="50" charset="0"/>
-              </a:rPr>
-              <a:t>back-end</a:t>
-            </a:r>
-            <a:endParaRPr lang="pt-BR" b="1" cap="none" spc="0" dirty="0" smtClean="0">
-              <a:ln w="0"/>
-              <a:solidFill>
-                <a:schemeClr val="bg1"/>
-              </a:solidFill>
-              <a:effectLst>
-                <a:outerShdw blurRad="38100" dist="19050" dir="2700000" algn="tl" rotWithShape="0">
-                  <a:schemeClr val="dk1">
-                    <a:alpha val="40000"/>
-                  </a:schemeClr>
-                </a:outerShdw>
-              </a:effectLst>
-              <a:latin typeface="Exo 2 Extra Light" panose="00000300000000000000" pitchFamily="50" charset="0"/>
-            </a:endParaRPr>
           </a:p>
           <a:p>
             <a:pPr algn="r"/>
@@ -13592,39 +13424,8 @@
                 </a:effectLst>
                 <a:latin typeface="Exo 2 Extra Light" panose="00000300000000000000" pitchFamily="50" charset="0"/>
               </a:rPr>
-              <a:t>Desenvolvimento dos processos de help </a:t>
+              <a:t>Desenvolvimento dos processos de help desk</a:t>
             </a:r>
-            <a:r>
-              <a:rPr lang="pt-BR" b="1" dirty="0" err="1" smtClean="0">
-                <a:ln w="0"/>
-                <a:solidFill>
-                  <a:schemeClr val="bg1"/>
-                </a:solidFill>
-                <a:effectLst>
-                  <a:outerShdw blurRad="38100" dist="19050" dir="2700000" algn="tl" rotWithShape="0">
-                    <a:schemeClr val="dk1">
-                      <a:alpha val="40000"/>
-                    </a:schemeClr>
-                  </a:outerShdw>
-                </a:effectLst>
-                <a:latin typeface="Exo 2 Extra Light" panose="00000300000000000000" pitchFamily="50" charset="0"/>
-              </a:rPr>
-              <a:t>desk</a:t>
-            </a:r>
-            <a:endParaRPr lang="pt-BR" b="1" dirty="0" smtClean="0">
-              <a:ln w="0"/>
-              <a:solidFill>
-                <a:schemeClr val="bg1"/>
-              </a:solidFill>
-              <a:effectLst>
-                <a:outerShdw blurRad="38100" dist="19050" dir="2700000" algn="tl" rotWithShape="0">
-                  <a:schemeClr val="dk1">
-                    <a:alpha val="40000"/>
-                  </a:schemeClr>
-                </a:outerShdw>
-              </a:effectLst>
-              <a:latin typeface="Exo 2 Extra Light" panose="00000300000000000000" pitchFamily="50" charset="0"/>
-            </a:endParaRPr>
           </a:p>
           <a:p>
             <a:pPr algn="r"/>

--- a/Apresentação/inSensor.pptx
+++ b/Apresentação/inSensor.pptx
@@ -15,6 +15,8 @@
     <p:sldId id="261" r:id="rId9"/>
     <p:sldId id="262" r:id="rId10"/>
     <p:sldId id="266" r:id="rId11"/>
+    <p:sldId id="267" r:id="rId12"/>
+    <p:sldId id="268" r:id="rId13"/>
   </p:sldIdLst>
   <p:sldSz cx="12192000" cy="6858000"/>
   <p:notesSz cx="6858000" cy="9144000"/>
@@ -5579,6 +5581,649 @@
 </p:sld>
 </file>
 
+<file path=ppt/slides/slide11.xml><?xml version="1.0" encoding="utf-8"?>
+<p:sld xmlns:a="http://schemas.openxmlformats.org/drawingml/2006/main" xmlns:r="http://schemas.openxmlformats.org/officeDocument/2006/relationships" xmlns:p="http://schemas.openxmlformats.org/presentationml/2006/main">
+  <p:cSld>
+    <p:spTree>
+      <p:nvGrpSpPr>
+        <p:cNvPr id="1" name=""/>
+        <p:cNvGrpSpPr/>
+        <p:nvPr/>
+      </p:nvGrpSpPr>
+      <p:grpSpPr>
+        <a:xfrm>
+          <a:off x="0" y="0"/>
+          <a:ext cx="0" cy="0"/>
+          <a:chOff x="0" y="0"/>
+          <a:chExt cx="0" cy="0"/>
+        </a:xfrm>
+      </p:grpSpPr>
+      <p:grpSp>
+        <p:nvGrpSpPr>
+          <p:cNvPr id="6" name="Agrupar 5"/>
+          <p:cNvGrpSpPr/>
+          <p:nvPr/>
+        </p:nvGrpSpPr>
+        <p:grpSpPr>
+          <a:xfrm>
+            <a:off x="0" y="-5907"/>
+            <a:ext cx="12192000" cy="6863907"/>
+            <a:chOff x="0" y="0"/>
+            <a:chExt cx="12192000" cy="6863907"/>
+          </a:xfrm>
+        </p:grpSpPr>
+        <p:pic>
+          <p:nvPicPr>
+            <p:cNvPr id="7" name="Picture 22" descr="http://www.correiodoestadoonline.com.br/arquivos/noticias/3.png"/>
+            <p:cNvPicPr>
+              <a:picLocks noChangeAspect="1" noChangeArrowheads="1"/>
+            </p:cNvPicPr>
+            <p:nvPr/>
+          </p:nvPicPr>
+          <p:blipFill>
+            <a:blip r:embed="rId2">
+              <a:extLst>
+                <a:ext uri="{BEBA8EAE-BF5A-486C-A8C5-ECC9F3942E4B}">
+                  <a14:imgProps xmlns:a14="http://schemas.microsoft.com/office/drawing/2010/main">
+                    <a14:imgLayer r:embed="rId3">
+                      <a14:imgEffect>
+                        <a14:sharpenSoften amount="-80000"/>
+                      </a14:imgEffect>
+                      <a14:imgEffect>
+                        <a14:brightnessContrast bright="-46000"/>
+                      </a14:imgEffect>
+                    </a14:imgLayer>
+                  </a14:imgProps>
+                </a:ext>
+                <a:ext uri="{28A0092B-C50C-407E-A947-70E740481C1C}">
+                  <a14:useLocalDpi xmlns:a14="http://schemas.microsoft.com/office/drawing/2010/main" val="0"/>
+                </a:ext>
+              </a:extLst>
+            </a:blip>
+            <a:srcRect/>
+            <a:stretch>
+              <a:fillRect/>
+            </a:stretch>
+          </p:blipFill>
+          <p:spPr bwMode="auto">
+            <a:xfrm>
+              <a:off x="0" y="0"/>
+              <a:ext cx="12192000" cy="6863907"/>
+            </a:xfrm>
+            <a:prstGeom prst="rect">
+              <a:avLst/>
+            </a:prstGeom>
+            <a:noFill/>
+          </p:spPr>
+        </p:pic>
+        <p:sp>
+          <p:nvSpPr>
+            <p:cNvPr id="8" name="Retângulo 7"/>
+            <p:cNvSpPr/>
+            <p:nvPr/>
+          </p:nvSpPr>
+          <p:spPr>
+            <a:xfrm>
+              <a:off x="0" y="5907"/>
+              <a:ext cx="12192000" cy="6858000"/>
+            </a:xfrm>
+            <a:prstGeom prst="rect">
+              <a:avLst/>
+            </a:prstGeom>
+            <a:solidFill>
+              <a:schemeClr val="tx1">
+                <a:lumMod val="95000"/>
+                <a:lumOff val="5000"/>
+                <a:alpha val="87000"/>
+              </a:schemeClr>
+            </a:solidFill>
+            <a:ln>
+              <a:noFill/>
+            </a:ln>
+          </p:spPr>
+          <p:style>
+            <a:lnRef idx="2">
+              <a:schemeClr val="dk1"/>
+            </a:lnRef>
+            <a:fillRef idx="1">
+              <a:schemeClr val="lt1"/>
+            </a:fillRef>
+            <a:effectRef idx="0">
+              <a:schemeClr val="dk1"/>
+            </a:effectRef>
+            <a:fontRef idx="minor">
+              <a:schemeClr val="dk1"/>
+            </a:fontRef>
+          </p:style>
+          <p:txBody>
+            <a:bodyPr rtlCol="0" anchor="ctr"/>
+            <a:lstStyle/>
+            <a:p>
+              <a:pPr algn="ctr"/>
+              <a:endParaRPr lang="pt-BR" dirty="0"/>
+            </a:p>
+          </p:txBody>
+        </p:sp>
+      </p:grpSp>
+      <p:sp>
+        <p:nvSpPr>
+          <p:cNvPr id="9" name="Retângulo 8"/>
+          <p:cNvSpPr/>
+          <p:nvPr/>
+        </p:nvSpPr>
+        <p:spPr>
+          <a:xfrm>
+            <a:off x="126222" y="198787"/>
+            <a:ext cx="9627378" cy="707886"/>
+          </a:xfrm>
+          <a:prstGeom prst="rect">
+            <a:avLst/>
+          </a:prstGeom>
+          <a:noFill/>
+          <a:effectLst/>
+        </p:spPr>
+        <p:txBody>
+          <a:bodyPr wrap="square" lIns="91440" tIns="45720" rIns="91440" bIns="45720">
+            <a:spAutoFit/>
+          </a:bodyPr>
+          <a:lstStyle/>
+          <a:p>
+            <a:pPr algn="just"/>
+            <a:r>
+              <a:rPr lang="pt-BR" sz="4000" b="1" dirty="0" smtClean="0">
+                <a:ln w="0"/>
+                <a:solidFill>
+                  <a:schemeClr val="bg1"/>
+                </a:solidFill>
+                <a:effectLst>
+                  <a:outerShdw blurRad="38100" dist="19050" dir="2700000" algn="tl" rotWithShape="0">
+                    <a:schemeClr val="dk1">
+                      <a:alpha val="40000"/>
+                    </a:schemeClr>
+                  </a:outerShdw>
+                </a:effectLst>
+                <a:latin typeface="Exo 2 Medium" panose="00000600000000000000" pitchFamily="50" charset="0"/>
+              </a:rPr>
+              <a:t>BANCO DE DADOS</a:t>
+            </a:r>
+            <a:endParaRPr lang="pt-BR" sz="4000" b="1" cap="none" spc="0" dirty="0">
+              <a:ln w="0"/>
+              <a:solidFill>
+                <a:schemeClr val="bg1"/>
+              </a:solidFill>
+              <a:effectLst>
+                <a:outerShdw blurRad="38100" dist="19050" dir="2700000" algn="tl" rotWithShape="0">
+                  <a:schemeClr val="dk1">
+                    <a:alpha val="40000"/>
+                  </a:schemeClr>
+                </a:outerShdw>
+              </a:effectLst>
+              <a:latin typeface="Exo 2 Medium" panose="00000600000000000000" pitchFamily="50" charset="0"/>
+            </a:endParaRPr>
+          </a:p>
+        </p:txBody>
+      </p:sp>
+      <p:cxnSp>
+        <p:nvCxnSpPr>
+          <p:cNvPr id="10" name="Conector reto 9">
+            <a:extLst>
+              <a:ext uri="{FF2B5EF4-FFF2-40B4-BE49-F238E27FC236}">
+                <a16:creationId xmlns:a16="http://schemas.microsoft.com/office/drawing/2014/main" id="{6510727C-C843-4D84-A07F-20F37366891D}"/>
+              </a:ext>
+            </a:extLst>
+          </p:cNvPr>
+          <p:cNvCxnSpPr/>
+          <p:nvPr/>
+        </p:nvCxnSpPr>
+        <p:spPr>
+          <a:xfrm>
+            <a:off x="0" y="1105459"/>
+            <a:ext cx="6325704" cy="0"/>
+          </a:xfrm>
+          <a:prstGeom prst="line">
+            <a:avLst/>
+          </a:prstGeom>
+          <a:ln>
+            <a:solidFill>
+              <a:schemeClr val="bg1"/>
+            </a:solidFill>
+          </a:ln>
+          <a:effectLst/>
+        </p:spPr>
+        <p:style>
+          <a:lnRef idx="1">
+            <a:schemeClr val="accent1"/>
+          </a:lnRef>
+          <a:fillRef idx="0">
+            <a:schemeClr val="accent1"/>
+          </a:fillRef>
+          <a:effectRef idx="0">
+            <a:schemeClr val="accent1"/>
+          </a:effectRef>
+          <a:fontRef idx="minor">
+            <a:schemeClr val="tx1"/>
+          </a:fontRef>
+        </p:style>
+      </p:cxnSp>
+      <p:sp>
+        <p:nvSpPr>
+          <p:cNvPr id="43" name="Elipse 42"/>
+          <p:cNvSpPr/>
+          <p:nvPr/>
+        </p:nvSpPr>
+        <p:spPr>
+          <a:xfrm>
+            <a:off x="1251250" y="1804754"/>
+            <a:ext cx="4353952" cy="4353952"/>
+          </a:xfrm>
+          <a:prstGeom prst="ellipse">
+            <a:avLst/>
+          </a:prstGeom>
+          <a:solidFill>
+            <a:schemeClr val="bg1"/>
+          </a:solidFill>
+          <a:ln>
+            <a:noFill/>
+          </a:ln>
+          <a:effectLst>
+            <a:outerShdw blurRad="50800" dist="38100" dir="2700000" algn="tl" rotWithShape="0">
+              <a:prstClr val="black">
+                <a:alpha val="40000"/>
+              </a:prstClr>
+            </a:outerShdw>
+          </a:effectLst>
+        </p:spPr>
+        <p:style>
+          <a:lnRef idx="2">
+            <a:schemeClr val="accent1">
+              <a:shade val="50000"/>
+            </a:schemeClr>
+          </a:lnRef>
+          <a:fillRef idx="1">
+            <a:schemeClr val="accent1"/>
+          </a:fillRef>
+          <a:effectRef idx="0">
+            <a:schemeClr val="accent1"/>
+          </a:effectRef>
+          <a:fontRef idx="minor">
+            <a:schemeClr val="lt1"/>
+          </a:fontRef>
+        </p:style>
+        <p:txBody>
+          <a:bodyPr rtlCol="0" anchor="ctr"/>
+          <a:lstStyle/>
+          <a:p>
+            <a:pPr algn="ctr"/>
+            <a:endParaRPr lang="pt-BR" dirty="0"/>
+          </a:p>
+        </p:txBody>
+      </p:sp>
+      <p:pic>
+        <p:nvPicPr>
+          <p:cNvPr id="47" name="Picture 14" descr="Imagem relacionada"/>
+          <p:cNvPicPr>
+            <a:picLocks noChangeAspect="1" noChangeArrowheads="1"/>
+          </p:cNvPicPr>
+          <p:nvPr/>
+        </p:nvPicPr>
+        <p:blipFill rotWithShape="1">
+          <a:blip r:embed="rId4">
+            <a:extLst>
+              <a:ext uri="{28A0092B-C50C-407E-A947-70E740481C1C}">
+                <a14:useLocalDpi xmlns:a14="http://schemas.microsoft.com/office/drawing/2010/main" val="0"/>
+              </a:ext>
+            </a:extLst>
+          </a:blip>
+          <a:srcRect l="20563" t="13429" r="20104" b="14571"/>
+          <a:stretch/>
+        </p:blipFill>
+        <p:spPr bwMode="auto">
+          <a:xfrm>
+            <a:off x="2638563" y="2467802"/>
+            <a:ext cx="1579326" cy="1916488"/>
+          </a:xfrm>
+          <a:prstGeom prst="rect">
+            <a:avLst/>
+          </a:prstGeom>
+          <a:noFill/>
+          <a:extLst>
+            <a:ext uri="{909E8E84-426E-40DD-AFC4-6F175D3DCCD1}">
+              <a14:hiddenFill xmlns:a14="http://schemas.microsoft.com/office/drawing/2010/main">
+                <a:solidFill>
+                  <a:srgbClr val="FFFFFF"/>
+                </a:solidFill>
+              </a14:hiddenFill>
+            </a:ext>
+          </a:extLst>
+        </p:spPr>
+      </p:pic>
+      <p:pic>
+        <p:nvPicPr>
+          <p:cNvPr id="1028" name="Picture 4" descr="Resultado de imagem para azure logo"/>
+          <p:cNvPicPr>
+            <a:picLocks noChangeAspect="1" noChangeArrowheads="1"/>
+          </p:cNvPicPr>
+          <p:nvPr/>
+        </p:nvPicPr>
+        <p:blipFill>
+          <a:blip r:embed="rId5" cstate="print">
+            <a:extLst>
+              <a:ext uri="{28A0092B-C50C-407E-A947-70E740481C1C}">
+                <a14:useLocalDpi xmlns:a14="http://schemas.microsoft.com/office/drawing/2010/main" val="0"/>
+              </a:ext>
+            </a:extLst>
+          </a:blip>
+          <a:srcRect/>
+          <a:stretch>
+            <a:fillRect/>
+          </a:stretch>
+        </p:blipFill>
+        <p:spPr bwMode="auto">
+          <a:xfrm>
+            <a:off x="2193296" y="4384290"/>
+            <a:ext cx="2469860" cy="713944"/>
+          </a:xfrm>
+          <a:prstGeom prst="rect">
+            <a:avLst/>
+          </a:prstGeom>
+          <a:noFill/>
+          <a:extLst>
+            <a:ext uri="{909E8E84-426E-40DD-AFC4-6F175D3DCCD1}">
+              <a14:hiddenFill xmlns:a14="http://schemas.microsoft.com/office/drawing/2010/main">
+                <a:solidFill>
+                  <a:srgbClr val="FFFFFF"/>
+                </a:solidFill>
+              </a14:hiddenFill>
+            </a:ext>
+          </a:extLst>
+        </p:spPr>
+      </p:pic>
+    </p:spTree>
+    <p:extLst>
+      <p:ext uri="{BB962C8B-B14F-4D97-AF65-F5344CB8AC3E}">
+        <p14:creationId xmlns:p14="http://schemas.microsoft.com/office/powerpoint/2010/main" val="1356162576"/>
+      </p:ext>
+    </p:extLst>
+  </p:cSld>
+  <p:clrMapOvr>
+    <a:masterClrMapping/>
+  </p:clrMapOvr>
+  <p:timing>
+    <p:tnLst>
+      <p:par>
+        <p:cTn id="1" dur="indefinite" restart="never" nodeType="tmRoot"/>
+      </p:par>
+    </p:tnLst>
+  </p:timing>
+</p:sld>
+</file>
+
+<file path=ppt/slides/slide12.xml><?xml version="1.0" encoding="utf-8"?>
+<p:sld xmlns:a="http://schemas.openxmlformats.org/drawingml/2006/main" xmlns:r="http://schemas.openxmlformats.org/officeDocument/2006/relationships" xmlns:p="http://schemas.openxmlformats.org/presentationml/2006/main">
+  <p:cSld>
+    <p:spTree>
+      <p:nvGrpSpPr>
+        <p:cNvPr id="1" name=""/>
+        <p:cNvGrpSpPr/>
+        <p:nvPr/>
+      </p:nvGrpSpPr>
+      <p:grpSpPr>
+        <a:xfrm>
+          <a:off x="0" y="0"/>
+          <a:ext cx="0" cy="0"/>
+          <a:chOff x="0" y="0"/>
+          <a:chExt cx="0" cy="0"/>
+        </a:xfrm>
+      </p:grpSpPr>
+      <p:grpSp>
+        <p:nvGrpSpPr>
+          <p:cNvPr id="4" name="Agrupar 3"/>
+          <p:cNvGrpSpPr/>
+          <p:nvPr/>
+        </p:nvGrpSpPr>
+        <p:grpSpPr>
+          <a:xfrm>
+            <a:off x="0" y="-5907"/>
+            <a:ext cx="12192000" cy="6863907"/>
+            <a:chOff x="0" y="0"/>
+            <a:chExt cx="12192000" cy="6863907"/>
+          </a:xfrm>
+        </p:grpSpPr>
+        <p:pic>
+          <p:nvPicPr>
+            <p:cNvPr id="5" name="Picture 22" descr="http://www.correiodoestadoonline.com.br/arquivos/noticias/3.png"/>
+            <p:cNvPicPr>
+              <a:picLocks noChangeAspect="1" noChangeArrowheads="1"/>
+            </p:cNvPicPr>
+            <p:nvPr/>
+          </p:nvPicPr>
+          <p:blipFill>
+            <a:blip r:embed="rId2">
+              <a:extLst>
+                <a:ext uri="{BEBA8EAE-BF5A-486C-A8C5-ECC9F3942E4B}">
+                  <a14:imgProps xmlns:a14="http://schemas.microsoft.com/office/drawing/2010/main">
+                    <a14:imgLayer r:embed="rId3">
+                      <a14:imgEffect>
+                        <a14:sharpenSoften amount="-80000"/>
+                      </a14:imgEffect>
+                      <a14:imgEffect>
+                        <a14:brightnessContrast bright="-46000"/>
+                      </a14:imgEffect>
+                    </a14:imgLayer>
+                  </a14:imgProps>
+                </a:ext>
+                <a:ext uri="{28A0092B-C50C-407E-A947-70E740481C1C}">
+                  <a14:useLocalDpi xmlns:a14="http://schemas.microsoft.com/office/drawing/2010/main" val="0"/>
+                </a:ext>
+              </a:extLst>
+            </a:blip>
+            <a:srcRect/>
+            <a:stretch>
+              <a:fillRect/>
+            </a:stretch>
+          </p:blipFill>
+          <p:spPr bwMode="auto">
+            <a:xfrm>
+              <a:off x="0" y="0"/>
+              <a:ext cx="12192000" cy="6863907"/>
+            </a:xfrm>
+            <a:prstGeom prst="rect">
+              <a:avLst/>
+            </a:prstGeom>
+            <a:noFill/>
+          </p:spPr>
+        </p:pic>
+        <p:sp>
+          <p:nvSpPr>
+            <p:cNvPr id="6" name="Retângulo 5"/>
+            <p:cNvSpPr/>
+            <p:nvPr/>
+          </p:nvSpPr>
+          <p:spPr>
+            <a:xfrm>
+              <a:off x="0" y="5907"/>
+              <a:ext cx="12192000" cy="6858000"/>
+            </a:xfrm>
+            <a:prstGeom prst="rect">
+              <a:avLst/>
+            </a:prstGeom>
+            <a:solidFill>
+              <a:schemeClr val="tx1">
+                <a:lumMod val="95000"/>
+                <a:lumOff val="5000"/>
+                <a:alpha val="87000"/>
+              </a:schemeClr>
+            </a:solidFill>
+            <a:ln>
+              <a:noFill/>
+            </a:ln>
+          </p:spPr>
+          <p:style>
+            <a:lnRef idx="2">
+              <a:schemeClr val="dk1"/>
+            </a:lnRef>
+            <a:fillRef idx="1">
+              <a:schemeClr val="lt1"/>
+            </a:fillRef>
+            <a:effectRef idx="0">
+              <a:schemeClr val="dk1"/>
+            </a:effectRef>
+            <a:fontRef idx="minor">
+              <a:schemeClr val="dk1"/>
+            </a:fontRef>
+          </p:style>
+          <p:txBody>
+            <a:bodyPr rtlCol="0" anchor="ctr"/>
+            <a:lstStyle/>
+            <a:p>
+              <a:pPr algn="ctr"/>
+              <a:endParaRPr lang="pt-BR" dirty="0"/>
+            </a:p>
+          </p:txBody>
+        </p:sp>
+      </p:grpSp>
+      <p:sp>
+        <p:nvSpPr>
+          <p:cNvPr id="7" name="Retângulo 6"/>
+          <p:cNvSpPr/>
+          <p:nvPr/>
+        </p:nvSpPr>
+        <p:spPr>
+          <a:xfrm>
+            <a:off x="126222" y="198787"/>
+            <a:ext cx="9627378" cy="707886"/>
+          </a:xfrm>
+          <a:prstGeom prst="rect">
+            <a:avLst/>
+          </a:prstGeom>
+          <a:noFill/>
+          <a:effectLst/>
+        </p:spPr>
+        <p:txBody>
+          <a:bodyPr wrap="square" lIns="91440" tIns="45720" rIns="91440" bIns="45720">
+            <a:spAutoFit/>
+          </a:bodyPr>
+          <a:lstStyle/>
+          <a:p>
+            <a:pPr algn="just"/>
+            <a:r>
+              <a:rPr lang="pt-BR" sz="4000" b="1" dirty="0" smtClean="0">
+                <a:ln w="0"/>
+                <a:solidFill>
+                  <a:schemeClr val="bg1"/>
+                </a:solidFill>
+                <a:effectLst>
+                  <a:outerShdw blurRad="38100" dist="19050" dir="2700000" algn="tl" rotWithShape="0">
+                    <a:schemeClr val="dk1">
+                      <a:alpha val="40000"/>
+                    </a:schemeClr>
+                  </a:outerShdw>
+                </a:effectLst>
+                <a:latin typeface="Exo 2 Medium" panose="00000600000000000000" pitchFamily="50" charset="0"/>
+              </a:rPr>
+              <a:t>MODELO DE DADOS</a:t>
+            </a:r>
+            <a:endParaRPr lang="pt-BR" sz="4000" b="1" cap="none" spc="0" dirty="0">
+              <a:ln w="0"/>
+              <a:solidFill>
+                <a:schemeClr val="bg1"/>
+              </a:solidFill>
+              <a:effectLst>
+                <a:outerShdw blurRad="38100" dist="19050" dir="2700000" algn="tl" rotWithShape="0">
+                  <a:schemeClr val="dk1">
+                    <a:alpha val="40000"/>
+                  </a:schemeClr>
+                </a:outerShdw>
+              </a:effectLst>
+              <a:latin typeface="Exo 2 Medium" panose="00000600000000000000" pitchFamily="50" charset="0"/>
+            </a:endParaRPr>
+          </a:p>
+        </p:txBody>
+      </p:sp>
+      <p:cxnSp>
+        <p:nvCxnSpPr>
+          <p:cNvPr id="8" name="Conector reto 7">
+            <a:extLst>
+              <a:ext uri="{FF2B5EF4-FFF2-40B4-BE49-F238E27FC236}">
+                <a16:creationId xmlns:a16="http://schemas.microsoft.com/office/drawing/2014/main" id="{6510727C-C843-4D84-A07F-20F37366891D}"/>
+              </a:ext>
+            </a:extLst>
+          </p:cNvPr>
+          <p:cNvCxnSpPr/>
+          <p:nvPr/>
+        </p:nvCxnSpPr>
+        <p:spPr>
+          <a:xfrm>
+            <a:off x="0" y="1105459"/>
+            <a:ext cx="6325704" cy="0"/>
+          </a:xfrm>
+          <a:prstGeom prst="line">
+            <a:avLst/>
+          </a:prstGeom>
+          <a:ln>
+            <a:solidFill>
+              <a:schemeClr val="bg1"/>
+            </a:solidFill>
+          </a:ln>
+          <a:effectLst/>
+        </p:spPr>
+        <p:style>
+          <a:lnRef idx="1">
+            <a:schemeClr val="accent1"/>
+          </a:lnRef>
+          <a:fillRef idx="0">
+            <a:schemeClr val="accent1"/>
+          </a:fillRef>
+          <a:effectRef idx="0">
+            <a:schemeClr val="accent1"/>
+          </a:effectRef>
+          <a:fontRef idx="minor">
+            <a:schemeClr val="tx1"/>
+          </a:fontRef>
+        </p:style>
+      </p:cxnSp>
+      <p:pic>
+        <p:nvPicPr>
+          <p:cNvPr id="9" name="Imagem 8"/>
+          <p:cNvPicPr>
+            <a:picLocks noChangeAspect="1"/>
+          </p:cNvPicPr>
+          <p:nvPr/>
+        </p:nvPicPr>
+        <p:blipFill rotWithShape="1">
+          <a:blip r:embed="rId4">
+            <a:extLst>
+              <a:ext uri="{28A0092B-C50C-407E-A947-70E740481C1C}">
+                <a14:useLocalDpi xmlns:a14="http://schemas.microsoft.com/office/drawing/2010/main" val="0"/>
+              </a:ext>
+            </a:extLst>
+          </a:blip>
+          <a:srcRect l="6168" t="1586" r="7003" b="4685"/>
+          <a:stretch/>
+        </p:blipFill>
+        <p:spPr>
+          <a:xfrm>
+            <a:off x="456647" y="1421298"/>
+            <a:ext cx="4931203" cy="5120864"/>
+          </a:xfrm>
+          <a:prstGeom prst="rect">
+            <a:avLst/>
+          </a:prstGeom>
+        </p:spPr>
+      </p:pic>
+    </p:spTree>
+    <p:extLst>
+      <p:ext uri="{BB962C8B-B14F-4D97-AF65-F5344CB8AC3E}">
+        <p14:creationId xmlns:p14="http://schemas.microsoft.com/office/powerpoint/2010/main" val="1829066801"/>
+      </p:ext>
+    </p:extLst>
+  </p:cSld>
+  <p:clrMapOvr>
+    <a:masterClrMapping/>
+  </p:clrMapOvr>
+</p:sld>
+</file>
+
 <file path=ppt/slides/slide2.xml><?xml version="1.0" encoding="utf-8"?>
 <p:sld xmlns:a="http://schemas.openxmlformats.org/drawingml/2006/main" xmlns:r="http://schemas.openxmlformats.org/officeDocument/2006/relationships" xmlns:p="http://schemas.openxmlformats.org/presentationml/2006/main">
   <p:cSld>
@@ -7232,7 +7877,7 @@
         </p:nvGraphicFramePr>
         <p:xfrm>
           <a:off x="266700" y="1294689"/>
-          <a:ext cx="6578600" cy="5349239"/>
+          <a:ext cx="6578600" cy="5360867"/>
         </p:xfrm>
         <a:graphic>
           <a:graphicData uri="http://schemas.openxmlformats.org/drawingml/2006/table">
@@ -9009,7 +9654,7 @@
         </p:nvGraphicFramePr>
         <p:xfrm>
           <a:off x="7137676" y="1294689"/>
-          <a:ext cx="4761948" cy="5349238"/>
+          <a:ext cx="4761948" cy="5372384"/>
         </p:xfrm>
         <a:graphic>
           <a:graphicData uri="http://schemas.openxmlformats.org/drawingml/2006/table">

--- a/Apresentação/inSensor.pptx
+++ b/Apresentação/inSensor.pptx
@@ -7,16 +7,24 @@
   <p:sldIdLst>
     <p:sldId id="257" r:id="rId2"/>
     <p:sldId id="264" r:id="rId3"/>
-    <p:sldId id="258" r:id="rId4"/>
-    <p:sldId id="263" r:id="rId5"/>
+    <p:sldId id="272" r:id="rId4"/>
+    <p:sldId id="258" r:id="rId5"/>
     <p:sldId id="256" r:id="rId6"/>
     <p:sldId id="265" r:id="rId7"/>
     <p:sldId id="260" r:id="rId8"/>
     <p:sldId id="261" r:id="rId9"/>
     <p:sldId id="262" r:id="rId10"/>
     <p:sldId id="266" r:id="rId11"/>
-    <p:sldId id="267" r:id="rId12"/>
+    <p:sldId id="273" r:id="rId12"/>
     <p:sldId id="268" r:id="rId13"/>
+    <p:sldId id="269" r:id="rId14"/>
+    <p:sldId id="270" r:id="rId15"/>
+    <p:sldId id="271" r:id="rId16"/>
+    <p:sldId id="274" r:id="rId17"/>
+    <p:sldId id="276" r:id="rId18"/>
+    <p:sldId id="277" r:id="rId19"/>
+    <p:sldId id="278" r:id="rId20"/>
+    <p:sldId id="280" r:id="rId21"/>
   </p:sldIdLst>
   <p:sldSz cx="12192000" cy="6858000"/>
   <p:notesSz cx="6858000" cy="9144000"/>
@@ -4456,7 +4464,7 @@
                 </a:effectLst>
                 <a:latin typeface="Exo 2 Medium" panose="00000600000000000000" pitchFamily="50" charset="0"/>
               </a:rPr>
-              <a:t>SOFTWARE</a:t>
+              <a:t>ARDUINO</a:t>
             </a:r>
             <a:endParaRPr lang="pt-BR" sz="2000" b="1" cap="none" spc="0" dirty="0">
               <a:ln w="0"/>
@@ -5598,6 +5606,198 @@
           <a:chExt cx="0" cy="0"/>
         </a:xfrm>
       </p:grpSpPr>
+      <p:pic>
+        <p:nvPicPr>
+          <p:cNvPr id="4" name="Picture 22" descr="http://www.correiodoestadoonline.com.br/arquivos/noticias/3.png"/>
+          <p:cNvPicPr>
+            <a:picLocks noChangeAspect="1" noChangeArrowheads="1"/>
+          </p:cNvPicPr>
+          <p:nvPr/>
+        </p:nvPicPr>
+        <p:blipFill>
+          <a:blip r:embed="rId2">
+            <a:extLst>
+              <a:ext uri="{BEBA8EAE-BF5A-486C-A8C5-ECC9F3942E4B}">
+                <a14:imgProps xmlns:a14="http://schemas.microsoft.com/office/drawing/2010/main">
+                  <a14:imgLayer r:embed="rId3">
+                    <a14:imgEffect>
+                      <a14:sharpenSoften amount="-80000"/>
+                    </a14:imgEffect>
+                    <a14:imgEffect>
+                      <a14:brightnessContrast bright="-46000"/>
+                    </a14:imgEffect>
+                  </a14:imgLayer>
+                </a14:imgProps>
+              </a:ext>
+              <a:ext uri="{28A0092B-C50C-407E-A947-70E740481C1C}">
+                <a14:useLocalDpi xmlns:a14="http://schemas.microsoft.com/office/drawing/2010/main" val="0"/>
+              </a:ext>
+            </a:extLst>
+          </a:blip>
+          <a:srcRect/>
+          <a:stretch>
+            <a:fillRect/>
+          </a:stretch>
+        </p:blipFill>
+        <p:spPr bwMode="auto">
+          <a:xfrm>
+            <a:off x="0" y="0"/>
+            <a:ext cx="12192000" cy="6863907"/>
+          </a:xfrm>
+          <a:prstGeom prst="rect">
+            <a:avLst/>
+          </a:prstGeom>
+          <a:noFill/>
+        </p:spPr>
+      </p:pic>
+      <p:sp>
+        <p:nvSpPr>
+          <p:cNvPr id="3" name="Retângulo 2"/>
+          <p:cNvSpPr/>
+          <p:nvPr/>
+        </p:nvSpPr>
+        <p:spPr>
+          <a:xfrm>
+            <a:off x="0" y="5907"/>
+            <a:ext cx="12192000" cy="6858000"/>
+          </a:xfrm>
+          <a:prstGeom prst="rect">
+            <a:avLst/>
+          </a:prstGeom>
+          <a:solidFill>
+            <a:schemeClr val="tx1">
+              <a:lumMod val="95000"/>
+              <a:lumOff val="5000"/>
+              <a:alpha val="87000"/>
+            </a:schemeClr>
+          </a:solidFill>
+          <a:ln>
+            <a:noFill/>
+          </a:ln>
+        </p:spPr>
+        <p:style>
+          <a:lnRef idx="2">
+            <a:schemeClr val="dk1"/>
+          </a:lnRef>
+          <a:fillRef idx="1">
+            <a:schemeClr val="lt1"/>
+          </a:fillRef>
+          <a:effectRef idx="0">
+            <a:schemeClr val="dk1"/>
+          </a:effectRef>
+          <a:fontRef idx="minor">
+            <a:schemeClr val="dk1"/>
+          </a:fontRef>
+        </p:style>
+        <p:txBody>
+          <a:bodyPr rtlCol="0" anchor="ctr"/>
+          <a:lstStyle/>
+          <a:p>
+            <a:pPr algn="ctr"/>
+            <a:endParaRPr lang="pt-BR" dirty="0"/>
+          </a:p>
+        </p:txBody>
+      </p:sp>
+      <p:sp>
+        <p:nvSpPr>
+          <p:cNvPr id="9" name="Retângulo 8"/>
+          <p:cNvSpPr/>
+          <p:nvPr/>
+        </p:nvSpPr>
+        <p:spPr>
+          <a:xfrm>
+            <a:off x="126222" y="198787"/>
+            <a:ext cx="9627378" cy="584775"/>
+          </a:xfrm>
+          <a:prstGeom prst="rect">
+            <a:avLst/>
+          </a:prstGeom>
+          <a:noFill/>
+          <a:effectLst/>
+        </p:spPr>
+        <p:txBody>
+          <a:bodyPr wrap="square" lIns="91440" tIns="45720" rIns="91440" bIns="45720">
+            <a:spAutoFit/>
+          </a:bodyPr>
+          <a:lstStyle/>
+          <a:p>
+            <a:pPr algn="just"/>
+            <a:r>
+              <a:rPr lang="pt-BR" sz="3200" b="1" cap="none" spc="0" dirty="0" smtClean="0">
+                <a:ln w="0"/>
+                <a:solidFill>
+                  <a:schemeClr val="bg1"/>
+                </a:solidFill>
+                <a:effectLst>
+                  <a:outerShdw blurRad="38100" dist="19050" dir="2700000" algn="tl" rotWithShape="0">
+                    <a:schemeClr val="dk1">
+                      <a:alpha val="40000"/>
+                    </a:schemeClr>
+                  </a:outerShdw>
+                </a:effectLst>
+                <a:latin typeface="Exo 2 Medium" panose="00000600000000000000" pitchFamily="50" charset="0"/>
+              </a:rPr>
+              <a:t>BANCO DE DADOS</a:t>
+            </a:r>
+            <a:endParaRPr lang="pt-BR" sz="3200" b="1" cap="none" spc="0" dirty="0">
+              <a:ln w="0"/>
+              <a:solidFill>
+                <a:schemeClr val="bg1"/>
+              </a:solidFill>
+              <a:effectLst>
+                <a:outerShdw blurRad="38100" dist="19050" dir="2700000" algn="tl" rotWithShape="0">
+                  <a:schemeClr val="dk1">
+                    <a:alpha val="40000"/>
+                  </a:schemeClr>
+                </a:outerShdw>
+              </a:effectLst>
+              <a:latin typeface="Exo 2 Medium" panose="00000600000000000000" pitchFamily="50" charset="0"/>
+            </a:endParaRPr>
+          </a:p>
+        </p:txBody>
+      </p:sp>
+      <p:cxnSp>
+        <p:nvCxnSpPr>
+          <p:cNvPr id="11" name="Conector reto 10">
+            <a:extLst>
+              <a:ext uri="{FF2B5EF4-FFF2-40B4-BE49-F238E27FC236}">
+                <a16:creationId xmlns:a16="http://schemas.microsoft.com/office/drawing/2014/main" id="{6510727C-C843-4D84-A07F-20F37366891D}"/>
+              </a:ext>
+            </a:extLst>
+          </p:cNvPr>
+          <p:cNvCxnSpPr/>
+          <p:nvPr/>
+        </p:nvCxnSpPr>
+        <p:spPr>
+          <a:xfrm>
+            <a:off x="0" y="953059"/>
+            <a:ext cx="6325704" cy="0"/>
+          </a:xfrm>
+          <a:prstGeom prst="line">
+            <a:avLst/>
+          </a:prstGeom>
+          <a:ln>
+            <a:solidFill>
+              <a:schemeClr val="bg1"/>
+            </a:solidFill>
+          </a:ln>
+          <a:effectLst/>
+        </p:spPr>
+        <p:style>
+          <a:lnRef idx="1">
+            <a:schemeClr val="accent1"/>
+          </a:lnRef>
+          <a:fillRef idx="0">
+            <a:schemeClr val="accent1"/>
+          </a:fillRef>
+          <a:effectRef idx="0">
+            <a:schemeClr val="accent1"/>
+          </a:effectRef>
+          <a:fontRef idx="minor">
+            <a:schemeClr val="tx1"/>
+          </a:fontRef>
+        </p:style>
+      </p:cxnSp>
       <p:grpSp>
         <p:nvGrpSpPr>
           <p:cNvPr id="6" name="Agrupar 5"/>
@@ -5606,6 +5806,214 @@
         </p:nvGrpSpPr>
         <p:grpSpPr>
           <a:xfrm>
+            <a:off x="1162350" y="2057400"/>
+            <a:ext cx="3644106" cy="3644106"/>
+            <a:chOff x="1162350" y="2057400"/>
+            <a:chExt cx="3644106" cy="3644106"/>
+          </a:xfrm>
+        </p:grpSpPr>
+        <p:sp>
+          <p:nvSpPr>
+            <p:cNvPr id="10" name="Elipse 9"/>
+            <p:cNvSpPr/>
+            <p:nvPr/>
+          </p:nvSpPr>
+          <p:spPr>
+            <a:xfrm>
+              <a:off x="1162350" y="2057400"/>
+              <a:ext cx="3644106" cy="3644106"/>
+            </a:xfrm>
+            <a:prstGeom prst="ellipse">
+              <a:avLst/>
+            </a:prstGeom>
+            <a:solidFill>
+              <a:schemeClr val="bg1"/>
+            </a:solidFill>
+            <a:ln>
+              <a:noFill/>
+            </a:ln>
+            <a:effectLst>
+              <a:outerShdw blurRad="50800" dist="38100" dir="2700000" algn="tl" rotWithShape="0">
+                <a:prstClr val="black">
+                  <a:alpha val="40000"/>
+                </a:prstClr>
+              </a:outerShdw>
+            </a:effectLst>
+          </p:spPr>
+          <p:style>
+            <a:lnRef idx="2">
+              <a:schemeClr val="accent1">
+                <a:shade val="50000"/>
+              </a:schemeClr>
+            </a:lnRef>
+            <a:fillRef idx="1">
+              <a:schemeClr val="accent1"/>
+            </a:fillRef>
+            <a:effectRef idx="0">
+              <a:schemeClr val="accent1"/>
+            </a:effectRef>
+            <a:fontRef idx="minor">
+              <a:schemeClr val="lt1"/>
+            </a:fontRef>
+          </p:style>
+          <p:txBody>
+            <a:bodyPr rtlCol="0" anchor="ctr"/>
+            <a:lstStyle/>
+            <a:p>
+              <a:pPr algn="ctr"/>
+              <a:endParaRPr lang="pt-BR" dirty="0"/>
+            </a:p>
+          </p:txBody>
+        </p:sp>
+        <p:grpSp>
+          <p:nvGrpSpPr>
+            <p:cNvPr id="2" name="Agrupar 1"/>
+            <p:cNvGrpSpPr/>
+            <p:nvPr/>
+          </p:nvGrpSpPr>
+          <p:grpSpPr>
+            <a:xfrm>
+              <a:off x="2016173" y="2781259"/>
+              <a:ext cx="1933527" cy="2059231"/>
+              <a:chOff x="1749473" y="2401951"/>
+              <a:chExt cx="2469860" cy="2630432"/>
+            </a:xfrm>
+          </p:grpSpPr>
+          <p:pic>
+            <p:nvPicPr>
+              <p:cNvPr id="13" name="Picture 14" descr="Imagem relacionada"/>
+              <p:cNvPicPr>
+                <a:picLocks noChangeAspect="1" noChangeArrowheads="1"/>
+              </p:cNvPicPr>
+              <p:nvPr/>
+            </p:nvPicPr>
+            <p:blipFill rotWithShape="1">
+              <a:blip r:embed="rId4">
+                <a:extLst>
+                  <a:ext uri="{28A0092B-C50C-407E-A947-70E740481C1C}">
+                    <a14:useLocalDpi xmlns:a14="http://schemas.microsoft.com/office/drawing/2010/main" val="0"/>
+                  </a:ext>
+                </a:extLst>
+              </a:blip>
+              <a:srcRect l="20563" t="13429" r="20104" b="14571"/>
+              <a:stretch/>
+            </p:blipFill>
+            <p:spPr bwMode="auto">
+              <a:xfrm>
+                <a:off x="2194740" y="2401951"/>
+                <a:ext cx="1579327" cy="1916488"/>
+              </a:xfrm>
+              <a:prstGeom prst="rect">
+                <a:avLst/>
+              </a:prstGeom>
+              <a:noFill/>
+              <a:extLst>
+                <a:ext uri="{909E8E84-426E-40DD-AFC4-6F175D3DCCD1}">
+                  <a14:hiddenFill xmlns:a14="http://schemas.microsoft.com/office/drawing/2010/main">
+                    <a:solidFill>
+                      <a:srgbClr val="FFFFFF"/>
+                    </a:solidFill>
+                  </a14:hiddenFill>
+                </a:ext>
+              </a:extLst>
+            </p:spPr>
+          </p:pic>
+          <p:pic>
+            <p:nvPicPr>
+              <p:cNvPr id="14" name="Picture 4" descr="Resultado de imagem para azure logo"/>
+              <p:cNvPicPr>
+                <a:picLocks noChangeAspect="1" noChangeArrowheads="1"/>
+              </p:cNvPicPr>
+              <p:nvPr/>
+            </p:nvPicPr>
+            <p:blipFill>
+              <a:blip r:embed="rId5" cstate="print">
+                <a:extLst>
+                  <a:ext uri="{28A0092B-C50C-407E-A947-70E740481C1C}">
+                    <a14:useLocalDpi xmlns:a14="http://schemas.microsoft.com/office/drawing/2010/main" val="0"/>
+                  </a:ext>
+                </a:extLst>
+              </a:blip>
+              <a:srcRect/>
+              <a:stretch>
+                <a:fillRect/>
+              </a:stretch>
+            </p:blipFill>
+            <p:spPr bwMode="auto">
+              <a:xfrm>
+                <a:off x="1749473" y="4318439"/>
+                <a:ext cx="2469860" cy="713944"/>
+              </a:xfrm>
+              <a:prstGeom prst="rect">
+                <a:avLst/>
+              </a:prstGeom>
+              <a:noFill/>
+              <a:extLst>
+                <a:ext uri="{909E8E84-426E-40DD-AFC4-6F175D3DCCD1}">
+                  <a14:hiddenFill xmlns:a14="http://schemas.microsoft.com/office/drawing/2010/main">
+                    <a:solidFill>
+                      <a:srgbClr val="FFFFFF"/>
+                    </a:solidFill>
+                  </a14:hiddenFill>
+                </a:ext>
+              </a:extLst>
+            </p:spPr>
+          </p:pic>
+        </p:grpSp>
+      </p:grpSp>
+    </p:spTree>
+    <p:extLst>
+      <p:ext uri="{BB962C8B-B14F-4D97-AF65-F5344CB8AC3E}">
+        <p14:creationId xmlns:p14="http://schemas.microsoft.com/office/powerpoint/2010/main" val="2715449392"/>
+      </p:ext>
+    </p:extLst>
+  </p:cSld>
+  <p:clrMapOvr>
+    <a:masterClrMapping/>
+  </p:clrMapOvr>
+  <mc:AlternateContent xmlns:mc="http://schemas.openxmlformats.org/markup-compatibility/2006" xmlns:p14="http://schemas.microsoft.com/office/powerpoint/2010/main">
+    <mc:Choice Requires="p14">
+      <p:transition p14:dur="0"/>
+    </mc:Choice>
+    <mc:Fallback xmlns="">
+      <p:transition/>
+    </mc:Fallback>
+  </mc:AlternateContent>
+  <p:timing>
+    <p:tnLst>
+      <p:par>
+        <p:cTn id="1" dur="indefinite" restart="never" nodeType="tmRoot"/>
+      </p:par>
+    </p:tnLst>
+  </p:timing>
+</p:sld>
+</file>
+
+<file path=ppt/slides/slide12.xml><?xml version="1.0" encoding="utf-8"?>
+<p:sld xmlns:a="http://schemas.openxmlformats.org/drawingml/2006/main" xmlns:r="http://schemas.openxmlformats.org/officeDocument/2006/relationships" xmlns:p="http://schemas.openxmlformats.org/presentationml/2006/main">
+  <p:cSld>
+    <p:spTree>
+      <p:nvGrpSpPr>
+        <p:cNvPr id="1" name=""/>
+        <p:cNvGrpSpPr/>
+        <p:nvPr/>
+      </p:nvGrpSpPr>
+      <p:grpSpPr>
+        <a:xfrm>
+          <a:off x="0" y="0"/>
+          <a:ext cx="0" cy="0"/>
+          <a:chOff x="0" y="0"/>
+          <a:chExt cx="0" cy="0"/>
+        </a:xfrm>
+      </p:grpSpPr>
+      <p:grpSp>
+        <p:nvGrpSpPr>
+          <p:cNvPr id="4" name="Agrupar 3"/>
+          <p:cNvGrpSpPr/>
+          <p:nvPr/>
+        </p:nvGrpSpPr>
+        <p:grpSpPr>
+          <a:xfrm>
             <a:off x="0" y="-5907"/>
             <a:ext cx="12192000" cy="6863907"/>
             <a:chOff x="0" y="0"/>
@@ -5614,7 +6022,7 @@
         </p:grpSpPr>
         <p:pic>
           <p:nvPicPr>
-            <p:cNvPr id="7" name="Picture 22" descr="http://www.correiodoestadoonline.com.br/arquivos/noticias/3.png"/>
+            <p:cNvPr id="5" name="Picture 22" descr="http://www.correiodoestadoonline.com.br/arquivos/noticias/3.png"/>
             <p:cNvPicPr>
               <a:picLocks noChangeAspect="1" noChangeArrowheads="1"/>
             </p:cNvPicPr>
@@ -5658,7 +6066,273 @@
         </p:pic>
         <p:sp>
           <p:nvSpPr>
-            <p:cNvPr id="8" name="Retângulo 7"/>
+            <p:cNvPr id="6" name="Retângulo 5"/>
+            <p:cNvSpPr/>
+            <p:nvPr/>
+          </p:nvSpPr>
+          <p:spPr>
+            <a:xfrm>
+              <a:off x="0" y="5907"/>
+              <a:ext cx="12192000" cy="6858000"/>
+            </a:xfrm>
+            <a:prstGeom prst="rect">
+              <a:avLst/>
+            </a:prstGeom>
+            <a:solidFill>
+              <a:schemeClr val="tx1">
+                <a:lumMod val="95000"/>
+                <a:lumOff val="5000"/>
+                <a:alpha val="87000"/>
+              </a:schemeClr>
+            </a:solidFill>
+            <a:ln>
+              <a:noFill/>
+            </a:ln>
+          </p:spPr>
+          <p:style>
+            <a:lnRef idx="2">
+              <a:schemeClr val="dk1"/>
+            </a:lnRef>
+            <a:fillRef idx="1">
+              <a:schemeClr val="lt1"/>
+            </a:fillRef>
+            <a:effectRef idx="0">
+              <a:schemeClr val="dk1"/>
+            </a:effectRef>
+            <a:fontRef idx="minor">
+              <a:schemeClr val="dk1"/>
+            </a:fontRef>
+          </p:style>
+          <p:txBody>
+            <a:bodyPr rtlCol="0" anchor="ctr"/>
+            <a:lstStyle/>
+            <a:p>
+              <a:pPr algn="ctr"/>
+              <a:endParaRPr lang="pt-BR" dirty="0"/>
+            </a:p>
+          </p:txBody>
+        </p:sp>
+      </p:grpSp>
+      <p:pic>
+        <p:nvPicPr>
+          <p:cNvPr id="9" name="Imagem 8"/>
+          <p:cNvPicPr>
+            <a:picLocks noChangeAspect="1"/>
+          </p:cNvPicPr>
+          <p:nvPr/>
+        </p:nvPicPr>
+        <p:blipFill rotWithShape="1">
+          <a:blip r:embed="rId4">
+            <a:extLst>
+              <a:ext uri="{28A0092B-C50C-407E-A947-70E740481C1C}">
+                <a14:useLocalDpi xmlns:a14="http://schemas.microsoft.com/office/drawing/2010/main" val="0"/>
+              </a:ext>
+            </a:extLst>
+          </a:blip>
+          <a:srcRect l="6168" t="1586" r="7003" b="4685"/>
+          <a:stretch/>
+        </p:blipFill>
+        <p:spPr>
+          <a:xfrm>
+            <a:off x="456647" y="1421298"/>
+            <a:ext cx="4931203" cy="5120864"/>
+          </a:xfrm>
+          <a:prstGeom prst="rect">
+            <a:avLst/>
+          </a:prstGeom>
+        </p:spPr>
+      </p:pic>
+      <p:sp>
+        <p:nvSpPr>
+          <p:cNvPr id="10" name="Retângulo 9"/>
+          <p:cNvSpPr/>
+          <p:nvPr/>
+        </p:nvSpPr>
+        <p:spPr>
+          <a:xfrm>
+            <a:off x="126222" y="198787"/>
+            <a:ext cx="9627378" cy="584775"/>
+          </a:xfrm>
+          <a:prstGeom prst="rect">
+            <a:avLst/>
+          </a:prstGeom>
+          <a:noFill/>
+          <a:effectLst/>
+        </p:spPr>
+        <p:txBody>
+          <a:bodyPr wrap="square" lIns="91440" tIns="45720" rIns="91440" bIns="45720">
+            <a:spAutoFit/>
+          </a:bodyPr>
+          <a:lstStyle/>
+          <a:p>
+            <a:pPr algn="just"/>
+            <a:r>
+              <a:rPr lang="pt-BR" sz="3200" b="1" cap="none" spc="0" dirty="0" smtClean="0">
+                <a:ln w="0"/>
+                <a:solidFill>
+                  <a:schemeClr val="bg1"/>
+                </a:solidFill>
+                <a:effectLst>
+                  <a:outerShdw blurRad="38100" dist="19050" dir="2700000" algn="tl" rotWithShape="0">
+                    <a:schemeClr val="dk1">
+                      <a:alpha val="40000"/>
+                    </a:schemeClr>
+                  </a:outerShdw>
+                </a:effectLst>
+                <a:latin typeface="Exo 2 Medium" panose="00000600000000000000" pitchFamily="50" charset="0"/>
+              </a:rPr>
+              <a:t>MODELO DE DADOS</a:t>
+            </a:r>
+            <a:endParaRPr lang="pt-BR" sz="3200" b="1" cap="none" spc="0" dirty="0">
+              <a:ln w="0"/>
+              <a:solidFill>
+                <a:schemeClr val="bg1"/>
+              </a:solidFill>
+              <a:effectLst>
+                <a:outerShdw blurRad="38100" dist="19050" dir="2700000" algn="tl" rotWithShape="0">
+                  <a:schemeClr val="dk1">
+                    <a:alpha val="40000"/>
+                  </a:schemeClr>
+                </a:outerShdw>
+              </a:effectLst>
+              <a:latin typeface="Exo 2 Medium" panose="00000600000000000000" pitchFamily="50" charset="0"/>
+            </a:endParaRPr>
+          </a:p>
+        </p:txBody>
+      </p:sp>
+      <p:cxnSp>
+        <p:nvCxnSpPr>
+          <p:cNvPr id="11" name="Conector reto 10">
+            <a:extLst>
+              <a:ext uri="{FF2B5EF4-FFF2-40B4-BE49-F238E27FC236}">
+                <a16:creationId xmlns:a16="http://schemas.microsoft.com/office/drawing/2014/main" id="{6510727C-C843-4D84-A07F-20F37366891D}"/>
+              </a:ext>
+            </a:extLst>
+          </p:cNvPr>
+          <p:cNvCxnSpPr/>
+          <p:nvPr/>
+        </p:nvCxnSpPr>
+        <p:spPr>
+          <a:xfrm>
+            <a:off x="0" y="953059"/>
+            <a:ext cx="6325704" cy="0"/>
+          </a:xfrm>
+          <a:prstGeom prst="line">
+            <a:avLst/>
+          </a:prstGeom>
+          <a:ln>
+            <a:solidFill>
+              <a:schemeClr val="bg1"/>
+            </a:solidFill>
+          </a:ln>
+          <a:effectLst/>
+        </p:spPr>
+        <p:style>
+          <a:lnRef idx="1">
+            <a:schemeClr val="accent1"/>
+          </a:lnRef>
+          <a:fillRef idx="0">
+            <a:schemeClr val="accent1"/>
+          </a:fillRef>
+          <a:effectRef idx="0">
+            <a:schemeClr val="accent1"/>
+          </a:effectRef>
+          <a:fontRef idx="minor">
+            <a:schemeClr val="tx1"/>
+          </a:fontRef>
+        </p:style>
+      </p:cxnSp>
+    </p:spTree>
+    <p:extLst>
+      <p:ext uri="{BB962C8B-B14F-4D97-AF65-F5344CB8AC3E}">
+        <p14:creationId xmlns:p14="http://schemas.microsoft.com/office/powerpoint/2010/main" val="1829066801"/>
+      </p:ext>
+    </p:extLst>
+  </p:cSld>
+  <p:clrMapOvr>
+    <a:masterClrMapping/>
+  </p:clrMapOvr>
+</p:sld>
+</file>
+
+<file path=ppt/slides/slide13.xml><?xml version="1.0" encoding="utf-8"?>
+<p:sld xmlns:a="http://schemas.openxmlformats.org/drawingml/2006/main" xmlns:r="http://schemas.openxmlformats.org/officeDocument/2006/relationships" xmlns:p="http://schemas.openxmlformats.org/presentationml/2006/main">
+  <p:cSld>
+    <p:spTree>
+      <p:nvGrpSpPr>
+        <p:cNvPr id="1" name=""/>
+        <p:cNvGrpSpPr/>
+        <p:nvPr/>
+      </p:nvGrpSpPr>
+      <p:grpSpPr>
+        <a:xfrm>
+          <a:off x="0" y="0"/>
+          <a:ext cx="0" cy="0"/>
+          <a:chOff x="0" y="0"/>
+          <a:chExt cx="0" cy="0"/>
+        </a:xfrm>
+      </p:grpSpPr>
+      <p:grpSp>
+        <p:nvGrpSpPr>
+          <p:cNvPr id="4" name="Agrupar 3"/>
+          <p:cNvGrpSpPr/>
+          <p:nvPr/>
+        </p:nvGrpSpPr>
+        <p:grpSpPr>
+          <a:xfrm>
+            <a:off x="0" y="-5907"/>
+            <a:ext cx="12192000" cy="6863907"/>
+            <a:chOff x="0" y="0"/>
+            <a:chExt cx="12192000" cy="6863907"/>
+          </a:xfrm>
+        </p:grpSpPr>
+        <p:pic>
+          <p:nvPicPr>
+            <p:cNvPr id="5" name="Picture 22" descr="http://www.correiodoestadoonline.com.br/arquivos/noticias/3.png"/>
+            <p:cNvPicPr>
+              <a:picLocks noChangeAspect="1" noChangeArrowheads="1"/>
+            </p:cNvPicPr>
+            <p:nvPr/>
+          </p:nvPicPr>
+          <p:blipFill>
+            <a:blip r:embed="rId2">
+              <a:extLst>
+                <a:ext uri="{BEBA8EAE-BF5A-486C-A8C5-ECC9F3942E4B}">
+                  <a14:imgProps xmlns:a14="http://schemas.microsoft.com/office/drawing/2010/main">
+                    <a14:imgLayer r:embed="rId3">
+                      <a14:imgEffect>
+                        <a14:sharpenSoften amount="-80000"/>
+                      </a14:imgEffect>
+                      <a14:imgEffect>
+                        <a14:brightnessContrast bright="-46000"/>
+                      </a14:imgEffect>
+                    </a14:imgLayer>
+                  </a14:imgProps>
+                </a:ext>
+                <a:ext uri="{28A0092B-C50C-407E-A947-70E740481C1C}">
+                  <a14:useLocalDpi xmlns:a14="http://schemas.microsoft.com/office/drawing/2010/main" val="0"/>
+                </a:ext>
+              </a:extLst>
+            </a:blip>
+            <a:srcRect/>
+            <a:stretch>
+              <a:fillRect/>
+            </a:stretch>
+          </p:blipFill>
+          <p:spPr bwMode="auto">
+            <a:xfrm>
+              <a:off x="0" y="0"/>
+              <a:ext cx="12192000" cy="6863907"/>
+            </a:xfrm>
+            <a:prstGeom prst="rect">
+              <a:avLst/>
+            </a:prstGeom>
+            <a:noFill/>
+          </p:spPr>
+        </p:pic>
+        <p:sp>
+          <p:nvSpPr>
+            <p:cNvPr id="6" name="Retângulo 5"/>
             <p:cNvSpPr/>
             <p:nvPr/>
           </p:nvSpPr>
@@ -5707,14 +6381,14 @@
       </p:grpSp>
       <p:sp>
         <p:nvSpPr>
-          <p:cNvPr id="9" name="Retângulo 8"/>
+          <p:cNvPr id="12" name="Retângulo 11"/>
           <p:cNvSpPr/>
           <p:nvPr/>
         </p:nvSpPr>
         <p:spPr>
           <a:xfrm>
             <a:off x="126222" y="198787"/>
-            <a:ext cx="9627378" cy="707886"/>
+            <a:ext cx="9627378" cy="584775"/>
           </a:xfrm>
           <a:prstGeom prst="rect">
             <a:avLst/>
@@ -5730,7 +6404,7 @@
           <a:p>
             <a:pPr algn="just"/>
             <a:r>
-              <a:rPr lang="pt-BR" sz="4000" b="1" dirty="0" smtClean="0">
+              <a:rPr lang="pt-BR" sz="3200" b="1" cap="none" spc="0" dirty="0" smtClean="0">
                 <a:ln w="0"/>
                 <a:solidFill>
                   <a:schemeClr val="bg1"/>
@@ -5744,9 +6418,9 @@
                 </a:effectLst>
                 <a:latin typeface="Exo 2 Medium" panose="00000600000000000000" pitchFamily="50" charset="0"/>
               </a:rPr>
-              <a:t>BANCO DE DADOS</a:t>
+              <a:t>APLICAÇÃO – DESENHO DA SOLUÇÃO</a:t>
             </a:r>
-            <a:endParaRPr lang="pt-BR" sz="4000" b="1" cap="none" spc="0" dirty="0">
+            <a:endParaRPr lang="pt-BR" sz="3200" b="1" cap="none" spc="0" dirty="0">
               <a:ln w="0"/>
               <a:solidFill>
                 <a:schemeClr val="bg1"/>
@@ -5765,7 +6439,7 @@
       </p:sp>
       <p:cxnSp>
         <p:nvCxnSpPr>
-          <p:cNvPr id="10" name="Conector reto 9">
+          <p:cNvPr id="13" name="Conector reto 12">
             <a:extLst>
               <a:ext uri="{FF2B5EF4-FFF2-40B4-BE49-F238E27FC236}">
                 <a16:creationId xmlns:a16="http://schemas.microsoft.com/office/drawing/2014/main" id="{6510727C-C843-4D84-A07F-20F37366891D}"/>
@@ -5777,7 +6451,7 @@
         </p:nvCxnSpPr>
         <p:spPr>
           <a:xfrm>
-            <a:off x="0" y="1105459"/>
+            <a:off x="0" y="953059"/>
             <a:ext cx="6325704" cy="0"/>
           </a:xfrm>
           <a:prstGeom prst="line">
@@ -5805,160 +6479,20 @@
           </a:fontRef>
         </p:style>
       </p:cxnSp>
-      <p:sp>
-        <p:nvSpPr>
-          <p:cNvPr id="43" name="Elipse 42"/>
-          <p:cNvSpPr/>
-          <p:nvPr/>
-        </p:nvSpPr>
-        <p:spPr>
-          <a:xfrm>
-            <a:off x="1251250" y="1804754"/>
-            <a:ext cx="4353952" cy="4353952"/>
-          </a:xfrm>
-          <a:prstGeom prst="ellipse">
-            <a:avLst/>
-          </a:prstGeom>
-          <a:solidFill>
-            <a:schemeClr val="bg1"/>
-          </a:solidFill>
-          <a:ln>
-            <a:noFill/>
-          </a:ln>
-          <a:effectLst>
-            <a:outerShdw blurRad="50800" dist="38100" dir="2700000" algn="tl" rotWithShape="0">
-              <a:prstClr val="black">
-                <a:alpha val="40000"/>
-              </a:prstClr>
-            </a:outerShdw>
-          </a:effectLst>
-        </p:spPr>
-        <p:style>
-          <a:lnRef idx="2">
-            <a:schemeClr val="accent1">
-              <a:shade val="50000"/>
-            </a:schemeClr>
-          </a:lnRef>
-          <a:fillRef idx="1">
-            <a:schemeClr val="accent1"/>
-          </a:fillRef>
-          <a:effectRef idx="0">
-            <a:schemeClr val="accent1"/>
-          </a:effectRef>
-          <a:fontRef idx="minor">
-            <a:schemeClr val="lt1"/>
-          </a:fontRef>
-        </p:style>
-        <p:txBody>
-          <a:bodyPr rtlCol="0" anchor="ctr"/>
-          <a:lstStyle/>
-          <a:p>
-            <a:pPr algn="ctr"/>
-            <a:endParaRPr lang="pt-BR" dirty="0"/>
-          </a:p>
-        </p:txBody>
-      </p:sp>
-      <p:pic>
-        <p:nvPicPr>
-          <p:cNvPr id="47" name="Picture 14" descr="Imagem relacionada"/>
-          <p:cNvPicPr>
-            <a:picLocks noChangeAspect="1" noChangeArrowheads="1"/>
-          </p:cNvPicPr>
-          <p:nvPr/>
-        </p:nvPicPr>
-        <p:blipFill rotWithShape="1">
-          <a:blip r:embed="rId4">
-            <a:extLst>
-              <a:ext uri="{28A0092B-C50C-407E-A947-70E740481C1C}">
-                <a14:useLocalDpi xmlns:a14="http://schemas.microsoft.com/office/drawing/2010/main" val="0"/>
-              </a:ext>
-            </a:extLst>
-          </a:blip>
-          <a:srcRect l="20563" t="13429" r="20104" b="14571"/>
-          <a:stretch/>
-        </p:blipFill>
-        <p:spPr bwMode="auto">
-          <a:xfrm>
-            <a:off x="2638563" y="2467802"/>
-            <a:ext cx="1579326" cy="1916488"/>
-          </a:xfrm>
-          <a:prstGeom prst="rect">
-            <a:avLst/>
-          </a:prstGeom>
-          <a:noFill/>
-          <a:extLst>
-            <a:ext uri="{909E8E84-426E-40DD-AFC4-6F175D3DCCD1}">
-              <a14:hiddenFill xmlns:a14="http://schemas.microsoft.com/office/drawing/2010/main">
-                <a:solidFill>
-                  <a:srgbClr val="FFFFFF"/>
-                </a:solidFill>
-              </a14:hiddenFill>
-            </a:ext>
-          </a:extLst>
-        </p:spPr>
-      </p:pic>
-      <p:pic>
-        <p:nvPicPr>
-          <p:cNvPr id="1028" name="Picture 4" descr="Resultado de imagem para azure logo"/>
-          <p:cNvPicPr>
-            <a:picLocks noChangeAspect="1" noChangeArrowheads="1"/>
-          </p:cNvPicPr>
-          <p:nvPr/>
-        </p:nvPicPr>
-        <p:blipFill>
-          <a:blip r:embed="rId5" cstate="print">
-            <a:extLst>
-              <a:ext uri="{28A0092B-C50C-407E-A947-70E740481C1C}">
-                <a14:useLocalDpi xmlns:a14="http://schemas.microsoft.com/office/drawing/2010/main" val="0"/>
-              </a:ext>
-            </a:extLst>
-          </a:blip>
-          <a:srcRect/>
-          <a:stretch>
-            <a:fillRect/>
-          </a:stretch>
-        </p:blipFill>
-        <p:spPr bwMode="auto">
-          <a:xfrm>
-            <a:off x="2193296" y="4384290"/>
-            <a:ext cx="2469860" cy="713944"/>
-          </a:xfrm>
-          <a:prstGeom prst="rect">
-            <a:avLst/>
-          </a:prstGeom>
-          <a:noFill/>
-          <a:extLst>
-            <a:ext uri="{909E8E84-426E-40DD-AFC4-6F175D3DCCD1}">
-              <a14:hiddenFill xmlns:a14="http://schemas.microsoft.com/office/drawing/2010/main">
-                <a:solidFill>
-                  <a:srgbClr val="FFFFFF"/>
-                </a:solidFill>
-              </a14:hiddenFill>
-            </a:ext>
-          </a:extLst>
-        </p:spPr>
-      </p:pic>
     </p:spTree>
     <p:extLst>
       <p:ext uri="{BB962C8B-B14F-4D97-AF65-F5344CB8AC3E}">
-        <p14:creationId xmlns:p14="http://schemas.microsoft.com/office/powerpoint/2010/main" val="1356162576"/>
+        <p14:creationId xmlns:p14="http://schemas.microsoft.com/office/powerpoint/2010/main" val="3765218099"/>
       </p:ext>
     </p:extLst>
   </p:cSld>
   <p:clrMapOvr>
     <a:masterClrMapping/>
   </p:clrMapOvr>
-  <p:timing>
-    <p:tnLst>
-      <p:par>
-        <p:cTn id="1" dur="indefinite" restart="never" nodeType="tmRoot"/>
-      </p:par>
-    </p:tnLst>
-  </p:timing>
 </p:sld>
 </file>
 
-<file path=ppt/slides/slide12.xml><?xml version="1.0" encoding="utf-8"?>
+<file path=ppt/slides/slide14.xml><?xml version="1.0" encoding="utf-8"?>
 <p:sld xmlns:a="http://schemas.openxmlformats.org/drawingml/2006/main" xmlns:r="http://schemas.openxmlformats.org/officeDocument/2006/relationships" xmlns:p="http://schemas.openxmlformats.org/presentationml/2006/main">
   <p:cSld>
     <p:spTree>
@@ -5984,6 +6518,243 @@
         <p:grpSpPr>
           <a:xfrm>
             <a:off x="0" y="-5907"/>
+            <a:ext cx="12192000" cy="6863907"/>
+            <a:chOff x="0" y="0"/>
+            <a:chExt cx="12192000" cy="6863907"/>
+          </a:xfrm>
+        </p:grpSpPr>
+        <p:pic>
+          <p:nvPicPr>
+            <p:cNvPr id="5" name="Picture 22" descr="http://www.correiodoestadoonline.com.br/arquivos/noticias/3.png"/>
+            <p:cNvPicPr>
+              <a:picLocks noChangeAspect="1" noChangeArrowheads="1"/>
+            </p:cNvPicPr>
+            <p:nvPr/>
+          </p:nvPicPr>
+          <p:blipFill>
+            <a:blip r:embed="rId2">
+              <a:extLst>
+                <a:ext uri="{BEBA8EAE-BF5A-486C-A8C5-ECC9F3942E4B}">
+                  <a14:imgProps xmlns:a14="http://schemas.microsoft.com/office/drawing/2010/main">
+                    <a14:imgLayer r:embed="rId3">
+                      <a14:imgEffect>
+                        <a14:sharpenSoften amount="-80000"/>
+                      </a14:imgEffect>
+                      <a14:imgEffect>
+                        <a14:brightnessContrast bright="-46000"/>
+                      </a14:imgEffect>
+                    </a14:imgLayer>
+                  </a14:imgProps>
+                </a:ext>
+                <a:ext uri="{28A0092B-C50C-407E-A947-70E740481C1C}">
+                  <a14:useLocalDpi xmlns:a14="http://schemas.microsoft.com/office/drawing/2010/main" val="0"/>
+                </a:ext>
+              </a:extLst>
+            </a:blip>
+            <a:srcRect/>
+            <a:stretch>
+              <a:fillRect/>
+            </a:stretch>
+          </p:blipFill>
+          <p:spPr bwMode="auto">
+            <a:xfrm>
+              <a:off x="0" y="0"/>
+              <a:ext cx="12192000" cy="6863907"/>
+            </a:xfrm>
+            <a:prstGeom prst="rect">
+              <a:avLst/>
+            </a:prstGeom>
+            <a:noFill/>
+          </p:spPr>
+        </p:pic>
+        <p:sp>
+          <p:nvSpPr>
+            <p:cNvPr id="6" name="Retângulo 5"/>
+            <p:cNvSpPr/>
+            <p:nvPr/>
+          </p:nvSpPr>
+          <p:spPr>
+            <a:xfrm>
+              <a:off x="0" y="5907"/>
+              <a:ext cx="12192000" cy="6858000"/>
+            </a:xfrm>
+            <a:prstGeom prst="rect">
+              <a:avLst/>
+            </a:prstGeom>
+            <a:solidFill>
+              <a:schemeClr val="tx1">
+                <a:lumMod val="95000"/>
+                <a:lumOff val="5000"/>
+                <a:alpha val="87000"/>
+              </a:schemeClr>
+            </a:solidFill>
+            <a:ln>
+              <a:noFill/>
+            </a:ln>
+          </p:spPr>
+          <p:style>
+            <a:lnRef idx="2">
+              <a:schemeClr val="dk1"/>
+            </a:lnRef>
+            <a:fillRef idx="1">
+              <a:schemeClr val="lt1"/>
+            </a:fillRef>
+            <a:effectRef idx="0">
+              <a:schemeClr val="dk1"/>
+            </a:effectRef>
+            <a:fontRef idx="minor">
+              <a:schemeClr val="dk1"/>
+            </a:fontRef>
+          </p:style>
+          <p:txBody>
+            <a:bodyPr rtlCol="0" anchor="ctr"/>
+            <a:lstStyle/>
+            <a:p>
+              <a:pPr algn="ctr"/>
+              <a:endParaRPr lang="pt-BR" dirty="0"/>
+            </a:p>
+          </p:txBody>
+        </p:sp>
+      </p:grpSp>
+      <p:sp>
+        <p:nvSpPr>
+          <p:cNvPr id="11" name="Retângulo 10"/>
+          <p:cNvSpPr/>
+          <p:nvPr/>
+        </p:nvSpPr>
+        <p:spPr>
+          <a:xfrm>
+            <a:off x="126222" y="198787"/>
+            <a:ext cx="9627378" cy="584775"/>
+          </a:xfrm>
+          <a:prstGeom prst="rect">
+            <a:avLst/>
+          </a:prstGeom>
+          <a:noFill/>
+          <a:effectLst/>
+        </p:spPr>
+        <p:txBody>
+          <a:bodyPr wrap="square" lIns="91440" tIns="45720" rIns="91440" bIns="45720">
+            <a:spAutoFit/>
+          </a:bodyPr>
+          <a:lstStyle/>
+          <a:p>
+            <a:pPr algn="just"/>
+            <a:r>
+              <a:rPr lang="pt-BR" sz="3200" b="1" dirty="0" smtClean="0">
+                <a:ln w="0"/>
+                <a:solidFill>
+                  <a:schemeClr val="bg1"/>
+                </a:solidFill>
+                <a:effectLst>
+                  <a:outerShdw blurRad="38100" dist="19050" dir="2700000" algn="tl" rotWithShape="0">
+                    <a:schemeClr val="dk1">
+                      <a:alpha val="40000"/>
+                    </a:schemeClr>
+                  </a:outerShdw>
+                </a:effectLst>
+                <a:latin typeface="Exo 2 Medium" panose="00000600000000000000" pitchFamily="50" charset="0"/>
+              </a:rPr>
+              <a:t>APLICAÇÃO</a:t>
+            </a:r>
+            <a:endParaRPr lang="pt-BR" sz="3200" b="1" cap="none" spc="0" dirty="0">
+              <a:ln w="0"/>
+              <a:solidFill>
+                <a:schemeClr val="bg1"/>
+              </a:solidFill>
+              <a:effectLst>
+                <a:outerShdw blurRad="38100" dist="19050" dir="2700000" algn="tl" rotWithShape="0">
+                  <a:schemeClr val="dk1">
+                    <a:alpha val="40000"/>
+                  </a:schemeClr>
+                </a:outerShdw>
+              </a:effectLst>
+              <a:latin typeface="Exo 2 Medium" panose="00000600000000000000" pitchFamily="50" charset="0"/>
+            </a:endParaRPr>
+          </a:p>
+        </p:txBody>
+      </p:sp>
+      <p:cxnSp>
+        <p:nvCxnSpPr>
+          <p:cNvPr id="12" name="Conector reto 11">
+            <a:extLst>
+              <a:ext uri="{FF2B5EF4-FFF2-40B4-BE49-F238E27FC236}">
+                <a16:creationId xmlns:a16="http://schemas.microsoft.com/office/drawing/2014/main" id="{6510727C-C843-4D84-A07F-20F37366891D}"/>
+              </a:ext>
+            </a:extLst>
+          </p:cNvPr>
+          <p:cNvCxnSpPr/>
+          <p:nvPr/>
+        </p:nvCxnSpPr>
+        <p:spPr>
+          <a:xfrm>
+            <a:off x="0" y="953059"/>
+            <a:ext cx="6325704" cy="0"/>
+          </a:xfrm>
+          <a:prstGeom prst="line">
+            <a:avLst/>
+          </a:prstGeom>
+          <a:ln>
+            <a:solidFill>
+              <a:schemeClr val="bg1"/>
+            </a:solidFill>
+          </a:ln>
+          <a:effectLst/>
+        </p:spPr>
+        <p:style>
+          <a:lnRef idx="1">
+            <a:schemeClr val="accent1"/>
+          </a:lnRef>
+          <a:fillRef idx="0">
+            <a:schemeClr val="accent1"/>
+          </a:fillRef>
+          <a:effectRef idx="0">
+            <a:schemeClr val="accent1"/>
+          </a:effectRef>
+          <a:fontRef idx="minor">
+            <a:schemeClr val="tx1"/>
+          </a:fontRef>
+        </p:style>
+      </p:cxnSp>
+    </p:spTree>
+    <p:extLst>
+      <p:ext uri="{BB962C8B-B14F-4D97-AF65-F5344CB8AC3E}">
+        <p14:creationId xmlns:p14="http://schemas.microsoft.com/office/powerpoint/2010/main" val="2409466507"/>
+      </p:ext>
+    </p:extLst>
+  </p:cSld>
+  <p:clrMapOvr>
+    <a:masterClrMapping/>
+  </p:clrMapOvr>
+</p:sld>
+</file>
+
+<file path=ppt/slides/slide15.xml><?xml version="1.0" encoding="utf-8"?>
+<p:sld xmlns:a="http://schemas.openxmlformats.org/drawingml/2006/main" xmlns:r="http://schemas.openxmlformats.org/officeDocument/2006/relationships" xmlns:p="http://schemas.openxmlformats.org/presentationml/2006/main">
+  <p:cSld>
+    <p:spTree>
+      <p:nvGrpSpPr>
+        <p:cNvPr id="1" name=""/>
+        <p:cNvGrpSpPr/>
+        <p:nvPr/>
+      </p:nvGrpSpPr>
+      <p:grpSpPr>
+        <a:xfrm>
+          <a:off x="0" y="0"/>
+          <a:ext cx="0" cy="0"/>
+          <a:chOff x="0" y="0"/>
+          <a:chExt cx="0" cy="0"/>
+        </a:xfrm>
+      </p:grpSpPr>
+      <p:grpSp>
+        <p:nvGrpSpPr>
+          <p:cNvPr id="4" name="Agrupar 3"/>
+          <p:cNvGrpSpPr/>
+          <p:nvPr/>
+        </p:nvGrpSpPr>
+        <p:grpSpPr>
+          <a:xfrm>
+            <a:off x="0" y="0"/>
             <a:ext cx="12192000" cy="6863907"/>
             <a:chOff x="0" y="0"/>
             <a:chExt cx="12192000" cy="6863907"/>
@@ -6091,7 +6862,7 @@
         <p:spPr>
           <a:xfrm>
             <a:off x="126222" y="198787"/>
-            <a:ext cx="9627378" cy="707886"/>
+            <a:ext cx="9627378" cy="584775"/>
           </a:xfrm>
           <a:prstGeom prst="rect">
             <a:avLst/>
@@ -6107,7 +6878,7 @@
           <a:p>
             <a:pPr algn="just"/>
             <a:r>
-              <a:rPr lang="pt-BR" sz="4000" b="1" dirty="0" smtClean="0">
+              <a:rPr lang="pt-BR" sz="3200" b="1" dirty="0" smtClean="0">
                 <a:ln w="0"/>
                 <a:solidFill>
                   <a:schemeClr val="bg1"/>
@@ -6121,9 +6892,9 @@
                 </a:effectLst>
                 <a:latin typeface="Exo 2 Medium" panose="00000600000000000000" pitchFamily="50" charset="0"/>
               </a:rPr>
-              <a:t>MODELO DE DADOS</a:t>
+              <a:t>FERRAMENTAS DE DESENVOLVIMENTO</a:t>
             </a:r>
-            <a:endParaRPr lang="pt-BR" sz="4000" b="1" cap="none" spc="0" dirty="0">
+            <a:endParaRPr lang="pt-BR" sz="3200" b="1" cap="none" spc="0" dirty="0">
               <a:ln w="0"/>
               <a:solidFill>
                 <a:schemeClr val="bg1"/>
@@ -6154,7 +6925,1970 @@
         </p:nvCxnSpPr>
         <p:spPr>
           <a:xfrm>
-            <a:off x="0" y="1105459"/>
+            <a:off x="0" y="953059"/>
+            <a:ext cx="6325704" cy="0"/>
+          </a:xfrm>
+          <a:prstGeom prst="line">
+            <a:avLst/>
+          </a:prstGeom>
+          <a:ln>
+            <a:solidFill>
+              <a:schemeClr val="bg1"/>
+            </a:solidFill>
+          </a:ln>
+          <a:effectLst/>
+        </p:spPr>
+        <p:style>
+          <a:lnRef idx="1">
+            <a:schemeClr val="accent1"/>
+          </a:lnRef>
+          <a:fillRef idx="0">
+            <a:schemeClr val="accent1"/>
+          </a:fillRef>
+          <a:effectRef idx="0">
+            <a:schemeClr val="accent1"/>
+          </a:effectRef>
+          <a:fontRef idx="minor">
+            <a:schemeClr val="tx1"/>
+          </a:fontRef>
+        </p:style>
+      </p:cxnSp>
+      <p:grpSp>
+        <p:nvGrpSpPr>
+          <p:cNvPr id="18" name="Agrupar 17"/>
+          <p:cNvGrpSpPr/>
+          <p:nvPr/>
+        </p:nvGrpSpPr>
+        <p:grpSpPr>
+          <a:xfrm>
+            <a:off x="2555217" y="1989821"/>
+            <a:ext cx="7081565" cy="1064663"/>
+            <a:chOff x="2484236" y="1459754"/>
+            <a:chExt cx="7081565" cy="1064663"/>
+          </a:xfrm>
+        </p:grpSpPr>
+        <p:grpSp>
+          <p:nvGrpSpPr>
+            <p:cNvPr id="14" name="Agrupar 13"/>
+            <p:cNvGrpSpPr/>
+            <p:nvPr/>
+          </p:nvGrpSpPr>
+          <p:grpSpPr>
+            <a:xfrm>
+              <a:off x="2484236" y="1459754"/>
+              <a:ext cx="1055528" cy="1055528"/>
+              <a:chOff x="7395056" y="1698354"/>
+              <a:chExt cx="1055528" cy="1055528"/>
+            </a:xfrm>
+          </p:grpSpPr>
+          <p:sp>
+            <p:nvSpPr>
+              <p:cNvPr id="17" name="Elipse 16"/>
+              <p:cNvSpPr/>
+              <p:nvPr/>
+            </p:nvSpPr>
+            <p:spPr>
+              <a:xfrm>
+                <a:off x="7395056" y="1698354"/>
+                <a:ext cx="1055528" cy="1055528"/>
+              </a:xfrm>
+              <a:prstGeom prst="ellipse">
+                <a:avLst/>
+              </a:prstGeom>
+              <a:solidFill>
+                <a:schemeClr val="bg1"/>
+              </a:solidFill>
+              <a:ln>
+                <a:noFill/>
+              </a:ln>
+              <a:effectLst/>
+            </p:spPr>
+            <p:style>
+              <a:lnRef idx="2">
+                <a:schemeClr val="accent1">
+                  <a:shade val="50000"/>
+                </a:schemeClr>
+              </a:lnRef>
+              <a:fillRef idx="1">
+                <a:schemeClr val="accent1"/>
+              </a:fillRef>
+              <a:effectRef idx="0">
+                <a:schemeClr val="accent1"/>
+              </a:effectRef>
+              <a:fontRef idx="minor">
+                <a:schemeClr val="lt1"/>
+              </a:fontRef>
+            </p:style>
+            <p:txBody>
+              <a:bodyPr rtlCol="0" anchor="ctr"/>
+              <a:lstStyle/>
+              <a:p>
+                <a:pPr algn="ctr"/>
+                <a:endParaRPr lang="pt-BR" dirty="0"/>
+              </a:p>
+            </p:txBody>
+          </p:sp>
+          <p:pic>
+            <p:nvPicPr>
+              <p:cNvPr id="11" name="Picture 20" descr="Resultado de imagem para html css javascript"/>
+              <p:cNvPicPr>
+                <a:picLocks noChangeAspect="1" noChangeArrowheads="1"/>
+              </p:cNvPicPr>
+              <p:nvPr/>
+            </p:nvPicPr>
+            <p:blipFill>
+              <a:blip r:embed="rId4" cstate="print">
+                <a:extLst>
+                  <a:ext uri="{28A0092B-C50C-407E-A947-70E740481C1C}">
+                    <a14:useLocalDpi xmlns:a14="http://schemas.microsoft.com/office/drawing/2010/main" val="0"/>
+                  </a:ext>
+                </a:extLst>
+              </a:blip>
+              <a:srcRect/>
+              <a:stretch>
+                <a:fillRect/>
+              </a:stretch>
+            </p:blipFill>
+            <p:spPr bwMode="auto">
+              <a:xfrm>
+                <a:off x="7566790" y="1957207"/>
+                <a:ext cx="712060" cy="639422"/>
+              </a:xfrm>
+              <a:prstGeom prst="rect">
+                <a:avLst/>
+              </a:prstGeom>
+              <a:noFill/>
+              <a:extLst>
+                <a:ext uri="{909E8E84-426E-40DD-AFC4-6F175D3DCCD1}">
+                  <a14:hiddenFill xmlns:a14="http://schemas.microsoft.com/office/drawing/2010/main">
+                    <a:solidFill>
+                      <a:srgbClr val="FFFFFF"/>
+                    </a:solidFill>
+                  </a14:hiddenFill>
+                </a:ext>
+              </a:extLst>
+            </p:spPr>
+          </p:pic>
+        </p:grpSp>
+        <p:grpSp>
+          <p:nvGrpSpPr>
+            <p:cNvPr id="10" name="Agrupar 9"/>
+            <p:cNvGrpSpPr/>
+            <p:nvPr/>
+          </p:nvGrpSpPr>
+          <p:grpSpPr>
+            <a:xfrm>
+              <a:off x="4492915" y="1459754"/>
+              <a:ext cx="1055528" cy="1055528"/>
+              <a:chOff x="4202985" y="1698354"/>
+              <a:chExt cx="1055528" cy="1055528"/>
+            </a:xfrm>
+          </p:grpSpPr>
+          <p:sp>
+            <p:nvSpPr>
+              <p:cNvPr id="13" name="Elipse 12"/>
+              <p:cNvSpPr/>
+              <p:nvPr/>
+            </p:nvSpPr>
+            <p:spPr>
+              <a:xfrm>
+                <a:off x="4202985" y="1698354"/>
+                <a:ext cx="1055528" cy="1055528"/>
+              </a:xfrm>
+              <a:prstGeom prst="ellipse">
+                <a:avLst/>
+              </a:prstGeom>
+              <a:solidFill>
+                <a:schemeClr val="bg1"/>
+              </a:solidFill>
+              <a:ln>
+                <a:noFill/>
+              </a:ln>
+              <a:effectLst/>
+            </p:spPr>
+            <p:style>
+              <a:lnRef idx="2">
+                <a:schemeClr val="accent1">
+                  <a:shade val="50000"/>
+                </a:schemeClr>
+              </a:lnRef>
+              <a:fillRef idx="1">
+                <a:schemeClr val="accent1"/>
+              </a:fillRef>
+              <a:effectRef idx="0">
+                <a:schemeClr val="accent1"/>
+              </a:effectRef>
+              <a:fontRef idx="minor">
+                <a:schemeClr val="lt1"/>
+              </a:fontRef>
+            </p:style>
+            <p:txBody>
+              <a:bodyPr rtlCol="0" anchor="ctr"/>
+              <a:lstStyle/>
+              <a:p>
+                <a:pPr algn="ctr"/>
+                <a:endParaRPr lang="pt-BR" dirty="0"/>
+              </a:p>
+            </p:txBody>
+          </p:sp>
+          <p:pic>
+            <p:nvPicPr>
+              <p:cNvPr id="1034" name="Picture 10" descr="Resultado de imagem para bootstrap icon"/>
+              <p:cNvPicPr>
+                <a:picLocks noChangeAspect="1" noChangeArrowheads="1"/>
+              </p:cNvPicPr>
+              <p:nvPr/>
+            </p:nvPicPr>
+            <p:blipFill>
+              <a:blip r:embed="rId5" cstate="print">
+                <a:extLst>
+                  <a:ext uri="{28A0092B-C50C-407E-A947-70E740481C1C}">
+                    <a14:useLocalDpi xmlns:a14="http://schemas.microsoft.com/office/drawing/2010/main" val="0"/>
+                  </a:ext>
+                </a:extLst>
+              </a:blip>
+              <a:srcRect/>
+              <a:stretch>
+                <a:fillRect/>
+              </a:stretch>
+            </p:blipFill>
+            <p:spPr bwMode="auto">
+              <a:xfrm>
+                <a:off x="4351781" y="1907844"/>
+                <a:ext cx="757936" cy="636548"/>
+              </a:xfrm>
+              <a:prstGeom prst="rect">
+                <a:avLst/>
+              </a:prstGeom>
+              <a:noFill/>
+              <a:extLst>
+                <a:ext uri="{909E8E84-426E-40DD-AFC4-6F175D3DCCD1}">
+                  <a14:hiddenFill xmlns:a14="http://schemas.microsoft.com/office/drawing/2010/main">
+                    <a:solidFill>
+                      <a:srgbClr val="FFFFFF"/>
+                    </a:solidFill>
+                  </a14:hiddenFill>
+                </a:ext>
+              </a:extLst>
+            </p:spPr>
+          </p:pic>
+        </p:grpSp>
+        <p:grpSp>
+          <p:nvGrpSpPr>
+            <p:cNvPr id="15" name="Agrupar 14"/>
+            <p:cNvGrpSpPr/>
+            <p:nvPr/>
+          </p:nvGrpSpPr>
+          <p:grpSpPr>
+            <a:xfrm>
+              <a:off x="8510273" y="1459754"/>
+              <a:ext cx="1055528" cy="1055528"/>
+              <a:chOff x="5931978" y="2016121"/>
+              <a:chExt cx="1055528" cy="1055528"/>
+            </a:xfrm>
+          </p:grpSpPr>
+          <p:sp>
+            <p:nvSpPr>
+              <p:cNvPr id="24" name="Elipse 23"/>
+              <p:cNvSpPr/>
+              <p:nvPr/>
+            </p:nvSpPr>
+            <p:spPr>
+              <a:xfrm>
+                <a:off x="5931978" y="2016121"/>
+                <a:ext cx="1055528" cy="1055528"/>
+              </a:xfrm>
+              <a:prstGeom prst="ellipse">
+                <a:avLst/>
+              </a:prstGeom>
+              <a:solidFill>
+                <a:schemeClr val="bg1"/>
+              </a:solidFill>
+              <a:ln>
+                <a:noFill/>
+              </a:ln>
+              <a:effectLst/>
+            </p:spPr>
+            <p:style>
+              <a:lnRef idx="2">
+                <a:schemeClr val="accent1">
+                  <a:shade val="50000"/>
+                </a:schemeClr>
+              </a:lnRef>
+              <a:fillRef idx="1">
+                <a:schemeClr val="accent1"/>
+              </a:fillRef>
+              <a:effectRef idx="0">
+                <a:schemeClr val="accent1"/>
+              </a:effectRef>
+              <a:fontRef idx="minor">
+                <a:schemeClr val="lt1"/>
+              </a:fontRef>
+            </p:style>
+            <p:txBody>
+              <a:bodyPr rtlCol="0" anchor="ctr"/>
+              <a:lstStyle/>
+              <a:p>
+                <a:pPr algn="ctr"/>
+                <a:endParaRPr lang="pt-BR" dirty="0"/>
+              </a:p>
+            </p:txBody>
+          </p:sp>
+          <p:pic>
+            <p:nvPicPr>
+              <p:cNvPr id="25" name="Picture 24" descr="Resultado de imagem para nodejs"/>
+              <p:cNvPicPr>
+                <a:picLocks noChangeAspect="1" noChangeArrowheads="1"/>
+              </p:cNvPicPr>
+              <p:nvPr/>
+            </p:nvPicPr>
+            <p:blipFill>
+              <a:blip r:embed="rId6" cstate="print">
+                <a:extLst>
+                  <a:ext uri="{28A0092B-C50C-407E-A947-70E740481C1C}">
+                    <a14:useLocalDpi xmlns:a14="http://schemas.microsoft.com/office/drawing/2010/main" val="0"/>
+                  </a:ext>
+                </a:extLst>
+              </a:blip>
+              <a:srcRect/>
+              <a:stretch>
+                <a:fillRect/>
+              </a:stretch>
+            </p:blipFill>
+            <p:spPr bwMode="auto">
+              <a:xfrm>
+                <a:off x="6111992" y="2185519"/>
+                <a:ext cx="698463" cy="698463"/>
+              </a:xfrm>
+              <a:prstGeom prst="rect">
+                <a:avLst/>
+              </a:prstGeom>
+              <a:noFill/>
+              <a:extLst>
+                <a:ext uri="{909E8E84-426E-40DD-AFC4-6F175D3DCCD1}">
+                  <a14:hiddenFill xmlns:a14="http://schemas.microsoft.com/office/drawing/2010/main">
+                    <a:solidFill>
+                      <a:srgbClr val="FFFFFF"/>
+                    </a:solidFill>
+                  </a14:hiddenFill>
+                </a:ext>
+              </a:extLst>
+            </p:spPr>
+          </p:pic>
+        </p:grpSp>
+        <p:grpSp>
+          <p:nvGrpSpPr>
+            <p:cNvPr id="16" name="Agrupar 15"/>
+            <p:cNvGrpSpPr/>
+            <p:nvPr/>
+          </p:nvGrpSpPr>
+          <p:grpSpPr>
+            <a:xfrm>
+              <a:off x="6501594" y="1468889"/>
+              <a:ext cx="1055528" cy="1055528"/>
+              <a:chOff x="2066442" y="1698354"/>
+              <a:chExt cx="1055528" cy="1055528"/>
+            </a:xfrm>
+          </p:grpSpPr>
+          <p:sp>
+            <p:nvSpPr>
+              <p:cNvPr id="21" name="Elipse 20"/>
+              <p:cNvSpPr/>
+              <p:nvPr/>
+            </p:nvSpPr>
+            <p:spPr>
+              <a:xfrm>
+                <a:off x="2066442" y="1698354"/>
+                <a:ext cx="1055528" cy="1055528"/>
+              </a:xfrm>
+              <a:prstGeom prst="ellipse">
+                <a:avLst/>
+              </a:prstGeom>
+              <a:solidFill>
+                <a:schemeClr val="bg1"/>
+              </a:solidFill>
+              <a:ln>
+                <a:noFill/>
+              </a:ln>
+              <a:effectLst/>
+            </p:spPr>
+            <p:style>
+              <a:lnRef idx="2">
+                <a:schemeClr val="accent1">
+                  <a:shade val="50000"/>
+                </a:schemeClr>
+              </a:lnRef>
+              <a:fillRef idx="1">
+                <a:schemeClr val="accent1"/>
+              </a:fillRef>
+              <a:effectRef idx="0">
+                <a:schemeClr val="accent1"/>
+              </a:effectRef>
+              <a:fontRef idx="minor">
+                <a:schemeClr val="lt1"/>
+              </a:fontRef>
+            </p:style>
+            <p:txBody>
+              <a:bodyPr rtlCol="0" anchor="ctr"/>
+              <a:lstStyle/>
+              <a:p>
+                <a:pPr algn="ctr"/>
+                <a:endParaRPr lang="pt-BR" dirty="0"/>
+              </a:p>
+            </p:txBody>
+          </p:sp>
+          <p:pic>
+            <p:nvPicPr>
+              <p:cNvPr id="1036" name="Picture 12" descr="Resultado de imagem para jquery"/>
+              <p:cNvPicPr>
+                <a:picLocks noChangeAspect="1" noChangeArrowheads="1"/>
+              </p:cNvPicPr>
+              <p:nvPr/>
+            </p:nvPicPr>
+            <p:blipFill>
+              <a:blip r:embed="rId7" cstate="print">
+                <a:extLst>
+                  <a:ext uri="{28A0092B-C50C-407E-A947-70E740481C1C}">
+                    <a14:useLocalDpi xmlns:a14="http://schemas.microsoft.com/office/drawing/2010/main" val="0"/>
+                  </a:ext>
+                </a:extLst>
+              </a:blip>
+              <a:srcRect/>
+              <a:stretch>
+                <a:fillRect/>
+              </a:stretch>
+            </p:blipFill>
+            <p:spPr bwMode="auto">
+              <a:xfrm>
+                <a:off x="2214793" y="1846705"/>
+                <a:ext cx="758825" cy="758825"/>
+              </a:xfrm>
+              <a:prstGeom prst="rect">
+                <a:avLst/>
+              </a:prstGeom>
+              <a:noFill/>
+              <a:extLst>
+                <a:ext uri="{909E8E84-426E-40DD-AFC4-6F175D3DCCD1}">
+                  <a14:hiddenFill xmlns:a14="http://schemas.microsoft.com/office/drawing/2010/main">
+                    <a:solidFill>
+                      <a:srgbClr val="FFFFFF"/>
+                    </a:solidFill>
+                  </a14:hiddenFill>
+                </a:ext>
+              </a:extLst>
+            </p:spPr>
+          </p:pic>
+        </p:grpSp>
+      </p:grpSp>
+      <p:sp>
+        <p:nvSpPr>
+          <p:cNvPr id="29" name="Colchete Esquerdo 28"/>
+          <p:cNvSpPr/>
+          <p:nvPr/>
+        </p:nvSpPr>
+        <p:spPr>
+          <a:xfrm rot="5400000" flipH="1">
+            <a:off x="5946931" y="142611"/>
+            <a:ext cx="312602" cy="6081540"/>
+          </a:xfrm>
+          <a:prstGeom prst="leftBracket">
+            <a:avLst/>
+          </a:prstGeom>
+          <a:ln w="57150">
+            <a:solidFill>
+              <a:schemeClr val="bg1"/>
+            </a:solidFill>
+            <a:prstDash val="sysDash"/>
+          </a:ln>
+        </p:spPr>
+        <p:style>
+          <a:lnRef idx="1">
+            <a:schemeClr val="accent1"/>
+          </a:lnRef>
+          <a:fillRef idx="0">
+            <a:schemeClr val="accent1"/>
+          </a:fillRef>
+          <a:effectRef idx="0">
+            <a:schemeClr val="accent1"/>
+          </a:effectRef>
+          <a:fontRef idx="minor">
+            <a:schemeClr val="tx1"/>
+          </a:fontRef>
+        </p:style>
+        <p:txBody>
+          <a:bodyPr rtlCol="0" anchor="ctr"/>
+          <a:lstStyle/>
+          <a:p>
+            <a:pPr algn="ctr"/>
+            <a:endParaRPr lang="pt-BR" dirty="0"/>
+          </a:p>
+        </p:txBody>
+      </p:sp>
+      <p:cxnSp>
+        <p:nvCxnSpPr>
+          <p:cNvPr id="31" name="Conector reto 30"/>
+          <p:cNvCxnSpPr/>
+          <p:nvPr/>
+        </p:nvCxnSpPr>
+        <p:spPr>
+          <a:xfrm flipV="1">
+            <a:off x="5086487" y="3004562"/>
+            <a:ext cx="1" cy="360520"/>
+          </a:xfrm>
+          <a:prstGeom prst="line">
+            <a:avLst/>
+          </a:prstGeom>
+          <a:ln w="57150">
+            <a:solidFill>
+              <a:schemeClr val="bg1"/>
+            </a:solidFill>
+            <a:prstDash val="sysDash"/>
+          </a:ln>
+        </p:spPr>
+        <p:style>
+          <a:lnRef idx="1">
+            <a:schemeClr val="accent1"/>
+          </a:lnRef>
+          <a:fillRef idx="0">
+            <a:schemeClr val="accent1"/>
+          </a:fillRef>
+          <a:effectRef idx="0">
+            <a:schemeClr val="accent1"/>
+          </a:effectRef>
+          <a:fontRef idx="minor">
+            <a:schemeClr val="tx1"/>
+          </a:fontRef>
+        </p:style>
+      </p:cxnSp>
+      <p:cxnSp>
+        <p:nvCxnSpPr>
+          <p:cNvPr id="44" name="Conector reto 43"/>
+          <p:cNvCxnSpPr/>
+          <p:nvPr/>
+        </p:nvCxnSpPr>
+        <p:spPr>
+          <a:xfrm flipV="1">
+            <a:off x="7115243" y="3007883"/>
+            <a:ext cx="1" cy="360520"/>
+          </a:xfrm>
+          <a:prstGeom prst="line">
+            <a:avLst/>
+          </a:prstGeom>
+          <a:ln w="57150">
+            <a:solidFill>
+              <a:schemeClr val="bg1"/>
+            </a:solidFill>
+            <a:prstDash val="sysDash"/>
+          </a:ln>
+        </p:spPr>
+        <p:style>
+          <a:lnRef idx="1">
+            <a:schemeClr val="accent1"/>
+          </a:lnRef>
+          <a:fillRef idx="0">
+            <a:schemeClr val="accent1"/>
+          </a:fillRef>
+          <a:effectRef idx="0">
+            <a:schemeClr val="accent1"/>
+          </a:effectRef>
+          <a:fontRef idx="minor">
+            <a:schemeClr val="tx1"/>
+          </a:fontRef>
+        </p:style>
+      </p:cxnSp>
+      <p:cxnSp>
+        <p:nvCxnSpPr>
+          <p:cNvPr id="46" name="Conector reto 45"/>
+          <p:cNvCxnSpPr/>
+          <p:nvPr/>
+        </p:nvCxnSpPr>
+        <p:spPr>
+          <a:xfrm flipV="1">
+            <a:off x="6096000" y="3328820"/>
+            <a:ext cx="7232" cy="382242"/>
+          </a:xfrm>
+          <a:prstGeom prst="line">
+            <a:avLst/>
+          </a:prstGeom>
+          <a:ln w="57150">
+            <a:solidFill>
+              <a:schemeClr val="bg1"/>
+            </a:solidFill>
+            <a:prstDash val="sysDash"/>
+          </a:ln>
+        </p:spPr>
+        <p:style>
+          <a:lnRef idx="1">
+            <a:schemeClr val="accent1"/>
+          </a:lnRef>
+          <a:fillRef idx="0">
+            <a:schemeClr val="accent1"/>
+          </a:fillRef>
+          <a:effectRef idx="0">
+            <a:schemeClr val="accent1"/>
+          </a:effectRef>
+          <a:fontRef idx="minor">
+            <a:schemeClr val="tx1"/>
+          </a:fontRef>
+        </p:style>
+      </p:cxnSp>
+      <p:sp>
+        <p:nvSpPr>
+          <p:cNvPr id="48" name="Retângulo 47"/>
+          <p:cNvSpPr/>
+          <p:nvPr/>
+        </p:nvSpPr>
+        <p:spPr>
+          <a:xfrm>
+            <a:off x="4334607" y="1609230"/>
+            <a:ext cx="1503759" cy="369332"/>
+          </a:xfrm>
+          <a:prstGeom prst="rect">
+            <a:avLst/>
+          </a:prstGeom>
+          <a:noFill/>
+          <a:effectLst/>
+        </p:spPr>
+        <p:txBody>
+          <a:bodyPr wrap="square" lIns="91440" tIns="45720" rIns="91440" bIns="45720">
+            <a:spAutoFit/>
+          </a:bodyPr>
+          <a:lstStyle/>
+          <a:p>
+            <a:pPr algn="ctr"/>
+            <a:r>
+              <a:rPr lang="pt-BR" b="1" dirty="0" smtClean="0">
+                <a:ln w="0"/>
+                <a:solidFill>
+                  <a:schemeClr val="bg1"/>
+                </a:solidFill>
+                <a:effectLst>
+                  <a:outerShdw blurRad="38100" dist="19050" dir="2700000" algn="tl" rotWithShape="0">
+                    <a:schemeClr val="dk1">
+                      <a:alpha val="40000"/>
+                    </a:schemeClr>
+                  </a:outerShdw>
+                </a:effectLst>
+                <a:latin typeface="Exo 2 Extra Light" panose="00000300000000000000" pitchFamily="50" charset="0"/>
+              </a:rPr>
+              <a:t>BOOTSTRAP</a:t>
+            </a:r>
+            <a:endParaRPr lang="pt-BR" b="1" cap="none" spc="0" dirty="0">
+              <a:ln w="0"/>
+              <a:solidFill>
+                <a:schemeClr val="bg1"/>
+              </a:solidFill>
+              <a:effectLst>
+                <a:outerShdw blurRad="38100" dist="19050" dir="2700000" algn="tl" rotWithShape="0">
+                  <a:schemeClr val="dk1">
+                    <a:alpha val="40000"/>
+                  </a:schemeClr>
+                </a:outerShdw>
+              </a:effectLst>
+              <a:latin typeface="Exo 2 Extra Light" panose="00000300000000000000" pitchFamily="50" charset="0"/>
+            </a:endParaRPr>
+          </a:p>
+        </p:txBody>
+      </p:sp>
+      <p:sp>
+        <p:nvSpPr>
+          <p:cNvPr id="49" name="Retângulo 48"/>
+          <p:cNvSpPr/>
+          <p:nvPr/>
+        </p:nvSpPr>
+        <p:spPr>
+          <a:xfrm>
+            <a:off x="6348458" y="1609230"/>
+            <a:ext cx="1503759" cy="369332"/>
+          </a:xfrm>
+          <a:prstGeom prst="rect">
+            <a:avLst/>
+          </a:prstGeom>
+          <a:noFill/>
+          <a:effectLst/>
+        </p:spPr>
+        <p:txBody>
+          <a:bodyPr wrap="square" lIns="91440" tIns="45720" rIns="91440" bIns="45720">
+            <a:spAutoFit/>
+          </a:bodyPr>
+          <a:lstStyle/>
+          <a:p>
+            <a:pPr algn="ctr"/>
+            <a:r>
+              <a:rPr lang="pt-BR" b="1" dirty="0" smtClean="0">
+                <a:ln w="0"/>
+                <a:solidFill>
+                  <a:schemeClr val="bg1"/>
+                </a:solidFill>
+                <a:effectLst>
+                  <a:outerShdw blurRad="38100" dist="19050" dir="2700000" algn="tl" rotWithShape="0">
+                    <a:schemeClr val="dk1">
+                      <a:alpha val="40000"/>
+                    </a:schemeClr>
+                  </a:outerShdw>
+                </a:effectLst>
+                <a:latin typeface="Exo 2 Extra Light" panose="00000300000000000000" pitchFamily="50" charset="0"/>
+              </a:rPr>
+              <a:t>JQUERY</a:t>
+            </a:r>
+            <a:endParaRPr lang="pt-BR" b="1" cap="none" spc="0" dirty="0">
+              <a:ln w="0"/>
+              <a:solidFill>
+                <a:schemeClr val="bg1"/>
+              </a:solidFill>
+              <a:effectLst>
+                <a:outerShdw blurRad="38100" dist="19050" dir="2700000" algn="tl" rotWithShape="0">
+                  <a:schemeClr val="dk1">
+                    <a:alpha val="40000"/>
+                  </a:schemeClr>
+                </a:outerShdw>
+              </a:effectLst>
+              <a:latin typeface="Exo 2 Extra Light" panose="00000300000000000000" pitchFamily="50" charset="0"/>
+            </a:endParaRPr>
+          </a:p>
+        </p:txBody>
+      </p:sp>
+      <p:sp>
+        <p:nvSpPr>
+          <p:cNvPr id="50" name="Retângulo 49"/>
+          <p:cNvSpPr/>
+          <p:nvPr/>
+        </p:nvSpPr>
+        <p:spPr>
+          <a:xfrm>
+            <a:off x="8357138" y="1609230"/>
+            <a:ext cx="1503759" cy="369332"/>
+          </a:xfrm>
+          <a:prstGeom prst="rect">
+            <a:avLst/>
+          </a:prstGeom>
+          <a:noFill/>
+          <a:effectLst/>
+        </p:spPr>
+        <p:txBody>
+          <a:bodyPr wrap="square" lIns="91440" tIns="45720" rIns="91440" bIns="45720">
+            <a:spAutoFit/>
+          </a:bodyPr>
+          <a:lstStyle/>
+          <a:p>
+            <a:pPr algn="ctr"/>
+            <a:r>
+              <a:rPr lang="pt-BR" b="1" dirty="0" smtClean="0">
+                <a:ln w="0"/>
+                <a:solidFill>
+                  <a:schemeClr val="bg1"/>
+                </a:solidFill>
+                <a:effectLst>
+                  <a:outerShdw blurRad="38100" dist="19050" dir="2700000" algn="tl" rotWithShape="0">
+                    <a:schemeClr val="dk1">
+                      <a:alpha val="40000"/>
+                    </a:schemeClr>
+                  </a:outerShdw>
+                </a:effectLst>
+                <a:latin typeface="Exo 2 Extra Light" panose="00000300000000000000" pitchFamily="50" charset="0"/>
+              </a:rPr>
+              <a:t>NODEJS</a:t>
+            </a:r>
+            <a:endParaRPr lang="pt-BR" b="1" cap="none" spc="0" dirty="0">
+              <a:ln w="0"/>
+              <a:solidFill>
+                <a:schemeClr val="bg1"/>
+              </a:solidFill>
+              <a:effectLst>
+                <a:outerShdw blurRad="38100" dist="19050" dir="2700000" algn="tl" rotWithShape="0">
+                  <a:schemeClr val="dk1">
+                    <a:alpha val="40000"/>
+                  </a:schemeClr>
+                </a:outerShdw>
+              </a:effectLst>
+              <a:latin typeface="Exo 2 Extra Light" panose="00000300000000000000" pitchFamily="50" charset="0"/>
+            </a:endParaRPr>
+          </a:p>
+        </p:txBody>
+      </p:sp>
+      <p:sp>
+        <p:nvSpPr>
+          <p:cNvPr id="51" name="Retângulo 50"/>
+          <p:cNvSpPr/>
+          <p:nvPr/>
+        </p:nvSpPr>
+        <p:spPr>
+          <a:xfrm>
+            <a:off x="1074396" y="2046785"/>
+            <a:ext cx="1503759" cy="923330"/>
+          </a:xfrm>
+          <a:prstGeom prst="rect">
+            <a:avLst/>
+          </a:prstGeom>
+          <a:noFill/>
+          <a:effectLst/>
+        </p:spPr>
+        <p:txBody>
+          <a:bodyPr wrap="square" lIns="91440" tIns="45720" rIns="91440" bIns="45720">
+            <a:spAutoFit/>
+          </a:bodyPr>
+          <a:lstStyle/>
+          <a:p>
+            <a:pPr algn="r"/>
+            <a:r>
+              <a:rPr lang="pt-BR" b="1" dirty="0" smtClean="0">
+                <a:ln w="0"/>
+                <a:solidFill>
+                  <a:schemeClr val="bg1"/>
+                </a:solidFill>
+                <a:effectLst>
+                  <a:outerShdw blurRad="38100" dist="19050" dir="2700000" algn="tl" rotWithShape="0">
+                    <a:schemeClr val="dk1">
+                      <a:alpha val="40000"/>
+                    </a:schemeClr>
+                  </a:outerShdw>
+                </a:effectLst>
+                <a:latin typeface="Exo 2 Extra Light" panose="00000300000000000000" pitchFamily="50" charset="0"/>
+              </a:rPr>
+              <a:t>HTML</a:t>
+            </a:r>
+          </a:p>
+          <a:p>
+            <a:pPr algn="r"/>
+            <a:r>
+              <a:rPr lang="pt-BR" b="1" dirty="0" smtClean="0">
+                <a:ln w="0"/>
+                <a:solidFill>
+                  <a:schemeClr val="bg1"/>
+                </a:solidFill>
+                <a:effectLst>
+                  <a:outerShdw blurRad="38100" dist="19050" dir="2700000" algn="tl" rotWithShape="0">
+                    <a:schemeClr val="dk1">
+                      <a:alpha val="40000"/>
+                    </a:schemeClr>
+                  </a:outerShdw>
+                </a:effectLst>
+                <a:latin typeface="Exo 2 Extra Light" panose="00000300000000000000" pitchFamily="50" charset="0"/>
+              </a:rPr>
+              <a:t>CSS</a:t>
+            </a:r>
+          </a:p>
+          <a:p>
+            <a:pPr algn="r"/>
+            <a:r>
+              <a:rPr lang="pt-BR" b="1" dirty="0" smtClean="0">
+                <a:ln w="0"/>
+                <a:solidFill>
+                  <a:schemeClr val="bg1"/>
+                </a:solidFill>
+                <a:effectLst>
+                  <a:outerShdw blurRad="38100" dist="19050" dir="2700000" algn="tl" rotWithShape="0">
+                    <a:schemeClr val="dk1">
+                      <a:alpha val="40000"/>
+                    </a:schemeClr>
+                  </a:outerShdw>
+                </a:effectLst>
+                <a:latin typeface="Exo 2 Extra Light" panose="00000300000000000000" pitchFamily="50" charset="0"/>
+              </a:rPr>
+              <a:t>JAVASCRIPT</a:t>
+            </a:r>
+          </a:p>
+        </p:txBody>
+      </p:sp>
+      <p:grpSp>
+        <p:nvGrpSpPr>
+          <p:cNvPr id="40" name="Agrupar 39"/>
+          <p:cNvGrpSpPr/>
+          <p:nvPr/>
+        </p:nvGrpSpPr>
+        <p:grpSpPr>
+          <a:xfrm>
+            <a:off x="5575468" y="3639781"/>
+            <a:ext cx="1055528" cy="1055528"/>
+            <a:chOff x="6096000" y="5320219"/>
+            <a:chExt cx="1055528" cy="1055528"/>
+          </a:xfrm>
+        </p:grpSpPr>
+        <p:sp>
+          <p:nvSpPr>
+            <p:cNvPr id="23" name="Elipse 22"/>
+            <p:cNvSpPr/>
+            <p:nvPr/>
+          </p:nvSpPr>
+          <p:spPr>
+            <a:xfrm>
+              <a:off x="6096000" y="5320219"/>
+              <a:ext cx="1055528" cy="1055528"/>
+            </a:xfrm>
+            <a:prstGeom prst="ellipse">
+              <a:avLst/>
+            </a:prstGeom>
+            <a:solidFill>
+              <a:schemeClr val="bg1"/>
+            </a:solidFill>
+            <a:ln w="76200">
+              <a:solidFill>
+                <a:srgbClr val="299BC6"/>
+              </a:solidFill>
+            </a:ln>
+            <a:effectLst/>
+          </p:spPr>
+          <p:style>
+            <a:lnRef idx="2">
+              <a:schemeClr val="accent1">
+                <a:shade val="50000"/>
+              </a:schemeClr>
+            </a:lnRef>
+            <a:fillRef idx="1">
+              <a:schemeClr val="accent1"/>
+            </a:fillRef>
+            <a:effectRef idx="0">
+              <a:schemeClr val="accent1"/>
+            </a:effectRef>
+            <a:fontRef idx="minor">
+              <a:schemeClr val="lt1"/>
+            </a:fontRef>
+          </p:style>
+          <p:txBody>
+            <a:bodyPr rtlCol="0" anchor="ctr"/>
+            <a:lstStyle/>
+            <a:p>
+              <a:pPr algn="ctr"/>
+              <a:endParaRPr lang="pt-BR" dirty="0"/>
+            </a:p>
+          </p:txBody>
+        </p:sp>
+        <p:pic>
+          <p:nvPicPr>
+            <p:cNvPr id="1038" name="Picture 14" descr="Resultado de imagem para visual studio code"/>
+            <p:cNvPicPr>
+              <a:picLocks noChangeAspect="1" noChangeArrowheads="1"/>
+            </p:cNvPicPr>
+            <p:nvPr/>
+          </p:nvPicPr>
+          <p:blipFill>
+            <a:blip r:embed="rId8" cstate="print">
+              <a:extLst>
+                <a:ext uri="{28A0092B-C50C-407E-A947-70E740481C1C}">
+                  <a14:useLocalDpi xmlns:a14="http://schemas.microsoft.com/office/drawing/2010/main" val="0"/>
+                </a:ext>
+              </a:extLst>
+            </a:blip>
+            <a:srcRect/>
+            <a:stretch>
+              <a:fillRect/>
+            </a:stretch>
+          </p:blipFill>
+          <p:spPr bwMode="auto">
+            <a:xfrm>
+              <a:off x="6317289" y="5542785"/>
+              <a:ext cx="612950" cy="610396"/>
+            </a:xfrm>
+            <a:prstGeom prst="rect">
+              <a:avLst/>
+            </a:prstGeom>
+            <a:noFill/>
+            <a:extLst>
+              <a:ext uri="{909E8E84-426E-40DD-AFC4-6F175D3DCCD1}">
+                <a14:hiddenFill xmlns:a14="http://schemas.microsoft.com/office/drawing/2010/main">
+                  <a:solidFill>
+                    <a:srgbClr val="FFFFFF"/>
+                  </a:solidFill>
+                </a14:hiddenFill>
+              </a:ext>
+            </a:extLst>
+          </p:spPr>
+        </p:pic>
+      </p:grpSp>
+      <p:sp>
+        <p:nvSpPr>
+          <p:cNvPr id="59" name="Retângulo 58"/>
+          <p:cNvSpPr/>
+          <p:nvPr/>
+        </p:nvSpPr>
+        <p:spPr>
+          <a:xfrm>
+            <a:off x="5148049" y="4715930"/>
+            <a:ext cx="1945524" cy="707886"/>
+          </a:xfrm>
+          <a:prstGeom prst="rect">
+            <a:avLst/>
+          </a:prstGeom>
+          <a:noFill/>
+          <a:effectLst/>
+        </p:spPr>
+        <p:txBody>
+          <a:bodyPr wrap="square" lIns="91440" tIns="45720" rIns="91440" bIns="45720">
+            <a:spAutoFit/>
+          </a:bodyPr>
+          <a:lstStyle/>
+          <a:p>
+            <a:pPr algn="ctr"/>
+            <a:r>
+              <a:rPr lang="pt-BR" sz="2000" b="1" dirty="0" smtClean="0">
+                <a:ln w="0"/>
+                <a:solidFill>
+                  <a:schemeClr val="bg1"/>
+                </a:solidFill>
+                <a:effectLst>
+                  <a:outerShdw blurRad="38100" dist="19050" dir="2700000" algn="tl" rotWithShape="0">
+                    <a:schemeClr val="dk1">
+                      <a:alpha val="40000"/>
+                    </a:schemeClr>
+                  </a:outerShdw>
+                </a:effectLst>
+                <a:latin typeface="Exo 2 Medium" panose="00000600000000000000" pitchFamily="50" charset="0"/>
+              </a:rPr>
+              <a:t>VISUAL STUDIO CODE</a:t>
+            </a:r>
+            <a:endParaRPr lang="pt-BR" sz="2000" b="1" cap="none" spc="0" dirty="0">
+              <a:ln w="0"/>
+              <a:solidFill>
+                <a:schemeClr val="bg1"/>
+              </a:solidFill>
+              <a:effectLst>
+                <a:outerShdw blurRad="38100" dist="19050" dir="2700000" algn="tl" rotWithShape="0">
+                  <a:schemeClr val="dk1">
+                    <a:alpha val="40000"/>
+                  </a:schemeClr>
+                </a:outerShdw>
+              </a:effectLst>
+              <a:latin typeface="Exo 2 Medium" panose="00000600000000000000" pitchFamily="50" charset="0"/>
+            </a:endParaRPr>
+          </a:p>
+        </p:txBody>
+      </p:sp>
+      <p:sp>
+        <p:nvSpPr>
+          <p:cNvPr id="60" name="Retângulo 59"/>
+          <p:cNvSpPr/>
+          <p:nvPr/>
+        </p:nvSpPr>
+        <p:spPr>
+          <a:xfrm>
+            <a:off x="2343700" y="5443417"/>
+            <a:ext cx="1945524" cy="707886"/>
+          </a:xfrm>
+          <a:prstGeom prst="rect">
+            <a:avLst/>
+          </a:prstGeom>
+          <a:noFill/>
+          <a:effectLst/>
+        </p:spPr>
+        <p:txBody>
+          <a:bodyPr wrap="square" lIns="91440" tIns="45720" rIns="91440" bIns="45720">
+            <a:spAutoFit/>
+          </a:bodyPr>
+          <a:lstStyle/>
+          <a:p>
+            <a:pPr algn="ctr"/>
+            <a:r>
+              <a:rPr lang="pt-BR" sz="2000" b="1" dirty="0" smtClean="0">
+                <a:ln w="0"/>
+                <a:solidFill>
+                  <a:schemeClr val="bg1"/>
+                </a:solidFill>
+                <a:effectLst>
+                  <a:outerShdw blurRad="38100" dist="19050" dir="2700000" algn="tl" rotWithShape="0">
+                    <a:schemeClr val="dk1">
+                      <a:alpha val="40000"/>
+                    </a:schemeClr>
+                  </a:outerShdw>
+                </a:effectLst>
+                <a:latin typeface="Exo 2 Medium" panose="00000600000000000000" pitchFamily="50" charset="0"/>
+              </a:rPr>
+              <a:t>MICROSOFT AZURE</a:t>
+            </a:r>
+            <a:endParaRPr lang="pt-BR" sz="2000" b="1" cap="none" spc="0" dirty="0">
+              <a:ln w="0"/>
+              <a:solidFill>
+                <a:schemeClr val="bg1"/>
+              </a:solidFill>
+              <a:effectLst>
+                <a:outerShdw blurRad="38100" dist="19050" dir="2700000" algn="tl" rotWithShape="0">
+                  <a:schemeClr val="dk1">
+                    <a:alpha val="40000"/>
+                  </a:schemeClr>
+                </a:outerShdw>
+              </a:effectLst>
+              <a:latin typeface="Exo 2 Medium" panose="00000600000000000000" pitchFamily="50" charset="0"/>
+            </a:endParaRPr>
+          </a:p>
+        </p:txBody>
+      </p:sp>
+      <p:sp>
+        <p:nvSpPr>
+          <p:cNvPr id="66" name="Retângulo 65"/>
+          <p:cNvSpPr/>
+          <p:nvPr/>
+        </p:nvSpPr>
+        <p:spPr>
+          <a:xfrm>
+            <a:off x="7875435" y="5443417"/>
+            <a:ext cx="1945524" cy="400110"/>
+          </a:xfrm>
+          <a:prstGeom prst="rect">
+            <a:avLst/>
+          </a:prstGeom>
+          <a:noFill/>
+          <a:effectLst/>
+        </p:spPr>
+        <p:txBody>
+          <a:bodyPr wrap="square" lIns="91440" tIns="45720" rIns="91440" bIns="45720">
+            <a:spAutoFit/>
+          </a:bodyPr>
+          <a:lstStyle/>
+          <a:p>
+            <a:pPr algn="ctr"/>
+            <a:r>
+              <a:rPr lang="pt-BR" sz="2000" b="1" dirty="0" smtClean="0">
+                <a:ln w="0"/>
+                <a:solidFill>
+                  <a:schemeClr val="bg1"/>
+                </a:solidFill>
+                <a:effectLst>
+                  <a:outerShdw blurRad="38100" dist="19050" dir="2700000" algn="tl" rotWithShape="0">
+                    <a:schemeClr val="dk1">
+                      <a:alpha val="40000"/>
+                    </a:schemeClr>
+                  </a:outerShdw>
+                </a:effectLst>
+                <a:latin typeface="Exo 2 Medium" panose="00000600000000000000" pitchFamily="50" charset="0"/>
+              </a:rPr>
+              <a:t>ARDUINO</a:t>
+            </a:r>
+            <a:endParaRPr lang="pt-BR" sz="2000" b="1" cap="none" spc="0" dirty="0">
+              <a:ln w="0"/>
+              <a:solidFill>
+                <a:schemeClr val="bg1"/>
+              </a:solidFill>
+              <a:effectLst>
+                <a:outerShdw blurRad="38100" dist="19050" dir="2700000" algn="tl" rotWithShape="0">
+                  <a:schemeClr val="dk1">
+                    <a:alpha val="40000"/>
+                  </a:schemeClr>
+                </a:outerShdw>
+              </a:effectLst>
+              <a:latin typeface="Exo 2 Medium" panose="00000600000000000000" pitchFamily="50" charset="0"/>
+            </a:endParaRPr>
+          </a:p>
+        </p:txBody>
+      </p:sp>
+      <p:cxnSp>
+        <p:nvCxnSpPr>
+          <p:cNvPr id="71" name="Conector reto 70"/>
+          <p:cNvCxnSpPr>
+            <a:endCxn id="54" idx="2"/>
+          </p:cNvCxnSpPr>
+          <p:nvPr/>
+        </p:nvCxnSpPr>
+        <p:spPr>
+          <a:xfrm>
+            <a:off x="9391599" y="4882263"/>
+            <a:ext cx="939450" cy="5496"/>
+          </a:xfrm>
+          <a:prstGeom prst="line">
+            <a:avLst/>
+          </a:prstGeom>
+          <a:ln w="57150">
+            <a:solidFill>
+              <a:schemeClr val="bg1"/>
+            </a:solidFill>
+            <a:prstDash val="sysDash"/>
+          </a:ln>
+        </p:spPr>
+        <p:style>
+          <a:lnRef idx="1">
+            <a:schemeClr val="accent1"/>
+          </a:lnRef>
+          <a:fillRef idx="0">
+            <a:schemeClr val="accent1"/>
+          </a:fillRef>
+          <a:effectRef idx="0">
+            <a:schemeClr val="accent1"/>
+          </a:effectRef>
+          <a:fontRef idx="minor">
+            <a:schemeClr val="tx1"/>
+          </a:fontRef>
+        </p:style>
+      </p:cxnSp>
+      <p:cxnSp>
+        <p:nvCxnSpPr>
+          <p:cNvPr id="72" name="Conector reto 71"/>
+          <p:cNvCxnSpPr>
+            <a:stCxn id="67" idx="6"/>
+            <a:endCxn id="57" idx="2"/>
+          </p:cNvCxnSpPr>
+          <p:nvPr/>
+        </p:nvCxnSpPr>
+        <p:spPr>
+          <a:xfrm flipV="1">
+            <a:off x="1835548" y="4874614"/>
+            <a:ext cx="954453" cy="7923"/>
+          </a:xfrm>
+          <a:prstGeom prst="line">
+            <a:avLst/>
+          </a:prstGeom>
+          <a:ln w="57150">
+            <a:solidFill>
+              <a:schemeClr val="bg1"/>
+            </a:solidFill>
+            <a:prstDash val="sysDash"/>
+          </a:ln>
+        </p:spPr>
+        <p:style>
+          <a:lnRef idx="1">
+            <a:schemeClr val="accent1"/>
+          </a:lnRef>
+          <a:fillRef idx="0">
+            <a:schemeClr val="accent1"/>
+          </a:fillRef>
+          <a:effectRef idx="0">
+            <a:schemeClr val="accent1"/>
+          </a:effectRef>
+          <a:fontRef idx="minor">
+            <a:schemeClr val="tx1"/>
+          </a:fontRef>
+        </p:style>
+      </p:cxnSp>
+      <p:grpSp>
+        <p:nvGrpSpPr>
+          <p:cNvPr id="41" name="Agrupar 40"/>
+          <p:cNvGrpSpPr/>
+          <p:nvPr/>
+        </p:nvGrpSpPr>
+        <p:grpSpPr>
+          <a:xfrm>
+            <a:off x="2790001" y="4346850"/>
+            <a:ext cx="1055528" cy="1055528"/>
+            <a:chOff x="254672" y="4204405"/>
+            <a:chExt cx="1055528" cy="1055528"/>
+          </a:xfrm>
+        </p:grpSpPr>
+        <p:sp>
+          <p:nvSpPr>
+            <p:cNvPr id="57" name="Elipse 56"/>
+            <p:cNvSpPr/>
+            <p:nvPr/>
+          </p:nvSpPr>
+          <p:spPr>
+            <a:xfrm>
+              <a:off x="254672" y="4204405"/>
+              <a:ext cx="1055528" cy="1055528"/>
+            </a:xfrm>
+            <a:prstGeom prst="ellipse">
+              <a:avLst/>
+            </a:prstGeom>
+            <a:solidFill>
+              <a:schemeClr val="bg1"/>
+            </a:solidFill>
+            <a:ln w="76200">
+              <a:solidFill>
+                <a:srgbClr val="299BC6"/>
+              </a:solidFill>
+            </a:ln>
+            <a:effectLst/>
+          </p:spPr>
+          <p:style>
+            <a:lnRef idx="2">
+              <a:schemeClr val="accent1">
+                <a:shade val="50000"/>
+              </a:schemeClr>
+            </a:lnRef>
+            <a:fillRef idx="1">
+              <a:schemeClr val="accent1"/>
+            </a:fillRef>
+            <a:effectRef idx="0">
+              <a:schemeClr val="accent1"/>
+            </a:effectRef>
+            <a:fontRef idx="minor">
+              <a:schemeClr val="lt1"/>
+            </a:fontRef>
+          </p:style>
+          <p:txBody>
+            <a:bodyPr rtlCol="0" anchor="ctr"/>
+            <a:lstStyle/>
+            <a:p>
+              <a:pPr algn="ctr"/>
+              <a:endParaRPr lang="pt-BR" dirty="0"/>
+            </a:p>
+          </p:txBody>
+        </p:sp>
+        <p:pic>
+          <p:nvPicPr>
+            <p:cNvPr id="56" name="Picture 4" descr="Resultado de imagem para azure logo"/>
+            <p:cNvPicPr>
+              <a:picLocks noChangeAspect="1" noChangeArrowheads="1"/>
+            </p:cNvPicPr>
+            <p:nvPr/>
+          </p:nvPicPr>
+          <p:blipFill rotWithShape="1">
+            <a:blip r:embed="rId9" cstate="print">
+              <a:extLst>
+                <a:ext uri="{28A0092B-C50C-407E-A947-70E740481C1C}">
+                  <a14:useLocalDpi xmlns:a14="http://schemas.microsoft.com/office/drawing/2010/main" val="0"/>
+                </a:ext>
+              </a:extLst>
+            </a:blip>
+            <a:srcRect r="61876"/>
+            <a:stretch/>
+          </p:blipFill>
+          <p:spPr bwMode="auto">
+            <a:xfrm>
+              <a:off x="438388" y="4427084"/>
+              <a:ext cx="688095" cy="521718"/>
+            </a:xfrm>
+            <a:prstGeom prst="rect">
+              <a:avLst/>
+            </a:prstGeom>
+            <a:noFill/>
+            <a:extLst>
+              <a:ext uri="{909E8E84-426E-40DD-AFC4-6F175D3DCCD1}">
+                <a14:hiddenFill xmlns:a14="http://schemas.microsoft.com/office/drawing/2010/main">
+                  <a:solidFill>
+                    <a:srgbClr val="FFFFFF"/>
+                  </a:solidFill>
+                </a14:hiddenFill>
+              </a:ext>
+            </a:extLst>
+          </p:spPr>
+        </p:pic>
+      </p:grpSp>
+      <p:grpSp>
+        <p:nvGrpSpPr>
+          <p:cNvPr id="62" name="Agrupar 61"/>
+          <p:cNvGrpSpPr/>
+          <p:nvPr/>
+        </p:nvGrpSpPr>
+        <p:grpSpPr>
+          <a:xfrm>
+            <a:off x="8336071" y="4354499"/>
+            <a:ext cx="1055528" cy="1055528"/>
+            <a:chOff x="3086652" y="1482407"/>
+            <a:chExt cx="1055528" cy="1055528"/>
+          </a:xfrm>
+        </p:grpSpPr>
+        <p:sp>
+          <p:nvSpPr>
+            <p:cNvPr id="63" name="Elipse 62"/>
+            <p:cNvSpPr/>
+            <p:nvPr/>
+          </p:nvSpPr>
+          <p:spPr>
+            <a:xfrm>
+              <a:off x="3086652" y="1482407"/>
+              <a:ext cx="1055528" cy="1055528"/>
+            </a:xfrm>
+            <a:prstGeom prst="ellipse">
+              <a:avLst/>
+            </a:prstGeom>
+            <a:solidFill>
+              <a:schemeClr val="bg1"/>
+            </a:solidFill>
+            <a:ln w="76200">
+              <a:solidFill>
+                <a:srgbClr val="299BC6"/>
+              </a:solidFill>
+            </a:ln>
+            <a:effectLst/>
+          </p:spPr>
+          <p:style>
+            <a:lnRef idx="2">
+              <a:schemeClr val="accent1">
+                <a:shade val="50000"/>
+              </a:schemeClr>
+            </a:lnRef>
+            <a:fillRef idx="1">
+              <a:schemeClr val="accent1"/>
+            </a:fillRef>
+            <a:effectRef idx="0">
+              <a:schemeClr val="accent1"/>
+            </a:effectRef>
+            <a:fontRef idx="minor">
+              <a:schemeClr val="lt1"/>
+            </a:fontRef>
+          </p:style>
+          <p:txBody>
+            <a:bodyPr rtlCol="0" anchor="ctr"/>
+            <a:lstStyle/>
+            <a:p>
+              <a:pPr algn="ctr"/>
+              <a:endParaRPr lang="pt-BR" dirty="0"/>
+            </a:p>
+          </p:txBody>
+        </p:sp>
+        <p:pic>
+          <p:nvPicPr>
+            <p:cNvPr id="64" name="Picture 8" descr="Resultado de imagem para ARDUINO LOGO"/>
+            <p:cNvPicPr>
+              <a:picLocks noChangeAspect="1" noChangeArrowheads="1"/>
+            </p:cNvPicPr>
+            <p:nvPr/>
+          </p:nvPicPr>
+          <p:blipFill rotWithShape="1">
+            <a:blip r:embed="rId10" cstate="print">
+              <a:extLst>
+                <a:ext uri="{28A0092B-C50C-407E-A947-70E740481C1C}">
+                  <a14:useLocalDpi xmlns:a14="http://schemas.microsoft.com/office/drawing/2010/main" val="0"/>
+                </a:ext>
+              </a:extLst>
+            </a:blip>
+            <a:srcRect l="17986" t="9633" r="18680" b="8700"/>
+            <a:stretch/>
+          </p:blipFill>
+          <p:spPr bwMode="auto">
+            <a:xfrm>
+              <a:off x="3199734" y="1742810"/>
+              <a:ext cx="829364" cy="534722"/>
+            </a:xfrm>
+            <a:prstGeom prst="rect">
+              <a:avLst/>
+            </a:prstGeom>
+            <a:noFill/>
+            <a:extLst>
+              <a:ext uri="{909E8E84-426E-40DD-AFC4-6F175D3DCCD1}">
+                <a14:hiddenFill xmlns:a14="http://schemas.microsoft.com/office/drawing/2010/main">
+                  <a:solidFill>
+                    <a:srgbClr val="FFFFFF"/>
+                  </a:solidFill>
+                </a14:hiddenFill>
+              </a:ext>
+            </a:extLst>
+          </p:spPr>
+        </p:pic>
+      </p:grpSp>
+      <p:grpSp>
+        <p:nvGrpSpPr>
+          <p:cNvPr id="43" name="Agrupar 42"/>
+          <p:cNvGrpSpPr/>
+          <p:nvPr/>
+        </p:nvGrpSpPr>
+        <p:grpSpPr>
+          <a:xfrm>
+            <a:off x="10331049" y="4359995"/>
+            <a:ext cx="1055528" cy="1055528"/>
+            <a:chOff x="10923170" y="945514"/>
+            <a:chExt cx="1055528" cy="1055528"/>
+          </a:xfrm>
+        </p:grpSpPr>
+        <p:sp>
+          <p:nvSpPr>
+            <p:cNvPr id="54" name="Elipse 53"/>
+            <p:cNvSpPr/>
+            <p:nvPr/>
+          </p:nvSpPr>
+          <p:spPr>
+            <a:xfrm>
+              <a:off x="10923170" y="945514"/>
+              <a:ext cx="1055528" cy="1055528"/>
+            </a:xfrm>
+            <a:prstGeom prst="ellipse">
+              <a:avLst/>
+            </a:prstGeom>
+            <a:solidFill>
+              <a:schemeClr val="bg1"/>
+            </a:solidFill>
+            <a:ln>
+              <a:noFill/>
+            </a:ln>
+            <a:effectLst/>
+          </p:spPr>
+          <p:style>
+            <a:lnRef idx="2">
+              <a:schemeClr val="accent1">
+                <a:shade val="50000"/>
+              </a:schemeClr>
+            </a:lnRef>
+            <a:fillRef idx="1">
+              <a:schemeClr val="accent1"/>
+            </a:fillRef>
+            <a:effectRef idx="0">
+              <a:schemeClr val="accent1"/>
+            </a:effectRef>
+            <a:fontRef idx="minor">
+              <a:schemeClr val="lt1"/>
+            </a:fontRef>
+          </p:style>
+          <p:txBody>
+            <a:bodyPr rtlCol="0" anchor="ctr"/>
+            <a:lstStyle/>
+            <a:p>
+              <a:pPr algn="ctr"/>
+              <a:endParaRPr lang="pt-BR" dirty="0"/>
+            </a:p>
+          </p:txBody>
+        </p:sp>
+        <p:pic>
+          <p:nvPicPr>
+            <p:cNvPr id="1042" name="Picture 18" descr="Resultado de imagem para C#"/>
+            <p:cNvPicPr>
+              <a:picLocks noChangeAspect="1" noChangeArrowheads="1"/>
+            </p:cNvPicPr>
+            <p:nvPr/>
+          </p:nvPicPr>
+          <p:blipFill>
+            <a:blip r:embed="rId11" cstate="print">
+              <a:extLst>
+                <a:ext uri="{28A0092B-C50C-407E-A947-70E740481C1C}">
+                  <a14:useLocalDpi xmlns:a14="http://schemas.microsoft.com/office/drawing/2010/main" val="0"/>
+                </a:ext>
+              </a:extLst>
+            </a:blip>
+            <a:srcRect/>
+            <a:stretch>
+              <a:fillRect/>
+            </a:stretch>
+          </p:blipFill>
+          <p:spPr bwMode="auto">
+            <a:xfrm>
+              <a:off x="11101956" y="1124300"/>
+              <a:ext cx="697956" cy="697956"/>
+            </a:xfrm>
+            <a:prstGeom prst="rect">
+              <a:avLst/>
+            </a:prstGeom>
+            <a:noFill/>
+            <a:extLst>
+              <a:ext uri="{909E8E84-426E-40DD-AFC4-6F175D3DCCD1}">
+                <a14:hiddenFill xmlns:a14="http://schemas.microsoft.com/office/drawing/2010/main">
+                  <a:solidFill>
+                    <a:srgbClr val="FFFFFF"/>
+                  </a:solidFill>
+                </a14:hiddenFill>
+              </a:ext>
+            </a:extLst>
+          </p:spPr>
+        </p:pic>
+      </p:grpSp>
+      <p:grpSp>
+        <p:nvGrpSpPr>
+          <p:cNvPr id="42" name="Agrupar 41"/>
+          <p:cNvGrpSpPr/>
+          <p:nvPr/>
+        </p:nvGrpSpPr>
+        <p:grpSpPr>
+          <a:xfrm>
+            <a:off x="780020" y="4354773"/>
+            <a:ext cx="1055528" cy="1055528"/>
+            <a:chOff x="6927539" y="4901188"/>
+            <a:chExt cx="1055528" cy="1055528"/>
+          </a:xfrm>
+        </p:grpSpPr>
+        <p:sp>
+          <p:nvSpPr>
+            <p:cNvPr id="67" name="Elipse 66"/>
+            <p:cNvSpPr/>
+            <p:nvPr/>
+          </p:nvSpPr>
+          <p:spPr>
+            <a:xfrm>
+              <a:off x="6927539" y="4901188"/>
+              <a:ext cx="1055528" cy="1055528"/>
+            </a:xfrm>
+            <a:prstGeom prst="ellipse">
+              <a:avLst/>
+            </a:prstGeom>
+            <a:solidFill>
+              <a:schemeClr val="bg1"/>
+            </a:solidFill>
+            <a:ln w="76200">
+              <a:noFill/>
+            </a:ln>
+            <a:effectLst/>
+          </p:spPr>
+          <p:style>
+            <a:lnRef idx="2">
+              <a:schemeClr val="accent1">
+                <a:shade val="50000"/>
+              </a:schemeClr>
+            </a:lnRef>
+            <a:fillRef idx="1">
+              <a:schemeClr val="accent1"/>
+            </a:fillRef>
+            <a:effectRef idx="0">
+              <a:schemeClr val="accent1"/>
+            </a:effectRef>
+            <a:fontRef idx="minor">
+              <a:schemeClr val="lt1"/>
+            </a:fontRef>
+          </p:style>
+          <p:txBody>
+            <a:bodyPr rtlCol="0" anchor="ctr"/>
+            <a:lstStyle/>
+            <a:p>
+              <a:pPr algn="ctr"/>
+              <a:endParaRPr lang="pt-BR" dirty="0"/>
+            </a:p>
+          </p:txBody>
+        </p:sp>
+        <p:pic>
+          <p:nvPicPr>
+            <p:cNvPr id="1040" name="Picture 16" descr="Resultado de imagem para SQL"/>
+            <p:cNvPicPr>
+              <a:picLocks noChangeAspect="1" noChangeArrowheads="1"/>
+            </p:cNvPicPr>
+            <p:nvPr/>
+          </p:nvPicPr>
+          <p:blipFill rotWithShape="1">
+            <a:blip r:embed="rId12" cstate="print">
+              <a:extLst>
+                <a:ext uri="{28A0092B-C50C-407E-A947-70E740481C1C}">
+                  <a14:useLocalDpi xmlns:a14="http://schemas.microsoft.com/office/drawing/2010/main" val="0"/>
+                </a:ext>
+              </a:extLst>
+            </a:blip>
+            <a:srcRect l="29291" r="28931"/>
+            <a:stretch/>
+          </p:blipFill>
+          <p:spPr bwMode="auto">
+            <a:xfrm>
+              <a:off x="7196481" y="5103704"/>
+              <a:ext cx="517643" cy="650495"/>
+            </a:xfrm>
+            <a:prstGeom prst="rect">
+              <a:avLst/>
+            </a:prstGeom>
+            <a:noFill/>
+            <a:extLst>
+              <a:ext uri="{909E8E84-426E-40DD-AFC4-6F175D3DCCD1}">
+                <a14:hiddenFill xmlns:a14="http://schemas.microsoft.com/office/drawing/2010/main">
+                  <a:solidFill>
+                    <a:srgbClr val="FFFFFF"/>
+                  </a:solidFill>
+                </a14:hiddenFill>
+              </a:ext>
+            </a:extLst>
+          </p:spPr>
+        </p:pic>
+      </p:grpSp>
+      <p:sp>
+        <p:nvSpPr>
+          <p:cNvPr id="78" name="Retângulo 77"/>
+          <p:cNvSpPr/>
+          <p:nvPr/>
+        </p:nvSpPr>
+        <p:spPr>
+          <a:xfrm>
+            <a:off x="555903" y="3967590"/>
+            <a:ext cx="1503759" cy="369332"/>
+          </a:xfrm>
+          <a:prstGeom prst="rect">
+            <a:avLst/>
+          </a:prstGeom>
+          <a:noFill/>
+          <a:effectLst/>
+        </p:spPr>
+        <p:txBody>
+          <a:bodyPr wrap="square" lIns="91440" tIns="45720" rIns="91440" bIns="45720">
+            <a:spAutoFit/>
+          </a:bodyPr>
+          <a:lstStyle/>
+          <a:p>
+            <a:pPr algn="ctr"/>
+            <a:r>
+              <a:rPr lang="pt-BR" b="1" dirty="0" smtClean="0">
+                <a:ln w="0"/>
+                <a:solidFill>
+                  <a:schemeClr val="bg1"/>
+                </a:solidFill>
+                <a:effectLst>
+                  <a:outerShdw blurRad="38100" dist="19050" dir="2700000" algn="tl" rotWithShape="0">
+                    <a:schemeClr val="dk1">
+                      <a:alpha val="40000"/>
+                    </a:schemeClr>
+                  </a:outerShdw>
+                </a:effectLst>
+                <a:latin typeface="Exo 2 Extra Light" panose="00000300000000000000" pitchFamily="50" charset="0"/>
+              </a:rPr>
+              <a:t>SQL</a:t>
+            </a:r>
+            <a:endParaRPr lang="pt-BR" b="1" cap="none" spc="0" dirty="0">
+              <a:ln w="0"/>
+              <a:solidFill>
+                <a:schemeClr val="bg1"/>
+              </a:solidFill>
+              <a:effectLst>
+                <a:outerShdw blurRad="38100" dist="19050" dir="2700000" algn="tl" rotWithShape="0">
+                  <a:schemeClr val="dk1">
+                    <a:alpha val="40000"/>
+                  </a:schemeClr>
+                </a:outerShdw>
+              </a:effectLst>
+              <a:latin typeface="Exo 2 Extra Light" panose="00000300000000000000" pitchFamily="50" charset="0"/>
+            </a:endParaRPr>
+          </a:p>
+        </p:txBody>
+      </p:sp>
+      <p:sp>
+        <p:nvSpPr>
+          <p:cNvPr id="83" name="Retângulo 82"/>
+          <p:cNvSpPr/>
+          <p:nvPr/>
+        </p:nvSpPr>
+        <p:spPr>
+          <a:xfrm>
+            <a:off x="10576188" y="4004008"/>
+            <a:ext cx="561378" cy="369332"/>
+          </a:xfrm>
+          <a:prstGeom prst="rect">
+            <a:avLst/>
+          </a:prstGeom>
+          <a:noFill/>
+          <a:effectLst/>
+        </p:spPr>
+        <p:txBody>
+          <a:bodyPr wrap="square" lIns="91440" tIns="45720" rIns="91440" bIns="45720">
+            <a:spAutoFit/>
+          </a:bodyPr>
+          <a:lstStyle/>
+          <a:p>
+            <a:pPr algn="ctr"/>
+            <a:r>
+              <a:rPr lang="pt-BR" b="1" dirty="0" smtClean="0">
+                <a:ln w="0"/>
+                <a:solidFill>
+                  <a:schemeClr val="bg1"/>
+                </a:solidFill>
+                <a:effectLst>
+                  <a:outerShdw blurRad="38100" dist="19050" dir="2700000" algn="tl" rotWithShape="0">
+                    <a:schemeClr val="dk1">
+                      <a:alpha val="40000"/>
+                    </a:schemeClr>
+                  </a:outerShdw>
+                </a:effectLst>
+                <a:latin typeface="Exo 2 Extra Light" panose="00000300000000000000" pitchFamily="50" charset="0"/>
+              </a:rPr>
+              <a:t>C#</a:t>
+            </a:r>
+            <a:endParaRPr lang="pt-BR" b="1" cap="none" spc="0" dirty="0">
+              <a:ln w="0"/>
+              <a:solidFill>
+                <a:schemeClr val="bg1"/>
+              </a:solidFill>
+              <a:effectLst>
+                <a:outerShdw blurRad="38100" dist="19050" dir="2700000" algn="tl" rotWithShape="0">
+                  <a:schemeClr val="dk1">
+                    <a:alpha val="40000"/>
+                  </a:schemeClr>
+                </a:outerShdw>
+              </a:effectLst>
+              <a:latin typeface="Exo 2 Extra Light" panose="00000300000000000000" pitchFamily="50" charset="0"/>
+            </a:endParaRPr>
+          </a:p>
+        </p:txBody>
+      </p:sp>
+    </p:spTree>
+    <p:extLst>
+      <p:ext uri="{BB962C8B-B14F-4D97-AF65-F5344CB8AC3E}">
+        <p14:creationId xmlns:p14="http://schemas.microsoft.com/office/powerpoint/2010/main" val="2761503918"/>
+      </p:ext>
+    </p:extLst>
+  </p:cSld>
+  <p:clrMapOvr>
+    <a:masterClrMapping/>
+  </p:clrMapOvr>
+  <p:timing>
+    <p:tnLst>
+      <p:par>
+        <p:cTn id="1" dur="indefinite" restart="never" nodeType="tmRoot"/>
+      </p:par>
+    </p:tnLst>
+  </p:timing>
+</p:sld>
+</file>
+
+<file path=ppt/slides/slide16.xml><?xml version="1.0" encoding="utf-8"?>
+<p:sld xmlns:a="http://schemas.openxmlformats.org/drawingml/2006/main" xmlns:r="http://schemas.openxmlformats.org/officeDocument/2006/relationships" xmlns:p="http://schemas.openxmlformats.org/presentationml/2006/main">
+  <p:cSld>
+    <p:spTree>
+      <p:nvGrpSpPr>
+        <p:cNvPr id="1" name=""/>
+        <p:cNvGrpSpPr/>
+        <p:nvPr/>
+      </p:nvGrpSpPr>
+      <p:grpSpPr>
+        <a:xfrm>
+          <a:off x="0" y="0"/>
+          <a:ext cx="0" cy="0"/>
+          <a:chOff x="0" y="0"/>
+          <a:chExt cx="0" cy="0"/>
+        </a:xfrm>
+      </p:grpSpPr>
+      <p:grpSp>
+        <p:nvGrpSpPr>
+          <p:cNvPr id="4" name="Agrupar 3"/>
+          <p:cNvGrpSpPr/>
+          <p:nvPr/>
+        </p:nvGrpSpPr>
+        <p:grpSpPr>
+          <a:xfrm>
+            <a:off x="0" y="-5907"/>
+            <a:ext cx="12192000" cy="6863907"/>
+            <a:chOff x="0" y="0"/>
+            <a:chExt cx="12192000" cy="6863907"/>
+          </a:xfrm>
+        </p:grpSpPr>
+        <p:pic>
+          <p:nvPicPr>
+            <p:cNvPr id="5" name="Picture 22" descr="http://www.correiodoestadoonline.com.br/arquivos/noticias/3.png"/>
+            <p:cNvPicPr>
+              <a:picLocks noChangeAspect="1" noChangeArrowheads="1"/>
+            </p:cNvPicPr>
+            <p:nvPr/>
+          </p:nvPicPr>
+          <p:blipFill>
+            <a:blip r:embed="rId2">
+              <a:extLst>
+                <a:ext uri="{BEBA8EAE-BF5A-486C-A8C5-ECC9F3942E4B}">
+                  <a14:imgProps xmlns:a14="http://schemas.microsoft.com/office/drawing/2010/main">
+                    <a14:imgLayer r:embed="rId3">
+                      <a14:imgEffect>
+                        <a14:sharpenSoften amount="-80000"/>
+                      </a14:imgEffect>
+                      <a14:imgEffect>
+                        <a14:brightnessContrast bright="-46000"/>
+                      </a14:imgEffect>
+                    </a14:imgLayer>
+                  </a14:imgProps>
+                </a:ext>
+                <a:ext uri="{28A0092B-C50C-407E-A947-70E740481C1C}">
+                  <a14:useLocalDpi xmlns:a14="http://schemas.microsoft.com/office/drawing/2010/main" val="0"/>
+                </a:ext>
+              </a:extLst>
+            </a:blip>
+            <a:srcRect/>
+            <a:stretch>
+              <a:fillRect/>
+            </a:stretch>
+          </p:blipFill>
+          <p:spPr bwMode="auto">
+            <a:xfrm>
+              <a:off x="0" y="0"/>
+              <a:ext cx="12192000" cy="6863907"/>
+            </a:xfrm>
+            <a:prstGeom prst="rect">
+              <a:avLst/>
+            </a:prstGeom>
+            <a:noFill/>
+          </p:spPr>
+        </p:pic>
+        <p:sp>
+          <p:nvSpPr>
+            <p:cNvPr id="6" name="Retângulo 5"/>
+            <p:cNvSpPr/>
+            <p:nvPr/>
+          </p:nvSpPr>
+          <p:spPr>
+            <a:xfrm>
+              <a:off x="0" y="5907"/>
+              <a:ext cx="12192000" cy="6858000"/>
+            </a:xfrm>
+            <a:prstGeom prst="rect">
+              <a:avLst/>
+            </a:prstGeom>
+            <a:solidFill>
+              <a:schemeClr val="tx1">
+                <a:lumMod val="95000"/>
+                <a:lumOff val="5000"/>
+                <a:alpha val="87000"/>
+              </a:schemeClr>
+            </a:solidFill>
+            <a:ln>
+              <a:noFill/>
+            </a:ln>
+          </p:spPr>
+          <p:style>
+            <a:lnRef idx="2">
+              <a:schemeClr val="dk1"/>
+            </a:lnRef>
+            <a:fillRef idx="1">
+              <a:schemeClr val="lt1"/>
+            </a:fillRef>
+            <a:effectRef idx="0">
+              <a:schemeClr val="dk1"/>
+            </a:effectRef>
+            <a:fontRef idx="minor">
+              <a:schemeClr val="dk1"/>
+            </a:fontRef>
+          </p:style>
+          <p:txBody>
+            <a:bodyPr rtlCol="0" anchor="ctr"/>
+            <a:lstStyle/>
+            <a:p>
+              <a:pPr algn="ctr"/>
+              <a:endParaRPr lang="pt-BR" dirty="0"/>
+            </a:p>
+          </p:txBody>
+        </p:sp>
+      </p:grpSp>
+      <p:sp>
+        <p:nvSpPr>
+          <p:cNvPr id="11" name="Retângulo 10"/>
+          <p:cNvSpPr/>
+          <p:nvPr/>
+        </p:nvSpPr>
+        <p:spPr>
+          <a:xfrm>
+            <a:off x="126222" y="198787"/>
+            <a:ext cx="9627378" cy="584775"/>
+          </a:xfrm>
+          <a:prstGeom prst="rect">
+            <a:avLst/>
+          </a:prstGeom>
+          <a:noFill/>
+          <a:effectLst/>
+        </p:spPr>
+        <p:txBody>
+          <a:bodyPr wrap="square" lIns="91440" tIns="45720" rIns="91440" bIns="45720">
+            <a:spAutoFit/>
+          </a:bodyPr>
+          <a:lstStyle/>
+          <a:p>
+            <a:pPr algn="just"/>
+            <a:r>
+              <a:rPr lang="pt-BR" sz="3200" b="1" dirty="0" smtClean="0">
+                <a:ln w="0"/>
+                <a:solidFill>
+                  <a:schemeClr val="bg1"/>
+                </a:solidFill>
+                <a:effectLst>
+                  <a:outerShdw blurRad="38100" dist="19050" dir="2700000" algn="tl" rotWithShape="0">
+                    <a:schemeClr val="dk1">
+                      <a:alpha val="40000"/>
+                    </a:schemeClr>
+                  </a:outerShdw>
+                </a:effectLst>
+                <a:latin typeface="Exo 2 Medium" panose="00000600000000000000" pitchFamily="50" charset="0"/>
+              </a:rPr>
+              <a:t>RESPONSIVO</a:t>
+            </a:r>
+            <a:endParaRPr lang="pt-BR" sz="3200" b="1" cap="none" spc="0" dirty="0">
+              <a:ln w="0"/>
+              <a:solidFill>
+                <a:schemeClr val="bg1"/>
+              </a:solidFill>
+              <a:effectLst>
+                <a:outerShdw blurRad="38100" dist="19050" dir="2700000" algn="tl" rotWithShape="0">
+                  <a:schemeClr val="dk1">
+                    <a:alpha val="40000"/>
+                  </a:schemeClr>
+                </a:outerShdw>
+              </a:effectLst>
+              <a:latin typeface="Exo 2 Medium" panose="00000600000000000000" pitchFamily="50" charset="0"/>
+            </a:endParaRPr>
+          </a:p>
+        </p:txBody>
+      </p:sp>
+      <p:cxnSp>
+        <p:nvCxnSpPr>
+          <p:cNvPr id="12" name="Conector reto 11">
+            <a:extLst>
+              <a:ext uri="{FF2B5EF4-FFF2-40B4-BE49-F238E27FC236}">
+                <a16:creationId xmlns:a16="http://schemas.microsoft.com/office/drawing/2014/main" id="{6510727C-C843-4D84-A07F-20F37366891D}"/>
+              </a:ext>
+            </a:extLst>
+          </p:cNvPr>
+          <p:cNvCxnSpPr/>
+          <p:nvPr/>
+        </p:nvCxnSpPr>
+        <p:spPr>
+          <a:xfrm>
+            <a:off x="0" y="953059"/>
             <a:ext cx="6325704" cy="0"/>
           </a:xfrm>
           <a:prstGeom prst="line">
@@ -6184,7 +8918,303 @@
       </p:cxnSp>
       <p:pic>
         <p:nvPicPr>
-          <p:cNvPr id="9" name="Imagem 8"/>
+          <p:cNvPr id="2054" name="Picture 6" descr="Resultado de imagem para MONITOR VECTOR"/>
+          <p:cNvPicPr>
+            <a:picLocks noChangeAspect="1" noChangeArrowheads="1"/>
+          </p:cNvPicPr>
+          <p:nvPr/>
+        </p:nvPicPr>
+        <p:blipFill>
+          <a:blip r:embed="rId4">
+            <a:extLst>
+              <a:ext uri="{28A0092B-C50C-407E-A947-70E740481C1C}">
+                <a14:useLocalDpi xmlns:a14="http://schemas.microsoft.com/office/drawing/2010/main" val="0"/>
+              </a:ext>
+            </a:extLst>
+          </a:blip>
+          <a:srcRect/>
+          <a:stretch>
+            <a:fillRect/>
+          </a:stretch>
+        </p:blipFill>
+        <p:spPr bwMode="auto">
+          <a:xfrm>
+            <a:off x="2997752" y="1577931"/>
+            <a:ext cx="5769106" cy="4485699"/>
+          </a:xfrm>
+          <a:prstGeom prst="rect">
+            <a:avLst/>
+          </a:prstGeom>
+          <a:noFill/>
+          <a:extLst>
+            <a:ext uri="{909E8E84-426E-40DD-AFC4-6F175D3DCCD1}">
+              <a14:hiddenFill xmlns:a14="http://schemas.microsoft.com/office/drawing/2010/main">
+                <a:solidFill>
+                  <a:srgbClr val="FFFFFF"/>
+                </a:solidFill>
+              </a14:hiddenFill>
+            </a:ext>
+          </a:extLst>
+        </p:spPr>
+      </p:pic>
+      <p:pic>
+        <p:nvPicPr>
+          <p:cNvPr id="2056" name="Picture 8" descr="Resultado de imagem para TABLET VECTOR"/>
+          <p:cNvPicPr>
+            <a:picLocks noChangeAspect="1" noChangeArrowheads="1"/>
+          </p:cNvPicPr>
+          <p:nvPr/>
+        </p:nvPicPr>
+        <p:blipFill rotWithShape="1">
+          <a:blip r:embed="rId5">
+            <a:extLst>
+              <a:ext uri="{28A0092B-C50C-407E-A947-70E740481C1C}">
+                <a14:useLocalDpi xmlns:a14="http://schemas.microsoft.com/office/drawing/2010/main" val="0"/>
+              </a:ext>
+            </a:extLst>
+          </a:blip>
+          <a:srcRect l="16150" t="5208" r="16628" b="5533"/>
+          <a:stretch/>
+        </p:blipFill>
+        <p:spPr bwMode="auto">
+          <a:xfrm>
+            <a:off x="7534960" y="2912193"/>
+            <a:ext cx="2467074" cy="3275839"/>
+          </a:xfrm>
+          <a:prstGeom prst="rect">
+            <a:avLst/>
+          </a:prstGeom>
+          <a:noFill/>
+          <a:extLst>
+            <a:ext uri="{909E8E84-426E-40DD-AFC4-6F175D3DCCD1}">
+              <a14:hiddenFill xmlns:a14="http://schemas.microsoft.com/office/drawing/2010/main">
+                <a:solidFill>
+                  <a:srgbClr val="FFFFFF"/>
+                </a:solidFill>
+              </a14:hiddenFill>
+            </a:ext>
+          </a:extLst>
+        </p:spPr>
+      </p:pic>
+      <p:pic>
+        <p:nvPicPr>
+          <p:cNvPr id="2058" name="Picture 10" descr="Resultado de imagem para IPHONE VECTOR"/>
+          <p:cNvPicPr>
+            <a:picLocks noChangeAspect="1" noChangeArrowheads="1"/>
+          </p:cNvPicPr>
+          <p:nvPr/>
+        </p:nvPicPr>
+        <p:blipFill>
+          <a:blip r:embed="rId6" cstate="print">
+            <a:extLst>
+              <a:ext uri="{28A0092B-C50C-407E-A947-70E740481C1C}">
+                <a14:useLocalDpi xmlns:a14="http://schemas.microsoft.com/office/drawing/2010/main" val="0"/>
+              </a:ext>
+            </a:extLst>
+          </a:blip>
+          <a:srcRect/>
+          <a:stretch>
+            <a:fillRect/>
+          </a:stretch>
+        </p:blipFill>
+        <p:spPr bwMode="auto">
+          <a:xfrm>
+            <a:off x="2633244" y="4025899"/>
+            <a:ext cx="1038599" cy="2170461"/>
+          </a:xfrm>
+          <a:prstGeom prst="rect">
+            <a:avLst/>
+          </a:prstGeom>
+          <a:noFill/>
+          <a:extLst>
+            <a:ext uri="{909E8E84-426E-40DD-AFC4-6F175D3DCCD1}">
+              <a14:hiddenFill xmlns:a14="http://schemas.microsoft.com/office/drawing/2010/main">
+                <a:solidFill>
+                  <a:srgbClr val="FFFFFF"/>
+                </a:solidFill>
+              </a14:hiddenFill>
+            </a:ext>
+          </a:extLst>
+        </p:spPr>
+      </p:pic>
+    </p:spTree>
+    <p:extLst>
+      <p:ext uri="{BB962C8B-B14F-4D97-AF65-F5344CB8AC3E}">
+        <p14:creationId xmlns:p14="http://schemas.microsoft.com/office/powerpoint/2010/main" val="1108678165"/>
+      </p:ext>
+    </p:extLst>
+  </p:cSld>
+  <p:clrMapOvr>
+    <a:masterClrMapping/>
+  </p:clrMapOvr>
+</p:sld>
+</file>
+
+<file path=ppt/slides/slide17.xml><?xml version="1.0" encoding="utf-8"?>
+<p:sld xmlns:a="http://schemas.openxmlformats.org/drawingml/2006/main" xmlns:r="http://schemas.openxmlformats.org/officeDocument/2006/relationships" xmlns:p="http://schemas.openxmlformats.org/presentationml/2006/main">
+  <p:cSld>
+    <p:spTree>
+      <p:nvGrpSpPr>
+        <p:cNvPr id="1" name=""/>
+        <p:cNvGrpSpPr/>
+        <p:nvPr/>
+      </p:nvGrpSpPr>
+      <p:grpSpPr>
+        <a:xfrm>
+          <a:off x="0" y="0"/>
+          <a:ext cx="0" cy="0"/>
+          <a:chOff x="0" y="0"/>
+          <a:chExt cx="0" cy="0"/>
+        </a:xfrm>
+      </p:grpSpPr>
+      <p:pic>
+        <p:nvPicPr>
+          <p:cNvPr id="6" name="Picture 22" descr="http://www.correiodoestadoonline.com.br/arquivos/noticias/3.png"/>
+          <p:cNvPicPr>
+            <a:picLocks noChangeAspect="1" noChangeArrowheads="1"/>
+          </p:cNvPicPr>
+          <p:nvPr/>
+        </p:nvPicPr>
+        <p:blipFill>
+          <a:blip r:embed="rId2">
+            <a:extLst>
+              <a:ext uri="{BEBA8EAE-BF5A-486C-A8C5-ECC9F3942E4B}">
+                <a14:imgProps xmlns:a14="http://schemas.microsoft.com/office/drawing/2010/main">
+                  <a14:imgLayer r:embed="rId3">
+                    <a14:imgEffect>
+                      <a14:sharpenSoften amount="-80000"/>
+                    </a14:imgEffect>
+                    <a14:imgEffect>
+                      <a14:brightnessContrast bright="-46000"/>
+                    </a14:imgEffect>
+                  </a14:imgLayer>
+                </a14:imgProps>
+              </a:ext>
+              <a:ext uri="{28A0092B-C50C-407E-A947-70E740481C1C}">
+                <a14:useLocalDpi xmlns:a14="http://schemas.microsoft.com/office/drawing/2010/main" val="0"/>
+              </a:ext>
+            </a:extLst>
+          </a:blip>
+          <a:srcRect/>
+          <a:stretch>
+            <a:fillRect/>
+          </a:stretch>
+        </p:blipFill>
+        <p:spPr bwMode="auto">
+          <a:xfrm>
+            <a:off x="0" y="0"/>
+            <a:ext cx="12192000" cy="6863907"/>
+          </a:xfrm>
+          <a:prstGeom prst="rect">
+            <a:avLst/>
+          </a:prstGeom>
+          <a:noFill/>
+        </p:spPr>
+      </p:pic>
+      <p:sp>
+        <p:nvSpPr>
+          <p:cNvPr id="8" name="Retângulo 7"/>
+          <p:cNvSpPr/>
+          <p:nvPr/>
+        </p:nvSpPr>
+        <p:spPr>
+          <a:xfrm>
+            <a:off x="0" y="0"/>
+            <a:ext cx="12192000" cy="6863907"/>
+          </a:xfrm>
+          <a:prstGeom prst="rect">
+            <a:avLst/>
+          </a:prstGeom>
+          <a:solidFill>
+            <a:schemeClr val="tx1">
+              <a:alpha val="11000"/>
+            </a:schemeClr>
+          </a:solidFill>
+          <a:ln>
+            <a:noFill/>
+          </a:ln>
+        </p:spPr>
+        <p:style>
+          <a:lnRef idx="2">
+            <a:schemeClr val="accent1">
+              <a:shade val="50000"/>
+            </a:schemeClr>
+          </a:lnRef>
+          <a:fillRef idx="1">
+            <a:schemeClr val="accent1"/>
+          </a:fillRef>
+          <a:effectRef idx="0">
+            <a:schemeClr val="accent1"/>
+          </a:effectRef>
+          <a:fontRef idx="minor">
+            <a:schemeClr val="lt1"/>
+          </a:fontRef>
+        </p:style>
+        <p:txBody>
+          <a:bodyPr rtlCol="0" anchor="ctr"/>
+          <a:lstStyle/>
+          <a:p>
+            <a:pPr algn="ctr"/>
+            <a:endParaRPr lang="pt-BR" dirty="0"/>
+          </a:p>
+        </p:txBody>
+      </p:sp>
+      <p:sp>
+        <p:nvSpPr>
+          <p:cNvPr id="21" name="Elipse 20"/>
+          <p:cNvSpPr/>
+          <p:nvPr/>
+        </p:nvSpPr>
+        <p:spPr>
+          <a:xfrm>
+            <a:off x="3919022" y="577039"/>
+            <a:ext cx="4353952" cy="4353952"/>
+          </a:xfrm>
+          <a:prstGeom prst="ellipse">
+            <a:avLst/>
+          </a:prstGeom>
+          <a:solidFill>
+            <a:schemeClr val="bg1"/>
+          </a:solidFill>
+          <a:ln>
+            <a:noFill/>
+          </a:ln>
+          <a:effectLst>
+            <a:outerShdw blurRad="50800" dist="38100" dir="2700000" algn="tl" rotWithShape="0">
+              <a:prstClr val="black">
+                <a:alpha val="40000"/>
+              </a:prstClr>
+            </a:outerShdw>
+          </a:effectLst>
+        </p:spPr>
+        <p:style>
+          <a:lnRef idx="2">
+            <a:schemeClr val="accent1">
+              <a:shade val="50000"/>
+            </a:schemeClr>
+          </a:lnRef>
+          <a:fillRef idx="1">
+            <a:schemeClr val="accent1"/>
+          </a:fillRef>
+          <a:effectRef idx="0">
+            <a:schemeClr val="accent1"/>
+          </a:effectRef>
+          <a:fontRef idx="minor">
+            <a:schemeClr val="lt1"/>
+          </a:fontRef>
+        </p:style>
+        <p:txBody>
+          <a:bodyPr rtlCol="0" anchor="ctr"/>
+          <a:lstStyle/>
+          <a:p>
+            <a:pPr algn="ctr"/>
+            <a:endParaRPr lang="pt-BR" dirty="0"/>
+          </a:p>
+        </p:txBody>
+      </p:sp>
+      <p:pic>
+        <p:nvPicPr>
+          <p:cNvPr id="10" name="Imagem 9"/>
           <p:cNvPicPr>
             <a:picLocks noChangeAspect="1"/>
           </p:cNvPicPr>
@@ -6198,13 +9228,651 @@
               </a:ext>
             </a:extLst>
           </a:blip>
-          <a:srcRect l="6168" t="1586" r="7003" b="4685"/>
+          <a:srcRect l="11820" t="62755" r="13058" b="8894"/>
           <a:stretch/>
         </p:blipFill>
         <p:spPr>
           <a:xfrm>
-            <a:off x="456647" y="1421298"/>
-            <a:ext cx="4931203" cy="5120864"/>
+            <a:off x="4603748" y="3066346"/>
+            <a:ext cx="2990852" cy="725624"/>
+          </a:xfrm>
+          <a:prstGeom prst="rect">
+            <a:avLst/>
+          </a:prstGeom>
+        </p:spPr>
+      </p:pic>
+      <p:sp>
+        <p:nvSpPr>
+          <p:cNvPr id="15" name="Retângulo 14"/>
+          <p:cNvSpPr/>
+          <p:nvPr/>
+        </p:nvSpPr>
+        <p:spPr>
+          <a:xfrm>
+            <a:off x="2921943" y="5261869"/>
+            <a:ext cx="6348109" cy="646331"/>
+          </a:xfrm>
+          <a:prstGeom prst="rect">
+            <a:avLst/>
+          </a:prstGeom>
+          <a:noFill/>
+        </p:spPr>
+        <p:txBody>
+          <a:bodyPr wrap="square" lIns="91440" tIns="45720" rIns="91440" bIns="45720">
+            <a:spAutoFit/>
+          </a:bodyPr>
+          <a:lstStyle/>
+          <a:p>
+            <a:pPr algn="ctr"/>
+            <a:r>
+              <a:rPr lang="pt-BR" sz="3600" b="1" dirty="0" smtClean="0">
+                <a:ln w="0"/>
+                <a:solidFill>
+                  <a:schemeClr val="bg1"/>
+                </a:solidFill>
+                <a:effectLst>
+                  <a:outerShdw blurRad="38100" dist="19050" dir="2700000" algn="tl" rotWithShape="0">
+                    <a:schemeClr val="dk1">
+                      <a:alpha val="40000"/>
+                    </a:schemeClr>
+                  </a:outerShdw>
+                </a:effectLst>
+                <a:latin typeface="Exo 2 Medium" panose="00000600000000000000" pitchFamily="50" charset="0"/>
+              </a:rPr>
+              <a:t>DEMONSTRAÇÃO</a:t>
+            </a:r>
+            <a:endParaRPr lang="pt-BR" sz="3600" b="1" cap="none" spc="0" dirty="0">
+              <a:ln w="0"/>
+              <a:solidFill>
+                <a:schemeClr val="bg1"/>
+              </a:solidFill>
+              <a:effectLst>
+                <a:outerShdw blurRad="38100" dist="19050" dir="2700000" algn="tl" rotWithShape="0">
+                  <a:schemeClr val="dk1">
+                    <a:alpha val="40000"/>
+                  </a:schemeClr>
+                </a:outerShdw>
+              </a:effectLst>
+              <a:latin typeface="Exo 2 Medium" panose="00000600000000000000" pitchFamily="50" charset="0"/>
+            </a:endParaRPr>
+          </a:p>
+        </p:txBody>
+      </p:sp>
+      <p:pic>
+        <p:nvPicPr>
+          <p:cNvPr id="22" name="Imagem 21"/>
+          <p:cNvPicPr>
+            <a:picLocks noChangeAspect="1"/>
+          </p:cNvPicPr>
+          <p:nvPr/>
+        </p:nvPicPr>
+        <p:blipFill rotWithShape="1">
+          <a:blip r:embed="rId5">
+            <a:extLst>
+              <a:ext uri="{28A0092B-C50C-407E-A947-70E740481C1C}">
+                <a14:useLocalDpi xmlns:a14="http://schemas.microsoft.com/office/drawing/2010/main" val="0"/>
+              </a:ext>
+            </a:extLst>
+          </a:blip>
+          <a:srcRect b="29506"/>
+          <a:stretch/>
+        </p:blipFill>
+        <p:spPr>
+          <a:xfrm>
+            <a:off x="4854092" y="1520107"/>
+            <a:ext cx="2483812" cy="1493444"/>
+          </a:xfrm>
+          <a:prstGeom prst="rect">
+            <a:avLst/>
+          </a:prstGeom>
+        </p:spPr>
+      </p:pic>
+      <p:cxnSp>
+        <p:nvCxnSpPr>
+          <p:cNvPr id="7" name="Conector reto 6">
+            <a:extLst>
+              <a:ext uri="{FF2B5EF4-FFF2-40B4-BE49-F238E27FC236}">
+                <a16:creationId xmlns:a16="http://schemas.microsoft.com/office/drawing/2014/main" id="{6510727C-C843-4D84-A07F-20F37366891D}"/>
+              </a:ext>
+            </a:extLst>
+          </p:cNvPr>
+          <p:cNvCxnSpPr/>
+          <p:nvPr/>
+        </p:nvCxnSpPr>
+        <p:spPr>
+          <a:xfrm>
+            <a:off x="5433530" y="5170077"/>
+            <a:ext cx="1303820" cy="0"/>
+          </a:xfrm>
+          <a:prstGeom prst="line">
+            <a:avLst/>
+          </a:prstGeom>
+          <a:ln>
+            <a:solidFill>
+              <a:schemeClr val="bg1"/>
+            </a:solidFill>
+          </a:ln>
+        </p:spPr>
+        <p:style>
+          <a:lnRef idx="1">
+            <a:schemeClr val="accent1"/>
+          </a:lnRef>
+          <a:fillRef idx="0">
+            <a:schemeClr val="accent1"/>
+          </a:fillRef>
+          <a:effectRef idx="0">
+            <a:schemeClr val="accent1"/>
+          </a:effectRef>
+          <a:fontRef idx="minor">
+            <a:schemeClr val="tx1"/>
+          </a:fontRef>
+        </p:style>
+      </p:cxnSp>
+    </p:spTree>
+    <p:extLst>
+      <p:ext uri="{BB962C8B-B14F-4D97-AF65-F5344CB8AC3E}">
+        <p14:creationId xmlns:p14="http://schemas.microsoft.com/office/powerpoint/2010/main" val="1952641547"/>
+      </p:ext>
+    </p:extLst>
+  </p:cSld>
+  <p:clrMapOvr>
+    <a:masterClrMapping/>
+  </p:clrMapOvr>
+  <mc:AlternateContent xmlns:mc="http://schemas.openxmlformats.org/markup-compatibility/2006">
+    <mc:Choice xmlns:p14="http://schemas.microsoft.com/office/powerpoint/2010/main" Requires="p14">
+      <p:transition p14:dur="0"/>
+    </mc:Choice>
+    <mc:Fallback>
+      <p:transition/>
+    </mc:Fallback>
+  </mc:AlternateContent>
+  <p:timing>
+    <p:tnLst>
+      <p:par>
+        <p:cTn id="1" dur="indefinite" restart="never" nodeType="tmRoot"/>
+      </p:par>
+    </p:tnLst>
+  </p:timing>
+</p:sld>
+</file>
+
+<file path=ppt/slides/slide18.xml><?xml version="1.0" encoding="utf-8"?>
+<p:sld xmlns:a="http://schemas.openxmlformats.org/drawingml/2006/main" xmlns:r="http://schemas.openxmlformats.org/officeDocument/2006/relationships" xmlns:p="http://schemas.openxmlformats.org/presentationml/2006/main">
+  <p:cSld>
+    <p:spTree>
+      <p:nvGrpSpPr>
+        <p:cNvPr id="1" name=""/>
+        <p:cNvGrpSpPr/>
+        <p:nvPr/>
+      </p:nvGrpSpPr>
+      <p:grpSpPr>
+        <a:xfrm>
+          <a:off x="0" y="0"/>
+          <a:ext cx="0" cy="0"/>
+          <a:chOff x="0" y="0"/>
+          <a:chExt cx="0" cy="0"/>
+        </a:xfrm>
+      </p:grpSpPr>
+      <p:grpSp>
+        <p:nvGrpSpPr>
+          <p:cNvPr id="4" name="Agrupar 3"/>
+          <p:cNvGrpSpPr/>
+          <p:nvPr/>
+        </p:nvGrpSpPr>
+        <p:grpSpPr>
+          <a:xfrm>
+            <a:off x="0" y="-5907"/>
+            <a:ext cx="12192000" cy="6863907"/>
+            <a:chOff x="0" y="0"/>
+            <a:chExt cx="12192000" cy="6863907"/>
+          </a:xfrm>
+        </p:grpSpPr>
+        <p:pic>
+          <p:nvPicPr>
+            <p:cNvPr id="5" name="Picture 22" descr="http://www.correiodoestadoonline.com.br/arquivos/noticias/3.png"/>
+            <p:cNvPicPr>
+              <a:picLocks noChangeAspect="1" noChangeArrowheads="1"/>
+            </p:cNvPicPr>
+            <p:nvPr/>
+          </p:nvPicPr>
+          <p:blipFill>
+            <a:blip r:embed="rId2">
+              <a:extLst>
+                <a:ext uri="{BEBA8EAE-BF5A-486C-A8C5-ECC9F3942E4B}">
+                  <a14:imgProps xmlns:a14="http://schemas.microsoft.com/office/drawing/2010/main">
+                    <a14:imgLayer r:embed="rId3">
+                      <a14:imgEffect>
+                        <a14:sharpenSoften amount="-80000"/>
+                      </a14:imgEffect>
+                      <a14:imgEffect>
+                        <a14:brightnessContrast bright="-46000"/>
+                      </a14:imgEffect>
+                    </a14:imgLayer>
+                  </a14:imgProps>
+                </a:ext>
+                <a:ext uri="{28A0092B-C50C-407E-A947-70E740481C1C}">
+                  <a14:useLocalDpi xmlns:a14="http://schemas.microsoft.com/office/drawing/2010/main" val="0"/>
+                </a:ext>
+              </a:extLst>
+            </a:blip>
+            <a:srcRect/>
+            <a:stretch>
+              <a:fillRect/>
+            </a:stretch>
+          </p:blipFill>
+          <p:spPr bwMode="auto">
+            <a:xfrm>
+              <a:off x="0" y="0"/>
+              <a:ext cx="12192000" cy="6863907"/>
+            </a:xfrm>
+            <a:prstGeom prst="rect">
+              <a:avLst/>
+            </a:prstGeom>
+            <a:noFill/>
+          </p:spPr>
+        </p:pic>
+        <p:sp>
+          <p:nvSpPr>
+            <p:cNvPr id="6" name="Retângulo 5"/>
+            <p:cNvSpPr/>
+            <p:nvPr/>
+          </p:nvSpPr>
+          <p:spPr>
+            <a:xfrm>
+              <a:off x="0" y="5907"/>
+              <a:ext cx="12192000" cy="6858000"/>
+            </a:xfrm>
+            <a:prstGeom prst="rect">
+              <a:avLst/>
+            </a:prstGeom>
+            <a:solidFill>
+              <a:schemeClr val="tx1">
+                <a:lumMod val="95000"/>
+                <a:lumOff val="5000"/>
+                <a:alpha val="87000"/>
+              </a:schemeClr>
+            </a:solidFill>
+            <a:ln>
+              <a:noFill/>
+            </a:ln>
+          </p:spPr>
+          <p:style>
+            <a:lnRef idx="2">
+              <a:schemeClr val="dk1"/>
+            </a:lnRef>
+            <a:fillRef idx="1">
+              <a:schemeClr val="lt1"/>
+            </a:fillRef>
+            <a:effectRef idx="0">
+              <a:schemeClr val="dk1"/>
+            </a:effectRef>
+            <a:fontRef idx="minor">
+              <a:schemeClr val="dk1"/>
+            </a:fontRef>
+          </p:style>
+          <p:txBody>
+            <a:bodyPr rtlCol="0" anchor="ctr"/>
+            <a:lstStyle/>
+            <a:p>
+              <a:pPr algn="ctr"/>
+              <a:endParaRPr lang="pt-BR" dirty="0"/>
+            </a:p>
+          </p:txBody>
+        </p:sp>
+      </p:grpSp>
+      <p:sp>
+        <p:nvSpPr>
+          <p:cNvPr id="11" name="Retângulo 10"/>
+          <p:cNvSpPr/>
+          <p:nvPr/>
+        </p:nvSpPr>
+        <p:spPr>
+          <a:xfrm>
+            <a:off x="126222" y="198787"/>
+            <a:ext cx="9627378" cy="584775"/>
+          </a:xfrm>
+          <a:prstGeom prst="rect">
+            <a:avLst/>
+          </a:prstGeom>
+          <a:noFill/>
+          <a:effectLst/>
+        </p:spPr>
+        <p:txBody>
+          <a:bodyPr wrap="square" lIns="91440" tIns="45720" rIns="91440" bIns="45720">
+            <a:spAutoFit/>
+          </a:bodyPr>
+          <a:lstStyle/>
+          <a:p>
+            <a:pPr algn="just"/>
+            <a:r>
+              <a:rPr lang="pt-BR" sz="3200" b="1" dirty="0" smtClean="0">
+                <a:ln w="0"/>
+                <a:solidFill>
+                  <a:schemeClr val="bg1"/>
+                </a:solidFill>
+                <a:effectLst>
+                  <a:outerShdw blurRad="38100" dist="19050" dir="2700000" algn="tl" rotWithShape="0">
+                    <a:schemeClr val="dk1">
+                      <a:alpha val="40000"/>
+                    </a:schemeClr>
+                  </a:outerShdw>
+                </a:effectLst>
+                <a:latin typeface="Exo 2 Medium" panose="00000600000000000000" pitchFamily="50" charset="0"/>
+              </a:rPr>
+              <a:t>INSTALAÇÃO</a:t>
+            </a:r>
+            <a:endParaRPr lang="pt-BR" sz="3200" b="1" cap="none" spc="0" dirty="0">
+              <a:ln w="0"/>
+              <a:solidFill>
+                <a:schemeClr val="bg1"/>
+              </a:solidFill>
+              <a:effectLst>
+                <a:outerShdw blurRad="38100" dist="19050" dir="2700000" algn="tl" rotWithShape="0">
+                  <a:schemeClr val="dk1">
+                    <a:alpha val="40000"/>
+                  </a:schemeClr>
+                </a:outerShdw>
+              </a:effectLst>
+              <a:latin typeface="Exo 2 Medium" panose="00000600000000000000" pitchFamily="50" charset="0"/>
+            </a:endParaRPr>
+          </a:p>
+        </p:txBody>
+      </p:sp>
+      <p:cxnSp>
+        <p:nvCxnSpPr>
+          <p:cNvPr id="12" name="Conector reto 11">
+            <a:extLst>
+              <a:ext uri="{FF2B5EF4-FFF2-40B4-BE49-F238E27FC236}">
+                <a16:creationId xmlns:a16="http://schemas.microsoft.com/office/drawing/2014/main" id="{6510727C-C843-4D84-A07F-20F37366891D}"/>
+              </a:ext>
+            </a:extLst>
+          </p:cNvPr>
+          <p:cNvCxnSpPr/>
+          <p:nvPr/>
+        </p:nvCxnSpPr>
+        <p:spPr>
+          <a:xfrm>
+            <a:off x="0" y="953059"/>
+            <a:ext cx="6325704" cy="0"/>
+          </a:xfrm>
+          <a:prstGeom prst="line">
+            <a:avLst/>
+          </a:prstGeom>
+          <a:ln>
+            <a:solidFill>
+              <a:schemeClr val="bg1"/>
+            </a:solidFill>
+          </a:ln>
+          <a:effectLst/>
+        </p:spPr>
+        <p:style>
+          <a:lnRef idx="1">
+            <a:schemeClr val="accent1"/>
+          </a:lnRef>
+          <a:fillRef idx="0">
+            <a:schemeClr val="accent1"/>
+          </a:fillRef>
+          <a:effectRef idx="0">
+            <a:schemeClr val="accent1"/>
+          </a:effectRef>
+          <a:fontRef idx="minor">
+            <a:schemeClr val="tx1"/>
+          </a:fontRef>
+        </p:style>
+      </p:cxnSp>
+    </p:spTree>
+    <p:extLst>
+      <p:ext uri="{BB962C8B-B14F-4D97-AF65-F5344CB8AC3E}">
+        <p14:creationId xmlns:p14="http://schemas.microsoft.com/office/powerpoint/2010/main" val="3416125173"/>
+      </p:ext>
+    </p:extLst>
+  </p:cSld>
+  <p:clrMapOvr>
+    <a:masterClrMapping/>
+  </p:clrMapOvr>
+</p:sld>
+</file>
+
+<file path=ppt/slides/slide19.xml><?xml version="1.0" encoding="utf-8"?>
+<p:sld xmlns:a="http://schemas.openxmlformats.org/drawingml/2006/main" xmlns:r="http://schemas.openxmlformats.org/officeDocument/2006/relationships" xmlns:p="http://schemas.openxmlformats.org/presentationml/2006/main">
+  <p:cSld>
+    <p:spTree>
+      <p:nvGrpSpPr>
+        <p:cNvPr id="1" name=""/>
+        <p:cNvGrpSpPr/>
+        <p:nvPr/>
+      </p:nvGrpSpPr>
+      <p:grpSpPr>
+        <a:xfrm>
+          <a:off x="0" y="0"/>
+          <a:ext cx="0" cy="0"/>
+          <a:chOff x="0" y="0"/>
+          <a:chExt cx="0" cy="0"/>
+        </a:xfrm>
+      </p:grpSpPr>
+      <p:grpSp>
+        <p:nvGrpSpPr>
+          <p:cNvPr id="4" name="Agrupar 3"/>
+          <p:cNvGrpSpPr/>
+          <p:nvPr/>
+        </p:nvGrpSpPr>
+        <p:grpSpPr>
+          <a:xfrm>
+            <a:off x="0" y="-5907"/>
+            <a:ext cx="12192000" cy="6863907"/>
+            <a:chOff x="0" y="0"/>
+            <a:chExt cx="12192000" cy="6863907"/>
+          </a:xfrm>
+        </p:grpSpPr>
+        <p:pic>
+          <p:nvPicPr>
+            <p:cNvPr id="5" name="Picture 22" descr="http://www.correiodoestadoonline.com.br/arquivos/noticias/3.png"/>
+            <p:cNvPicPr>
+              <a:picLocks noChangeAspect="1" noChangeArrowheads="1"/>
+            </p:cNvPicPr>
+            <p:nvPr/>
+          </p:nvPicPr>
+          <p:blipFill>
+            <a:blip r:embed="rId2">
+              <a:extLst>
+                <a:ext uri="{BEBA8EAE-BF5A-486C-A8C5-ECC9F3942E4B}">
+                  <a14:imgProps xmlns:a14="http://schemas.microsoft.com/office/drawing/2010/main">
+                    <a14:imgLayer r:embed="rId3">
+                      <a14:imgEffect>
+                        <a14:sharpenSoften amount="-80000"/>
+                      </a14:imgEffect>
+                      <a14:imgEffect>
+                        <a14:brightnessContrast bright="-46000"/>
+                      </a14:imgEffect>
+                    </a14:imgLayer>
+                  </a14:imgProps>
+                </a:ext>
+                <a:ext uri="{28A0092B-C50C-407E-A947-70E740481C1C}">
+                  <a14:useLocalDpi xmlns:a14="http://schemas.microsoft.com/office/drawing/2010/main" val="0"/>
+                </a:ext>
+              </a:extLst>
+            </a:blip>
+            <a:srcRect/>
+            <a:stretch>
+              <a:fillRect/>
+            </a:stretch>
+          </p:blipFill>
+          <p:spPr bwMode="auto">
+            <a:xfrm>
+              <a:off x="0" y="0"/>
+              <a:ext cx="12192000" cy="6863907"/>
+            </a:xfrm>
+            <a:prstGeom prst="rect">
+              <a:avLst/>
+            </a:prstGeom>
+            <a:noFill/>
+          </p:spPr>
+        </p:pic>
+        <p:sp>
+          <p:nvSpPr>
+            <p:cNvPr id="6" name="Retângulo 5"/>
+            <p:cNvSpPr/>
+            <p:nvPr/>
+          </p:nvSpPr>
+          <p:spPr>
+            <a:xfrm>
+              <a:off x="0" y="5907"/>
+              <a:ext cx="12192000" cy="6858000"/>
+            </a:xfrm>
+            <a:prstGeom prst="rect">
+              <a:avLst/>
+            </a:prstGeom>
+            <a:solidFill>
+              <a:schemeClr val="tx1">
+                <a:lumMod val="95000"/>
+                <a:lumOff val="5000"/>
+                <a:alpha val="87000"/>
+              </a:schemeClr>
+            </a:solidFill>
+            <a:ln>
+              <a:noFill/>
+            </a:ln>
+          </p:spPr>
+          <p:style>
+            <a:lnRef idx="2">
+              <a:schemeClr val="dk1"/>
+            </a:lnRef>
+            <a:fillRef idx="1">
+              <a:schemeClr val="lt1"/>
+            </a:fillRef>
+            <a:effectRef idx="0">
+              <a:schemeClr val="dk1"/>
+            </a:effectRef>
+            <a:fontRef idx="minor">
+              <a:schemeClr val="dk1"/>
+            </a:fontRef>
+          </p:style>
+          <p:txBody>
+            <a:bodyPr rtlCol="0" anchor="ctr"/>
+            <a:lstStyle/>
+            <a:p>
+              <a:pPr algn="ctr"/>
+              <a:endParaRPr lang="pt-BR" dirty="0"/>
+            </a:p>
+          </p:txBody>
+        </p:sp>
+      </p:grpSp>
+      <p:sp>
+        <p:nvSpPr>
+          <p:cNvPr id="11" name="Retângulo 10"/>
+          <p:cNvSpPr/>
+          <p:nvPr/>
+        </p:nvSpPr>
+        <p:spPr>
+          <a:xfrm>
+            <a:off x="126222" y="198787"/>
+            <a:ext cx="9627378" cy="584775"/>
+          </a:xfrm>
+          <a:prstGeom prst="rect">
+            <a:avLst/>
+          </a:prstGeom>
+          <a:noFill/>
+          <a:effectLst/>
+        </p:spPr>
+        <p:txBody>
+          <a:bodyPr wrap="square" lIns="91440" tIns="45720" rIns="91440" bIns="45720">
+            <a:spAutoFit/>
+          </a:bodyPr>
+          <a:lstStyle/>
+          <a:p>
+            <a:pPr algn="just"/>
+            <a:r>
+              <a:rPr lang="pt-BR" sz="3200" b="1" dirty="0" smtClean="0">
+                <a:ln w="0"/>
+                <a:solidFill>
+                  <a:schemeClr val="bg1"/>
+                </a:solidFill>
+                <a:effectLst>
+                  <a:outerShdw blurRad="38100" dist="19050" dir="2700000" algn="tl" rotWithShape="0">
+                    <a:schemeClr val="dk1">
+                      <a:alpha val="40000"/>
+                    </a:schemeClr>
+                  </a:outerShdw>
+                </a:effectLst>
+                <a:latin typeface="Exo 2 Medium" panose="00000600000000000000" pitchFamily="50" charset="0"/>
+              </a:rPr>
+              <a:t>PROCESSO DE ATENDIMENTO E SUPORTE</a:t>
+            </a:r>
+            <a:endParaRPr lang="pt-BR" sz="3200" b="1" cap="none" spc="0" dirty="0">
+              <a:ln w="0"/>
+              <a:solidFill>
+                <a:schemeClr val="bg1"/>
+              </a:solidFill>
+              <a:effectLst>
+                <a:outerShdw blurRad="38100" dist="19050" dir="2700000" algn="tl" rotWithShape="0">
+                  <a:schemeClr val="dk1">
+                    <a:alpha val="40000"/>
+                  </a:schemeClr>
+                </a:outerShdw>
+              </a:effectLst>
+              <a:latin typeface="Exo 2 Medium" panose="00000600000000000000" pitchFamily="50" charset="0"/>
+            </a:endParaRPr>
+          </a:p>
+        </p:txBody>
+      </p:sp>
+      <p:cxnSp>
+        <p:nvCxnSpPr>
+          <p:cNvPr id="12" name="Conector reto 11">
+            <a:extLst>
+              <a:ext uri="{FF2B5EF4-FFF2-40B4-BE49-F238E27FC236}">
+                <a16:creationId xmlns:a16="http://schemas.microsoft.com/office/drawing/2014/main" id="{6510727C-C843-4D84-A07F-20F37366891D}"/>
+              </a:ext>
+            </a:extLst>
+          </p:cNvPr>
+          <p:cNvCxnSpPr/>
+          <p:nvPr/>
+        </p:nvCxnSpPr>
+        <p:spPr>
+          <a:xfrm>
+            <a:off x="0" y="953059"/>
+            <a:ext cx="6325704" cy="0"/>
+          </a:xfrm>
+          <a:prstGeom prst="line">
+            <a:avLst/>
+          </a:prstGeom>
+          <a:ln>
+            <a:solidFill>
+              <a:schemeClr val="bg1"/>
+            </a:solidFill>
+          </a:ln>
+          <a:effectLst/>
+        </p:spPr>
+        <p:style>
+          <a:lnRef idx="1">
+            <a:schemeClr val="accent1"/>
+          </a:lnRef>
+          <a:fillRef idx="0">
+            <a:schemeClr val="accent1"/>
+          </a:fillRef>
+          <a:effectRef idx="0">
+            <a:schemeClr val="accent1"/>
+          </a:effectRef>
+          <a:fontRef idx="minor">
+            <a:schemeClr val="tx1"/>
+          </a:fontRef>
+        </p:style>
+      </p:cxnSp>
+      <p:pic>
+        <p:nvPicPr>
+          <p:cNvPr id="7" name="Imagem 6"/>
+          <p:cNvPicPr/>
+          <p:nvPr/>
+        </p:nvPicPr>
+        <p:blipFill>
+          <a:blip r:embed="rId4"/>
+          <a:stretch>
+            <a:fillRect/>
+          </a:stretch>
+        </p:blipFill>
+        <p:spPr>
+          <a:xfrm>
+            <a:off x="298061" y="1122557"/>
+            <a:ext cx="11595878" cy="5565749"/>
           </a:xfrm>
           <a:prstGeom prst="rect">
             <a:avLst/>
@@ -6214,7 +9882,7 @@
     </p:spTree>
     <p:extLst>
       <p:ext uri="{BB962C8B-B14F-4D97-AF65-F5344CB8AC3E}">
-        <p14:creationId xmlns:p14="http://schemas.microsoft.com/office/powerpoint/2010/main" val="1829066801"/>
+        <p14:creationId xmlns:p14="http://schemas.microsoft.com/office/powerpoint/2010/main" val="3687551961"/>
       </p:ext>
     </p:extLst>
   </p:cSld>
@@ -6693,6 +10361,296 @@
 </p:sld>
 </file>
 
+<file path=ppt/slides/slide20.xml><?xml version="1.0" encoding="utf-8"?>
+<p:sld xmlns:a="http://schemas.openxmlformats.org/drawingml/2006/main" xmlns:r="http://schemas.openxmlformats.org/officeDocument/2006/relationships" xmlns:p="http://schemas.openxmlformats.org/presentationml/2006/main">
+  <p:cSld>
+    <p:spTree>
+      <p:nvGrpSpPr>
+        <p:cNvPr id="1" name=""/>
+        <p:cNvGrpSpPr/>
+        <p:nvPr/>
+      </p:nvGrpSpPr>
+      <p:grpSpPr>
+        <a:xfrm>
+          <a:off x="0" y="0"/>
+          <a:ext cx="0" cy="0"/>
+          <a:chOff x="0" y="0"/>
+          <a:chExt cx="0" cy="0"/>
+        </a:xfrm>
+      </p:grpSpPr>
+      <p:grpSp>
+        <p:nvGrpSpPr>
+          <p:cNvPr id="4" name="Agrupar 3"/>
+          <p:cNvGrpSpPr/>
+          <p:nvPr/>
+        </p:nvGrpSpPr>
+        <p:grpSpPr>
+          <a:xfrm>
+            <a:off x="0" y="-5907"/>
+            <a:ext cx="12192000" cy="6863907"/>
+            <a:chOff x="0" y="0"/>
+            <a:chExt cx="12192000" cy="6863907"/>
+          </a:xfrm>
+        </p:grpSpPr>
+        <p:pic>
+          <p:nvPicPr>
+            <p:cNvPr id="5" name="Picture 22" descr="http://www.correiodoestadoonline.com.br/arquivos/noticias/3.png"/>
+            <p:cNvPicPr>
+              <a:picLocks noChangeAspect="1" noChangeArrowheads="1"/>
+            </p:cNvPicPr>
+            <p:nvPr/>
+          </p:nvPicPr>
+          <p:blipFill>
+            <a:blip r:embed="rId2">
+              <a:extLst>
+                <a:ext uri="{BEBA8EAE-BF5A-486C-A8C5-ECC9F3942E4B}">
+                  <a14:imgProps xmlns:a14="http://schemas.microsoft.com/office/drawing/2010/main">
+                    <a14:imgLayer r:embed="rId3">
+                      <a14:imgEffect>
+                        <a14:sharpenSoften amount="-80000"/>
+                      </a14:imgEffect>
+                      <a14:imgEffect>
+                        <a14:brightnessContrast bright="-46000"/>
+                      </a14:imgEffect>
+                    </a14:imgLayer>
+                  </a14:imgProps>
+                </a:ext>
+                <a:ext uri="{28A0092B-C50C-407E-A947-70E740481C1C}">
+                  <a14:useLocalDpi xmlns:a14="http://schemas.microsoft.com/office/drawing/2010/main" val="0"/>
+                </a:ext>
+              </a:extLst>
+            </a:blip>
+            <a:srcRect/>
+            <a:stretch>
+              <a:fillRect/>
+            </a:stretch>
+          </p:blipFill>
+          <p:spPr bwMode="auto">
+            <a:xfrm>
+              <a:off x="0" y="0"/>
+              <a:ext cx="12192000" cy="6863907"/>
+            </a:xfrm>
+            <a:prstGeom prst="rect">
+              <a:avLst/>
+            </a:prstGeom>
+            <a:noFill/>
+          </p:spPr>
+        </p:pic>
+        <p:sp>
+          <p:nvSpPr>
+            <p:cNvPr id="6" name="Retângulo 5"/>
+            <p:cNvSpPr/>
+            <p:nvPr/>
+          </p:nvSpPr>
+          <p:spPr>
+            <a:xfrm>
+              <a:off x="0" y="5907"/>
+              <a:ext cx="12192000" cy="6858000"/>
+            </a:xfrm>
+            <a:prstGeom prst="rect">
+              <a:avLst/>
+            </a:prstGeom>
+            <a:solidFill>
+              <a:schemeClr val="tx1">
+                <a:lumMod val="95000"/>
+                <a:lumOff val="5000"/>
+                <a:alpha val="87000"/>
+              </a:schemeClr>
+            </a:solidFill>
+            <a:ln>
+              <a:noFill/>
+            </a:ln>
+          </p:spPr>
+          <p:style>
+            <a:lnRef idx="2">
+              <a:schemeClr val="dk1"/>
+            </a:lnRef>
+            <a:fillRef idx="1">
+              <a:schemeClr val="lt1"/>
+            </a:fillRef>
+            <a:effectRef idx="0">
+              <a:schemeClr val="dk1"/>
+            </a:effectRef>
+            <a:fontRef idx="minor">
+              <a:schemeClr val="dk1"/>
+            </a:fontRef>
+          </p:style>
+          <p:txBody>
+            <a:bodyPr rtlCol="0" anchor="ctr"/>
+            <a:lstStyle/>
+            <a:p>
+              <a:pPr algn="ctr"/>
+              <a:endParaRPr lang="pt-BR" dirty="0"/>
+            </a:p>
+          </p:txBody>
+        </p:sp>
+      </p:grpSp>
+      <p:sp>
+        <p:nvSpPr>
+          <p:cNvPr id="11" name="Retângulo 10"/>
+          <p:cNvSpPr/>
+          <p:nvPr/>
+        </p:nvSpPr>
+        <p:spPr>
+          <a:xfrm>
+            <a:off x="126222" y="198787"/>
+            <a:ext cx="9627378" cy="584775"/>
+          </a:xfrm>
+          <a:prstGeom prst="rect">
+            <a:avLst/>
+          </a:prstGeom>
+          <a:noFill/>
+          <a:effectLst/>
+        </p:spPr>
+        <p:txBody>
+          <a:bodyPr wrap="square" lIns="91440" tIns="45720" rIns="91440" bIns="45720">
+            <a:spAutoFit/>
+          </a:bodyPr>
+          <a:lstStyle/>
+          <a:p>
+            <a:pPr algn="just"/>
+            <a:r>
+              <a:rPr lang="pt-BR" sz="3200" b="1" dirty="0" smtClean="0">
+                <a:ln w="0"/>
+                <a:solidFill>
+                  <a:schemeClr val="bg1"/>
+                </a:solidFill>
+                <a:effectLst>
+                  <a:outerShdw blurRad="38100" dist="19050" dir="2700000" algn="tl" rotWithShape="0">
+                    <a:schemeClr val="dk1">
+                      <a:alpha val="40000"/>
+                    </a:schemeClr>
+                  </a:outerShdw>
+                </a:effectLst>
+                <a:latin typeface="Exo 2 Medium" panose="00000600000000000000" pitchFamily="50" charset="0"/>
+              </a:rPr>
+              <a:t>FERRAMENTA DE HELPDESK</a:t>
+            </a:r>
+            <a:endParaRPr lang="pt-BR" sz="3200" b="1" cap="none" spc="0" dirty="0">
+              <a:ln w="0"/>
+              <a:solidFill>
+                <a:schemeClr val="bg1"/>
+              </a:solidFill>
+              <a:effectLst>
+                <a:outerShdw blurRad="38100" dist="19050" dir="2700000" algn="tl" rotWithShape="0">
+                  <a:schemeClr val="dk1">
+                    <a:alpha val="40000"/>
+                  </a:schemeClr>
+                </a:outerShdw>
+              </a:effectLst>
+              <a:latin typeface="Exo 2 Medium" panose="00000600000000000000" pitchFamily="50" charset="0"/>
+            </a:endParaRPr>
+          </a:p>
+        </p:txBody>
+      </p:sp>
+      <p:cxnSp>
+        <p:nvCxnSpPr>
+          <p:cNvPr id="12" name="Conector reto 11">
+            <a:extLst>
+              <a:ext uri="{FF2B5EF4-FFF2-40B4-BE49-F238E27FC236}">
+                <a16:creationId xmlns:a16="http://schemas.microsoft.com/office/drawing/2014/main" id="{6510727C-C843-4D84-A07F-20F37366891D}"/>
+              </a:ext>
+            </a:extLst>
+          </p:cNvPr>
+          <p:cNvCxnSpPr/>
+          <p:nvPr/>
+        </p:nvCxnSpPr>
+        <p:spPr>
+          <a:xfrm>
+            <a:off x="0" y="953059"/>
+            <a:ext cx="6325704" cy="0"/>
+          </a:xfrm>
+          <a:prstGeom prst="line">
+            <a:avLst/>
+          </a:prstGeom>
+          <a:ln>
+            <a:solidFill>
+              <a:schemeClr val="bg1"/>
+            </a:solidFill>
+          </a:ln>
+          <a:effectLst/>
+        </p:spPr>
+        <p:style>
+          <a:lnRef idx="1">
+            <a:schemeClr val="accent1"/>
+          </a:lnRef>
+          <a:fillRef idx="0">
+            <a:schemeClr val="accent1"/>
+          </a:fillRef>
+          <a:effectRef idx="0">
+            <a:schemeClr val="accent1"/>
+          </a:effectRef>
+          <a:fontRef idx="minor">
+            <a:schemeClr val="tx1"/>
+          </a:fontRef>
+        </p:style>
+      </p:cxnSp>
+      <p:sp>
+        <p:nvSpPr>
+          <p:cNvPr id="8" name="Elipse 7"/>
+          <p:cNvSpPr/>
+          <p:nvPr/>
+        </p:nvSpPr>
+        <p:spPr>
+          <a:xfrm>
+            <a:off x="1162350" y="2057400"/>
+            <a:ext cx="3644106" cy="3644106"/>
+          </a:xfrm>
+          <a:prstGeom prst="ellipse">
+            <a:avLst/>
+          </a:prstGeom>
+          <a:solidFill>
+            <a:schemeClr val="bg1"/>
+          </a:solidFill>
+          <a:ln>
+            <a:noFill/>
+          </a:ln>
+          <a:effectLst>
+            <a:outerShdw blurRad="50800" dist="38100" dir="2700000" algn="tl" rotWithShape="0">
+              <a:prstClr val="black">
+                <a:alpha val="40000"/>
+              </a:prstClr>
+            </a:outerShdw>
+          </a:effectLst>
+        </p:spPr>
+        <p:style>
+          <a:lnRef idx="2">
+            <a:schemeClr val="accent1">
+              <a:shade val="50000"/>
+            </a:schemeClr>
+          </a:lnRef>
+          <a:fillRef idx="1">
+            <a:schemeClr val="accent1"/>
+          </a:fillRef>
+          <a:effectRef idx="0">
+            <a:schemeClr val="accent1"/>
+          </a:effectRef>
+          <a:fontRef idx="minor">
+            <a:schemeClr val="lt1"/>
+          </a:fontRef>
+        </p:style>
+        <p:txBody>
+          <a:bodyPr rtlCol="0" anchor="ctr"/>
+          <a:lstStyle/>
+          <a:p>
+            <a:pPr algn="ctr"/>
+            <a:endParaRPr lang="pt-BR" dirty="0"/>
+          </a:p>
+        </p:txBody>
+      </p:sp>
+    </p:spTree>
+    <p:extLst>
+      <p:ext uri="{BB962C8B-B14F-4D97-AF65-F5344CB8AC3E}">
+        <p14:creationId xmlns:p14="http://schemas.microsoft.com/office/powerpoint/2010/main" val="3265584272"/>
+      </p:ext>
+    </p:extLst>
+  </p:cSld>
+  <p:clrMapOvr>
+    <a:masterClrMapping/>
+  </p:clrMapOvr>
+</p:sld>
+</file>
+
 <file path=ppt/slides/slide3.xml><?xml version="1.0" encoding="utf-8"?>
 <p:sld xmlns:a="http://schemas.openxmlformats.org/drawingml/2006/main" xmlns:r="http://schemas.openxmlformats.org/officeDocument/2006/relationships" xmlns:p="http://schemas.openxmlformats.org/presentationml/2006/main">
   <p:cSld>
@@ -6802,16 +10760,161 @@
           </a:p>
         </p:txBody>
       </p:sp>
+      <p:grpSp>
+        <p:nvGrpSpPr>
+          <p:cNvPr id="2" name="Agrupar 1"/>
+          <p:cNvGrpSpPr/>
+          <p:nvPr/>
+        </p:nvGrpSpPr>
+        <p:grpSpPr>
+          <a:xfrm>
+            <a:off x="1162350" y="2057400"/>
+            <a:ext cx="3644106" cy="3644106"/>
+            <a:chOff x="1251250" y="1804754"/>
+            <a:chExt cx="4353952" cy="4353952"/>
+          </a:xfrm>
+        </p:grpSpPr>
+        <p:sp>
+          <p:nvSpPr>
+            <p:cNvPr id="10" name="Elipse 9"/>
+            <p:cNvSpPr/>
+            <p:nvPr/>
+          </p:nvSpPr>
+          <p:spPr>
+            <a:xfrm>
+              <a:off x="1251250" y="1804754"/>
+              <a:ext cx="4353952" cy="4353952"/>
+            </a:xfrm>
+            <a:prstGeom prst="ellipse">
+              <a:avLst/>
+            </a:prstGeom>
+            <a:solidFill>
+              <a:schemeClr val="bg1"/>
+            </a:solidFill>
+            <a:ln>
+              <a:noFill/>
+            </a:ln>
+            <a:effectLst>
+              <a:outerShdw blurRad="50800" dist="38100" dir="2700000" algn="tl" rotWithShape="0">
+                <a:prstClr val="black">
+                  <a:alpha val="40000"/>
+                </a:prstClr>
+              </a:outerShdw>
+            </a:effectLst>
+          </p:spPr>
+          <p:style>
+            <a:lnRef idx="2">
+              <a:schemeClr val="accent1">
+                <a:shade val="50000"/>
+              </a:schemeClr>
+            </a:lnRef>
+            <a:fillRef idx="1">
+              <a:schemeClr val="accent1"/>
+            </a:fillRef>
+            <a:effectRef idx="0">
+              <a:schemeClr val="accent1"/>
+            </a:effectRef>
+            <a:fontRef idx="minor">
+              <a:schemeClr val="lt1"/>
+            </a:fontRef>
+          </p:style>
+          <p:txBody>
+            <a:bodyPr rtlCol="0" anchor="ctr"/>
+            <a:lstStyle/>
+            <a:p>
+              <a:pPr algn="ctr"/>
+              <a:endParaRPr lang="pt-BR" dirty="0"/>
+            </a:p>
+          </p:txBody>
+        </p:sp>
+        <p:pic>
+          <p:nvPicPr>
+            <p:cNvPr id="1026" name="Picture 2" descr="Imagem relacionada"/>
+            <p:cNvPicPr>
+              <a:picLocks noChangeAspect="1" noChangeArrowheads="1"/>
+            </p:cNvPicPr>
+            <p:nvPr/>
+          </p:nvPicPr>
+          <p:blipFill rotWithShape="1">
+            <a:blip r:embed="rId4" cstate="print">
+              <a:extLst>
+                <a:ext uri="{BEBA8EAE-BF5A-486C-A8C5-ECC9F3942E4B}">
+                  <a14:imgProps xmlns:a14="http://schemas.microsoft.com/office/drawing/2010/main">
+                    <a14:imgLayer r:embed="rId5">
+                      <a14:imgEffect>
+                        <a14:backgroundRemoval t="916" b="89929" l="6894" r="95356"/>
+                      </a14:imgEffect>
+                    </a14:imgLayer>
+                  </a14:imgProps>
+                </a:ext>
+                <a:ext uri="{28A0092B-C50C-407E-A947-70E740481C1C}">
+                  <a14:useLocalDpi xmlns:a14="http://schemas.microsoft.com/office/drawing/2010/main" val="0"/>
+                </a:ext>
+              </a:extLst>
+            </a:blip>
+            <a:srcRect l="9235" t="2389" r="6849" b="18259"/>
+            <a:stretch/>
+          </p:blipFill>
+          <p:spPr bwMode="auto">
+            <a:xfrm>
+              <a:off x="1814639" y="2596784"/>
+              <a:ext cx="2363310" cy="1594215"/>
+            </a:xfrm>
+            <a:prstGeom prst="rect">
+              <a:avLst/>
+            </a:prstGeom>
+            <a:noFill/>
+            <a:extLst>
+              <a:ext uri="{909E8E84-426E-40DD-AFC4-6F175D3DCCD1}">
+                <a14:hiddenFill xmlns:a14="http://schemas.microsoft.com/office/drawing/2010/main">
+                  <a:solidFill>
+                    <a:srgbClr val="FFFFFF"/>
+                  </a:solidFill>
+                </a14:hiddenFill>
+              </a:ext>
+            </a:extLst>
+          </p:spPr>
+        </p:pic>
+        <p:pic>
+          <p:nvPicPr>
+            <p:cNvPr id="17" name="Imagem 16"/>
+            <p:cNvPicPr>
+              <a:picLocks noChangeAspect="1"/>
+            </p:cNvPicPr>
+            <p:nvPr/>
+          </p:nvPicPr>
+          <p:blipFill rotWithShape="1">
+            <a:blip r:embed="rId6" cstate="print">
+              <a:extLst>
+                <a:ext uri="{28A0092B-C50C-407E-A947-70E740481C1C}">
+                  <a14:useLocalDpi xmlns:a14="http://schemas.microsoft.com/office/drawing/2010/main" val="0"/>
+                </a:ext>
+              </a:extLst>
+            </a:blip>
+            <a:srcRect l="6715" t="9335" r="10598" b="11235"/>
+            <a:stretch/>
+          </p:blipFill>
+          <p:spPr>
+            <a:xfrm>
+              <a:off x="2907004" y="3382599"/>
+              <a:ext cx="1921071" cy="1845399"/>
+            </a:xfrm>
+            <a:prstGeom prst="rect">
+              <a:avLst/>
+            </a:prstGeom>
+          </p:spPr>
+        </p:pic>
+      </p:grpSp>
       <p:sp>
         <p:nvSpPr>
-          <p:cNvPr id="6" name="Retângulo 5"/>
+          <p:cNvPr id="9" name="Retângulo 8"/>
           <p:cNvSpPr/>
           <p:nvPr/>
         </p:nvSpPr>
         <p:spPr>
           <a:xfrm>
             <a:off x="126222" y="198787"/>
-            <a:ext cx="3302004" cy="707886"/>
+            <a:ext cx="9627378" cy="584775"/>
           </a:xfrm>
           <a:prstGeom prst="rect">
             <a:avLst/>
@@ -6827,7 +10930,7 @@
           <a:p>
             <a:pPr algn="just"/>
             <a:r>
-              <a:rPr lang="pt-BR" sz="4000" b="1" cap="none" spc="0" dirty="0" smtClean="0">
+              <a:rPr lang="pt-BR" sz="3200" b="1" dirty="0" smtClean="0">
                 <a:ln w="0"/>
                 <a:solidFill>
                   <a:schemeClr val="bg1"/>
@@ -6843,7 +10946,7 @@
               </a:rPr>
               <a:t>CONTEXTO</a:t>
             </a:r>
-            <a:endParaRPr lang="pt-BR" sz="4000" b="1" cap="none" spc="0" dirty="0">
+            <a:endParaRPr lang="pt-BR" sz="3200" b="1" cap="none" spc="0" dirty="0">
               <a:ln w="0"/>
               <a:solidFill>
                 <a:schemeClr val="bg1"/>
@@ -6862,7 +10965,7 @@
       </p:sp>
       <p:cxnSp>
         <p:nvCxnSpPr>
-          <p:cNvPr id="7" name="Conector reto 6">
+          <p:cNvPr id="11" name="Conector reto 10">
             <a:extLst>
               <a:ext uri="{FF2B5EF4-FFF2-40B4-BE49-F238E27FC236}">
                 <a16:creationId xmlns:a16="http://schemas.microsoft.com/office/drawing/2014/main" id="{6510727C-C843-4D84-A07F-20F37366891D}"/>
@@ -6874,7 +10977,7 @@
         </p:nvCxnSpPr>
         <p:spPr>
           <a:xfrm>
-            <a:off x="0" y="1105459"/>
+            <a:off x="0" y="953059"/>
             <a:ext cx="6325704" cy="0"/>
           </a:xfrm>
           <a:prstGeom prst="line">
@@ -6902,140 +11005,10 @@
           </a:fontRef>
         </p:style>
       </p:cxnSp>
-      <p:sp>
-        <p:nvSpPr>
-          <p:cNvPr id="10" name="Elipse 9"/>
-          <p:cNvSpPr/>
-          <p:nvPr/>
-        </p:nvSpPr>
-        <p:spPr>
-          <a:xfrm>
-            <a:off x="1251250" y="1804754"/>
-            <a:ext cx="4353952" cy="4353952"/>
-          </a:xfrm>
-          <a:prstGeom prst="ellipse">
-            <a:avLst/>
-          </a:prstGeom>
-          <a:solidFill>
-            <a:schemeClr val="bg1"/>
-          </a:solidFill>
-          <a:ln>
-            <a:noFill/>
-          </a:ln>
-          <a:effectLst>
-            <a:outerShdw blurRad="50800" dist="38100" dir="2700000" algn="tl" rotWithShape="0">
-              <a:prstClr val="black">
-                <a:alpha val="40000"/>
-              </a:prstClr>
-            </a:outerShdw>
-          </a:effectLst>
-        </p:spPr>
-        <p:style>
-          <a:lnRef idx="2">
-            <a:schemeClr val="accent1">
-              <a:shade val="50000"/>
-            </a:schemeClr>
-          </a:lnRef>
-          <a:fillRef idx="1">
-            <a:schemeClr val="accent1"/>
-          </a:fillRef>
-          <a:effectRef idx="0">
-            <a:schemeClr val="accent1"/>
-          </a:effectRef>
-          <a:fontRef idx="minor">
-            <a:schemeClr val="lt1"/>
-          </a:fontRef>
-        </p:style>
-        <p:txBody>
-          <a:bodyPr rtlCol="0" anchor="ctr"/>
-          <a:lstStyle/>
-          <a:p>
-            <a:pPr algn="ctr"/>
-            <a:endParaRPr lang="pt-BR" dirty="0"/>
-          </a:p>
-        </p:txBody>
-      </p:sp>
-      <p:pic>
-        <p:nvPicPr>
-          <p:cNvPr id="1026" name="Picture 2" descr="Imagem relacionada"/>
-          <p:cNvPicPr>
-            <a:picLocks noChangeAspect="1" noChangeArrowheads="1"/>
-          </p:cNvPicPr>
-          <p:nvPr/>
-        </p:nvPicPr>
-        <p:blipFill rotWithShape="1">
-          <a:blip r:embed="rId4" cstate="print">
-            <a:extLst>
-              <a:ext uri="{BEBA8EAE-BF5A-486C-A8C5-ECC9F3942E4B}">
-                <a14:imgProps xmlns:a14="http://schemas.microsoft.com/office/drawing/2010/main">
-                  <a14:imgLayer r:embed="rId5">
-                    <a14:imgEffect>
-                      <a14:backgroundRemoval t="916" b="89929" l="6894" r="95356"/>
-                    </a14:imgEffect>
-                  </a14:imgLayer>
-                </a14:imgProps>
-              </a:ext>
-              <a:ext uri="{28A0092B-C50C-407E-A947-70E740481C1C}">
-                <a14:useLocalDpi xmlns:a14="http://schemas.microsoft.com/office/drawing/2010/main" val="0"/>
-              </a:ext>
-            </a:extLst>
-          </a:blip>
-          <a:srcRect l="9235" t="2389" r="6849" b="18259"/>
-          <a:stretch/>
-        </p:blipFill>
-        <p:spPr bwMode="auto">
-          <a:xfrm>
-            <a:off x="1814639" y="2596784"/>
-            <a:ext cx="2363310" cy="1594215"/>
-          </a:xfrm>
-          <a:prstGeom prst="rect">
-            <a:avLst/>
-          </a:prstGeom>
-          <a:noFill/>
-          <a:extLst>
-            <a:ext uri="{909E8E84-426E-40DD-AFC4-6F175D3DCCD1}">
-              <a14:hiddenFill xmlns:a14="http://schemas.microsoft.com/office/drawing/2010/main">
-                <a:solidFill>
-                  <a:srgbClr val="FFFFFF"/>
-                </a:solidFill>
-              </a14:hiddenFill>
-            </a:ext>
-          </a:extLst>
-        </p:spPr>
-      </p:pic>
-      <p:pic>
-        <p:nvPicPr>
-          <p:cNvPr id="17" name="Imagem 16"/>
-          <p:cNvPicPr>
-            <a:picLocks noChangeAspect="1"/>
-          </p:cNvPicPr>
-          <p:nvPr/>
-        </p:nvPicPr>
-        <p:blipFill rotWithShape="1">
-          <a:blip r:embed="rId6" cstate="print">
-            <a:extLst>
-              <a:ext uri="{28A0092B-C50C-407E-A947-70E740481C1C}">
-                <a14:useLocalDpi xmlns:a14="http://schemas.microsoft.com/office/drawing/2010/main" val="0"/>
-              </a:ext>
-            </a:extLst>
-          </a:blip>
-          <a:srcRect l="6715" t="9335" r="10598" b="11235"/>
-          <a:stretch/>
-        </p:blipFill>
-        <p:spPr>
-          <a:xfrm>
-            <a:off x="2907004" y="3382599"/>
-            <a:ext cx="1921071" cy="1845399"/>
-          </a:xfrm>
-          <a:prstGeom prst="rect">
-            <a:avLst/>
-          </a:prstGeom>
-        </p:spPr>
-      </p:pic>
     </p:spTree>
     <p:extLst>
       <p:ext uri="{BB962C8B-B14F-4D97-AF65-F5344CB8AC3E}">
-        <p14:creationId xmlns:p14="http://schemas.microsoft.com/office/powerpoint/2010/main" val="1139684214"/>
+        <p14:creationId xmlns:p14="http://schemas.microsoft.com/office/powerpoint/2010/main" val="673474258"/>
       </p:ext>
     </p:extLst>
   </p:cSld>
@@ -7171,14 +11144,14 @@
       </p:sp>
       <p:sp>
         <p:nvSpPr>
-          <p:cNvPr id="6" name="Retângulo 5"/>
+          <p:cNvPr id="9" name="Retângulo 8"/>
           <p:cNvSpPr/>
           <p:nvPr/>
         </p:nvSpPr>
         <p:spPr>
           <a:xfrm>
             <a:off x="126222" y="198787"/>
-            <a:ext cx="6985778" cy="707886"/>
+            <a:ext cx="9627378" cy="584775"/>
           </a:xfrm>
           <a:prstGeom prst="rect">
             <a:avLst/>
@@ -7194,7 +11167,7 @@
           <a:p>
             <a:pPr algn="just"/>
             <a:r>
-              <a:rPr lang="pt-BR" sz="4000" b="1" cap="none" spc="0" dirty="0" smtClean="0">
+              <a:rPr lang="pt-BR" sz="3200" b="1" cap="none" spc="0" dirty="0" smtClean="0">
                 <a:ln w="0"/>
                 <a:solidFill>
                   <a:schemeClr val="bg1"/>
@@ -7210,7 +11183,7 @@
               </a:rPr>
               <a:t>JUSTIFICATIVA</a:t>
             </a:r>
-            <a:endParaRPr lang="pt-BR" sz="4000" b="1" cap="none" spc="0" dirty="0">
+            <a:endParaRPr lang="pt-BR" sz="3200" b="1" cap="none" spc="0" dirty="0">
               <a:ln w="0"/>
               <a:solidFill>
                 <a:schemeClr val="bg1"/>
@@ -7229,7 +11202,7 @@
       </p:sp>
       <p:cxnSp>
         <p:nvCxnSpPr>
-          <p:cNvPr id="7" name="Conector reto 6">
+          <p:cNvPr id="11" name="Conector reto 10">
             <a:extLst>
               <a:ext uri="{FF2B5EF4-FFF2-40B4-BE49-F238E27FC236}">
                 <a16:creationId xmlns:a16="http://schemas.microsoft.com/office/drawing/2014/main" id="{6510727C-C843-4D84-A07F-20F37366891D}"/>
@@ -7241,7 +11214,7 @@
         </p:nvCxnSpPr>
         <p:spPr>
           <a:xfrm>
-            <a:off x="0" y="1105459"/>
+            <a:off x="0" y="953059"/>
             <a:ext cx="6325704" cy="0"/>
           </a:xfrm>
           <a:prstGeom prst="line">
@@ -7269,104 +11242,119 @@
           </a:fontRef>
         </p:style>
       </p:cxnSp>
-      <p:sp>
-        <p:nvSpPr>
-          <p:cNvPr id="10" name="Elipse 9"/>
-          <p:cNvSpPr/>
+      <p:grpSp>
+        <p:nvGrpSpPr>
+          <p:cNvPr id="5" name="Agrupar 4"/>
+          <p:cNvGrpSpPr/>
           <p:nvPr/>
-        </p:nvSpPr>
-        <p:spPr>
-          <a:xfrm>
-            <a:off x="1251250" y="1804754"/>
-            <a:ext cx="4353952" cy="4353952"/>
-          </a:xfrm>
-          <a:prstGeom prst="ellipse">
-            <a:avLst/>
-          </a:prstGeom>
-          <a:solidFill>
-            <a:schemeClr val="bg1"/>
-          </a:solidFill>
-          <a:ln>
+        </p:nvGrpSpPr>
+        <p:grpSpPr>
+          <a:xfrm>
+            <a:off x="1162350" y="2057400"/>
+            <a:ext cx="3644106" cy="3644106"/>
+            <a:chOff x="1162350" y="2057400"/>
+            <a:chExt cx="3644106" cy="3644106"/>
+          </a:xfrm>
+        </p:grpSpPr>
+        <p:sp>
+          <p:nvSpPr>
+            <p:cNvPr id="10" name="Elipse 9"/>
+            <p:cNvSpPr/>
+            <p:nvPr/>
+          </p:nvSpPr>
+          <p:spPr>
+            <a:xfrm>
+              <a:off x="1162350" y="2057400"/>
+              <a:ext cx="3644106" cy="3644106"/>
+            </a:xfrm>
+            <a:prstGeom prst="ellipse">
+              <a:avLst/>
+            </a:prstGeom>
+            <a:solidFill>
+              <a:schemeClr val="bg1"/>
+            </a:solidFill>
+            <a:ln>
+              <a:noFill/>
+            </a:ln>
+            <a:effectLst>
+              <a:outerShdw blurRad="50800" dist="38100" dir="2700000" algn="tl" rotWithShape="0">
+                <a:prstClr val="black">
+                  <a:alpha val="40000"/>
+                </a:prstClr>
+              </a:outerShdw>
+            </a:effectLst>
+          </p:spPr>
+          <p:style>
+            <a:lnRef idx="2">
+              <a:schemeClr val="accent1">
+                <a:shade val="50000"/>
+              </a:schemeClr>
+            </a:lnRef>
+            <a:fillRef idx="1">
+              <a:schemeClr val="accent1"/>
+            </a:fillRef>
+            <a:effectRef idx="0">
+              <a:schemeClr val="accent1"/>
+            </a:effectRef>
+            <a:fontRef idx="minor">
+              <a:schemeClr val="lt1"/>
+            </a:fontRef>
+          </p:style>
+          <p:txBody>
+            <a:bodyPr rtlCol="0" anchor="ctr"/>
+            <a:lstStyle/>
+            <a:p>
+              <a:pPr algn="ctr"/>
+              <a:endParaRPr lang="pt-BR" dirty="0"/>
+            </a:p>
+          </p:txBody>
+        </p:sp>
+        <p:pic>
+          <p:nvPicPr>
+            <p:cNvPr id="12" name="Picture 2" descr="Resultado de imagem para MONEY vector"/>
+            <p:cNvPicPr>
+              <a:picLocks noChangeAspect="1" noChangeArrowheads="1"/>
+            </p:cNvPicPr>
+            <p:nvPr/>
+          </p:nvPicPr>
+          <p:blipFill>
+            <a:blip r:embed="rId4">
+              <a:extLst>
+                <a:ext uri="{28A0092B-C50C-407E-A947-70E740481C1C}">
+                  <a14:useLocalDpi xmlns:a14="http://schemas.microsoft.com/office/drawing/2010/main" val="0"/>
+                </a:ext>
+              </a:extLst>
+            </a:blip>
+            <a:srcRect/>
+            <a:stretch>
+              <a:fillRect/>
+            </a:stretch>
+          </p:blipFill>
+          <p:spPr bwMode="auto">
+            <a:xfrm>
+              <a:off x="1699550" y="2616200"/>
+              <a:ext cx="2576459" cy="2576460"/>
+            </a:xfrm>
+            <a:prstGeom prst="rect">
+              <a:avLst/>
+            </a:prstGeom>
             <a:noFill/>
-          </a:ln>
-          <a:effectLst>
-            <a:outerShdw blurRad="50800" dist="38100" dir="2700000" algn="tl" rotWithShape="0">
-              <a:prstClr val="black">
-                <a:alpha val="40000"/>
-              </a:prstClr>
-            </a:outerShdw>
-          </a:effectLst>
-        </p:spPr>
-        <p:style>
-          <a:lnRef idx="2">
-            <a:schemeClr val="accent1">
-              <a:shade val="50000"/>
-            </a:schemeClr>
-          </a:lnRef>
-          <a:fillRef idx="1">
-            <a:schemeClr val="accent1"/>
-          </a:fillRef>
-          <a:effectRef idx="0">
-            <a:schemeClr val="accent1"/>
-          </a:effectRef>
-          <a:fontRef idx="minor">
-            <a:schemeClr val="lt1"/>
-          </a:fontRef>
-        </p:style>
-        <p:txBody>
-          <a:bodyPr rtlCol="0" anchor="ctr"/>
-          <a:lstStyle/>
-          <a:p>
-            <a:pPr algn="ctr"/>
-            <a:endParaRPr lang="pt-BR" dirty="0"/>
-          </a:p>
-        </p:txBody>
-      </p:sp>
-      <p:pic>
-        <p:nvPicPr>
-          <p:cNvPr id="2050" name="Picture 2" descr="Resultado de imagem para MONEY vector"/>
-          <p:cNvPicPr>
-            <a:picLocks noChangeAspect="1" noChangeArrowheads="1"/>
-          </p:cNvPicPr>
-          <p:nvPr/>
-        </p:nvPicPr>
-        <p:blipFill>
-          <a:blip r:embed="rId4">
             <a:extLst>
-              <a:ext uri="{28A0092B-C50C-407E-A947-70E740481C1C}">
-                <a14:useLocalDpi xmlns:a14="http://schemas.microsoft.com/office/drawing/2010/main" val="0"/>
+              <a:ext uri="{909E8E84-426E-40DD-AFC4-6F175D3DCCD1}">
+                <a14:hiddenFill xmlns:a14="http://schemas.microsoft.com/office/drawing/2010/main">
+                  <a:solidFill>
+                    <a:srgbClr val="FFFFFF"/>
+                  </a:solidFill>
+                </a14:hiddenFill>
               </a:ext>
             </a:extLst>
-          </a:blip>
-          <a:srcRect/>
-          <a:stretch>
-            <a:fillRect/>
-          </a:stretch>
-        </p:blipFill>
-        <p:spPr bwMode="auto">
-          <a:xfrm>
-            <a:off x="1864650" y="2421107"/>
-            <a:ext cx="3127152" cy="3127153"/>
-          </a:xfrm>
-          <a:prstGeom prst="rect">
-            <a:avLst/>
-          </a:prstGeom>
-          <a:noFill/>
-          <a:extLst>
-            <a:ext uri="{909E8E84-426E-40DD-AFC4-6F175D3DCCD1}">
-              <a14:hiddenFill xmlns:a14="http://schemas.microsoft.com/office/drawing/2010/main">
-                <a:solidFill>
-                  <a:srgbClr val="FFFFFF"/>
-                </a:solidFill>
-              </a14:hiddenFill>
-            </a:ext>
-          </a:extLst>
-        </p:spPr>
-      </p:pic>
+          </p:spPr>
+        </p:pic>
+      </p:grpSp>
     </p:spTree>
     <p:extLst>
       <p:ext uri="{BB962C8B-B14F-4D97-AF65-F5344CB8AC3E}">
-        <p14:creationId xmlns:p14="http://schemas.microsoft.com/office/powerpoint/2010/main" val="3876468129"/>
+        <p14:creationId xmlns:p14="http://schemas.microsoft.com/office/powerpoint/2010/main" val="1139684214"/>
       </p:ext>
     </p:extLst>
   </p:cSld>
@@ -7719,12 +11707,16 @@
   <p:clrMapOvr>
     <a:masterClrMapping/>
   </p:clrMapOvr>
-  <mc:AlternateContent xmlns:mc="http://schemas.openxmlformats.org/markup-compatibility/2006" xmlns:p14="http://schemas.microsoft.com/office/powerpoint/2010/main">
-    <mc:Choice Requires="p14">
-      <p:transition p14:dur="0"/>
+  <mc:AlternateContent xmlns:mc="http://schemas.openxmlformats.org/markup-compatibility/2006">
+    <mc:Choice xmlns:p14="http://schemas.microsoft.com/office/powerpoint/2010/main" Requires="p14">
+      <p:transition spd="med" p14:dur="700">
+        <p:fade/>
+      </p:transition>
     </mc:Choice>
-    <mc:Fallback xmlns="">
-      <p:transition/>
+    <mc:Fallback>
+      <p:transition spd="med">
+        <p:fade/>
+      </p:transition>
     </mc:Fallback>
   </mc:AlternateContent>
   <p:timing>

--- a/Apresentação/inSensor.pptx
+++ b/Apresentação/inSensor.pptx
@@ -25,6 +25,9 @@
     <p:sldId id="277" r:id="rId19"/>
     <p:sldId id="278" r:id="rId20"/>
     <p:sldId id="280" r:id="rId21"/>
+    <p:sldId id="281" r:id="rId22"/>
+    <p:sldId id="282" r:id="rId23"/>
+    <p:sldId id="283" r:id="rId24"/>
   </p:sldIdLst>
   <p:sldSz cx="12192000" cy="6858000"/>
   <p:notesSz cx="6858000" cy="9144000"/>
@@ -260,7 +263,7 @@
           <a:p>
             <a:fld id="{1A9BD4CD-1A6A-4953-94B0-D07B000D9A03}" type="datetimeFigureOut">
               <a:rPr lang="pt-BR" smtClean="0"/>
-              <a:t>29/11/2018</a:t>
+              <a:t>30/11/2018</a:t>
             </a:fld>
             <a:endParaRPr lang="pt-BR" dirty="0"/>
           </a:p>
@@ -428,7 +431,7 @@
           <a:p>
             <a:fld id="{1A9BD4CD-1A6A-4953-94B0-D07B000D9A03}" type="datetimeFigureOut">
               <a:rPr lang="pt-BR" smtClean="0"/>
-              <a:t>29/11/2018</a:t>
+              <a:t>30/11/2018</a:t>
             </a:fld>
             <a:endParaRPr lang="pt-BR" dirty="0"/>
           </a:p>
@@ -606,7 +609,7 @@
           <a:p>
             <a:fld id="{1A9BD4CD-1A6A-4953-94B0-D07B000D9A03}" type="datetimeFigureOut">
               <a:rPr lang="pt-BR" smtClean="0"/>
-              <a:t>29/11/2018</a:t>
+              <a:t>30/11/2018</a:t>
             </a:fld>
             <a:endParaRPr lang="pt-BR" dirty="0"/>
           </a:p>
@@ -774,7 +777,7 @@
           <a:p>
             <a:fld id="{1A9BD4CD-1A6A-4953-94B0-D07B000D9A03}" type="datetimeFigureOut">
               <a:rPr lang="pt-BR" smtClean="0"/>
-              <a:t>29/11/2018</a:t>
+              <a:t>30/11/2018</a:t>
             </a:fld>
             <a:endParaRPr lang="pt-BR" dirty="0"/>
           </a:p>
@@ -1019,7 +1022,7 @@
           <a:p>
             <a:fld id="{1A9BD4CD-1A6A-4953-94B0-D07B000D9A03}" type="datetimeFigureOut">
               <a:rPr lang="pt-BR" smtClean="0"/>
-              <a:t>29/11/2018</a:t>
+              <a:t>30/11/2018</a:t>
             </a:fld>
             <a:endParaRPr lang="pt-BR" dirty="0"/>
           </a:p>
@@ -1248,7 +1251,7 @@
           <a:p>
             <a:fld id="{1A9BD4CD-1A6A-4953-94B0-D07B000D9A03}" type="datetimeFigureOut">
               <a:rPr lang="pt-BR" smtClean="0"/>
-              <a:t>29/11/2018</a:t>
+              <a:t>30/11/2018</a:t>
             </a:fld>
             <a:endParaRPr lang="pt-BR" dirty="0"/>
           </a:p>
@@ -1612,7 +1615,7 @@
           <a:p>
             <a:fld id="{1A9BD4CD-1A6A-4953-94B0-D07B000D9A03}" type="datetimeFigureOut">
               <a:rPr lang="pt-BR" smtClean="0"/>
-              <a:t>29/11/2018</a:t>
+              <a:t>30/11/2018</a:t>
             </a:fld>
             <a:endParaRPr lang="pt-BR" dirty="0"/>
           </a:p>
@@ -1729,7 +1732,7 @@
           <a:p>
             <a:fld id="{1A9BD4CD-1A6A-4953-94B0-D07B000D9A03}" type="datetimeFigureOut">
               <a:rPr lang="pt-BR" smtClean="0"/>
-              <a:t>29/11/2018</a:t>
+              <a:t>30/11/2018</a:t>
             </a:fld>
             <a:endParaRPr lang="pt-BR" dirty="0"/>
           </a:p>
@@ -1824,7 +1827,7 @@
           <a:p>
             <a:fld id="{1A9BD4CD-1A6A-4953-94B0-D07B000D9A03}" type="datetimeFigureOut">
               <a:rPr lang="pt-BR" smtClean="0"/>
-              <a:t>29/11/2018</a:t>
+              <a:t>30/11/2018</a:t>
             </a:fld>
             <a:endParaRPr lang="pt-BR" dirty="0"/>
           </a:p>
@@ -2099,7 +2102,7 @@
           <a:p>
             <a:fld id="{1A9BD4CD-1A6A-4953-94B0-D07B000D9A03}" type="datetimeFigureOut">
               <a:rPr lang="pt-BR" smtClean="0"/>
-              <a:t>29/11/2018</a:t>
+              <a:t>30/11/2018</a:t>
             </a:fld>
             <a:endParaRPr lang="pt-BR" dirty="0"/>
           </a:p>
@@ -2351,7 +2354,7 @@
           <a:p>
             <a:fld id="{1A9BD4CD-1A6A-4953-94B0-D07B000D9A03}" type="datetimeFigureOut">
               <a:rPr lang="pt-BR" smtClean="0"/>
-              <a:t>29/11/2018</a:t>
+              <a:t>30/11/2018</a:t>
             </a:fld>
             <a:endParaRPr lang="pt-BR" dirty="0"/>
           </a:p>
@@ -2416,9 +2419,15 @@
 <p:sldMaster xmlns:a="http://schemas.openxmlformats.org/drawingml/2006/main" xmlns:r="http://schemas.openxmlformats.org/officeDocument/2006/relationships" xmlns:p="http://schemas.openxmlformats.org/presentationml/2006/main">
   <p:cSld>
     <p:bg>
-      <p:bgRef idx="1001">
-        <a:schemeClr val="bg1"/>
-      </p:bgRef>
+      <p:bgPr>
+        <a:solidFill>
+          <a:schemeClr val="tx1">
+            <a:lumMod val="95000"/>
+            <a:lumOff val="5000"/>
+          </a:schemeClr>
+        </a:solidFill>
+        <a:effectLst/>
+      </p:bgPr>
     </p:bg>
     <p:spTree>
       <p:nvGrpSpPr>
@@ -2562,7 +2571,7 @@
           <a:p>
             <a:fld id="{1A9BD4CD-1A6A-4953-94B0-D07B000D9A03}" type="datetimeFigureOut">
               <a:rPr lang="pt-BR" smtClean="0"/>
-              <a:t>29/11/2018</a:t>
+              <a:t>30/11/2018</a:t>
             </a:fld>
             <a:endParaRPr lang="pt-BR" dirty="0"/>
           </a:p>
@@ -3641,43 +3650,71 @@
           </a:p>
         </p:txBody>
       </p:sp>
-      <p:pic>
-        <p:nvPicPr>
-          <p:cNvPr id="18" name="Imagem 17">
-            <a:extLst>
-              <a:ext uri="{FF2B5EF4-FFF2-40B4-BE49-F238E27FC236}">
-                <a16:creationId xmlns:a16="http://schemas.microsoft.com/office/drawing/2014/main" id="{FE19BE6A-7136-4270-BC7B-F58B33793FEC}"/>
-              </a:ext>
-            </a:extLst>
-          </p:cNvPr>
-          <p:cNvPicPr>
-            <a:picLocks noChangeAspect="1"/>
-          </p:cNvPicPr>
+      <p:sp>
+        <p:nvSpPr>
+          <p:cNvPr id="17" name="Retângulo 16"/>
+          <p:cNvSpPr/>
           <p:nvPr/>
-        </p:nvPicPr>
-        <p:blipFill>
-          <a:blip r:embed="rId4" cstate="print">
-            <a:extLst>
-              <a:ext uri="{28A0092B-C50C-407E-A947-70E740481C1C}">
-                <a14:useLocalDpi xmlns:a14="http://schemas.microsoft.com/office/drawing/2010/main" val="0"/>
-              </a:ext>
-            </a:extLst>
-          </a:blip>
-          <a:stretch>
-            <a:fillRect/>
-          </a:stretch>
-        </p:blipFill>
+        </p:nvSpPr>
         <p:spPr>
           <a:xfrm>
-            <a:off x="97521" y="1797885"/>
-            <a:ext cx="12094479" cy="3225193"/>
+            <a:off x="10118375" y="103418"/>
+            <a:ext cx="1353256" cy="769441"/>
           </a:xfrm>
           <a:prstGeom prst="rect">
             <a:avLst/>
           </a:prstGeom>
-          <a:effectLst/>
+          <a:noFill/>
         </p:spPr>
-      </p:pic>
+        <p:txBody>
+          <a:bodyPr wrap="none" lIns="91440" tIns="45720" rIns="91440" bIns="45720">
+            <a:spAutoFit/>
+          </a:bodyPr>
+          <a:lstStyle/>
+          <a:p>
+            <a:pPr algn="ctr"/>
+            <a:r>
+              <a:rPr lang="pt-BR" sz="4400" b="1" cap="none" spc="0" dirty="0" smtClean="0">
+                <a:ln w="10160">
+                  <a:solidFill>
+                    <a:srgbClr val="FF0000"/>
+                  </a:solidFill>
+                  <a:prstDash val="solid"/>
+                </a:ln>
+                <a:solidFill>
+                  <a:srgbClr val="FF0000"/>
+                </a:solidFill>
+                <a:effectLst>
+                  <a:outerShdw blurRad="38100" dist="22860" dir="5400000" algn="tl" rotWithShape="0">
+                    <a:srgbClr val="000000">
+                      <a:alpha val="30000"/>
+                    </a:srgbClr>
+                  </a:outerShdw>
+                </a:effectLst>
+              </a:rPr>
+              <a:t>YUDI</a:t>
+            </a:r>
+            <a:endParaRPr lang="pt-BR" sz="4400" b="1" cap="none" spc="0" dirty="0">
+              <a:ln w="10160">
+                <a:solidFill>
+                  <a:srgbClr val="FF0000"/>
+                </a:solidFill>
+                <a:prstDash val="solid"/>
+              </a:ln>
+              <a:solidFill>
+                <a:srgbClr val="FF0000"/>
+              </a:solidFill>
+              <a:effectLst>
+                <a:outerShdw blurRad="38100" dist="22860" dir="5400000" algn="tl" rotWithShape="0">
+                  <a:srgbClr val="000000">
+                    <a:alpha val="30000"/>
+                  </a:srgbClr>
+                </a:outerShdw>
+              </a:effectLst>
+            </a:endParaRPr>
+          </a:p>
+        </p:txBody>
+      </p:sp>
     </p:spTree>
     <p:extLst>
       <p:ext uri="{BB962C8B-B14F-4D97-AF65-F5344CB8AC3E}">
@@ -5565,6 +5602,71 @@
                 </a:outerShdw>
               </a:effectLst>
               <a:latin typeface="Exo 2 Extra Light" panose="00000300000000000000" pitchFamily="50" charset="0"/>
+            </a:endParaRPr>
+          </a:p>
+        </p:txBody>
+      </p:sp>
+      <p:sp>
+        <p:nvSpPr>
+          <p:cNvPr id="44" name="Retângulo 43"/>
+          <p:cNvSpPr/>
+          <p:nvPr/>
+        </p:nvSpPr>
+        <p:spPr>
+          <a:xfrm>
+            <a:off x="9952944" y="103418"/>
+            <a:ext cx="1684115" cy="769441"/>
+          </a:xfrm>
+          <a:prstGeom prst="rect">
+            <a:avLst/>
+          </a:prstGeom>
+          <a:noFill/>
+        </p:spPr>
+        <p:txBody>
+          <a:bodyPr wrap="none" lIns="91440" tIns="45720" rIns="91440" bIns="45720">
+            <a:spAutoFit/>
+          </a:bodyPr>
+          <a:lstStyle/>
+          <a:p>
+            <a:pPr algn="ctr"/>
+            <a:r>
+              <a:rPr lang="pt-BR" sz="4400" b="1" cap="none" spc="0" dirty="0" smtClean="0">
+                <a:ln w="10160">
+                  <a:solidFill>
+                    <a:schemeClr val="accent6"/>
+                  </a:solidFill>
+                  <a:prstDash val="solid"/>
+                </a:ln>
+                <a:solidFill>
+                  <a:schemeClr val="accent6"/>
+                </a:solidFill>
+                <a:effectLst>
+                  <a:outerShdw blurRad="38100" dist="22860" dir="5400000" algn="tl" rotWithShape="0">
+                    <a:srgbClr val="000000">
+                      <a:alpha val="30000"/>
+                    </a:srgbClr>
+                  </a:outerShdw>
+                </a:effectLst>
+              </a:rPr>
+              <a:t>LUCAS</a:t>
+            </a:r>
+            <a:endParaRPr lang="pt-BR" sz="4400" b="1" cap="none" spc="0" dirty="0">
+              <a:ln w="10160">
+                <a:solidFill>
+                  <a:schemeClr val="accent6"/>
+                </a:solidFill>
+                <a:prstDash val="solid"/>
+              </a:ln>
+              <a:solidFill>
+                <a:schemeClr val="accent6"/>
+              </a:solidFill>
+              <a:effectLst>
+                <a:outerShdw blurRad="38100" dist="22860" dir="5400000" algn="tl" rotWithShape="0">
+                  <a:srgbClr val="000000">
+                    <a:alpha val="30000"/>
+                  </a:srgbClr>
+                </a:outerShdw>
+              </a:effectLst>
             </a:endParaRPr>
           </a:p>
         </p:txBody>
@@ -5961,6 +6063,71 @@
           </p:pic>
         </p:grpSp>
       </p:grpSp>
+      <p:sp>
+        <p:nvSpPr>
+          <p:cNvPr id="15" name="Retângulo 14"/>
+          <p:cNvSpPr/>
+          <p:nvPr/>
+        </p:nvSpPr>
+        <p:spPr>
+          <a:xfrm>
+            <a:off x="9952944" y="103418"/>
+            <a:ext cx="1684115" cy="769441"/>
+          </a:xfrm>
+          <a:prstGeom prst="rect">
+            <a:avLst/>
+          </a:prstGeom>
+          <a:noFill/>
+        </p:spPr>
+        <p:txBody>
+          <a:bodyPr wrap="none" lIns="91440" tIns="45720" rIns="91440" bIns="45720">
+            <a:spAutoFit/>
+          </a:bodyPr>
+          <a:lstStyle/>
+          <a:p>
+            <a:pPr algn="ctr"/>
+            <a:r>
+              <a:rPr lang="pt-BR" sz="4400" b="1" cap="none" spc="0" dirty="0" smtClean="0">
+                <a:ln w="10160">
+                  <a:solidFill>
+                    <a:schemeClr val="accent6"/>
+                  </a:solidFill>
+                  <a:prstDash val="solid"/>
+                </a:ln>
+                <a:solidFill>
+                  <a:schemeClr val="accent6"/>
+                </a:solidFill>
+                <a:effectLst>
+                  <a:outerShdw blurRad="38100" dist="22860" dir="5400000" algn="tl" rotWithShape="0">
+                    <a:srgbClr val="000000">
+                      <a:alpha val="30000"/>
+                    </a:srgbClr>
+                  </a:outerShdw>
+                </a:effectLst>
+              </a:rPr>
+              <a:t>LUCAS</a:t>
+            </a:r>
+            <a:endParaRPr lang="pt-BR" sz="4400" b="1" cap="none" spc="0" dirty="0">
+              <a:ln w="10160">
+                <a:solidFill>
+                  <a:schemeClr val="accent6"/>
+                </a:solidFill>
+                <a:prstDash val="solid"/>
+              </a:ln>
+              <a:solidFill>
+                <a:schemeClr val="accent6"/>
+              </a:solidFill>
+              <a:effectLst>
+                <a:outerShdw blurRad="38100" dist="22860" dir="5400000" algn="tl" rotWithShape="0">
+                  <a:srgbClr val="000000">
+                    <a:alpha val="30000"/>
+                  </a:srgbClr>
+                </a:outerShdw>
+              </a:effectLst>
+            </a:endParaRPr>
+          </a:p>
+        </p:txBody>
+      </p:sp>
     </p:spTree>
     <p:extLst>
       <p:ext uri="{BB962C8B-B14F-4D97-AF65-F5344CB8AC3E}">
@@ -6242,6 +6409,71 @@
           </a:fontRef>
         </p:style>
       </p:cxnSp>
+      <p:sp>
+        <p:nvSpPr>
+          <p:cNvPr id="12" name="Retângulo 11"/>
+          <p:cNvSpPr/>
+          <p:nvPr/>
+        </p:nvSpPr>
+        <p:spPr>
+          <a:xfrm>
+            <a:off x="9952944" y="103418"/>
+            <a:ext cx="1684115" cy="769441"/>
+          </a:xfrm>
+          <a:prstGeom prst="rect">
+            <a:avLst/>
+          </a:prstGeom>
+          <a:noFill/>
+        </p:spPr>
+        <p:txBody>
+          <a:bodyPr wrap="none" lIns="91440" tIns="45720" rIns="91440" bIns="45720">
+            <a:spAutoFit/>
+          </a:bodyPr>
+          <a:lstStyle/>
+          <a:p>
+            <a:pPr algn="ctr"/>
+            <a:r>
+              <a:rPr lang="pt-BR" sz="4400" b="1" cap="none" spc="0" dirty="0" smtClean="0">
+                <a:ln w="10160">
+                  <a:solidFill>
+                    <a:schemeClr val="accent6"/>
+                  </a:solidFill>
+                  <a:prstDash val="solid"/>
+                </a:ln>
+                <a:solidFill>
+                  <a:schemeClr val="accent6"/>
+                </a:solidFill>
+                <a:effectLst>
+                  <a:outerShdw blurRad="38100" dist="22860" dir="5400000" algn="tl" rotWithShape="0">
+                    <a:srgbClr val="000000">
+                      <a:alpha val="30000"/>
+                    </a:srgbClr>
+                  </a:outerShdw>
+                </a:effectLst>
+              </a:rPr>
+              <a:t>LUCAS</a:t>
+            </a:r>
+            <a:endParaRPr lang="pt-BR" sz="4400" b="1" cap="none" spc="0" dirty="0">
+              <a:ln w="10160">
+                <a:solidFill>
+                  <a:schemeClr val="accent6"/>
+                </a:solidFill>
+                <a:prstDash val="solid"/>
+              </a:ln>
+              <a:solidFill>
+                <a:schemeClr val="accent6"/>
+              </a:solidFill>
+              <a:effectLst>
+                <a:outerShdw blurRad="38100" dist="22860" dir="5400000" algn="tl" rotWithShape="0">
+                  <a:srgbClr val="000000">
+                    <a:alpha val="30000"/>
+                  </a:srgbClr>
+                </a:outerShdw>
+              </a:effectLst>
+            </a:endParaRPr>
+          </a:p>
+        </p:txBody>
+      </p:sp>
     </p:spTree>
     <p:extLst>
       <p:ext uri="{BB962C8B-B14F-4D97-AF65-F5344CB8AC3E}">
@@ -6252,6 +6484,13 @@
   <p:clrMapOvr>
     <a:masterClrMapping/>
   </p:clrMapOvr>
+  <p:timing>
+    <p:tnLst>
+      <p:par>
+        <p:cTn id="1" dur="indefinite" restart="never" nodeType="tmRoot"/>
+      </p:par>
+    </p:tnLst>
+  </p:timing>
 </p:sld>
 </file>
 
@@ -6479,6 +6718,83 @@
           </a:fontRef>
         </p:style>
       </p:cxnSp>
+      <p:sp>
+        <p:nvSpPr>
+          <p:cNvPr id="8" name="Retângulo 7"/>
+          <p:cNvSpPr/>
+          <p:nvPr/>
+        </p:nvSpPr>
+        <p:spPr>
+          <a:xfrm>
+            <a:off x="9549309" y="103418"/>
+            <a:ext cx="2491388" cy="769441"/>
+          </a:xfrm>
+          <a:prstGeom prst="rect">
+            <a:avLst/>
+          </a:prstGeom>
+          <a:noFill/>
+        </p:spPr>
+        <p:txBody>
+          <a:bodyPr wrap="none" lIns="91440" tIns="45720" rIns="91440" bIns="45720">
+            <a:spAutoFit/>
+          </a:bodyPr>
+          <a:lstStyle/>
+          <a:p>
+            <a:pPr algn="ctr"/>
+            <a:r>
+              <a:rPr lang="pt-BR" sz="4400" b="1" cap="none" spc="0" dirty="0" smtClean="0">
+                <a:ln w="10160">
+                  <a:solidFill>
+                    <a:schemeClr val="accent4">
+                      <a:lumMod val="60000"/>
+                      <a:lumOff val="40000"/>
+                    </a:schemeClr>
+                  </a:solidFill>
+                  <a:prstDash val="solid"/>
+                </a:ln>
+                <a:solidFill>
+                  <a:schemeClr val="accent4">
+                    <a:lumMod val="60000"/>
+                    <a:lumOff val="40000"/>
+                  </a:schemeClr>
+                </a:solidFill>
+                <a:effectLst>
+                  <a:outerShdw blurRad="38100" dist="22860" dir="5400000" algn="tl" rotWithShape="0">
+                    <a:srgbClr val="000000">
+                      <a:alpha val="30000"/>
+                    </a:srgbClr>
+                  </a:outerShdw>
+                </a:effectLst>
+              </a:rPr>
+              <a:t>RODOLFO</a:t>
+            </a:r>
+            <a:endParaRPr lang="pt-BR" sz="4400" b="1" cap="none" spc="0" dirty="0">
+              <a:ln w="10160">
+                <a:solidFill>
+                  <a:schemeClr val="accent4">
+                    <a:lumMod val="60000"/>
+                    <a:lumOff val="40000"/>
+                  </a:schemeClr>
+                </a:solidFill>
+                <a:prstDash val="solid"/>
+              </a:ln>
+              <a:solidFill>
+                <a:schemeClr val="accent4">
+                  <a:lumMod val="60000"/>
+                  <a:lumOff val="40000"/>
+                </a:schemeClr>
+              </a:solidFill>
+              <a:effectLst>
+                <a:outerShdw blurRad="38100" dist="22860" dir="5400000" algn="tl" rotWithShape="0">
+                  <a:srgbClr val="000000">
+                    <a:alpha val="30000"/>
+                  </a:srgbClr>
+                </a:outerShdw>
+              </a:effectLst>
+            </a:endParaRPr>
+          </a:p>
+        </p:txBody>
+      </p:sp>
     </p:spTree>
     <p:extLst>
       <p:ext uri="{BB962C8B-B14F-4D97-AF65-F5344CB8AC3E}">
@@ -6489,6 +6805,13 @@
   <p:clrMapOvr>
     <a:masterClrMapping/>
   </p:clrMapOvr>
+  <p:timing>
+    <p:tnLst>
+      <p:par>
+        <p:cTn id="1" dur="indefinite" restart="never" nodeType="tmRoot"/>
+      </p:par>
+    </p:tnLst>
+  </p:timing>
 </p:sld>
 </file>
 
@@ -6716,6 +7039,83 @@
           </a:fontRef>
         </p:style>
       </p:cxnSp>
+      <p:sp>
+        <p:nvSpPr>
+          <p:cNvPr id="8" name="Retângulo 7"/>
+          <p:cNvSpPr/>
+          <p:nvPr/>
+        </p:nvSpPr>
+        <p:spPr>
+          <a:xfrm>
+            <a:off x="9549309" y="103418"/>
+            <a:ext cx="2491388" cy="769441"/>
+          </a:xfrm>
+          <a:prstGeom prst="rect">
+            <a:avLst/>
+          </a:prstGeom>
+          <a:noFill/>
+        </p:spPr>
+        <p:txBody>
+          <a:bodyPr wrap="none" lIns="91440" tIns="45720" rIns="91440" bIns="45720">
+            <a:spAutoFit/>
+          </a:bodyPr>
+          <a:lstStyle/>
+          <a:p>
+            <a:pPr algn="ctr"/>
+            <a:r>
+              <a:rPr lang="pt-BR" sz="4400" b="1" cap="none" spc="0" dirty="0" smtClean="0">
+                <a:ln w="10160">
+                  <a:solidFill>
+                    <a:schemeClr val="accent4">
+                      <a:lumMod val="60000"/>
+                      <a:lumOff val="40000"/>
+                    </a:schemeClr>
+                  </a:solidFill>
+                  <a:prstDash val="solid"/>
+                </a:ln>
+                <a:solidFill>
+                  <a:schemeClr val="accent4">
+                    <a:lumMod val="60000"/>
+                    <a:lumOff val="40000"/>
+                  </a:schemeClr>
+                </a:solidFill>
+                <a:effectLst>
+                  <a:outerShdw blurRad="38100" dist="22860" dir="5400000" algn="tl" rotWithShape="0">
+                    <a:srgbClr val="000000">
+                      <a:alpha val="30000"/>
+                    </a:srgbClr>
+                  </a:outerShdw>
+                </a:effectLst>
+              </a:rPr>
+              <a:t>RODOLFO</a:t>
+            </a:r>
+            <a:endParaRPr lang="pt-BR" sz="4400" b="1" cap="none" spc="0" dirty="0">
+              <a:ln w="10160">
+                <a:solidFill>
+                  <a:schemeClr val="accent4">
+                    <a:lumMod val="60000"/>
+                    <a:lumOff val="40000"/>
+                  </a:schemeClr>
+                </a:solidFill>
+                <a:prstDash val="solid"/>
+              </a:ln>
+              <a:solidFill>
+                <a:schemeClr val="accent4">
+                  <a:lumMod val="60000"/>
+                  <a:lumOff val="40000"/>
+                </a:schemeClr>
+              </a:solidFill>
+              <a:effectLst>
+                <a:outerShdw blurRad="38100" dist="22860" dir="5400000" algn="tl" rotWithShape="0">
+                  <a:srgbClr val="000000">
+                    <a:alpha val="30000"/>
+                  </a:srgbClr>
+                </a:outerShdw>
+              </a:effectLst>
+            </a:endParaRPr>
+          </a:p>
+        </p:txBody>
+      </p:sp>
     </p:spTree>
     <p:extLst>
       <p:ext uri="{BB962C8B-B14F-4D97-AF65-F5344CB8AC3E}">
@@ -6726,6 +7126,13 @@
   <p:clrMapOvr>
     <a:masterClrMapping/>
   </p:clrMapOvr>
+  <p:timing>
+    <p:tnLst>
+      <p:par>
+        <p:cTn id="1" dur="indefinite" restart="never" nodeType="tmRoot"/>
+      </p:par>
+    </p:tnLst>
+  </p:timing>
 </p:sld>
 </file>
 
@@ -8672,6 +9079,83 @@
           </a:p>
         </p:txBody>
       </p:sp>
+      <p:sp>
+        <p:nvSpPr>
+          <p:cNvPr id="53" name="Retângulo 52"/>
+          <p:cNvSpPr/>
+          <p:nvPr/>
+        </p:nvSpPr>
+        <p:spPr>
+          <a:xfrm>
+            <a:off x="9549309" y="103418"/>
+            <a:ext cx="2491388" cy="769441"/>
+          </a:xfrm>
+          <a:prstGeom prst="rect">
+            <a:avLst/>
+          </a:prstGeom>
+          <a:noFill/>
+        </p:spPr>
+        <p:txBody>
+          <a:bodyPr wrap="none" lIns="91440" tIns="45720" rIns="91440" bIns="45720">
+            <a:spAutoFit/>
+          </a:bodyPr>
+          <a:lstStyle/>
+          <a:p>
+            <a:pPr algn="ctr"/>
+            <a:r>
+              <a:rPr lang="pt-BR" sz="4400" b="1" cap="none" spc="0" dirty="0" smtClean="0">
+                <a:ln w="10160">
+                  <a:solidFill>
+                    <a:schemeClr val="accent4">
+                      <a:lumMod val="60000"/>
+                      <a:lumOff val="40000"/>
+                    </a:schemeClr>
+                  </a:solidFill>
+                  <a:prstDash val="solid"/>
+                </a:ln>
+                <a:solidFill>
+                  <a:schemeClr val="accent4">
+                    <a:lumMod val="60000"/>
+                    <a:lumOff val="40000"/>
+                  </a:schemeClr>
+                </a:solidFill>
+                <a:effectLst>
+                  <a:outerShdw blurRad="38100" dist="22860" dir="5400000" algn="tl" rotWithShape="0">
+                    <a:srgbClr val="000000">
+                      <a:alpha val="30000"/>
+                    </a:srgbClr>
+                  </a:outerShdw>
+                </a:effectLst>
+              </a:rPr>
+              <a:t>RODOLFO</a:t>
+            </a:r>
+            <a:endParaRPr lang="pt-BR" sz="4400" b="1" cap="none" spc="0" dirty="0">
+              <a:ln w="10160">
+                <a:solidFill>
+                  <a:schemeClr val="accent4">
+                    <a:lumMod val="60000"/>
+                    <a:lumOff val="40000"/>
+                  </a:schemeClr>
+                </a:solidFill>
+                <a:prstDash val="solid"/>
+              </a:ln>
+              <a:solidFill>
+                <a:schemeClr val="accent4">
+                  <a:lumMod val="60000"/>
+                  <a:lumOff val="40000"/>
+                </a:schemeClr>
+              </a:solidFill>
+              <a:effectLst>
+                <a:outerShdw blurRad="38100" dist="22860" dir="5400000" algn="tl" rotWithShape="0">
+                  <a:srgbClr val="000000">
+                    <a:alpha val="30000"/>
+                  </a:srgbClr>
+                </a:outerShdw>
+              </a:effectLst>
+            </a:endParaRPr>
+          </a:p>
+        </p:txBody>
+      </p:sp>
     </p:spTree>
     <p:extLst>
       <p:ext uri="{BB962C8B-B14F-4D97-AF65-F5344CB8AC3E}">
@@ -9037,6 +9521,83 @@
           </a:extLst>
         </p:spPr>
       </p:pic>
+      <p:sp>
+        <p:nvSpPr>
+          <p:cNvPr id="13" name="Retângulo 12"/>
+          <p:cNvSpPr/>
+          <p:nvPr/>
+        </p:nvSpPr>
+        <p:spPr>
+          <a:xfrm>
+            <a:off x="9549309" y="103418"/>
+            <a:ext cx="2491388" cy="769441"/>
+          </a:xfrm>
+          <a:prstGeom prst="rect">
+            <a:avLst/>
+          </a:prstGeom>
+          <a:noFill/>
+        </p:spPr>
+        <p:txBody>
+          <a:bodyPr wrap="none" lIns="91440" tIns="45720" rIns="91440" bIns="45720">
+            <a:spAutoFit/>
+          </a:bodyPr>
+          <a:lstStyle/>
+          <a:p>
+            <a:pPr algn="ctr"/>
+            <a:r>
+              <a:rPr lang="pt-BR" sz="4400" b="1" cap="none" spc="0" dirty="0" smtClean="0">
+                <a:ln w="10160">
+                  <a:solidFill>
+                    <a:schemeClr val="accent4">
+                      <a:lumMod val="60000"/>
+                      <a:lumOff val="40000"/>
+                    </a:schemeClr>
+                  </a:solidFill>
+                  <a:prstDash val="solid"/>
+                </a:ln>
+                <a:solidFill>
+                  <a:schemeClr val="accent4">
+                    <a:lumMod val="60000"/>
+                    <a:lumOff val="40000"/>
+                  </a:schemeClr>
+                </a:solidFill>
+                <a:effectLst>
+                  <a:outerShdw blurRad="38100" dist="22860" dir="5400000" algn="tl" rotWithShape="0">
+                    <a:srgbClr val="000000">
+                      <a:alpha val="30000"/>
+                    </a:srgbClr>
+                  </a:outerShdw>
+                </a:effectLst>
+              </a:rPr>
+              <a:t>RODOLFO</a:t>
+            </a:r>
+            <a:endParaRPr lang="pt-BR" sz="4400" b="1" cap="none" spc="0" dirty="0">
+              <a:ln w="10160">
+                <a:solidFill>
+                  <a:schemeClr val="accent4">
+                    <a:lumMod val="60000"/>
+                    <a:lumOff val="40000"/>
+                  </a:schemeClr>
+                </a:solidFill>
+                <a:prstDash val="solid"/>
+              </a:ln>
+              <a:solidFill>
+                <a:schemeClr val="accent4">
+                  <a:lumMod val="60000"/>
+                  <a:lumOff val="40000"/>
+                </a:schemeClr>
+              </a:solidFill>
+              <a:effectLst>
+                <a:outerShdw blurRad="38100" dist="22860" dir="5400000" algn="tl" rotWithShape="0">
+                  <a:srgbClr val="000000">
+                    <a:alpha val="30000"/>
+                  </a:srgbClr>
+                </a:outerShdw>
+              </a:effectLst>
+            </a:endParaRPr>
+          </a:p>
+        </p:txBody>
+      </p:sp>
     </p:spTree>
     <p:extLst>
       <p:ext uri="{BB962C8B-B14F-4D97-AF65-F5344CB8AC3E}">
@@ -9047,6 +9608,13 @@
   <p:clrMapOvr>
     <a:masterClrMapping/>
   </p:clrMapOvr>
+  <p:timing>
+    <p:tnLst>
+      <p:par>
+        <p:cTn id="1" dur="indefinite" restart="never" nodeType="tmRoot"/>
+      </p:par>
+    </p:tnLst>
+  </p:timing>
 </p:sld>
 </file>
 
@@ -9368,6 +9936,83 @@
           </a:fontRef>
         </p:style>
       </p:cxnSp>
+      <p:sp>
+        <p:nvSpPr>
+          <p:cNvPr id="11" name="Retângulo 10"/>
+          <p:cNvSpPr/>
+          <p:nvPr/>
+        </p:nvSpPr>
+        <p:spPr>
+          <a:xfrm>
+            <a:off x="9549309" y="103418"/>
+            <a:ext cx="2491388" cy="769441"/>
+          </a:xfrm>
+          <a:prstGeom prst="rect">
+            <a:avLst/>
+          </a:prstGeom>
+          <a:noFill/>
+        </p:spPr>
+        <p:txBody>
+          <a:bodyPr wrap="none" lIns="91440" tIns="45720" rIns="91440" bIns="45720">
+            <a:spAutoFit/>
+          </a:bodyPr>
+          <a:lstStyle/>
+          <a:p>
+            <a:pPr algn="ctr"/>
+            <a:r>
+              <a:rPr lang="pt-BR" sz="4400" b="1" cap="none" spc="0" dirty="0" smtClean="0">
+                <a:ln w="10160">
+                  <a:solidFill>
+                    <a:schemeClr val="accent4">
+                      <a:lumMod val="60000"/>
+                      <a:lumOff val="40000"/>
+                    </a:schemeClr>
+                  </a:solidFill>
+                  <a:prstDash val="solid"/>
+                </a:ln>
+                <a:solidFill>
+                  <a:schemeClr val="accent4">
+                    <a:lumMod val="60000"/>
+                    <a:lumOff val="40000"/>
+                  </a:schemeClr>
+                </a:solidFill>
+                <a:effectLst>
+                  <a:outerShdw blurRad="38100" dist="22860" dir="5400000" algn="tl" rotWithShape="0">
+                    <a:srgbClr val="000000">
+                      <a:alpha val="30000"/>
+                    </a:srgbClr>
+                  </a:outerShdw>
+                </a:effectLst>
+              </a:rPr>
+              <a:t>RODOLFO</a:t>
+            </a:r>
+            <a:endParaRPr lang="pt-BR" sz="4400" b="1" cap="none" spc="0" dirty="0">
+              <a:ln w="10160">
+                <a:solidFill>
+                  <a:schemeClr val="accent4">
+                    <a:lumMod val="60000"/>
+                    <a:lumOff val="40000"/>
+                  </a:schemeClr>
+                </a:solidFill>
+                <a:prstDash val="solid"/>
+              </a:ln>
+              <a:solidFill>
+                <a:schemeClr val="accent4">
+                  <a:lumMod val="60000"/>
+                  <a:lumOff val="40000"/>
+                </a:schemeClr>
+              </a:solidFill>
+              <a:effectLst>
+                <a:outerShdw blurRad="38100" dist="22860" dir="5400000" algn="tl" rotWithShape="0">
+                  <a:srgbClr val="000000">
+                    <a:alpha val="30000"/>
+                  </a:srgbClr>
+                </a:outerShdw>
+              </a:effectLst>
+            </a:endParaRPr>
+          </a:p>
+        </p:txBody>
+      </p:sp>
     </p:spTree>
     <p:extLst>
       <p:ext uri="{BB962C8B-B14F-4D97-AF65-F5344CB8AC3E}">
@@ -9378,11 +10023,11 @@
   <p:clrMapOvr>
     <a:masterClrMapping/>
   </p:clrMapOvr>
-  <mc:AlternateContent xmlns:mc="http://schemas.openxmlformats.org/markup-compatibility/2006">
-    <mc:Choice xmlns:p14="http://schemas.microsoft.com/office/powerpoint/2010/main" Requires="p14">
+  <mc:AlternateContent xmlns:mc="http://schemas.openxmlformats.org/markup-compatibility/2006" xmlns:p14="http://schemas.microsoft.com/office/powerpoint/2010/main">
+    <mc:Choice Requires="p14">
       <p:transition p14:dur="0"/>
     </mc:Choice>
-    <mc:Fallback>
+    <mc:Fallback xmlns="">
       <p:transition/>
     </mc:Fallback>
   </mc:AlternateContent>
@@ -9620,6 +10265,79 @@
           </a:fontRef>
         </p:style>
       </p:cxnSp>
+      <p:sp>
+        <p:nvSpPr>
+          <p:cNvPr id="8" name="Retângulo 7"/>
+          <p:cNvSpPr/>
+          <p:nvPr/>
+        </p:nvSpPr>
+        <p:spPr>
+          <a:xfrm>
+            <a:off x="9534496" y="103418"/>
+            <a:ext cx="2521010" cy="769441"/>
+          </a:xfrm>
+          <a:prstGeom prst="rect">
+            <a:avLst/>
+          </a:prstGeom>
+          <a:noFill/>
+        </p:spPr>
+        <p:txBody>
+          <a:bodyPr wrap="none" lIns="91440" tIns="45720" rIns="91440" bIns="45720">
+            <a:spAutoFit/>
+          </a:bodyPr>
+          <a:lstStyle/>
+          <a:p>
+            <a:pPr algn="ctr"/>
+            <a:r>
+              <a:rPr lang="pt-BR" sz="4400" b="1" cap="none" spc="0" dirty="0" smtClean="0">
+                <a:ln w="10160">
+                  <a:solidFill>
+                    <a:schemeClr val="accent1">
+                      <a:lumMod val="75000"/>
+                    </a:schemeClr>
+                  </a:solidFill>
+                  <a:prstDash val="solid"/>
+                </a:ln>
+                <a:solidFill>
+                  <a:schemeClr val="accent1">
+                    <a:lumMod val="75000"/>
+                  </a:schemeClr>
+                </a:solidFill>
+                <a:effectLst>
+                  <a:outerShdw blurRad="38100" dist="22860" dir="5400000" algn="tl" rotWithShape="0">
+                    <a:srgbClr val="000000">
+                      <a:alpha val="30000"/>
+                    </a:srgbClr>
+                  </a:outerShdw>
+                </a:effectLst>
+              </a:rPr>
+              <a:t>MATHEUS</a:t>
+            </a:r>
+            <a:endParaRPr lang="pt-BR" sz="4400" b="1" cap="none" spc="0" dirty="0">
+              <a:ln w="10160">
+                <a:solidFill>
+                  <a:schemeClr val="accent1">
+                    <a:lumMod val="75000"/>
+                  </a:schemeClr>
+                </a:solidFill>
+                <a:prstDash val="solid"/>
+              </a:ln>
+              <a:solidFill>
+                <a:schemeClr val="accent1">
+                  <a:lumMod val="75000"/>
+                </a:schemeClr>
+              </a:solidFill>
+              <a:effectLst>
+                <a:outerShdw blurRad="38100" dist="22860" dir="5400000" algn="tl" rotWithShape="0">
+                  <a:srgbClr val="000000">
+                    <a:alpha val="30000"/>
+                  </a:srgbClr>
+                </a:outerShdw>
+              </a:effectLst>
+            </a:endParaRPr>
+          </a:p>
+        </p:txBody>
+      </p:sp>
     </p:spTree>
     <p:extLst>
       <p:ext uri="{BB962C8B-B14F-4D97-AF65-F5344CB8AC3E}">
@@ -9630,6 +10348,13 @@
   <p:clrMapOvr>
     <a:masterClrMapping/>
   </p:clrMapOvr>
+  <p:timing>
+    <p:tnLst>
+      <p:par>
+        <p:cTn id="1" dur="indefinite" restart="never" nodeType="tmRoot"/>
+      </p:par>
+    </p:tnLst>
+  </p:timing>
 </p:sld>
 </file>
 
@@ -9879,6 +10604,79 @@
           </a:prstGeom>
         </p:spPr>
       </p:pic>
+      <p:sp>
+        <p:nvSpPr>
+          <p:cNvPr id="9" name="Retângulo 8"/>
+          <p:cNvSpPr/>
+          <p:nvPr/>
+        </p:nvSpPr>
+        <p:spPr>
+          <a:xfrm>
+            <a:off x="9534496" y="103418"/>
+            <a:ext cx="2521010" cy="769441"/>
+          </a:xfrm>
+          <a:prstGeom prst="rect">
+            <a:avLst/>
+          </a:prstGeom>
+          <a:noFill/>
+        </p:spPr>
+        <p:txBody>
+          <a:bodyPr wrap="none" lIns="91440" tIns="45720" rIns="91440" bIns="45720">
+            <a:spAutoFit/>
+          </a:bodyPr>
+          <a:lstStyle/>
+          <a:p>
+            <a:pPr algn="ctr"/>
+            <a:r>
+              <a:rPr lang="pt-BR" sz="4400" b="1" cap="none" spc="0" dirty="0" smtClean="0">
+                <a:ln w="10160">
+                  <a:solidFill>
+                    <a:schemeClr val="accent1">
+                      <a:lumMod val="75000"/>
+                    </a:schemeClr>
+                  </a:solidFill>
+                  <a:prstDash val="solid"/>
+                </a:ln>
+                <a:solidFill>
+                  <a:schemeClr val="accent1">
+                    <a:lumMod val="75000"/>
+                  </a:schemeClr>
+                </a:solidFill>
+                <a:effectLst>
+                  <a:outerShdw blurRad="38100" dist="22860" dir="5400000" algn="tl" rotWithShape="0">
+                    <a:srgbClr val="000000">
+                      <a:alpha val="30000"/>
+                    </a:srgbClr>
+                  </a:outerShdw>
+                </a:effectLst>
+              </a:rPr>
+              <a:t>MATHEUS</a:t>
+            </a:r>
+            <a:endParaRPr lang="pt-BR" sz="4400" b="1" cap="none" spc="0" dirty="0">
+              <a:ln w="10160">
+                <a:solidFill>
+                  <a:schemeClr val="accent1">
+                    <a:lumMod val="75000"/>
+                  </a:schemeClr>
+                </a:solidFill>
+                <a:prstDash val="solid"/>
+              </a:ln>
+              <a:solidFill>
+                <a:schemeClr val="accent1">
+                  <a:lumMod val="75000"/>
+                </a:schemeClr>
+              </a:solidFill>
+              <a:effectLst>
+                <a:outerShdw blurRad="38100" dist="22860" dir="5400000" algn="tl" rotWithShape="0">
+                  <a:srgbClr val="000000">
+                    <a:alpha val="30000"/>
+                  </a:srgbClr>
+                </a:outerShdw>
+              </a:effectLst>
+            </a:endParaRPr>
+          </a:p>
+        </p:txBody>
+      </p:sp>
     </p:spTree>
     <p:extLst>
       <p:ext uri="{BB962C8B-B14F-4D97-AF65-F5344CB8AC3E}">
@@ -9889,6 +10687,13 @@
   <p:clrMapOvr>
     <a:masterClrMapping/>
   </p:clrMapOvr>
+  <p:timing>
+    <p:tnLst>
+      <p:par>
+        <p:cTn id="1" dur="indefinite" restart="never" nodeType="tmRoot"/>
+      </p:par>
+    </p:tnLst>
+  </p:timing>
 </p:sld>
 </file>
 
@@ -10333,6 +11138,71 @@
           </p:spPr>
         </p:pic>
       </p:grpSp>
+      <p:sp>
+        <p:nvSpPr>
+          <p:cNvPr id="13" name="Retângulo 12"/>
+          <p:cNvSpPr/>
+          <p:nvPr/>
+        </p:nvSpPr>
+        <p:spPr>
+          <a:xfrm>
+            <a:off x="10118375" y="103418"/>
+            <a:ext cx="1353256" cy="769441"/>
+          </a:xfrm>
+          <a:prstGeom prst="rect">
+            <a:avLst/>
+          </a:prstGeom>
+          <a:noFill/>
+        </p:spPr>
+        <p:txBody>
+          <a:bodyPr wrap="none" lIns="91440" tIns="45720" rIns="91440" bIns="45720">
+            <a:spAutoFit/>
+          </a:bodyPr>
+          <a:lstStyle/>
+          <a:p>
+            <a:pPr algn="ctr"/>
+            <a:r>
+              <a:rPr lang="pt-BR" sz="4400" b="1" cap="none" spc="0" dirty="0" smtClean="0">
+                <a:ln w="10160">
+                  <a:solidFill>
+                    <a:srgbClr val="FF0000"/>
+                  </a:solidFill>
+                  <a:prstDash val="solid"/>
+                </a:ln>
+                <a:solidFill>
+                  <a:srgbClr val="FF0000"/>
+                </a:solidFill>
+                <a:effectLst>
+                  <a:outerShdw blurRad="38100" dist="22860" dir="5400000" algn="tl" rotWithShape="0">
+                    <a:srgbClr val="000000">
+                      <a:alpha val="30000"/>
+                    </a:srgbClr>
+                  </a:outerShdw>
+                </a:effectLst>
+              </a:rPr>
+              <a:t>YUDI</a:t>
+            </a:r>
+            <a:endParaRPr lang="pt-BR" sz="4400" b="1" cap="none" spc="0" dirty="0">
+              <a:ln w="10160">
+                <a:solidFill>
+                  <a:srgbClr val="FF0000"/>
+                </a:solidFill>
+                <a:prstDash val="solid"/>
+              </a:ln>
+              <a:solidFill>
+                <a:srgbClr val="FF0000"/>
+              </a:solidFill>
+              <a:effectLst>
+                <a:outerShdw blurRad="38100" dist="22860" dir="5400000" algn="tl" rotWithShape="0">
+                  <a:srgbClr val="000000">
+                    <a:alpha val="30000"/>
+                  </a:srgbClr>
+                </a:outerShdw>
+              </a:effectLst>
+            </a:endParaRPr>
+          </a:p>
+        </p:txBody>
+      </p:sp>
     </p:spTree>
     <p:extLst>
       <p:ext uri="{BB962C8B-B14F-4D97-AF65-F5344CB8AC3E}">
@@ -10638,6 +11508,108 @@
           </a:p>
         </p:txBody>
       </p:sp>
+      <p:pic>
+        <p:nvPicPr>
+          <p:cNvPr id="10" name="Imagem 9"/>
+          <p:cNvPicPr>
+            <a:picLocks noChangeAspect="1"/>
+          </p:cNvPicPr>
+          <p:nvPr/>
+        </p:nvPicPr>
+        <p:blipFill rotWithShape="1">
+          <a:blip r:embed="rId4">
+            <a:extLst>
+              <a:ext uri="{28A0092B-C50C-407E-A947-70E740481C1C}">
+                <a14:useLocalDpi xmlns:a14="http://schemas.microsoft.com/office/drawing/2010/main" val="0"/>
+              </a:ext>
+            </a:extLst>
+          </a:blip>
+          <a:srcRect t="15200"/>
+          <a:stretch/>
+        </p:blipFill>
+        <p:spPr>
+          <a:xfrm>
+            <a:off x="1560415" y="3200962"/>
+            <a:ext cx="2847975" cy="1356981"/>
+          </a:xfrm>
+          <a:prstGeom prst="rect">
+            <a:avLst/>
+          </a:prstGeom>
+        </p:spPr>
+      </p:pic>
+      <p:sp>
+        <p:nvSpPr>
+          <p:cNvPr id="14" name="Retângulo 13"/>
+          <p:cNvSpPr/>
+          <p:nvPr/>
+        </p:nvSpPr>
+        <p:spPr>
+          <a:xfrm>
+            <a:off x="9534496" y="103418"/>
+            <a:ext cx="2521010" cy="769441"/>
+          </a:xfrm>
+          <a:prstGeom prst="rect">
+            <a:avLst/>
+          </a:prstGeom>
+          <a:noFill/>
+        </p:spPr>
+        <p:txBody>
+          <a:bodyPr wrap="none" lIns="91440" tIns="45720" rIns="91440" bIns="45720">
+            <a:spAutoFit/>
+          </a:bodyPr>
+          <a:lstStyle/>
+          <a:p>
+            <a:pPr algn="ctr"/>
+            <a:r>
+              <a:rPr lang="pt-BR" sz="4400" b="1" cap="none" spc="0" dirty="0" smtClean="0">
+                <a:ln w="10160">
+                  <a:solidFill>
+                    <a:schemeClr val="accent1">
+                      <a:lumMod val="75000"/>
+                    </a:schemeClr>
+                  </a:solidFill>
+                  <a:prstDash val="solid"/>
+                </a:ln>
+                <a:solidFill>
+                  <a:schemeClr val="accent1">
+                    <a:lumMod val="75000"/>
+                  </a:schemeClr>
+                </a:solidFill>
+                <a:effectLst>
+                  <a:outerShdw blurRad="38100" dist="22860" dir="5400000" algn="tl" rotWithShape="0">
+                    <a:srgbClr val="000000">
+                      <a:alpha val="30000"/>
+                    </a:srgbClr>
+                  </a:outerShdw>
+                </a:effectLst>
+              </a:rPr>
+              <a:t>MATHEUS</a:t>
+            </a:r>
+            <a:endParaRPr lang="pt-BR" sz="4400" b="1" cap="none" spc="0" dirty="0">
+              <a:ln w="10160">
+                <a:solidFill>
+                  <a:schemeClr val="accent1">
+                    <a:lumMod val="75000"/>
+                  </a:schemeClr>
+                </a:solidFill>
+                <a:prstDash val="solid"/>
+              </a:ln>
+              <a:solidFill>
+                <a:schemeClr val="accent1">
+                  <a:lumMod val="75000"/>
+                </a:schemeClr>
+              </a:solidFill>
+              <a:effectLst>
+                <a:outerShdw blurRad="38100" dist="22860" dir="5400000" algn="tl" rotWithShape="0">
+                  <a:srgbClr val="000000">
+                    <a:alpha val="30000"/>
+                  </a:srgbClr>
+                </a:outerShdw>
+              </a:effectLst>
+            </a:endParaRPr>
+          </a:p>
+        </p:txBody>
+      </p:sp>
     </p:spTree>
     <p:extLst>
       <p:ext uri="{BB962C8B-B14F-4D97-AF65-F5344CB8AC3E}">
@@ -10648,6 +11620,1433 @@
   <p:clrMapOvr>
     <a:masterClrMapping/>
   </p:clrMapOvr>
+  <p:timing>
+    <p:tnLst>
+      <p:par>
+        <p:cTn id="1" dur="indefinite" restart="never" nodeType="tmRoot"/>
+      </p:par>
+    </p:tnLst>
+  </p:timing>
+</p:sld>
+</file>
+
+<file path=ppt/slides/slide21.xml><?xml version="1.0" encoding="utf-8"?>
+<p:sld xmlns:a="http://schemas.openxmlformats.org/drawingml/2006/main" xmlns:r="http://schemas.openxmlformats.org/officeDocument/2006/relationships" xmlns:p="http://schemas.openxmlformats.org/presentationml/2006/main">
+  <p:cSld>
+    <p:spTree>
+      <p:nvGrpSpPr>
+        <p:cNvPr id="1" name=""/>
+        <p:cNvGrpSpPr/>
+        <p:nvPr/>
+      </p:nvGrpSpPr>
+      <p:grpSpPr>
+        <a:xfrm>
+          <a:off x="0" y="0"/>
+          <a:ext cx="0" cy="0"/>
+          <a:chOff x="0" y="0"/>
+          <a:chExt cx="0" cy="0"/>
+        </a:xfrm>
+      </p:grpSpPr>
+      <p:grpSp>
+        <p:nvGrpSpPr>
+          <p:cNvPr id="4" name="Agrupar 3"/>
+          <p:cNvGrpSpPr/>
+          <p:nvPr/>
+        </p:nvGrpSpPr>
+        <p:grpSpPr>
+          <a:xfrm>
+            <a:off x="0" y="-5907"/>
+            <a:ext cx="12192000" cy="6863907"/>
+            <a:chOff x="0" y="0"/>
+            <a:chExt cx="12192000" cy="6863907"/>
+          </a:xfrm>
+        </p:grpSpPr>
+        <p:pic>
+          <p:nvPicPr>
+            <p:cNvPr id="5" name="Picture 22" descr="http://www.correiodoestadoonline.com.br/arquivos/noticias/3.png"/>
+            <p:cNvPicPr>
+              <a:picLocks noChangeAspect="1" noChangeArrowheads="1"/>
+            </p:cNvPicPr>
+            <p:nvPr/>
+          </p:nvPicPr>
+          <p:blipFill>
+            <a:blip r:embed="rId2">
+              <a:extLst>
+                <a:ext uri="{BEBA8EAE-BF5A-486C-A8C5-ECC9F3942E4B}">
+                  <a14:imgProps xmlns:a14="http://schemas.microsoft.com/office/drawing/2010/main">
+                    <a14:imgLayer r:embed="rId3">
+                      <a14:imgEffect>
+                        <a14:sharpenSoften amount="-80000"/>
+                      </a14:imgEffect>
+                      <a14:imgEffect>
+                        <a14:brightnessContrast bright="-46000"/>
+                      </a14:imgEffect>
+                    </a14:imgLayer>
+                  </a14:imgProps>
+                </a:ext>
+                <a:ext uri="{28A0092B-C50C-407E-A947-70E740481C1C}">
+                  <a14:useLocalDpi xmlns:a14="http://schemas.microsoft.com/office/drawing/2010/main" val="0"/>
+                </a:ext>
+              </a:extLst>
+            </a:blip>
+            <a:srcRect/>
+            <a:stretch>
+              <a:fillRect/>
+            </a:stretch>
+          </p:blipFill>
+          <p:spPr bwMode="auto">
+            <a:xfrm>
+              <a:off x="0" y="0"/>
+              <a:ext cx="12192000" cy="6863907"/>
+            </a:xfrm>
+            <a:prstGeom prst="rect">
+              <a:avLst/>
+            </a:prstGeom>
+            <a:noFill/>
+          </p:spPr>
+        </p:pic>
+        <p:sp>
+          <p:nvSpPr>
+            <p:cNvPr id="6" name="Retângulo 5"/>
+            <p:cNvSpPr/>
+            <p:nvPr/>
+          </p:nvSpPr>
+          <p:spPr>
+            <a:xfrm>
+              <a:off x="0" y="5907"/>
+              <a:ext cx="12192000" cy="6858000"/>
+            </a:xfrm>
+            <a:prstGeom prst="rect">
+              <a:avLst/>
+            </a:prstGeom>
+            <a:solidFill>
+              <a:schemeClr val="tx1">
+                <a:lumMod val="95000"/>
+                <a:lumOff val="5000"/>
+                <a:alpha val="87000"/>
+              </a:schemeClr>
+            </a:solidFill>
+            <a:ln>
+              <a:noFill/>
+            </a:ln>
+          </p:spPr>
+          <p:style>
+            <a:lnRef idx="2">
+              <a:schemeClr val="dk1"/>
+            </a:lnRef>
+            <a:fillRef idx="1">
+              <a:schemeClr val="lt1"/>
+            </a:fillRef>
+            <a:effectRef idx="0">
+              <a:schemeClr val="dk1"/>
+            </a:effectRef>
+            <a:fontRef idx="minor">
+              <a:schemeClr val="dk1"/>
+            </a:fontRef>
+          </p:style>
+          <p:txBody>
+            <a:bodyPr rtlCol="0" anchor="ctr"/>
+            <a:lstStyle/>
+            <a:p>
+              <a:pPr algn="ctr"/>
+              <a:endParaRPr lang="pt-BR" dirty="0"/>
+            </a:p>
+          </p:txBody>
+        </p:sp>
+      </p:grpSp>
+      <p:sp>
+        <p:nvSpPr>
+          <p:cNvPr id="11" name="Retângulo 10"/>
+          <p:cNvSpPr/>
+          <p:nvPr/>
+        </p:nvSpPr>
+        <p:spPr>
+          <a:xfrm>
+            <a:off x="126222" y="198787"/>
+            <a:ext cx="9627378" cy="584775"/>
+          </a:xfrm>
+          <a:prstGeom prst="rect">
+            <a:avLst/>
+          </a:prstGeom>
+          <a:noFill/>
+          <a:effectLst/>
+        </p:spPr>
+        <p:txBody>
+          <a:bodyPr wrap="square" lIns="91440" tIns="45720" rIns="91440" bIns="45720">
+            <a:spAutoFit/>
+          </a:bodyPr>
+          <a:lstStyle/>
+          <a:p>
+            <a:pPr algn="just"/>
+            <a:r>
+              <a:rPr lang="pt-BR" sz="3200" b="1" dirty="0" smtClean="0">
+                <a:ln w="0"/>
+                <a:solidFill>
+                  <a:schemeClr val="bg1"/>
+                </a:solidFill>
+                <a:effectLst>
+                  <a:outerShdw blurRad="38100" dist="19050" dir="2700000" algn="tl" rotWithShape="0">
+                    <a:schemeClr val="dk1">
+                      <a:alpha val="40000"/>
+                    </a:schemeClr>
+                  </a:outerShdw>
+                </a:effectLst>
+                <a:latin typeface="Exo 2 Medium" panose="00000600000000000000" pitchFamily="50" charset="0"/>
+              </a:rPr>
+              <a:t>RESULTADOS</a:t>
+            </a:r>
+            <a:endParaRPr lang="pt-BR" sz="3200" b="1" cap="none" spc="0" dirty="0">
+              <a:ln w="0"/>
+              <a:solidFill>
+                <a:schemeClr val="bg1"/>
+              </a:solidFill>
+              <a:effectLst>
+                <a:outerShdw blurRad="38100" dist="19050" dir="2700000" algn="tl" rotWithShape="0">
+                  <a:schemeClr val="dk1">
+                    <a:alpha val="40000"/>
+                  </a:schemeClr>
+                </a:outerShdw>
+              </a:effectLst>
+              <a:latin typeface="Exo 2 Medium" panose="00000600000000000000" pitchFamily="50" charset="0"/>
+            </a:endParaRPr>
+          </a:p>
+        </p:txBody>
+      </p:sp>
+      <p:cxnSp>
+        <p:nvCxnSpPr>
+          <p:cNvPr id="12" name="Conector reto 11">
+            <a:extLst>
+              <a:ext uri="{FF2B5EF4-FFF2-40B4-BE49-F238E27FC236}">
+                <a16:creationId xmlns:a16="http://schemas.microsoft.com/office/drawing/2014/main" id="{6510727C-C843-4D84-A07F-20F37366891D}"/>
+              </a:ext>
+            </a:extLst>
+          </p:cNvPr>
+          <p:cNvCxnSpPr/>
+          <p:nvPr/>
+        </p:nvCxnSpPr>
+        <p:spPr>
+          <a:xfrm>
+            <a:off x="0" y="953059"/>
+            <a:ext cx="6325704" cy="0"/>
+          </a:xfrm>
+          <a:prstGeom prst="line">
+            <a:avLst/>
+          </a:prstGeom>
+          <a:ln>
+            <a:solidFill>
+              <a:schemeClr val="bg1"/>
+            </a:solidFill>
+          </a:ln>
+          <a:effectLst/>
+        </p:spPr>
+        <p:style>
+          <a:lnRef idx="1">
+            <a:schemeClr val="accent1"/>
+          </a:lnRef>
+          <a:fillRef idx="0">
+            <a:schemeClr val="accent1"/>
+          </a:fillRef>
+          <a:effectRef idx="0">
+            <a:schemeClr val="accent1"/>
+          </a:effectRef>
+          <a:fontRef idx="minor">
+            <a:schemeClr val="tx1"/>
+          </a:fontRef>
+        </p:style>
+      </p:cxnSp>
+      <p:sp>
+        <p:nvSpPr>
+          <p:cNvPr id="9" name="Retângulo 8"/>
+          <p:cNvSpPr/>
+          <p:nvPr/>
+        </p:nvSpPr>
+        <p:spPr>
+          <a:xfrm>
+            <a:off x="10118375" y="103418"/>
+            <a:ext cx="1353256" cy="769441"/>
+          </a:xfrm>
+          <a:prstGeom prst="rect">
+            <a:avLst/>
+          </a:prstGeom>
+          <a:noFill/>
+        </p:spPr>
+        <p:txBody>
+          <a:bodyPr wrap="none" lIns="91440" tIns="45720" rIns="91440" bIns="45720">
+            <a:spAutoFit/>
+          </a:bodyPr>
+          <a:lstStyle/>
+          <a:p>
+            <a:pPr algn="ctr"/>
+            <a:r>
+              <a:rPr lang="pt-BR" sz="4400" b="1" cap="none" spc="0" dirty="0" smtClean="0">
+                <a:ln w="10160">
+                  <a:solidFill>
+                    <a:srgbClr val="FF0000"/>
+                  </a:solidFill>
+                  <a:prstDash val="solid"/>
+                </a:ln>
+                <a:solidFill>
+                  <a:srgbClr val="FF0000"/>
+                </a:solidFill>
+                <a:effectLst>
+                  <a:outerShdw blurRad="38100" dist="22860" dir="5400000" algn="tl" rotWithShape="0">
+                    <a:srgbClr val="000000">
+                      <a:alpha val="30000"/>
+                    </a:srgbClr>
+                  </a:outerShdw>
+                </a:effectLst>
+              </a:rPr>
+              <a:t>YUDI</a:t>
+            </a:r>
+            <a:endParaRPr lang="pt-BR" sz="4400" b="1" cap="none" spc="0" dirty="0">
+              <a:ln w="10160">
+                <a:solidFill>
+                  <a:srgbClr val="FF0000"/>
+                </a:solidFill>
+                <a:prstDash val="solid"/>
+              </a:ln>
+              <a:solidFill>
+                <a:srgbClr val="FF0000"/>
+              </a:solidFill>
+              <a:effectLst>
+                <a:outerShdw blurRad="38100" dist="22860" dir="5400000" algn="tl" rotWithShape="0">
+                  <a:srgbClr val="000000">
+                    <a:alpha val="30000"/>
+                  </a:srgbClr>
+                </a:outerShdw>
+              </a:effectLst>
+            </a:endParaRPr>
+          </a:p>
+        </p:txBody>
+      </p:sp>
+    </p:spTree>
+    <p:extLst>
+      <p:ext uri="{BB962C8B-B14F-4D97-AF65-F5344CB8AC3E}">
+        <p14:creationId xmlns:p14="http://schemas.microsoft.com/office/powerpoint/2010/main" val="3576567767"/>
+      </p:ext>
+    </p:extLst>
+  </p:cSld>
+  <p:clrMapOvr>
+    <a:masterClrMapping/>
+  </p:clrMapOvr>
+  <p:timing>
+    <p:tnLst>
+      <p:par>
+        <p:cTn id="1" dur="indefinite" restart="never" nodeType="tmRoot"/>
+      </p:par>
+    </p:tnLst>
+  </p:timing>
+</p:sld>
+</file>
+
+<file path=ppt/slides/slide22.xml><?xml version="1.0" encoding="utf-8"?>
+<p:sld xmlns:a="http://schemas.openxmlformats.org/drawingml/2006/main" xmlns:r="http://schemas.openxmlformats.org/officeDocument/2006/relationships" xmlns:p="http://schemas.openxmlformats.org/presentationml/2006/main">
+  <p:cSld>
+    <p:spTree>
+      <p:nvGrpSpPr>
+        <p:cNvPr id="1" name=""/>
+        <p:cNvGrpSpPr/>
+        <p:nvPr/>
+      </p:nvGrpSpPr>
+      <p:grpSpPr>
+        <a:xfrm>
+          <a:off x="0" y="0"/>
+          <a:ext cx="0" cy="0"/>
+          <a:chOff x="0" y="0"/>
+          <a:chExt cx="0" cy="0"/>
+        </a:xfrm>
+      </p:grpSpPr>
+      <p:grpSp>
+        <p:nvGrpSpPr>
+          <p:cNvPr id="4" name="Agrupar 3"/>
+          <p:cNvGrpSpPr/>
+          <p:nvPr/>
+        </p:nvGrpSpPr>
+        <p:grpSpPr>
+          <a:xfrm>
+            <a:off x="0" y="-5907"/>
+            <a:ext cx="12192000" cy="6863907"/>
+            <a:chOff x="0" y="0"/>
+            <a:chExt cx="12192000" cy="6863907"/>
+          </a:xfrm>
+        </p:grpSpPr>
+        <p:pic>
+          <p:nvPicPr>
+            <p:cNvPr id="5" name="Picture 22" descr="http://www.correiodoestadoonline.com.br/arquivos/noticias/3.png"/>
+            <p:cNvPicPr>
+              <a:picLocks noChangeAspect="1" noChangeArrowheads="1"/>
+            </p:cNvPicPr>
+            <p:nvPr/>
+          </p:nvPicPr>
+          <p:blipFill>
+            <a:blip r:embed="rId2">
+              <a:extLst>
+                <a:ext uri="{BEBA8EAE-BF5A-486C-A8C5-ECC9F3942E4B}">
+                  <a14:imgProps xmlns:a14="http://schemas.microsoft.com/office/drawing/2010/main">
+                    <a14:imgLayer r:embed="rId3">
+                      <a14:imgEffect>
+                        <a14:sharpenSoften amount="-80000"/>
+                      </a14:imgEffect>
+                      <a14:imgEffect>
+                        <a14:brightnessContrast bright="-46000"/>
+                      </a14:imgEffect>
+                    </a14:imgLayer>
+                  </a14:imgProps>
+                </a:ext>
+                <a:ext uri="{28A0092B-C50C-407E-A947-70E740481C1C}">
+                  <a14:useLocalDpi xmlns:a14="http://schemas.microsoft.com/office/drawing/2010/main" val="0"/>
+                </a:ext>
+              </a:extLst>
+            </a:blip>
+            <a:srcRect/>
+            <a:stretch>
+              <a:fillRect/>
+            </a:stretch>
+          </p:blipFill>
+          <p:spPr bwMode="auto">
+            <a:xfrm>
+              <a:off x="0" y="0"/>
+              <a:ext cx="12192000" cy="6863907"/>
+            </a:xfrm>
+            <a:prstGeom prst="rect">
+              <a:avLst/>
+            </a:prstGeom>
+            <a:noFill/>
+          </p:spPr>
+        </p:pic>
+        <p:sp>
+          <p:nvSpPr>
+            <p:cNvPr id="6" name="Retângulo 5"/>
+            <p:cNvSpPr/>
+            <p:nvPr/>
+          </p:nvSpPr>
+          <p:spPr>
+            <a:xfrm>
+              <a:off x="0" y="5907"/>
+              <a:ext cx="12192000" cy="6858000"/>
+            </a:xfrm>
+            <a:prstGeom prst="rect">
+              <a:avLst/>
+            </a:prstGeom>
+            <a:solidFill>
+              <a:schemeClr val="tx1">
+                <a:lumMod val="95000"/>
+                <a:lumOff val="5000"/>
+                <a:alpha val="87000"/>
+              </a:schemeClr>
+            </a:solidFill>
+            <a:ln>
+              <a:noFill/>
+            </a:ln>
+          </p:spPr>
+          <p:style>
+            <a:lnRef idx="2">
+              <a:schemeClr val="dk1"/>
+            </a:lnRef>
+            <a:fillRef idx="1">
+              <a:schemeClr val="lt1"/>
+            </a:fillRef>
+            <a:effectRef idx="0">
+              <a:schemeClr val="dk1"/>
+            </a:effectRef>
+            <a:fontRef idx="minor">
+              <a:schemeClr val="dk1"/>
+            </a:fontRef>
+          </p:style>
+          <p:txBody>
+            <a:bodyPr rtlCol="0" anchor="ctr"/>
+            <a:lstStyle/>
+            <a:p>
+              <a:pPr algn="ctr"/>
+              <a:endParaRPr lang="pt-BR" dirty="0"/>
+            </a:p>
+          </p:txBody>
+        </p:sp>
+      </p:grpSp>
+      <p:sp>
+        <p:nvSpPr>
+          <p:cNvPr id="11" name="Retângulo 10"/>
+          <p:cNvSpPr/>
+          <p:nvPr/>
+        </p:nvSpPr>
+        <p:spPr>
+          <a:xfrm>
+            <a:off x="126222" y="198787"/>
+            <a:ext cx="9627378" cy="584775"/>
+          </a:xfrm>
+          <a:prstGeom prst="rect">
+            <a:avLst/>
+          </a:prstGeom>
+          <a:noFill/>
+          <a:effectLst/>
+        </p:spPr>
+        <p:txBody>
+          <a:bodyPr wrap="square" lIns="91440" tIns="45720" rIns="91440" bIns="45720">
+            <a:spAutoFit/>
+          </a:bodyPr>
+          <a:lstStyle/>
+          <a:p>
+            <a:pPr algn="just"/>
+            <a:r>
+              <a:rPr lang="pt-BR" sz="3200" b="1" dirty="0" smtClean="0">
+                <a:ln w="0"/>
+                <a:solidFill>
+                  <a:schemeClr val="bg1"/>
+                </a:solidFill>
+                <a:effectLst>
+                  <a:outerShdw blurRad="38100" dist="19050" dir="2700000" algn="tl" rotWithShape="0">
+                    <a:schemeClr val="dk1">
+                      <a:alpha val="40000"/>
+                    </a:schemeClr>
+                  </a:outerShdw>
+                </a:effectLst>
+                <a:latin typeface="Exo 2 Medium" panose="00000600000000000000" pitchFamily="50" charset="0"/>
+              </a:rPr>
+              <a:t>PROCESSO DE APRENDIZAGEM COM O PROJETO</a:t>
+            </a:r>
+            <a:endParaRPr lang="pt-BR" sz="3200" b="1" cap="none" spc="0" dirty="0">
+              <a:ln w="0"/>
+              <a:solidFill>
+                <a:schemeClr val="bg1"/>
+              </a:solidFill>
+              <a:effectLst>
+                <a:outerShdw blurRad="38100" dist="19050" dir="2700000" algn="tl" rotWithShape="0">
+                  <a:schemeClr val="dk1">
+                    <a:alpha val="40000"/>
+                  </a:schemeClr>
+                </a:outerShdw>
+              </a:effectLst>
+              <a:latin typeface="Exo 2 Medium" panose="00000600000000000000" pitchFamily="50" charset="0"/>
+            </a:endParaRPr>
+          </a:p>
+        </p:txBody>
+      </p:sp>
+      <p:cxnSp>
+        <p:nvCxnSpPr>
+          <p:cNvPr id="12" name="Conector reto 11">
+            <a:extLst>
+              <a:ext uri="{FF2B5EF4-FFF2-40B4-BE49-F238E27FC236}">
+                <a16:creationId xmlns:a16="http://schemas.microsoft.com/office/drawing/2014/main" id="{6510727C-C843-4D84-A07F-20F37366891D}"/>
+              </a:ext>
+            </a:extLst>
+          </p:cNvPr>
+          <p:cNvCxnSpPr/>
+          <p:nvPr/>
+        </p:nvCxnSpPr>
+        <p:spPr>
+          <a:xfrm>
+            <a:off x="0" y="953059"/>
+            <a:ext cx="6325704" cy="0"/>
+          </a:xfrm>
+          <a:prstGeom prst="line">
+            <a:avLst/>
+          </a:prstGeom>
+          <a:ln>
+            <a:solidFill>
+              <a:schemeClr val="bg1"/>
+            </a:solidFill>
+          </a:ln>
+          <a:effectLst/>
+        </p:spPr>
+        <p:style>
+          <a:lnRef idx="1">
+            <a:schemeClr val="accent1"/>
+          </a:lnRef>
+          <a:fillRef idx="0">
+            <a:schemeClr val="accent1"/>
+          </a:fillRef>
+          <a:effectRef idx="0">
+            <a:schemeClr val="accent1"/>
+          </a:effectRef>
+          <a:fontRef idx="minor">
+            <a:schemeClr val="tx1"/>
+          </a:fontRef>
+        </p:style>
+      </p:cxnSp>
+      <p:sp>
+        <p:nvSpPr>
+          <p:cNvPr id="7" name="Retângulo 6"/>
+          <p:cNvSpPr/>
+          <p:nvPr/>
+        </p:nvSpPr>
+        <p:spPr>
+          <a:xfrm>
+            <a:off x="10118375" y="103418"/>
+            <a:ext cx="1353256" cy="769441"/>
+          </a:xfrm>
+          <a:prstGeom prst="rect">
+            <a:avLst/>
+          </a:prstGeom>
+          <a:noFill/>
+        </p:spPr>
+        <p:txBody>
+          <a:bodyPr wrap="none" lIns="91440" tIns="45720" rIns="91440" bIns="45720">
+            <a:spAutoFit/>
+          </a:bodyPr>
+          <a:lstStyle/>
+          <a:p>
+            <a:pPr algn="ctr"/>
+            <a:r>
+              <a:rPr lang="pt-BR" sz="4400" b="1" cap="none" spc="0" dirty="0" smtClean="0">
+                <a:ln w="10160">
+                  <a:solidFill>
+                    <a:srgbClr val="FF0000"/>
+                  </a:solidFill>
+                  <a:prstDash val="solid"/>
+                </a:ln>
+                <a:solidFill>
+                  <a:srgbClr val="FF0000"/>
+                </a:solidFill>
+                <a:effectLst>
+                  <a:outerShdw blurRad="38100" dist="22860" dir="5400000" algn="tl" rotWithShape="0">
+                    <a:srgbClr val="000000">
+                      <a:alpha val="30000"/>
+                    </a:srgbClr>
+                  </a:outerShdw>
+                </a:effectLst>
+              </a:rPr>
+              <a:t>YUDI</a:t>
+            </a:r>
+            <a:endParaRPr lang="pt-BR" sz="4400" b="1" cap="none" spc="0" dirty="0">
+              <a:ln w="10160">
+                <a:solidFill>
+                  <a:srgbClr val="FF0000"/>
+                </a:solidFill>
+                <a:prstDash val="solid"/>
+              </a:ln>
+              <a:solidFill>
+                <a:srgbClr val="FF0000"/>
+              </a:solidFill>
+              <a:effectLst>
+                <a:outerShdw blurRad="38100" dist="22860" dir="5400000" algn="tl" rotWithShape="0">
+                  <a:srgbClr val="000000">
+                    <a:alpha val="30000"/>
+                  </a:srgbClr>
+                </a:outerShdw>
+              </a:effectLst>
+            </a:endParaRPr>
+          </a:p>
+        </p:txBody>
+      </p:sp>
+      <p:sp>
+        <p:nvSpPr>
+          <p:cNvPr id="8" name="Retângulo 7"/>
+          <p:cNvSpPr/>
+          <p:nvPr/>
+        </p:nvSpPr>
+        <p:spPr>
+          <a:xfrm>
+            <a:off x="9952944" y="783562"/>
+            <a:ext cx="1684115" cy="769441"/>
+          </a:xfrm>
+          <a:prstGeom prst="rect">
+            <a:avLst/>
+          </a:prstGeom>
+          <a:noFill/>
+        </p:spPr>
+        <p:txBody>
+          <a:bodyPr wrap="none" lIns="91440" tIns="45720" rIns="91440" bIns="45720">
+            <a:spAutoFit/>
+          </a:bodyPr>
+          <a:lstStyle/>
+          <a:p>
+            <a:pPr algn="ctr"/>
+            <a:r>
+              <a:rPr lang="pt-BR" sz="4400" b="1" cap="none" spc="0" dirty="0" smtClean="0">
+                <a:ln w="10160">
+                  <a:solidFill>
+                    <a:schemeClr val="accent6"/>
+                  </a:solidFill>
+                  <a:prstDash val="solid"/>
+                </a:ln>
+                <a:solidFill>
+                  <a:schemeClr val="accent6"/>
+                </a:solidFill>
+                <a:effectLst>
+                  <a:outerShdw blurRad="38100" dist="22860" dir="5400000" algn="tl" rotWithShape="0">
+                    <a:srgbClr val="000000">
+                      <a:alpha val="30000"/>
+                    </a:srgbClr>
+                  </a:outerShdw>
+                </a:effectLst>
+              </a:rPr>
+              <a:t>LUCAS</a:t>
+            </a:r>
+            <a:endParaRPr lang="pt-BR" sz="4400" b="1" cap="none" spc="0" dirty="0">
+              <a:ln w="10160">
+                <a:solidFill>
+                  <a:schemeClr val="accent6"/>
+                </a:solidFill>
+                <a:prstDash val="solid"/>
+              </a:ln>
+              <a:solidFill>
+                <a:schemeClr val="accent6"/>
+              </a:solidFill>
+              <a:effectLst>
+                <a:outerShdw blurRad="38100" dist="22860" dir="5400000" algn="tl" rotWithShape="0">
+                  <a:srgbClr val="000000">
+                    <a:alpha val="30000"/>
+                  </a:srgbClr>
+                </a:outerShdw>
+              </a:effectLst>
+            </a:endParaRPr>
+          </a:p>
+        </p:txBody>
+      </p:sp>
+      <p:sp>
+        <p:nvSpPr>
+          <p:cNvPr id="9" name="Retângulo 8"/>
+          <p:cNvSpPr/>
+          <p:nvPr/>
+        </p:nvSpPr>
+        <p:spPr>
+          <a:xfrm>
+            <a:off x="9549309" y="1440124"/>
+            <a:ext cx="2491388" cy="769441"/>
+          </a:xfrm>
+          <a:prstGeom prst="rect">
+            <a:avLst/>
+          </a:prstGeom>
+          <a:noFill/>
+        </p:spPr>
+        <p:txBody>
+          <a:bodyPr wrap="none" lIns="91440" tIns="45720" rIns="91440" bIns="45720">
+            <a:spAutoFit/>
+          </a:bodyPr>
+          <a:lstStyle/>
+          <a:p>
+            <a:pPr algn="ctr"/>
+            <a:r>
+              <a:rPr lang="pt-BR" sz="4400" b="1" cap="none" spc="0" dirty="0" smtClean="0">
+                <a:ln w="10160">
+                  <a:solidFill>
+                    <a:schemeClr val="accent4">
+                      <a:lumMod val="60000"/>
+                      <a:lumOff val="40000"/>
+                    </a:schemeClr>
+                  </a:solidFill>
+                  <a:prstDash val="solid"/>
+                </a:ln>
+                <a:solidFill>
+                  <a:schemeClr val="accent4">
+                    <a:lumMod val="60000"/>
+                    <a:lumOff val="40000"/>
+                  </a:schemeClr>
+                </a:solidFill>
+                <a:effectLst>
+                  <a:outerShdw blurRad="38100" dist="22860" dir="5400000" algn="tl" rotWithShape="0">
+                    <a:srgbClr val="000000">
+                      <a:alpha val="30000"/>
+                    </a:srgbClr>
+                  </a:outerShdw>
+                </a:effectLst>
+              </a:rPr>
+              <a:t>RODOLFO</a:t>
+            </a:r>
+            <a:endParaRPr lang="pt-BR" sz="4400" b="1" cap="none" spc="0" dirty="0">
+              <a:ln w="10160">
+                <a:solidFill>
+                  <a:schemeClr val="accent4">
+                    <a:lumMod val="60000"/>
+                    <a:lumOff val="40000"/>
+                  </a:schemeClr>
+                </a:solidFill>
+                <a:prstDash val="solid"/>
+              </a:ln>
+              <a:solidFill>
+                <a:schemeClr val="accent4">
+                  <a:lumMod val="60000"/>
+                  <a:lumOff val="40000"/>
+                </a:schemeClr>
+              </a:solidFill>
+              <a:effectLst>
+                <a:outerShdw blurRad="38100" dist="22860" dir="5400000" algn="tl" rotWithShape="0">
+                  <a:srgbClr val="000000">
+                    <a:alpha val="30000"/>
+                  </a:srgbClr>
+                </a:outerShdw>
+              </a:effectLst>
+            </a:endParaRPr>
+          </a:p>
+        </p:txBody>
+      </p:sp>
+      <p:sp>
+        <p:nvSpPr>
+          <p:cNvPr id="10" name="Retângulo 9"/>
+          <p:cNvSpPr/>
+          <p:nvPr/>
+        </p:nvSpPr>
+        <p:spPr>
+          <a:xfrm>
+            <a:off x="9534496" y="2160186"/>
+            <a:ext cx="2521010" cy="769441"/>
+          </a:xfrm>
+          <a:prstGeom prst="rect">
+            <a:avLst/>
+          </a:prstGeom>
+          <a:noFill/>
+        </p:spPr>
+        <p:txBody>
+          <a:bodyPr wrap="none" lIns="91440" tIns="45720" rIns="91440" bIns="45720">
+            <a:spAutoFit/>
+          </a:bodyPr>
+          <a:lstStyle/>
+          <a:p>
+            <a:pPr algn="ctr"/>
+            <a:r>
+              <a:rPr lang="pt-BR" sz="4400" b="1" cap="none" spc="0" dirty="0" smtClean="0">
+                <a:ln w="10160">
+                  <a:solidFill>
+                    <a:schemeClr val="accent1">
+                      <a:lumMod val="75000"/>
+                    </a:schemeClr>
+                  </a:solidFill>
+                  <a:prstDash val="solid"/>
+                </a:ln>
+                <a:solidFill>
+                  <a:schemeClr val="accent1">
+                    <a:lumMod val="75000"/>
+                  </a:schemeClr>
+                </a:solidFill>
+                <a:effectLst>
+                  <a:outerShdw blurRad="38100" dist="22860" dir="5400000" algn="tl" rotWithShape="0">
+                    <a:srgbClr val="000000">
+                      <a:alpha val="30000"/>
+                    </a:srgbClr>
+                  </a:outerShdw>
+                </a:effectLst>
+              </a:rPr>
+              <a:t>MATHEUS</a:t>
+            </a:r>
+            <a:endParaRPr lang="pt-BR" sz="4400" b="1" cap="none" spc="0" dirty="0">
+              <a:ln w="10160">
+                <a:solidFill>
+                  <a:schemeClr val="accent1">
+                    <a:lumMod val="75000"/>
+                  </a:schemeClr>
+                </a:solidFill>
+                <a:prstDash val="solid"/>
+              </a:ln>
+              <a:solidFill>
+                <a:schemeClr val="accent1">
+                  <a:lumMod val="75000"/>
+                </a:schemeClr>
+              </a:solidFill>
+              <a:effectLst>
+                <a:outerShdw blurRad="38100" dist="22860" dir="5400000" algn="tl" rotWithShape="0">
+                  <a:srgbClr val="000000">
+                    <a:alpha val="30000"/>
+                  </a:srgbClr>
+                </a:outerShdw>
+              </a:effectLst>
+            </a:endParaRPr>
+          </a:p>
+        </p:txBody>
+      </p:sp>
+    </p:spTree>
+    <p:extLst>
+      <p:ext uri="{BB962C8B-B14F-4D97-AF65-F5344CB8AC3E}">
+        <p14:creationId xmlns:p14="http://schemas.microsoft.com/office/powerpoint/2010/main" val="1656256606"/>
+      </p:ext>
+    </p:extLst>
+  </p:cSld>
+  <p:clrMapOvr>
+    <a:masterClrMapping/>
+  </p:clrMapOvr>
+  <p:timing>
+    <p:tnLst>
+      <p:par>
+        <p:cTn id="1" dur="indefinite" restart="never" nodeType="tmRoot"/>
+      </p:par>
+    </p:tnLst>
+  </p:timing>
+</p:sld>
+</file>
+
+<file path=ppt/slides/slide23.xml><?xml version="1.0" encoding="utf-8"?>
+<p:sld xmlns:a="http://schemas.openxmlformats.org/drawingml/2006/main" xmlns:r="http://schemas.openxmlformats.org/officeDocument/2006/relationships" xmlns:p="http://schemas.openxmlformats.org/presentationml/2006/main">
+  <p:cSld>
+    <p:spTree>
+      <p:nvGrpSpPr>
+        <p:cNvPr id="1" name=""/>
+        <p:cNvGrpSpPr/>
+        <p:nvPr/>
+      </p:nvGrpSpPr>
+      <p:grpSpPr>
+        <a:xfrm>
+          <a:off x="0" y="0"/>
+          <a:ext cx="0" cy="0"/>
+          <a:chOff x="0" y="0"/>
+          <a:chExt cx="0" cy="0"/>
+        </a:xfrm>
+      </p:grpSpPr>
+      <p:grpSp>
+        <p:nvGrpSpPr>
+          <p:cNvPr id="10" name="Agrupar 9"/>
+          <p:cNvGrpSpPr/>
+          <p:nvPr/>
+        </p:nvGrpSpPr>
+        <p:grpSpPr>
+          <a:xfrm>
+            <a:off x="0" y="-5907"/>
+            <a:ext cx="12192000" cy="6863907"/>
+            <a:chOff x="0" y="0"/>
+            <a:chExt cx="12192000" cy="6863907"/>
+          </a:xfrm>
+        </p:grpSpPr>
+        <p:pic>
+          <p:nvPicPr>
+            <p:cNvPr id="13" name="Picture 22" descr="http://www.correiodoestadoonline.com.br/arquivos/noticias/3.png"/>
+            <p:cNvPicPr>
+              <a:picLocks noChangeAspect="1" noChangeArrowheads="1"/>
+            </p:cNvPicPr>
+            <p:nvPr/>
+          </p:nvPicPr>
+          <p:blipFill>
+            <a:blip r:embed="rId2">
+              <a:extLst>
+                <a:ext uri="{BEBA8EAE-BF5A-486C-A8C5-ECC9F3942E4B}">
+                  <a14:imgProps xmlns:a14="http://schemas.microsoft.com/office/drawing/2010/main">
+                    <a14:imgLayer r:embed="rId3">
+                      <a14:imgEffect>
+                        <a14:sharpenSoften amount="-80000"/>
+                      </a14:imgEffect>
+                      <a14:imgEffect>
+                        <a14:brightnessContrast bright="-46000"/>
+                      </a14:imgEffect>
+                    </a14:imgLayer>
+                  </a14:imgProps>
+                </a:ext>
+                <a:ext uri="{28A0092B-C50C-407E-A947-70E740481C1C}">
+                  <a14:useLocalDpi xmlns:a14="http://schemas.microsoft.com/office/drawing/2010/main" val="0"/>
+                </a:ext>
+              </a:extLst>
+            </a:blip>
+            <a:srcRect/>
+            <a:stretch>
+              <a:fillRect/>
+            </a:stretch>
+          </p:blipFill>
+          <p:spPr bwMode="auto">
+            <a:xfrm>
+              <a:off x="0" y="0"/>
+              <a:ext cx="12192000" cy="6863907"/>
+            </a:xfrm>
+            <a:prstGeom prst="rect">
+              <a:avLst/>
+            </a:prstGeom>
+            <a:noFill/>
+          </p:spPr>
+        </p:pic>
+        <p:sp>
+          <p:nvSpPr>
+            <p:cNvPr id="14" name="Retângulo 13"/>
+            <p:cNvSpPr/>
+            <p:nvPr/>
+          </p:nvSpPr>
+          <p:spPr>
+            <a:xfrm>
+              <a:off x="0" y="5907"/>
+              <a:ext cx="12192000" cy="6858000"/>
+            </a:xfrm>
+            <a:prstGeom prst="rect">
+              <a:avLst/>
+            </a:prstGeom>
+            <a:solidFill>
+              <a:schemeClr val="tx1">
+                <a:lumMod val="95000"/>
+                <a:lumOff val="5000"/>
+                <a:alpha val="87000"/>
+              </a:schemeClr>
+            </a:solidFill>
+            <a:ln>
+              <a:noFill/>
+            </a:ln>
+          </p:spPr>
+          <p:style>
+            <a:lnRef idx="2">
+              <a:schemeClr val="dk1"/>
+            </a:lnRef>
+            <a:fillRef idx="1">
+              <a:schemeClr val="lt1"/>
+            </a:fillRef>
+            <a:effectRef idx="0">
+              <a:schemeClr val="dk1"/>
+            </a:effectRef>
+            <a:fontRef idx="minor">
+              <a:schemeClr val="dk1"/>
+            </a:fontRef>
+          </p:style>
+          <p:txBody>
+            <a:bodyPr rtlCol="0" anchor="ctr"/>
+            <a:lstStyle/>
+            <a:p>
+              <a:pPr algn="ctr"/>
+              <a:endParaRPr lang="pt-BR" dirty="0"/>
+            </a:p>
+          </p:txBody>
+        </p:sp>
+      </p:grpSp>
+      <p:pic>
+        <p:nvPicPr>
+          <p:cNvPr id="7" name="Imagem 6">
+            <a:extLst>
+              <a:ext uri="{FF2B5EF4-FFF2-40B4-BE49-F238E27FC236}">
+                <a16:creationId xmlns:a16="http://schemas.microsoft.com/office/drawing/2014/main" id="{FE19BE6A-7136-4270-BC7B-F58B33793FEC}"/>
+              </a:ext>
+            </a:extLst>
+          </p:cNvPr>
+          <p:cNvPicPr>
+            <a:picLocks noChangeAspect="1"/>
+          </p:cNvPicPr>
+          <p:nvPr/>
+        </p:nvPicPr>
+        <p:blipFill>
+          <a:blip r:embed="rId4" cstate="print">
+            <a:extLst>
+              <a:ext uri="{28A0092B-C50C-407E-A947-70E740481C1C}">
+                <a14:useLocalDpi xmlns:a14="http://schemas.microsoft.com/office/drawing/2010/main" val="0"/>
+              </a:ext>
+            </a:extLst>
+          </a:blip>
+          <a:stretch>
+            <a:fillRect/>
+          </a:stretch>
+        </p:blipFill>
+        <p:spPr>
+          <a:xfrm>
+            <a:off x="3949700" y="5696697"/>
+            <a:ext cx="4292600" cy="1144693"/>
+          </a:xfrm>
+          <a:prstGeom prst="rect">
+            <a:avLst/>
+          </a:prstGeom>
+          <a:effectLst/>
+        </p:spPr>
+      </p:pic>
+      <p:sp>
+        <p:nvSpPr>
+          <p:cNvPr id="15" name="Retângulo 14"/>
+          <p:cNvSpPr/>
+          <p:nvPr/>
+        </p:nvSpPr>
+        <p:spPr>
+          <a:xfrm>
+            <a:off x="2139561" y="2393422"/>
+            <a:ext cx="7912878" cy="1862048"/>
+          </a:xfrm>
+          <a:prstGeom prst="rect">
+            <a:avLst/>
+          </a:prstGeom>
+          <a:noFill/>
+          <a:effectLst/>
+        </p:spPr>
+        <p:txBody>
+          <a:bodyPr wrap="square" lIns="91440" tIns="45720" rIns="91440" bIns="45720">
+            <a:spAutoFit/>
+          </a:bodyPr>
+          <a:lstStyle/>
+          <a:p>
+            <a:pPr algn="just"/>
+            <a:r>
+              <a:rPr lang="pt-BR" sz="11500" b="1" dirty="0" smtClean="0">
+                <a:ln w="0"/>
+                <a:solidFill>
+                  <a:schemeClr val="bg1"/>
+                </a:solidFill>
+                <a:effectLst>
+                  <a:outerShdw blurRad="38100" dist="19050" dir="2700000" algn="tl" rotWithShape="0">
+                    <a:schemeClr val="dk1">
+                      <a:alpha val="40000"/>
+                    </a:schemeClr>
+                  </a:outerShdw>
+                </a:effectLst>
+                <a:latin typeface="Exo 2 Medium" panose="00000600000000000000" pitchFamily="50" charset="0"/>
+              </a:rPr>
+              <a:t>0BRIGADO!</a:t>
+            </a:r>
+            <a:endParaRPr lang="pt-BR" sz="11500" b="1" cap="none" spc="0" dirty="0">
+              <a:ln w="0"/>
+              <a:solidFill>
+                <a:schemeClr val="bg1"/>
+              </a:solidFill>
+              <a:effectLst>
+                <a:outerShdw blurRad="38100" dist="19050" dir="2700000" algn="tl" rotWithShape="0">
+                  <a:schemeClr val="dk1">
+                    <a:alpha val="40000"/>
+                  </a:schemeClr>
+                </a:outerShdw>
+              </a:effectLst>
+              <a:latin typeface="Exo 2 Medium" panose="00000600000000000000" pitchFamily="50" charset="0"/>
+            </a:endParaRPr>
+          </a:p>
+        </p:txBody>
+      </p:sp>
+      <p:pic>
+        <p:nvPicPr>
+          <p:cNvPr id="16" name="Picture 4" descr="Resultado de imagem para bandtec digital school"/>
+          <p:cNvPicPr>
+            <a:picLocks noChangeAspect="1" noChangeArrowheads="1"/>
+          </p:cNvPicPr>
+          <p:nvPr/>
+        </p:nvPicPr>
+        <p:blipFill rotWithShape="1">
+          <a:blip r:embed="rId5">
+            <a:extLst>
+              <a:ext uri="{28A0092B-C50C-407E-A947-70E740481C1C}">
+                <a14:useLocalDpi xmlns:a14="http://schemas.microsoft.com/office/drawing/2010/main" val="0"/>
+              </a:ext>
+            </a:extLst>
+          </a:blip>
+          <a:srcRect b="6739"/>
+          <a:stretch/>
+        </p:blipFill>
+        <p:spPr bwMode="auto">
+          <a:xfrm>
+            <a:off x="145593" y="103053"/>
+            <a:ext cx="2445207" cy="849142"/>
+          </a:xfrm>
+          <a:prstGeom prst="rect">
+            <a:avLst/>
+          </a:prstGeom>
+          <a:noFill/>
+          <a:extLst>
+            <a:ext uri="{909E8E84-426E-40DD-AFC4-6F175D3DCCD1}">
+              <a14:hiddenFill xmlns:a14="http://schemas.microsoft.com/office/drawing/2010/main">
+                <a:solidFill>
+                  <a:srgbClr val="FFFFFF"/>
+                </a:solidFill>
+              </a14:hiddenFill>
+            </a:ext>
+          </a:extLst>
+        </p:spPr>
+      </p:pic>
+      <p:pic>
+        <p:nvPicPr>
+          <p:cNvPr id="17" name="Imagem 16"/>
+          <p:cNvPicPr>
+            <a:picLocks noChangeAspect="1"/>
+          </p:cNvPicPr>
+          <p:nvPr/>
+        </p:nvPicPr>
+        <p:blipFill rotWithShape="1">
+          <a:blip r:embed="rId6">
+            <a:extLst>
+              <a:ext uri="{28A0092B-C50C-407E-A947-70E740481C1C}">
+                <a14:useLocalDpi xmlns:a14="http://schemas.microsoft.com/office/drawing/2010/main" val="0"/>
+              </a:ext>
+            </a:extLst>
+          </a:blip>
+          <a:srcRect b="6434"/>
+          <a:stretch/>
+        </p:blipFill>
+        <p:spPr>
+          <a:xfrm>
+            <a:off x="9690100" y="-5907"/>
+            <a:ext cx="2450842" cy="1093658"/>
+          </a:xfrm>
+          <a:prstGeom prst="rect">
+            <a:avLst/>
+          </a:prstGeom>
+        </p:spPr>
+      </p:pic>
+      <p:sp>
+        <p:nvSpPr>
+          <p:cNvPr id="18" name="Retângulo 17"/>
+          <p:cNvSpPr/>
+          <p:nvPr/>
+        </p:nvSpPr>
+        <p:spPr>
+          <a:xfrm>
+            <a:off x="10118375" y="103418"/>
+            <a:ext cx="1353256" cy="769441"/>
+          </a:xfrm>
+          <a:prstGeom prst="rect">
+            <a:avLst/>
+          </a:prstGeom>
+          <a:noFill/>
+        </p:spPr>
+        <p:txBody>
+          <a:bodyPr wrap="none" lIns="91440" tIns="45720" rIns="91440" bIns="45720">
+            <a:spAutoFit/>
+          </a:bodyPr>
+          <a:lstStyle/>
+          <a:p>
+            <a:pPr algn="ctr"/>
+            <a:r>
+              <a:rPr lang="pt-BR" sz="4400" b="1" cap="none" spc="0" dirty="0" smtClean="0">
+                <a:ln w="10160">
+                  <a:solidFill>
+                    <a:srgbClr val="FF0000"/>
+                  </a:solidFill>
+                  <a:prstDash val="solid"/>
+                </a:ln>
+                <a:solidFill>
+                  <a:srgbClr val="FF0000"/>
+                </a:solidFill>
+                <a:effectLst>
+                  <a:outerShdw blurRad="38100" dist="22860" dir="5400000" algn="tl" rotWithShape="0">
+                    <a:srgbClr val="000000">
+                      <a:alpha val="30000"/>
+                    </a:srgbClr>
+                  </a:outerShdw>
+                </a:effectLst>
+              </a:rPr>
+              <a:t>YUDI</a:t>
+            </a:r>
+            <a:endParaRPr lang="pt-BR" sz="4400" b="1" cap="none" spc="0" dirty="0">
+              <a:ln w="10160">
+                <a:solidFill>
+                  <a:srgbClr val="FF0000"/>
+                </a:solidFill>
+                <a:prstDash val="solid"/>
+              </a:ln>
+              <a:solidFill>
+                <a:srgbClr val="FF0000"/>
+              </a:solidFill>
+              <a:effectLst>
+                <a:outerShdw blurRad="38100" dist="22860" dir="5400000" algn="tl" rotWithShape="0">
+                  <a:srgbClr val="000000">
+                    <a:alpha val="30000"/>
+                  </a:srgbClr>
+                </a:outerShdw>
+              </a:effectLst>
+            </a:endParaRPr>
+          </a:p>
+        </p:txBody>
+      </p:sp>
+      <p:sp>
+        <p:nvSpPr>
+          <p:cNvPr id="19" name="Retângulo 18"/>
+          <p:cNvSpPr/>
+          <p:nvPr/>
+        </p:nvSpPr>
+        <p:spPr>
+          <a:xfrm>
+            <a:off x="9952944" y="783562"/>
+            <a:ext cx="1684115" cy="769441"/>
+          </a:xfrm>
+          <a:prstGeom prst="rect">
+            <a:avLst/>
+          </a:prstGeom>
+          <a:noFill/>
+        </p:spPr>
+        <p:txBody>
+          <a:bodyPr wrap="none" lIns="91440" tIns="45720" rIns="91440" bIns="45720">
+            <a:spAutoFit/>
+          </a:bodyPr>
+          <a:lstStyle/>
+          <a:p>
+            <a:pPr algn="ctr"/>
+            <a:r>
+              <a:rPr lang="pt-BR" sz="4400" b="1" cap="none" spc="0" dirty="0" smtClean="0">
+                <a:ln w="10160">
+                  <a:solidFill>
+                    <a:schemeClr val="accent6"/>
+                  </a:solidFill>
+                  <a:prstDash val="solid"/>
+                </a:ln>
+                <a:solidFill>
+                  <a:schemeClr val="accent6"/>
+                </a:solidFill>
+                <a:effectLst>
+                  <a:outerShdw blurRad="38100" dist="22860" dir="5400000" algn="tl" rotWithShape="0">
+                    <a:srgbClr val="000000">
+                      <a:alpha val="30000"/>
+                    </a:srgbClr>
+                  </a:outerShdw>
+                </a:effectLst>
+              </a:rPr>
+              <a:t>LUCAS</a:t>
+            </a:r>
+            <a:endParaRPr lang="pt-BR" sz="4400" b="1" cap="none" spc="0" dirty="0">
+              <a:ln w="10160">
+                <a:solidFill>
+                  <a:schemeClr val="accent6"/>
+                </a:solidFill>
+                <a:prstDash val="solid"/>
+              </a:ln>
+              <a:solidFill>
+                <a:schemeClr val="accent6"/>
+              </a:solidFill>
+              <a:effectLst>
+                <a:outerShdw blurRad="38100" dist="22860" dir="5400000" algn="tl" rotWithShape="0">
+                  <a:srgbClr val="000000">
+                    <a:alpha val="30000"/>
+                  </a:srgbClr>
+                </a:outerShdw>
+              </a:effectLst>
+            </a:endParaRPr>
+          </a:p>
+        </p:txBody>
+      </p:sp>
+      <p:sp>
+        <p:nvSpPr>
+          <p:cNvPr id="20" name="Retângulo 19"/>
+          <p:cNvSpPr/>
+          <p:nvPr/>
+        </p:nvSpPr>
+        <p:spPr>
+          <a:xfrm>
+            <a:off x="9549309" y="1440124"/>
+            <a:ext cx="2491388" cy="769441"/>
+          </a:xfrm>
+          <a:prstGeom prst="rect">
+            <a:avLst/>
+          </a:prstGeom>
+          <a:noFill/>
+        </p:spPr>
+        <p:txBody>
+          <a:bodyPr wrap="none" lIns="91440" tIns="45720" rIns="91440" bIns="45720">
+            <a:spAutoFit/>
+          </a:bodyPr>
+          <a:lstStyle/>
+          <a:p>
+            <a:pPr algn="ctr"/>
+            <a:r>
+              <a:rPr lang="pt-BR" sz="4400" b="1" cap="none" spc="0" dirty="0" smtClean="0">
+                <a:ln w="10160">
+                  <a:solidFill>
+                    <a:schemeClr val="accent4">
+                      <a:lumMod val="60000"/>
+                      <a:lumOff val="40000"/>
+                    </a:schemeClr>
+                  </a:solidFill>
+                  <a:prstDash val="solid"/>
+                </a:ln>
+                <a:solidFill>
+                  <a:schemeClr val="accent4">
+                    <a:lumMod val="60000"/>
+                    <a:lumOff val="40000"/>
+                  </a:schemeClr>
+                </a:solidFill>
+                <a:effectLst>
+                  <a:outerShdw blurRad="38100" dist="22860" dir="5400000" algn="tl" rotWithShape="0">
+                    <a:srgbClr val="000000">
+                      <a:alpha val="30000"/>
+                    </a:srgbClr>
+                  </a:outerShdw>
+                </a:effectLst>
+              </a:rPr>
+              <a:t>RODOLFO</a:t>
+            </a:r>
+            <a:endParaRPr lang="pt-BR" sz="4400" b="1" cap="none" spc="0" dirty="0">
+              <a:ln w="10160">
+                <a:solidFill>
+                  <a:schemeClr val="accent4">
+                    <a:lumMod val="60000"/>
+                    <a:lumOff val="40000"/>
+                  </a:schemeClr>
+                </a:solidFill>
+                <a:prstDash val="solid"/>
+              </a:ln>
+              <a:solidFill>
+                <a:schemeClr val="accent4">
+                  <a:lumMod val="60000"/>
+                  <a:lumOff val="40000"/>
+                </a:schemeClr>
+              </a:solidFill>
+              <a:effectLst>
+                <a:outerShdw blurRad="38100" dist="22860" dir="5400000" algn="tl" rotWithShape="0">
+                  <a:srgbClr val="000000">
+                    <a:alpha val="30000"/>
+                  </a:srgbClr>
+                </a:outerShdw>
+              </a:effectLst>
+            </a:endParaRPr>
+          </a:p>
+        </p:txBody>
+      </p:sp>
+      <p:sp>
+        <p:nvSpPr>
+          <p:cNvPr id="21" name="Retângulo 20"/>
+          <p:cNvSpPr/>
+          <p:nvPr/>
+        </p:nvSpPr>
+        <p:spPr>
+          <a:xfrm>
+            <a:off x="9534496" y="2160186"/>
+            <a:ext cx="2521010" cy="769441"/>
+          </a:xfrm>
+          <a:prstGeom prst="rect">
+            <a:avLst/>
+          </a:prstGeom>
+          <a:noFill/>
+        </p:spPr>
+        <p:txBody>
+          <a:bodyPr wrap="none" lIns="91440" tIns="45720" rIns="91440" bIns="45720">
+            <a:spAutoFit/>
+          </a:bodyPr>
+          <a:lstStyle/>
+          <a:p>
+            <a:pPr algn="ctr"/>
+            <a:r>
+              <a:rPr lang="pt-BR" sz="4400" b="1" cap="none" spc="0" dirty="0" smtClean="0">
+                <a:ln w="10160">
+                  <a:solidFill>
+                    <a:schemeClr val="accent1">
+                      <a:lumMod val="75000"/>
+                    </a:schemeClr>
+                  </a:solidFill>
+                  <a:prstDash val="solid"/>
+                </a:ln>
+                <a:solidFill>
+                  <a:schemeClr val="accent1">
+                    <a:lumMod val="75000"/>
+                  </a:schemeClr>
+                </a:solidFill>
+                <a:effectLst>
+                  <a:outerShdw blurRad="38100" dist="22860" dir="5400000" algn="tl" rotWithShape="0">
+                    <a:srgbClr val="000000">
+                      <a:alpha val="30000"/>
+                    </a:srgbClr>
+                  </a:outerShdw>
+                </a:effectLst>
+              </a:rPr>
+              <a:t>MATHEUS</a:t>
+            </a:r>
+            <a:endParaRPr lang="pt-BR" sz="4400" b="1" cap="none" spc="0" dirty="0">
+              <a:ln w="10160">
+                <a:solidFill>
+                  <a:schemeClr val="accent1">
+                    <a:lumMod val="75000"/>
+                  </a:schemeClr>
+                </a:solidFill>
+                <a:prstDash val="solid"/>
+              </a:ln>
+              <a:solidFill>
+                <a:schemeClr val="accent1">
+                  <a:lumMod val="75000"/>
+                </a:schemeClr>
+              </a:solidFill>
+              <a:effectLst>
+                <a:outerShdw blurRad="38100" dist="22860" dir="5400000" algn="tl" rotWithShape="0">
+                  <a:srgbClr val="000000">
+                    <a:alpha val="30000"/>
+                  </a:srgbClr>
+                </a:outerShdw>
+              </a:effectLst>
+            </a:endParaRPr>
+          </a:p>
+        </p:txBody>
+      </p:sp>
+    </p:spTree>
+    <p:extLst>
+      <p:ext uri="{BB962C8B-B14F-4D97-AF65-F5344CB8AC3E}">
+        <p14:creationId xmlns:p14="http://schemas.microsoft.com/office/powerpoint/2010/main" val="623740678"/>
+      </p:ext>
+    </p:extLst>
+  </p:cSld>
+  <p:clrMapOvr>
+    <a:masterClrMapping/>
+  </p:clrMapOvr>
+  <p:timing>
+    <p:tnLst>
+      <p:par>
+        <p:cTn id="1" dur="indefinite" restart="never" nodeType="tmRoot"/>
+      </p:par>
+    </p:tnLst>
+  </p:timing>
 </p:sld>
 </file>
 
@@ -11005,6 +13404,71 @@
           </a:fontRef>
         </p:style>
       </p:cxnSp>
+      <p:sp>
+        <p:nvSpPr>
+          <p:cNvPr id="12" name="Retângulo 11"/>
+          <p:cNvSpPr/>
+          <p:nvPr/>
+        </p:nvSpPr>
+        <p:spPr>
+          <a:xfrm>
+            <a:off x="9952944" y="103418"/>
+            <a:ext cx="1684115" cy="769441"/>
+          </a:xfrm>
+          <a:prstGeom prst="rect">
+            <a:avLst/>
+          </a:prstGeom>
+          <a:noFill/>
+        </p:spPr>
+        <p:txBody>
+          <a:bodyPr wrap="none" lIns="91440" tIns="45720" rIns="91440" bIns="45720">
+            <a:spAutoFit/>
+          </a:bodyPr>
+          <a:lstStyle/>
+          <a:p>
+            <a:pPr algn="ctr"/>
+            <a:r>
+              <a:rPr lang="pt-BR" sz="4400" b="1" cap="none" spc="0" dirty="0" smtClean="0">
+                <a:ln w="10160">
+                  <a:solidFill>
+                    <a:schemeClr val="accent6"/>
+                  </a:solidFill>
+                  <a:prstDash val="solid"/>
+                </a:ln>
+                <a:solidFill>
+                  <a:schemeClr val="accent6"/>
+                </a:solidFill>
+                <a:effectLst>
+                  <a:outerShdw blurRad="38100" dist="22860" dir="5400000" algn="tl" rotWithShape="0">
+                    <a:srgbClr val="000000">
+                      <a:alpha val="30000"/>
+                    </a:srgbClr>
+                  </a:outerShdw>
+                </a:effectLst>
+              </a:rPr>
+              <a:t>LUCAS</a:t>
+            </a:r>
+            <a:endParaRPr lang="pt-BR" sz="4400" b="1" cap="none" spc="0" dirty="0">
+              <a:ln w="10160">
+                <a:solidFill>
+                  <a:schemeClr val="accent6"/>
+                </a:solidFill>
+                <a:prstDash val="solid"/>
+              </a:ln>
+              <a:solidFill>
+                <a:schemeClr val="accent6"/>
+              </a:solidFill>
+              <a:effectLst>
+                <a:outerShdw blurRad="38100" dist="22860" dir="5400000" algn="tl" rotWithShape="0">
+                  <a:srgbClr val="000000">
+                    <a:alpha val="30000"/>
+                  </a:srgbClr>
+                </a:outerShdw>
+              </a:effectLst>
+            </a:endParaRPr>
+          </a:p>
+        </p:txBody>
+      </p:sp>
     </p:spTree>
     <p:extLst>
       <p:ext uri="{BB962C8B-B14F-4D97-AF65-F5344CB8AC3E}">
@@ -11351,6 +13815,83 @@
           </p:spPr>
         </p:pic>
       </p:grpSp>
+      <p:sp>
+        <p:nvSpPr>
+          <p:cNvPr id="13" name="Retângulo 12"/>
+          <p:cNvSpPr/>
+          <p:nvPr/>
+        </p:nvSpPr>
+        <p:spPr>
+          <a:xfrm>
+            <a:off x="9549309" y="103418"/>
+            <a:ext cx="2491388" cy="769441"/>
+          </a:xfrm>
+          <a:prstGeom prst="rect">
+            <a:avLst/>
+          </a:prstGeom>
+          <a:noFill/>
+        </p:spPr>
+        <p:txBody>
+          <a:bodyPr wrap="none" lIns="91440" tIns="45720" rIns="91440" bIns="45720">
+            <a:spAutoFit/>
+          </a:bodyPr>
+          <a:lstStyle/>
+          <a:p>
+            <a:pPr algn="ctr"/>
+            <a:r>
+              <a:rPr lang="pt-BR" sz="4400" b="1" cap="none" spc="0" dirty="0" smtClean="0">
+                <a:ln w="10160">
+                  <a:solidFill>
+                    <a:schemeClr val="accent4">
+                      <a:lumMod val="60000"/>
+                      <a:lumOff val="40000"/>
+                    </a:schemeClr>
+                  </a:solidFill>
+                  <a:prstDash val="solid"/>
+                </a:ln>
+                <a:solidFill>
+                  <a:schemeClr val="accent4">
+                    <a:lumMod val="60000"/>
+                    <a:lumOff val="40000"/>
+                  </a:schemeClr>
+                </a:solidFill>
+                <a:effectLst>
+                  <a:outerShdw blurRad="38100" dist="22860" dir="5400000" algn="tl" rotWithShape="0">
+                    <a:srgbClr val="000000">
+                      <a:alpha val="30000"/>
+                    </a:srgbClr>
+                  </a:outerShdw>
+                </a:effectLst>
+              </a:rPr>
+              <a:t>RODOLFO</a:t>
+            </a:r>
+            <a:endParaRPr lang="pt-BR" sz="4400" b="1" cap="none" spc="0" dirty="0">
+              <a:ln w="10160">
+                <a:solidFill>
+                  <a:schemeClr val="accent4">
+                    <a:lumMod val="60000"/>
+                    <a:lumOff val="40000"/>
+                  </a:schemeClr>
+                </a:solidFill>
+                <a:prstDash val="solid"/>
+              </a:ln>
+              <a:solidFill>
+                <a:schemeClr val="accent4">
+                  <a:lumMod val="60000"/>
+                  <a:lumOff val="40000"/>
+                </a:schemeClr>
+              </a:solidFill>
+              <a:effectLst>
+                <a:outerShdw blurRad="38100" dist="22860" dir="5400000" algn="tl" rotWithShape="0">
+                  <a:srgbClr val="000000">
+                    <a:alpha val="30000"/>
+                  </a:srgbClr>
+                </a:outerShdw>
+              </a:effectLst>
+            </a:endParaRPr>
+          </a:p>
+        </p:txBody>
+      </p:sp>
     </p:spTree>
     <p:extLst>
       <p:ext uri="{BB962C8B-B14F-4D97-AF65-F5344CB8AC3E}">
@@ -11697,6 +14238,79 @@
           </a:fontRef>
         </p:style>
       </p:cxnSp>
+      <p:sp>
+        <p:nvSpPr>
+          <p:cNvPr id="2" name="Retângulo 1"/>
+          <p:cNvSpPr/>
+          <p:nvPr/>
+        </p:nvSpPr>
+        <p:spPr>
+          <a:xfrm>
+            <a:off x="9534496" y="103418"/>
+            <a:ext cx="2521010" cy="769441"/>
+          </a:xfrm>
+          <a:prstGeom prst="rect">
+            <a:avLst/>
+          </a:prstGeom>
+          <a:noFill/>
+        </p:spPr>
+        <p:txBody>
+          <a:bodyPr wrap="none" lIns="91440" tIns="45720" rIns="91440" bIns="45720">
+            <a:spAutoFit/>
+          </a:bodyPr>
+          <a:lstStyle/>
+          <a:p>
+            <a:pPr algn="ctr"/>
+            <a:r>
+              <a:rPr lang="pt-BR" sz="4400" b="1" cap="none" spc="0" dirty="0" smtClean="0">
+                <a:ln w="10160">
+                  <a:solidFill>
+                    <a:schemeClr val="accent1">
+                      <a:lumMod val="75000"/>
+                    </a:schemeClr>
+                  </a:solidFill>
+                  <a:prstDash val="solid"/>
+                </a:ln>
+                <a:solidFill>
+                  <a:schemeClr val="accent1">
+                    <a:lumMod val="75000"/>
+                  </a:schemeClr>
+                </a:solidFill>
+                <a:effectLst>
+                  <a:outerShdw blurRad="38100" dist="22860" dir="5400000" algn="tl" rotWithShape="0">
+                    <a:srgbClr val="000000">
+                      <a:alpha val="30000"/>
+                    </a:srgbClr>
+                  </a:outerShdw>
+                </a:effectLst>
+              </a:rPr>
+              <a:t>MATHEUS</a:t>
+            </a:r>
+            <a:endParaRPr lang="pt-BR" sz="4400" b="1" cap="none" spc="0" dirty="0">
+              <a:ln w="10160">
+                <a:solidFill>
+                  <a:schemeClr val="accent1">
+                    <a:lumMod val="75000"/>
+                  </a:schemeClr>
+                </a:solidFill>
+                <a:prstDash val="solid"/>
+              </a:ln>
+              <a:solidFill>
+                <a:schemeClr val="accent1">
+                  <a:lumMod val="75000"/>
+                </a:schemeClr>
+              </a:solidFill>
+              <a:effectLst>
+                <a:outerShdw blurRad="38100" dist="22860" dir="5400000" algn="tl" rotWithShape="0">
+                  <a:srgbClr val="000000">
+                    <a:alpha val="30000"/>
+                  </a:srgbClr>
+                </a:outerShdw>
+              </a:effectLst>
+            </a:endParaRPr>
+          </a:p>
+        </p:txBody>
+      </p:sp>
     </p:spTree>
     <p:extLst>
       <p:ext uri="{BB962C8B-B14F-4D97-AF65-F5344CB8AC3E}">
@@ -11707,13 +14321,13 @@
   <p:clrMapOvr>
     <a:masterClrMapping/>
   </p:clrMapOvr>
-  <mc:AlternateContent xmlns:mc="http://schemas.openxmlformats.org/markup-compatibility/2006">
-    <mc:Choice xmlns:p14="http://schemas.microsoft.com/office/powerpoint/2010/main" Requires="p14">
+  <mc:AlternateContent xmlns:mc="http://schemas.openxmlformats.org/markup-compatibility/2006" xmlns:p14="http://schemas.microsoft.com/office/powerpoint/2010/main">
+    <mc:Choice Requires="p14">
       <p:transition spd="med" p14:dur="700">
         <p:fade/>
       </p:transition>
     </mc:Choice>
-    <mc:Fallback>
+    <mc:Fallback xmlns="">
       <p:transition spd="med">
         <p:fade/>
       </p:transition>
@@ -14831,6 +17445,71 @@
           </a:fontRef>
         </p:style>
       </p:cxnSp>
+      <p:sp>
+        <p:nvSpPr>
+          <p:cNvPr id="9" name="Retângulo 8"/>
+          <p:cNvSpPr/>
+          <p:nvPr/>
+        </p:nvSpPr>
+        <p:spPr>
+          <a:xfrm>
+            <a:off x="10118375" y="103418"/>
+            <a:ext cx="1353256" cy="769441"/>
+          </a:xfrm>
+          <a:prstGeom prst="rect">
+            <a:avLst/>
+          </a:prstGeom>
+          <a:noFill/>
+        </p:spPr>
+        <p:txBody>
+          <a:bodyPr wrap="none" lIns="91440" tIns="45720" rIns="91440" bIns="45720">
+            <a:spAutoFit/>
+          </a:bodyPr>
+          <a:lstStyle/>
+          <a:p>
+            <a:pPr algn="ctr"/>
+            <a:r>
+              <a:rPr lang="pt-BR" sz="4400" b="1" cap="none" spc="0" dirty="0" smtClean="0">
+                <a:ln w="10160">
+                  <a:solidFill>
+                    <a:srgbClr val="FF0000"/>
+                  </a:solidFill>
+                  <a:prstDash val="solid"/>
+                </a:ln>
+                <a:solidFill>
+                  <a:srgbClr val="FF0000"/>
+                </a:solidFill>
+                <a:effectLst>
+                  <a:outerShdw blurRad="38100" dist="22860" dir="5400000" algn="tl" rotWithShape="0">
+                    <a:srgbClr val="000000">
+                      <a:alpha val="30000"/>
+                    </a:srgbClr>
+                  </a:outerShdw>
+                </a:effectLst>
+              </a:rPr>
+              <a:t>YUDI</a:t>
+            </a:r>
+            <a:endParaRPr lang="pt-BR" sz="4400" b="1" cap="none" spc="0" dirty="0">
+              <a:ln w="10160">
+                <a:solidFill>
+                  <a:srgbClr val="FF0000"/>
+                </a:solidFill>
+                <a:prstDash val="solid"/>
+              </a:ln>
+              <a:solidFill>
+                <a:srgbClr val="FF0000"/>
+              </a:solidFill>
+              <a:effectLst>
+                <a:outerShdw blurRad="38100" dist="22860" dir="5400000" algn="tl" rotWithShape="0">
+                  <a:srgbClr val="000000">
+                    <a:alpha val="30000"/>
+                  </a:srgbClr>
+                </a:outerShdw>
+              </a:effectLst>
+            </a:endParaRPr>
+          </a:p>
+        </p:txBody>
+      </p:sp>
     </p:spTree>
     <p:extLst>
       <p:ext uri="{BB962C8B-B14F-4D97-AF65-F5344CB8AC3E}">
@@ -15928,6 +18607,71 @@
                 </a:outerShdw>
               </a:effectLst>
               <a:latin typeface="Exo 2 Medium" panose="00000600000000000000" pitchFamily="50" charset="0"/>
+            </a:endParaRPr>
+          </a:p>
+        </p:txBody>
+      </p:sp>
+      <p:sp>
+        <p:nvSpPr>
+          <p:cNvPr id="31" name="Retângulo 30"/>
+          <p:cNvSpPr/>
+          <p:nvPr/>
+        </p:nvSpPr>
+        <p:spPr>
+          <a:xfrm>
+            <a:off x="10118375" y="103418"/>
+            <a:ext cx="1353256" cy="769441"/>
+          </a:xfrm>
+          <a:prstGeom prst="rect">
+            <a:avLst/>
+          </a:prstGeom>
+          <a:noFill/>
+        </p:spPr>
+        <p:txBody>
+          <a:bodyPr wrap="none" lIns="91440" tIns="45720" rIns="91440" bIns="45720">
+            <a:spAutoFit/>
+          </a:bodyPr>
+          <a:lstStyle/>
+          <a:p>
+            <a:pPr algn="ctr"/>
+            <a:r>
+              <a:rPr lang="pt-BR" sz="4400" b="1" cap="none" spc="0" dirty="0" smtClean="0">
+                <a:ln w="10160">
+                  <a:solidFill>
+                    <a:srgbClr val="FF0000"/>
+                  </a:solidFill>
+                  <a:prstDash val="solid"/>
+                </a:ln>
+                <a:solidFill>
+                  <a:srgbClr val="FF0000"/>
+                </a:solidFill>
+                <a:effectLst>
+                  <a:outerShdw blurRad="38100" dist="22860" dir="5400000" algn="tl" rotWithShape="0">
+                    <a:srgbClr val="000000">
+                      <a:alpha val="30000"/>
+                    </a:srgbClr>
+                  </a:outerShdw>
+                </a:effectLst>
+              </a:rPr>
+              <a:t>YUDI</a:t>
+            </a:r>
+            <a:endParaRPr lang="pt-BR" sz="4400" b="1" cap="none" spc="0" dirty="0">
+              <a:ln w="10160">
+                <a:solidFill>
+                  <a:srgbClr val="FF0000"/>
+                </a:solidFill>
+                <a:prstDash val="solid"/>
+              </a:ln>
+              <a:solidFill>
+                <a:srgbClr val="FF0000"/>
+              </a:solidFill>
+              <a:effectLst>
+                <a:outerShdw blurRad="38100" dist="22860" dir="5400000" algn="tl" rotWithShape="0">
+                  <a:srgbClr val="000000">
+                    <a:alpha val="30000"/>
+                  </a:srgbClr>
+                </a:outerShdw>
+              </a:effectLst>
             </a:endParaRPr>
           </a:p>
         </p:txBody>
@@ -18086,6 +20830,71 @@
           </a:p>
         </p:txBody>
       </p:sp>
+      <p:sp>
+        <p:nvSpPr>
+          <p:cNvPr id="43" name="Retângulo 42"/>
+          <p:cNvSpPr/>
+          <p:nvPr/>
+        </p:nvSpPr>
+        <p:spPr>
+          <a:xfrm>
+            <a:off x="10118375" y="103418"/>
+            <a:ext cx="1353256" cy="769441"/>
+          </a:xfrm>
+          <a:prstGeom prst="rect">
+            <a:avLst/>
+          </a:prstGeom>
+          <a:noFill/>
+        </p:spPr>
+        <p:txBody>
+          <a:bodyPr wrap="none" lIns="91440" tIns="45720" rIns="91440" bIns="45720">
+            <a:spAutoFit/>
+          </a:bodyPr>
+          <a:lstStyle/>
+          <a:p>
+            <a:pPr algn="ctr"/>
+            <a:r>
+              <a:rPr lang="pt-BR" sz="4400" b="1" cap="none" spc="0" dirty="0" smtClean="0">
+                <a:ln w="10160">
+                  <a:solidFill>
+                    <a:srgbClr val="FF0000"/>
+                  </a:solidFill>
+                  <a:prstDash val="solid"/>
+                </a:ln>
+                <a:solidFill>
+                  <a:srgbClr val="FF0000"/>
+                </a:solidFill>
+                <a:effectLst>
+                  <a:outerShdw blurRad="38100" dist="22860" dir="5400000" algn="tl" rotWithShape="0">
+                    <a:srgbClr val="000000">
+                      <a:alpha val="30000"/>
+                    </a:srgbClr>
+                  </a:outerShdw>
+                </a:effectLst>
+              </a:rPr>
+              <a:t>YUDI</a:t>
+            </a:r>
+            <a:endParaRPr lang="pt-BR" sz="4400" b="1" cap="none" spc="0" dirty="0">
+              <a:ln w="10160">
+                <a:solidFill>
+                  <a:srgbClr val="FF0000"/>
+                </a:solidFill>
+                <a:prstDash val="solid"/>
+              </a:ln>
+              <a:solidFill>
+                <a:srgbClr val="FF0000"/>
+              </a:solidFill>
+              <a:effectLst>
+                <a:outerShdw blurRad="38100" dist="22860" dir="5400000" algn="tl" rotWithShape="0">
+                  <a:srgbClr val="000000">
+                    <a:alpha val="30000"/>
+                  </a:srgbClr>
+                </a:outerShdw>
+              </a:effectLst>
+            </a:endParaRPr>
+          </a:p>
+        </p:txBody>
+      </p:sp>
     </p:spTree>
     <p:extLst>
       <p:ext uri="{BB962C8B-B14F-4D97-AF65-F5344CB8AC3E}">
@@ -18454,6 +21263,71 @@
           </a:fontRef>
         </p:style>
       </p:cxnSp>
+      <p:sp>
+        <p:nvSpPr>
+          <p:cNvPr id="10" name="Retângulo 9"/>
+          <p:cNvSpPr/>
+          <p:nvPr/>
+        </p:nvSpPr>
+        <p:spPr>
+          <a:xfrm>
+            <a:off x="10118375" y="103418"/>
+            <a:ext cx="1353256" cy="769441"/>
+          </a:xfrm>
+          <a:prstGeom prst="rect">
+            <a:avLst/>
+          </a:prstGeom>
+          <a:noFill/>
+        </p:spPr>
+        <p:txBody>
+          <a:bodyPr wrap="none" lIns="91440" tIns="45720" rIns="91440" bIns="45720">
+            <a:spAutoFit/>
+          </a:bodyPr>
+          <a:lstStyle/>
+          <a:p>
+            <a:pPr algn="ctr"/>
+            <a:r>
+              <a:rPr lang="pt-BR" sz="4400" b="1" cap="none" spc="0" dirty="0" smtClean="0">
+                <a:ln w="10160">
+                  <a:solidFill>
+                    <a:srgbClr val="FF0000"/>
+                  </a:solidFill>
+                  <a:prstDash val="solid"/>
+                </a:ln>
+                <a:solidFill>
+                  <a:srgbClr val="FF0000"/>
+                </a:solidFill>
+                <a:effectLst>
+                  <a:outerShdw blurRad="38100" dist="22860" dir="5400000" algn="tl" rotWithShape="0">
+                    <a:srgbClr val="000000">
+                      <a:alpha val="30000"/>
+                    </a:srgbClr>
+                  </a:outerShdw>
+                </a:effectLst>
+              </a:rPr>
+              <a:t>YUDI</a:t>
+            </a:r>
+            <a:endParaRPr lang="pt-BR" sz="4400" b="1" cap="none" spc="0" dirty="0">
+              <a:ln w="10160">
+                <a:solidFill>
+                  <a:srgbClr val="FF0000"/>
+                </a:solidFill>
+                <a:prstDash val="solid"/>
+              </a:ln>
+              <a:solidFill>
+                <a:srgbClr val="FF0000"/>
+              </a:solidFill>
+              <a:effectLst>
+                <a:outerShdw blurRad="38100" dist="22860" dir="5400000" algn="tl" rotWithShape="0">
+                  <a:srgbClr val="000000">
+                    <a:alpha val="30000"/>
+                  </a:srgbClr>
+                </a:outerShdw>
+              </a:effectLst>
+            </a:endParaRPr>
+          </a:p>
+        </p:txBody>
+      </p:sp>
     </p:spTree>
     <p:extLst>
       <p:ext uri="{BB962C8B-B14F-4D97-AF65-F5344CB8AC3E}">

--- a/Apresentação/inSensor.pptx
+++ b/Apresentação/inSensor.pptx
@@ -18,16 +18,15 @@
     <p:sldId id="273" r:id="rId12"/>
     <p:sldId id="268" r:id="rId13"/>
     <p:sldId id="269" r:id="rId14"/>
-    <p:sldId id="270" r:id="rId15"/>
-    <p:sldId id="271" r:id="rId16"/>
-    <p:sldId id="274" r:id="rId17"/>
-    <p:sldId id="276" r:id="rId18"/>
-    <p:sldId id="277" r:id="rId19"/>
-    <p:sldId id="278" r:id="rId20"/>
-    <p:sldId id="280" r:id="rId21"/>
-    <p:sldId id="281" r:id="rId22"/>
-    <p:sldId id="282" r:id="rId23"/>
-    <p:sldId id="283" r:id="rId24"/>
+    <p:sldId id="271" r:id="rId15"/>
+    <p:sldId id="274" r:id="rId16"/>
+    <p:sldId id="276" r:id="rId17"/>
+    <p:sldId id="277" r:id="rId18"/>
+    <p:sldId id="278" r:id="rId19"/>
+    <p:sldId id="280" r:id="rId20"/>
+    <p:sldId id="281" r:id="rId21"/>
+    <p:sldId id="282" r:id="rId22"/>
+    <p:sldId id="283" r:id="rId23"/>
   </p:sldIdLst>
   <p:sldSz cx="12192000" cy="6858000"/>
   <p:notesSz cx="6858000" cy="9144000"/>
@@ -4615,94 +4614,109 @@
           </a:fontRef>
         </p:style>
       </p:cxnSp>
-      <p:sp>
-        <p:nvSpPr>
-          <p:cNvPr id="50" name="Elipse 49"/>
-          <p:cNvSpPr/>
-          <p:nvPr/>
-        </p:nvSpPr>
-        <p:spPr>
+      <p:grpSp>
+        <p:nvGrpSpPr>
+          <p:cNvPr id="2" name="Agrupar 1"/>
+          <p:cNvGrpSpPr/>
+          <p:nvPr/>
+        </p:nvGrpSpPr>
+        <p:grpSpPr>
           <a:xfrm>
             <a:off x="5931978" y="2016121"/>
             <a:ext cx="1055528" cy="1055528"/>
-          </a:xfrm>
-          <a:prstGeom prst="ellipse">
-            <a:avLst/>
-          </a:prstGeom>
-          <a:solidFill>
-            <a:schemeClr val="bg1"/>
-          </a:solidFill>
-          <a:ln>
+            <a:chOff x="5931978" y="2016121"/>
+            <a:chExt cx="1055528" cy="1055528"/>
+          </a:xfrm>
+        </p:grpSpPr>
+        <p:sp>
+          <p:nvSpPr>
+            <p:cNvPr id="50" name="Elipse 49"/>
+            <p:cNvSpPr/>
+            <p:nvPr/>
+          </p:nvSpPr>
+          <p:spPr>
+            <a:xfrm>
+              <a:off x="5931978" y="2016121"/>
+              <a:ext cx="1055528" cy="1055528"/>
+            </a:xfrm>
+            <a:prstGeom prst="ellipse">
+              <a:avLst/>
+            </a:prstGeom>
+            <a:solidFill>
+              <a:schemeClr val="bg1"/>
+            </a:solidFill>
+            <a:ln>
+              <a:noFill/>
+            </a:ln>
+            <a:effectLst/>
+          </p:spPr>
+          <p:style>
+            <a:lnRef idx="2">
+              <a:schemeClr val="accent1">
+                <a:shade val="50000"/>
+              </a:schemeClr>
+            </a:lnRef>
+            <a:fillRef idx="1">
+              <a:schemeClr val="accent1"/>
+            </a:fillRef>
+            <a:effectRef idx="0">
+              <a:schemeClr val="accent1"/>
+            </a:effectRef>
+            <a:fontRef idx="minor">
+              <a:schemeClr val="lt1"/>
+            </a:fontRef>
+          </p:style>
+          <p:txBody>
+            <a:bodyPr rtlCol="0" anchor="ctr"/>
+            <a:lstStyle/>
+            <a:p>
+              <a:pPr algn="ctr"/>
+              <a:endParaRPr lang="pt-BR" dirty="0"/>
+            </a:p>
+          </p:txBody>
+        </p:sp>
+        <p:pic>
+          <p:nvPicPr>
+            <p:cNvPr id="52" name="Picture 24" descr="Resultado de imagem para nodejs"/>
+            <p:cNvPicPr>
+              <a:picLocks noChangeAspect="1" noChangeArrowheads="1"/>
+            </p:cNvPicPr>
+            <p:nvPr/>
+          </p:nvPicPr>
+          <p:blipFill>
+            <a:blip r:embed="rId10" cstate="print">
+              <a:extLst>
+                <a:ext uri="{28A0092B-C50C-407E-A947-70E740481C1C}">
+                  <a14:useLocalDpi xmlns:a14="http://schemas.microsoft.com/office/drawing/2010/main" val="0"/>
+                </a:ext>
+              </a:extLst>
+            </a:blip>
+            <a:srcRect/>
+            <a:stretch>
+              <a:fillRect/>
+            </a:stretch>
+          </p:blipFill>
+          <p:spPr bwMode="auto">
+            <a:xfrm>
+              <a:off x="6111992" y="2185519"/>
+              <a:ext cx="698463" cy="698463"/>
+            </a:xfrm>
+            <a:prstGeom prst="rect">
+              <a:avLst/>
+            </a:prstGeom>
             <a:noFill/>
-          </a:ln>
-          <a:effectLst/>
-        </p:spPr>
-        <p:style>
-          <a:lnRef idx="2">
-            <a:schemeClr val="accent1">
-              <a:shade val="50000"/>
-            </a:schemeClr>
-          </a:lnRef>
-          <a:fillRef idx="1">
-            <a:schemeClr val="accent1"/>
-          </a:fillRef>
-          <a:effectRef idx="0">
-            <a:schemeClr val="accent1"/>
-          </a:effectRef>
-          <a:fontRef idx="minor">
-            <a:schemeClr val="lt1"/>
-          </a:fontRef>
-        </p:style>
-        <p:txBody>
-          <a:bodyPr rtlCol="0" anchor="ctr"/>
-          <a:lstStyle/>
-          <a:p>
-            <a:pPr algn="ctr"/>
-            <a:endParaRPr lang="pt-BR" dirty="0"/>
-          </a:p>
-        </p:txBody>
-      </p:sp>
-      <p:pic>
-        <p:nvPicPr>
-          <p:cNvPr id="52" name="Picture 24" descr="Resultado de imagem para nodejs"/>
-          <p:cNvPicPr>
-            <a:picLocks noChangeAspect="1" noChangeArrowheads="1"/>
-          </p:cNvPicPr>
-          <p:nvPr/>
-        </p:nvPicPr>
-        <p:blipFill>
-          <a:blip r:embed="rId10" cstate="print">
             <a:extLst>
-              <a:ext uri="{28A0092B-C50C-407E-A947-70E740481C1C}">
-                <a14:useLocalDpi xmlns:a14="http://schemas.microsoft.com/office/drawing/2010/main" val="0"/>
+              <a:ext uri="{909E8E84-426E-40DD-AFC4-6F175D3DCCD1}">
+                <a14:hiddenFill xmlns:a14="http://schemas.microsoft.com/office/drawing/2010/main">
+                  <a:solidFill>
+                    <a:srgbClr val="FFFFFF"/>
+                  </a:solidFill>
+                </a14:hiddenFill>
               </a:ext>
             </a:extLst>
-          </a:blip>
-          <a:srcRect/>
-          <a:stretch>
-            <a:fillRect/>
-          </a:stretch>
-        </p:blipFill>
-        <p:spPr bwMode="auto">
-          <a:xfrm>
-            <a:off x="6111992" y="2185519"/>
-            <a:ext cx="698463" cy="698463"/>
-          </a:xfrm>
-          <a:prstGeom prst="rect">
-            <a:avLst/>
-          </a:prstGeom>
-          <a:noFill/>
-          <a:extLst>
-            <a:ext uri="{909E8E84-426E-40DD-AFC4-6F175D3DCCD1}">
-              <a14:hiddenFill xmlns:a14="http://schemas.microsoft.com/office/drawing/2010/main">
-                <a:solidFill>
-                  <a:srgbClr val="FFFFFF"/>
-                </a:solidFill>
-              </a14:hiddenFill>
-            </a:ext>
-          </a:extLst>
-        </p:spPr>
-      </p:pic>
+          </p:spPr>
+        </p:pic>
+      </p:grpSp>
       <p:sp>
         <p:nvSpPr>
           <p:cNvPr id="53" name="Retângulo 52"/>
@@ -6618,6 +6632,46 @@
           </p:txBody>
         </p:sp>
       </p:grpSp>
+      <p:pic>
+        <p:nvPicPr>
+          <p:cNvPr id="1030" name="Picture 6" descr="Resultado de imagem para cloud"/>
+          <p:cNvPicPr>
+            <a:picLocks noChangeAspect="1" noChangeArrowheads="1"/>
+          </p:cNvPicPr>
+          <p:nvPr/>
+        </p:nvPicPr>
+        <p:blipFill rotWithShape="1">
+          <a:blip r:embed="rId4">
+            <a:biLevel thresh="50000"/>
+            <a:extLst>
+              <a:ext uri="{28A0092B-C50C-407E-A947-70E740481C1C}">
+                <a14:useLocalDpi xmlns:a14="http://schemas.microsoft.com/office/drawing/2010/main" val="0"/>
+              </a:ext>
+            </a:extLst>
+          </a:blip>
+          <a:srcRect b="4873"/>
+          <a:stretch/>
+        </p:blipFill>
+        <p:spPr bwMode="auto">
+          <a:xfrm>
+            <a:off x="7758112" y="732291"/>
+            <a:ext cx="3990975" cy="2518910"/>
+          </a:xfrm>
+          <a:prstGeom prst="rect">
+            <a:avLst/>
+          </a:prstGeom>
+          <a:noFill/>
+          <a:extLst>
+            <a:ext uri="{909E8E84-426E-40DD-AFC4-6F175D3DCCD1}">
+              <a14:hiddenFill xmlns:a14="http://schemas.microsoft.com/office/drawing/2010/main">
+                <a:solidFill>
+                  <a:srgbClr val="FFFFFF"/>
+                </a:solidFill>
+              </a14:hiddenFill>
+            </a:ext>
+          </a:extLst>
+        </p:spPr>
+      </p:pic>
       <p:sp>
         <p:nvSpPr>
           <p:cNvPr id="12" name="Retângulo 11"/>
@@ -6795,6 +6849,1657 @@
           </a:p>
         </p:txBody>
       </p:sp>
+      <p:pic>
+        <p:nvPicPr>
+          <p:cNvPr id="9" name="Picture 2" descr="Resultado de imagem para arduino"/>
+          <p:cNvPicPr>
+            <a:picLocks noChangeAspect="1" noChangeArrowheads="1"/>
+          </p:cNvPicPr>
+          <p:nvPr/>
+        </p:nvPicPr>
+        <p:blipFill>
+          <a:blip r:embed="rId5" cstate="print">
+            <a:extLst>
+              <a:ext uri="{28A0092B-C50C-407E-A947-70E740481C1C}">
+                <a14:useLocalDpi xmlns:a14="http://schemas.microsoft.com/office/drawing/2010/main" val="0"/>
+              </a:ext>
+            </a:extLst>
+          </a:blip>
+          <a:srcRect/>
+          <a:stretch>
+            <a:fillRect/>
+          </a:stretch>
+        </p:blipFill>
+        <p:spPr bwMode="auto">
+          <a:xfrm>
+            <a:off x="3804767" y="2169295"/>
+            <a:ext cx="1127425" cy="798592"/>
+          </a:xfrm>
+          <a:prstGeom prst="rect">
+            <a:avLst/>
+          </a:prstGeom>
+          <a:noFill/>
+          <a:extLst>
+            <a:ext uri="{909E8E84-426E-40DD-AFC4-6F175D3DCCD1}">
+              <a14:hiddenFill xmlns:a14="http://schemas.microsoft.com/office/drawing/2010/main">
+                <a:solidFill>
+                  <a:srgbClr val="FFFFFF"/>
+                </a:solidFill>
+              </a14:hiddenFill>
+            </a:ext>
+          </a:extLst>
+        </p:spPr>
+      </p:pic>
+      <p:pic>
+        <p:nvPicPr>
+          <p:cNvPr id="10" name="Picture 4" descr="Resultado de imagem para INCUBADORA NEONATAL"/>
+          <p:cNvPicPr>
+            <a:picLocks noChangeAspect="1" noChangeArrowheads="1"/>
+          </p:cNvPicPr>
+          <p:nvPr/>
+        </p:nvPicPr>
+        <p:blipFill>
+          <a:blip r:embed="rId6">
+            <a:extLst>
+              <a:ext uri="{28A0092B-C50C-407E-A947-70E740481C1C}">
+                <a14:useLocalDpi xmlns:a14="http://schemas.microsoft.com/office/drawing/2010/main" val="0"/>
+              </a:ext>
+            </a:extLst>
+          </a:blip>
+          <a:srcRect/>
+          <a:stretch>
+            <a:fillRect/>
+          </a:stretch>
+        </p:blipFill>
+        <p:spPr bwMode="auto">
+          <a:xfrm>
+            <a:off x="1265741" y="1594243"/>
+            <a:ext cx="1078517" cy="1704262"/>
+          </a:xfrm>
+          <a:prstGeom prst="rect">
+            <a:avLst/>
+          </a:prstGeom>
+          <a:noFill/>
+          <a:extLst>
+            <a:ext uri="{909E8E84-426E-40DD-AFC4-6F175D3DCCD1}">
+              <a14:hiddenFill xmlns:a14="http://schemas.microsoft.com/office/drawing/2010/main">
+                <a:solidFill>
+                  <a:srgbClr val="FFFFFF"/>
+                </a:solidFill>
+              </a14:hiddenFill>
+            </a:ext>
+          </a:extLst>
+        </p:spPr>
+      </p:pic>
+      <p:cxnSp>
+        <p:nvCxnSpPr>
+          <p:cNvPr id="14" name="Conector de Seta Reta 13"/>
+          <p:cNvCxnSpPr/>
+          <p:nvPr/>
+        </p:nvCxnSpPr>
+        <p:spPr>
+          <a:xfrm>
+            <a:off x="2445388" y="2613534"/>
+            <a:ext cx="1237724" cy="0"/>
+          </a:xfrm>
+          <a:prstGeom prst="straightConnector1">
+            <a:avLst/>
+          </a:prstGeom>
+          <a:ln w="76200">
+            <a:solidFill>
+              <a:schemeClr val="bg1"/>
+            </a:solidFill>
+            <a:headEnd type="triangle"/>
+            <a:tailEnd type="triangle"/>
+          </a:ln>
+        </p:spPr>
+        <p:style>
+          <a:lnRef idx="1">
+            <a:schemeClr val="accent1"/>
+          </a:lnRef>
+          <a:fillRef idx="0">
+            <a:schemeClr val="accent1"/>
+          </a:fillRef>
+          <a:effectRef idx="0">
+            <a:schemeClr val="accent1"/>
+          </a:effectRef>
+          <a:fontRef idx="minor">
+            <a:schemeClr val="tx1"/>
+          </a:fontRef>
+        </p:style>
+      </p:cxnSp>
+      <p:pic>
+        <p:nvPicPr>
+          <p:cNvPr id="15" name="Picture 16" descr="Resultado de imagem para pc icon"/>
+          <p:cNvPicPr>
+            <a:picLocks noChangeAspect="1" noChangeArrowheads="1"/>
+          </p:cNvPicPr>
+          <p:nvPr/>
+        </p:nvPicPr>
+        <p:blipFill>
+          <a:blip r:embed="rId7" cstate="print">
+            <a:biLevel thresh="25000"/>
+            <a:extLst>
+              <a:ext uri="{28A0092B-C50C-407E-A947-70E740481C1C}">
+                <a14:useLocalDpi xmlns:a14="http://schemas.microsoft.com/office/drawing/2010/main" val="0"/>
+              </a:ext>
+            </a:extLst>
+          </a:blip>
+          <a:srcRect/>
+          <a:stretch>
+            <a:fillRect/>
+          </a:stretch>
+        </p:blipFill>
+        <p:spPr bwMode="auto">
+          <a:xfrm>
+            <a:off x="5827056" y="2103127"/>
+            <a:ext cx="932370" cy="932370"/>
+          </a:xfrm>
+          <a:prstGeom prst="rect">
+            <a:avLst/>
+          </a:prstGeom>
+          <a:noFill/>
+          <a:extLst>
+            <a:ext uri="{909E8E84-426E-40DD-AFC4-6F175D3DCCD1}">
+              <a14:hiddenFill xmlns:a14="http://schemas.microsoft.com/office/drawing/2010/main">
+                <a:solidFill>
+                  <a:srgbClr val="FFFFFF"/>
+                </a:solidFill>
+              </a14:hiddenFill>
+            </a:ext>
+          </a:extLst>
+        </p:spPr>
+      </p:pic>
+      <p:cxnSp>
+        <p:nvCxnSpPr>
+          <p:cNvPr id="17" name="Conector de Seta Reta 16"/>
+          <p:cNvCxnSpPr/>
+          <p:nvPr/>
+        </p:nvCxnSpPr>
+        <p:spPr>
+          <a:xfrm>
+            <a:off x="5020728" y="2601371"/>
+            <a:ext cx="675187" cy="0"/>
+          </a:xfrm>
+          <a:prstGeom prst="straightConnector1">
+            <a:avLst/>
+          </a:prstGeom>
+          <a:ln w="76200">
+            <a:solidFill>
+              <a:schemeClr val="bg1"/>
+            </a:solidFill>
+            <a:headEnd type="triangle"/>
+            <a:tailEnd type="triangle"/>
+          </a:ln>
+        </p:spPr>
+        <p:style>
+          <a:lnRef idx="1">
+            <a:schemeClr val="accent1"/>
+          </a:lnRef>
+          <a:fillRef idx="0">
+            <a:schemeClr val="accent1"/>
+          </a:fillRef>
+          <a:effectRef idx="0">
+            <a:schemeClr val="accent1"/>
+          </a:effectRef>
+          <a:fontRef idx="minor">
+            <a:schemeClr val="tx1"/>
+          </a:fontRef>
+        </p:style>
+      </p:cxnSp>
+      <p:cxnSp>
+        <p:nvCxnSpPr>
+          <p:cNvPr id="18" name="Conector de Seta Reta 17"/>
+          <p:cNvCxnSpPr/>
+          <p:nvPr/>
+        </p:nvCxnSpPr>
+        <p:spPr>
+          <a:xfrm>
+            <a:off x="6845731" y="2609432"/>
+            <a:ext cx="912381" cy="0"/>
+          </a:xfrm>
+          <a:prstGeom prst="straightConnector1">
+            <a:avLst/>
+          </a:prstGeom>
+          <a:ln w="76200">
+            <a:solidFill>
+              <a:schemeClr val="bg1"/>
+            </a:solidFill>
+            <a:headEnd type="triangle"/>
+            <a:tailEnd type="triangle"/>
+          </a:ln>
+        </p:spPr>
+        <p:style>
+          <a:lnRef idx="1">
+            <a:schemeClr val="accent1"/>
+          </a:lnRef>
+          <a:fillRef idx="0">
+            <a:schemeClr val="accent1"/>
+          </a:fillRef>
+          <a:effectRef idx="0">
+            <a:schemeClr val="accent1"/>
+          </a:effectRef>
+          <a:fontRef idx="minor">
+            <a:schemeClr val="tx1"/>
+          </a:fontRef>
+        </p:style>
+      </p:cxnSp>
+      <p:grpSp>
+        <p:nvGrpSpPr>
+          <p:cNvPr id="22" name="Agrupar 21"/>
+          <p:cNvGrpSpPr/>
+          <p:nvPr/>
+        </p:nvGrpSpPr>
+        <p:grpSpPr>
+          <a:xfrm>
+            <a:off x="5054328" y="1339036"/>
+            <a:ext cx="641587" cy="1065034"/>
+            <a:chOff x="5610926" y="907462"/>
+            <a:chExt cx="914479" cy="1518036"/>
+          </a:xfrm>
+        </p:grpSpPr>
+        <p:pic>
+          <p:nvPicPr>
+            <p:cNvPr id="23" name="Imagem 22"/>
+            <p:cNvPicPr>
+              <a:picLocks noChangeAspect="1"/>
+            </p:cNvPicPr>
+            <p:nvPr/>
+          </p:nvPicPr>
+          <p:blipFill>
+            <a:blip r:embed="rId8">
+              <a:extLst>
+                <a:ext uri="{28A0092B-C50C-407E-A947-70E740481C1C}">
+                  <a14:useLocalDpi xmlns:a14="http://schemas.microsoft.com/office/drawing/2010/main" val="0"/>
+                </a:ext>
+              </a:extLst>
+            </a:blip>
+            <a:stretch>
+              <a:fillRect/>
+            </a:stretch>
+          </p:blipFill>
+          <p:spPr>
+            <a:xfrm>
+              <a:off x="5610926" y="907462"/>
+              <a:ext cx="914479" cy="1518036"/>
+            </a:xfrm>
+            <a:prstGeom prst="rect">
+              <a:avLst/>
+            </a:prstGeom>
+          </p:spPr>
+        </p:pic>
+        <p:pic>
+          <p:nvPicPr>
+            <p:cNvPr id="24" name="Picture 26" descr="Resultado de imagem para usb text icon"/>
+            <p:cNvPicPr>
+              <a:picLocks noChangeAspect="1" noChangeArrowheads="1"/>
+            </p:cNvPicPr>
+            <p:nvPr/>
+          </p:nvPicPr>
+          <p:blipFill>
+            <a:blip r:embed="rId9" cstate="print">
+              <a:extLst>
+                <a:ext uri="{28A0092B-C50C-407E-A947-70E740481C1C}">
+                  <a14:useLocalDpi xmlns:a14="http://schemas.microsoft.com/office/drawing/2010/main" val="0"/>
+                </a:ext>
+              </a:extLst>
+            </a:blip>
+            <a:srcRect/>
+            <a:stretch>
+              <a:fillRect/>
+            </a:stretch>
+          </p:blipFill>
+          <p:spPr bwMode="auto">
+            <a:xfrm>
+              <a:off x="5684831" y="994238"/>
+              <a:ext cx="735704" cy="735705"/>
+            </a:xfrm>
+            <a:prstGeom prst="rect">
+              <a:avLst/>
+            </a:prstGeom>
+            <a:noFill/>
+            <a:extLst>
+              <a:ext uri="{909E8E84-426E-40DD-AFC4-6F175D3DCCD1}">
+                <a14:hiddenFill xmlns:a14="http://schemas.microsoft.com/office/drawing/2010/main">
+                  <a:solidFill>
+                    <a:srgbClr val="FFFFFF"/>
+                  </a:solidFill>
+                </a14:hiddenFill>
+              </a:ext>
+            </a:extLst>
+          </p:spPr>
+        </p:pic>
+      </p:grpSp>
+      <p:pic>
+        <p:nvPicPr>
+          <p:cNvPr id="26" name="Imagem 25"/>
+          <p:cNvPicPr>
+            <a:picLocks noChangeAspect="1"/>
+          </p:cNvPicPr>
+          <p:nvPr/>
+        </p:nvPicPr>
+        <p:blipFill>
+          <a:blip r:embed="rId8">
+            <a:extLst>
+              <a:ext uri="{28A0092B-C50C-407E-A947-70E740481C1C}">
+                <a14:useLocalDpi xmlns:a14="http://schemas.microsoft.com/office/drawing/2010/main" val="0"/>
+              </a:ext>
+            </a:extLst>
+          </a:blip>
+          <a:stretch>
+            <a:fillRect/>
+          </a:stretch>
+        </p:blipFill>
+        <p:spPr>
+          <a:xfrm>
+            <a:off x="2745370" y="1339036"/>
+            <a:ext cx="641587" cy="1065034"/>
+          </a:xfrm>
+          <a:prstGeom prst="rect">
+            <a:avLst/>
+          </a:prstGeom>
+        </p:spPr>
+      </p:pic>
+      <p:sp>
+        <p:nvSpPr>
+          <p:cNvPr id="31" name="Retângulo 30"/>
+          <p:cNvSpPr/>
+          <p:nvPr/>
+        </p:nvSpPr>
+        <p:spPr>
+          <a:xfrm>
+            <a:off x="3549660" y="4247395"/>
+            <a:ext cx="1903791" cy="400110"/>
+          </a:xfrm>
+          <a:prstGeom prst="rect">
+            <a:avLst/>
+          </a:prstGeom>
+          <a:noFill/>
+        </p:spPr>
+        <p:txBody>
+          <a:bodyPr wrap="none" lIns="91440" tIns="45720" rIns="91440" bIns="45720">
+            <a:spAutoFit/>
+          </a:bodyPr>
+          <a:lstStyle/>
+          <a:p>
+            <a:pPr algn="ctr"/>
+            <a:r>
+              <a:rPr lang="pt-BR" sz="2000" dirty="0" smtClean="0">
+                <a:ln w="0"/>
+                <a:solidFill>
+                  <a:schemeClr val="bg1"/>
+                </a:solidFill>
+                <a:effectLst>
+                  <a:outerShdw blurRad="38100" dist="19050" dir="2700000" algn="tl" rotWithShape="0">
+                    <a:schemeClr val="dk1">
+                      <a:alpha val="40000"/>
+                    </a:schemeClr>
+                  </a:outerShdw>
+                </a:effectLst>
+                <a:latin typeface="Exo 2 Medium" panose="00000600000000000000" pitchFamily="50" charset="0"/>
+              </a:rPr>
+              <a:t>Aplicação final</a:t>
+            </a:r>
+            <a:endParaRPr lang="pt-BR" sz="2000" dirty="0">
+              <a:ln w="0"/>
+              <a:solidFill>
+                <a:schemeClr val="bg1"/>
+              </a:solidFill>
+              <a:effectLst>
+                <a:outerShdw blurRad="38100" dist="19050" dir="2700000" algn="tl" rotWithShape="0">
+                  <a:schemeClr val="dk1">
+                    <a:alpha val="40000"/>
+                  </a:schemeClr>
+                </a:outerShdw>
+              </a:effectLst>
+              <a:latin typeface="Exo 2 Medium" panose="00000600000000000000" pitchFamily="50" charset="0"/>
+            </a:endParaRPr>
+          </a:p>
+        </p:txBody>
+      </p:sp>
+      <p:sp>
+        <p:nvSpPr>
+          <p:cNvPr id="35" name="Retângulo 34"/>
+          <p:cNvSpPr/>
+          <p:nvPr/>
+        </p:nvSpPr>
+        <p:spPr>
+          <a:xfrm>
+            <a:off x="2235616" y="2687315"/>
+            <a:ext cx="1657269" cy="410270"/>
+          </a:xfrm>
+          <a:prstGeom prst="rect">
+            <a:avLst/>
+          </a:prstGeom>
+          <a:noFill/>
+        </p:spPr>
+        <p:txBody>
+          <a:bodyPr wrap="square" lIns="91440" tIns="45720" rIns="91440" bIns="45720">
+            <a:spAutoFit/>
+          </a:bodyPr>
+          <a:lstStyle/>
+          <a:p>
+            <a:pPr algn="ctr"/>
+            <a:r>
+              <a:rPr lang="pt-BR" sz="1600" dirty="0" smtClean="0">
+                <a:ln w="0"/>
+                <a:solidFill>
+                  <a:schemeClr val="bg1"/>
+                </a:solidFill>
+                <a:effectLst>
+                  <a:outerShdw blurRad="38100" dist="19050" dir="2700000" algn="tl" rotWithShape="0">
+                    <a:schemeClr val="dk1">
+                      <a:alpha val="40000"/>
+                    </a:schemeClr>
+                  </a:outerShdw>
+                </a:effectLst>
+                <a:latin typeface="Exo 2 Extra Light" panose="00000300000000000000" pitchFamily="50" charset="0"/>
+              </a:rPr>
+              <a:t>Sensor de temperatura e umidade</a:t>
+            </a:r>
+            <a:endParaRPr lang="pt-BR" sz="1600" b="0" cap="none" spc="0" dirty="0">
+              <a:ln w="0"/>
+              <a:solidFill>
+                <a:schemeClr val="bg1"/>
+              </a:solidFill>
+              <a:effectLst>
+                <a:outerShdw blurRad="38100" dist="19050" dir="2700000" algn="tl" rotWithShape="0">
+                  <a:schemeClr val="dk1">
+                    <a:alpha val="40000"/>
+                  </a:schemeClr>
+                </a:outerShdw>
+              </a:effectLst>
+              <a:latin typeface="Exo 2 Extra Light" panose="00000300000000000000" pitchFamily="50" charset="0"/>
+            </a:endParaRPr>
+          </a:p>
+        </p:txBody>
+      </p:sp>
+      <p:sp>
+        <p:nvSpPr>
+          <p:cNvPr id="36" name="Retângulo 35"/>
+          <p:cNvSpPr/>
+          <p:nvPr/>
+        </p:nvSpPr>
+        <p:spPr>
+          <a:xfrm>
+            <a:off x="6450419" y="2663087"/>
+            <a:ext cx="1657269" cy="338554"/>
+          </a:xfrm>
+          <a:prstGeom prst="rect">
+            <a:avLst/>
+          </a:prstGeom>
+          <a:noFill/>
+        </p:spPr>
+        <p:txBody>
+          <a:bodyPr wrap="square" lIns="91440" tIns="45720" rIns="91440" bIns="45720">
+            <a:spAutoFit/>
+          </a:bodyPr>
+          <a:lstStyle/>
+          <a:p>
+            <a:pPr algn="ctr"/>
+            <a:r>
+              <a:rPr lang="pt-BR" sz="1600" dirty="0" smtClean="0">
+                <a:ln w="0"/>
+                <a:solidFill>
+                  <a:schemeClr val="bg1"/>
+                </a:solidFill>
+                <a:effectLst>
+                  <a:outerShdw blurRad="38100" dist="19050" dir="2700000" algn="tl" rotWithShape="0">
+                    <a:schemeClr val="dk1">
+                      <a:alpha val="40000"/>
+                    </a:schemeClr>
+                  </a:outerShdw>
+                </a:effectLst>
+                <a:latin typeface="Exo 2 Extra Light" panose="00000300000000000000" pitchFamily="50" charset="0"/>
+              </a:rPr>
+              <a:t>NodeJS</a:t>
+            </a:r>
+            <a:endParaRPr lang="pt-BR" sz="1600" b="0" cap="none" spc="0" dirty="0">
+              <a:ln w="0"/>
+              <a:solidFill>
+                <a:schemeClr val="bg1"/>
+              </a:solidFill>
+              <a:effectLst>
+                <a:outerShdw blurRad="38100" dist="19050" dir="2700000" algn="tl" rotWithShape="0">
+                  <a:schemeClr val="dk1">
+                    <a:alpha val="40000"/>
+                  </a:schemeClr>
+                </a:outerShdw>
+              </a:effectLst>
+              <a:latin typeface="Exo 2 Extra Light" panose="00000300000000000000" pitchFamily="50" charset="0"/>
+            </a:endParaRPr>
+          </a:p>
+        </p:txBody>
+      </p:sp>
+      <p:sp>
+        <p:nvSpPr>
+          <p:cNvPr id="37" name="Retângulo 36"/>
+          <p:cNvSpPr/>
+          <p:nvPr/>
+        </p:nvSpPr>
+        <p:spPr>
+          <a:xfrm>
+            <a:off x="7671555" y="3907494"/>
+            <a:ext cx="934407" cy="338554"/>
+          </a:xfrm>
+          <a:prstGeom prst="rect">
+            <a:avLst/>
+          </a:prstGeom>
+          <a:noFill/>
+        </p:spPr>
+        <p:txBody>
+          <a:bodyPr wrap="square" lIns="91440" tIns="45720" rIns="91440" bIns="45720">
+            <a:spAutoFit/>
+          </a:bodyPr>
+          <a:lstStyle/>
+          <a:p>
+            <a:pPr algn="ctr"/>
+            <a:r>
+              <a:rPr lang="pt-BR" sz="1600" dirty="0" smtClean="0">
+                <a:ln w="0"/>
+                <a:solidFill>
+                  <a:schemeClr val="bg1"/>
+                </a:solidFill>
+                <a:effectLst>
+                  <a:outerShdw blurRad="38100" dist="19050" dir="2700000" algn="tl" rotWithShape="0">
+                    <a:schemeClr val="dk1">
+                      <a:alpha val="40000"/>
+                    </a:schemeClr>
+                  </a:outerShdw>
+                </a:effectLst>
+                <a:latin typeface="Exo 2 Extra Light" panose="00000300000000000000" pitchFamily="50" charset="0"/>
+              </a:rPr>
+              <a:t>NodeJS</a:t>
+            </a:r>
+            <a:endParaRPr lang="pt-BR" sz="1600" b="0" cap="none" spc="0" dirty="0">
+              <a:ln w="0"/>
+              <a:solidFill>
+                <a:schemeClr val="bg1"/>
+              </a:solidFill>
+              <a:effectLst>
+                <a:outerShdw blurRad="38100" dist="19050" dir="2700000" algn="tl" rotWithShape="0">
+                  <a:schemeClr val="dk1">
+                    <a:alpha val="40000"/>
+                  </a:schemeClr>
+                </a:outerShdw>
+              </a:effectLst>
+              <a:latin typeface="Exo 2 Extra Light" panose="00000300000000000000" pitchFamily="50" charset="0"/>
+            </a:endParaRPr>
+          </a:p>
+        </p:txBody>
+      </p:sp>
+      <p:sp>
+        <p:nvSpPr>
+          <p:cNvPr id="38" name="Retângulo 37"/>
+          <p:cNvSpPr/>
+          <p:nvPr/>
+        </p:nvSpPr>
+        <p:spPr>
+          <a:xfrm>
+            <a:off x="4949905" y="2695518"/>
+            <a:ext cx="836346" cy="237525"/>
+          </a:xfrm>
+          <a:prstGeom prst="rect">
+            <a:avLst/>
+          </a:prstGeom>
+          <a:noFill/>
+        </p:spPr>
+        <p:txBody>
+          <a:bodyPr wrap="square" lIns="91440" tIns="45720" rIns="91440" bIns="45720">
+            <a:spAutoFit/>
+          </a:bodyPr>
+          <a:lstStyle/>
+          <a:p>
+            <a:pPr algn="ctr"/>
+            <a:r>
+              <a:rPr lang="pt-BR" sz="1600" b="0" cap="none" spc="0" dirty="0" smtClean="0">
+                <a:ln w="0"/>
+                <a:solidFill>
+                  <a:schemeClr val="bg1"/>
+                </a:solidFill>
+                <a:effectLst>
+                  <a:outerShdw blurRad="38100" dist="19050" dir="2700000" algn="tl" rotWithShape="0">
+                    <a:schemeClr val="dk1">
+                      <a:alpha val="40000"/>
+                    </a:schemeClr>
+                  </a:outerShdw>
+                </a:effectLst>
+                <a:latin typeface="Exo 2 Extra Light" panose="00000300000000000000" pitchFamily="50" charset="0"/>
+              </a:rPr>
+              <a:t>Cabo USB</a:t>
+            </a:r>
+            <a:endParaRPr lang="pt-BR" sz="1600" b="0" cap="none" spc="0" dirty="0">
+              <a:ln w="0"/>
+              <a:solidFill>
+                <a:schemeClr val="bg1"/>
+              </a:solidFill>
+              <a:effectLst>
+                <a:outerShdw blurRad="38100" dist="19050" dir="2700000" algn="tl" rotWithShape="0">
+                  <a:schemeClr val="dk1">
+                    <a:alpha val="40000"/>
+                  </a:schemeClr>
+                </a:outerShdw>
+              </a:effectLst>
+              <a:latin typeface="Exo 2 Extra Light" panose="00000300000000000000" pitchFamily="50" charset="0"/>
+            </a:endParaRPr>
+          </a:p>
+        </p:txBody>
+      </p:sp>
+      <p:pic>
+        <p:nvPicPr>
+          <p:cNvPr id="39" name="Picture 4" descr="Resultado de imagem para INCUBADORA NEONATAL"/>
+          <p:cNvPicPr>
+            <a:picLocks noChangeAspect="1" noChangeArrowheads="1"/>
+          </p:cNvPicPr>
+          <p:nvPr/>
+        </p:nvPicPr>
+        <p:blipFill>
+          <a:blip r:embed="rId6">
+            <a:extLst>
+              <a:ext uri="{28A0092B-C50C-407E-A947-70E740481C1C}">
+                <a14:useLocalDpi xmlns:a14="http://schemas.microsoft.com/office/drawing/2010/main" val="0"/>
+              </a:ext>
+            </a:extLst>
+          </a:blip>
+          <a:srcRect/>
+          <a:stretch>
+            <a:fillRect/>
+          </a:stretch>
+        </p:blipFill>
+        <p:spPr bwMode="auto">
+          <a:xfrm>
+            <a:off x="1019807" y="1749240"/>
+            <a:ext cx="1078517" cy="1704262"/>
+          </a:xfrm>
+          <a:prstGeom prst="rect">
+            <a:avLst/>
+          </a:prstGeom>
+          <a:noFill/>
+          <a:extLst>
+            <a:ext uri="{909E8E84-426E-40DD-AFC4-6F175D3DCCD1}">
+              <a14:hiddenFill xmlns:a14="http://schemas.microsoft.com/office/drawing/2010/main">
+                <a:solidFill>
+                  <a:srgbClr val="FFFFFF"/>
+                </a:solidFill>
+              </a14:hiddenFill>
+            </a:ext>
+          </a:extLst>
+        </p:spPr>
+      </p:pic>
+      <p:pic>
+        <p:nvPicPr>
+          <p:cNvPr id="40" name="Picture 4" descr="Resultado de imagem para INCUBADORA NEONATAL"/>
+          <p:cNvPicPr>
+            <a:picLocks noChangeAspect="1" noChangeArrowheads="1"/>
+          </p:cNvPicPr>
+          <p:nvPr/>
+        </p:nvPicPr>
+        <p:blipFill>
+          <a:blip r:embed="rId6">
+            <a:extLst>
+              <a:ext uri="{28A0092B-C50C-407E-A947-70E740481C1C}">
+                <a14:useLocalDpi xmlns:a14="http://schemas.microsoft.com/office/drawing/2010/main" val="0"/>
+              </a:ext>
+            </a:extLst>
+          </a:blip>
+          <a:srcRect/>
+          <a:stretch>
+            <a:fillRect/>
+          </a:stretch>
+        </p:blipFill>
+        <p:spPr bwMode="auto">
+          <a:xfrm>
+            <a:off x="765584" y="1915557"/>
+            <a:ext cx="1078517" cy="1704262"/>
+          </a:xfrm>
+          <a:prstGeom prst="rect">
+            <a:avLst/>
+          </a:prstGeom>
+          <a:noFill/>
+          <a:extLst>
+            <a:ext uri="{909E8E84-426E-40DD-AFC4-6F175D3DCCD1}">
+              <a14:hiddenFill xmlns:a14="http://schemas.microsoft.com/office/drawing/2010/main">
+                <a:solidFill>
+                  <a:srgbClr val="FFFFFF"/>
+                </a:solidFill>
+              </a14:hiddenFill>
+            </a:ext>
+          </a:extLst>
+        </p:spPr>
+      </p:pic>
+      <p:grpSp>
+        <p:nvGrpSpPr>
+          <p:cNvPr id="98" name="Agrupar 97"/>
+          <p:cNvGrpSpPr/>
+          <p:nvPr/>
+        </p:nvGrpSpPr>
+        <p:grpSpPr>
+          <a:xfrm>
+            <a:off x="6990006" y="1348016"/>
+            <a:ext cx="641587" cy="1065034"/>
+            <a:chOff x="6990006" y="1348016"/>
+            <a:chExt cx="641587" cy="1065034"/>
+          </a:xfrm>
+        </p:grpSpPr>
+        <p:pic>
+          <p:nvPicPr>
+            <p:cNvPr id="29" name="Imagem 28"/>
+            <p:cNvPicPr>
+              <a:picLocks noChangeAspect="1"/>
+            </p:cNvPicPr>
+            <p:nvPr/>
+          </p:nvPicPr>
+          <p:blipFill>
+            <a:blip r:embed="rId8">
+              <a:extLst>
+                <a:ext uri="{28A0092B-C50C-407E-A947-70E740481C1C}">
+                  <a14:useLocalDpi xmlns:a14="http://schemas.microsoft.com/office/drawing/2010/main" val="0"/>
+                </a:ext>
+              </a:extLst>
+            </a:blip>
+            <a:stretch>
+              <a:fillRect/>
+            </a:stretch>
+          </p:blipFill>
+          <p:spPr>
+            <a:xfrm>
+              <a:off x="6990006" y="1348016"/>
+              <a:ext cx="641587" cy="1065034"/>
+            </a:xfrm>
+            <a:prstGeom prst="rect">
+              <a:avLst/>
+            </a:prstGeom>
+          </p:spPr>
+        </p:pic>
+        <p:pic>
+          <p:nvPicPr>
+            <p:cNvPr id="41" name="Picture 24" descr="Resultado de imagem para nodejs"/>
+            <p:cNvPicPr>
+              <a:picLocks noChangeAspect="1" noChangeArrowheads="1"/>
+            </p:cNvPicPr>
+            <p:nvPr/>
+          </p:nvPicPr>
+          <p:blipFill>
+            <a:blip r:embed="rId10" cstate="print">
+              <a:extLst>
+                <a:ext uri="{28A0092B-C50C-407E-A947-70E740481C1C}">
+                  <a14:useLocalDpi xmlns:a14="http://schemas.microsoft.com/office/drawing/2010/main" val="0"/>
+                </a:ext>
+              </a:extLst>
+            </a:blip>
+            <a:srcRect/>
+            <a:stretch>
+              <a:fillRect/>
+            </a:stretch>
+          </p:blipFill>
+          <p:spPr bwMode="auto">
+            <a:xfrm>
+              <a:off x="7064563" y="1405513"/>
+              <a:ext cx="496379" cy="496379"/>
+            </a:xfrm>
+            <a:prstGeom prst="rect">
+              <a:avLst/>
+            </a:prstGeom>
+            <a:noFill/>
+            <a:extLst>
+              <a:ext uri="{909E8E84-426E-40DD-AFC4-6F175D3DCCD1}">
+                <a14:hiddenFill xmlns:a14="http://schemas.microsoft.com/office/drawing/2010/main">
+                  <a:solidFill>
+                    <a:srgbClr val="FFFFFF"/>
+                  </a:solidFill>
+                </a14:hiddenFill>
+              </a:ext>
+            </a:extLst>
+          </p:spPr>
+        </p:pic>
+      </p:grpSp>
+      <p:pic>
+        <p:nvPicPr>
+          <p:cNvPr id="1026" name="Picture 2" descr="Resultado de imagem para dht11"/>
+          <p:cNvPicPr>
+            <a:picLocks noChangeAspect="1" noChangeArrowheads="1"/>
+          </p:cNvPicPr>
+          <p:nvPr/>
+        </p:nvPicPr>
+        <p:blipFill rotWithShape="1">
+          <a:blip r:embed="rId11" cstate="print">
+            <a:extLst>
+              <a:ext uri="{28A0092B-C50C-407E-A947-70E740481C1C}">
+                <a14:useLocalDpi xmlns:a14="http://schemas.microsoft.com/office/drawing/2010/main" val="0"/>
+              </a:ext>
+            </a:extLst>
+          </a:blip>
+          <a:srcRect l="12700" t="15412" r="14200" b="15874"/>
+          <a:stretch/>
+        </p:blipFill>
+        <p:spPr bwMode="auto">
+          <a:xfrm>
+            <a:off x="2808376" y="1405261"/>
+            <a:ext cx="505609" cy="475272"/>
+          </a:xfrm>
+          <a:prstGeom prst="rect">
+            <a:avLst/>
+          </a:prstGeom>
+          <a:noFill/>
+          <a:extLst>
+            <a:ext uri="{909E8E84-426E-40DD-AFC4-6F175D3DCCD1}">
+              <a14:hiddenFill xmlns:a14="http://schemas.microsoft.com/office/drawing/2010/main">
+                <a:solidFill>
+                  <a:srgbClr val="FFFFFF"/>
+                </a:solidFill>
+              </a14:hiddenFill>
+            </a:ext>
+          </a:extLst>
+        </p:spPr>
+      </p:pic>
+      <p:pic>
+        <p:nvPicPr>
+          <p:cNvPr id="44" name="Picture 4" descr="Resultado de imagem para azure logo"/>
+          <p:cNvPicPr>
+            <a:picLocks noChangeAspect="1" noChangeArrowheads="1"/>
+          </p:cNvPicPr>
+          <p:nvPr/>
+        </p:nvPicPr>
+        <p:blipFill>
+          <a:blip r:embed="rId12" cstate="print">
+            <a:extLst>
+              <a:ext uri="{28A0092B-C50C-407E-A947-70E740481C1C}">
+                <a14:useLocalDpi xmlns:a14="http://schemas.microsoft.com/office/drawing/2010/main" val="0"/>
+              </a:ext>
+            </a:extLst>
+          </a:blip>
+          <a:srcRect/>
+          <a:stretch>
+            <a:fillRect/>
+          </a:stretch>
+        </p:blipFill>
+        <p:spPr bwMode="auto">
+          <a:xfrm>
+            <a:off x="9408161" y="1690405"/>
+            <a:ext cx="1277746" cy="369348"/>
+          </a:xfrm>
+          <a:prstGeom prst="rect">
+            <a:avLst/>
+          </a:prstGeom>
+          <a:noFill/>
+          <a:extLst>
+            <a:ext uri="{909E8E84-426E-40DD-AFC4-6F175D3DCCD1}">
+              <a14:hiddenFill xmlns:a14="http://schemas.microsoft.com/office/drawing/2010/main">
+                <a:solidFill>
+                  <a:srgbClr val="FFFFFF"/>
+                </a:solidFill>
+              </a14:hiddenFill>
+            </a:ext>
+          </a:extLst>
+        </p:spPr>
+      </p:pic>
+      <p:sp>
+        <p:nvSpPr>
+          <p:cNvPr id="48" name="Retângulo 47"/>
+          <p:cNvSpPr/>
+          <p:nvPr/>
+        </p:nvSpPr>
+        <p:spPr>
+          <a:xfrm>
+            <a:off x="8500739" y="2135034"/>
+            <a:ext cx="2505721" cy="830997"/>
+          </a:xfrm>
+          <a:prstGeom prst="rect">
+            <a:avLst/>
+          </a:prstGeom>
+          <a:noFill/>
+        </p:spPr>
+        <p:txBody>
+          <a:bodyPr wrap="square" lIns="91440" tIns="45720" rIns="91440" bIns="45720">
+            <a:spAutoFit/>
+          </a:bodyPr>
+          <a:lstStyle/>
+          <a:p>
+            <a:pPr algn="ctr"/>
+            <a:r>
+              <a:rPr lang="pt-BR" sz="2400" dirty="0" smtClean="0">
+                <a:ln w="0"/>
+                <a:solidFill>
+                  <a:schemeClr val="bg1"/>
+                </a:solidFill>
+                <a:effectLst>
+                  <a:outerShdw blurRad="38100" dist="19050" dir="2700000" algn="tl" rotWithShape="0">
+                    <a:schemeClr val="dk1">
+                      <a:alpha val="40000"/>
+                    </a:schemeClr>
+                  </a:outerShdw>
+                </a:effectLst>
+                <a:latin typeface="Exo 2 Medium" panose="00000600000000000000" pitchFamily="50" charset="0"/>
+              </a:rPr>
+              <a:t>Banco de dados na nuvem</a:t>
+            </a:r>
+            <a:endParaRPr lang="pt-BR" sz="2400" b="0" cap="none" spc="0" dirty="0">
+              <a:ln w="0"/>
+              <a:solidFill>
+                <a:schemeClr val="bg1"/>
+              </a:solidFill>
+              <a:effectLst>
+                <a:outerShdw blurRad="38100" dist="19050" dir="2700000" algn="tl" rotWithShape="0">
+                  <a:schemeClr val="dk1">
+                    <a:alpha val="40000"/>
+                  </a:schemeClr>
+                </a:outerShdw>
+              </a:effectLst>
+              <a:latin typeface="Exo 2 Medium" panose="00000600000000000000" pitchFamily="50" charset="0"/>
+            </a:endParaRPr>
+          </a:p>
+        </p:txBody>
+      </p:sp>
+      <p:pic>
+        <p:nvPicPr>
+          <p:cNvPr id="49" name="Picture 16" descr="Resultado de imagem para SQL"/>
+          <p:cNvPicPr>
+            <a:picLocks noChangeAspect="1" noChangeArrowheads="1"/>
+          </p:cNvPicPr>
+          <p:nvPr/>
+        </p:nvPicPr>
+        <p:blipFill rotWithShape="1">
+          <a:blip r:embed="rId13" cstate="print">
+            <a:extLst>
+              <a:ext uri="{28A0092B-C50C-407E-A947-70E740481C1C}">
+                <a14:useLocalDpi xmlns:a14="http://schemas.microsoft.com/office/drawing/2010/main" val="0"/>
+              </a:ext>
+            </a:extLst>
+          </a:blip>
+          <a:srcRect l="29291" r="28931"/>
+          <a:stretch/>
+        </p:blipFill>
+        <p:spPr bwMode="auto">
+          <a:xfrm>
+            <a:off x="8748657" y="1518800"/>
+            <a:ext cx="517643" cy="650495"/>
+          </a:xfrm>
+          <a:prstGeom prst="rect">
+            <a:avLst/>
+          </a:prstGeom>
+          <a:noFill/>
+          <a:extLst>
+            <a:ext uri="{909E8E84-426E-40DD-AFC4-6F175D3DCCD1}">
+              <a14:hiddenFill xmlns:a14="http://schemas.microsoft.com/office/drawing/2010/main">
+                <a:solidFill>
+                  <a:srgbClr val="FFFFFF"/>
+                </a:solidFill>
+              </a14:hiddenFill>
+            </a:ext>
+          </a:extLst>
+        </p:spPr>
+      </p:pic>
+      <p:pic>
+        <p:nvPicPr>
+          <p:cNvPr id="19" name="Picture 18" descr="Resultado de imagem para pc icon"/>
+          <p:cNvPicPr>
+            <a:picLocks noChangeAspect="1" noChangeArrowheads="1"/>
+          </p:cNvPicPr>
+          <p:nvPr/>
+        </p:nvPicPr>
+        <p:blipFill rotWithShape="1">
+          <a:blip r:embed="rId14">
+            <a:extLst>
+              <a:ext uri="{BEBA8EAE-BF5A-486C-A8C5-ECC9F3942E4B}">
+                <a14:imgProps xmlns:a14="http://schemas.microsoft.com/office/drawing/2010/main">
+                  <a14:imgLayer r:embed="rId15">
+                    <a14:imgEffect>
+                      <a14:backgroundRemoval t="12305" b="89844" l="7813" r="89844">
+                        <a14:foregroundMark x1="20313" y1="74219" x2="81055" y2="83398"/>
+                        <a14:foregroundMark x1="30273" y1="84375" x2="67969" y2="79688"/>
+                        <a14:foregroundMark x1="67969" y1="79688" x2="67969" y2="79688"/>
+                        <a14:foregroundMark x1="18750" y1="83398" x2="18945" y2="78906"/>
+                        <a14:foregroundMark x1="18945" y1="78711" x2="18945" y2="77148"/>
+                        <a14:foregroundMark x1="18945" y1="75781" x2="18945" y2="75781"/>
+                        <a14:foregroundMark x1="18945" y1="75781" x2="18945" y2="75781"/>
+                        <a14:foregroundMark x1="27148" y1="84961" x2="15820" y2="75781"/>
+                        <a14:foregroundMark x1="18555" y1="84180" x2="41602" y2="83789"/>
+                        <a14:foregroundMark x1="41602" y1="83789" x2="41602" y2="83789"/>
+                        <a14:foregroundMark x1="79492" y1="74023" x2="79492" y2="74023"/>
+                        <a14:foregroundMark x1="81445" y1="84570" x2="74414" y2="73633"/>
+                        <a14:foregroundMark x1="83789" y1="84570" x2="81836" y2="75977"/>
+                        <a14:foregroundMark x1="81445" y1="25781" x2="37305" y2="50781"/>
+                        <a14:foregroundMark x1="81250" y1="54688" x2="50781" y2="15625"/>
+                        <a14:foregroundMark x1="50586" y1="55664" x2="83008" y2="33203"/>
+                        <a14:foregroundMark x1="87695" y1="20313" x2="88477" y2="43750"/>
+                        <a14:foregroundMark x1="82617" y1="60742" x2="14648" y2="60938"/>
+                        <a14:foregroundMark x1="11914" y1="57031" x2="11719" y2="16992"/>
+                        <a14:foregroundMark x1="13086" y1="15430" x2="85938" y2="16016"/>
+                        <a14:foregroundMark x1="86914" y1="17773" x2="87695" y2="59570"/>
+                        <a14:foregroundMark x1="88281" y1="59961" x2="11914" y2="59375"/>
+                        <a14:foregroundMark x1="49219" y1="73633" x2="48633" y2="46094"/>
+                        <a14:foregroundMark x1="82617" y1="84961" x2="27930" y2="83594"/>
+                        <a14:foregroundMark x1="87305" y1="61523" x2="41406" y2="60938"/>
+                        <a14:backgroundMark x1="43164" y1="66406" x2="39063" y2="68164"/>
+                        <a14:backgroundMark x1="56836" y1="65430" x2="58398" y2="65430"/>
+                        <a14:backgroundMark x1="58789" y1="66211" x2="55273" y2="64844"/>
+                        <a14:backgroundMark x1="37500" y1="71875" x2="34375" y2="70117"/>
+                      </a14:backgroundRemoval>
+                    </a14:imgEffect>
+                  </a14:imgLayer>
+                </a14:imgProps>
+              </a:ext>
+              <a:ext uri="{28A0092B-C50C-407E-A947-70E740481C1C}">
+                <a14:useLocalDpi xmlns:a14="http://schemas.microsoft.com/office/drawing/2010/main" val="0"/>
+              </a:ext>
+            </a:extLst>
+          </a:blip>
+          <a:srcRect t="11136"/>
+          <a:stretch/>
+        </p:blipFill>
+        <p:spPr bwMode="auto">
+          <a:xfrm>
+            <a:off x="5159310" y="4067629"/>
+            <a:ext cx="2729217" cy="2425283"/>
+          </a:xfrm>
+          <a:prstGeom prst="rect">
+            <a:avLst/>
+          </a:prstGeom>
+          <a:noFill/>
+        </p:spPr>
+      </p:pic>
+      <p:pic>
+        <p:nvPicPr>
+          <p:cNvPr id="1034" name="Picture 10" descr="Imagem relacionada"/>
+          <p:cNvPicPr>
+            <a:picLocks noChangeAspect="1" noChangeArrowheads="1"/>
+          </p:cNvPicPr>
+          <p:nvPr/>
+        </p:nvPicPr>
+        <p:blipFill>
+          <a:blip r:embed="rId16">
+            <a:extLst>
+              <a:ext uri="{BEBA8EAE-BF5A-486C-A8C5-ECC9F3942E4B}">
+                <a14:imgProps xmlns:a14="http://schemas.microsoft.com/office/drawing/2010/main">
+                  <a14:imgLayer r:embed="rId17">
+                    <a14:imgEffect>
+                      <a14:backgroundRemoval t="10000" b="90000" l="10000" r="90000"/>
+                    </a14:imgEffect>
+                  </a14:imgLayer>
+                </a14:imgProps>
+              </a:ext>
+              <a:ext uri="{28A0092B-C50C-407E-A947-70E740481C1C}">
+                <a14:useLocalDpi xmlns:a14="http://schemas.microsoft.com/office/drawing/2010/main" val="0"/>
+              </a:ext>
+            </a:extLst>
+          </a:blip>
+          <a:srcRect/>
+          <a:stretch>
+            <a:fillRect/>
+          </a:stretch>
+        </p:blipFill>
+        <p:spPr bwMode="auto">
+          <a:xfrm>
+            <a:off x="5075916" y="4817904"/>
+            <a:ext cx="1421720" cy="1421720"/>
+          </a:xfrm>
+          <a:prstGeom prst="rect">
+            <a:avLst/>
+          </a:prstGeom>
+          <a:noFill/>
+          <a:extLst>
+            <a:ext uri="{909E8E84-426E-40DD-AFC4-6F175D3DCCD1}">
+              <a14:hiddenFill xmlns:a14="http://schemas.microsoft.com/office/drawing/2010/main">
+                <a:solidFill>
+                  <a:srgbClr val="FFFFFF"/>
+                </a:solidFill>
+              </a14:hiddenFill>
+            </a:ext>
+          </a:extLst>
+        </p:spPr>
+      </p:pic>
+      <p:sp>
+        <p:nvSpPr>
+          <p:cNvPr id="54" name="Retângulo 53"/>
+          <p:cNvSpPr/>
+          <p:nvPr/>
+        </p:nvSpPr>
+        <p:spPr>
+          <a:xfrm>
+            <a:off x="6673518" y="6472510"/>
+            <a:ext cx="1317001" cy="400110"/>
+          </a:xfrm>
+          <a:prstGeom prst="rect">
+            <a:avLst/>
+          </a:prstGeom>
+          <a:noFill/>
+        </p:spPr>
+        <p:txBody>
+          <a:bodyPr wrap="square" lIns="91440" tIns="45720" rIns="91440" bIns="45720">
+            <a:spAutoFit/>
+          </a:bodyPr>
+          <a:lstStyle/>
+          <a:p>
+            <a:pPr algn="ctr"/>
+            <a:r>
+              <a:rPr lang="pt-BR" sz="2000" dirty="0" smtClean="0">
+                <a:ln w="0"/>
+                <a:solidFill>
+                  <a:schemeClr val="bg1"/>
+                </a:solidFill>
+                <a:effectLst>
+                  <a:outerShdw blurRad="38100" dist="19050" dir="2700000" algn="tl" rotWithShape="0">
+                    <a:schemeClr val="dk1">
+                      <a:alpha val="40000"/>
+                    </a:schemeClr>
+                  </a:outerShdw>
+                </a:effectLst>
+                <a:latin typeface="Exo 2 Medium" panose="00000600000000000000" pitchFamily="50" charset="0"/>
+              </a:rPr>
+              <a:t>Usuário</a:t>
+            </a:r>
+            <a:endParaRPr lang="pt-BR" sz="2000" b="0" cap="none" spc="0" dirty="0">
+              <a:ln w="0"/>
+              <a:solidFill>
+                <a:schemeClr val="bg1"/>
+              </a:solidFill>
+              <a:effectLst>
+                <a:outerShdw blurRad="38100" dist="19050" dir="2700000" algn="tl" rotWithShape="0">
+                  <a:schemeClr val="dk1">
+                    <a:alpha val="40000"/>
+                  </a:schemeClr>
+                </a:outerShdw>
+              </a:effectLst>
+              <a:latin typeface="Exo 2 Medium" panose="00000600000000000000" pitchFamily="50" charset="0"/>
+            </a:endParaRPr>
+          </a:p>
+        </p:txBody>
+      </p:sp>
+      <p:sp>
+        <p:nvSpPr>
+          <p:cNvPr id="59" name="Retângulo 58"/>
+          <p:cNvSpPr/>
+          <p:nvPr/>
+        </p:nvSpPr>
+        <p:spPr>
+          <a:xfrm>
+            <a:off x="2808376" y="4647505"/>
+            <a:ext cx="2564148" cy="584775"/>
+          </a:xfrm>
+          <a:prstGeom prst="rect">
+            <a:avLst/>
+          </a:prstGeom>
+          <a:noFill/>
+        </p:spPr>
+        <p:txBody>
+          <a:bodyPr wrap="square" lIns="91440" tIns="45720" rIns="91440" bIns="45720">
+            <a:spAutoFit/>
+          </a:bodyPr>
+          <a:lstStyle/>
+          <a:p>
+            <a:pPr algn="r"/>
+            <a:r>
+              <a:rPr lang="pt-BR" sz="1600" dirty="0" smtClean="0">
+                <a:ln w="0"/>
+                <a:solidFill>
+                  <a:schemeClr val="bg1"/>
+                </a:solidFill>
+                <a:effectLst>
+                  <a:outerShdw blurRad="38100" dist="19050" dir="2700000" algn="tl" rotWithShape="0">
+                    <a:schemeClr val="dk1">
+                      <a:alpha val="40000"/>
+                    </a:schemeClr>
+                  </a:outerShdw>
+                </a:effectLst>
+                <a:latin typeface="Exo 2 Extra Light" panose="00000300000000000000" pitchFamily="50" charset="0"/>
+              </a:rPr>
+              <a:t>Sistema WEB responsivo centralizador de dados</a:t>
+            </a:r>
+            <a:endParaRPr lang="pt-BR" sz="1600" b="0" cap="none" spc="0" dirty="0">
+              <a:ln w="0"/>
+              <a:solidFill>
+                <a:schemeClr val="bg1"/>
+              </a:solidFill>
+              <a:effectLst>
+                <a:outerShdw blurRad="38100" dist="19050" dir="2700000" algn="tl" rotWithShape="0">
+                  <a:schemeClr val="dk1">
+                    <a:alpha val="40000"/>
+                  </a:schemeClr>
+                </a:outerShdw>
+              </a:effectLst>
+              <a:latin typeface="Exo 2 Extra Light" panose="00000300000000000000" pitchFamily="50" charset="0"/>
+            </a:endParaRPr>
+          </a:p>
+        </p:txBody>
+      </p:sp>
+      <p:sp>
+        <p:nvSpPr>
+          <p:cNvPr id="60" name="Retângulo 59"/>
+          <p:cNvSpPr/>
+          <p:nvPr/>
+        </p:nvSpPr>
+        <p:spPr>
+          <a:xfrm>
+            <a:off x="3074286" y="5175332"/>
+            <a:ext cx="2298238" cy="830997"/>
+          </a:xfrm>
+          <a:prstGeom prst="rect">
+            <a:avLst/>
+          </a:prstGeom>
+          <a:noFill/>
+        </p:spPr>
+        <p:txBody>
+          <a:bodyPr wrap="square" lIns="91440" tIns="45720" rIns="91440" bIns="45720">
+            <a:spAutoFit/>
+          </a:bodyPr>
+          <a:lstStyle/>
+          <a:p>
+            <a:pPr algn="r"/>
+            <a:r>
+              <a:rPr lang="pt-BR" sz="1600" dirty="0" smtClean="0">
+                <a:ln w="0"/>
+                <a:solidFill>
+                  <a:schemeClr val="bg1"/>
+                </a:solidFill>
+                <a:effectLst>
+                  <a:outerShdw blurRad="38100" dist="19050" dir="2700000" algn="tl" rotWithShape="0">
+                    <a:schemeClr val="dk1">
+                      <a:alpha val="40000"/>
+                    </a:schemeClr>
+                  </a:outerShdw>
+                </a:effectLst>
+                <a:latin typeface="Exo 2 Extra Light" panose="00000300000000000000" pitchFamily="50" charset="0"/>
+              </a:rPr>
+              <a:t>Gerenciamento –</a:t>
+            </a:r>
+          </a:p>
+          <a:p>
+            <a:pPr algn="r"/>
+            <a:r>
+              <a:rPr lang="pt-BR" sz="1600" b="0" cap="none" spc="0" dirty="0" smtClean="0">
+                <a:ln w="0"/>
+                <a:solidFill>
+                  <a:schemeClr val="bg1"/>
+                </a:solidFill>
+                <a:effectLst>
+                  <a:outerShdw blurRad="38100" dist="19050" dir="2700000" algn="tl" rotWithShape="0">
+                    <a:schemeClr val="dk1">
+                      <a:alpha val="40000"/>
+                    </a:schemeClr>
+                  </a:outerShdw>
+                </a:effectLst>
+                <a:latin typeface="Exo 2 Extra Light" panose="00000300000000000000" pitchFamily="50" charset="0"/>
+              </a:rPr>
+              <a:t>Gráficos –</a:t>
+            </a:r>
+          </a:p>
+          <a:p>
+            <a:pPr algn="r"/>
+            <a:r>
+              <a:rPr lang="pt-BR" sz="1600" b="0" cap="none" spc="0" dirty="0" smtClean="0">
+                <a:ln w="0"/>
+                <a:solidFill>
+                  <a:schemeClr val="bg1"/>
+                </a:solidFill>
+                <a:effectLst>
+                  <a:outerShdw blurRad="38100" dist="19050" dir="2700000" algn="tl" rotWithShape="0">
+                    <a:schemeClr val="dk1">
+                      <a:alpha val="40000"/>
+                    </a:schemeClr>
+                  </a:outerShdw>
+                </a:effectLst>
+                <a:latin typeface="Exo 2 Extra Light" panose="00000300000000000000" pitchFamily="50" charset="0"/>
+              </a:rPr>
+              <a:t>Estatísticas –</a:t>
+            </a:r>
+          </a:p>
+        </p:txBody>
+      </p:sp>
+      <p:pic>
+        <p:nvPicPr>
+          <p:cNvPr id="45" name="Imagem 44"/>
+          <p:cNvPicPr>
+            <a:picLocks noChangeAspect="1"/>
+          </p:cNvPicPr>
+          <p:nvPr/>
+        </p:nvPicPr>
+        <p:blipFill>
+          <a:blip r:embed="rId18">
+            <a:extLst>
+              <a:ext uri="{28A0092B-C50C-407E-A947-70E740481C1C}">
+                <a14:useLocalDpi xmlns:a14="http://schemas.microsoft.com/office/drawing/2010/main" val="0"/>
+              </a:ext>
+            </a:extLst>
+          </a:blip>
+          <a:stretch>
+            <a:fillRect/>
+          </a:stretch>
+        </p:blipFill>
+        <p:spPr>
+          <a:xfrm>
+            <a:off x="6482222" y="4864110"/>
+            <a:ext cx="1699594" cy="1695293"/>
+          </a:xfrm>
+          <a:prstGeom prst="rect">
+            <a:avLst/>
+          </a:prstGeom>
+        </p:spPr>
+      </p:pic>
+      <p:cxnSp>
+        <p:nvCxnSpPr>
+          <p:cNvPr id="99" name="Conector Angulado 98"/>
+          <p:cNvCxnSpPr>
+            <a:stCxn id="19" idx="0"/>
+            <a:endCxn id="1030" idx="2"/>
+          </p:cNvCxnSpPr>
+          <p:nvPr/>
+        </p:nvCxnSpPr>
+        <p:spPr>
+          <a:xfrm rot="5400000" flipH="1" flipV="1">
+            <a:off x="7730545" y="2044575"/>
+            <a:ext cx="816428" cy="3229681"/>
+          </a:xfrm>
+          <a:prstGeom prst="bentConnector3">
+            <a:avLst>
+              <a:gd name="adj1" fmla="val 50000"/>
+            </a:avLst>
+          </a:prstGeom>
+          <a:ln w="76200">
+            <a:solidFill>
+              <a:schemeClr val="bg1"/>
+            </a:solidFill>
+            <a:headEnd type="triangle"/>
+            <a:tailEnd type="triangle"/>
+          </a:ln>
+        </p:spPr>
+        <p:style>
+          <a:lnRef idx="1">
+            <a:schemeClr val="accent1"/>
+          </a:lnRef>
+          <a:fillRef idx="0">
+            <a:schemeClr val="accent1"/>
+          </a:fillRef>
+          <a:effectRef idx="0">
+            <a:schemeClr val="accent1"/>
+          </a:effectRef>
+          <a:fontRef idx="minor">
+            <a:schemeClr val="tx1"/>
+          </a:fontRef>
+        </p:style>
+      </p:cxnSp>
+      <p:grpSp>
+        <p:nvGrpSpPr>
+          <p:cNvPr id="112" name="Agrupar 111"/>
+          <p:cNvGrpSpPr/>
+          <p:nvPr/>
+        </p:nvGrpSpPr>
+        <p:grpSpPr>
+          <a:xfrm>
+            <a:off x="7789337" y="3293051"/>
+            <a:ext cx="676318" cy="676318"/>
+            <a:chOff x="5931978" y="2016121"/>
+            <a:chExt cx="1055528" cy="1055528"/>
+          </a:xfrm>
+        </p:grpSpPr>
+        <p:sp>
+          <p:nvSpPr>
+            <p:cNvPr id="113" name="Elipse 112"/>
+            <p:cNvSpPr/>
+            <p:nvPr/>
+          </p:nvSpPr>
+          <p:spPr>
+            <a:xfrm>
+              <a:off x="5931978" y="2016121"/>
+              <a:ext cx="1055528" cy="1055528"/>
+            </a:xfrm>
+            <a:prstGeom prst="ellipse">
+              <a:avLst/>
+            </a:prstGeom>
+            <a:solidFill>
+              <a:schemeClr val="bg1"/>
+            </a:solidFill>
+            <a:ln>
+              <a:noFill/>
+            </a:ln>
+            <a:effectLst/>
+          </p:spPr>
+          <p:style>
+            <a:lnRef idx="2">
+              <a:schemeClr val="accent1">
+                <a:shade val="50000"/>
+              </a:schemeClr>
+            </a:lnRef>
+            <a:fillRef idx="1">
+              <a:schemeClr val="accent1"/>
+            </a:fillRef>
+            <a:effectRef idx="0">
+              <a:schemeClr val="accent1"/>
+            </a:effectRef>
+            <a:fontRef idx="minor">
+              <a:schemeClr val="lt1"/>
+            </a:fontRef>
+          </p:style>
+          <p:txBody>
+            <a:bodyPr rtlCol="0" anchor="ctr"/>
+            <a:lstStyle/>
+            <a:p>
+              <a:pPr algn="ctr"/>
+              <a:endParaRPr lang="pt-BR" dirty="0"/>
+            </a:p>
+          </p:txBody>
+        </p:sp>
+        <p:pic>
+          <p:nvPicPr>
+            <p:cNvPr id="114" name="Picture 24" descr="Resultado de imagem para nodejs"/>
+            <p:cNvPicPr>
+              <a:picLocks noChangeAspect="1" noChangeArrowheads="1"/>
+            </p:cNvPicPr>
+            <p:nvPr/>
+          </p:nvPicPr>
+          <p:blipFill>
+            <a:blip r:embed="rId10" cstate="print">
+              <a:extLst>
+                <a:ext uri="{28A0092B-C50C-407E-A947-70E740481C1C}">
+                  <a14:useLocalDpi xmlns:a14="http://schemas.microsoft.com/office/drawing/2010/main" val="0"/>
+                </a:ext>
+              </a:extLst>
+            </a:blip>
+            <a:srcRect/>
+            <a:stretch>
+              <a:fillRect/>
+            </a:stretch>
+          </p:blipFill>
+          <p:spPr bwMode="auto">
+            <a:xfrm>
+              <a:off x="6111992" y="2185519"/>
+              <a:ext cx="698463" cy="698463"/>
+            </a:xfrm>
+            <a:prstGeom prst="rect">
+              <a:avLst/>
+            </a:prstGeom>
+            <a:noFill/>
+            <a:extLst>
+              <a:ext uri="{909E8E84-426E-40DD-AFC4-6F175D3DCCD1}">
+                <a14:hiddenFill xmlns:a14="http://schemas.microsoft.com/office/drawing/2010/main">
+                  <a:solidFill>
+                    <a:srgbClr val="FFFFFF"/>
+                  </a:solidFill>
+                </a14:hiddenFill>
+              </a:ext>
+            </a:extLst>
+          </p:spPr>
+        </p:pic>
+      </p:grpSp>
+      <p:grpSp>
+        <p:nvGrpSpPr>
+          <p:cNvPr id="115" name="Agrupar 114"/>
+          <p:cNvGrpSpPr/>
+          <p:nvPr/>
+        </p:nvGrpSpPr>
+        <p:grpSpPr>
+          <a:xfrm rot="10800000">
+            <a:off x="7913414" y="4070584"/>
+            <a:ext cx="2578023" cy="1553025"/>
+            <a:chOff x="6345195" y="4525282"/>
+            <a:chExt cx="2578023" cy="1553025"/>
+          </a:xfrm>
+        </p:grpSpPr>
+        <p:pic>
+          <p:nvPicPr>
+            <p:cNvPr id="116" name="Imagem 115"/>
+            <p:cNvPicPr>
+              <a:picLocks noChangeAspect="1"/>
+            </p:cNvPicPr>
+            <p:nvPr/>
+          </p:nvPicPr>
+          <p:blipFill>
+            <a:blip r:embed="rId8">
+              <a:extLst>
+                <a:ext uri="{28A0092B-C50C-407E-A947-70E740481C1C}">
+                  <a14:useLocalDpi xmlns:a14="http://schemas.microsoft.com/office/drawing/2010/main" val="0"/>
+                </a:ext>
+              </a:extLst>
+            </a:blip>
+            <a:stretch>
+              <a:fillRect/>
+            </a:stretch>
+          </p:blipFill>
+          <p:spPr>
+            <a:xfrm rot="16200000">
+              <a:off x="6857694" y="4012783"/>
+              <a:ext cx="1553025" cy="2578023"/>
+            </a:xfrm>
+            <a:prstGeom prst="rect">
+              <a:avLst/>
+            </a:prstGeom>
+          </p:spPr>
+        </p:pic>
+        <p:pic>
+          <p:nvPicPr>
+            <p:cNvPr id="117" name="Picture 20" descr="Resultado de imagem para html css javascript"/>
+            <p:cNvPicPr>
+              <a:picLocks noChangeAspect="1" noChangeArrowheads="1"/>
+            </p:cNvPicPr>
+            <p:nvPr/>
+          </p:nvPicPr>
+          <p:blipFill>
+            <a:blip r:embed="rId19" cstate="print">
+              <a:extLst>
+                <a:ext uri="{28A0092B-C50C-407E-A947-70E740481C1C}">
+                  <a14:useLocalDpi xmlns:a14="http://schemas.microsoft.com/office/drawing/2010/main" val="0"/>
+                </a:ext>
+              </a:extLst>
+            </a:blip>
+            <a:srcRect/>
+            <a:stretch>
+              <a:fillRect/>
+            </a:stretch>
+          </p:blipFill>
+          <p:spPr bwMode="auto">
+            <a:xfrm rot="10800000">
+              <a:off x="6628142" y="4785199"/>
+              <a:ext cx="980850" cy="880792"/>
+            </a:xfrm>
+            <a:prstGeom prst="rect">
+              <a:avLst/>
+            </a:prstGeom>
+            <a:noFill/>
+            <a:extLst>
+              <a:ext uri="{909E8E84-426E-40DD-AFC4-6F175D3DCCD1}">
+                <a14:hiddenFill xmlns:a14="http://schemas.microsoft.com/office/drawing/2010/main">
+                  <a:solidFill>
+                    <a:srgbClr val="FFFFFF"/>
+                  </a:solidFill>
+                </a14:hiddenFill>
+              </a:ext>
+            </a:extLst>
+          </p:spPr>
+        </p:pic>
+      </p:grpSp>
+      <p:sp>
+        <p:nvSpPr>
+          <p:cNvPr id="118" name="Retângulo 117"/>
+          <p:cNvSpPr/>
+          <p:nvPr/>
+        </p:nvSpPr>
+        <p:spPr>
+          <a:xfrm>
+            <a:off x="10572672" y="4413173"/>
+            <a:ext cx="2564148" cy="830997"/>
+          </a:xfrm>
+          <a:prstGeom prst="rect">
+            <a:avLst/>
+          </a:prstGeom>
+          <a:noFill/>
+        </p:spPr>
+        <p:txBody>
+          <a:bodyPr wrap="square" lIns="91440" tIns="45720" rIns="91440" bIns="45720">
+            <a:spAutoFit/>
+          </a:bodyPr>
+          <a:lstStyle/>
+          <a:p>
+            <a:r>
+              <a:rPr lang="pt-BR" sz="1600" dirty="0" smtClean="0">
+                <a:ln w="0"/>
+                <a:solidFill>
+                  <a:schemeClr val="bg1"/>
+                </a:solidFill>
+                <a:effectLst>
+                  <a:outerShdw blurRad="38100" dist="19050" dir="2700000" algn="tl" rotWithShape="0">
+                    <a:schemeClr val="dk1">
+                      <a:alpha val="40000"/>
+                    </a:schemeClr>
+                  </a:outerShdw>
+                </a:effectLst>
+                <a:latin typeface="Exo 2 Extra Light" panose="00000300000000000000" pitchFamily="50" charset="0"/>
+              </a:rPr>
+              <a:t>HTML</a:t>
+            </a:r>
+          </a:p>
+          <a:p>
+            <a:r>
+              <a:rPr lang="pt-BR" sz="1600" cap="none" spc="0" dirty="0" smtClean="0">
+                <a:ln w="0"/>
+                <a:solidFill>
+                  <a:schemeClr val="bg1"/>
+                </a:solidFill>
+                <a:effectLst>
+                  <a:outerShdw blurRad="38100" dist="19050" dir="2700000" algn="tl" rotWithShape="0">
+                    <a:schemeClr val="dk1">
+                      <a:alpha val="40000"/>
+                    </a:schemeClr>
+                  </a:outerShdw>
+                </a:effectLst>
+                <a:latin typeface="Exo 2 Extra Light" panose="00000300000000000000" pitchFamily="50" charset="0"/>
+              </a:rPr>
+              <a:t>CSS</a:t>
+            </a:r>
+          </a:p>
+          <a:p>
+            <a:r>
+              <a:rPr lang="pt-BR" sz="1600" dirty="0" smtClean="0">
+                <a:ln w="0"/>
+                <a:solidFill>
+                  <a:schemeClr val="bg1"/>
+                </a:solidFill>
+                <a:effectLst>
+                  <a:outerShdw blurRad="38100" dist="19050" dir="2700000" algn="tl" rotWithShape="0">
+                    <a:schemeClr val="dk1">
+                      <a:alpha val="40000"/>
+                    </a:schemeClr>
+                  </a:outerShdw>
+                </a:effectLst>
+                <a:latin typeface="Exo 2 Extra Light" panose="00000300000000000000" pitchFamily="50" charset="0"/>
+              </a:rPr>
+              <a:t>JAVASCRIPT</a:t>
+            </a:r>
+            <a:endParaRPr lang="pt-BR" sz="1600" cap="none" spc="0" dirty="0">
+              <a:ln w="0"/>
+              <a:solidFill>
+                <a:schemeClr val="bg1"/>
+              </a:solidFill>
+              <a:effectLst>
+                <a:outerShdw blurRad="38100" dist="19050" dir="2700000" algn="tl" rotWithShape="0">
+                  <a:schemeClr val="dk1">
+                    <a:alpha val="40000"/>
+                  </a:schemeClr>
+                </a:outerShdw>
+              </a:effectLst>
+              <a:latin typeface="Exo 2 Extra Light" panose="00000300000000000000" pitchFamily="50" charset="0"/>
+            </a:endParaRPr>
+          </a:p>
+        </p:txBody>
+      </p:sp>
     </p:spTree>
     <p:extLst>
       <p:ext uri="{BB962C8B-B14F-4D97-AF65-F5344CB8AC3E}">
@@ -6816,327 +8521,6 @@
 </file>
 
 <file path=ppt/slides/slide14.xml><?xml version="1.0" encoding="utf-8"?>
-<p:sld xmlns:a="http://schemas.openxmlformats.org/drawingml/2006/main" xmlns:r="http://schemas.openxmlformats.org/officeDocument/2006/relationships" xmlns:p="http://schemas.openxmlformats.org/presentationml/2006/main">
-  <p:cSld>
-    <p:spTree>
-      <p:nvGrpSpPr>
-        <p:cNvPr id="1" name=""/>
-        <p:cNvGrpSpPr/>
-        <p:nvPr/>
-      </p:nvGrpSpPr>
-      <p:grpSpPr>
-        <a:xfrm>
-          <a:off x="0" y="0"/>
-          <a:ext cx="0" cy="0"/>
-          <a:chOff x="0" y="0"/>
-          <a:chExt cx="0" cy="0"/>
-        </a:xfrm>
-      </p:grpSpPr>
-      <p:grpSp>
-        <p:nvGrpSpPr>
-          <p:cNvPr id="4" name="Agrupar 3"/>
-          <p:cNvGrpSpPr/>
-          <p:nvPr/>
-        </p:nvGrpSpPr>
-        <p:grpSpPr>
-          <a:xfrm>
-            <a:off x="0" y="-5907"/>
-            <a:ext cx="12192000" cy="6863907"/>
-            <a:chOff x="0" y="0"/>
-            <a:chExt cx="12192000" cy="6863907"/>
-          </a:xfrm>
-        </p:grpSpPr>
-        <p:pic>
-          <p:nvPicPr>
-            <p:cNvPr id="5" name="Picture 22" descr="http://www.correiodoestadoonline.com.br/arquivos/noticias/3.png"/>
-            <p:cNvPicPr>
-              <a:picLocks noChangeAspect="1" noChangeArrowheads="1"/>
-            </p:cNvPicPr>
-            <p:nvPr/>
-          </p:nvPicPr>
-          <p:blipFill>
-            <a:blip r:embed="rId2">
-              <a:extLst>
-                <a:ext uri="{BEBA8EAE-BF5A-486C-A8C5-ECC9F3942E4B}">
-                  <a14:imgProps xmlns:a14="http://schemas.microsoft.com/office/drawing/2010/main">
-                    <a14:imgLayer r:embed="rId3">
-                      <a14:imgEffect>
-                        <a14:sharpenSoften amount="-80000"/>
-                      </a14:imgEffect>
-                      <a14:imgEffect>
-                        <a14:brightnessContrast bright="-46000"/>
-                      </a14:imgEffect>
-                    </a14:imgLayer>
-                  </a14:imgProps>
-                </a:ext>
-                <a:ext uri="{28A0092B-C50C-407E-A947-70E740481C1C}">
-                  <a14:useLocalDpi xmlns:a14="http://schemas.microsoft.com/office/drawing/2010/main" val="0"/>
-                </a:ext>
-              </a:extLst>
-            </a:blip>
-            <a:srcRect/>
-            <a:stretch>
-              <a:fillRect/>
-            </a:stretch>
-          </p:blipFill>
-          <p:spPr bwMode="auto">
-            <a:xfrm>
-              <a:off x="0" y="0"/>
-              <a:ext cx="12192000" cy="6863907"/>
-            </a:xfrm>
-            <a:prstGeom prst="rect">
-              <a:avLst/>
-            </a:prstGeom>
-            <a:noFill/>
-          </p:spPr>
-        </p:pic>
-        <p:sp>
-          <p:nvSpPr>
-            <p:cNvPr id="6" name="Retângulo 5"/>
-            <p:cNvSpPr/>
-            <p:nvPr/>
-          </p:nvSpPr>
-          <p:spPr>
-            <a:xfrm>
-              <a:off x="0" y="5907"/>
-              <a:ext cx="12192000" cy="6858000"/>
-            </a:xfrm>
-            <a:prstGeom prst="rect">
-              <a:avLst/>
-            </a:prstGeom>
-            <a:solidFill>
-              <a:schemeClr val="tx1">
-                <a:lumMod val="95000"/>
-                <a:lumOff val="5000"/>
-                <a:alpha val="87000"/>
-              </a:schemeClr>
-            </a:solidFill>
-            <a:ln>
-              <a:noFill/>
-            </a:ln>
-          </p:spPr>
-          <p:style>
-            <a:lnRef idx="2">
-              <a:schemeClr val="dk1"/>
-            </a:lnRef>
-            <a:fillRef idx="1">
-              <a:schemeClr val="lt1"/>
-            </a:fillRef>
-            <a:effectRef idx="0">
-              <a:schemeClr val="dk1"/>
-            </a:effectRef>
-            <a:fontRef idx="minor">
-              <a:schemeClr val="dk1"/>
-            </a:fontRef>
-          </p:style>
-          <p:txBody>
-            <a:bodyPr rtlCol="0" anchor="ctr"/>
-            <a:lstStyle/>
-            <a:p>
-              <a:pPr algn="ctr"/>
-              <a:endParaRPr lang="pt-BR" dirty="0"/>
-            </a:p>
-          </p:txBody>
-        </p:sp>
-      </p:grpSp>
-      <p:sp>
-        <p:nvSpPr>
-          <p:cNvPr id="11" name="Retângulo 10"/>
-          <p:cNvSpPr/>
-          <p:nvPr/>
-        </p:nvSpPr>
-        <p:spPr>
-          <a:xfrm>
-            <a:off x="126222" y="198787"/>
-            <a:ext cx="9627378" cy="584775"/>
-          </a:xfrm>
-          <a:prstGeom prst="rect">
-            <a:avLst/>
-          </a:prstGeom>
-          <a:noFill/>
-          <a:effectLst/>
-        </p:spPr>
-        <p:txBody>
-          <a:bodyPr wrap="square" lIns="91440" tIns="45720" rIns="91440" bIns="45720">
-            <a:spAutoFit/>
-          </a:bodyPr>
-          <a:lstStyle/>
-          <a:p>
-            <a:pPr algn="just"/>
-            <a:r>
-              <a:rPr lang="pt-BR" sz="3200" b="1" dirty="0" smtClean="0">
-                <a:ln w="0"/>
-                <a:solidFill>
-                  <a:schemeClr val="bg1"/>
-                </a:solidFill>
-                <a:effectLst>
-                  <a:outerShdw blurRad="38100" dist="19050" dir="2700000" algn="tl" rotWithShape="0">
-                    <a:schemeClr val="dk1">
-                      <a:alpha val="40000"/>
-                    </a:schemeClr>
-                  </a:outerShdw>
-                </a:effectLst>
-                <a:latin typeface="Exo 2 Medium" panose="00000600000000000000" pitchFamily="50" charset="0"/>
-              </a:rPr>
-              <a:t>APLICAÇÃO</a:t>
-            </a:r>
-            <a:endParaRPr lang="pt-BR" sz="3200" b="1" cap="none" spc="0" dirty="0">
-              <a:ln w="0"/>
-              <a:solidFill>
-                <a:schemeClr val="bg1"/>
-              </a:solidFill>
-              <a:effectLst>
-                <a:outerShdw blurRad="38100" dist="19050" dir="2700000" algn="tl" rotWithShape="0">
-                  <a:schemeClr val="dk1">
-                    <a:alpha val="40000"/>
-                  </a:schemeClr>
-                </a:outerShdw>
-              </a:effectLst>
-              <a:latin typeface="Exo 2 Medium" panose="00000600000000000000" pitchFamily="50" charset="0"/>
-            </a:endParaRPr>
-          </a:p>
-        </p:txBody>
-      </p:sp>
-      <p:cxnSp>
-        <p:nvCxnSpPr>
-          <p:cNvPr id="12" name="Conector reto 11">
-            <a:extLst>
-              <a:ext uri="{FF2B5EF4-FFF2-40B4-BE49-F238E27FC236}">
-                <a16:creationId xmlns:a16="http://schemas.microsoft.com/office/drawing/2014/main" id="{6510727C-C843-4D84-A07F-20F37366891D}"/>
-              </a:ext>
-            </a:extLst>
-          </p:cNvPr>
-          <p:cNvCxnSpPr/>
-          <p:nvPr/>
-        </p:nvCxnSpPr>
-        <p:spPr>
-          <a:xfrm>
-            <a:off x="0" y="953059"/>
-            <a:ext cx="6325704" cy="0"/>
-          </a:xfrm>
-          <a:prstGeom prst="line">
-            <a:avLst/>
-          </a:prstGeom>
-          <a:ln>
-            <a:solidFill>
-              <a:schemeClr val="bg1"/>
-            </a:solidFill>
-          </a:ln>
-          <a:effectLst/>
-        </p:spPr>
-        <p:style>
-          <a:lnRef idx="1">
-            <a:schemeClr val="accent1"/>
-          </a:lnRef>
-          <a:fillRef idx="0">
-            <a:schemeClr val="accent1"/>
-          </a:fillRef>
-          <a:effectRef idx="0">
-            <a:schemeClr val="accent1"/>
-          </a:effectRef>
-          <a:fontRef idx="minor">
-            <a:schemeClr val="tx1"/>
-          </a:fontRef>
-        </p:style>
-      </p:cxnSp>
-      <p:sp>
-        <p:nvSpPr>
-          <p:cNvPr id="8" name="Retângulo 7"/>
-          <p:cNvSpPr/>
-          <p:nvPr/>
-        </p:nvSpPr>
-        <p:spPr>
-          <a:xfrm>
-            <a:off x="9549309" y="103418"/>
-            <a:ext cx="2491388" cy="769441"/>
-          </a:xfrm>
-          <a:prstGeom prst="rect">
-            <a:avLst/>
-          </a:prstGeom>
-          <a:noFill/>
-        </p:spPr>
-        <p:txBody>
-          <a:bodyPr wrap="none" lIns="91440" tIns="45720" rIns="91440" bIns="45720">
-            <a:spAutoFit/>
-          </a:bodyPr>
-          <a:lstStyle/>
-          <a:p>
-            <a:pPr algn="ctr"/>
-            <a:r>
-              <a:rPr lang="pt-BR" sz="4400" b="1" cap="none" spc="0" dirty="0" smtClean="0">
-                <a:ln w="10160">
-                  <a:solidFill>
-                    <a:schemeClr val="accent4">
-                      <a:lumMod val="60000"/>
-                      <a:lumOff val="40000"/>
-                    </a:schemeClr>
-                  </a:solidFill>
-                  <a:prstDash val="solid"/>
-                </a:ln>
-                <a:solidFill>
-                  <a:schemeClr val="accent4">
-                    <a:lumMod val="60000"/>
-                    <a:lumOff val="40000"/>
-                  </a:schemeClr>
-                </a:solidFill>
-                <a:effectLst>
-                  <a:outerShdw blurRad="38100" dist="22860" dir="5400000" algn="tl" rotWithShape="0">
-                    <a:srgbClr val="000000">
-                      <a:alpha val="30000"/>
-                    </a:srgbClr>
-                  </a:outerShdw>
-                </a:effectLst>
-              </a:rPr>
-              <a:t>RODOLFO</a:t>
-            </a:r>
-            <a:endParaRPr lang="pt-BR" sz="4400" b="1" cap="none" spc="0" dirty="0">
-              <a:ln w="10160">
-                <a:solidFill>
-                  <a:schemeClr val="accent4">
-                    <a:lumMod val="60000"/>
-                    <a:lumOff val="40000"/>
-                  </a:schemeClr>
-                </a:solidFill>
-                <a:prstDash val="solid"/>
-              </a:ln>
-              <a:solidFill>
-                <a:schemeClr val="accent4">
-                  <a:lumMod val="60000"/>
-                  <a:lumOff val="40000"/>
-                </a:schemeClr>
-              </a:solidFill>
-              <a:effectLst>
-                <a:outerShdw blurRad="38100" dist="22860" dir="5400000" algn="tl" rotWithShape="0">
-                  <a:srgbClr val="000000">
-                    <a:alpha val="30000"/>
-                  </a:srgbClr>
-                </a:outerShdw>
-              </a:effectLst>
-            </a:endParaRPr>
-          </a:p>
-        </p:txBody>
-      </p:sp>
-    </p:spTree>
-    <p:extLst>
-      <p:ext uri="{BB962C8B-B14F-4D97-AF65-F5344CB8AC3E}">
-        <p14:creationId xmlns:p14="http://schemas.microsoft.com/office/powerpoint/2010/main" val="2409466507"/>
-      </p:ext>
-    </p:extLst>
-  </p:cSld>
-  <p:clrMapOvr>
-    <a:masterClrMapping/>
-  </p:clrMapOvr>
-  <p:timing>
-    <p:tnLst>
-      <p:par>
-        <p:cTn id="1" dur="indefinite" restart="never" nodeType="tmRoot"/>
-      </p:par>
-    </p:tnLst>
-  </p:timing>
-</p:sld>
-</file>
-
-<file path=ppt/slides/slide15.xml><?xml version="1.0" encoding="utf-8"?>
 <p:sld xmlns:a="http://schemas.openxmlformats.org/drawingml/2006/main" xmlns:r="http://schemas.openxmlformats.org/officeDocument/2006/relationships" xmlns:p="http://schemas.openxmlformats.org/presentationml/2006/main">
   <p:cSld>
     <p:spTree>
@@ -9176,7 +10560,7 @@
 </p:sld>
 </file>
 
-<file path=ppt/slides/slide16.xml><?xml version="1.0" encoding="utf-8"?>
+<file path=ppt/slides/slide15.xml><?xml version="1.0" encoding="utf-8"?>
 <p:sld xmlns:a="http://schemas.openxmlformats.org/drawingml/2006/main" xmlns:r="http://schemas.openxmlformats.org/officeDocument/2006/relationships" xmlns:p="http://schemas.openxmlformats.org/presentationml/2006/main">
   <p:cSld>
     <p:spTree>
@@ -9618,7 +11002,7 @@
 </p:sld>
 </file>
 
-<file path=ppt/slides/slide17.xml><?xml version="1.0" encoding="utf-8"?>
+<file path=ppt/slides/slide16.xml><?xml version="1.0" encoding="utf-8"?>
 <p:sld xmlns:a="http://schemas.openxmlformats.org/drawingml/2006/main" xmlns:r="http://schemas.openxmlformats.org/officeDocument/2006/relationships" xmlns:p="http://schemas.openxmlformats.org/presentationml/2006/main">
   <p:cSld>
     <p:spTree>
@@ -10041,7 +11425,7 @@
 </p:sld>
 </file>
 
-<file path=ppt/slides/slide18.xml><?xml version="1.0" encoding="utf-8"?>
+<file path=ppt/slides/slide17.xml><?xml version="1.0" encoding="utf-8"?>
 <p:sld xmlns:a="http://schemas.openxmlformats.org/drawingml/2006/main" xmlns:r="http://schemas.openxmlformats.org/officeDocument/2006/relationships" xmlns:p="http://schemas.openxmlformats.org/presentationml/2006/main">
   <p:cSld>
     <p:spTree>
@@ -10358,7 +11742,7 @@
 </p:sld>
 </file>
 
-<file path=ppt/slides/slide19.xml><?xml version="1.0" encoding="utf-8"?>
+<file path=ppt/slides/slide18.xml><?xml version="1.0" encoding="utf-8"?>
 <p:sld xmlns:a="http://schemas.openxmlformats.org/drawingml/2006/main" xmlns:r="http://schemas.openxmlformats.org/officeDocument/2006/relationships" xmlns:p="http://schemas.openxmlformats.org/presentationml/2006/main">
   <p:cSld>
     <p:spTree>
@@ -10681,6 +12065,429 @@
     <p:extLst>
       <p:ext uri="{BB962C8B-B14F-4D97-AF65-F5344CB8AC3E}">
         <p14:creationId xmlns:p14="http://schemas.microsoft.com/office/powerpoint/2010/main" val="3687551961"/>
+      </p:ext>
+    </p:extLst>
+  </p:cSld>
+  <p:clrMapOvr>
+    <a:masterClrMapping/>
+  </p:clrMapOvr>
+  <p:timing>
+    <p:tnLst>
+      <p:par>
+        <p:cTn id="1" dur="indefinite" restart="never" nodeType="tmRoot"/>
+      </p:par>
+    </p:tnLst>
+  </p:timing>
+</p:sld>
+</file>
+
+<file path=ppt/slides/slide19.xml><?xml version="1.0" encoding="utf-8"?>
+<p:sld xmlns:a="http://schemas.openxmlformats.org/drawingml/2006/main" xmlns:r="http://schemas.openxmlformats.org/officeDocument/2006/relationships" xmlns:p="http://schemas.openxmlformats.org/presentationml/2006/main">
+  <p:cSld>
+    <p:spTree>
+      <p:nvGrpSpPr>
+        <p:cNvPr id="1" name=""/>
+        <p:cNvGrpSpPr/>
+        <p:nvPr/>
+      </p:nvGrpSpPr>
+      <p:grpSpPr>
+        <a:xfrm>
+          <a:off x="0" y="0"/>
+          <a:ext cx="0" cy="0"/>
+          <a:chOff x="0" y="0"/>
+          <a:chExt cx="0" cy="0"/>
+        </a:xfrm>
+      </p:grpSpPr>
+      <p:grpSp>
+        <p:nvGrpSpPr>
+          <p:cNvPr id="4" name="Agrupar 3"/>
+          <p:cNvGrpSpPr/>
+          <p:nvPr/>
+        </p:nvGrpSpPr>
+        <p:grpSpPr>
+          <a:xfrm>
+            <a:off x="0" y="-5907"/>
+            <a:ext cx="12192000" cy="6863907"/>
+            <a:chOff x="0" y="0"/>
+            <a:chExt cx="12192000" cy="6863907"/>
+          </a:xfrm>
+        </p:grpSpPr>
+        <p:pic>
+          <p:nvPicPr>
+            <p:cNvPr id="5" name="Picture 22" descr="http://www.correiodoestadoonline.com.br/arquivos/noticias/3.png"/>
+            <p:cNvPicPr>
+              <a:picLocks noChangeAspect="1" noChangeArrowheads="1"/>
+            </p:cNvPicPr>
+            <p:nvPr/>
+          </p:nvPicPr>
+          <p:blipFill>
+            <a:blip r:embed="rId2">
+              <a:extLst>
+                <a:ext uri="{BEBA8EAE-BF5A-486C-A8C5-ECC9F3942E4B}">
+                  <a14:imgProps xmlns:a14="http://schemas.microsoft.com/office/drawing/2010/main">
+                    <a14:imgLayer r:embed="rId3">
+                      <a14:imgEffect>
+                        <a14:sharpenSoften amount="-80000"/>
+                      </a14:imgEffect>
+                      <a14:imgEffect>
+                        <a14:brightnessContrast bright="-46000"/>
+                      </a14:imgEffect>
+                    </a14:imgLayer>
+                  </a14:imgProps>
+                </a:ext>
+                <a:ext uri="{28A0092B-C50C-407E-A947-70E740481C1C}">
+                  <a14:useLocalDpi xmlns:a14="http://schemas.microsoft.com/office/drawing/2010/main" val="0"/>
+                </a:ext>
+              </a:extLst>
+            </a:blip>
+            <a:srcRect/>
+            <a:stretch>
+              <a:fillRect/>
+            </a:stretch>
+          </p:blipFill>
+          <p:spPr bwMode="auto">
+            <a:xfrm>
+              <a:off x="0" y="0"/>
+              <a:ext cx="12192000" cy="6863907"/>
+            </a:xfrm>
+            <a:prstGeom prst="rect">
+              <a:avLst/>
+            </a:prstGeom>
+            <a:noFill/>
+          </p:spPr>
+        </p:pic>
+        <p:sp>
+          <p:nvSpPr>
+            <p:cNvPr id="6" name="Retângulo 5"/>
+            <p:cNvSpPr/>
+            <p:nvPr/>
+          </p:nvSpPr>
+          <p:spPr>
+            <a:xfrm>
+              <a:off x="0" y="5907"/>
+              <a:ext cx="12192000" cy="6858000"/>
+            </a:xfrm>
+            <a:prstGeom prst="rect">
+              <a:avLst/>
+            </a:prstGeom>
+            <a:solidFill>
+              <a:schemeClr val="tx1">
+                <a:lumMod val="95000"/>
+                <a:lumOff val="5000"/>
+                <a:alpha val="87000"/>
+              </a:schemeClr>
+            </a:solidFill>
+            <a:ln>
+              <a:noFill/>
+            </a:ln>
+          </p:spPr>
+          <p:style>
+            <a:lnRef idx="2">
+              <a:schemeClr val="dk1"/>
+            </a:lnRef>
+            <a:fillRef idx="1">
+              <a:schemeClr val="lt1"/>
+            </a:fillRef>
+            <a:effectRef idx="0">
+              <a:schemeClr val="dk1"/>
+            </a:effectRef>
+            <a:fontRef idx="minor">
+              <a:schemeClr val="dk1"/>
+            </a:fontRef>
+          </p:style>
+          <p:txBody>
+            <a:bodyPr rtlCol="0" anchor="ctr"/>
+            <a:lstStyle/>
+            <a:p>
+              <a:pPr algn="ctr"/>
+              <a:endParaRPr lang="pt-BR" dirty="0"/>
+            </a:p>
+          </p:txBody>
+        </p:sp>
+      </p:grpSp>
+      <p:sp>
+        <p:nvSpPr>
+          <p:cNvPr id="11" name="Retângulo 10"/>
+          <p:cNvSpPr/>
+          <p:nvPr/>
+        </p:nvSpPr>
+        <p:spPr>
+          <a:xfrm>
+            <a:off x="126222" y="198787"/>
+            <a:ext cx="9627378" cy="584775"/>
+          </a:xfrm>
+          <a:prstGeom prst="rect">
+            <a:avLst/>
+          </a:prstGeom>
+          <a:noFill/>
+          <a:effectLst/>
+        </p:spPr>
+        <p:txBody>
+          <a:bodyPr wrap="square" lIns="91440" tIns="45720" rIns="91440" bIns="45720">
+            <a:spAutoFit/>
+          </a:bodyPr>
+          <a:lstStyle/>
+          <a:p>
+            <a:pPr algn="just"/>
+            <a:r>
+              <a:rPr lang="pt-BR" sz="3200" b="1" dirty="0" smtClean="0">
+                <a:ln w="0"/>
+                <a:solidFill>
+                  <a:schemeClr val="bg1"/>
+                </a:solidFill>
+                <a:effectLst>
+                  <a:outerShdw blurRad="38100" dist="19050" dir="2700000" algn="tl" rotWithShape="0">
+                    <a:schemeClr val="dk1">
+                      <a:alpha val="40000"/>
+                    </a:schemeClr>
+                  </a:outerShdw>
+                </a:effectLst>
+                <a:latin typeface="Exo 2 Medium" panose="00000600000000000000" pitchFamily="50" charset="0"/>
+              </a:rPr>
+              <a:t>FERRAMENTA DE HELPDESK</a:t>
+            </a:r>
+            <a:endParaRPr lang="pt-BR" sz="3200" b="1" cap="none" spc="0" dirty="0">
+              <a:ln w="0"/>
+              <a:solidFill>
+                <a:schemeClr val="bg1"/>
+              </a:solidFill>
+              <a:effectLst>
+                <a:outerShdw blurRad="38100" dist="19050" dir="2700000" algn="tl" rotWithShape="0">
+                  <a:schemeClr val="dk1">
+                    <a:alpha val="40000"/>
+                  </a:schemeClr>
+                </a:outerShdw>
+              </a:effectLst>
+              <a:latin typeface="Exo 2 Medium" panose="00000600000000000000" pitchFamily="50" charset="0"/>
+            </a:endParaRPr>
+          </a:p>
+        </p:txBody>
+      </p:sp>
+      <p:cxnSp>
+        <p:nvCxnSpPr>
+          <p:cNvPr id="12" name="Conector reto 11">
+            <a:extLst>
+              <a:ext uri="{FF2B5EF4-FFF2-40B4-BE49-F238E27FC236}">
+                <a16:creationId xmlns:a16="http://schemas.microsoft.com/office/drawing/2014/main" id="{6510727C-C843-4D84-A07F-20F37366891D}"/>
+              </a:ext>
+            </a:extLst>
+          </p:cNvPr>
+          <p:cNvCxnSpPr/>
+          <p:nvPr/>
+        </p:nvCxnSpPr>
+        <p:spPr>
+          <a:xfrm>
+            <a:off x="0" y="953059"/>
+            <a:ext cx="6325704" cy="0"/>
+          </a:xfrm>
+          <a:prstGeom prst="line">
+            <a:avLst/>
+          </a:prstGeom>
+          <a:ln>
+            <a:solidFill>
+              <a:schemeClr val="bg1"/>
+            </a:solidFill>
+          </a:ln>
+          <a:effectLst/>
+        </p:spPr>
+        <p:style>
+          <a:lnRef idx="1">
+            <a:schemeClr val="accent1"/>
+          </a:lnRef>
+          <a:fillRef idx="0">
+            <a:schemeClr val="accent1"/>
+          </a:fillRef>
+          <a:effectRef idx="0">
+            <a:schemeClr val="accent1"/>
+          </a:effectRef>
+          <a:fontRef idx="minor">
+            <a:schemeClr val="tx1"/>
+          </a:fontRef>
+        </p:style>
+      </p:cxnSp>
+      <p:sp>
+        <p:nvSpPr>
+          <p:cNvPr id="8" name="Elipse 7"/>
+          <p:cNvSpPr/>
+          <p:nvPr/>
+        </p:nvSpPr>
+        <p:spPr>
+          <a:xfrm>
+            <a:off x="1162350" y="2057400"/>
+            <a:ext cx="3644106" cy="3644106"/>
+          </a:xfrm>
+          <a:prstGeom prst="ellipse">
+            <a:avLst/>
+          </a:prstGeom>
+          <a:solidFill>
+            <a:schemeClr val="bg1"/>
+          </a:solidFill>
+          <a:ln>
+            <a:noFill/>
+          </a:ln>
+          <a:effectLst>
+            <a:outerShdw blurRad="50800" dist="38100" dir="2700000" algn="tl" rotWithShape="0">
+              <a:prstClr val="black">
+                <a:alpha val="40000"/>
+              </a:prstClr>
+            </a:outerShdw>
+          </a:effectLst>
+        </p:spPr>
+        <p:style>
+          <a:lnRef idx="2">
+            <a:schemeClr val="accent1">
+              <a:shade val="50000"/>
+            </a:schemeClr>
+          </a:lnRef>
+          <a:fillRef idx="1">
+            <a:schemeClr val="accent1"/>
+          </a:fillRef>
+          <a:effectRef idx="0">
+            <a:schemeClr val="accent1"/>
+          </a:effectRef>
+          <a:fontRef idx="minor">
+            <a:schemeClr val="lt1"/>
+          </a:fontRef>
+        </p:style>
+        <p:txBody>
+          <a:bodyPr rtlCol="0" anchor="ctr"/>
+          <a:lstStyle/>
+          <a:p>
+            <a:pPr algn="ctr"/>
+            <a:endParaRPr lang="pt-BR" dirty="0"/>
+          </a:p>
+        </p:txBody>
+      </p:sp>
+      <p:pic>
+        <p:nvPicPr>
+          <p:cNvPr id="10" name="Imagem 9"/>
+          <p:cNvPicPr>
+            <a:picLocks noChangeAspect="1"/>
+          </p:cNvPicPr>
+          <p:nvPr/>
+        </p:nvPicPr>
+        <p:blipFill rotWithShape="1">
+          <a:blip r:embed="rId4">
+            <a:extLst>
+              <a:ext uri="{28A0092B-C50C-407E-A947-70E740481C1C}">
+                <a14:useLocalDpi xmlns:a14="http://schemas.microsoft.com/office/drawing/2010/main" val="0"/>
+              </a:ext>
+            </a:extLst>
+          </a:blip>
+          <a:srcRect t="15200"/>
+          <a:stretch/>
+        </p:blipFill>
+        <p:spPr>
+          <a:xfrm>
+            <a:off x="1560415" y="3200962"/>
+            <a:ext cx="2847975" cy="1356981"/>
+          </a:xfrm>
+          <a:prstGeom prst="rect">
+            <a:avLst/>
+          </a:prstGeom>
+        </p:spPr>
+      </p:pic>
+      <p:sp>
+        <p:nvSpPr>
+          <p:cNvPr id="14" name="Retângulo 13"/>
+          <p:cNvSpPr/>
+          <p:nvPr/>
+        </p:nvSpPr>
+        <p:spPr>
+          <a:xfrm>
+            <a:off x="9534496" y="103418"/>
+            <a:ext cx="2521010" cy="769441"/>
+          </a:xfrm>
+          <a:prstGeom prst="rect">
+            <a:avLst/>
+          </a:prstGeom>
+          <a:noFill/>
+        </p:spPr>
+        <p:txBody>
+          <a:bodyPr wrap="none" lIns="91440" tIns="45720" rIns="91440" bIns="45720">
+            <a:spAutoFit/>
+          </a:bodyPr>
+          <a:lstStyle/>
+          <a:p>
+            <a:pPr algn="ctr"/>
+            <a:r>
+              <a:rPr lang="pt-BR" sz="4400" b="1" cap="none" spc="0" dirty="0" smtClean="0">
+                <a:ln w="10160">
+                  <a:solidFill>
+                    <a:schemeClr val="accent1">
+                      <a:lumMod val="75000"/>
+                    </a:schemeClr>
+                  </a:solidFill>
+                  <a:prstDash val="solid"/>
+                </a:ln>
+                <a:solidFill>
+                  <a:schemeClr val="accent1">
+                    <a:lumMod val="75000"/>
+                  </a:schemeClr>
+                </a:solidFill>
+                <a:effectLst>
+                  <a:outerShdw blurRad="38100" dist="22860" dir="5400000" algn="tl" rotWithShape="0">
+                    <a:srgbClr val="000000">
+                      <a:alpha val="30000"/>
+                    </a:srgbClr>
+                  </a:outerShdw>
+                </a:effectLst>
+              </a:rPr>
+              <a:t>MATHEUS</a:t>
+            </a:r>
+            <a:endParaRPr lang="pt-BR" sz="4400" b="1" cap="none" spc="0" dirty="0">
+              <a:ln w="10160">
+                <a:solidFill>
+                  <a:schemeClr val="accent1">
+                    <a:lumMod val="75000"/>
+                  </a:schemeClr>
+                </a:solidFill>
+                <a:prstDash val="solid"/>
+              </a:ln>
+              <a:solidFill>
+                <a:schemeClr val="accent1">
+                  <a:lumMod val="75000"/>
+                </a:schemeClr>
+              </a:solidFill>
+              <a:effectLst>
+                <a:outerShdw blurRad="38100" dist="22860" dir="5400000" algn="tl" rotWithShape="0">
+                  <a:srgbClr val="000000">
+                    <a:alpha val="30000"/>
+                  </a:srgbClr>
+                </a:outerShdw>
+              </a:effectLst>
+            </a:endParaRPr>
+          </a:p>
+        </p:txBody>
+      </p:sp>
+      <p:pic>
+        <p:nvPicPr>
+          <p:cNvPr id="2" name="Imagem 1"/>
+          <p:cNvPicPr>
+            <a:picLocks noChangeAspect="1"/>
+          </p:cNvPicPr>
+          <p:nvPr/>
+        </p:nvPicPr>
+        <p:blipFill>
+          <a:blip r:embed="rId5"/>
+          <a:stretch>
+            <a:fillRect/>
+          </a:stretch>
+        </p:blipFill>
+        <p:spPr>
+          <a:xfrm>
+            <a:off x="5641533" y="2490352"/>
+            <a:ext cx="5715389" cy="2778199"/>
+          </a:xfrm>
+          <a:prstGeom prst="rect">
+            <a:avLst/>
+          </a:prstGeom>
+        </p:spPr>
+      </p:pic>
+    </p:spTree>
+    <p:extLst>
+      <p:ext uri="{BB962C8B-B14F-4D97-AF65-F5344CB8AC3E}">
+        <p14:creationId xmlns:p14="http://schemas.microsoft.com/office/powerpoint/2010/main" val="3265584272"/>
       </p:ext>
     </p:extLst>
   </p:cSld>
@@ -11394,7 +13201,7 @@
                 </a:effectLst>
                 <a:latin typeface="Exo 2 Medium" panose="00000600000000000000" pitchFamily="50" charset="0"/>
               </a:rPr>
-              <a:t>FERRAMENTA DE HELPDESK</a:t>
+              <a:t>RESULTADOS</a:t>
             </a:r>
             <a:endParaRPr lang="pt-BR" sz="3200" b="1" cap="none" spc="0" dirty="0">
               <a:ln w="0"/>
@@ -11457,96 +13264,14 @@
       </p:cxnSp>
       <p:sp>
         <p:nvSpPr>
-          <p:cNvPr id="8" name="Elipse 7"/>
+          <p:cNvPr id="9" name="Retângulo 8"/>
           <p:cNvSpPr/>
           <p:nvPr/>
         </p:nvSpPr>
         <p:spPr>
           <a:xfrm>
-            <a:off x="1162350" y="2057400"/>
-            <a:ext cx="3644106" cy="3644106"/>
-          </a:xfrm>
-          <a:prstGeom prst="ellipse">
-            <a:avLst/>
-          </a:prstGeom>
-          <a:solidFill>
-            <a:schemeClr val="bg1"/>
-          </a:solidFill>
-          <a:ln>
-            <a:noFill/>
-          </a:ln>
-          <a:effectLst>
-            <a:outerShdw blurRad="50800" dist="38100" dir="2700000" algn="tl" rotWithShape="0">
-              <a:prstClr val="black">
-                <a:alpha val="40000"/>
-              </a:prstClr>
-            </a:outerShdw>
-          </a:effectLst>
-        </p:spPr>
-        <p:style>
-          <a:lnRef idx="2">
-            <a:schemeClr val="accent1">
-              <a:shade val="50000"/>
-            </a:schemeClr>
-          </a:lnRef>
-          <a:fillRef idx="1">
-            <a:schemeClr val="accent1"/>
-          </a:fillRef>
-          <a:effectRef idx="0">
-            <a:schemeClr val="accent1"/>
-          </a:effectRef>
-          <a:fontRef idx="minor">
-            <a:schemeClr val="lt1"/>
-          </a:fontRef>
-        </p:style>
-        <p:txBody>
-          <a:bodyPr rtlCol="0" anchor="ctr"/>
-          <a:lstStyle/>
-          <a:p>
-            <a:pPr algn="ctr"/>
-            <a:endParaRPr lang="pt-BR" dirty="0"/>
-          </a:p>
-        </p:txBody>
-      </p:sp>
-      <p:pic>
-        <p:nvPicPr>
-          <p:cNvPr id="10" name="Imagem 9"/>
-          <p:cNvPicPr>
-            <a:picLocks noChangeAspect="1"/>
-          </p:cNvPicPr>
-          <p:nvPr/>
-        </p:nvPicPr>
-        <p:blipFill rotWithShape="1">
-          <a:blip r:embed="rId4">
-            <a:extLst>
-              <a:ext uri="{28A0092B-C50C-407E-A947-70E740481C1C}">
-                <a14:useLocalDpi xmlns:a14="http://schemas.microsoft.com/office/drawing/2010/main" val="0"/>
-              </a:ext>
-            </a:extLst>
-          </a:blip>
-          <a:srcRect t="15200"/>
-          <a:stretch/>
-        </p:blipFill>
-        <p:spPr>
-          <a:xfrm>
-            <a:off x="1560415" y="3200962"/>
-            <a:ext cx="2847975" cy="1356981"/>
-          </a:xfrm>
-          <a:prstGeom prst="rect">
-            <a:avLst/>
-          </a:prstGeom>
-        </p:spPr>
-      </p:pic>
-      <p:sp>
-        <p:nvSpPr>
-          <p:cNvPr id="14" name="Retângulo 13"/>
-          <p:cNvSpPr/>
-          <p:nvPr/>
-        </p:nvSpPr>
-        <p:spPr>
-          <a:xfrm>
-            <a:off x="9534496" y="103418"/>
-            <a:ext cx="2521010" cy="769441"/>
+            <a:off x="10118375" y="103418"/>
+            <a:ext cx="1353256" cy="769441"/>
           </a:xfrm>
           <a:prstGeom prst="rect">
             <a:avLst/>
@@ -11564,16 +13289,12 @@
               <a:rPr lang="pt-BR" sz="4400" b="1" cap="none" spc="0" dirty="0" smtClean="0">
                 <a:ln w="10160">
                   <a:solidFill>
-                    <a:schemeClr val="accent1">
-                      <a:lumMod val="75000"/>
-                    </a:schemeClr>
+                    <a:srgbClr val="FF0000"/>
                   </a:solidFill>
                   <a:prstDash val="solid"/>
                 </a:ln>
                 <a:solidFill>
-                  <a:schemeClr val="accent1">
-                    <a:lumMod val="75000"/>
-                  </a:schemeClr>
+                  <a:srgbClr val="FF0000"/>
                 </a:solidFill>
                 <a:effectLst>
                   <a:outerShdw blurRad="38100" dist="22860" dir="5400000" algn="tl" rotWithShape="0">
@@ -11583,21 +13304,17 @@
                   </a:outerShdw>
                 </a:effectLst>
               </a:rPr>
-              <a:t>MATHEUS</a:t>
+              <a:t>YUDI</a:t>
             </a:r>
             <a:endParaRPr lang="pt-BR" sz="4400" b="1" cap="none" spc="0" dirty="0">
               <a:ln w="10160">
                 <a:solidFill>
-                  <a:schemeClr val="accent1">
-                    <a:lumMod val="75000"/>
-                  </a:schemeClr>
+                  <a:srgbClr val="FF0000"/>
                 </a:solidFill>
                 <a:prstDash val="solid"/>
               </a:ln>
               <a:solidFill>
-                <a:schemeClr val="accent1">
-                  <a:lumMod val="75000"/>
-                </a:schemeClr>
+                <a:srgbClr val="FF0000"/>
               </a:solidFill>
               <a:effectLst>
                 <a:outerShdw blurRad="38100" dist="22860" dir="5400000" algn="tl" rotWithShape="0">
@@ -11613,7 +13330,7 @@
     </p:spTree>
     <p:extLst>
       <p:ext uri="{BB962C8B-B14F-4D97-AF65-F5344CB8AC3E}">
-        <p14:creationId xmlns:p14="http://schemas.microsoft.com/office/powerpoint/2010/main" val="3265584272"/>
+        <p14:creationId xmlns:p14="http://schemas.microsoft.com/office/powerpoint/2010/main" val="3576567767"/>
       </p:ext>
     </p:extLst>
   </p:cSld>
@@ -11793,315 +13510,6 @@
                 </a:effectLst>
                 <a:latin typeface="Exo 2 Medium" panose="00000600000000000000" pitchFamily="50" charset="0"/>
               </a:rPr>
-              <a:t>RESULTADOS</a:t>
-            </a:r>
-            <a:endParaRPr lang="pt-BR" sz="3200" b="1" cap="none" spc="0" dirty="0">
-              <a:ln w="0"/>
-              <a:solidFill>
-                <a:schemeClr val="bg1"/>
-              </a:solidFill>
-              <a:effectLst>
-                <a:outerShdw blurRad="38100" dist="19050" dir="2700000" algn="tl" rotWithShape="0">
-                  <a:schemeClr val="dk1">
-                    <a:alpha val="40000"/>
-                  </a:schemeClr>
-                </a:outerShdw>
-              </a:effectLst>
-              <a:latin typeface="Exo 2 Medium" panose="00000600000000000000" pitchFamily="50" charset="0"/>
-            </a:endParaRPr>
-          </a:p>
-        </p:txBody>
-      </p:sp>
-      <p:cxnSp>
-        <p:nvCxnSpPr>
-          <p:cNvPr id="12" name="Conector reto 11">
-            <a:extLst>
-              <a:ext uri="{FF2B5EF4-FFF2-40B4-BE49-F238E27FC236}">
-                <a16:creationId xmlns:a16="http://schemas.microsoft.com/office/drawing/2014/main" id="{6510727C-C843-4D84-A07F-20F37366891D}"/>
-              </a:ext>
-            </a:extLst>
-          </p:cNvPr>
-          <p:cNvCxnSpPr/>
-          <p:nvPr/>
-        </p:nvCxnSpPr>
-        <p:spPr>
-          <a:xfrm>
-            <a:off x="0" y="953059"/>
-            <a:ext cx="6325704" cy="0"/>
-          </a:xfrm>
-          <a:prstGeom prst="line">
-            <a:avLst/>
-          </a:prstGeom>
-          <a:ln>
-            <a:solidFill>
-              <a:schemeClr val="bg1"/>
-            </a:solidFill>
-          </a:ln>
-          <a:effectLst/>
-        </p:spPr>
-        <p:style>
-          <a:lnRef idx="1">
-            <a:schemeClr val="accent1"/>
-          </a:lnRef>
-          <a:fillRef idx="0">
-            <a:schemeClr val="accent1"/>
-          </a:fillRef>
-          <a:effectRef idx="0">
-            <a:schemeClr val="accent1"/>
-          </a:effectRef>
-          <a:fontRef idx="minor">
-            <a:schemeClr val="tx1"/>
-          </a:fontRef>
-        </p:style>
-      </p:cxnSp>
-      <p:sp>
-        <p:nvSpPr>
-          <p:cNvPr id="9" name="Retângulo 8"/>
-          <p:cNvSpPr/>
-          <p:nvPr/>
-        </p:nvSpPr>
-        <p:spPr>
-          <a:xfrm>
-            <a:off x="10118375" y="103418"/>
-            <a:ext cx="1353256" cy="769441"/>
-          </a:xfrm>
-          <a:prstGeom prst="rect">
-            <a:avLst/>
-          </a:prstGeom>
-          <a:noFill/>
-        </p:spPr>
-        <p:txBody>
-          <a:bodyPr wrap="none" lIns="91440" tIns="45720" rIns="91440" bIns="45720">
-            <a:spAutoFit/>
-          </a:bodyPr>
-          <a:lstStyle/>
-          <a:p>
-            <a:pPr algn="ctr"/>
-            <a:r>
-              <a:rPr lang="pt-BR" sz="4400" b="1" cap="none" spc="0" dirty="0" smtClean="0">
-                <a:ln w="10160">
-                  <a:solidFill>
-                    <a:srgbClr val="FF0000"/>
-                  </a:solidFill>
-                  <a:prstDash val="solid"/>
-                </a:ln>
-                <a:solidFill>
-                  <a:srgbClr val="FF0000"/>
-                </a:solidFill>
-                <a:effectLst>
-                  <a:outerShdw blurRad="38100" dist="22860" dir="5400000" algn="tl" rotWithShape="0">
-                    <a:srgbClr val="000000">
-                      <a:alpha val="30000"/>
-                    </a:srgbClr>
-                  </a:outerShdw>
-                </a:effectLst>
-              </a:rPr>
-              <a:t>YUDI</a:t>
-            </a:r>
-            <a:endParaRPr lang="pt-BR" sz="4400" b="1" cap="none" spc="0" dirty="0">
-              <a:ln w="10160">
-                <a:solidFill>
-                  <a:srgbClr val="FF0000"/>
-                </a:solidFill>
-                <a:prstDash val="solid"/>
-              </a:ln>
-              <a:solidFill>
-                <a:srgbClr val="FF0000"/>
-              </a:solidFill>
-              <a:effectLst>
-                <a:outerShdw blurRad="38100" dist="22860" dir="5400000" algn="tl" rotWithShape="0">
-                  <a:srgbClr val="000000">
-                    <a:alpha val="30000"/>
-                  </a:srgbClr>
-                </a:outerShdw>
-              </a:effectLst>
-            </a:endParaRPr>
-          </a:p>
-        </p:txBody>
-      </p:sp>
-    </p:spTree>
-    <p:extLst>
-      <p:ext uri="{BB962C8B-B14F-4D97-AF65-F5344CB8AC3E}">
-        <p14:creationId xmlns:p14="http://schemas.microsoft.com/office/powerpoint/2010/main" val="3576567767"/>
-      </p:ext>
-    </p:extLst>
-  </p:cSld>
-  <p:clrMapOvr>
-    <a:masterClrMapping/>
-  </p:clrMapOvr>
-  <p:timing>
-    <p:tnLst>
-      <p:par>
-        <p:cTn id="1" dur="indefinite" restart="never" nodeType="tmRoot"/>
-      </p:par>
-    </p:tnLst>
-  </p:timing>
-</p:sld>
-</file>
-
-<file path=ppt/slides/slide22.xml><?xml version="1.0" encoding="utf-8"?>
-<p:sld xmlns:a="http://schemas.openxmlformats.org/drawingml/2006/main" xmlns:r="http://schemas.openxmlformats.org/officeDocument/2006/relationships" xmlns:p="http://schemas.openxmlformats.org/presentationml/2006/main">
-  <p:cSld>
-    <p:spTree>
-      <p:nvGrpSpPr>
-        <p:cNvPr id="1" name=""/>
-        <p:cNvGrpSpPr/>
-        <p:nvPr/>
-      </p:nvGrpSpPr>
-      <p:grpSpPr>
-        <a:xfrm>
-          <a:off x="0" y="0"/>
-          <a:ext cx="0" cy="0"/>
-          <a:chOff x="0" y="0"/>
-          <a:chExt cx="0" cy="0"/>
-        </a:xfrm>
-      </p:grpSpPr>
-      <p:grpSp>
-        <p:nvGrpSpPr>
-          <p:cNvPr id="4" name="Agrupar 3"/>
-          <p:cNvGrpSpPr/>
-          <p:nvPr/>
-        </p:nvGrpSpPr>
-        <p:grpSpPr>
-          <a:xfrm>
-            <a:off x="0" y="-5907"/>
-            <a:ext cx="12192000" cy="6863907"/>
-            <a:chOff x="0" y="0"/>
-            <a:chExt cx="12192000" cy="6863907"/>
-          </a:xfrm>
-        </p:grpSpPr>
-        <p:pic>
-          <p:nvPicPr>
-            <p:cNvPr id="5" name="Picture 22" descr="http://www.correiodoestadoonline.com.br/arquivos/noticias/3.png"/>
-            <p:cNvPicPr>
-              <a:picLocks noChangeAspect="1" noChangeArrowheads="1"/>
-            </p:cNvPicPr>
-            <p:nvPr/>
-          </p:nvPicPr>
-          <p:blipFill>
-            <a:blip r:embed="rId2">
-              <a:extLst>
-                <a:ext uri="{BEBA8EAE-BF5A-486C-A8C5-ECC9F3942E4B}">
-                  <a14:imgProps xmlns:a14="http://schemas.microsoft.com/office/drawing/2010/main">
-                    <a14:imgLayer r:embed="rId3">
-                      <a14:imgEffect>
-                        <a14:sharpenSoften amount="-80000"/>
-                      </a14:imgEffect>
-                      <a14:imgEffect>
-                        <a14:brightnessContrast bright="-46000"/>
-                      </a14:imgEffect>
-                    </a14:imgLayer>
-                  </a14:imgProps>
-                </a:ext>
-                <a:ext uri="{28A0092B-C50C-407E-A947-70E740481C1C}">
-                  <a14:useLocalDpi xmlns:a14="http://schemas.microsoft.com/office/drawing/2010/main" val="0"/>
-                </a:ext>
-              </a:extLst>
-            </a:blip>
-            <a:srcRect/>
-            <a:stretch>
-              <a:fillRect/>
-            </a:stretch>
-          </p:blipFill>
-          <p:spPr bwMode="auto">
-            <a:xfrm>
-              <a:off x="0" y="0"/>
-              <a:ext cx="12192000" cy="6863907"/>
-            </a:xfrm>
-            <a:prstGeom prst="rect">
-              <a:avLst/>
-            </a:prstGeom>
-            <a:noFill/>
-          </p:spPr>
-        </p:pic>
-        <p:sp>
-          <p:nvSpPr>
-            <p:cNvPr id="6" name="Retângulo 5"/>
-            <p:cNvSpPr/>
-            <p:nvPr/>
-          </p:nvSpPr>
-          <p:spPr>
-            <a:xfrm>
-              <a:off x="0" y="5907"/>
-              <a:ext cx="12192000" cy="6858000"/>
-            </a:xfrm>
-            <a:prstGeom prst="rect">
-              <a:avLst/>
-            </a:prstGeom>
-            <a:solidFill>
-              <a:schemeClr val="tx1">
-                <a:lumMod val="95000"/>
-                <a:lumOff val="5000"/>
-                <a:alpha val="87000"/>
-              </a:schemeClr>
-            </a:solidFill>
-            <a:ln>
-              <a:noFill/>
-            </a:ln>
-          </p:spPr>
-          <p:style>
-            <a:lnRef idx="2">
-              <a:schemeClr val="dk1"/>
-            </a:lnRef>
-            <a:fillRef idx="1">
-              <a:schemeClr val="lt1"/>
-            </a:fillRef>
-            <a:effectRef idx="0">
-              <a:schemeClr val="dk1"/>
-            </a:effectRef>
-            <a:fontRef idx="minor">
-              <a:schemeClr val="dk1"/>
-            </a:fontRef>
-          </p:style>
-          <p:txBody>
-            <a:bodyPr rtlCol="0" anchor="ctr"/>
-            <a:lstStyle/>
-            <a:p>
-              <a:pPr algn="ctr"/>
-              <a:endParaRPr lang="pt-BR" dirty="0"/>
-            </a:p>
-          </p:txBody>
-        </p:sp>
-      </p:grpSp>
-      <p:sp>
-        <p:nvSpPr>
-          <p:cNvPr id="11" name="Retângulo 10"/>
-          <p:cNvSpPr/>
-          <p:nvPr/>
-        </p:nvSpPr>
-        <p:spPr>
-          <a:xfrm>
-            <a:off x="126222" y="198787"/>
-            <a:ext cx="9627378" cy="584775"/>
-          </a:xfrm>
-          <a:prstGeom prst="rect">
-            <a:avLst/>
-          </a:prstGeom>
-          <a:noFill/>
-          <a:effectLst/>
-        </p:spPr>
-        <p:txBody>
-          <a:bodyPr wrap="square" lIns="91440" tIns="45720" rIns="91440" bIns="45720">
-            <a:spAutoFit/>
-          </a:bodyPr>
-          <a:lstStyle/>
-          <a:p>
-            <a:pPr algn="just"/>
-            <a:r>
-              <a:rPr lang="pt-BR" sz="3200" b="1" dirty="0" smtClean="0">
-                <a:ln w="0"/>
-                <a:solidFill>
-                  <a:schemeClr val="bg1"/>
-                </a:solidFill>
-                <a:effectLst>
-                  <a:outerShdw blurRad="38100" dist="19050" dir="2700000" algn="tl" rotWithShape="0">
-                    <a:schemeClr val="dk1">
-                      <a:alpha val="40000"/>
-                    </a:schemeClr>
-                  </a:outerShdw>
-                </a:effectLst>
-                <a:latin typeface="Exo 2 Medium" panose="00000600000000000000" pitchFamily="50" charset="0"/>
-              </a:rPr>
               <a:t>PROCESSO DE APRENDIZAGEM COM O PROJETO</a:t>
             </a:r>
             <a:endParaRPr lang="pt-BR" sz="3200" b="1" cap="none" spc="0" dirty="0">
@@ -12463,7 +13871,7 @@
 </p:sld>
 </file>
 
-<file path=ppt/slides/slide23.xml><?xml version="1.0" encoding="utf-8"?>
+<file path=ppt/slides/slide22.xml><?xml version="1.0" encoding="utf-8"?>
 <p:sld xmlns:a="http://schemas.openxmlformats.org/drawingml/2006/main" xmlns:r="http://schemas.openxmlformats.org/officeDocument/2006/relationships" xmlns:p="http://schemas.openxmlformats.org/presentationml/2006/main">
   <p:cSld>
     <p:spTree>

--- a/Apresentação/inSensor.pptx
+++ b/Apresentação/inSensor.pptx
@@ -7956,7 +7956,7 @@
         </p:nvSpPr>
         <p:spPr>
           <a:xfrm>
-            <a:off x="6673518" y="6472510"/>
+            <a:off x="6673518" y="6396310"/>
             <a:ext cx="1317001" cy="400110"/>
           </a:xfrm>
           <a:prstGeom prst="rect">
@@ -8328,8 +8328,8 @@
         </p:nvGrpSpPr>
         <p:grpSpPr>
           <a:xfrm rot="10800000">
-            <a:off x="7913414" y="4070584"/>
-            <a:ext cx="2578023" cy="1553025"/>
+            <a:off x="7819125" y="4136227"/>
+            <a:ext cx="1856200" cy="1118192"/>
             <a:chOff x="6345195" y="4525282"/>
             <a:chExt cx="2578023" cy="1553025"/>
           </a:xfrm>
@@ -8414,7 +8414,7 @@
         </p:nvSpPr>
         <p:spPr>
           <a:xfrm>
-            <a:off x="10572672" y="4413173"/>
+            <a:off x="9746200" y="4258748"/>
             <a:ext cx="2564148" cy="830997"/>
           </a:xfrm>
           <a:prstGeom prst="rect">

--- a/Apresentação/inSensor.pptx
+++ b/Apresentação/inSensor.pptx
@@ -262,7 +262,7 @@
           <a:p>
             <a:fld id="{1A9BD4CD-1A6A-4953-94B0-D07B000D9A03}" type="datetimeFigureOut">
               <a:rPr lang="pt-BR" smtClean="0"/>
-              <a:t>30/11/2018</a:t>
+              <a:t>01/12/2018</a:t>
             </a:fld>
             <a:endParaRPr lang="pt-BR" dirty="0"/>
           </a:p>
@@ -430,7 +430,7 @@
           <a:p>
             <a:fld id="{1A9BD4CD-1A6A-4953-94B0-D07B000D9A03}" type="datetimeFigureOut">
               <a:rPr lang="pt-BR" smtClean="0"/>
-              <a:t>30/11/2018</a:t>
+              <a:t>01/12/2018</a:t>
             </a:fld>
             <a:endParaRPr lang="pt-BR" dirty="0"/>
           </a:p>
@@ -608,7 +608,7 @@
           <a:p>
             <a:fld id="{1A9BD4CD-1A6A-4953-94B0-D07B000D9A03}" type="datetimeFigureOut">
               <a:rPr lang="pt-BR" smtClean="0"/>
-              <a:t>30/11/2018</a:t>
+              <a:t>01/12/2018</a:t>
             </a:fld>
             <a:endParaRPr lang="pt-BR" dirty="0"/>
           </a:p>
@@ -776,7 +776,7 @@
           <a:p>
             <a:fld id="{1A9BD4CD-1A6A-4953-94B0-D07B000D9A03}" type="datetimeFigureOut">
               <a:rPr lang="pt-BR" smtClean="0"/>
-              <a:t>30/11/2018</a:t>
+              <a:t>01/12/2018</a:t>
             </a:fld>
             <a:endParaRPr lang="pt-BR" dirty="0"/>
           </a:p>
@@ -1021,7 +1021,7 @@
           <a:p>
             <a:fld id="{1A9BD4CD-1A6A-4953-94B0-D07B000D9A03}" type="datetimeFigureOut">
               <a:rPr lang="pt-BR" smtClean="0"/>
-              <a:t>30/11/2018</a:t>
+              <a:t>01/12/2018</a:t>
             </a:fld>
             <a:endParaRPr lang="pt-BR" dirty="0"/>
           </a:p>
@@ -1250,7 +1250,7 @@
           <a:p>
             <a:fld id="{1A9BD4CD-1A6A-4953-94B0-D07B000D9A03}" type="datetimeFigureOut">
               <a:rPr lang="pt-BR" smtClean="0"/>
-              <a:t>30/11/2018</a:t>
+              <a:t>01/12/2018</a:t>
             </a:fld>
             <a:endParaRPr lang="pt-BR" dirty="0"/>
           </a:p>
@@ -1614,7 +1614,7 @@
           <a:p>
             <a:fld id="{1A9BD4CD-1A6A-4953-94B0-D07B000D9A03}" type="datetimeFigureOut">
               <a:rPr lang="pt-BR" smtClean="0"/>
-              <a:t>30/11/2018</a:t>
+              <a:t>01/12/2018</a:t>
             </a:fld>
             <a:endParaRPr lang="pt-BR" dirty="0"/>
           </a:p>
@@ -1731,7 +1731,7 @@
           <a:p>
             <a:fld id="{1A9BD4CD-1A6A-4953-94B0-D07B000D9A03}" type="datetimeFigureOut">
               <a:rPr lang="pt-BR" smtClean="0"/>
-              <a:t>30/11/2018</a:t>
+              <a:t>01/12/2018</a:t>
             </a:fld>
             <a:endParaRPr lang="pt-BR" dirty="0"/>
           </a:p>
@@ -1826,7 +1826,7 @@
           <a:p>
             <a:fld id="{1A9BD4CD-1A6A-4953-94B0-D07B000D9A03}" type="datetimeFigureOut">
               <a:rPr lang="pt-BR" smtClean="0"/>
-              <a:t>30/11/2018</a:t>
+              <a:t>01/12/2018</a:t>
             </a:fld>
             <a:endParaRPr lang="pt-BR" dirty="0"/>
           </a:p>
@@ -2101,7 +2101,7 @@
           <a:p>
             <a:fld id="{1A9BD4CD-1A6A-4953-94B0-D07B000D9A03}" type="datetimeFigureOut">
               <a:rPr lang="pt-BR" smtClean="0"/>
-              <a:t>30/11/2018</a:t>
+              <a:t>01/12/2018</a:t>
             </a:fld>
             <a:endParaRPr lang="pt-BR" dirty="0"/>
           </a:p>
@@ -2353,7 +2353,7 @@
           <a:p>
             <a:fld id="{1A9BD4CD-1A6A-4953-94B0-D07B000D9A03}" type="datetimeFigureOut">
               <a:rPr lang="pt-BR" smtClean="0"/>
-              <a:t>30/11/2018</a:t>
+              <a:t>01/12/2018</a:t>
             </a:fld>
             <a:endParaRPr lang="pt-BR" dirty="0"/>
           </a:p>
@@ -2570,7 +2570,7 @@
           <a:p>
             <a:fld id="{1A9BD4CD-1A6A-4953-94B0-D07B000D9A03}" type="datetimeFigureOut">
               <a:rPr lang="pt-BR" smtClean="0"/>
-              <a:t>30/11/2018</a:t>
+              <a:t>01/12/2018</a:t>
             </a:fld>
             <a:endParaRPr lang="pt-BR" dirty="0"/>
           </a:p>
@@ -3673,7 +3673,7 @@
           <a:p>
             <a:pPr algn="ctr"/>
             <a:r>
-              <a:rPr lang="pt-BR" sz="4400" b="1" cap="none" spc="0" dirty="0" smtClean="0">
+              <a:rPr lang="pt-BR" sz="4400" b="1" cap="none" spc="0" dirty="0">
                 <a:ln w="10160">
                   <a:solidFill>
                     <a:srgbClr val="FF0000"/>
@@ -3693,24 +3693,6 @@
               </a:rPr>
               <a:t>YUDI</a:t>
             </a:r>
-            <a:endParaRPr lang="pt-BR" sz="4400" b="1" cap="none" spc="0" dirty="0">
-              <a:ln w="10160">
-                <a:solidFill>
-                  <a:srgbClr val="FF0000"/>
-                </a:solidFill>
-                <a:prstDash val="solid"/>
-              </a:ln>
-              <a:solidFill>
-                <a:srgbClr val="FF0000"/>
-              </a:solidFill>
-              <a:effectLst>
-                <a:outerShdw blurRad="38100" dist="22860" dir="5400000" algn="tl" rotWithShape="0">
-                  <a:srgbClr val="000000">
-                    <a:alpha val="30000"/>
-                  </a:srgbClr>
-                </a:outerShdw>
-              </a:effectLst>
-            </a:endParaRPr>
           </a:p>
         </p:txBody>
       </p:sp>
@@ -3736,13 +3718,6 @@
       </p:transition>
     </mc:Fallback>
   </mc:AlternateContent>
-  <p:timing>
-    <p:tnLst>
-      <p:par>
-        <p:cTn id="1" dur="indefinite" restart="never" nodeType="tmRoot"/>
-      </p:par>
-    </p:tnLst>
-  </p:timing>
 </p:sld>
 </file>
 
@@ -3895,7 +3870,7 @@
           <a:p>
             <a:pPr algn="just"/>
             <a:r>
-              <a:rPr lang="pt-BR" sz="4000" b="1" dirty="0" smtClean="0">
+              <a:rPr lang="pt-BR" sz="4000" b="1" dirty="0">
                 <a:ln w="0"/>
                 <a:solidFill>
                   <a:schemeClr val="bg1"/>
@@ -4428,7 +4403,7 @@
           <a:p>
             <a:pPr algn="ctr"/>
             <a:r>
-              <a:rPr lang="pt-BR" sz="2000" b="1" dirty="0" smtClean="0">
+              <a:rPr lang="pt-BR" sz="2000" b="1" dirty="0">
                 <a:ln w="0"/>
                 <a:solidFill>
                   <a:schemeClr val="bg1"/>
@@ -4486,7 +4461,7 @@
           <a:p>
             <a:pPr algn="ctr"/>
             <a:r>
-              <a:rPr lang="pt-BR" sz="2000" b="1" dirty="0" smtClean="0">
+              <a:rPr lang="pt-BR" sz="2000" b="1" dirty="0">
                 <a:ln w="0"/>
                 <a:solidFill>
                   <a:schemeClr val="bg1"/>
@@ -4544,7 +4519,7 @@
           <a:p>
             <a:pPr algn="ctr"/>
             <a:r>
-              <a:rPr lang="pt-BR" sz="2000" b="1" dirty="0" smtClean="0">
+              <a:rPr lang="pt-BR" sz="2000" b="1" dirty="0">
                 <a:ln w="0"/>
                 <a:solidFill>
                   <a:schemeClr val="bg1"/>
@@ -4742,7 +4717,7 @@
           <a:p>
             <a:pPr algn="ctr"/>
             <a:r>
-              <a:rPr lang="pt-BR" sz="2000" b="1" dirty="0" smtClean="0">
+              <a:rPr lang="pt-BR" sz="2000" b="1" dirty="0">
                 <a:ln w="0"/>
                 <a:solidFill>
                   <a:schemeClr val="bg1"/>
@@ -4800,7 +4775,7 @@
           <a:p>
             <a:pPr algn="ctr"/>
             <a:r>
-              <a:rPr lang="pt-BR" sz="2000" b="1" dirty="0" smtClean="0">
+              <a:rPr lang="pt-BR" sz="2000" b="1" dirty="0">
                 <a:ln w="0"/>
                 <a:solidFill>
                   <a:schemeClr val="bg1"/>
@@ -5178,7 +5153,7 @@
           <a:p>
             <a:pPr algn="ctr"/>
             <a:r>
-              <a:rPr lang="pt-BR" sz="2000" b="1" dirty="0" smtClean="0">
+              <a:rPr lang="pt-BR" sz="2000" b="1" dirty="0">
                 <a:ln w="0"/>
                 <a:solidFill>
                   <a:schemeClr val="bg1"/>
@@ -5236,7 +5211,7 @@
           <a:p>
             <a:pPr algn="ctr"/>
             <a:r>
-              <a:rPr lang="pt-BR" sz="2000" b="1" dirty="0" smtClean="0">
+              <a:rPr lang="pt-BR" sz="2000" b="1" dirty="0">
                 <a:ln w="0"/>
                 <a:solidFill>
                   <a:schemeClr val="bg1"/>
@@ -5294,7 +5269,7 @@
           <a:p>
             <a:pPr algn="ctr"/>
             <a:r>
-              <a:rPr lang="pt-BR" sz="2000" b="1" dirty="0" smtClean="0">
+              <a:rPr lang="pt-BR" sz="2000" b="1" dirty="0">
                 <a:ln w="0"/>
                 <a:solidFill>
                   <a:schemeClr val="bg1"/>
@@ -5432,7 +5407,7 @@
           <a:p>
             <a:pPr algn="ctr"/>
             <a:r>
-              <a:rPr lang="pt-BR" sz="2800" b="1" dirty="0" smtClean="0">
+              <a:rPr lang="pt-BR" sz="2800" b="1" dirty="0">
                 <a:ln w="0"/>
                 <a:solidFill>
                   <a:schemeClr val="bg1"/>
@@ -5490,7 +5465,7 @@
           <a:p>
             <a:pPr algn="ctr"/>
             <a:r>
-              <a:rPr lang="pt-BR" sz="2000" b="1" dirty="0" smtClean="0">
+              <a:rPr lang="pt-BR" sz="2000" b="1" dirty="0">
                 <a:ln w="0"/>
                 <a:solidFill>
                   <a:schemeClr val="bg1"/>
@@ -5510,7 +5485,7 @@
           <a:p>
             <a:pPr algn="ctr"/>
             <a:r>
-              <a:rPr lang="pt-BR" sz="2000" b="1" cap="none" spc="0" dirty="0" smtClean="0">
+              <a:rPr lang="pt-BR" sz="2000" b="1" cap="none" spc="0" dirty="0">
                 <a:ln w="0"/>
                 <a:solidFill>
                   <a:schemeClr val="bg1"/>
@@ -5530,7 +5505,7 @@
           <a:p>
             <a:pPr algn="ctr"/>
             <a:r>
-              <a:rPr lang="pt-BR" sz="2000" b="1" cap="none" spc="0" dirty="0" smtClean="0">
+              <a:rPr lang="pt-BR" sz="2000" b="1" cap="none" spc="0" dirty="0">
                 <a:ln w="0"/>
                 <a:solidFill>
                   <a:schemeClr val="bg1"/>
@@ -5546,20 +5521,6 @@
               </a:rPr>
               <a:t>20% a 90%</a:t>
             </a:r>
-            <a:endParaRPr lang="pt-BR" sz="2000" b="1" cap="none" spc="0" dirty="0">
-              <a:ln w="0"/>
-              <a:solidFill>
-                <a:schemeClr val="bg1"/>
-              </a:solidFill>
-              <a:effectLst>
-                <a:outerShdw blurRad="38100" dist="19050" dir="2700000" algn="tl" rotWithShape="0">
-                  <a:schemeClr val="dk1">
-                    <a:alpha val="40000"/>
-                  </a:schemeClr>
-                </a:outerShdw>
-              </a:effectLst>
-              <a:latin typeface="Exo 2 Extra Light" panose="00000300000000000000" pitchFamily="50" charset="0"/>
-            </a:endParaRPr>
           </a:p>
         </p:txBody>
       </p:sp>
@@ -5587,7 +5548,7 @@
           <a:lstStyle/>
           <a:p>
             <a:r>
-              <a:rPr lang="pt-BR" b="1" dirty="0" smtClean="0">
+              <a:rPr lang="pt-BR" b="1" dirty="0">
                 <a:ln w="0"/>
                 <a:solidFill>
                   <a:schemeClr val="bg1"/>
@@ -5644,7 +5605,7 @@
           <a:p>
             <a:pPr algn="ctr"/>
             <a:r>
-              <a:rPr lang="pt-BR" sz="4400" b="1" cap="none" spc="0" dirty="0" smtClean="0">
+              <a:rPr lang="pt-BR" sz="4400" b="1" cap="none" spc="0" dirty="0">
                 <a:ln w="10160">
                   <a:solidFill>
                     <a:schemeClr val="accent6"/>
@@ -5664,24 +5625,6 @@
               </a:rPr>
               <a:t>LUCAS</a:t>
             </a:r>
-            <a:endParaRPr lang="pt-BR" sz="4400" b="1" cap="none" spc="0" dirty="0">
-              <a:ln w="10160">
-                <a:solidFill>
-                  <a:schemeClr val="accent6"/>
-                </a:solidFill>
-                <a:prstDash val="solid"/>
-              </a:ln>
-              <a:solidFill>
-                <a:schemeClr val="accent6"/>
-              </a:solidFill>
-              <a:effectLst>
-                <a:outerShdw blurRad="38100" dist="22860" dir="5400000" algn="tl" rotWithShape="0">
-                  <a:srgbClr val="000000">
-                    <a:alpha val="30000"/>
-                  </a:srgbClr>
-                </a:outerShdw>
-              </a:effectLst>
-            </a:endParaRPr>
           </a:p>
         </p:txBody>
       </p:sp>
@@ -5695,13 +5638,6 @@
   <p:clrMapOvr>
     <a:masterClrMapping/>
   </p:clrMapOvr>
-  <p:timing>
-    <p:tnLst>
-      <p:par>
-        <p:cTn id="1" dur="indefinite" restart="never" nodeType="tmRoot"/>
-      </p:par>
-    </p:tnLst>
-  </p:timing>
 </p:sld>
 </file>
 
@@ -5839,7 +5775,7 @@
           <a:p>
             <a:pPr algn="just"/>
             <a:r>
-              <a:rPr lang="pt-BR" sz="3200" b="1" cap="none" spc="0" dirty="0" smtClean="0">
+              <a:rPr lang="pt-BR" sz="3200" b="1" cap="none" spc="0" dirty="0">
                 <a:ln w="0"/>
                 <a:solidFill>
                   <a:schemeClr val="bg1"/>
@@ -5855,20 +5791,6 @@
               </a:rPr>
               <a:t>BANCO DE DADOS</a:t>
             </a:r>
-            <a:endParaRPr lang="pt-BR" sz="3200" b="1" cap="none" spc="0" dirty="0">
-              <a:ln w="0"/>
-              <a:solidFill>
-                <a:schemeClr val="bg1"/>
-              </a:solidFill>
-              <a:effectLst>
-                <a:outerShdw blurRad="38100" dist="19050" dir="2700000" algn="tl" rotWithShape="0">
-                  <a:schemeClr val="dk1">
-                    <a:alpha val="40000"/>
-                  </a:schemeClr>
-                </a:outerShdw>
-              </a:effectLst>
-              <a:latin typeface="Exo 2 Medium" panose="00000600000000000000" pitchFamily="50" charset="0"/>
-            </a:endParaRPr>
           </a:p>
         </p:txBody>
       </p:sp>
@@ -6101,7 +6023,7 @@
           <a:p>
             <a:pPr algn="ctr"/>
             <a:r>
-              <a:rPr lang="pt-BR" sz="4400" b="1" cap="none" spc="0" dirty="0" smtClean="0">
+              <a:rPr lang="pt-BR" sz="4400" b="1" cap="none" spc="0" dirty="0">
                 <a:ln w="10160">
                   <a:solidFill>
                     <a:schemeClr val="accent6"/>
@@ -6121,24 +6043,6 @@
               </a:rPr>
               <a:t>LUCAS</a:t>
             </a:r>
-            <a:endParaRPr lang="pt-BR" sz="4400" b="1" cap="none" spc="0" dirty="0">
-              <a:ln w="10160">
-                <a:solidFill>
-                  <a:schemeClr val="accent6"/>
-                </a:solidFill>
-                <a:prstDash val="solid"/>
-              </a:ln>
-              <a:solidFill>
-                <a:schemeClr val="accent6"/>
-              </a:solidFill>
-              <a:effectLst>
-                <a:outerShdw blurRad="38100" dist="22860" dir="5400000" algn="tl" rotWithShape="0">
-                  <a:srgbClr val="000000">
-                    <a:alpha val="30000"/>
-                  </a:srgbClr>
-                </a:outerShdw>
-              </a:effectLst>
-            </a:endParaRPr>
           </a:p>
         </p:txBody>
       </p:sp>
@@ -6152,21 +6056,6 @@
   <p:clrMapOvr>
     <a:masterClrMapping/>
   </p:clrMapOvr>
-  <mc:AlternateContent xmlns:mc="http://schemas.openxmlformats.org/markup-compatibility/2006" xmlns:p14="http://schemas.microsoft.com/office/powerpoint/2010/main">
-    <mc:Choice Requires="p14">
-      <p:transition p14:dur="0"/>
-    </mc:Choice>
-    <mc:Fallback xmlns="">
-      <p:transition/>
-    </mc:Fallback>
-  </mc:AlternateContent>
-  <p:timing>
-    <p:tnLst>
-      <p:par>
-        <p:cTn id="1" dur="indefinite" restart="never" nodeType="tmRoot"/>
-      </p:par>
-    </p:tnLst>
-  </p:timing>
 </p:sld>
 </file>
 
@@ -6348,7 +6237,7 @@
           <a:p>
             <a:pPr algn="just"/>
             <a:r>
-              <a:rPr lang="pt-BR" sz="3200" b="1" cap="none" spc="0" dirty="0" smtClean="0">
+              <a:rPr lang="pt-BR" sz="3200" b="1" cap="none" spc="0" dirty="0">
                 <a:ln w="0"/>
                 <a:solidFill>
                   <a:schemeClr val="bg1"/>
@@ -6364,20 +6253,6 @@
               </a:rPr>
               <a:t>MODELO DE DADOS</a:t>
             </a:r>
-            <a:endParaRPr lang="pt-BR" sz="3200" b="1" cap="none" spc="0" dirty="0">
-              <a:ln w="0"/>
-              <a:solidFill>
-                <a:schemeClr val="bg1"/>
-              </a:solidFill>
-              <a:effectLst>
-                <a:outerShdw blurRad="38100" dist="19050" dir="2700000" algn="tl" rotWithShape="0">
-                  <a:schemeClr val="dk1">
-                    <a:alpha val="40000"/>
-                  </a:schemeClr>
-                </a:outerShdw>
-              </a:effectLst>
-              <a:latin typeface="Exo 2 Medium" panose="00000600000000000000" pitchFamily="50" charset="0"/>
-            </a:endParaRPr>
           </a:p>
         </p:txBody>
       </p:sp>
@@ -6447,7 +6322,7 @@
           <a:p>
             <a:pPr algn="ctr"/>
             <a:r>
-              <a:rPr lang="pt-BR" sz="4400" b="1" cap="none" spc="0" dirty="0" smtClean="0">
+              <a:rPr lang="pt-BR" sz="4400" b="1" cap="none" spc="0" dirty="0">
                 <a:ln w="10160">
                   <a:solidFill>
                     <a:schemeClr val="accent6"/>
@@ -6467,24 +6342,6 @@
               </a:rPr>
               <a:t>LUCAS</a:t>
             </a:r>
-            <a:endParaRPr lang="pt-BR" sz="4400" b="1" cap="none" spc="0" dirty="0">
-              <a:ln w="10160">
-                <a:solidFill>
-                  <a:schemeClr val="accent6"/>
-                </a:solidFill>
-                <a:prstDash val="solid"/>
-              </a:ln>
-              <a:solidFill>
-                <a:schemeClr val="accent6"/>
-              </a:solidFill>
-              <a:effectLst>
-                <a:outerShdw blurRad="38100" dist="22860" dir="5400000" algn="tl" rotWithShape="0">
-                  <a:srgbClr val="000000">
-                    <a:alpha val="30000"/>
-                  </a:srgbClr>
-                </a:outerShdw>
-              </a:effectLst>
-            </a:endParaRPr>
           </a:p>
         </p:txBody>
       </p:sp>
@@ -6498,13 +6355,6 @@
   <p:clrMapOvr>
     <a:masterClrMapping/>
   </p:clrMapOvr>
-  <p:timing>
-    <p:tnLst>
-      <p:par>
-        <p:cTn id="1" dur="indefinite" restart="never" nodeType="tmRoot"/>
-      </p:par>
-    </p:tnLst>
-  </p:timing>
 </p:sld>
 </file>
 
@@ -6697,7 +6547,7 @@
           <a:p>
             <a:pPr algn="just"/>
             <a:r>
-              <a:rPr lang="pt-BR" sz="3200" b="1" cap="none" spc="0" dirty="0" smtClean="0">
+              <a:rPr lang="pt-BR" sz="3200" b="1" cap="none" spc="0" dirty="0">
                 <a:ln w="0"/>
                 <a:solidFill>
                   <a:schemeClr val="bg1"/>
@@ -6713,20 +6563,6 @@
               </a:rPr>
               <a:t>APLICAÇÃO – DESENHO DA SOLUÇÃO</a:t>
             </a:r>
-            <a:endParaRPr lang="pt-BR" sz="3200" b="1" cap="none" spc="0" dirty="0">
-              <a:ln w="0"/>
-              <a:solidFill>
-                <a:schemeClr val="bg1"/>
-              </a:solidFill>
-              <a:effectLst>
-                <a:outerShdw blurRad="38100" dist="19050" dir="2700000" algn="tl" rotWithShape="0">
-                  <a:schemeClr val="dk1">
-                    <a:alpha val="40000"/>
-                  </a:schemeClr>
-                </a:outerShdw>
-              </a:effectLst>
-              <a:latin typeface="Exo 2 Medium" panose="00000600000000000000" pitchFamily="50" charset="0"/>
-            </a:endParaRPr>
           </a:p>
         </p:txBody>
       </p:sp>
@@ -6796,7 +6632,7 @@
           <a:p>
             <a:pPr algn="ctr"/>
             <a:r>
-              <a:rPr lang="pt-BR" sz="4400" b="1" cap="none" spc="0" dirty="0" smtClean="0">
+              <a:rPr lang="pt-BR" sz="4400" b="1" cap="none" spc="0" dirty="0">
                 <a:ln w="10160">
                   <a:solidFill>
                     <a:schemeClr val="accent4">
@@ -6822,30 +6658,6 @@
               </a:rPr>
               <a:t>RODOLFO</a:t>
             </a:r>
-            <a:endParaRPr lang="pt-BR" sz="4400" b="1" cap="none" spc="0" dirty="0">
-              <a:ln w="10160">
-                <a:solidFill>
-                  <a:schemeClr val="accent4">
-                    <a:lumMod val="60000"/>
-                    <a:lumOff val="40000"/>
-                  </a:schemeClr>
-                </a:solidFill>
-                <a:prstDash val="solid"/>
-              </a:ln>
-              <a:solidFill>
-                <a:schemeClr val="accent4">
-                  <a:lumMod val="60000"/>
-                  <a:lumOff val="40000"/>
-                </a:schemeClr>
-              </a:solidFill>
-              <a:effectLst>
-                <a:outerShdw blurRad="38100" dist="22860" dir="5400000" algn="tl" rotWithShape="0">
-                  <a:srgbClr val="000000">
-                    <a:alpha val="30000"/>
-                  </a:srgbClr>
-                </a:outerShdw>
-              </a:effectLst>
-            </a:endParaRPr>
           </a:p>
         </p:txBody>
       </p:sp>
@@ -7224,7 +7036,7 @@
           <a:p>
             <a:pPr algn="ctr"/>
             <a:r>
-              <a:rPr lang="pt-BR" sz="2000" dirty="0" smtClean="0">
+              <a:rPr lang="pt-BR" sz="2000" dirty="0">
                 <a:ln w="0"/>
                 <a:solidFill>
                   <a:schemeClr val="bg1"/>
@@ -7240,20 +7052,6 @@
               </a:rPr>
               <a:t>Aplicação final</a:t>
             </a:r>
-            <a:endParaRPr lang="pt-BR" sz="2000" dirty="0">
-              <a:ln w="0"/>
-              <a:solidFill>
-                <a:schemeClr val="bg1"/>
-              </a:solidFill>
-              <a:effectLst>
-                <a:outerShdw blurRad="38100" dist="19050" dir="2700000" algn="tl" rotWithShape="0">
-                  <a:schemeClr val="dk1">
-                    <a:alpha val="40000"/>
-                  </a:schemeClr>
-                </a:outerShdw>
-              </a:effectLst>
-              <a:latin typeface="Exo 2 Medium" panose="00000600000000000000" pitchFamily="50" charset="0"/>
-            </a:endParaRPr>
           </a:p>
         </p:txBody>
       </p:sp>
@@ -7281,7 +7079,7 @@
           <a:p>
             <a:pPr algn="ctr"/>
             <a:r>
-              <a:rPr lang="pt-BR" sz="1600" dirty="0" smtClean="0">
+              <a:rPr lang="pt-BR" sz="1600" dirty="0">
                 <a:ln w="0"/>
                 <a:solidFill>
                   <a:schemeClr val="bg1"/>
@@ -7338,7 +7136,7 @@
           <a:p>
             <a:pPr algn="ctr"/>
             <a:r>
-              <a:rPr lang="pt-BR" sz="1600" dirty="0" smtClean="0">
+              <a:rPr lang="pt-BR" sz="1600" dirty="0">
                 <a:ln w="0"/>
                 <a:solidFill>
                   <a:schemeClr val="bg1"/>
@@ -7395,7 +7193,7 @@
           <a:p>
             <a:pPr algn="ctr"/>
             <a:r>
-              <a:rPr lang="pt-BR" sz="1600" dirty="0" smtClean="0">
+              <a:rPr lang="pt-BR" sz="1600" dirty="0">
                 <a:ln w="0"/>
                 <a:solidFill>
                   <a:schemeClr val="bg1"/>
@@ -7452,7 +7250,7 @@
           <a:p>
             <a:pPr algn="ctr"/>
             <a:r>
-              <a:rPr lang="pt-BR" sz="1600" b="0" cap="none" spc="0" dirty="0" smtClean="0">
+              <a:rPr lang="pt-BR" sz="1600" b="0" cap="none" spc="0" dirty="0">
                 <a:ln w="0"/>
                 <a:solidFill>
                   <a:schemeClr val="bg1"/>
@@ -7468,20 +7266,6 @@
               </a:rPr>
               <a:t>Cabo USB</a:t>
             </a:r>
-            <a:endParaRPr lang="pt-BR" sz="1600" b="0" cap="none" spc="0" dirty="0">
-              <a:ln w="0"/>
-              <a:solidFill>
-                <a:schemeClr val="bg1"/>
-              </a:solidFill>
-              <a:effectLst>
-                <a:outerShdw blurRad="38100" dist="19050" dir="2700000" algn="tl" rotWithShape="0">
-                  <a:schemeClr val="dk1">
-                    <a:alpha val="40000"/>
-                  </a:schemeClr>
-                </a:outerShdw>
-              </a:effectLst>
-              <a:latin typeface="Exo 2 Extra Light" panose="00000300000000000000" pitchFamily="50" charset="0"/>
-            </a:endParaRPr>
           </a:p>
         </p:txBody>
       </p:sp>
@@ -7757,7 +7541,7 @@
           <a:p>
             <a:pPr algn="ctr"/>
             <a:r>
-              <a:rPr lang="pt-BR" sz="2400" dirty="0" smtClean="0">
+              <a:rPr lang="pt-BR" sz="2400" dirty="0">
                 <a:ln w="0"/>
                 <a:solidFill>
                   <a:schemeClr val="bg1"/>
@@ -7972,7 +7756,7 @@
           <a:p>
             <a:pPr algn="ctr"/>
             <a:r>
-              <a:rPr lang="pt-BR" sz="2000" dirty="0" smtClean="0">
+              <a:rPr lang="pt-BR" sz="2000" dirty="0">
                 <a:ln w="0"/>
                 <a:solidFill>
                   <a:schemeClr val="bg1"/>
@@ -8029,7 +7813,7 @@
           <a:p>
             <a:pPr algn="r"/>
             <a:r>
-              <a:rPr lang="pt-BR" sz="1600" dirty="0" smtClean="0">
+              <a:rPr lang="pt-BR" sz="1600" dirty="0">
                 <a:ln w="0"/>
                 <a:solidFill>
                   <a:schemeClr val="bg1"/>
@@ -8086,7 +7870,7 @@
           <a:p>
             <a:pPr algn="r"/>
             <a:r>
-              <a:rPr lang="pt-BR" sz="1600" dirty="0" smtClean="0">
+              <a:rPr lang="pt-BR" sz="1600" dirty="0">
                 <a:ln w="0"/>
                 <a:solidFill>
                   <a:schemeClr val="bg1"/>
@@ -8106,7 +7890,7 @@
           <a:p>
             <a:pPr algn="r"/>
             <a:r>
-              <a:rPr lang="pt-BR" sz="1600" b="0" cap="none" spc="0" dirty="0" smtClean="0">
+              <a:rPr lang="pt-BR" sz="1600" b="0" cap="none" spc="0" dirty="0">
                 <a:ln w="0"/>
                 <a:solidFill>
                   <a:schemeClr val="bg1"/>
@@ -8126,7 +7910,7 @@
           <a:p>
             <a:pPr algn="r"/>
             <a:r>
-              <a:rPr lang="pt-BR" sz="1600" b="0" cap="none" spc="0" dirty="0" smtClean="0">
+              <a:rPr lang="pt-BR" sz="1600" b="0" cap="none" spc="0" dirty="0">
                 <a:ln w="0"/>
                 <a:solidFill>
                   <a:schemeClr val="bg1"/>
@@ -8429,7 +8213,7 @@
           <a:lstStyle/>
           <a:p>
             <a:r>
-              <a:rPr lang="pt-BR" sz="1600" dirty="0" smtClean="0">
+              <a:rPr lang="pt-BR" sz="1600" dirty="0">
                 <a:ln w="0"/>
                 <a:solidFill>
                   <a:schemeClr val="bg1"/>
@@ -8448,7 +8232,7 @@
           </a:p>
           <a:p>
             <a:r>
-              <a:rPr lang="pt-BR" sz="1600" cap="none" spc="0" dirty="0" smtClean="0">
+              <a:rPr lang="pt-BR" sz="1600" cap="none" spc="0" dirty="0">
                 <a:ln w="0"/>
                 <a:solidFill>
                   <a:schemeClr val="bg1"/>
@@ -8467,7 +8251,7 @@
           </a:p>
           <a:p>
             <a:r>
-              <a:rPr lang="pt-BR" sz="1600" dirty="0" smtClean="0">
+              <a:rPr lang="pt-BR" sz="1600" dirty="0">
                 <a:ln w="0"/>
                 <a:solidFill>
                   <a:schemeClr val="bg1"/>
@@ -8510,13 +8294,6 @@
   <p:clrMapOvr>
     <a:masterClrMapping/>
   </p:clrMapOvr>
-  <p:timing>
-    <p:tnLst>
-      <p:par>
-        <p:cTn id="1" dur="indefinite" restart="never" nodeType="tmRoot"/>
-      </p:par>
-    </p:tnLst>
-  </p:timing>
 </p:sld>
 </file>
 
@@ -8669,7 +8446,7 @@
           <a:p>
             <a:pPr algn="just"/>
             <a:r>
-              <a:rPr lang="pt-BR" sz="3200" b="1" dirty="0" smtClean="0">
+              <a:rPr lang="pt-BR" sz="3200" b="1" dirty="0">
                 <a:ln w="0"/>
                 <a:solidFill>
                   <a:schemeClr val="bg1"/>
@@ -9348,7 +9125,7 @@
           <a:p>
             <a:pPr algn="ctr"/>
             <a:r>
-              <a:rPr lang="pt-BR" b="1" dirty="0" smtClean="0">
+              <a:rPr lang="pt-BR" b="1" dirty="0">
                 <a:ln w="0"/>
                 <a:solidFill>
                   <a:schemeClr val="bg1"/>
@@ -9406,7 +9183,7 @@
           <a:p>
             <a:pPr algn="ctr"/>
             <a:r>
-              <a:rPr lang="pt-BR" b="1" dirty="0" smtClean="0">
+              <a:rPr lang="pt-BR" b="1" dirty="0">
                 <a:ln w="0"/>
                 <a:solidFill>
                   <a:schemeClr val="bg1"/>
@@ -9464,7 +9241,7 @@
           <a:p>
             <a:pPr algn="ctr"/>
             <a:r>
-              <a:rPr lang="pt-BR" b="1" dirty="0" smtClean="0">
+              <a:rPr lang="pt-BR" b="1" dirty="0">
                 <a:ln w="0"/>
                 <a:solidFill>
                   <a:schemeClr val="bg1"/>
@@ -9522,7 +9299,7 @@
           <a:p>
             <a:pPr algn="r"/>
             <a:r>
-              <a:rPr lang="pt-BR" b="1" dirty="0" smtClean="0">
+              <a:rPr lang="pt-BR" b="1" dirty="0">
                 <a:ln w="0"/>
                 <a:solidFill>
                   <a:schemeClr val="bg1"/>
@@ -9542,7 +9319,7 @@
           <a:p>
             <a:pPr algn="r"/>
             <a:r>
-              <a:rPr lang="pt-BR" b="1" dirty="0" smtClean="0">
+              <a:rPr lang="pt-BR" b="1" dirty="0">
                 <a:ln w="0"/>
                 <a:solidFill>
                   <a:schemeClr val="bg1"/>
@@ -9562,7 +9339,7 @@
           <a:p>
             <a:pPr algn="r"/>
             <a:r>
-              <a:rPr lang="pt-BR" b="1" dirty="0" smtClean="0">
+              <a:rPr lang="pt-BR" b="1" dirty="0">
                 <a:ln w="0"/>
                 <a:solidFill>
                   <a:schemeClr val="bg1"/>
@@ -9711,7 +9488,7 @@
           <a:p>
             <a:pPr algn="ctr"/>
             <a:r>
-              <a:rPr lang="pt-BR" sz="2000" b="1" dirty="0" smtClean="0">
+              <a:rPr lang="pt-BR" sz="2000" b="1" dirty="0">
                 <a:ln w="0"/>
                 <a:solidFill>
                   <a:schemeClr val="bg1"/>
@@ -9769,7 +9546,7 @@
           <a:p>
             <a:pPr algn="ctr"/>
             <a:r>
-              <a:rPr lang="pt-BR" sz="2000" b="1" dirty="0" smtClean="0">
+              <a:rPr lang="pt-BR" sz="2000" b="1" dirty="0">
                 <a:ln w="0"/>
                 <a:solidFill>
                   <a:schemeClr val="bg1"/>
@@ -9827,7 +9604,7 @@
           <a:p>
             <a:pPr algn="ctr"/>
             <a:r>
-              <a:rPr lang="pt-BR" sz="2000" b="1" dirty="0" smtClean="0">
+              <a:rPr lang="pt-BR" sz="2000" b="1" dirty="0">
                 <a:ln w="0"/>
                 <a:solidFill>
                   <a:schemeClr val="bg1"/>
@@ -10372,7 +10149,7 @@
           <a:p>
             <a:pPr algn="ctr"/>
             <a:r>
-              <a:rPr lang="pt-BR" b="1" dirty="0" smtClean="0">
+              <a:rPr lang="pt-BR" b="1" dirty="0">
                 <a:ln w="0"/>
                 <a:solidFill>
                   <a:schemeClr val="bg1"/>
@@ -10430,7 +10207,7 @@
           <a:p>
             <a:pPr algn="ctr"/>
             <a:r>
-              <a:rPr lang="pt-BR" b="1" dirty="0" smtClean="0">
+              <a:rPr lang="pt-BR" b="1" dirty="0">
                 <a:ln w="0"/>
                 <a:solidFill>
                   <a:schemeClr val="bg1"/>
@@ -10487,7 +10264,7 @@
           <a:p>
             <a:pPr algn="ctr"/>
             <a:r>
-              <a:rPr lang="pt-BR" sz="4400" b="1" cap="none" spc="0" dirty="0" smtClean="0">
+              <a:rPr lang="pt-BR" sz="4400" b="1" cap="none" spc="0" dirty="0">
                 <a:ln w="10160">
                   <a:solidFill>
                     <a:schemeClr val="accent4">
@@ -10513,30 +10290,6 @@
               </a:rPr>
               <a:t>RODOLFO</a:t>
             </a:r>
-            <a:endParaRPr lang="pt-BR" sz="4400" b="1" cap="none" spc="0" dirty="0">
-              <a:ln w="10160">
-                <a:solidFill>
-                  <a:schemeClr val="accent4">
-                    <a:lumMod val="60000"/>
-                    <a:lumOff val="40000"/>
-                  </a:schemeClr>
-                </a:solidFill>
-                <a:prstDash val="solid"/>
-              </a:ln>
-              <a:solidFill>
-                <a:schemeClr val="accent4">
-                  <a:lumMod val="60000"/>
-                  <a:lumOff val="40000"/>
-                </a:schemeClr>
-              </a:solidFill>
-              <a:effectLst>
-                <a:outerShdw blurRad="38100" dist="22860" dir="5400000" algn="tl" rotWithShape="0">
-                  <a:srgbClr val="000000">
-                    <a:alpha val="30000"/>
-                  </a:srgbClr>
-                </a:outerShdw>
-              </a:effectLst>
-            </a:endParaRPr>
           </a:p>
         </p:txBody>
       </p:sp>
@@ -10550,13 +10303,6 @@
   <p:clrMapOvr>
     <a:masterClrMapping/>
   </p:clrMapOvr>
-  <p:timing>
-    <p:tnLst>
-      <p:par>
-        <p:cTn id="1" dur="indefinite" restart="never" nodeType="tmRoot"/>
-      </p:par>
-    </p:tnLst>
-  </p:timing>
 </p:sld>
 </file>
 
@@ -10709,7 +10455,7 @@
           <a:p>
             <a:pPr algn="just"/>
             <a:r>
-              <a:rPr lang="pt-BR" sz="3200" b="1" dirty="0" smtClean="0">
+              <a:rPr lang="pt-BR" sz="3200" b="1" dirty="0">
                 <a:ln w="0"/>
                 <a:solidFill>
                   <a:schemeClr val="bg1"/>
@@ -10784,127 +10530,110 @@
           </a:fontRef>
         </p:style>
       </p:cxnSp>
-      <p:pic>
-        <p:nvPicPr>
-          <p:cNvPr id="2054" name="Picture 6" descr="Resultado de imagem para MONITOR VECTOR"/>
-          <p:cNvPicPr>
-            <a:picLocks noChangeAspect="1" noChangeArrowheads="1"/>
-          </p:cNvPicPr>
-          <p:nvPr/>
-        </p:nvPicPr>
-        <p:blipFill>
-          <a:blip r:embed="rId4">
+      <p:grpSp>
+        <p:nvGrpSpPr>
+          <p:cNvPr id="8" name="Agrupar 7">
             <a:extLst>
-              <a:ext uri="{28A0092B-C50C-407E-A947-70E740481C1C}">
-                <a14:useLocalDpi xmlns:a14="http://schemas.microsoft.com/office/drawing/2010/main" val="0"/>
+              <a:ext uri="{FF2B5EF4-FFF2-40B4-BE49-F238E27FC236}">
+                <a16:creationId xmlns:a16="http://schemas.microsoft.com/office/drawing/2014/main" id="{153C3B9E-A4D1-44C4-8606-47C0B0C7C645}"/>
               </a:ext>
             </a:extLst>
-          </a:blip>
-          <a:srcRect/>
-          <a:stretch>
-            <a:fillRect/>
-          </a:stretch>
-        </p:blipFill>
-        <p:spPr bwMode="auto">
+          </p:cNvPr>
+          <p:cNvGrpSpPr/>
+          <p:nvPr/>
+        </p:nvGrpSpPr>
+        <p:grpSpPr>
           <a:xfrm>
             <a:off x="2997752" y="1577931"/>
             <a:ext cx="5769106" cy="4485699"/>
-          </a:xfrm>
-          <a:prstGeom prst="rect">
-            <a:avLst/>
-          </a:prstGeom>
-          <a:noFill/>
-          <a:extLst>
-            <a:ext uri="{909E8E84-426E-40DD-AFC4-6F175D3DCCD1}">
-              <a14:hiddenFill xmlns:a14="http://schemas.microsoft.com/office/drawing/2010/main">
-                <a:solidFill>
-                  <a:srgbClr val="FFFFFF"/>
-                </a:solidFill>
-              </a14:hiddenFill>
-            </a:ext>
-          </a:extLst>
-        </p:spPr>
-      </p:pic>
-      <p:pic>
-        <p:nvPicPr>
-          <p:cNvPr id="2056" name="Picture 8" descr="Resultado de imagem para TABLET VECTOR"/>
-          <p:cNvPicPr>
-            <a:picLocks noChangeAspect="1" noChangeArrowheads="1"/>
-          </p:cNvPicPr>
-          <p:nvPr/>
-        </p:nvPicPr>
-        <p:blipFill rotWithShape="1">
-          <a:blip r:embed="rId5">
+            <a:chOff x="2997752" y="1577931"/>
+            <a:chExt cx="5769106" cy="4485699"/>
+          </a:xfrm>
+        </p:grpSpPr>
+        <p:pic>
+          <p:nvPicPr>
+            <p:cNvPr id="2054" name="Picture 6" descr="Resultado de imagem para MONITOR VECTOR"/>
+            <p:cNvPicPr>
+              <a:picLocks noChangeAspect="1" noChangeArrowheads="1"/>
+            </p:cNvPicPr>
+            <p:nvPr/>
+          </p:nvPicPr>
+          <p:blipFill>
+            <a:blip r:embed="rId4">
+              <a:extLst>
+                <a:ext uri="{28A0092B-C50C-407E-A947-70E740481C1C}">
+                  <a14:useLocalDpi xmlns:a14="http://schemas.microsoft.com/office/drawing/2010/main" val="0"/>
+                </a:ext>
+              </a:extLst>
+            </a:blip>
+            <a:srcRect/>
+            <a:stretch>
+              <a:fillRect/>
+            </a:stretch>
+          </p:blipFill>
+          <p:spPr bwMode="auto">
+            <a:xfrm>
+              <a:off x="2997752" y="1577931"/>
+              <a:ext cx="5769106" cy="4485699"/>
+            </a:xfrm>
+            <a:prstGeom prst="rect">
+              <a:avLst/>
+            </a:prstGeom>
+            <a:noFill/>
             <a:extLst>
-              <a:ext uri="{28A0092B-C50C-407E-A947-70E740481C1C}">
-                <a14:useLocalDpi xmlns:a14="http://schemas.microsoft.com/office/drawing/2010/main" val="0"/>
+              <a:ext uri="{909E8E84-426E-40DD-AFC4-6F175D3DCCD1}">
+                <a14:hiddenFill xmlns:a14="http://schemas.microsoft.com/office/drawing/2010/main">
+                  <a:solidFill>
+                    <a:srgbClr val="FFFFFF"/>
+                  </a:solidFill>
+                </a14:hiddenFill>
               </a:ext>
             </a:extLst>
-          </a:blip>
-          <a:srcRect l="16150" t="5208" r="16628" b="5533"/>
-          <a:stretch/>
-        </p:blipFill>
-        <p:spPr bwMode="auto">
-          <a:xfrm>
-            <a:off x="7534960" y="2912193"/>
-            <a:ext cx="2467074" cy="3275839"/>
-          </a:xfrm>
-          <a:prstGeom prst="rect">
-            <a:avLst/>
-          </a:prstGeom>
-          <a:noFill/>
-          <a:extLst>
-            <a:ext uri="{909E8E84-426E-40DD-AFC4-6F175D3DCCD1}">
-              <a14:hiddenFill xmlns:a14="http://schemas.microsoft.com/office/drawing/2010/main">
-                <a:solidFill>
-                  <a:srgbClr val="FFFFFF"/>
-                </a:solidFill>
-              </a14:hiddenFill>
-            </a:ext>
-          </a:extLst>
-        </p:spPr>
-      </p:pic>
-      <p:pic>
-        <p:nvPicPr>
-          <p:cNvPr id="2058" name="Picture 10" descr="Resultado de imagem para IPHONE VECTOR"/>
-          <p:cNvPicPr>
-            <a:picLocks noChangeAspect="1" noChangeArrowheads="1"/>
-          </p:cNvPicPr>
-          <p:nvPr/>
-        </p:nvPicPr>
-        <p:blipFill>
-          <a:blip r:embed="rId6" cstate="print">
-            <a:extLst>
-              <a:ext uri="{28A0092B-C50C-407E-A947-70E740481C1C}">
-                <a14:useLocalDpi xmlns:a14="http://schemas.microsoft.com/office/drawing/2010/main" val="0"/>
-              </a:ext>
-            </a:extLst>
-          </a:blip>
-          <a:srcRect/>
-          <a:stretch>
-            <a:fillRect/>
-          </a:stretch>
-        </p:blipFill>
-        <p:spPr bwMode="auto">
-          <a:xfrm>
-            <a:off x="2633244" y="4025899"/>
-            <a:ext cx="1038599" cy="2170461"/>
-          </a:xfrm>
-          <a:prstGeom prst="rect">
-            <a:avLst/>
-          </a:prstGeom>
-          <a:noFill/>
-          <a:extLst>
-            <a:ext uri="{909E8E84-426E-40DD-AFC4-6F175D3DCCD1}">
-              <a14:hiddenFill xmlns:a14="http://schemas.microsoft.com/office/drawing/2010/main">
-                <a:solidFill>
-                  <a:srgbClr val="FFFFFF"/>
-                </a:solidFill>
-              </a14:hiddenFill>
-            </a:ext>
-          </a:extLst>
-        </p:spPr>
-      </p:pic>
+          </p:spPr>
+        </p:pic>
+        <p:pic>
+          <p:nvPicPr>
+            <p:cNvPr id="2" name="Imagem 1">
+              <a:extLst>
+                <a:ext uri="{FF2B5EF4-FFF2-40B4-BE49-F238E27FC236}">
+                  <a16:creationId xmlns:a16="http://schemas.microsoft.com/office/drawing/2014/main" id="{9C31B254-0017-4F74-8459-F8999F979290}"/>
+                </a:ext>
+              </a:extLst>
+            </p:cNvPr>
+            <p:cNvPicPr>
+              <a:picLocks noChangeAspect="1"/>
+            </p:cNvPicPr>
+            <p:nvPr/>
+          </p:nvPicPr>
+          <p:blipFill>
+            <a:blip r:embed="rId5">
+              <a:extLst>
+                <a:ext uri="{BEBA8EAE-BF5A-486C-A8C5-ECC9F3942E4B}">
+                  <a14:imgProps xmlns:a14="http://schemas.microsoft.com/office/drawing/2010/main">
+                    <a14:imgLayer r:embed="rId6">
+                      <a14:imgEffect>
+                        <a14:brightnessContrast bright="-7000"/>
+                      </a14:imgEffect>
+                    </a14:imgLayer>
+                  </a14:imgProps>
+                </a:ext>
+              </a:extLst>
+            </a:blip>
+            <a:stretch>
+              <a:fillRect/>
+            </a:stretch>
+          </p:blipFill>
+          <p:spPr>
+            <a:xfrm>
+              <a:off x="3207848" y="1818167"/>
+              <a:ext cx="5351361" cy="2604977"/>
+            </a:xfrm>
+            <a:prstGeom prst="rect">
+              <a:avLst/>
+            </a:prstGeom>
+          </p:spPr>
+        </p:pic>
+      </p:grpSp>
       <p:sp>
         <p:nvSpPr>
           <p:cNvPr id="13" name="Retângulo 12"/>
@@ -10929,7 +10658,7 @@
           <a:p>
             <a:pPr algn="ctr"/>
             <a:r>
-              <a:rPr lang="pt-BR" sz="4400" b="1" cap="none" spc="0" dirty="0" smtClean="0">
+              <a:rPr lang="pt-BR" sz="4400" b="1" cap="none" spc="0" dirty="0">
                 <a:ln w="10160">
                   <a:solidFill>
                     <a:schemeClr val="accent4">
@@ -10955,33 +10684,215 @@
               </a:rPr>
               <a:t>RODOLFO</a:t>
             </a:r>
-            <a:endParaRPr lang="pt-BR" sz="4400" b="1" cap="none" spc="0" dirty="0">
-              <a:ln w="10160">
-                <a:solidFill>
-                  <a:schemeClr val="accent4">
-                    <a:lumMod val="60000"/>
-                    <a:lumOff val="40000"/>
-                  </a:schemeClr>
-                </a:solidFill>
-                <a:prstDash val="solid"/>
-              </a:ln>
-              <a:solidFill>
-                <a:schemeClr val="accent4">
-                  <a:lumMod val="60000"/>
-                  <a:lumOff val="40000"/>
-                </a:schemeClr>
-              </a:solidFill>
-              <a:effectLst>
-                <a:outerShdw blurRad="38100" dist="22860" dir="5400000" algn="tl" rotWithShape="0">
-                  <a:srgbClr val="000000">
-                    <a:alpha val="30000"/>
-                  </a:srgbClr>
-                </a:outerShdw>
-              </a:effectLst>
-            </a:endParaRPr>
           </a:p>
         </p:txBody>
       </p:sp>
+      <p:grpSp>
+        <p:nvGrpSpPr>
+          <p:cNvPr id="9" name="Agrupar 8">
+            <a:extLst>
+              <a:ext uri="{FF2B5EF4-FFF2-40B4-BE49-F238E27FC236}">
+                <a16:creationId xmlns:a16="http://schemas.microsoft.com/office/drawing/2014/main" id="{34F71602-B395-44B6-8887-E14CAEF64ADB}"/>
+              </a:ext>
+            </a:extLst>
+          </p:cNvPr>
+          <p:cNvGrpSpPr/>
+          <p:nvPr/>
+        </p:nvGrpSpPr>
+        <p:grpSpPr>
+          <a:xfrm>
+            <a:off x="7534960" y="2912193"/>
+            <a:ext cx="2467074" cy="3275839"/>
+            <a:chOff x="7534960" y="2912193"/>
+            <a:chExt cx="2467074" cy="3275839"/>
+          </a:xfrm>
+        </p:grpSpPr>
+        <p:pic>
+          <p:nvPicPr>
+            <p:cNvPr id="2056" name="Picture 8" descr="Resultado de imagem para TABLET VECTOR"/>
+            <p:cNvPicPr>
+              <a:picLocks noChangeAspect="1" noChangeArrowheads="1"/>
+            </p:cNvPicPr>
+            <p:nvPr/>
+          </p:nvPicPr>
+          <p:blipFill rotWithShape="1">
+            <a:blip r:embed="rId7">
+              <a:extLst>
+                <a:ext uri="{28A0092B-C50C-407E-A947-70E740481C1C}">
+                  <a14:useLocalDpi xmlns:a14="http://schemas.microsoft.com/office/drawing/2010/main" val="0"/>
+                </a:ext>
+              </a:extLst>
+            </a:blip>
+            <a:srcRect l="16150" t="5208" r="16628" b="5533"/>
+            <a:stretch/>
+          </p:blipFill>
+          <p:spPr bwMode="auto">
+            <a:xfrm>
+              <a:off x="7534960" y="2912193"/>
+              <a:ext cx="2467074" cy="3275839"/>
+            </a:xfrm>
+            <a:prstGeom prst="rect">
+              <a:avLst/>
+            </a:prstGeom>
+            <a:noFill/>
+            <a:extLst>
+              <a:ext uri="{909E8E84-426E-40DD-AFC4-6F175D3DCCD1}">
+                <a14:hiddenFill xmlns:a14="http://schemas.microsoft.com/office/drawing/2010/main">
+                  <a:solidFill>
+                    <a:srgbClr val="FFFFFF"/>
+                  </a:solidFill>
+                </a14:hiddenFill>
+              </a:ext>
+            </a:extLst>
+          </p:spPr>
+        </p:pic>
+        <p:pic>
+          <p:nvPicPr>
+            <p:cNvPr id="3" name="Imagem 2">
+              <a:extLst>
+                <a:ext uri="{FF2B5EF4-FFF2-40B4-BE49-F238E27FC236}">
+                  <a16:creationId xmlns:a16="http://schemas.microsoft.com/office/drawing/2014/main" id="{BC04278F-2736-403F-AF79-4AA72B6EAE7F}"/>
+                </a:ext>
+              </a:extLst>
+            </p:cNvPr>
+            <p:cNvPicPr>
+              <a:picLocks noChangeAspect="1"/>
+            </p:cNvPicPr>
+            <p:nvPr/>
+          </p:nvPicPr>
+          <p:blipFill>
+            <a:blip r:embed="rId8">
+              <a:extLst>
+                <a:ext uri="{BEBA8EAE-BF5A-486C-A8C5-ECC9F3942E4B}">
+                  <a14:imgProps xmlns:a14="http://schemas.microsoft.com/office/drawing/2010/main">
+                    <a14:imgLayer r:embed="rId9">
+                      <a14:imgEffect>
+                        <a14:brightnessContrast bright="-6000"/>
+                      </a14:imgEffect>
+                    </a14:imgLayer>
+                  </a14:imgProps>
+                </a:ext>
+              </a:extLst>
+            </a:blip>
+            <a:stretch>
+              <a:fillRect/>
+            </a:stretch>
+          </p:blipFill>
+          <p:spPr>
+            <a:xfrm>
+              <a:off x="7697971" y="3170848"/>
+              <a:ext cx="2158409" cy="2746862"/>
+            </a:xfrm>
+            <a:prstGeom prst="rect">
+              <a:avLst/>
+            </a:prstGeom>
+          </p:spPr>
+        </p:pic>
+      </p:grpSp>
+      <p:grpSp>
+        <p:nvGrpSpPr>
+          <p:cNvPr id="10" name="Agrupar 9">
+            <a:extLst>
+              <a:ext uri="{FF2B5EF4-FFF2-40B4-BE49-F238E27FC236}">
+                <a16:creationId xmlns:a16="http://schemas.microsoft.com/office/drawing/2014/main" id="{147FD79B-9A67-4EFD-8CD7-15E488ACC61D}"/>
+              </a:ext>
+            </a:extLst>
+          </p:cNvPr>
+          <p:cNvGrpSpPr/>
+          <p:nvPr/>
+        </p:nvGrpSpPr>
+        <p:grpSpPr>
+          <a:xfrm>
+            <a:off x="2633244" y="4025899"/>
+            <a:ext cx="1038599" cy="2170461"/>
+            <a:chOff x="2633244" y="4025899"/>
+            <a:chExt cx="1038599" cy="2170461"/>
+          </a:xfrm>
+        </p:grpSpPr>
+        <p:pic>
+          <p:nvPicPr>
+            <p:cNvPr id="2058" name="Picture 10" descr="Resultado de imagem para IPHONE VECTOR"/>
+            <p:cNvPicPr>
+              <a:picLocks noChangeAspect="1" noChangeArrowheads="1"/>
+            </p:cNvPicPr>
+            <p:nvPr/>
+          </p:nvPicPr>
+          <p:blipFill>
+            <a:blip r:embed="rId10" cstate="print">
+              <a:extLst>
+                <a:ext uri="{28A0092B-C50C-407E-A947-70E740481C1C}">
+                  <a14:useLocalDpi xmlns:a14="http://schemas.microsoft.com/office/drawing/2010/main" val="0"/>
+                </a:ext>
+              </a:extLst>
+            </a:blip>
+            <a:srcRect/>
+            <a:stretch>
+              <a:fillRect/>
+            </a:stretch>
+          </p:blipFill>
+          <p:spPr bwMode="auto">
+            <a:xfrm>
+              <a:off x="2633244" y="4025899"/>
+              <a:ext cx="1038599" cy="2170461"/>
+            </a:xfrm>
+            <a:prstGeom prst="rect">
+              <a:avLst/>
+            </a:prstGeom>
+            <a:noFill/>
+            <a:extLst>
+              <a:ext uri="{909E8E84-426E-40DD-AFC4-6F175D3DCCD1}">
+                <a14:hiddenFill xmlns:a14="http://schemas.microsoft.com/office/drawing/2010/main">
+                  <a:solidFill>
+                    <a:srgbClr val="FFFFFF"/>
+                  </a:solidFill>
+                </a14:hiddenFill>
+              </a:ext>
+            </a:extLst>
+          </p:spPr>
+        </p:pic>
+        <p:pic>
+          <p:nvPicPr>
+            <p:cNvPr id="7" name="Imagem 6">
+              <a:extLst>
+                <a:ext uri="{FF2B5EF4-FFF2-40B4-BE49-F238E27FC236}">
+                  <a16:creationId xmlns:a16="http://schemas.microsoft.com/office/drawing/2014/main" id="{DE51EA2D-37A4-4C65-9FE2-EE7FE9A8A7BE}"/>
+                </a:ext>
+              </a:extLst>
+            </p:cNvPr>
+            <p:cNvPicPr>
+              <a:picLocks noChangeAspect="1"/>
+            </p:cNvPicPr>
+            <p:nvPr/>
+          </p:nvPicPr>
+          <p:blipFill>
+            <a:blip r:embed="rId11">
+              <a:extLst>
+                <a:ext uri="{BEBA8EAE-BF5A-486C-A8C5-ECC9F3942E4B}">
+                  <a14:imgProps xmlns:a14="http://schemas.microsoft.com/office/drawing/2010/main">
+                    <a14:imgLayer r:embed="rId12">
+                      <a14:imgEffect>
+                        <a14:brightnessContrast bright="-9000"/>
+                      </a14:imgEffect>
+                    </a14:imgLayer>
+                  </a14:imgProps>
+                </a:ext>
+              </a:extLst>
+            </a:blip>
+            <a:stretch>
+              <a:fillRect/>
+            </a:stretch>
+          </p:blipFill>
+          <p:spPr>
+            <a:xfrm>
+              <a:off x="2684773" y="4282105"/>
+              <a:ext cx="934727" cy="1655394"/>
+            </a:xfrm>
+            <a:prstGeom prst="rect">
+              <a:avLst/>
+            </a:prstGeom>
+          </p:spPr>
+        </p:pic>
+      </p:grpSp>
     </p:spTree>
     <p:extLst>
       <p:ext uri="{BB962C8B-B14F-4D97-AF65-F5344CB8AC3E}">
@@ -10992,13 +10903,6 @@
   <p:clrMapOvr>
     <a:masterClrMapping/>
   </p:clrMapOvr>
-  <p:timing>
-    <p:tnLst>
-      <p:par>
-        <p:cTn id="1" dur="indefinite" restart="never" nodeType="tmRoot"/>
-      </p:par>
-    </p:tnLst>
-  </p:timing>
 </p:sld>
 </file>
 
@@ -11217,7 +11121,7 @@
           <a:p>
             <a:pPr algn="ctr"/>
             <a:r>
-              <a:rPr lang="pt-BR" sz="3600" b="1" dirty="0" smtClean="0">
+              <a:rPr lang="pt-BR" sz="3600" b="1" dirty="0">
                 <a:ln w="0"/>
                 <a:solidFill>
                   <a:schemeClr val="bg1"/>
@@ -11344,7 +11248,7 @@
           <a:p>
             <a:pPr algn="ctr"/>
             <a:r>
-              <a:rPr lang="pt-BR" sz="4400" b="1" cap="none" spc="0" dirty="0" smtClean="0">
+              <a:rPr lang="pt-BR" sz="4400" b="1" cap="none" spc="0" dirty="0">
                 <a:ln w="10160">
                   <a:solidFill>
                     <a:schemeClr val="accent4">
@@ -11370,30 +11274,6 @@
               </a:rPr>
               <a:t>RODOLFO</a:t>
             </a:r>
-            <a:endParaRPr lang="pt-BR" sz="4400" b="1" cap="none" spc="0" dirty="0">
-              <a:ln w="10160">
-                <a:solidFill>
-                  <a:schemeClr val="accent4">
-                    <a:lumMod val="60000"/>
-                    <a:lumOff val="40000"/>
-                  </a:schemeClr>
-                </a:solidFill>
-                <a:prstDash val="solid"/>
-              </a:ln>
-              <a:solidFill>
-                <a:schemeClr val="accent4">
-                  <a:lumMod val="60000"/>
-                  <a:lumOff val="40000"/>
-                </a:schemeClr>
-              </a:solidFill>
-              <a:effectLst>
-                <a:outerShdw blurRad="38100" dist="22860" dir="5400000" algn="tl" rotWithShape="0">
-                  <a:srgbClr val="000000">
-                    <a:alpha val="30000"/>
-                  </a:srgbClr>
-                </a:outerShdw>
-              </a:effectLst>
-            </a:endParaRPr>
           </a:p>
         </p:txBody>
       </p:sp>
@@ -11407,21 +11287,6 @@
   <p:clrMapOvr>
     <a:masterClrMapping/>
   </p:clrMapOvr>
-  <mc:AlternateContent xmlns:mc="http://schemas.openxmlformats.org/markup-compatibility/2006" xmlns:p14="http://schemas.microsoft.com/office/powerpoint/2010/main">
-    <mc:Choice Requires="p14">
-      <p:transition p14:dur="0"/>
-    </mc:Choice>
-    <mc:Fallback xmlns="">
-      <p:transition/>
-    </mc:Fallback>
-  </mc:AlternateContent>
-  <p:timing>
-    <p:tnLst>
-      <p:par>
-        <p:cTn id="1" dur="indefinite" restart="never" nodeType="tmRoot"/>
-      </p:par>
-    </p:tnLst>
-  </p:timing>
 </p:sld>
 </file>
 
@@ -11574,7 +11439,7 @@
           <a:p>
             <a:pPr algn="just"/>
             <a:r>
-              <a:rPr lang="pt-BR" sz="3200" b="1" dirty="0" smtClean="0">
+              <a:rPr lang="pt-BR" sz="3200" b="1" dirty="0">
                 <a:ln w="0"/>
                 <a:solidFill>
                   <a:schemeClr val="bg1"/>
@@ -11673,7 +11538,7 @@
           <a:p>
             <a:pPr algn="ctr"/>
             <a:r>
-              <a:rPr lang="pt-BR" sz="4400" b="1" cap="none" spc="0" dirty="0" smtClean="0">
+              <a:rPr lang="pt-BR" sz="4400" b="1" cap="none" spc="0" dirty="0">
                 <a:ln w="10160">
                   <a:solidFill>
                     <a:schemeClr val="accent1">
@@ -11697,28 +11562,6 @@
               </a:rPr>
               <a:t>MATHEUS</a:t>
             </a:r>
-            <a:endParaRPr lang="pt-BR" sz="4400" b="1" cap="none" spc="0" dirty="0">
-              <a:ln w="10160">
-                <a:solidFill>
-                  <a:schemeClr val="accent1">
-                    <a:lumMod val="75000"/>
-                  </a:schemeClr>
-                </a:solidFill>
-                <a:prstDash val="solid"/>
-              </a:ln>
-              <a:solidFill>
-                <a:schemeClr val="accent1">
-                  <a:lumMod val="75000"/>
-                </a:schemeClr>
-              </a:solidFill>
-              <a:effectLst>
-                <a:outerShdw blurRad="38100" dist="22860" dir="5400000" algn="tl" rotWithShape="0">
-                  <a:srgbClr val="000000">
-                    <a:alpha val="30000"/>
-                  </a:srgbClr>
-                </a:outerShdw>
-              </a:effectLst>
-            </a:endParaRPr>
           </a:p>
         </p:txBody>
       </p:sp>
@@ -11732,13 +11575,6 @@
   <p:clrMapOvr>
     <a:masterClrMapping/>
   </p:clrMapOvr>
-  <p:timing>
-    <p:tnLst>
-      <p:par>
-        <p:cTn id="1" dur="indefinite" restart="never" nodeType="tmRoot"/>
-      </p:par>
-    </p:tnLst>
-  </p:timing>
 </p:sld>
 </file>
 
@@ -11891,7 +11727,7 @@
           <a:p>
             <a:pPr algn="just"/>
             <a:r>
-              <a:rPr lang="pt-BR" sz="3200" b="1" dirty="0" smtClean="0">
+              <a:rPr lang="pt-BR" sz="3200" b="1" dirty="0">
                 <a:ln w="0"/>
                 <a:solidFill>
                   <a:schemeClr val="bg1"/>
@@ -12012,7 +11848,7 @@
           <a:p>
             <a:pPr algn="ctr"/>
             <a:r>
-              <a:rPr lang="pt-BR" sz="4400" b="1" cap="none" spc="0" dirty="0" smtClean="0">
+              <a:rPr lang="pt-BR" sz="4400" b="1" cap="none" spc="0" dirty="0">
                 <a:ln w="10160">
                   <a:solidFill>
                     <a:schemeClr val="accent1">
@@ -12036,28 +11872,6 @@
               </a:rPr>
               <a:t>MATHEUS</a:t>
             </a:r>
-            <a:endParaRPr lang="pt-BR" sz="4400" b="1" cap="none" spc="0" dirty="0">
-              <a:ln w="10160">
-                <a:solidFill>
-                  <a:schemeClr val="accent1">
-                    <a:lumMod val="75000"/>
-                  </a:schemeClr>
-                </a:solidFill>
-                <a:prstDash val="solid"/>
-              </a:ln>
-              <a:solidFill>
-                <a:schemeClr val="accent1">
-                  <a:lumMod val="75000"/>
-                </a:schemeClr>
-              </a:solidFill>
-              <a:effectLst>
-                <a:outerShdw blurRad="38100" dist="22860" dir="5400000" algn="tl" rotWithShape="0">
-                  <a:srgbClr val="000000">
-                    <a:alpha val="30000"/>
-                  </a:srgbClr>
-                </a:outerShdw>
-              </a:effectLst>
-            </a:endParaRPr>
           </a:p>
         </p:txBody>
       </p:sp>
@@ -12071,13 +11885,6 @@
   <p:clrMapOvr>
     <a:masterClrMapping/>
   </p:clrMapOvr>
-  <p:timing>
-    <p:tnLst>
-      <p:par>
-        <p:cTn id="1" dur="indefinite" restart="never" nodeType="tmRoot"/>
-      </p:par>
-    </p:tnLst>
-  </p:timing>
 </p:sld>
 </file>
 
@@ -12230,7 +12037,7 @@
           <a:p>
             <a:pPr algn="just"/>
             <a:r>
-              <a:rPr lang="pt-BR" sz="3200" b="1" dirty="0" smtClean="0">
+              <a:rPr lang="pt-BR" sz="3200" b="1" dirty="0">
                 <a:ln w="0"/>
                 <a:solidFill>
                   <a:schemeClr val="bg1"/>
@@ -12411,7 +12218,7 @@
           <a:p>
             <a:pPr algn="ctr"/>
             <a:r>
-              <a:rPr lang="pt-BR" sz="4400" b="1" cap="none" spc="0" dirty="0" smtClean="0">
+              <a:rPr lang="pt-BR" sz="4400" b="1" cap="none" spc="0" dirty="0">
                 <a:ln w="10160">
                   <a:solidFill>
                     <a:schemeClr val="accent1">
@@ -12435,28 +12242,6 @@
               </a:rPr>
               <a:t>MATHEUS</a:t>
             </a:r>
-            <a:endParaRPr lang="pt-BR" sz="4400" b="1" cap="none" spc="0" dirty="0">
-              <a:ln w="10160">
-                <a:solidFill>
-                  <a:schemeClr val="accent1">
-                    <a:lumMod val="75000"/>
-                  </a:schemeClr>
-                </a:solidFill>
-                <a:prstDash val="solid"/>
-              </a:ln>
-              <a:solidFill>
-                <a:schemeClr val="accent1">
-                  <a:lumMod val="75000"/>
-                </a:schemeClr>
-              </a:solidFill>
-              <a:effectLst>
-                <a:outerShdw blurRad="38100" dist="22860" dir="5400000" algn="tl" rotWithShape="0">
-                  <a:srgbClr val="000000">
-                    <a:alpha val="30000"/>
-                  </a:srgbClr>
-                </a:outerShdw>
-              </a:effectLst>
-            </a:endParaRPr>
           </a:p>
         </p:txBody>
       </p:sp>
@@ -12494,13 +12279,6 @@
   <p:clrMapOvr>
     <a:masterClrMapping/>
   </p:clrMapOvr>
-  <p:timing>
-    <p:tnLst>
-      <p:par>
-        <p:cTn id="1" dur="indefinite" restart="never" nodeType="tmRoot"/>
-      </p:par>
-    </p:tnLst>
-  </p:timing>
 </p:sld>
 </file>
 
@@ -12671,7 +12449,7 @@
           <a:p>
             <a:pPr algn="ctr"/>
             <a:r>
-              <a:rPr lang="pt-BR" sz="2400" b="1" dirty="0" smtClean="0">
+              <a:rPr lang="pt-BR" sz="2400" b="1" dirty="0">
                 <a:ln w="0"/>
                 <a:solidFill>
                   <a:schemeClr val="bg1"/>
@@ -12691,7 +12469,7 @@
           <a:p>
             <a:pPr algn="ctr"/>
             <a:r>
-              <a:rPr lang="pt-BR" sz="2400" b="1" dirty="0" smtClean="0">
+              <a:rPr lang="pt-BR" sz="2400" b="1" dirty="0">
                 <a:ln w="0"/>
                 <a:solidFill>
                   <a:schemeClr val="bg1"/>
@@ -12969,7 +12747,7 @@
           <a:p>
             <a:pPr algn="ctr"/>
             <a:r>
-              <a:rPr lang="pt-BR" sz="4400" b="1" cap="none" spc="0" dirty="0" smtClean="0">
+              <a:rPr lang="pt-BR" sz="4400" b="1" cap="none" spc="0" dirty="0">
                 <a:ln w="10160">
                   <a:solidFill>
                     <a:srgbClr val="FF0000"/>
@@ -12989,24 +12767,6 @@
               </a:rPr>
               <a:t>YUDI</a:t>
             </a:r>
-            <a:endParaRPr lang="pt-BR" sz="4400" b="1" cap="none" spc="0" dirty="0">
-              <a:ln w="10160">
-                <a:solidFill>
-                  <a:srgbClr val="FF0000"/>
-                </a:solidFill>
-                <a:prstDash val="solid"/>
-              </a:ln>
-              <a:solidFill>
-                <a:srgbClr val="FF0000"/>
-              </a:solidFill>
-              <a:effectLst>
-                <a:outerShdw blurRad="38100" dist="22860" dir="5400000" algn="tl" rotWithShape="0">
-                  <a:srgbClr val="000000">
-                    <a:alpha val="30000"/>
-                  </a:srgbClr>
-                </a:outerShdw>
-              </a:effectLst>
-            </a:endParaRPr>
           </a:p>
         </p:txBody>
       </p:sp>
@@ -13020,21 +12780,6 @@
   <p:clrMapOvr>
     <a:masterClrMapping/>
   </p:clrMapOvr>
-  <mc:AlternateContent xmlns:mc="http://schemas.openxmlformats.org/markup-compatibility/2006" xmlns:p14="http://schemas.microsoft.com/office/powerpoint/2010/main">
-    <mc:Choice Requires="p14">
-      <p:transition p14:dur="0"/>
-    </mc:Choice>
-    <mc:Fallback xmlns="">
-      <p:transition/>
-    </mc:Fallback>
-  </mc:AlternateContent>
-  <p:timing>
-    <p:tnLst>
-      <p:par>
-        <p:cTn id="1" dur="indefinite" restart="never" nodeType="tmRoot"/>
-      </p:par>
-    </p:tnLst>
-  </p:timing>
 </p:sld>
 </file>
 
@@ -13187,7 +12932,7 @@
           <a:p>
             <a:pPr algn="just"/>
             <a:r>
-              <a:rPr lang="pt-BR" sz="3200" b="1" dirty="0" smtClean="0">
+              <a:rPr lang="pt-BR" sz="3200" b="1" dirty="0">
                 <a:ln w="0"/>
                 <a:solidFill>
                   <a:schemeClr val="bg1"/>
@@ -13286,7 +13031,7 @@
           <a:p>
             <a:pPr algn="ctr"/>
             <a:r>
-              <a:rPr lang="pt-BR" sz="4400" b="1" cap="none" spc="0" dirty="0" smtClean="0">
+              <a:rPr lang="pt-BR" sz="4400" b="1" cap="none" spc="0" dirty="0">
                 <a:ln w="10160">
                   <a:solidFill>
                     <a:srgbClr val="FF0000"/>
@@ -13306,24 +13051,6 @@
               </a:rPr>
               <a:t>YUDI</a:t>
             </a:r>
-            <a:endParaRPr lang="pt-BR" sz="4400" b="1" cap="none" spc="0" dirty="0">
-              <a:ln w="10160">
-                <a:solidFill>
-                  <a:srgbClr val="FF0000"/>
-                </a:solidFill>
-                <a:prstDash val="solid"/>
-              </a:ln>
-              <a:solidFill>
-                <a:srgbClr val="FF0000"/>
-              </a:solidFill>
-              <a:effectLst>
-                <a:outerShdw blurRad="38100" dist="22860" dir="5400000" algn="tl" rotWithShape="0">
-                  <a:srgbClr val="000000">
-                    <a:alpha val="30000"/>
-                  </a:srgbClr>
-                </a:outerShdw>
-              </a:effectLst>
-            </a:endParaRPr>
           </a:p>
         </p:txBody>
       </p:sp>
@@ -13337,13 +13064,6 @@
   <p:clrMapOvr>
     <a:masterClrMapping/>
   </p:clrMapOvr>
-  <p:timing>
-    <p:tnLst>
-      <p:par>
-        <p:cTn id="1" dur="indefinite" restart="never" nodeType="tmRoot"/>
-      </p:par>
-    </p:tnLst>
-  </p:timing>
 </p:sld>
 </file>
 
@@ -13496,7 +13216,7 @@
           <a:p>
             <a:pPr algn="just"/>
             <a:r>
-              <a:rPr lang="pt-BR" sz="3200" b="1" dirty="0" smtClean="0">
+              <a:rPr lang="pt-BR" sz="3200" b="1" dirty="0">
                 <a:ln w="0"/>
                 <a:solidFill>
                   <a:schemeClr val="bg1"/>
@@ -13595,7 +13315,7 @@
           <a:p>
             <a:pPr algn="ctr"/>
             <a:r>
-              <a:rPr lang="pt-BR" sz="4400" b="1" cap="none" spc="0" dirty="0" smtClean="0">
+              <a:rPr lang="pt-BR" sz="4400" b="1" cap="none" spc="0" dirty="0">
                 <a:ln w="10160">
                   <a:solidFill>
                     <a:srgbClr val="FF0000"/>
@@ -13615,24 +13335,6 @@
               </a:rPr>
               <a:t>YUDI</a:t>
             </a:r>
-            <a:endParaRPr lang="pt-BR" sz="4400" b="1" cap="none" spc="0" dirty="0">
-              <a:ln w="10160">
-                <a:solidFill>
-                  <a:srgbClr val="FF0000"/>
-                </a:solidFill>
-                <a:prstDash val="solid"/>
-              </a:ln>
-              <a:solidFill>
-                <a:srgbClr val="FF0000"/>
-              </a:solidFill>
-              <a:effectLst>
-                <a:outerShdw blurRad="38100" dist="22860" dir="5400000" algn="tl" rotWithShape="0">
-                  <a:srgbClr val="000000">
-                    <a:alpha val="30000"/>
-                  </a:srgbClr>
-                </a:outerShdw>
-              </a:effectLst>
-            </a:endParaRPr>
           </a:p>
         </p:txBody>
       </p:sp>
@@ -13660,7 +13362,7 @@
           <a:p>
             <a:pPr algn="ctr"/>
             <a:r>
-              <a:rPr lang="pt-BR" sz="4400" b="1" cap="none" spc="0" dirty="0" smtClean="0">
+              <a:rPr lang="pt-BR" sz="4400" b="1" cap="none" spc="0" dirty="0">
                 <a:ln w="10160">
                   <a:solidFill>
                     <a:schemeClr val="accent6"/>
@@ -13680,24 +13382,6 @@
               </a:rPr>
               <a:t>LUCAS</a:t>
             </a:r>
-            <a:endParaRPr lang="pt-BR" sz="4400" b="1" cap="none" spc="0" dirty="0">
-              <a:ln w="10160">
-                <a:solidFill>
-                  <a:schemeClr val="accent6"/>
-                </a:solidFill>
-                <a:prstDash val="solid"/>
-              </a:ln>
-              <a:solidFill>
-                <a:schemeClr val="accent6"/>
-              </a:solidFill>
-              <a:effectLst>
-                <a:outerShdw blurRad="38100" dist="22860" dir="5400000" algn="tl" rotWithShape="0">
-                  <a:srgbClr val="000000">
-                    <a:alpha val="30000"/>
-                  </a:srgbClr>
-                </a:outerShdw>
-              </a:effectLst>
-            </a:endParaRPr>
           </a:p>
         </p:txBody>
       </p:sp>
@@ -13725,7 +13409,7 @@
           <a:p>
             <a:pPr algn="ctr"/>
             <a:r>
-              <a:rPr lang="pt-BR" sz="4400" b="1" cap="none" spc="0" dirty="0" smtClean="0">
+              <a:rPr lang="pt-BR" sz="4400" b="1" cap="none" spc="0" dirty="0">
                 <a:ln w="10160">
                   <a:solidFill>
                     <a:schemeClr val="accent4">
@@ -13751,30 +13435,6 @@
               </a:rPr>
               <a:t>RODOLFO</a:t>
             </a:r>
-            <a:endParaRPr lang="pt-BR" sz="4400" b="1" cap="none" spc="0" dirty="0">
-              <a:ln w="10160">
-                <a:solidFill>
-                  <a:schemeClr val="accent4">
-                    <a:lumMod val="60000"/>
-                    <a:lumOff val="40000"/>
-                  </a:schemeClr>
-                </a:solidFill>
-                <a:prstDash val="solid"/>
-              </a:ln>
-              <a:solidFill>
-                <a:schemeClr val="accent4">
-                  <a:lumMod val="60000"/>
-                  <a:lumOff val="40000"/>
-                </a:schemeClr>
-              </a:solidFill>
-              <a:effectLst>
-                <a:outerShdw blurRad="38100" dist="22860" dir="5400000" algn="tl" rotWithShape="0">
-                  <a:srgbClr val="000000">
-                    <a:alpha val="30000"/>
-                  </a:srgbClr>
-                </a:outerShdw>
-              </a:effectLst>
-            </a:endParaRPr>
           </a:p>
         </p:txBody>
       </p:sp>
@@ -13802,7 +13462,7 @@
           <a:p>
             <a:pPr algn="ctr"/>
             <a:r>
-              <a:rPr lang="pt-BR" sz="4400" b="1" cap="none" spc="0" dirty="0" smtClean="0">
+              <a:rPr lang="pt-BR" sz="4400" b="1" cap="none" spc="0" dirty="0">
                 <a:ln w="10160">
                   <a:solidFill>
                     <a:schemeClr val="accent1">
@@ -13826,28 +13486,6 @@
               </a:rPr>
               <a:t>MATHEUS</a:t>
             </a:r>
-            <a:endParaRPr lang="pt-BR" sz="4400" b="1" cap="none" spc="0" dirty="0">
-              <a:ln w="10160">
-                <a:solidFill>
-                  <a:schemeClr val="accent1">
-                    <a:lumMod val="75000"/>
-                  </a:schemeClr>
-                </a:solidFill>
-                <a:prstDash val="solid"/>
-              </a:ln>
-              <a:solidFill>
-                <a:schemeClr val="accent1">
-                  <a:lumMod val="75000"/>
-                </a:schemeClr>
-              </a:solidFill>
-              <a:effectLst>
-                <a:outerShdw blurRad="38100" dist="22860" dir="5400000" algn="tl" rotWithShape="0">
-                  <a:srgbClr val="000000">
-                    <a:alpha val="30000"/>
-                  </a:srgbClr>
-                </a:outerShdw>
-              </a:effectLst>
-            </a:endParaRPr>
           </a:p>
         </p:txBody>
       </p:sp>
@@ -13861,13 +13499,6 @@
   <p:clrMapOvr>
     <a:masterClrMapping/>
   </p:clrMapOvr>
-  <p:timing>
-    <p:tnLst>
-      <p:par>
-        <p:cTn id="1" dur="indefinite" restart="never" nodeType="tmRoot"/>
-      </p:par>
-    </p:tnLst>
-  </p:timing>
 </p:sld>
 </file>
 
@@ -14057,7 +13688,7 @@
           <a:p>
             <a:pPr algn="just"/>
             <a:r>
-              <a:rPr lang="pt-BR" sz="11500" b="1" dirty="0" smtClean="0">
+              <a:rPr lang="pt-BR" sz="11500" b="1" dirty="0">
                 <a:ln w="0"/>
                 <a:solidFill>
                   <a:schemeClr val="bg1"/>
@@ -14182,7 +13813,7 @@
           <a:p>
             <a:pPr algn="ctr"/>
             <a:r>
-              <a:rPr lang="pt-BR" sz="4400" b="1" cap="none" spc="0" dirty="0" smtClean="0">
+              <a:rPr lang="pt-BR" sz="4400" b="1" cap="none" spc="0" dirty="0">
                 <a:ln w="10160">
                   <a:solidFill>
                     <a:srgbClr val="FF0000"/>
@@ -14202,24 +13833,6 @@
               </a:rPr>
               <a:t>YUDI</a:t>
             </a:r>
-            <a:endParaRPr lang="pt-BR" sz="4400" b="1" cap="none" spc="0" dirty="0">
-              <a:ln w="10160">
-                <a:solidFill>
-                  <a:srgbClr val="FF0000"/>
-                </a:solidFill>
-                <a:prstDash val="solid"/>
-              </a:ln>
-              <a:solidFill>
-                <a:srgbClr val="FF0000"/>
-              </a:solidFill>
-              <a:effectLst>
-                <a:outerShdw blurRad="38100" dist="22860" dir="5400000" algn="tl" rotWithShape="0">
-                  <a:srgbClr val="000000">
-                    <a:alpha val="30000"/>
-                  </a:srgbClr>
-                </a:outerShdw>
-              </a:effectLst>
-            </a:endParaRPr>
           </a:p>
         </p:txBody>
       </p:sp>
@@ -14247,7 +13860,7 @@
           <a:p>
             <a:pPr algn="ctr"/>
             <a:r>
-              <a:rPr lang="pt-BR" sz="4400" b="1" cap="none" spc="0" dirty="0" smtClean="0">
+              <a:rPr lang="pt-BR" sz="4400" b="1" cap="none" spc="0" dirty="0">
                 <a:ln w="10160">
                   <a:solidFill>
                     <a:schemeClr val="accent6"/>
@@ -14267,24 +13880,6 @@
               </a:rPr>
               <a:t>LUCAS</a:t>
             </a:r>
-            <a:endParaRPr lang="pt-BR" sz="4400" b="1" cap="none" spc="0" dirty="0">
-              <a:ln w="10160">
-                <a:solidFill>
-                  <a:schemeClr val="accent6"/>
-                </a:solidFill>
-                <a:prstDash val="solid"/>
-              </a:ln>
-              <a:solidFill>
-                <a:schemeClr val="accent6"/>
-              </a:solidFill>
-              <a:effectLst>
-                <a:outerShdw blurRad="38100" dist="22860" dir="5400000" algn="tl" rotWithShape="0">
-                  <a:srgbClr val="000000">
-                    <a:alpha val="30000"/>
-                  </a:srgbClr>
-                </a:outerShdw>
-              </a:effectLst>
-            </a:endParaRPr>
           </a:p>
         </p:txBody>
       </p:sp>
@@ -14312,7 +13907,7 @@
           <a:p>
             <a:pPr algn="ctr"/>
             <a:r>
-              <a:rPr lang="pt-BR" sz="4400" b="1" cap="none" spc="0" dirty="0" smtClean="0">
+              <a:rPr lang="pt-BR" sz="4400" b="1" cap="none" spc="0" dirty="0">
                 <a:ln w="10160">
                   <a:solidFill>
                     <a:schemeClr val="accent4">
@@ -14338,30 +13933,6 @@
               </a:rPr>
               <a:t>RODOLFO</a:t>
             </a:r>
-            <a:endParaRPr lang="pt-BR" sz="4400" b="1" cap="none" spc="0" dirty="0">
-              <a:ln w="10160">
-                <a:solidFill>
-                  <a:schemeClr val="accent4">
-                    <a:lumMod val="60000"/>
-                    <a:lumOff val="40000"/>
-                  </a:schemeClr>
-                </a:solidFill>
-                <a:prstDash val="solid"/>
-              </a:ln>
-              <a:solidFill>
-                <a:schemeClr val="accent4">
-                  <a:lumMod val="60000"/>
-                  <a:lumOff val="40000"/>
-                </a:schemeClr>
-              </a:solidFill>
-              <a:effectLst>
-                <a:outerShdw blurRad="38100" dist="22860" dir="5400000" algn="tl" rotWithShape="0">
-                  <a:srgbClr val="000000">
-                    <a:alpha val="30000"/>
-                  </a:srgbClr>
-                </a:outerShdw>
-              </a:effectLst>
-            </a:endParaRPr>
           </a:p>
         </p:txBody>
       </p:sp>
@@ -14389,7 +13960,7 @@
           <a:p>
             <a:pPr algn="ctr"/>
             <a:r>
-              <a:rPr lang="pt-BR" sz="4400" b="1" cap="none" spc="0" dirty="0" smtClean="0">
+              <a:rPr lang="pt-BR" sz="4400" b="1" cap="none" spc="0" dirty="0">
                 <a:ln w="10160">
                   <a:solidFill>
                     <a:schemeClr val="accent1">
@@ -14413,28 +13984,6 @@
               </a:rPr>
               <a:t>MATHEUS</a:t>
             </a:r>
-            <a:endParaRPr lang="pt-BR" sz="4400" b="1" cap="none" spc="0" dirty="0">
-              <a:ln w="10160">
-                <a:solidFill>
-                  <a:schemeClr val="accent1">
-                    <a:lumMod val="75000"/>
-                  </a:schemeClr>
-                </a:solidFill>
-                <a:prstDash val="solid"/>
-              </a:ln>
-              <a:solidFill>
-                <a:schemeClr val="accent1">
-                  <a:lumMod val="75000"/>
-                </a:schemeClr>
-              </a:solidFill>
-              <a:effectLst>
-                <a:outerShdw blurRad="38100" dist="22860" dir="5400000" algn="tl" rotWithShape="0">
-                  <a:srgbClr val="000000">
-                    <a:alpha val="30000"/>
-                  </a:srgbClr>
-                </a:outerShdw>
-              </a:effectLst>
-            </a:endParaRPr>
           </a:p>
         </p:txBody>
       </p:sp>
@@ -14448,13 +13997,6 @@
   <p:clrMapOvr>
     <a:masterClrMapping/>
   </p:clrMapOvr>
-  <p:timing>
-    <p:tnLst>
-      <p:par>
-        <p:cTn id="1" dur="indefinite" restart="never" nodeType="tmRoot"/>
-      </p:par>
-    </p:tnLst>
-  </p:timing>
 </p:sld>
 </file>
 
@@ -14737,7 +14279,7 @@
           <a:p>
             <a:pPr algn="just"/>
             <a:r>
-              <a:rPr lang="pt-BR" sz="3200" b="1" dirty="0" smtClean="0">
+              <a:rPr lang="pt-BR" sz="3200" b="1" dirty="0">
                 <a:ln w="0"/>
                 <a:solidFill>
                   <a:schemeClr val="bg1"/>
@@ -14836,7 +14378,7 @@
           <a:p>
             <a:pPr algn="ctr"/>
             <a:r>
-              <a:rPr lang="pt-BR" sz="4400" b="1" cap="none" spc="0" dirty="0" smtClean="0">
+              <a:rPr lang="pt-BR" sz="4400" b="1" cap="none" spc="0" dirty="0">
                 <a:ln w="10160">
                   <a:solidFill>
                     <a:schemeClr val="accent6"/>
@@ -14856,24 +14398,6 @@
               </a:rPr>
               <a:t>LUCAS</a:t>
             </a:r>
-            <a:endParaRPr lang="pt-BR" sz="4400" b="1" cap="none" spc="0" dirty="0">
-              <a:ln w="10160">
-                <a:solidFill>
-                  <a:schemeClr val="accent6"/>
-                </a:solidFill>
-                <a:prstDash val="solid"/>
-              </a:ln>
-              <a:solidFill>
-                <a:schemeClr val="accent6"/>
-              </a:solidFill>
-              <a:effectLst>
-                <a:outerShdw blurRad="38100" dist="22860" dir="5400000" algn="tl" rotWithShape="0">
-                  <a:srgbClr val="000000">
-                    <a:alpha val="30000"/>
-                  </a:srgbClr>
-                </a:outerShdw>
-              </a:effectLst>
-            </a:endParaRPr>
           </a:p>
         </p:txBody>
       </p:sp>
@@ -14887,21 +14411,6 @@
   <p:clrMapOvr>
     <a:masterClrMapping/>
   </p:clrMapOvr>
-  <mc:AlternateContent xmlns:mc="http://schemas.openxmlformats.org/markup-compatibility/2006" xmlns:p14="http://schemas.microsoft.com/office/powerpoint/2010/main">
-    <mc:Choice Requires="p14">
-      <p:transition p14:dur="0"/>
-    </mc:Choice>
-    <mc:Fallback xmlns="">
-      <p:transition/>
-    </mc:Fallback>
-  </mc:AlternateContent>
-  <p:timing>
-    <p:tnLst>
-      <p:par>
-        <p:cTn id="1" dur="indefinite" restart="never" nodeType="tmRoot"/>
-      </p:par>
-    </p:tnLst>
-  </p:timing>
 </p:sld>
 </file>
 
@@ -15039,7 +14548,7 @@
           <a:p>
             <a:pPr algn="just"/>
             <a:r>
-              <a:rPr lang="pt-BR" sz="3200" b="1" cap="none" spc="0" dirty="0" smtClean="0">
+              <a:rPr lang="pt-BR" sz="3200" b="1" cap="none" spc="0" dirty="0">
                 <a:ln w="0"/>
                 <a:solidFill>
                   <a:schemeClr val="bg1"/>
@@ -15055,20 +14564,6 @@
               </a:rPr>
               <a:t>JUSTIFICATIVA</a:t>
             </a:r>
-            <a:endParaRPr lang="pt-BR" sz="3200" b="1" cap="none" spc="0" dirty="0">
-              <a:ln w="0"/>
-              <a:solidFill>
-                <a:schemeClr val="bg1"/>
-              </a:solidFill>
-              <a:effectLst>
-                <a:outerShdw blurRad="38100" dist="19050" dir="2700000" algn="tl" rotWithShape="0">
-                  <a:schemeClr val="dk1">
-                    <a:alpha val="40000"/>
-                  </a:schemeClr>
-                </a:outerShdw>
-              </a:effectLst>
-              <a:latin typeface="Exo 2 Medium" panose="00000600000000000000" pitchFamily="50" charset="0"/>
-            </a:endParaRPr>
           </a:p>
         </p:txBody>
       </p:sp>
@@ -15247,7 +14742,7 @@
           <a:p>
             <a:pPr algn="ctr"/>
             <a:r>
-              <a:rPr lang="pt-BR" sz="4400" b="1" cap="none" spc="0" dirty="0" smtClean="0">
+              <a:rPr lang="pt-BR" sz="4400" b="1" cap="none" spc="0" dirty="0">
                 <a:ln w="10160">
                   <a:solidFill>
                     <a:schemeClr val="accent4">
@@ -15273,33 +14768,337 @@
               </a:rPr>
               <a:t>RODOLFO</a:t>
             </a:r>
-            <a:endParaRPr lang="pt-BR" sz="4400" b="1" cap="none" spc="0" dirty="0">
-              <a:ln w="10160">
-                <a:solidFill>
-                  <a:schemeClr val="accent4">
-                    <a:lumMod val="60000"/>
-                    <a:lumOff val="40000"/>
-                  </a:schemeClr>
-                </a:solidFill>
-                <a:prstDash val="solid"/>
-              </a:ln>
-              <a:solidFill>
-                <a:schemeClr val="accent4">
-                  <a:lumMod val="60000"/>
-                  <a:lumOff val="40000"/>
-                </a:schemeClr>
-              </a:solidFill>
-              <a:effectLst>
-                <a:outerShdw blurRad="38100" dist="22860" dir="5400000" algn="tl" rotWithShape="0">
-                  <a:srgbClr val="000000">
-                    <a:alpha val="30000"/>
-                  </a:srgbClr>
-                </a:outerShdw>
-              </a:effectLst>
-            </a:endParaRPr>
           </a:p>
         </p:txBody>
       </p:sp>
+      <p:grpSp>
+        <p:nvGrpSpPr>
+          <p:cNvPr id="14" name="Agrupar 13">
+            <a:extLst>
+              <a:ext uri="{FF2B5EF4-FFF2-40B4-BE49-F238E27FC236}">
+                <a16:creationId xmlns:a16="http://schemas.microsoft.com/office/drawing/2014/main" id="{456D9A76-5F22-4559-8295-EB71E94956C6}"/>
+              </a:ext>
+            </a:extLst>
+          </p:cNvPr>
+          <p:cNvGrpSpPr/>
+          <p:nvPr/>
+        </p:nvGrpSpPr>
+        <p:grpSpPr>
+          <a:xfrm>
+            <a:off x="5894376" y="2517614"/>
+            <a:ext cx="3327952" cy="2587609"/>
+            <a:chOff x="2997752" y="1577931"/>
+            <a:chExt cx="5769106" cy="4485699"/>
+          </a:xfrm>
+        </p:grpSpPr>
+        <p:pic>
+          <p:nvPicPr>
+            <p:cNvPr id="15" name="Picture 6" descr="Resultado de imagem para MONITOR VECTOR">
+              <a:extLst>
+                <a:ext uri="{FF2B5EF4-FFF2-40B4-BE49-F238E27FC236}">
+                  <a16:creationId xmlns:a16="http://schemas.microsoft.com/office/drawing/2014/main" id="{6BE240E2-7FFB-4263-8B9A-0EB81A70A648}"/>
+                </a:ext>
+              </a:extLst>
+            </p:cNvPr>
+            <p:cNvPicPr>
+              <a:picLocks noChangeAspect="1" noChangeArrowheads="1"/>
+            </p:cNvPicPr>
+            <p:nvPr/>
+          </p:nvPicPr>
+          <p:blipFill>
+            <a:blip r:embed="rId5" cstate="print">
+              <a:extLst>
+                <a:ext uri="{28A0092B-C50C-407E-A947-70E740481C1C}">
+                  <a14:useLocalDpi xmlns:a14="http://schemas.microsoft.com/office/drawing/2010/main" val="0"/>
+                </a:ext>
+              </a:extLst>
+            </a:blip>
+            <a:srcRect/>
+            <a:stretch>
+              <a:fillRect/>
+            </a:stretch>
+          </p:blipFill>
+          <p:spPr bwMode="auto">
+            <a:xfrm>
+              <a:off x="2997752" y="1577931"/>
+              <a:ext cx="5769106" cy="4485699"/>
+            </a:xfrm>
+            <a:prstGeom prst="rect">
+              <a:avLst/>
+            </a:prstGeom>
+            <a:noFill/>
+            <a:extLst>
+              <a:ext uri="{909E8E84-426E-40DD-AFC4-6F175D3DCCD1}">
+                <a14:hiddenFill xmlns:a14="http://schemas.microsoft.com/office/drawing/2010/main">
+                  <a:solidFill>
+                    <a:srgbClr val="FFFFFF"/>
+                  </a:solidFill>
+                </a14:hiddenFill>
+              </a:ext>
+            </a:extLst>
+          </p:spPr>
+        </p:pic>
+        <p:pic>
+          <p:nvPicPr>
+            <p:cNvPr id="16" name="Imagem 15">
+              <a:extLst>
+                <a:ext uri="{FF2B5EF4-FFF2-40B4-BE49-F238E27FC236}">
+                  <a16:creationId xmlns:a16="http://schemas.microsoft.com/office/drawing/2014/main" id="{6CCA4E70-293F-43F2-875A-5EAFE5F3EAC1}"/>
+                </a:ext>
+              </a:extLst>
+            </p:cNvPr>
+            <p:cNvPicPr>
+              <a:picLocks noChangeAspect="1"/>
+            </p:cNvPicPr>
+            <p:nvPr/>
+          </p:nvPicPr>
+          <p:blipFill>
+            <a:blip r:embed="rId6">
+              <a:extLst>
+                <a:ext uri="{BEBA8EAE-BF5A-486C-A8C5-ECC9F3942E4B}">
+                  <a14:imgProps xmlns:a14="http://schemas.microsoft.com/office/drawing/2010/main">
+                    <a14:imgLayer r:embed="rId7">
+                      <a14:imgEffect>
+                        <a14:brightnessContrast bright="-7000"/>
+                      </a14:imgEffect>
+                    </a14:imgLayer>
+                  </a14:imgProps>
+                </a:ext>
+              </a:extLst>
+            </a:blip>
+            <a:stretch>
+              <a:fillRect/>
+            </a:stretch>
+          </p:blipFill>
+          <p:spPr>
+            <a:xfrm>
+              <a:off x="3207847" y="1818167"/>
+              <a:ext cx="5351362" cy="2604976"/>
+            </a:xfrm>
+            <a:prstGeom prst="rect">
+              <a:avLst/>
+            </a:prstGeom>
+          </p:spPr>
+        </p:pic>
+      </p:grpSp>
+      <p:grpSp>
+        <p:nvGrpSpPr>
+          <p:cNvPr id="17" name="Agrupar 16">
+            <a:extLst>
+              <a:ext uri="{FF2B5EF4-FFF2-40B4-BE49-F238E27FC236}">
+                <a16:creationId xmlns:a16="http://schemas.microsoft.com/office/drawing/2014/main" id="{8B58EDC4-BF0F-418B-B71A-C837ABBC1988}"/>
+              </a:ext>
+            </a:extLst>
+          </p:cNvPr>
+          <p:cNvGrpSpPr/>
+          <p:nvPr/>
+        </p:nvGrpSpPr>
+        <p:grpSpPr>
+          <a:xfrm>
+            <a:off x="8894777" y="3214050"/>
+            <a:ext cx="1423150" cy="1889692"/>
+            <a:chOff x="7534960" y="2912193"/>
+            <a:chExt cx="2467074" cy="3275839"/>
+          </a:xfrm>
+        </p:grpSpPr>
+        <p:pic>
+          <p:nvPicPr>
+            <p:cNvPr id="18" name="Picture 8" descr="Resultado de imagem para TABLET VECTOR">
+              <a:extLst>
+                <a:ext uri="{FF2B5EF4-FFF2-40B4-BE49-F238E27FC236}">
+                  <a16:creationId xmlns:a16="http://schemas.microsoft.com/office/drawing/2014/main" id="{32ACD9F4-E204-40AC-868A-852688735544}"/>
+                </a:ext>
+              </a:extLst>
+            </p:cNvPr>
+            <p:cNvPicPr>
+              <a:picLocks noChangeAspect="1" noChangeArrowheads="1"/>
+            </p:cNvPicPr>
+            <p:nvPr/>
+          </p:nvPicPr>
+          <p:blipFill rotWithShape="1">
+            <a:blip r:embed="rId8" cstate="print">
+              <a:extLst>
+                <a:ext uri="{28A0092B-C50C-407E-A947-70E740481C1C}">
+                  <a14:useLocalDpi xmlns:a14="http://schemas.microsoft.com/office/drawing/2010/main" val="0"/>
+                </a:ext>
+              </a:extLst>
+            </a:blip>
+            <a:srcRect l="16150" t="5208" r="16628" b="5533"/>
+            <a:stretch/>
+          </p:blipFill>
+          <p:spPr bwMode="auto">
+            <a:xfrm>
+              <a:off x="7534960" y="2912193"/>
+              <a:ext cx="2467074" cy="3275839"/>
+            </a:xfrm>
+            <a:prstGeom prst="rect">
+              <a:avLst/>
+            </a:prstGeom>
+            <a:noFill/>
+            <a:extLst>
+              <a:ext uri="{909E8E84-426E-40DD-AFC4-6F175D3DCCD1}">
+                <a14:hiddenFill xmlns:a14="http://schemas.microsoft.com/office/drawing/2010/main">
+                  <a:solidFill>
+                    <a:srgbClr val="FFFFFF"/>
+                  </a:solidFill>
+                </a14:hiddenFill>
+              </a:ext>
+            </a:extLst>
+          </p:spPr>
+        </p:pic>
+        <p:pic>
+          <p:nvPicPr>
+            <p:cNvPr id="19" name="Imagem 18">
+              <a:extLst>
+                <a:ext uri="{FF2B5EF4-FFF2-40B4-BE49-F238E27FC236}">
+                  <a16:creationId xmlns:a16="http://schemas.microsoft.com/office/drawing/2014/main" id="{13AC957E-6055-4665-806D-6E3B015CCF7D}"/>
+                </a:ext>
+              </a:extLst>
+            </p:cNvPr>
+            <p:cNvPicPr>
+              <a:picLocks noChangeAspect="1"/>
+            </p:cNvPicPr>
+            <p:nvPr/>
+          </p:nvPicPr>
+          <p:blipFill>
+            <a:blip r:embed="rId9">
+              <a:extLst>
+                <a:ext uri="{BEBA8EAE-BF5A-486C-A8C5-ECC9F3942E4B}">
+                  <a14:imgProps xmlns:a14="http://schemas.microsoft.com/office/drawing/2010/main">
+                    <a14:imgLayer r:embed="rId10">
+                      <a14:imgEffect>
+                        <a14:brightnessContrast bright="-6000"/>
+                      </a14:imgEffect>
+                    </a14:imgLayer>
+                  </a14:imgProps>
+                </a:ext>
+              </a:extLst>
+            </a:blip>
+            <a:stretch>
+              <a:fillRect/>
+            </a:stretch>
+          </p:blipFill>
+          <p:spPr>
+            <a:xfrm>
+              <a:off x="7697969" y="3170848"/>
+              <a:ext cx="2158408" cy="2746863"/>
+            </a:xfrm>
+            <a:prstGeom prst="rect">
+              <a:avLst/>
+            </a:prstGeom>
+          </p:spPr>
+        </p:pic>
+      </p:grpSp>
+      <p:grpSp>
+        <p:nvGrpSpPr>
+          <p:cNvPr id="20" name="Agrupar 19">
+            <a:extLst>
+              <a:ext uri="{FF2B5EF4-FFF2-40B4-BE49-F238E27FC236}">
+                <a16:creationId xmlns:a16="http://schemas.microsoft.com/office/drawing/2014/main" id="{C35848B9-63A1-4F69-AF1A-954920296EAF}"/>
+              </a:ext>
+            </a:extLst>
+          </p:cNvPr>
+          <p:cNvGrpSpPr/>
+          <p:nvPr/>
+        </p:nvGrpSpPr>
+        <p:grpSpPr>
+          <a:xfrm>
+            <a:off x="10132230" y="3851695"/>
+            <a:ext cx="599124" cy="1252047"/>
+            <a:chOff x="2633244" y="4025899"/>
+            <a:chExt cx="1038599" cy="2170461"/>
+          </a:xfrm>
+        </p:grpSpPr>
+        <p:pic>
+          <p:nvPicPr>
+            <p:cNvPr id="21" name="Picture 10" descr="Resultado de imagem para IPHONE VECTOR">
+              <a:extLst>
+                <a:ext uri="{FF2B5EF4-FFF2-40B4-BE49-F238E27FC236}">
+                  <a16:creationId xmlns:a16="http://schemas.microsoft.com/office/drawing/2014/main" id="{37317431-C7B8-46C9-8C39-19879373A5AD}"/>
+                </a:ext>
+              </a:extLst>
+            </p:cNvPr>
+            <p:cNvPicPr>
+              <a:picLocks noChangeAspect="1" noChangeArrowheads="1"/>
+            </p:cNvPicPr>
+            <p:nvPr/>
+          </p:nvPicPr>
+          <p:blipFill>
+            <a:blip r:embed="rId11" cstate="print">
+              <a:extLst>
+                <a:ext uri="{28A0092B-C50C-407E-A947-70E740481C1C}">
+                  <a14:useLocalDpi xmlns:a14="http://schemas.microsoft.com/office/drawing/2010/main" val="0"/>
+                </a:ext>
+              </a:extLst>
+            </a:blip>
+            <a:srcRect/>
+            <a:stretch>
+              <a:fillRect/>
+            </a:stretch>
+          </p:blipFill>
+          <p:spPr bwMode="auto">
+            <a:xfrm>
+              <a:off x="2633244" y="4025899"/>
+              <a:ext cx="1038599" cy="2170461"/>
+            </a:xfrm>
+            <a:prstGeom prst="rect">
+              <a:avLst/>
+            </a:prstGeom>
+            <a:noFill/>
+            <a:extLst>
+              <a:ext uri="{909E8E84-426E-40DD-AFC4-6F175D3DCCD1}">
+                <a14:hiddenFill xmlns:a14="http://schemas.microsoft.com/office/drawing/2010/main">
+                  <a:solidFill>
+                    <a:srgbClr val="FFFFFF"/>
+                  </a:solidFill>
+                </a14:hiddenFill>
+              </a:ext>
+            </a:extLst>
+          </p:spPr>
+        </p:pic>
+        <p:pic>
+          <p:nvPicPr>
+            <p:cNvPr id="22" name="Imagem 21">
+              <a:extLst>
+                <a:ext uri="{FF2B5EF4-FFF2-40B4-BE49-F238E27FC236}">
+                  <a16:creationId xmlns:a16="http://schemas.microsoft.com/office/drawing/2014/main" id="{AAB66BDC-8F59-4C76-A4C2-96819C0C2B1E}"/>
+                </a:ext>
+              </a:extLst>
+            </p:cNvPr>
+            <p:cNvPicPr>
+              <a:picLocks noChangeAspect="1"/>
+            </p:cNvPicPr>
+            <p:nvPr/>
+          </p:nvPicPr>
+          <p:blipFill>
+            <a:blip r:embed="rId12">
+              <a:extLst>
+                <a:ext uri="{BEBA8EAE-BF5A-486C-A8C5-ECC9F3942E4B}">
+                  <a14:imgProps xmlns:a14="http://schemas.microsoft.com/office/drawing/2010/main">
+                    <a14:imgLayer r:embed="rId13">
+                      <a14:imgEffect>
+                        <a14:brightnessContrast bright="-9000"/>
+                      </a14:imgEffect>
+                    </a14:imgLayer>
+                  </a14:imgProps>
+                </a:ext>
+              </a:extLst>
+            </a:blip>
+            <a:stretch>
+              <a:fillRect/>
+            </a:stretch>
+          </p:blipFill>
+          <p:spPr>
+            <a:xfrm>
+              <a:off x="2684773" y="4282105"/>
+              <a:ext cx="934727" cy="1655394"/>
+            </a:xfrm>
+            <a:prstGeom prst="rect">
+              <a:avLst/>
+            </a:prstGeom>
+          </p:spPr>
+        </p:pic>
+      </p:grpSp>
     </p:spTree>
     <p:extLst>
       <p:ext uri="{BB962C8B-B14F-4D97-AF65-F5344CB8AC3E}">
@@ -15310,18 +15109,330 @@
   <p:clrMapOvr>
     <a:masterClrMapping/>
   </p:clrMapOvr>
-  <mc:AlternateContent xmlns:mc="http://schemas.openxmlformats.org/markup-compatibility/2006" xmlns:p14="http://schemas.microsoft.com/office/powerpoint/2010/main">
-    <mc:Choice Requires="p14">
-      <p:transition p14:dur="0"/>
-    </mc:Choice>
-    <mc:Fallback xmlns="">
-      <p:transition/>
-    </mc:Fallback>
-  </mc:AlternateContent>
   <p:timing>
     <p:tnLst>
       <p:par>
-        <p:cTn id="1" dur="indefinite" restart="never" nodeType="tmRoot"/>
+        <p:cTn id="1" dur="indefinite" restart="never" nodeType="tmRoot">
+          <p:childTnLst>
+            <p:seq concurrent="1" nextAc="seek">
+              <p:cTn id="2" dur="indefinite" nodeType="mainSeq">
+                <p:childTnLst>
+                  <p:par>
+                    <p:cTn id="3" fill="hold">
+                      <p:stCondLst>
+                        <p:cond delay="indefinite"/>
+                      </p:stCondLst>
+                      <p:childTnLst>
+                        <p:par>
+                          <p:cTn id="4" fill="hold">
+                            <p:stCondLst>
+                              <p:cond delay="0"/>
+                            </p:stCondLst>
+                            <p:childTnLst>
+                              <p:par>
+                                <p:cTn id="5" presetID="42" presetClass="entr" presetSubtype="0" fill="hold" nodeType="clickEffect">
+                                  <p:stCondLst>
+                                    <p:cond delay="0"/>
+                                  </p:stCondLst>
+                                  <p:childTnLst>
+                                    <p:set>
+                                      <p:cBhvr>
+                                        <p:cTn id="6" dur="1" fill="hold">
+                                          <p:stCondLst>
+                                            <p:cond delay="0"/>
+                                          </p:stCondLst>
+                                        </p:cTn>
+                                        <p:tgtEl>
+                                          <p:spTgt spid="14"/>
+                                        </p:tgtEl>
+                                        <p:attrNameLst>
+                                          <p:attrName>style.visibility</p:attrName>
+                                        </p:attrNameLst>
+                                      </p:cBhvr>
+                                      <p:to>
+                                        <p:strVal val="visible"/>
+                                      </p:to>
+                                    </p:set>
+                                    <p:animEffect transition="in" filter="fade">
+                                      <p:cBhvr>
+                                        <p:cTn id="7" dur="500"/>
+                                        <p:tgtEl>
+                                          <p:spTgt spid="14"/>
+                                        </p:tgtEl>
+                                      </p:cBhvr>
+                                    </p:animEffect>
+                                    <p:anim calcmode="lin" valueType="num">
+                                      <p:cBhvr>
+                                        <p:cTn id="8" dur="500" fill="hold"/>
+                                        <p:tgtEl>
+                                          <p:spTgt spid="14"/>
+                                        </p:tgtEl>
+                                        <p:attrNameLst>
+                                          <p:attrName>ppt_x</p:attrName>
+                                        </p:attrNameLst>
+                                      </p:cBhvr>
+                                      <p:tavLst>
+                                        <p:tav tm="0">
+                                          <p:val>
+                                            <p:strVal val="#ppt_x"/>
+                                          </p:val>
+                                        </p:tav>
+                                        <p:tav tm="100000">
+                                          <p:val>
+                                            <p:strVal val="#ppt_x"/>
+                                          </p:val>
+                                        </p:tav>
+                                      </p:tavLst>
+                                    </p:anim>
+                                    <p:anim calcmode="lin" valueType="num">
+                                      <p:cBhvr>
+                                        <p:cTn id="9" dur="500" fill="hold"/>
+                                        <p:tgtEl>
+                                          <p:spTgt spid="14"/>
+                                        </p:tgtEl>
+                                        <p:attrNameLst>
+                                          <p:attrName>ppt_y</p:attrName>
+                                        </p:attrNameLst>
+                                      </p:cBhvr>
+                                      <p:tavLst>
+                                        <p:tav tm="0">
+                                          <p:val>
+                                            <p:strVal val="#ppt_y+.1"/>
+                                          </p:val>
+                                        </p:tav>
+                                        <p:tav tm="100000">
+                                          <p:val>
+                                            <p:strVal val="#ppt_y"/>
+                                          </p:val>
+                                        </p:tav>
+                                      </p:tavLst>
+                                    </p:anim>
+                                  </p:childTnLst>
+                                </p:cTn>
+                              </p:par>
+                            </p:childTnLst>
+                          </p:cTn>
+                        </p:par>
+                      </p:childTnLst>
+                    </p:cTn>
+                  </p:par>
+                  <p:par>
+                    <p:cTn id="10" fill="hold">
+                      <p:stCondLst>
+                        <p:cond delay="indefinite"/>
+                      </p:stCondLst>
+                      <p:childTnLst>
+                        <p:par>
+                          <p:cTn id="11" fill="hold">
+                            <p:stCondLst>
+                              <p:cond delay="0"/>
+                            </p:stCondLst>
+                            <p:childTnLst>
+                              <p:par>
+                                <p:cTn id="12" presetID="42" presetClass="entr" presetSubtype="0" fill="hold" nodeType="clickEffect">
+                                  <p:stCondLst>
+                                    <p:cond delay="0"/>
+                                  </p:stCondLst>
+                                  <p:childTnLst>
+                                    <p:set>
+                                      <p:cBhvr>
+                                        <p:cTn id="13" dur="1" fill="hold">
+                                          <p:stCondLst>
+                                            <p:cond delay="0"/>
+                                          </p:stCondLst>
+                                        </p:cTn>
+                                        <p:tgtEl>
+                                          <p:spTgt spid="17"/>
+                                        </p:tgtEl>
+                                        <p:attrNameLst>
+                                          <p:attrName>style.visibility</p:attrName>
+                                        </p:attrNameLst>
+                                      </p:cBhvr>
+                                      <p:to>
+                                        <p:strVal val="visible"/>
+                                      </p:to>
+                                    </p:set>
+                                    <p:animEffect transition="in" filter="fade">
+                                      <p:cBhvr>
+                                        <p:cTn id="14" dur="500"/>
+                                        <p:tgtEl>
+                                          <p:spTgt spid="17"/>
+                                        </p:tgtEl>
+                                      </p:cBhvr>
+                                    </p:animEffect>
+                                    <p:anim calcmode="lin" valueType="num">
+                                      <p:cBhvr>
+                                        <p:cTn id="15" dur="500" fill="hold"/>
+                                        <p:tgtEl>
+                                          <p:spTgt spid="17"/>
+                                        </p:tgtEl>
+                                        <p:attrNameLst>
+                                          <p:attrName>ppt_x</p:attrName>
+                                        </p:attrNameLst>
+                                      </p:cBhvr>
+                                      <p:tavLst>
+                                        <p:tav tm="0">
+                                          <p:val>
+                                            <p:strVal val="#ppt_x"/>
+                                          </p:val>
+                                        </p:tav>
+                                        <p:tav tm="100000">
+                                          <p:val>
+                                            <p:strVal val="#ppt_x"/>
+                                          </p:val>
+                                        </p:tav>
+                                      </p:tavLst>
+                                    </p:anim>
+                                    <p:anim calcmode="lin" valueType="num">
+                                      <p:cBhvr>
+                                        <p:cTn id="16" dur="500" fill="hold"/>
+                                        <p:tgtEl>
+                                          <p:spTgt spid="17"/>
+                                        </p:tgtEl>
+                                        <p:attrNameLst>
+                                          <p:attrName>ppt_y</p:attrName>
+                                        </p:attrNameLst>
+                                      </p:cBhvr>
+                                      <p:tavLst>
+                                        <p:tav tm="0">
+                                          <p:val>
+                                            <p:strVal val="#ppt_y+.1"/>
+                                          </p:val>
+                                        </p:tav>
+                                        <p:tav tm="100000">
+                                          <p:val>
+                                            <p:strVal val="#ppt_y"/>
+                                          </p:val>
+                                        </p:tav>
+                                      </p:tavLst>
+                                    </p:anim>
+                                  </p:childTnLst>
+                                </p:cTn>
+                              </p:par>
+                            </p:childTnLst>
+                          </p:cTn>
+                        </p:par>
+                      </p:childTnLst>
+                    </p:cTn>
+                  </p:par>
+                  <p:par>
+                    <p:cTn id="17" fill="hold">
+                      <p:stCondLst>
+                        <p:cond delay="indefinite"/>
+                      </p:stCondLst>
+                      <p:childTnLst>
+                        <p:par>
+                          <p:cTn id="18" fill="hold">
+                            <p:stCondLst>
+                              <p:cond delay="0"/>
+                            </p:stCondLst>
+                            <p:childTnLst>
+                              <p:par>
+                                <p:cTn id="19" presetID="42" presetClass="entr" presetSubtype="0" fill="hold" nodeType="clickEffect">
+                                  <p:stCondLst>
+                                    <p:cond delay="0"/>
+                                  </p:stCondLst>
+                                  <p:childTnLst>
+                                    <p:set>
+                                      <p:cBhvr>
+                                        <p:cTn id="20" dur="1" fill="hold">
+                                          <p:stCondLst>
+                                            <p:cond delay="0"/>
+                                          </p:stCondLst>
+                                        </p:cTn>
+                                        <p:tgtEl>
+                                          <p:spTgt spid="20"/>
+                                        </p:tgtEl>
+                                        <p:attrNameLst>
+                                          <p:attrName>style.visibility</p:attrName>
+                                        </p:attrNameLst>
+                                      </p:cBhvr>
+                                      <p:to>
+                                        <p:strVal val="visible"/>
+                                      </p:to>
+                                    </p:set>
+                                    <p:animEffect transition="in" filter="fade">
+                                      <p:cBhvr>
+                                        <p:cTn id="21" dur="500"/>
+                                        <p:tgtEl>
+                                          <p:spTgt spid="20"/>
+                                        </p:tgtEl>
+                                      </p:cBhvr>
+                                    </p:animEffect>
+                                    <p:anim calcmode="lin" valueType="num">
+                                      <p:cBhvr>
+                                        <p:cTn id="22" dur="500" fill="hold"/>
+                                        <p:tgtEl>
+                                          <p:spTgt spid="20"/>
+                                        </p:tgtEl>
+                                        <p:attrNameLst>
+                                          <p:attrName>ppt_x</p:attrName>
+                                        </p:attrNameLst>
+                                      </p:cBhvr>
+                                      <p:tavLst>
+                                        <p:tav tm="0">
+                                          <p:val>
+                                            <p:strVal val="#ppt_x"/>
+                                          </p:val>
+                                        </p:tav>
+                                        <p:tav tm="100000">
+                                          <p:val>
+                                            <p:strVal val="#ppt_x"/>
+                                          </p:val>
+                                        </p:tav>
+                                      </p:tavLst>
+                                    </p:anim>
+                                    <p:anim calcmode="lin" valueType="num">
+                                      <p:cBhvr>
+                                        <p:cTn id="23" dur="500" fill="hold"/>
+                                        <p:tgtEl>
+                                          <p:spTgt spid="20"/>
+                                        </p:tgtEl>
+                                        <p:attrNameLst>
+                                          <p:attrName>ppt_y</p:attrName>
+                                        </p:attrNameLst>
+                                      </p:cBhvr>
+                                      <p:tavLst>
+                                        <p:tav tm="0">
+                                          <p:val>
+                                            <p:strVal val="#ppt_y+.1"/>
+                                          </p:val>
+                                        </p:tav>
+                                        <p:tav tm="100000">
+                                          <p:val>
+                                            <p:strVal val="#ppt_y"/>
+                                          </p:val>
+                                        </p:tav>
+                                      </p:tavLst>
+                                    </p:anim>
+                                  </p:childTnLst>
+                                </p:cTn>
+                              </p:par>
+                            </p:childTnLst>
+                          </p:cTn>
+                        </p:par>
+                      </p:childTnLst>
+                    </p:cTn>
+                  </p:par>
+                </p:childTnLst>
+              </p:cTn>
+              <p:prevCondLst>
+                <p:cond evt="onPrev" delay="0">
+                  <p:tgtEl>
+                    <p:sldTgt/>
+                  </p:tgtEl>
+                </p:cond>
+              </p:prevCondLst>
+              <p:nextCondLst>
+                <p:cond evt="onNext" delay="0">
+                  <p:tgtEl>
+                    <p:sldTgt/>
+                  </p:tgtEl>
+                </p:cond>
+              </p:nextCondLst>
+            </p:seq>
+          </p:childTnLst>
+        </p:cTn>
       </p:par>
     </p:tnLst>
   </p:timing>
@@ -15543,7 +15654,7 @@
           <a:p>
             <a:pPr algn="ctr"/>
             <a:r>
-              <a:rPr lang="pt-BR" sz="2400" b="1" dirty="0" smtClean="0">
+              <a:rPr lang="pt-BR" sz="2400" b="1" dirty="0">
                 <a:ln w="0"/>
                 <a:solidFill>
                   <a:schemeClr val="bg1"/>
@@ -15670,7 +15781,7 @@
           <a:p>
             <a:pPr algn="ctr"/>
             <a:r>
-              <a:rPr lang="pt-BR" sz="4400" b="1" cap="none" spc="0" dirty="0" smtClean="0">
+              <a:rPr lang="pt-BR" sz="4400" b="1" cap="none" spc="0" dirty="0">
                 <a:ln w="10160">
                   <a:solidFill>
                     <a:schemeClr val="accent1">
@@ -15694,28 +15805,6 @@
               </a:rPr>
               <a:t>MATHEUS</a:t>
             </a:r>
-            <a:endParaRPr lang="pt-BR" sz="4400" b="1" cap="none" spc="0" dirty="0">
-              <a:ln w="10160">
-                <a:solidFill>
-                  <a:schemeClr val="accent1">
-                    <a:lumMod val="75000"/>
-                  </a:schemeClr>
-                </a:solidFill>
-                <a:prstDash val="solid"/>
-              </a:ln>
-              <a:solidFill>
-                <a:schemeClr val="accent1">
-                  <a:lumMod val="75000"/>
-                </a:schemeClr>
-              </a:solidFill>
-              <a:effectLst>
-                <a:outerShdw blurRad="38100" dist="22860" dir="5400000" algn="tl" rotWithShape="0">
-                  <a:srgbClr val="000000">
-                    <a:alpha val="30000"/>
-                  </a:srgbClr>
-                </a:outerShdw>
-              </a:effectLst>
-            </a:endParaRPr>
           </a:p>
         </p:txBody>
       </p:sp>
@@ -15741,13 +15830,6 @@
       </p:transition>
     </mc:Fallback>
   </mc:AlternateContent>
-  <p:timing>
-    <p:tnLst>
-      <p:par>
-        <p:cTn id="1" dur="indefinite" restart="never" nodeType="tmRoot"/>
-      </p:par>
-    </p:tnLst>
-  </p:timing>
 </p:sld>
 </file>
 
@@ -15891,7 +15973,7 @@
         </p:nvGraphicFramePr>
         <p:xfrm>
           <a:off x="266700" y="1294689"/>
-          <a:ext cx="6578600" cy="5360867"/>
+          <a:ext cx="6578600" cy="5349239"/>
         </p:xfrm>
         <a:graphic>
           <a:graphicData uri="http://schemas.openxmlformats.org/drawingml/2006/table">
@@ -17668,7 +17750,7 @@
         </p:nvGraphicFramePr>
         <p:xfrm>
           <a:off x="7137676" y="1294689"/>
-          <a:ext cx="4761948" cy="5372384"/>
+          <a:ext cx="4761948" cy="5349238"/>
         </p:xfrm>
         <a:graphic>
           <a:graphicData uri="http://schemas.openxmlformats.org/drawingml/2006/table">
@@ -18778,7 +18860,7 @@
           <a:p>
             <a:pPr algn="just"/>
             <a:r>
-              <a:rPr lang="pt-BR" sz="4000" b="1" dirty="0" smtClean="0">
+              <a:rPr lang="pt-BR" sz="4000" b="1" dirty="0">
                 <a:ln w="0"/>
                 <a:solidFill>
                   <a:schemeClr val="bg1"/>
@@ -18877,7 +18959,7 @@
           <a:p>
             <a:pPr algn="ctr"/>
             <a:r>
-              <a:rPr lang="pt-BR" sz="4400" b="1" cap="none" spc="0" dirty="0" smtClean="0">
+              <a:rPr lang="pt-BR" sz="4400" b="1" cap="none" spc="0" dirty="0">
                 <a:ln w="10160">
                   <a:solidFill>
                     <a:srgbClr val="FF0000"/>
@@ -18897,24 +18979,6 @@
               </a:rPr>
               <a:t>YUDI</a:t>
             </a:r>
-            <a:endParaRPr lang="pt-BR" sz="4400" b="1" cap="none" spc="0" dirty="0">
-              <a:ln w="10160">
-                <a:solidFill>
-                  <a:srgbClr val="FF0000"/>
-                </a:solidFill>
-                <a:prstDash val="solid"/>
-              </a:ln>
-              <a:solidFill>
-                <a:srgbClr val="FF0000"/>
-              </a:solidFill>
-              <a:effectLst>
-                <a:outerShdw blurRad="38100" dist="22860" dir="5400000" algn="tl" rotWithShape="0">
-                  <a:srgbClr val="000000">
-                    <a:alpha val="30000"/>
-                  </a:srgbClr>
-                </a:outerShdw>
-              </a:effectLst>
-            </a:endParaRPr>
           </a:p>
         </p:txBody>
       </p:sp>
@@ -18928,21 +18992,6 @@
   <p:clrMapOvr>
     <a:masterClrMapping/>
   </p:clrMapOvr>
-  <mc:AlternateContent xmlns:mc="http://schemas.openxmlformats.org/markup-compatibility/2006" xmlns:p14="http://schemas.microsoft.com/office/powerpoint/2010/main">
-    <mc:Choice Requires="p14">
-      <p:transition p14:dur="0"/>
-    </mc:Choice>
-    <mc:Fallback xmlns="">
-      <p:transition/>
-    </mc:Fallback>
-  </mc:AlternateContent>
-  <p:timing>
-    <p:tnLst>
-      <p:par>
-        <p:cTn id="1" dur="indefinite" restart="never" nodeType="tmRoot"/>
-      </p:par>
-    </p:tnLst>
-  </p:timing>
 </p:sld>
 </file>
 
@@ -19095,7 +19144,7 @@
           <a:p>
             <a:pPr algn="just"/>
             <a:r>
-              <a:rPr lang="pt-BR" sz="4000" b="1" dirty="0" smtClean="0">
+              <a:rPr lang="pt-BR" sz="4000" b="1" dirty="0">
                 <a:ln w="0"/>
                 <a:solidFill>
                   <a:schemeClr val="bg1"/>
@@ -19391,7 +19440,7 @@
           <a:p>
             <a:pPr algn="ctr"/>
             <a:r>
-              <a:rPr lang="pt-BR" sz="2400" b="1" dirty="0" smtClean="0">
+              <a:rPr lang="pt-BR" sz="2400" b="1" dirty="0">
                 <a:ln w="0"/>
                 <a:solidFill>
                   <a:schemeClr val="bg1"/>
@@ -19449,7 +19498,7 @@
           <a:p>
             <a:pPr algn="ctr"/>
             <a:r>
-              <a:rPr lang="pt-BR" sz="2400" b="1" dirty="0" smtClean="0">
+              <a:rPr lang="pt-BR" sz="2400" b="1" dirty="0">
                 <a:ln w="0"/>
                 <a:solidFill>
                   <a:schemeClr val="bg1"/>
@@ -19507,7 +19556,7 @@
           <a:p>
             <a:pPr algn="ctr"/>
             <a:r>
-              <a:rPr lang="pt-BR" sz="2400" b="1" dirty="0" smtClean="0">
+              <a:rPr lang="pt-BR" sz="2400" b="1" dirty="0">
                 <a:ln w="0"/>
                 <a:solidFill>
                   <a:schemeClr val="bg1"/>
@@ -19565,7 +19614,7 @@
           <a:p>
             <a:pPr algn="ctr"/>
             <a:r>
-              <a:rPr lang="pt-BR" sz="2400" b="1" dirty="0" smtClean="0">
+              <a:rPr lang="pt-BR" sz="2400" b="1" dirty="0">
                 <a:ln w="0"/>
                 <a:solidFill>
                   <a:schemeClr val="bg1"/>
@@ -19928,7 +19977,7 @@
           <a:p>
             <a:pPr algn="just"/>
             <a:r>
-              <a:rPr lang="pt-BR" sz="2400" b="1" dirty="0" smtClean="0">
+              <a:rPr lang="pt-BR" sz="2400" b="1" dirty="0">
                 <a:ln w="0"/>
                 <a:solidFill>
                   <a:schemeClr val="bg1"/>
@@ -19986,7 +20035,7 @@
           <a:p>
             <a:pPr algn="just"/>
             <a:r>
-              <a:rPr lang="pt-BR" sz="2400" b="1" dirty="0" smtClean="0">
+              <a:rPr lang="pt-BR" sz="2400" b="1" dirty="0">
                 <a:ln w="0"/>
                 <a:solidFill>
                   <a:schemeClr val="bg1"/>
@@ -20043,7 +20092,7 @@
           <a:p>
             <a:pPr algn="ctr"/>
             <a:r>
-              <a:rPr lang="pt-BR" sz="4400" b="1" cap="none" spc="0" dirty="0" smtClean="0">
+              <a:rPr lang="pt-BR" sz="4400" b="1" cap="none" spc="0" dirty="0">
                 <a:ln w="10160">
                   <a:solidFill>
                     <a:srgbClr val="FF0000"/>
@@ -20063,24 +20112,6 @@
               </a:rPr>
               <a:t>YUDI</a:t>
             </a:r>
-            <a:endParaRPr lang="pt-BR" sz="4400" b="1" cap="none" spc="0" dirty="0">
-              <a:ln w="10160">
-                <a:solidFill>
-                  <a:srgbClr val="FF0000"/>
-                </a:solidFill>
-                <a:prstDash val="solid"/>
-              </a:ln>
-              <a:solidFill>
-                <a:srgbClr val="FF0000"/>
-              </a:solidFill>
-              <a:effectLst>
-                <a:outerShdw blurRad="38100" dist="22860" dir="5400000" algn="tl" rotWithShape="0">
-                  <a:srgbClr val="000000">
-                    <a:alpha val="30000"/>
-                  </a:srgbClr>
-                </a:outerShdw>
-              </a:effectLst>
-            </a:endParaRPr>
           </a:p>
         </p:txBody>
       </p:sp>
@@ -21097,7 +21128,7 @@
           <a:lstStyle/>
           <a:p>
             <a:r>
-              <a:rPr lang="pt-BR" sz="2400" b="1" dirty="0" smtClean="0">
+              <a:rPr lang="pt-BR" sz="2400" b="1" dirty="0">
                 <a:ln w="0"/>
                 <a:solidFill>
                   <a:schemeClr val="bg1"/>
@@ -21649,7 +21680,7 @@
           <a:p>
             <a:pPr algn="ctr"/>
             <a:r>
-              <a:rPr lang="pt-BR" sz="2400" b="1" dirty="0" smtClean="0">
+              <a:rPr lang="pt-BR" sz="2400" b="1" dirty="0">
                 <a:ln w="0"/>
                 <a:solidFill>
                   <a:schemeClr val="bg1"/>
@@ -21707,7 +21738,7 @@
           <a:p>
             <a:pPr algn="ctr"/>
             <a:r>
-              <a:rPr lang="pt-BR" sz="2400" b="1" dirty="0" smtClean="0">
+              <a:rPr lang="pt-BR" sz="2400" b="1" dirty="0">
                 <a:ln w="0"/>
                 <a:solidFill>
                   <a:schemeClr val="bg1"/>
@@ -21765,7 +21796,7 @@
           <a:p>
             <a:pPr algn="ctr"/>
             <a:r>
-              <a:rPr lang="pt-BR" sz="2400" b="1" dirty="0" smtClean="0">
+              <a:rPr lang="pt-BR" sz="2400" b="1" dirty="0">
                 <a:ln w="0"/>
                 <a:solidFill>
                   <a:schemeClr val="bg1"/>
@@ -21822,7 +21853,7 @@
           <a:lstStyle/>
           <a:p>
             <a:r>
-              <a:rPr lang="pt-BR" b="1" cap="none" spc="0" dirty="0" smtClean="0">
+              <a:rPr lang="pt-BR" b="1" cap="none" spc="0" dirty="0">
                 <a:ln w="0"/>
                 <a:solidFill>
                   <a:schemeClr val="bg1"/>
@@ -21841,7 +21872,7 @@
           </a:p>
           <a:p>
             <a:r>
-              <a:rPr lang="pt-BR" b="1" dirty="0" smtClean="0">
+              <a:rPr lang="pt-BR" b="1" dirty="0">
                 <a:ln w="0"/>
                 <a:solidFill>
                   <a:schemeClr val="bg1"/>
@@ -21855,8 +21886,24 @@
                 </a:effectLst>
                 <a:latin typeface="Exo 2 Extra Light" panose="00000300000000000000" pitchFamily="50" charset="0"/>
               </a:rPr>
-              <a:t>Planejamento </a:t>
+              <a:t>Planejamento do projeto </a:t>
             </a:r>
+            <a:endParaRPr lang="pt-BR" b="1" cap="none" spc="0" dirty="0">
+              <a:ln w="0"/>
+              <a:solidFill>
+                <a:schemeClr val="bg1"/>
+              </a:solidFill>
+              <a:effectLst>
+                <a:outerShdw blurRad="38100" dist="19050" dir="2700000" algn="tl" rotWithShape="0">
+                  <a:schemeClr val="dk1">
+                    <a:alpha val="40000"/>
+                  </a:schemeClr>
+                </a:outerShdw>
+              </a:effectLst>
+              <a:latin typeface="Exo 2 Extra Light" panose="00000300000000000000" pitchFamily="50" charset="0"/>
+            </a:endParaRPr>
+          </a:p>
+          <a:p>
             <a:r>
               <a:rPr lang="pt-BR" b="1" dirty="0">
                 <a:ln w="0"/>
@@ -21872,10 +21919,51 @@
                 </a:effectLst>
                 <a:latin typeface="Exo 2 Extra Light" panose="00000300000000000000" pitchFamily="50" charset="0"/>
               </a:rPr>
-              <a:t>do </a:t>
+              <a:t>Documentação do projeto    </a:t>
             </a:r>
+            <a:endParaRPr lang="pt-BR" b="1" cap="none" spc="0" dirty="0">
+              <a:ln w="0"/>
+              <a:solidFill>
+                <a:schemeClr val="bg1"/>
+              </a:solidFill>
+              <a:effectLst>
+                <a:outerShdw blurRad="38100" dist="19050" dir="2700000" algn="tl" rotWithShape="0">
+                  <a:schemeClr val="dk1">
+                    <a:alpha val="40000"/>
+                  </a:schemeClr>
+                </a:outerShdw>
+              </a:effectLst>
+              <a:latin typeface="Exo 2 Extra Light" panose="00000300000000000000" pitchFamily="50" charset="0"/>
+            </a:endParaRPr>
+          </a:p>
+        </p:txBody>
+      </p:sp>
+      <p:sp>
+        <p:nvSpPr>
+          <p:cNvPr id="51" name="Retângulo 50"/>
+          <p:cNvSpPr/>
+          <p:nvPr/>
+        </p:nvSpPr>
+        <p:spPr>
+          <a:xfrm>
+            <a:off x="3260035" y="2339232"/>
+            <a:ext cx="6361182" cy="923330"/>
+          </a:xfrm>
+          <a:prstGeom prst="rect">
+            <a:avLst/>
+          </a:prstGeom>
+          <a:noFill/>
+          <a:effectLst/>
+        </p:spPr>
+        <p:txBody>
+          <a:bodyPr wrap="square" lIns="91440" tIns="45720" rIns="91440" bIns="45720">
+            <a:spAutoFit/>
+          </a:bodyPr>
+          <a:lstStyle/>
+          <a:p>
+            <a:pPr algn="r"/>
             <a:r>
-              <a:rPr lang="pt-BR" b="1" dirty="0" smtClean="0">
+              <a:rPr lang="pt-BR" b="1" cap="none" spc="0" dirty="0">
                 <a:ln w="0"/>
                 <a:solidFill>
                   <a:schemeClr val="bg1"/>
@@ -21889,24 +21977,11 @@
                 </a:effectLst>
                 <a:latin typeface="Exo 2 Extra Light" panose="00000300000000000000" pitchFamily="50" charset="0"/>
               </a:rPr>
-              <a:t>projeto </a:t>
+              <a:t>Desenvolvimento back-end</a:t>
             </a:r>
-            <a:endParaRPr lang="pt-BR" b="1" cap="none" spc="0" dirty="0" smtClean="0">
-              <a:ln w="0"/>
-              <a:solidFill>
-                <a:schemeClr val="bg1"/>
-              </a:solidFill>
-              <a:effectLst>
-                <a:outerShdw blurRad="38100" dist="19050" dir="2700000" algn="tl" rotWithShape="0">
-                  <a:schemeClr val="dk1">
-                    <a:alpha val="40000"/>
-                  </a:schemeClr>
-                </a:outerShdw>
-              </a:effectLst>
-              <a:latin typeface="Exo 2 Extra Light" panose="00000300000000000000" pitchFamily="50" charset="0"/>
-            </a:endParaRPr>
-          </a:p>
-          <a:p>
+          </a:p>
+          <a:p>
+            <a:pPr algn="r"/>
             <a:r>
               <a:rPr lang="pt-BR" b="1" dirty="0">
                 <a:ln w="0"/>
@@ -21922,26 +21997,9 @@
                 </a:effectLst>
                 <a:latin typeface="Exo 2 Extra Light" panose="00000300000000000000" pitchFamily="50" charset="0"/>
               </a:rPr>
-              <a:t>D</a:t>
+              <a:t>Auxílio no planejamento do projeto</a:t>
             </a:r>
-            <a:r>
-              <a:rPr lang="pt-BR" b="1" dirty="0" smtClean="0">
-                <a:ln w="0"/>
-                <a:solidFill>
-                  <a:schemeClr val="bg1"/>
-                </a:solidFill>
-                <a:effectLst>
-                  <a:outerShdw blurRad="38100" dist="19050" dir="2700000" algn="tl" rotWithShape="0">
-                    <a:schemeClr val="dk1">
-                      <a:alpha val="40000"/>
-                    </a:schemeClr>
-                  </a:outerShdw>
-                </a:effectLst>
-                <a:latin typeface="Exo 2 Extra Light" panose="00000300000000000000" pitchFamily="50" charset="0"/>
-              </a:rPr>
-              <a:t>ocumentação do projeto    </a:t>
-            </a:r>
-            <a:endParaRPr lang="pt-BR" b="1" cap="none" spc="0" dirty="0" smtClean="0">
+            <a:endParaRPr lang="pt-BR" b="1" cap="none" spc="0" dirty="0">
               <a:ln w="0"/>
               <a:solidFill>
                 <a:schemeClr val="bg1"/>
@@ -21956,88 +22014,10 @@
               <a:latin typeface="Exo 2 Extra Light" panose="00000300000000000000" pitchFamily="50" charset="0"/>
             </a:endParaRPr>
           </a:p>
-        </p:txBody>
-      </p:sp>
-      <p:sp>
-        <p:nvSpPr>
-          <p:cNvPr id="51" name="Retângulo 50"/>
-          <p:cNvSpPr/>
-          <p:nvPr/>
-        </p:nvSpPr>
-        <p:spPr>
-          <a:xfrm>
-            <a:off x="3260035" y="2339232"/>
-            <a:ext cx="6361182" cy="923330"/>
-          </a:xfrm>
-          <a:prstGeom prst="rect">
-            <a:avLst/>
-          </a:prstGeom>
-          <a:noFill/>
-          <a:effectLst/>
-        </p:spPr>
-        <p:txBody>
-          <a:bodyPr wrap="square" lIns="91440" tIns="45720" rIns="91440" bIns="45720">
-            <a:spAutoFit/>
-          </a:bodyPr>
-          <a:lstStyle/>
           <a:p>
             <a:pPr algn="r"/>
             <a:r>
-              <a:rPr lang="pt-BR" b="1" cap="none" spc="0" dirty="0" smtClean="0">
-                <a:ln w="0"/>
-                <a:solidFill>
-                  <a:schemeClr val="bg1"/>
-                </a:solidFill>
-                <a:effectLst>
-                  <a:outerShdw blurRad="38100" dist="19050" dir="2700000" algn="tl" rotWithShape="0">
-                    <a:schemeClr val="dk1">
-                      <a:alpha val="40000"/>
-                    </a:schemeClr>
-                  </a:outerShdw>
-                </a:effectLst>
-                <a:latin typeface="Exo 2 Extra Light" panose="00000300000000000000" pitchFamily="50" charset="0"/>
-              </a:rPr>
-              <a:t>Desenvolvimento back-end</a:t>
-            </a:r>
-          </a:p>
-          <a:p>
-            <a:pPr algn="r"/>
-            <a:r>
-              <a:rPr lang="pt-BR" b="1" dirty="0" smtClean="0">
-                <a:ln w="0"/>
-                <a:solidFill>
-                  <a:schemeClr val="bg1"/>
-                </a:solidFill>
-                <a:effectLst>
-                  <a:outerShdw blurRad="38100" dist="19050" dir="2700000" algn="tl" rotWithShape="0">
-                    <a:schemeClr val="dk1">
-                      <a:alpha val="40000"/>
-                    </a:schemeClr>
-                  </a:outerShdw>
-                </a:effectLst>
-                <a:latin typeface="Exo 2 Extra Light" panose="00000300000000000000" pitchFamily="50" charset="0"/>
-              </a:rPr>
-              <a:t>Auxílio no planejamento do projeto</a:t>
-            </a:r>
-            <a:endParaRPr lang="pt-BR" b="1" cap="none" spc="0" dirty="0" smtClean="0">
-              <a:ln w="0"/>
-              <a:solidFill>
-                <a:schemeClr val="bg1"/>
-              </a:solidFill>
-              <a:effectLst>
-                <a:outerShdw blurRad="38100" dist="19050" dir="2700000" algn="tl" rotWithShape="0">
-                  <a:schemeClr val="dk1">
-                    <a:alpha val="40000"/>
-                  </a:schemeClr>
-                </a:outerShdw>
-              </a:effectLst>
-              <a:latin typeface="Exo 2 Extra Light" panose="00000300000000000000" pitchFamily="50" charset="0"/>
-            </a:endParaRPr>
-          </a:p>
-          <a:p>
-            <a:pPr algn="r"/>
-            <a:r>
-              <a:rPr lang="pt-BR" b="1" dirty="0" smtClean="0">
+              <a:rPr lang="pt-BR" b="1" dirty="0">
                 <a:ln w="0"/>
                 <a:solidFill>
                   <a:schemeClr val="bg1"/>
@@ -22054,7 +22034,7 @@
               <a:t>Auxílio na d</a:t>
             </a:r>
             <a:r>
-              <a:rPr lang="pt-BR" b="1" cap="none" spc="0" dirty="0" smtClean="0">
+              <a:rPr lang="pt-BR" b="1" cap="none" spc="0" dirty="0">
                 <a:ln w="0"/>
                 <a:solidFill>
                   <a:schemeClr val="bg1"/>
@@ -22097,7 +22077,7 @@
           <a:lstStyle/>
           <a:p>
             <a:r>
-              <a:rPr lang="pt-BR" b="1" dirty="0" smtClean="0">
+              <a:rPr lang="pt-BR" b="1" dirty="0">
                 <a:ln w="0"/>
                 <a:solidFill>
                   <a:schemeClr val="bg1"/>
@@ -22116,7 +22096,7 @@
           </a:p>
           <a:p>
             <a:r>
-              <a:rPr lang="pt-BR" b="1" dirty="0" smtClean="0">
+              <a:rPr lang="pt-BR" b="1" dirty="0">
                 <a:ln w="0"/>
                 <a:solidFill>
                   <a:schemeClr val="bg1"/>
@@ -22135,7 +22115,7 @@
           </a:p>
           <a:p>
             <a:r>
-              <a:rPr lang="pt-BR" b="1" dirty="0" smtClean="0">
+              <a:rPr lang="pt-BR" b="1" dirty="0">
                 <a:ln w="0"/>
                 <a:solidFill>
                   <a:schemeClr val="bg1"/>
@@ -22179,7 +22159,7 @@
           <a:p>
             <a:pPr algn="r"/>
             <a:r>
-              <a:rPr lang="pt-BR" b="1" dirty="0" smtClean="0">
+              <a:rPr lang="pt-BR" b="1" dirty="0">
                 <a:ln w="0"/>
                 <a:solidFill>
                   <a:schemeClr val="bg1"/>
@@ -22199,7 +22179,7 @@
           <a:p>
             <a:pPr algn="r"/>
             <a:r>
-              <a:rPr lang="pt-BR" b="1" dirty="0" smtClean="0">
+              <a:rPr lang="pt-BR" b="1" dirty="0">
                 <a:ln w="0"/>
                 <a:solidFill>
                   <a:schemeClr val="bg1"/>
@@ -22219,7 +22199,7 @@
           <a:p>
             <a:pPr algn="r"/>
             <a:r>
-              <a:rPr lang="pt-BR" b="1" dirty="0" smtClean="0">
+              <a:rPr lang="pt-BR" b="1" dirty="0">
                 <a:ln w="0"/>
                 <a:solidFill>
                   <a:schemeClr val="bg1"/>
@@ -22262,7 +22242,7 @@
           <a:p>
             <a:pPr algn="ctr"/>
             <a:r>
-              <a:rPr lang="pt-BR" sz="4400" b="1" cap="none" spc="0" dirty="0" smtClean="0">
+              <a:rPr lang="pt-BR" sz="4400" b="1" cap="none" spc="0" dirty="0">
                 <a:ln w="10160">
                   <a:solidFill>
                     <a:srgbClr val="FF0000"/>
@@ -22282,24 +22262,6 @@
               </a:rPr>
               <a:t>YUDI</a:t>
             </a:r>
-            <a:endParaRPr lang="pt-BR" sz="4400" b="1" cap="none" spc="0" dirty="0">
-              <a:ln w="10160">
-                <a:solidFill>
-                  <a:srgbClr val="FF0000"/>
-                </a:solidFill>
-                <a:prstDash val="solid"/>
-              </a:ln>
-              <a:solidFill>
-                <a:srgbClr val="FF0000"/>
-              </a:solidFill>
-              <a:effectLst>
-                <a:outerShdw blurRad="38100" dist="22860" dir="5400000" algn="tl" rotWithShape="0">
-                  <a:srgbClr val="000000">
-                    <a:alpha val="30000"/>
-                  </a:srgbClr>
-                </a:outerShdw>
-              </a:effectLst>
-            </a:endParaRPr>
           </a:p>
         </p:txBody>
       </p:sp>
@@ -22325,13 +22287,6 @@
       </p:transition>
     </mc:Fallback>
   </mc:AlternateContent>
-  <p:timing>
-    <p:tnLst>
-      <p:par>
-        <p:cTn id="1" dur="indefinite" restart="never" nodeType="tmRoot"/>
-      </p:par>
-    </p:tnLst>
-  </p:timing>
 </p:sld>
 </file>
 
@@ -22484,7 +22439,7 @@
           <a:p>
             <a:pPr algn="just"/>
             <a:r>
-              <a:rPr lang="pt-BR" sz="4000" b="1" dirty="0" smtClean="0">
+              <a:rPr lang="pt-BR" sz="4000" b="1" dirty="0">
                 <a:ln w="0"/>
                 <a:solidFill>
                   <a:schemeClr val="bg1"/>
@@ -22695,7 +22650,7 @@
           <a:p>
             <a:pPr algn="ctr"/>
             <a:r>
-              <a:rPr lang="pt-BR" sz="4400" b="1" cap="none" spc="0" dirty="0" smtClean="0">
+              <a:rPr lang="pt-BR" sz="4400" b="1" cap="none" spc="0" dirty="0">
                 <a:ln w="10160">
                   <a:solidFill>
                     <a:srgbClr val="FF0000"/>
@@ -22715,24 +22670,6 @@
               </a:rPr>
               <a:t>YUDI</a:t>
             </a:r>
-            <a:endParaRPr lang="pt-BR" sz="4400" b="1" cap="none" spc="0" dirty="0">
-              <a:ln w="10160">
-                <a:solidFill>
-                  <a:srgbClr val="FF0000"/>
-                </a:solidFill>
-                <a:prstDash val="solid"/>
-              </a:ln>
-              <a:solidFill>
-                <a:srgbClr val="FF0000"/>
-              </a:solidFill>
-              <a:effectLst>
-                <a:outerShdw blurRad="38100" dist="22860" dir="5400000" algn="tl" rotWithShape="0">
-                  <a:srgbClr val="000000">
-                    <a:alpha val="30000"/>
-                  </a:srgbClr>
-                </a:outerShdw>
-              </a:effectLst>
-            </a:endParaRPr>
           </a:p>
         </p:txBody>
       </p:sp>
@@ -22746,13 +22683,6 @@
   <p:clrMapOvr>
     <a:masterClrMapping/>
   </p:clrMapOvr>
-  <p:timing>
-    <p:tnLst>
-      <p:par>
-        <p:cTn id="1" dur="indefinite" restart="never" nodeType="tmRoot"/>
-      </p:par>
-    </p:tnLst>
-  </p:timing>
 </p:sld>
 </file>
 

--- a/Apresentação/inSensor.pptx
+++ b/Apresentação/inSensor.pptx
@@ -262,7 +262,7 @@
           <a:p>
             <a:fld id="{1A9BD4CD-1A6A-4953-94B0-D07B000D9A03}" type="datetimeFigureOut">
               <a:rPr lang="pt-BR" smtClean="0"/>
-              <a:t>01/12/2018</a:t>
+              <a:t>04/12/2018</a:t>
             </a:fld>
             <a:endParaRPr lang="pt-BR" dirty="0"/>
           </a:p>
@@ -430,7 +430,7 @@
           <a:p>
             <a:fld id="{1A9BD4CD-1A6A-4953-94B0-D07B000D9A03}" type="datetimeFigureOut">
               <a:rPr lang="pt-BR" smtClean="0"/>
-              <a:t>01/12/2018</a:t>
+              <a:t>04/12/2018</a:t>
             </a:fld>
             <a:endParaRPr lang="pt-BR" dirty="0"/>
           </a:p>
@@ -608,7 +608,7 @@
           <a:p>
             <a:fld id="{1A9BD4CD-1A6A-4953-94B0-D07B000D9A03}" type="datetimeFigureOut">
               <a:rPr lang="pt-BR" smtClean="0"/>
-              <a:t>01/12/2018</a:t>
+              <a:t>04/12/2018</a:t>
             </a:fld>
             <a:endParaRPr lang="pt-BR" dirty="0"/>
           </a:p>
@@ -776,7 +776,7 @@
           <a:p>
             <a:fld id="{1A9BD4CD-1A6A-4953-94B0-D07B000D9A03}" type="datetimeFigureOut">
               <a:rPr lang="pt-BR" smtClean="0"/>
-              <a:t>01/12/2018</a:t>
+              <a:t>04/12/2018</a:t>
             </a:fld>
             <a:endParaRPr lang="pt-BR" dirty="0"/>
           </a:p>
@@ -1021,7 +1021,7 @@
           <a:p>
             <a:fld id="{1A9BD4CD-1A6A-4953-94B0-D07B000D9A03}" type="datetimeFigureOut">
               <a:rPr lang="pt-BR" smtClean="0"/>
-              <a:t>01/12/2018</a:t>
+              <a:t>04/12/2018</a:t>
             </a:fld>
             <a:endParaRPr lang="pt-BR" dirty="0"/>
           </a:p>
@@ -1250,7 +1250,7 @@
           <a:p>
             <a:fld id="{1A9BD4CD-1A6A-4953-94B0-D07B000D9A03}" type="datetimeFigureOut">
               <a:rPr lang="pt-BR" smtClean="0"/>
-              <a:t>01/12/2018</a:t>
+              <a:t>04/12/2018</a:t>
             </a:fld>
             <a:endParaRPr lang="pt-BR" dirty="0"/>
           </a:p>
@@ -1614,7 +1614,7 @@
           <a:p>
             <a:fld id="{1A9BD4CD-1A6A-4953-94B0-D07B000D9A03}" type="datetimeFigureOut">
               <a:rPr lang="pt-BR" smtClean="0"/>
-              <a:t>01/12/2018</a:t>
+              <a:t>04/12/2018</a:t>
             </a:fld>
             <a:endParaRPr lang="pt-BR" dirty="0"/>
           </a:p>
@@ -1731,7 +1731,7 @@
           <a:p>
             <a:fld id="{1A9BD4CD-1A6A-4953-94B0-D07B000D9A03}" type="datetimeFigureOut">
               <a:rPr lang="pt-BR" smtClean="0"/>
-              <a:t>01/12/2018</a:t>
+              <a:t>04/12/2018</a:t>
             </a:fld>
             <a:endParaRPr lang="pt-BR" dirty="0"/>
           </a:p>
@@ -1826,7 +1826,7 @@
           <a:p>
             <a:fld id="{1A9BD4CD-1A6A-4953-94B0-D07B000D9A03}" type="datetimeFigureOut">
               <a:rPr lang="pt-BR" smtClean="0"/>
-              <a:t>01/12/2018</a:t>
+              <a:t>04/12/2018</a:t>
             </a:fld>
             <a:endParaRPr lang="pt-BR" dirty="0"/>
           </a:p>
@@ -2101,7 +2101,7 @@
           <a:p>
             <a:fld id="{1A9BD4CD-1A6A-4953-94B0-D07B000D9A03}" type="datetimeFigureOut">
               <a:rPr lang="pt-BR" smtClean="0"/>
-              <a:t>01/12/2018</a:t>
+              <a:t>04/12/2018</a:t>
             </a:fld>
             <a:endParaRPr lang="pt-BR" dirty="0"/>
           </a:p>
@@ -2353,7 +2353,7 @@
           <a:p>
             <a:fld id="{1A9BD4CD-1A6A-4953-94B0-D07B000D9A03}" type="datetimeFigureOut">
               <a:rPr lang="pt-BR" smtClean="0"/>
-              <a:t>01/12/2018</a:t>
+              <a:t>04/12/2018</a:t>
             </a:fld>
             <a:endParaRPr lang="pt-BR" dirty="0"/>
           </a:p>
@@ -2570,7 +2570,7 @@
           <a:p>
             <a:fld id="{1A9BD4CD-1A6A-4953-94B0-D07B000D9A03}" type="datetimeFigureOut">
               <a:rPr lang="pt-BR" smtClean="0"/>
-              <a:t>01/12/2018</a:t>
+              <a:t>04/12/2018</a:t>
             </a:fld>
             <a:endParaRPr lang="pt-BR" dirty="0"/>
           </a:p>
@@ -5638,6 +5638,13 @@
   <p:clrMapOvr>
     <a:masterClrMapping/>
   </p:clrMapOvr>
+  <p:timing>
+    <p:tnLst>
+      <p:par>
+        <p:cTn id="1" dur="indefinite" restart="never" nodeType="tmRoot"/>
+      </p:par>
+    </p:tnLst>
+  </p:timing>
 </p:sld>
 </file>
 
@@ -6056,6 +6063,13 @@
   <p:clrMapOvr>
     <a:masterClrMapping/>
   </p:clrMapOvr>
+  <p:timing>
+    <p:tnLst>
+      <p:par>
+        <p:cTn id="1" dur="indefinite" restart="never" nodeType="tmRoot"/>
+      </p:par>
+    </p:tnLst>
+  </p:timing>
 </p:sld>
 </file>
 
@@ -6355,6 +6369,13 @@
   <p:clrMapOvr>
     <a:masterClrMapping/>
   </p:clrMapOvr>
+  <p:timing>
+    <p:tnLst>
+      <p:par>
+        <p:cTn id="1" dur="indefinite" restart="never" nodeType="tmRoot"/>
+      </p:par>
+    </p:tnLst>
+  </p:timing>
 </p:sld>
 </file>
 
@@ -8294,6 +8315,13 @@
   <p:clrMapOvr>
     <a:masterClrMapping/>
   </p:clrMapOvr>
+  <p:timing>
+    <p:tnLst>
+      <p:par>
+        <p:cTn id="1" dur="indefinite" restart="never" nodeType="tmRoot"/>
+      </p:par>
+    </p:tnLst>
+  </p:timing>
 </p:sld>
 </file>
 
@@ -10303,6 +10331,13 @@
   <p:clrMapOvr>
     <a:masterClrMapping/>
   </p:clrMapOvr>
+  <p:timing>
+    <p:tnLst>
+      <p:par>
+        <p:cTn id="1" dur="indefinite" restart="never" nodeType="tmRoot"/>
+      </p:par>
+    </p:tnLst>
+  </p:timing>
 </p:sld>
 </file>
 
@@ -10903,6 +10938,13 @@
   <p:clrMapOvr>
     <a:masterClrMapping/>
   </p:clrMapOvr>
+  <p:timing>
+    <p:tnLst>
+      <p:par>
+        <p:cTn id="1" dur="indefinite" restart="never" nodeType="tmRoot"/>
+      </p:par>
+    </p:tnLst>
+  </p:timing>
 </p:sld>
 </file>
 
@@ -11287,6 +11329,13 @@
   <p:clrMapOvr>
     <a:masterClrMapping/>
   </p:clrMapOvr>
+  <p:timing>
+    <p:tnLst>
+      <p:par>
+        <p:cTn id="1" dur="indefinite" restart="never" nodeType="tmRoot"/>
+      </p:par>
+    </p:tnLst>
+  </p:timing>
 </p:sld>
 </file>
 
@@ -11575,6 +11624,13 @@
   <p:clrMapOvr>
     <a:masterClrMapping/>
   </p:clrMapOvr>
+  <p:timing>
+    <p:tnLst>
+      <p:par>
+        <p:cTn id="1" dur="indefinite" restart="never" nodeType="tmRoot"/>
+      </p:par>
+    </p:tnLst>
+  </p:timing>
 </p:sld>
 </file>
 
@@ -11885,6 +11941,13 @@
   <p:clrMapOvr>
     <a:masterClrMapping/>
   </p:clrMapOvr>
+  <p:timing>
+    <p:tnLst>
+      <p:par>
+        <p:cTn id="1" dur="indefinite" restart="never" nodeType="tmRoot"/>
+      </p:par>
+    </p:tnLst>
+  </p:timing>
 </p:sld>
 </file>
 
@@ -12279,6 +12342,13 @@
   <p:clrMapOvr>
     <a:masterClrMapping/>
   </p:clrMapOvr>
+  <p:timing>
+    <p:tnLst>
+      <p:par>
+        <p:cTn id="1" dur="indefinite" restart="never" nodeType="tmRoot"/>
+      </p:par>
+    </p:tnLst>
+  </p:timing>
 </p:sld>
 </file>
 
@@ -12780,6 +12850,13 @@
   <p:clrMapOvr>
     <a:masterClrMapping/>
   </p:clrMapOvr>
+  <p:timing>
+    <p:tnLst>
+      <p:par>
+        <p:cTn id="1" dur="indefinite" restart="never" nodeType="tmRoot"/>
+      </p:par>
+    </p:tnLst>
+  </p:timing>
 </p:sld>
 </file>
 
@@ -13064,6 +13141,13 @@
   <p:clrMapOvr>
     <a:masterClrMapping/>
   </p:clrMapOvr>
+  <p:timing>
+    <p:tnLst>
+      <p:par>
+        <p:cTn id="1" dur="indefinite" restart="never" nodeType="tmRoot"/>
+      </p:par>
+    </p:tnLst>
+  </p:timing>
 </p:sld>
 </file>
 
@@ -13499,6 +13583,13 @@
   <p:clrMapOvr>
     <a:masterClrMapping/>
   </p:clrMapOvr>
+  <p:timing>
+    <p:tnLst>
+      <p:par>
+        <p:cTn id="1" dur="indefinite" restart="never" nodeType="tmRoot"/>
+      </p:par>
+    </p:tnLst>
+  </p:timing>
 </p:sld>
 </file>
 
@@ -14411,6 +14502,13 @@
   <p:clrMapOvr>
     <a:masterClrMapping/>
   </p:clrMapOvr>
+  <p:timing>
+    <p:tnLst>
+      <p:par>
+        <p:cTn id="1" dur="indefinite" restart="never" nodeType="tmRoot"/>
+      </p:par>
+    </p:tnLst>
+  </p:timing>
 </p:sld>
 </file>
 
@@ -14872,8 +14970,8 @@
           </p:blipFill>
           <p:spPr>
             <a:xfrm>
-              <a:off x="3207847" y="1818167"/>
-              <a:ext cx="5351362" cy="2604976"/>
+              <a:off x="3207847" y="1812127"/>
+              <a:ext cx="5351362" cy="2633030"/>
             </a:xfrm>
             <a:prstGeom prst="rect">
               <a:avLst/>
@@ -15830,6 +15928,13 @@
       </p:transition>
     </mc:Fallback>
   </mc:AlternateContent>
+  <p:timing>
+    <p:tnLst>
+      <p:par>
+        <p:cTn id="1" dur="indefinite" restart="never" nodeType="tmRoot"/>
+      </p:par>
+    </p:tnLst>
+  </p:timing>
 </p:sld>
 </file>
 
@@ -15973,7 +16078,7 @@
         </p:nvGraphicFramePr>
         <p:xfrm>
           <a:off x="266700" y="1294689"/>
-          <a:ext cx="6578600" cy="5349239"/>
+          <a:ext cx="6578600" cy="5360867"/>
         </p:xfrm>
         <a:graphic>
           <a:graphicData uri="http://schemas.openxmlformats.org/drawingml/2006/table">
@@ -17750,7 +17855,7 @@
         </p:nvGraphicFramePr>
         <p:xfrm>
           <a:off x="7137676" y="1294689"/>
-          <a:ext cx="4761948" cy="5349238"/>
+          <a:ext cx="4761948" cy="5372384"/>
         </p:xfrm>
         <a:graphic>
           <a:graphicData uri="http://schemas.openxmlformats.org/drawingml/2006/table">
@@ -18992,6 +19097,13 @@
   <p:clrMapOvr>
     <a:masterClrMapping/>
   </p:clrMapOvr>
+  <p:timing>
+    <p:tnLst>
+      <p:par>
+        <p:cTn id="1" dur="indefinite" restart="never" nodeType="tmRoot"/>
+      </p:par>
+    </p:tnLst>
+  </p:timing>
 </p:sld>
 </file>
 
@@ -22287,6 +22399,13 @@
       </p:transition>
     </mc:Fallback>
   </mc:AlternateContent>
+  <p:timing>
+    <p:tnLst>
+      <p:par>
+        <p:cTn id="1" dur="indefinite" restart="never" nodeType="tmRoot"/>
+      </p:par>
+    </p:tnLst>
+  </p:timing>
 </p:sld>
 </file>
 
@@ -22683,6 +22802,13 @@
   <p:clrMapOvr>
     <a:masterClrMapping/>
   </p:clrMapOvr>
+  <p:timing>
+    <p:tnLst>
+      <p:par>
+        <p:cTn id="1" dur="indefinite" restart="never" nodeType="tmRoot"/>
+      </p:par>
+    </p:tnLst>
+  </p:timing>
 </p:sld>
 </file>
 
